--- a/sample/1_data_handling.pptx
+++ b/sample/1_data_handling.pptx
@@ -280,70 +280,69 @@
           <a:p>
             <a:pPr lvl="0"/>
             <a:r>
-              <a:rPr kumimoji="1" lang="ja-JP" altLang="en-US" smtClean="0"/>
+              <a:rPr kumimoji="1" lang="ja-JP" altLang="en-US"/>
               <a:t>マスター テキストの書式設定</a:t>
             </a:r>
           </a:p>
           <a:p>
             <a:pPr lvl="1"/>
             <a:r>
-              <a:rPr kumimoji="1" lang="ja-JP" altLang="en-US" smtClean="0"/>
+              <a:rPr kumimoji="1" lang="ja-JP" altLang="en-US"/>
               <a:t>第 </a:t>
             </a:r>
             <a:r>
-              <a:rPr kumimoji="1" lang="en-US" altLang="ja-JP" smtClean="0"/>
+              <a:rPr kumimoji="1" lang="en-US" altLang="ja-JP"/>
               <a:t>2 </a:t>
             </a:r>
             <a:r>
-              <a:rPr kumimoji="1" lang="ja-JP" altLang="en-US" smtClean="0"/>
+              <a:rPr kumimoji="1" lang="ja-JP" altLang="en-US"/>
               <a:t>レベル</a:t>
             </a:r>
           </a:p>
           <a:p>
             <a:pPr lvl="2"/>
             <a:r>
-              <a:rPr kumimoji="1" lang="ja-JP" altLang="en-US" smtClean="0"/>
+              <a:rPr kumimoji="1" lang="ja-JP" altLang="en-US"/>
               <a:t>第 </a:t>
             </a:r>
             <a:r>
-              <a:rPr kumimoji="1" lang="en-US" altLang="ja-JP" smtClean="0"/>
+              <a:rPr kumimoji="1" lang="en-US" altLang="ja-JP"/>
               <a:t>3 </a:t>
             </a:r>
             <a:r>
-              <a:rPr kumimoji="1" lang="ja-JP" altLang="en-US" smtClean="0"/>
+              <a:rPr kumimoji="1" lang="ja-JP" altLang="en-US"/>
               <a:t>レベル</a:t>
             </a:r>
           </a:p>
           <a:p>
             <a:pPr lvl="3"/>
             <a:r>
-              <a:rPr kumimoji="1" lang="ja-JP" altLang="en-US" smtClean="0"/>
+              <a:rPr kumimoji="1" lang="ja-JP" altLang="en-US"/>
               <a:t>第 </a:t>
             </a:r>
             <a:r>
-              <a:rPr kumimoji="1" lang="en-US" altLang="ja-JP" smtClean="0"/>
+              <a:rPr kumimoji="1" lang="en-US" altLang="ja-JP"/>
               <a:t>4 </a:t>
             </a:r>
             <a:r>
-              <a:rPr kumimoji="1" lang="ja-JP" altLang="en-US" smtClean="0"/>
+              <a:rPr kumimoji="1" lang="ja-JP" altLang="en-US"/>
               <a:t>レベル</a:t>
             </a:r>
           </a:p>
           <a:p>
             <a:pPr lvl="4"/>
             <a:r>
-              <a:rPr kumimoji="1" lang="ja-JP" altLang="en-US" smtClean="0"/>
+              <a:rPr kumimoji="1" lang="ja-JP" altLang="en-US"/>
               <a:t>第 </a:t>
             </a:r>
             <a:r>
-              <a:rPr kumimoji="1" lang="en-US" altLang="ja-JP" smtClean="0"/>
+              <a:rPr kumimoji="1" lang="en-US" altLang="ja-JP"/>
               <a:t>5 </a:t>
             </a:r>
             <a:r>
-              <a:rPr kumimoji="1" lang="ja-JP" altLang="en-US" smtClean="0"/>
+              <a:rPr kumimoji="1" lang="ja-JP" altLang="en-US"/>
               <a:t>レベル</a:t>
             </a:r>
-            <a:endParaRPr kumimoji="1" lang="ja-JP" altLang="en-US"/>
           </a:p>
         </p:txBody>
       </p:sp>
@@ -647,7 +646,7 @@
           </a:lstStyle>
           <a:p>
             <a:r>
-              <a:rPr lang="ja-JP" altLang="en-US" smtClean="0"/>
+              <a:rPr lang="ja-JP" altLang="en-US"/>
               <a:t>マスター タイトルの書式設定</a:t>
             </a:r>
             <a:endParaRPr lang="en-US" dirty="0"/>
@@ -712,7 +711,7 @@
           </a:lstStyle>
           <a:p>
             <a:r>
-              <a:rPr lang="ja-JP" altLang="en-US" smtClean="0"/>
+              <a:rPr lang="ja-JP" altLang="en-US"/>
               <a:t>マスター サブタイトルの書式設定</a:t>
             </a:r>
             <a:endParaRPr lang="en-US" dirty="0"/>
@@ -758,23 +757,23 @@
           <a:lstStyle/>
           <a:p>
             <a:r>
-              <a:rPr kumimoji="1" lang="en-US" altLang="ja-JP" dirty="0" smtClean="0"/>
+              <a:rPr kumimoji="1" lang="en-US" altLang="ja-JP" dirty="0"/>
               <a:t>R</a:t>
             </a:r>
             <a:r>
-              <a:rPr kumimoji="1" lang="ja-JP" altLang="en-US" dirty="0" smtClean="0"/>
+              <a:rPr kumimoji="1" lang="ja-JP" altLang="en-US" dirty="0"/>
               <a:t> </a:t>
             </a:r>
             <a:r>
-              <a:rPr kumimoji="1" lang="en-US" altLang="ja-JP" dirty="0" smtClean="0"/>
+              <a:rPr kumimoji="1" lang="en-US" altLang="ja-JP" dirty="0"/>
               <a:t>for</a:t>
             </a:r>
             <a:r>
-              <a:rPr kumimoji="1" lang="ja-JP" altLang="en-US" dirty="0" smtClean="0"/>
+              <a:rPr kumimoji="1" lang="ja-JP" altLang="en-US" dirty="0"/>
               <a:t> </a:t>
             </a:r>
             <a:r>
-              <a:rPr kumimoji="1" lang="en-US" altLang="ja-JP" dirty="0" smtClean="0"/>
+              <a:rPr kumimoji="1" lang="en-US" altLang="ja-JP" dirty="0"/>
               <a:t>Pharmacometrics</a:t>
             </a:r>
             <a:endParaRPr kumimoji="1" lang="ja-JP" altLang="en-US" dirty="0"/>
@@ -814,13 +813,6 @@
   <p:clrMapOvr>
     <a:masterClrMapping/>
   </p:clrMapOvr>
-  <p:timing>
-    <p:tnLst>
-      <p:par>
-        <p:cTn id="1" dur="indefinite" restart="never" nodeType="tmRoot"/>
-      </p:par>
-    </p:tnLst>
-  </p:timing>
 </p:sldLayout>
 </file>
 
@@ -857,7 +849,7 @@
           <a:lstStyle/>
           <a:p>
             <a:r>
-              <a:rPr lang="ja-JP" altLang="en-US" smtClean="0"/>
+              <a:rPr lang="ja-JP" altLang="en-US"/>
               <a:t>マスター タイトルの書式設定</a:t>
             </a:r>
             <a:endParaRPr lang="en-US" dirty="0"/>
@@ -881,67 +873,67 @@
           <a:p>
             <a:pPr lvl="0"/>
             <a:r>
-              <a:rPr lang="ja-JP" altLang="en-US" smtClean="0"/>
+              <a:rPr lang="ja-JP" altLang="en-US"/>
               <a:t>マスター テキストの書式設定</a:t>
             </a:r>
           </a:p>
           <a:p>
             <a:pPr lvl="1"/>
             <a:r>
-              <a:rPr lang="ja-JP" altLang="en-US" smtClean="0"/>
+              <a:rPr lang="ja-JP" altLang="en-US"/>
               <a:t>第 </a:t>
             </a:r>
             <a:r>
-              <a:rPr lang="en-US" altLang="ja-JP" smtClean="0"/>
+              <a:rPr lang="en-US" altLang="ja-JP"/>
               <a:t>2 </a:t>
             </a:r>
             <a:r>
-              <a:rPr lang="ja-JP" altLang="en-US" smtClean="0"/>
+              <a:rPr lang="ja-JP" altLang="en-US"/>
               <a:t>レベル</a:t>
             </a:r>
           </a:p>
           <a:p>
             <a:pPr lvl="2"/>
             <a:r>
-              <a:rPr lang="ja-JP" altLang="en-US" smtClean="0"/>
+              <a:rPr lang="ja-JP" altLang="en-US"/>
               <a:t>第 </a:t>
             </a:r>
             <a:r>
-              <a:rPr lang="en-US" altLang="ja-JP" smtClean="0"/>
+              <a:rPr lang="en-US" altLang="ja-JP"/>
               <a:t>3 </a:t>
             </a:r>
             <a:r>
-              <a:rPr lang="ja-JP" altLang="en-US" smtClean="0"/>
+              <a:rPr lang="ja-JP" altLang="en-US"/>
               <a:t>レベル</a:t>
             </a:r>
           </a:p>
           <a:p>
             <a:pPr lvl="3"/>
             <a:r>
-              <a:rPr lang="ja-JP" altLang="en-US" smtClean="0"/>
+              <a:rPr lang="ja-JP" altLang="en-US"/>
               <a:t>第 </a:t>
             </a:r>
             <a:r>
-              <a:rPr lang="en-US" altLang="ja-JP" smtClean="0"/>
+              <a:rPr lang="en-US" altLang="ja-JP"/>
               <a:t>4 </a:t>
             </a:r>
             <a:r>
-              <a:rPr lang="ja-JP" altLang="en-US" smtClean="0"/>
+              <a:rPr lang="ja-JP" altLang="en-US"/>
               <a:t>レベル</a:t>
             </a:r>
           </a:p>
           <a:p>
             <a:pPr lvl="4"/>
             <a:r>
-              <a:rPr lang="ja-JP" altLang="en-US" smtClean="0"/>
+              <a:rPr lang="ja-JP" altLang="en-US"/>
               <a:t>第 </a:t>
             </a:r>
             <a:r>
-              <a:rPr lang="en-US" altLang="ja-JP" smtClean="0"/>
+              <a:rPr lang="en-US" altLang="ja-JP"/>
               <a:t>5 </a:t>
             </a:r>
             <a:r>
-              <a:rPr lang="ja-JP" altLang="en-US" smtClean="0"/>
+              <a:rPr lang="ja-JP" altLang="en-US"/>
               <a:t>レベル</a:t>
             </a:r>
             <a:endParaRPr lang="en-US" dirty="0"/>
@@ -987,7 +979,7 @@
           <a:lstStyle/>
           <a:p>
             <a:r>
-              <a:rPr kumimoji="1" lang="en-US" altLang="ja-JP" smtClean="0"/>
+              <a:rPr kumimoji="1" lang="en-US" altLang="ja-JP"/>
               <a:t>R for Pharmacometrics</a:t>
             </a:r>
             <a:endParaRPr kumimoji="1" lang="ja-JP" altLang="en-US"/>
@@ -1068,7 +1060,7 @@
           <a:lstStyle/>
           <a:p>
             <a:r>
-              <a:rPr lang="ja-JP" altLang="en-US" smtClean="0"/>
+              <a:rPr lang="ja-JP" altLang="en-US"/>
               <a:t>マスター タイトルの書式設定</a:t>
             </a:r>
             <a:endParaRPr lang="en-US" dirty="0"/>
@@ -1097,67 +1089,67 @@
           <a:p>
             <a:pPr lvl="0"/>
             <a:r>
-              <a:rPr lang="ja-JP" altLang="en-US" smtClean="0"/>
+              <a:rPr lang="ja-JP" altLang="en-US"/>
               <a:t>マスター テキストの書式設定</a:t>
             </a:r>
           </a:p>
           <a:p>
             <a:pPr lvl="1"/>
             <a:r>
-              <a:rPr lang="ja-JP" altLang="en-US" smtClean="0"/>
+              <a:rPr lang="ja-JP" altLang="en-US"/>
               <a:t>第 </a:t>
             </a:r>
             <a:r>
-              <a:rPr lang="en-US" altLang="ja-JP" smtClean="0"/>
+              <a:rPr lang="en-US" altLang="ja-JP"/>
               <a:t>2 </a:t>
             </a:r>
             <a:r>
-              <a:rPr lang="ja-JP" altLang="en-US" smtClean="0"/>
+              <a:rPr lang="ja-JP" altLang="en-US"/>
               <a:t>レベル</a:t>
             </a:r>
           </a:p>
           <a:p>
             <a:pPr lvl="2"/>
             <a:r>
-              <a:rPr lang="ja-JP" altLang="en-US" smtClean="0"/>
+              <a:rPr lang="ja-JP" altLang="en-US"/>
               <a:t>第 </a:t>
             </a:r>
             <a:r>
-              <a:rPr lang="en-US" altLang="ja-JP" smtClean="0"/>
+              <a:rPr lang="en-US" altLang="ja-JP"/>
               <a:t>3 </a:t>
             </a:r>
             <a:r>
-              <a:rPr lang="ja-JP" altLang="en-US" smtClean="0"/>
+              <a:rPr lang="ja-JP" altLang="en-US"/>
               <a:t>レベル</a:t>
             </a:r>
           </a:p>
           <a:p>
             <a:pPr lvl="3"/>
             <a:r>
-              <a:rPr lang="ja-JP" altLang="en-US" smtClean="0"/>
+              <a:rPr lang="ja-JP" altLang="en-US"/>
               <a:t>第 </a:t>
             </a:r>
             <a:r>
-              <a:rPr lang="en-US" altLang="ja-JP" smtClean="0"/>
+              <a:rPr lang="en-US" altLang="ja-JP"/>
               <a:t>4 </a:t>
             </a:r>
             <a:r>
-              <a:rPr lang="ja-JP" altLang="en-US" smtClean="0"/>
+              <a:rPr lang="ja-JP" altLang="en-US"/>
               <a:t>レベル</a:t>
             </a:r>
           </a:p>
           <a:p>
             <a:pPr lvl="4"/>
             <a:r>
-              <a:rPr lang="ja-JP" altLang="en-US" smtClean="0"/>
+              <a:rPr lang="ja-JP" altLang="en-US"/>
               <a:t>第 </a:t>
             </a:r>
             <a:r>
-              <a:rPr lang="en-US" altLang="ja-JP" smtClean="0"/>
+              <a:rPr lang="en-US" altLang="ja-JP"/>
               <a:t>5 </a:t>
             </a:r>
             <a:r>
-              <a:rPr lang="ja-JP" altLang="en-US" smtClean="0"/>
+              <a:rPr lang="ja-JP" altLang="en-US"/>
               <a:t>レベル</a:t>
             </a:r>
             <a:endParaRPr lang="en-US" dirty="0"/>
@@ -1203,7 +1195,7 @@
           <a:lstStyle/>
           <a:p>
             <a:r>
-              <a:rPr kumimoji="1" lang="en-US" altLang="ja-JP" smtClean="0"/>
+              <a:rPr kumimoji="1" lang="en-US" altLang="ja-JP"/>
               <a:t>R for Pharmacometrics</a:t>
             </a:r>
             <a:endParaRPr kumimoji="1" lang="ja-JP" altLang="en-US"/>
@@ -1279,7 +1271,7 @@
           <a:lstStyle/>
           <a:p>
             <a:r>
-              <a:rPr lang="ja-JP" altLang="en-US" smtClean="0"/>
+              <a:rPr lang="ja-JP" altLang="en-US"/>
               <a:t>マスター タイトルの書式設定</a:t>
             </a:r>
             <a:endParaRPr lang="en-US" dirty="0"/>
@@ -1303,67 +1295,67 @@
           <a:p>
             <a:pPr lvl="0"/>
             <a:r>
-              <a:rPr lang="ja-JP" altLang="en-US" smtClean="0"/>
+              <a:rPr lang="ja-JP" altLang="en-US"/>
               <a:t>マスター テキストの書式設定</a:t>
             </a:r>
           </a:p>
           <a:p>
             <a:pPr lvl="1"/>
             <a:r>
-              <a:rPr lang="ja-JP" altLang="en-US" smtClean="0"/>
+              <a:rPr lang="ja-JP" altLang="en-US"/>
               <a:t>第 </a:t>
             </a:r>
             <a:r>
-              <a:rPr lang="en-US" altLang="ja-JP" smtClean="0"/>
+              <a:rPr lang="en-US" altLang="ja-JP"/>
               <a:t>2 </a:t>
             </a:r>
             <a:r>
-              <a:rPr lang="ja-JP" altLang="en-US" smtClean="0"/>
+              <a:rPr lang="ja-JP" altLang="en-US"/>
               <a:t>レベル</a:t>
             </a:r>
           </a:p>
           <a:p>
             <a:pPr lvl="2"/>
             <a:r>
-              <a:rPr lang="ja-JP" altLang="en-US" smtClean="0"/>
+              <a:rPr lang="ja-JP" altLang="en-US"/>
               <a:t>第 </a:t>
             </a:r>
             <a:r>
-              <a:rPr lang="en-US" altLang="ja-JP" smtClean="0"/>
+              <a:rPr lang="en-US" altLang="ja-JP"/>
               <a:t>3 </a:t>
             </a:r>
             <a:r>
-              <a:rPr lang="ja-JP" altLang="en-US" smtClean="0"/>
+              <a:rPr lang="ja-JP" altLang="en-US"/>
               <a:t>レベル</a:t>
             </a:r>
           </a:p>
           <a:p>
             <a:pPr lvl="3"/>
             <a:r>
-              <a:rPr lang="ja-JP" altLang="en-US" smtClean="0"/>
+              <a:rPr lang="ja-JP" altLang="en-US"/>
               <a:t>第 </a:t>
             </a:r>
             <a:r>
-              <a:rPr lang="en-US" altLang="ja-JP" smtClean="0"/>
+              <a:rPr lang="en-US" altLang="ja-JP"/>
               <a:t>4 </a:t>
             </a:r>
             <a:r>
-              <a:rPr lang="ja-JP" altLang="en-US" smtClean="0"/>
+              <a:rPr lang="ja-JP" altLang="en-US"/>
               <a:t>レベル</a:t>
             </a:r>
           </a:p>
           <a:p>
             <a:pPr lvl="4"/>
             <a:r>
-              <a:rPr lang="ja-JP" altLang="en-US" smtClean="0"/>
+              <a:rPr lang="ja-JP" altLang="en-US"/>
               <a:t>第 </a:t>
             </a:r>
             <a:r>
-              <a:rPr lang="en-US" altLang="ja-JP" smtClean="0"/>
+              <a:rPr lang="en-US" altLang="ja-JP"/>
               <a:t>5 </a:t>
             </a:r>
             <a:r>
-              <a:rPr lang="ja-JP" altLang="en-US" smtClean="0"/>
+              <a:rPr lang="ja-JP" altLang="en-US"/>
               <a:t>レベル</a:t>
             </a:r>
             <a:endParaRPr lang="en-US" dirty="0"/>
@@ -1409,26 +1401,26 @@
           <a:lstStyle/>
           <a:p>
             <a:r>
-              <a:rPr lang="en-US" altLang="ja-JP" dirty="0" smtClean="0"/>
+              <a:rPr lang="en-US" altLang="ja-JP" dirty="0"/>
               <a:t>R</a:t>
             </a:r>
             <a:r>
-              <a:rPr lang="ja-JP" altLang="en-US" dirty="0" smtClean="0"/>
+              <a:rPr lang="ja-JP" altLang="en-US" dirty="0"/>
               <a:t> </a:t>
             </a:r>
             <a:r>
-              <a:rPr lang="en-US" altLang="ja-JP" dirty="0" smtClean="0"/>
+              <a:rPr lang="en-US" altLang="ja-JP" dirty="0"/>
               <a:t>for</a:t>
             </a:r>
             <a:r>
-              <a:rPr lang="ja-JP" altLang="en-US" dirty="0" smtClean="0"/>
+              <a:rPr lang="ja-JP" altLang="en-US" dirty="0"/>
               <a:t> </a:t>
             </a:r>
             <a:r>
-              <a:rPr lang="en-US" altLang="ja-JP" dirty="0" smtClean="0"/>
+              <a:rPr lang="en-US" altLang="ja-JP" dirty="0"/>
               <a:t>Pharmacometrics</a:t>
             </a:r>
-            <a:endParaRPr lang="ja-JP" altLang="en-US" dirty="0" smtClean="0"/>
+            <a:endParaRPr lang="ja-JP" altLang="en-US" dirty="0"/>
           </a:p>
         </p:txBody>
       </p:sp>
@@ -1465,13 +1457,6 @@
   <p:clrMapOvr>
     <a:masterClrMapping/>
   </p:clrMapOvr>
-  <p:timing>
-    <p:tnLst>
-      <p:par>
-        <p:cTn id="1" dur="indefinite" restart="never" nodeType="tmRoot"/>
-      </p:par>
-    </p:tnLst>
-  </p:timing>
 </p:sldLayout>
 </file>
 
@@ -1517,7 +1502,7 @@
           </a:lstStyle>
           <a:p>
             <a:r>
-              <a:rPr lang="ja-JP" altLang="en-US" smtClean="0"/>
+              <a:rPr lang="ja-JP" altLang="en-US"/>
               <a:t>マスター タイトルの書式設定</a:t>
             </a:r>
             <a:endParaRPr lang="en-US" dirty="0"/>
@@ -1635,7 +1620,7 @@
           <a:p>
             <a:pPr lvl="0"/>
             <a:r>
-              <a:rPr lang="ja-JP" altLang="en-US" smtClean="0"/>
+              <a:rPr lang="ja-JP" altLang="en-US"/>
               <a:t>マスター テキストの書式設定</a:t>
             </a:r>
           </a:p>
@@ -1680,26 +1665,26 @@
           <a:lstStyle/>
           <a:p>
             <a:r>
-              <a:rPr lang="en-US" altLang="ja-JP" dirty="0" smtClean="0"/>
+              <a:rPr lang="en-US" altLang="ja-JP" dirty="0"/>
               <a:t>R</a:t>
             </a:r>
             <a:r>
-              <a:rPr lang="ja-JP" altLang="en-US" dirty="0" smtClean="0"/>
+              <a:rPr lang="ja-JP" altLang="en-US" dirty="0"/>
               <a:t> </a:t>
             </a:r>
             <a:r>
-              <a:rPr lang="en-US" altLang="ja-JP" dirty="0" smtClean="0"/>
+              <a:rPr lang="en-US" altLang="ja-JP" dirty="0"/>
               <a:t>for</a:t>
             </a:r>
             <a:r>
-              <a:rPr lang="ja-JP" altLang="en-US" dirty="0" smtClean="0"/>
+              <a:rPr lang="ja-JP" altLang="en-US" dirty="0"/>
               <a:t> </a:t>
             </a:r>
             <a:r>
-              <a:rPr lang="en-US" altLang="ja-JP" dirty="0" smtClean="0"/>
+              <a:rPr lang="en-US" altLang="ja-JP" dirty="0"/>
               <a:t>Pharmacometrics</a:t>
             </a:r>
-            <a:endParaRPr lang="ja-JP" altLang="en-US" dirty="0" smtClean="0"/>
+            <a:endParaRPr lang="ja-JP" altLang="en-US" dirty="0"/>
           </a:p>
         </p:txBody>
       </p:sp>
@@ -1736,13 +1721,6 @@
   <p:clrMapOvr>
     <a:masterClrMapping/>
   </p:clrMapOvr>
-  <p:timing>
-    <p:tnLst>
-      <p:par>
-        <p:cTn id="1" dur="indefinite" restart="never" nodeType="tmRoot"/>
-      </p:par>
-    </p:tnLst>
-  </p:timing>
 </p:sldLayout>
 </file>
 
@@ -1779,7 +1757,7 @@
           <a:lstStyle/>
           <a:p>
             <a:r>
-              <a:rPr lang="ja-JP" altLang="en-US" smtClean="0"/>
+              <a:rPr lang="ja-JP" altLang="en-US"/>
               <a:t>マスター タイトルの書式設定</a:t>
             </a:r>
             <a:endParaRPr lang="en-US" dirty="0"/>
@@ -1808,67 +1786,67 @@
           <a:p>
             <a:pPr lvl="0"/>
             <a:r>
-              <a:rPr lang="ja-JP" altLang="en-US" smtClean="0"/>
+              <a:rPr lang="ja-JP" altLang="en-US"/>
               <a:t>マスター テキストの書式設定</a:t>
             </a:r>
           </a:p>
           <a:p>
             <a:pPr lvl="1"/>
             <a:r>
-              <a:rPr lang="ja-JP" altLang="en-US" smtClean="0"/>
+              <a:rPr lang="ja-JP" altLang="en-US"/>
               <a:t>第 </a:t>
             </a:r>
             <a:r>
-              <a:rPr lang="en-US" altLang="ja-JP" smtClean="0"/>
+              <a:rPr lang="en-US" altLang="ja-JP"/>
               <a:t>2 </a:t>
             </a:r>
             <a:r>
-              <a:rPr lang="ja-JP" altLang="en-US" smtClean="0"/>
+              <a:rPr lang="ja-JP" altLang="en-US"/>
               <a:t>レベル</a:t>
             </a:r>
           </a:p>
           <a:p>
             <a:pPr lvl="2"/>
             <a:r>
-              <a:rPr lang="ja-JP" altLang="en-US" smtClean="0"/>
+              <a:rPr lang="ja-JP" altLang="en-US"/>
               <a:t>第 </a:t>
             </a:r>
             <a:r>
-              <a:rPr lang="en-US" altLang="ja-JP" smtClean="0"/>
+              <a:rPr lang="en-US" altLang="ja-JP"/>
               <a:t>3 </a:t>
             </a:r>
             <a:r>
-              <a:rPr lang="ja-JP" altLang="en-US" smtClean="0"/>
+              <a:rPr lang="ja-JP" altLang="en-US"/>
               <a:t>レベル</a:t>
             </a:r>
           </a:p>
           <a:p>
             <a:pPr lvl="3"/>
             <a:r>
-              <a:rPr lang="ja-JP" altLang="en-US" smtClean="0"/>
+              <a:rPr lang="ja-JP" altLang="en-US"/>
               <a:t>第 </a:t>
             </a:r>
             <a:r>
-              <a:rPr lang="en-US" altLang="ja-JP" smtClean="0"/>
+              <a:rPr lang="en-US" altLang="ja-JP"/>
               <a:t>4 </a:t>
             </a:r>
             <a:r>
-              <a:rPr lang="ja-JP" altLang="en-US" smtClean="0"/>
+              <a:rPr lang="ja-JP" altLang="en-US"/>
               <a:t>レベル</a:t>
             </a:r>
           </a:p>
           <a:p>
             <a:pPr lvl="4"/>
             <a:r>
-              <a:rPr lang="ja-JP" altLang="en-US" smtClean="0"/>
+              <a:rPr lang="ja-JP" altLang="en-US"/>
               <a:t>第 </a:t>
             </a:r>
             <a:r>
-              <a:rPr lang="en-US" altLang="ja-JP" smtClean="0"/>
+              <a:rPr lang="en-US" altLang="ja-JP"/>
               <a:t>5 </a:t>
             </a:r>
             <a:r>
-              <a:rPr lang="ja-JP" altLang="en-US" smtClean="0"/>
+              <a:rPr lang="ja-JP" altLang="en-US"/>
               <a:t>レベル</a:t>
             </a:r>
             <a:endParaRPr lang="en-US" dirty="0"/>
@@ -1897,67 +1875,67 @@
           <a:p>
             <a:pPr lvl="0"/>
             <a:r>
-              <a:rPr lang="ja-JP" altLang="en-US" smtClean="0"/>
+              <a:rPr lang="ja-JP" altLang="en-US"/>
               <a:t>マスター テキストの書式設定</a:t>
             </a:r>
           </a:p>
           <a:p>
             <a:pPr lvl="1"/>
             <a:r>
-              <a:rPr lang="ja-JP" altLang="en-US" smtClean="0"/>
+              <a:rPr lang="ja-JP" altLang="en-US"/>
               <a:t>第 </a:t>
             </a:r>
             <a:r>
-              <a:rPr lang="en-US" altLang="ja-JP" smtClean="0"/>
+              <a:rPr lang="en-US" altLang="ja-JP"/>
               <a:t>2 </a:t>
             </a:r>
             <a:r>
-              <a:rPr lang="ja-JP" altLang="en-US" smtClean="0"/>
+              <a:rPr lang="ja-JP" altLang="en-US"/>
               <a:t>レベル</a:t>
             </a:r>
           </a:p>
           <a:p>
             <a:pPr lvl="2"/>
             <a:r>
-              <a:rPr lang="ja-JP" altLang="en-US" smtClean="0"/>
+              <a:rPr lang="ja-JP" altLang="en-US"/>
               <a:t>第 </a:t>
             </a:r>
             <a:r>
-              <a:rPr lang="en-US" altLang="ja-JP" smtClean="0"/>
+              <a:rPr lang="en-US" altLang="ja-JP"/>
               <a:t>3 </a:t>
             </a:r>
             <a:r>
-              <a:rPr lang="ja-JP" altLang="en-US" smtClean="0"/>
+              <a:rPr lang="ja-JP" altLang="en-US"/>
               <a:t>レベル</a:t>
             </a:r>
           </a:p>
           <a:p>
             <a:pPr lvl="3"/>
             <a:r>
-              <a:rPr lang="ja-JP" altLang="en-US" smtClean="0"/>
+              <a:rPr lang="ja-JP" altLang="en-US"/>
               <a:t>第 </a:t>
             </a:r>
             <a:r>
-              <a:rPr lang="en-US" altLang="ja-JP" smtClean="0"/>
+              <a:rPr lang="en-US" altLang="ja-JP"/>
               <a:t>4 </a:t>
             </a:r>
             <a:r>
-              <a:rPr lang="ja-JP" altLang="en-US" smtClean="0"/>
+              <a:rPr lang="ja-JP" altLang="en-US"/>
               <a:t>レベル</a:t>
             </a:r>
           </a:p>
           <a:p>
             <a:pPr lvl="4"/>
             <a:r>
-              <a:rPr lang="ja-JP" altLang="en-US" smtClean="0"/>
+              <a:rPr lang="ja-JP" altLang="en-US"/>
               <a:t>第 </a:t>
             </a:r>
             <a:r>
-              <a:rPr lang="en-US" altLang="ja-JP" smtClean="0"/>
+              <a:rPr lang="en-US" altLang="ja-JP"/>
               <a:t>5 </a:t>
             </a:r>
             <a:r>
-              <a:rPr lang="ja-JP" altLang="en-US" smtClean="0"/>
+              <a:rPr lang="ja-JP" altLang="en-US"/>
               <a:t>レベル</a:t>
             </a:r>
             <a:endParaRPr lang="en-US" dirty="0"/>
@@ -2003,26 +1981,26 @@
           <a:lstStyle/>
           <a:p>
             <a:r>
-              <a:rPr lang="en-US" altLang="ja-JP" dirty="0" smtClean="0"/>
+              <a:rPr lang="en-US" altLang="ja-JP" dirty="0"/>
               <a:t>R</a:t>
             </a:r>
             <a:r>
-              <a:rPr lang="ja-JP" altLang="en-US" dirty="0" smtClean="0"/>
+              <a:rPr lang="ja-JP" altLang="en-US" dirty="0"/>
               <a:t> </a:t>
             </a:r>
             <a:r>
-              <a:rPr lang="en-US" altLang="ja-JP" dirty="0" smtClean="0"/>
+              <a:rPr lang="en-US" altLang="ja-JP" dirty="0"/>
               <a:t>for</a:t>
             </a:r>
             <a:r>
-              <a:rPr lang="ja-JP" altLang="en-US" dirty="0" smtClean="0"/>
+              <a:rPr lang="ja-JP" altLang="en-US" dirty="0"/>
               <a:t> </a:t>
             </a:r>
             <a:r>
-              <a:rPr lang="en-US" altLang="ja-JP" dirty="0" smtClean="0"/>
+              <a:rPr lang="en-US" altLang="ja-JP" dirty="0"/>
               <a:t>Pharmacometrics</a:t>
             </a:r>
-            <a:endParaRPr lang="ja-JP" altLang="en-US" dirty="0" smtClean="0"/>
+            <a:endParaRPr lang="ja-JP" altLang="en-US" dirty="0"/>
           </a:p>
         </p:txBody>
       </p:sp>
@@ -2059,13 +2037,6 @@
   <p:clrMapOvr>
     <a:masterClrMapping/>
   </p:clrMapOvr>
-  <p:timing>
-    <p:tnLst>
-      <p:par>
-        <p:cTn id="1" dur="indefinite" restart="never" nodeType="tmRoot"/>
-      </p:par>
-    </p:tnLst>
-  </p:timing>
 </p:sldLayout>
 </file>
 
@@ -2107,7 +2078,7 @@
           <a:lstStyle/>
           <a:p>
             <a:r>
-              <a:rPr lang="ja-JP" altLang="en-US" smtClean="0"/>
+              <a:rPr lang="ja-JP" altLang="en-US"/>
               <a:t>マスター タイトルの書式設定</a:t>
             </a:r>
             <a:endParaRPr lang="en-US" dirty="0"/>
@@ -2173,7 +2144,7 @@
           <a:p>
             <a:pPr lvl="0"/>
             <a:r>
-              <a:rPr lang="ja-JP" altLang="en-US" smtClean="0"/>
+              <a:rPr lang="ja-JP" altLang="en-US"/>
               <a:t>マスター テキストの書式設定</a:t>
             </a:r>
           </a:p>
@@ -2201,67 +2172,67 @@
           <a:p>
             <a:pPr lvl="0"/>
             <a:r>
-              <a:rPr lang="ja-JP" altLang="en-US" smtClean="0"/>
+              <a:rPr lang="ja-JP" altLang="en-US"/>
               <a:t>マスター テキストの書式設定</a:t>
             </a:r>
           </a:p>
           <a:p>
             <a:pPr lvl="1"/>
             <a:r>
-              <a:rPr lang="ja-JP" altLang="en-US" smtClean="0"/>
+              <a:rPr lang="ja-JP" altLang="en-US"/>
               <a:t>第 </a:t>
             </a:r>
             <a:r>
-              <a:rPr lang="en-US" altLang="ja-JP" smtClean="0"/>
+              <a:rPr lang="en-US" altLang="ja-JP"/>
               <a:t>2 </a:t>
             </a:r>
             <a:r>
-              <a:rPr lang="ja-JP" altLang="en-US" smtClean="0"/>
+              <a:rPr lang="ja-JP" altLang="en-US"/>
               <a:t>レベル</a:t>
             </a:r>
           </a:p>
           <a:p>
             <a:pPr lvl="2"/>
             <a:r>
-              <a:rPr lang="ja-JP" altLang="en-US" smtClean="0"/>
+              <a:rPr lang="ja-JP" altLang="en-US"/>
               <a:t>第 </a:t>
             </a:r>
             <a:r>
-              <a:rPr lang="en-US" altLang="ja-JP" smtClean="0"/>
+              <a:rPr lang="en-US" altLang="ja-JP"/>
               <a:t>3 </a:t>
             </a:r>
             <a:r>
-              <a:rPr lang="ja-JP" altLang="en-US" smtClean="0"/>
+              <a:rPr lang="ja-JP" altLang="en-US"/>
               <a:t>レベル</a:t>
             </a:r>
           </a:p>
           <a:p>
             <a:pPr lvl="3"/>
             <a:r>
-              <a:rPr lang="ja-JP" altLang="en-US" smtClean="0"/>
+              <a:rPr lang="ja-JP" altLang="en-US"/>
               <a:t>第 </a:t>
             </a:r>
             <a:r>
-              <a:rPr lang="en-US" altLang="ja-JP" smtClean="0"/>
+              <a:rPr lang="en-US" altLang="ja-JP"/>
               <a:t>4 </a:t>
             </a:r>
             <a:r>
-              <a:rPr lang="ja-JP" altLang="en-US" smtClean="0"/>
+              <a:rPr lang="ja-JP" altLang="en-US"/>
               <a:t>レベル</a:t>
             </a:r>
           </a:p>
           <a:p>
             <a:pPr lvl="4"/>
             <a:r>
-              <a:rPr lang="ja-JP" altLang="en-US" smtClean="0"/>
+              <a:rPr lang="ja-JP" altLang="en-US"/>
               <a:t>第 </a:t>
             </a:r>
             <a:r>
-              <a:rPr lang="en-US" altLang="ja-JP" smtClean="0"/>
+              <a:rPr lang="en-US" altLang="ja-JP"/>
               <a:t>5 </a:t>
             </a:r>
             <a:r>
-              <a:rPr lang="ja-JP" altLang="en-US" smtClean="0"/>
+              <a:rPr lang="ja-JP" altLang="en-US"/>
               <a:t>レベル</a:t>
             </a:r>
             <a:endParaRPr lang="en-US" dirty="0"/>
@@ -2327,7 +2298,7 @@
           <a:p>
             <a:pPr lvl="0"/>
             <a:r>
-              <a:rPr lang="ja-JP" altLang="en-US" smtClean="0"/>
+              <a:rPr lang="ja-JP" altLang="en-US"/>
               <a:t>マスター テキストの書式設定</a:t>
             </a:r>
           </a:p>
@@ -2355,67 +2326,67 @@
           <a:p>
             <a:pPr lvl="0"/>
             <a:r>
-              <a:rPr lang="ja-JP" altLang="en-US" smtClean="0"/>
+              <a:rPr lang="ja-JP" altLang="en-US"/>
               <a:t>マスター テキストの書式設定</a:t>
             </a:r>
           </a:p>
           <a:p>
             <a:pPr lvl="1"/>
             <a:r>
-              <a:rPr lang="ja-JP" altLang="en-US" smtClean="0"/>
+              <a:rPr lang="ja-JP" altLang="en-US"/>
               <a:t>第 </a:t>
             </a:r>
             <a:r>
-              <a:rPr lang="en-US" altLang="ja-JP" smtClean="0"/>
+              <a:rPr lang="en-US" altLang="ja-JP"/>
               <a:t>2 </a:t>
             </a:r>
             <a:r>
-              <a:rPr lang="ja-JP" altLang="en-US" smtClean="0"/>
+              <a:rPr lang="ja-JP" altLang="en-US"/>
               <a:t>レベル</a:t>
             </a:r>
           </a:p>
           <a:p>
             <a:pPr lvl="2"/>
             <a:r>
-              <a:rPr lang="ja-JP" altLang="en-US" smtClean="0"/>
+              <a:rPr lang="ja-JP" altLang="en-US"/>
               <a:t>第 </a:t>
             </a:r>
             <a:r>
-              <a:rPr lang="en-US" altLang="ja-JP" smtClean="0"/>
+              <a:rPr lang="en-US" altLang="ja-JP"/>
               <a:t>3 </a:t>
             </a:r>
             <a:r>
-              <a:rPr lang="ja-JP" altLang="en-US" smtClean="0"/>
+              <a:rPr lang="ja-JP" altLang="en-US"/>
               <a:t>レベル</a:t>
             </a:r>
           </a:p>
           <a:p>
             <a:pPr lvl="3"/>
             <a:r>
-              <a:rPr lang="ja-JP" altLang="en-US" smtClean="0"/>
+              <a:rPr lang="ja-JP" altLang="en-US"/>
               <a:t>第 </a:t>
             </a:r>
             <a:r>
-              <a:rPr lang="en-US" altLang="ja-JP" smtClean="0"/>
+              <a:rPr lang="en-US" altLang="ja-JP"/>
               <a:t>4 </a:t>
             </a:r>
             <a:r>
-              <a:rPr lang="ja-JP" altLang="en-US" smtClean="0"/>
+              <a:rPr lang="ja-JP" altLang="en-US"/>
               <a:t>レベル</a:t>
             </a:r>
           </a:p>
           <a:p>
             <a:pPr lvl="4"/>
             <a:r>
-              <a:rPr lang="ja-JP" altLang="en-US" smtClean="0"/>
+              <a:rPr lang="ja-JP" altLang="en-US"/>
               <a:t>第 </a:t>
             </a:r>
             <a:r>
-              <a:rPr lang="en-US" altLang="ja-JP" smtClean="0"/>
+              <a:rPr lang="en-US" altLang="ja-JP"/>
               <a:t>5 </a:t>
             </a:r>
             <a:r>
-              <a:rPr lang="ja-JP" altLang="en-US" smtClean="0"/>
+              <a:rPr lang="ja-JP" altLang="en-US"/>
               <a:t>レベル</a:t>
             </a:r>
             <a:endParaRPr lang="en-US" dirty="0"/>
@@ -2461,26 +2432,26 @@
           <a:lstStyle/>
           <a:p>
             <a:r>
-              <a:rPr lang="en-US" altLang="ja-JP" dirty="0" smtClean="0"/>
+              <a:rPr lang="en-US" altLang="ja-JP" dirty="0"/>
               <a:t>R</a:t>
             </a:r>
             <a:r>
-              <a:rPr lang="ja-JP" altLang="en-US" dirty="0" smtClean="0"/>
+              <a:rPr lang="ja-JP" altLang="en-US" dirty="0"/>
               <a:t> </a:t>
             </a:r>
             <a:r>
-              <a:rPr lang="en-US" altLang="ja-JP" dirty="0" smtClean="0"/>
+              <a:rPr lang="en-US" altLang="ja-JP" dirty="0"/>
               <a:t>for</a:t>
             </a:r>
             <a:r>
-              <a:rPr lang="ja-JP" altLang="en-US" dirty="0" smtClean="0"/>
+              <a:rPr lang="ja-JP" altLang="en-US" dirty="0"/>
               <a:t> </a:t>
             </a:r>
             <a:r>
-              <a:rPr lang="en-US" altLang="ja-JP" dirty="0" smtClean="0"/>
+              <a:rPr lang="en-US" altLang="ja-JP" dirty="0"/>
               <a:t>Pharmacometrics</a:t>
             </a:r>
-            <a:endParaRPr lang="ja-JP" altLang="en-US" dirty="0" smtClean="0"/>
+            <a:endParaRPr lang="ja-JP" altLang="en-US" dirty="0"/>
           </a:p>
         </p:txBody>
       </p:sp>
@@ -2517,13 +2488,6 @@
   <p:clrMapOvr>
     <a:masterClrMapping/>
   </p:clrMapOvr>
-  <p:timing>
-    <p:tnLst>
-      <p:par>
-        <p:cTn id="1" dur="indefinite" restart="never" nodeType="tmRoot"/>
-      </p:par>
-    </p:tnLst>
-  </p:timing>
 </p:sldLayout>
 </file>
 
@@ -2560,7 +2524,7 @@
           <a:lstStyle/>
           <a:p>
             <a:r>
-              <a:rPr lang="ja-JP" altLang="en-US" smtClean="0"/>
+              <a:rPr lang="ja-JP" altLang="en-US"/>
               <a:t>マスター タイトルの書式設定</a:t>
             </a:r>
             <a:endParaRPr lang="en-US" dirty="0"/>
@@ -2606,26 +2570,26 @@
           <a:lstStyle/>
           <a:p>
             <a:r>
-              <a:rPr lang="en-US" altLang="ja-JP" dirty="0" smtClean="0"/>
+              <a:rPr lang="en-US" altLang="ja-JP" dirty="0"/>
               <a:t>R</a:t>
             </a:r>
             <a:r>
-              <a:rPr lang="ja-JP" altLang="en-US" dirty="0" smtClean="0"/>
+              <a:rPr lang="ja-JP" altLang="en-US" dirty="0"/>
               <a:t> </a:t>
             </a:r>
             <a:r>
-              <a:rPr lang="en-US" altLang="ja-JP" dirty="0" smtClean="0"/>
+              <a:rPr lang="en-US" altLang="ja-JP" dirty="0"/>
               <a:t>for</a:t>
             </a:r>
             <a:r>
-              <a:rPr lang="ja-JP" altLang="en-US" dirty="0" smtClean="0"/>
+              <a:rPr lang="ja-JP" altLang="en-US" dirty="0"/>
               <a:t> </a:t>
             </a:r>
             <a:r>
-              <a:rPr lang="en-US" altLang="ja-JP" dirty="0" smtClean="0"/>
+              <a:rPr lang="en-US" altLang="ja-JP" dirty="0"/>
               <a:t>Pharmacometrics</a:t>
             </a:r>
-            <a:endParaRPr lang="ja-JP" altLang="en-US" dirty="0" smtClean="0"/>
+            <a:endParaRPr lang="ja-JP" altLang="en-US" dirty="0"/>
           </a:p>
         </p:txBody>
       </p:sp>
@@ -2662,13 +2626,6 @@
   <p:clrMapOvr>
     <a:masterClrMapping/>
   </p:clrMapOvr>
-  <p:timing>
-    <p:tnLst>
-      <p:par>
-        <p:cTn id="1" dur="indefinite" restart="never" nodeType="tmRoot"/>
-      </p:par>
-    </p:tnLst>
-  </p:timing>
 </p:sldLayout>
 </file>
 
@@ -2728,26 +2685,26 @@
           <a:lstStyle/>
           <a:p>
             <a:r>
-              <a:rPr lang="en-US" altLang="ja-JP" dirty="0" smtClean="0"/>
+              <a:rPr lang="en-US" altLang="ja-JP" dirty="0"/>
               <a:t>R</a:t>
             </a:r>
             <a:r>
-              <a:rPr lang="ja-JP" altLang="en-US" dirty="0" smtClean="0"/>
+              <a:rPr lang="ja-JP" altLang="en-US" dirty="0"/>
               <a:t> </a:t>
             </a:r>
             <a:r>
-              <a:rPr lang="en-US" altLang="ja-JP" dirty="0" smtClean="0"/>
+              <a:rPr lang="en-US" altLang="ja-JP" dirty="0"/>
               <a:t>for</a:t>
             </a:r>
             <a:r>
-              <a:rPr lang="ja-JP" altLang="en-US" dirty="0" smtClean="0"/>
+              <a:rPr lang="ja-JP" altLang="en-US" dirty="0"/>
               <a:t> </a:t>
             </a:r>
             <a:r>
-              <a:rPr lang="en-US" altLang="ja-JP" dirty="0" smtClean="0"/>
+              <a:rPr lang="en-US" altLang="ja-JP" dirty="0"/>
               <a:t>Pharmacometrics</a:t>
             </a:r>
-            <a:endParaRPr lang="ja-JP" altLang="en-US" dirty="0" smtClean="0"/>
+            <a:endParaRPr lang="ja-JP" altLang="en-US" dirty="0"/>
           </a:p>
         </p:txBody>
       </p:sp>
@@ -2784,13 +2741,6 @@
   <p:clrMapOvr>
     <a:masterClrMapping/>
   </p:clrMapOvr>
-  <p:timing>
-    <p:tnLst>
-      <p:par>
-        <p:cTn id="1" dur="indefinite" restart="never" nodeType="tmRoot"/>
-      </p:par>
-    </p:tnLst>
-  </p:timing>
 </p:sldLayout>
 </file>
 
@@ -2836,7 +2786,7 @@
           </a:lstStyle>
           <a:p>
             <a:r>
-              <a:rPr lang="ja-JP" altLang="en-US" smtClean="0"/>
+              <a:rPr lang="ja-JP" altLang="en-US"/>
               <a:t>マスター タイトルの書式設定</a:t>
             </a:r>
             <a:endParaRPr lang="en-US" dirty="0"/>
@@ -2893,67 +2843,67 @@
           <a:p>
             <a:pPr lvl="0"/>
             <a:r>
-              <a:rPr lang="ja-JP" altLang="en-US" smtClean="0"/>
+              <a:rPr lang="ja-JP" altLang="en-US"/>
               <a:t>マスター テキストの書式設定</a:t>
             </a:r>
           </a:p>
           <a:p>
             <a:pPr lvl="1"/>
             <a:r>
-              <a:rPr lang="ja-JP" altLang="en-US" smtClean="0"/>
+              <a:rPr lang="ja-JP" altLang="en-US"/>
               <a:t>第 </a:t>
             </a:r>
             <a:r>
-              <a:rPr lang="en-US" altLang="ja-JP" smtClean="0"/>
+              <a:rPr lang="en-US" altLang="ja-JP"/>
               <a:t>2 </a:t>
             </a:r>
             <a:r>
-              <a:rPr lang="ja-JP" altLang="en-US" smtClean="0"/>
+              <a:rPr lang="ja-JP" altLang="en-US"/>
               <a:t>レベル</a:t>
             </a:r>
           </a:p>
           <a:p>
             <a:pPr lvl="2"/>
             <a:r>
-              <a:rPr lang="ja-JP" altLang="en-US" smtClean="0"/>
+              <a:rPr lang="ja-JP" altLang="en-US"/>
               <a:t>第 </a:t>
             </a:r>
             <a:r>
-              <a:rPr lang="en-US" altLang="ja-JP" smtClean="0"/>
+              <a:rPr lang="en-US" altLang="ja-JP"/>
               <a:t>3 </a:t>
             </a:r>
             <a:r>
-              <a:rPr lang="ja-JP" altLang="en-US" smtClean="0"/>
+              <a:rPr lang="ja-JP" altLang="en-US"/>
               <a:t>レベル</a:t>
             </a:r>
           </a:p>
           <a:p>
             <a:pPr lvl="3"/>
             <a:r>
-              <a:rPr lang="ja-JP" altLang="en-US" smtClean="0"/>
+              <a:rPr lang="ja-JP" altLang="en-US"/>
               <a:t>第 </a:t>
             </a:r>
             <a:r>
-              <a:rPr lang="en-US" altLang="ja-JP" smtClean="0"/>
+              <a:rPr lang="en-US" altLang="ja-JP"/>
               <a:t>4 </a:t>
             </a:r>
             <a:r>
-              <a:rPr lang="ja-JP" altLang="en-US" smtClean="0"/>
+              <a:rPr lang="ja-JP" altLang="en-US"/>
               <a:t>レベル</a:t>
             </a:r>
           </a:p>
           <a:p>
             <a:pPr lvl="4"/>
             <a:r>
-              <a:rPr lang="ja-JP" altLang="en-US" smtClean="0"/>
+              <a:rPr lang="ja-JP" altLang="en-US"/>
               <a:t>第 </a:t>
             </a:r>
             <a:r>
-              <a:rPr lang="en-US" altLang="ja-JP" smtClean="0"/>
+              <a:rPr lang="en-US" altLang="ja-JP"/>
               <a:t>5 </a:t>
             </a:r>
             <a:r>
-              <a:rPr lang="ja-JP" altLang="en-US" smtClean="0"/>
+              <a:rPr lang="ja-JP" altLang="en-US"/>
               <a:t>レベル</a:t>
             </a:r>
             <a:endParaRPr lang="en-US" dirty="0"/>
@@ -3019,7 +2969,7 @@
           <a:p>
             <a:pPr lvl="0"/>
             <a:r>
-              <a:rPr lang="ja-JP" altLang="en-US" smtClean="0"/>
+              <a:rPr lang="ja-JP" altLang="en-US"/>
               <a:t>マスター テキストの書式設定</a:t>
             </a:r>
           </a:p>
@@ -3064,7 +3014,7 @@
           <a:lstStyle/>
           <a:p>
             <a:r>
-              <a:rPr kumimoji="1" lang="en-US" altLang="ja-JP" smtClean="0"/>
+              <a:rPr kumimoji="1" lang="en-US" altLang="ja-JP"/>
               <a:t>R for Pharmacometrics</a:t>
             </a:r>
             <a:endParaRPr kumimoji="1" lang="ja-JP" altLang="en-US"/>
@@ -3149,7 +3099,7 @@
           </a:lstStyle>
           <a:p>
             <a:r>
-              <a:rPr lang="ja-JP" altLang="en-US" smtClean="0"/>
+              <a:rPr lang="ja-JP" altLang="en-US"/>
               <a:t>マスター タイトルの書式設定</a:t>
             </a:r>
             <a:endParaRPr lang="en-US" dirty="0"/>
@@ -3214,7 +3164,7 @@
           </a:lstStyle>
           <a:p>
             <a:r>
-              <a:rPr lang="ja-JP" altLang="en-US" smtClean="0"/>
+              <a:rPr lang="ja-JP" altLang="en-US"/>
               <a:t>図を追加</a:t>
             </a:r>
             <a:endParaRPr lang="en-US" dirty="0"/>
@@ -3280,7 +3230,7 @@
           <a:p>
             <a:pPr lvl="0"/>
             <a:r>
-              <a:rPr lang="ja-JP" altLang="en-US" smtClean="0"/>
+              <a:rPr lang="ja-JP" altLang="en-US"/>
               <a:t>マスター テキストの書式設定</a:t>
             </a:r>
           </a:p>
@@ -3325,7 +3275,7 @@
           <a:lstStyle/>
           <a:p>
             <a:r>
-              <a:rPr kumimoji="1" lang="en-US" altLang="ja-JP" smtClean="0"/>
+              <a:rPr kumimoji="1" lang="en-US" altLang="ja-JP"/>
               <a:t>R for Pharmacometrics</a:t>
             </a:r>
             <a:endParaRPr kumimoji="1" lang="ja-JP" altLang="en-US"/>
@@ -3416,7 +3366,7 @@
           <a:lstStyle/>
           <a:p>
             <a:r>
-              <a:rPr lang="ja-JP" altLang="en-US" smtClean="0"/>
+              <a:rPr lang="ja-JP" altLang="en-US"/>
               <a:t>マスター タイトルの書式設定</a:t>
             </a:r>
             <a:endParaRPr lang="en-US" dirty="0"/>
@@ -3450,67 +3400,67 @@
           <a:p>
             <a:pPr lvl="0"/>
             <a:r>
-              <a:rPr lang="ja-JP" altLang="en-US" smtClean="0"/>
+              <a:rPr lang="ja-JP" altLang="en-US"/>
               <a:t>マスター テキストの書式設定</a:t>
             </a:r>
           </a:p>
           <a:p>
             <a:pPr lvl="1"/>
             <a:r>
-              <a:rPr lang="ja-JP" altLang="en-US" smtClean="0"/>
+              <a:rPr lang="ja-JP" altLang="en-US"/>
               <a:t>第 </a:t>
             </a:r>
             <a:r>
-              <a:rPr lang="en-US" altLang="ja-JP" smtClean="0"/>
+              <a:rPr lang="en-US" altLang="ja-JP"/>
               <a:t>2 </a:t>
             </a:r>
             <a:r>
-              <a:rPr lang="ja-JP" altLang="en-US" smtClean="0"/>
+              <a:rPr lang="ja-JP" altLang="en-US"/>
               <a:t>レベル</a:t>
             </a:r>
           </a:p>
           <a:p>
             <a:pPr lvl="2"/>
             <a:r>
-              <a:rPr lang="ja-JP" altLang="en-US" smtClean="0"/>
+              <a:rPr lang="ja-JP" altLang="en-US"/>
               <a:t>第 </a:t>
             </a:r>
             <a:r>
-              <a:rPr lang="en-US" altLang="ja-JP" smtClean="0"/>
+              <a:rPr lang="en-US" altLang="ja-JP"/>
               <a:t>3 </a:t>
             </a:r>
             <a:r>
-              <a:rPr lang="ja-JP" altLang="en-US" smtClean="0"/>
+              <a:rPr lang="ja-JP" altLang="en-US"/>
               <a:t>レベル</a:t>
             </a:r>
           </a:p>
           <a:p>
             <a:pPr lvl="3"/>
             <a:r>
-              <a:rPr lang="ja-JP" altLang="en-US" smtClean="0"/>
+              <a:rPr lang="ja-JP" altLang="en-US"/>
               <a:t>第 </a:t>
             </a:r>
             <a:r>
-              <a:rPr lang="en-US" altLang="ja-JP" smtClean="0"/>
+              <a:rPr lang="en-US" altLang="ja-JP"/>
               <a:t>4 </a:t>
             </a:r>
             <a:r>
-              <a:rPr lang="ja-JP" altLang="en-US" smtClean="0"/>
+              <a:rPr lang="ja-JP" altLang="en-US"/>
               <a:t>レベル</a:t>
             </a:r>
           </a:p>
           <a:p>
             <a:pPr lvl="4"/>
             <a:r>
-              <a:rPr lang="ja-JP" altLang="en-US" smtClean="0"/>
+              <a:rPr lang="ja-JP" altLang="en-US"/>
               <a:t>第 </a:t>
             </a:r>
             <a:r>
-              <a:rPr lang="en-US" altLang="ja-JP" smtClean="0"/>
+              <a:rPr lang="en-US" altLang="ja-JP"/>
               <a:t>5 </a:t>
             </a:r>
             <a:r>
-              <a:rPr lang="ja-JP" altLang="en-US" smtClean="0"/>
+              <a:rPr lang="ja-JP" altLang="en-US"/>
               <a:t>レベル</a:t>
             </a:r>
             <a:endParaRPr lang="en-US" dirty="0"/>
@@ -3592,26 +3542,26 @@
           </a:lstStyle>
           <a:p>
             <a:r>
-              <a:rPr lang="en-US" altLang="ja-JP" dirty="0" smtClean="0"/>
+              <a:rPr lang="en-US" altLang="ja-JP" dirty="0"/>
               <a:t>R</a:t>
             </a:r>
             <a:r>
-              <a:rPr lang="ja-JP" altLang="en-US" dirty="0" smtClean="0"/>
+              <a:rPr lang="ja-JP" altLang="en-US" dirty="0"/>
               <a:t> </a:t>
             </a:r>
             <a:r>
-              <a:rPr lang="en-US" altLang="ja-JP" dirty="0" smtClean="0"/>
+              <a:rPr lang="en-US" altLang="ja-JP" dirty="0"/>
               <a:t>for</a:t>
             </a:r>
             <a:r>
-              <a:rPr lang="ja-JP" altLang="en-US" dirty="0" smtClean="0"/>
+              <a:rPr lang="ja-JP" altLang="en-US" dirty="0"/>
               <a:t> </a:t>
             </a:r>
             <a:r>
-              <a:rPr lang="en-US" altLang="ja-JP" dirty="0" smtClean="0"/>
+              <a:rPr lang="en-US" altLang="ja-JP" dirty="0"/>
               <a:t>Pharmacometrics</a:t>
             </a:r>
-            <a:endParaRPr lang="ja-JP" altLang="en-US" dirty="0" smtClean="0"/>
+            <a:endParaRPr lang="ja-JP" altLang="en-US" dirty="0"/>
           </a:p>
         </p:txBody>
       </p:sp>
@@ -3677,13 +3627,6 @@
     <p:sldLayoutId id="2147483670" r:id="rId10"/>
     <p:sldLayoutId id="2147483671" r:id="rId11"/>
   </p:sldLayoutIdLst>
-  <p:timing>
-    <p:tnLst>
-      <p:par>
-        <p:cTn id="1" dur="indefinite" restart="never" nodeType="tmRoot"/>
-      </p:par>
-    </p:tnLst>
-  </p:timing>
   <p:hf hdr="0" dt="0"/>
   <p:txStyles>
     <p:titleStyle>
@@ -4003,7 +3946,7 @@
           <a:lstStyle/>
           <a:p>
             <a:r>
-              <a:rPr lang="en-US" altLang="ja-JP" sz="6600" b="1" dirty="0" smtClean="0">
+              <a:rPr lang="en-US" altLang="ja-JP" sz="6600" b="1" dirty="0">
                 <a:solidFill>
                   <a:schemeClr val="tx1">
                     <a:lumMod val="50000"/>
@@ -4014,7 +3957,7 @@
               <a:t>Exploratory</a:t>
             </a:r>
             <a:r>
-              <a:rPr lang="ja-JP" altLang="en-US" sz="6600" b="1" dirty="0" smtClean="0">
+              <a:rPr lang="ja-JP" altLang="en-US" sz="6600" b="1" dirty="0">
                 <a:solidFill>
                   <a:schemeClr val="tx1">
                     <a:lumMod val="50000"/>
@@ -4025,7 +3968,7 @@
               <a:t> </a:t>
             </a:r>
             <a:r>
-              <a:rPr lang="en-US" altLang="ja-JP" sz="6600" b="1" dirty="0" smtClean="0">
+              <a:rPr lang="en-US" altLang="ja-JP" sz="6600" b="1" dirty="0">
                 <a:solidFill>
                   <a:schemeClr val="tx1">
                     <a:lumMod val="50000"/>
@@ -4081,23 +4024,23 @@
           <a:lstStyle/>
           <a:p>
             <a:r>
-              <a:rPr kumimoji="1" lang="en-US" altLang="ja-JP" smtClean="0"/>
+              <a:rPr kumimoji="1" lang="en-US" altLang="ja-JP"/>
               <a:t>R</a:t>
             </a:r>
             <a:r>
-              <a:rPr kumimoji="1" lang="ja-JP" altLang="en-US" smtClean="0"/>
+              <a:rPr kumimoji="1" lang="ja-JP" altLang="en-US"/>
               <a:t> </a:t>
             </a:r>
             <a:r>
-              <a:rPr kumimoji="1" lang="en-US" altLang="ja-JP" smtClean="0"/>
+              <a:rPr kumimoji="1" lang="en-US" altLang="ja-JP"/>
               <a:t>for</a:t>
             </a:r>
             <a:r>
-              <a:rPr kumimoji="1" lang="ja-JP" altLang="en-US" smtClean="0"/>
+              <a:rPr kumimoji="1" lang="ja-JP" altLang="en-US"/>
               <a:t> </a:t>
             </a:r>
             <a:r>
-              <a:rPr kumimoji="1" lang="en-US" altLang="ja-JP" smtClean="0"/>
+              <a:rPr kumimoji="1" lang="en-US" altLang="ja-JP"/>
               <a:t>Pharmacometrics</a:t>
             </a:r>
             <a:endParaRPr kumimoji="1" lang="ja-JP" altLang="en-US" dirty="0"/>
@@ -4137,13 +4080,6 @@
   <p:clrMapOvr>
     <a:masterClrMapping/>
   </p:clrMapOvr>
-  <p:timing>
-    <p:tnLst>
-      <p:par>
-        <p:cTn id="1" dur="indefinite" restart="never" nodeType="tmRoot"/>
-      </p:par>
-    </p:tnLst>
-  </p:timing>
 </p:sld>
 </file>
 
@@ -4180,7 +4116,7 @@
           <a:lstStyle/>
           <a:p>
             <a:r>
-              <a:rPr kumimoji="1" lang="ja-JP" altLang="en-US" b="1" dirty="0" smtClean="0">
+              <a:rPr kumimoji="1" lang="ja-JP" altLang="en-US" b="1" dirty="0">
                 <a:solidFill>
                   <a:schemeClr val="tx1">
                     <a:lumMod val="50000"/>
@@ -4190,15 +4126,11 @@
               </a:rPr>
               <a:t>その他よく使う関数</a:t>
             </a:r>
-            <a:r>
-              <a:rPr kumimoji="1" lang="en-US" altLang="ja-JP" dirty="0" smtClean="0"/>
-              <a:t/>
-            </a:r>
             <a:br>
-              <a:rPr kumimoji="1" lang="en-US" altLang="ja-JP" dirty="0" smtClean="0"/>
+              <a:rPr kumimoji="1" lang="en-US" altLang="ja-JP" dirty="0"/>
             </a:br>
             <a:r>
-              <a:rPr lang="en-US" altLang="ja-JP" dirty="0" smtClean="0">
+              <a:rPr lang="en-US" altLang="ja-JP" dirty="0">
                 <a:solidFill>
                   <a:srgbClr val="0070C0"/>
                 </a:solidFill>
@@ -4206,11 +4138,11 @@
               <a:t>select</a:t>
             </a:r>
             <a:r>
-              <a:rPr lang="en-US" altLang="ja-JP" dirty="0" smtClean="0"/>
+              <a:rPr lang="en-US" altLang="ja-JP" dirty="0"/>
               <a:t>, </a:t>
             </a:r>
             <a:r>
-              <a:rPr lang="en-US" altLang="ja-JP" dirty="0" smtClean="0">
+              <a:rPr lang="en-US" altLang="ja-JP" dirty="0">
                 <a:solidFill>
                   <a:srgbClr val="0070C0"/>
                 </a:solidFill>
@@ -4218,11 +4150,11 @@
               <a:t>mutate</a:t>
             </a:r>
             <a:r>
-              <a:rPr lang="en-US" altLang="ja-JP" dirty="0" smtClean="0"/>
+              <a:rPr lang="en-US" altLang="ja-JP" dirty="0"/>
               <a:t>, </a:t>
             </a:r>
             <a:r>
-              <a:rPr lang="en-US" altLang="ja-JP" dirty="0" err="1" smtClean="0">
+              <a:rPr lang="en-US" altLang="ja-JP" dirty="0" err="1">
                 <a:solidFill>
                   <a:srgbClr val="0070C0"/>
                 </a:solidFill>
@@ -4230,11 +4162,11 @@
               <a:t>left_join</a:t>
             </a:r>
             <a:r>
-              <a:rPr lang="en-US" altLang="ja-JP" dirty="0" smtClean="0"/>
+              <a:rPr lang="en-US" altLang="ja-JP" dirty="0"/>
               <a:t>, </a:t>
             </a:r>
             <a:r>
-              <a:rPr lang="en-US" altLang="ja-JP" dirty="0" smtClean="0">
+              <a:rPr lang="en-US" altLang="ja-JP" dirty="0">
                 <a:solidFill>
                   <a:srgbClr val="0070C0"/>
                 </a:solidFill>
@@ -4242,11 +4174,11 @@
               <a:t>arrange</a:t>
             </a:r>
             <a:r>
-              <a:rPr lang="en-US" altLang="ja-JP" dirty="0" smtClean="0"/>
+              <a:rPr lang="en-US" altLang="ja-JP" dirty="0"/>
               <a:t>, </a:t>
             </a:r>
             <a:r>
-              <a:rPr lang="en-US" altLang="ja-JP" dirty="0" err="1" smtClean="0">
+              <a:rPr lang="en-US" altLang="ja-JP" dirty="0" err="1">
                 <a:solidFill>
                   <a:srgbClr val="0070C0"/>
                 </a:solidFill>
@@ -4296,26 +4228,26 @@
           <a:lstStyle/>
           <a:p>
             <a:r>
-              <a:rPr lang="en-US" altLang="ja-JP" smtClean="0"/>
+              <a:rPr lang="en-US" altLang="ja-JP"/>
               <a:t>R</a:t>
             </a:r>
             <a:r>
-              <a:rPr lang="ja-JP" altLang="en-US" smtClean="0"/>
+              <a:rPr lang="ja-JP" altLang="en-US"/>
               <a:t> </a:t>
             </a:r>
             <a:r>
-              <a:rPr lang="en-US" altLang="ja-JP" smtClean="0"/>
+              <a:rPr lang="en-US" altLang="ja-JP"/>
               <a:t>for</a:t>
             </a:r>
             <a:r>
-              <a:rPr lang="ja-JP" altLang="en-US" smtClean="0"/>
+              <a:rPr lang="ja-JP" altLang="en-US"/>
               <a:t> </a:t>
             </a:r>
             <a:r>
-              <a:rPr lang="en-US" altLang="ja-JP" smtClean="0"/>
+              <a:rPr lang="en-US" altLang="ja-JP"/>
               <a:t>Pharmacometrics</a:t>
             </a:r>
-            <a:endParaRPr lang="ja-JP" altLang="en-US" dirty="0" smtClean="0"/>
+            <a:endParaRPr lang="ja-JP" altLang="en-US" dirty="0"/>
           </a:p>
         </p:txBody>
       </p:sp>
@@ -4388,7 +4320,7 @@
           <a:lstStyle/>
           <a:p>
             <a:r>
-              <a:rPr kumimoji="1" lang="en-US" altLang="ja-JP" b="1" dirty="0" smtClean="0">
+              <a:rPr kumimoji="1" lang="en-US" altLang="ja-JP" b="1" dirty="0">
                 <a:solidFill>
                   <a:schemeClr val="tx1">
                     <a:lumMod val="50000"/>
@@ -4444,26 +4376,26 @@
           <a:lstStyle/>
           <a:p>
             <a:r>
-              <a:rPr lang="en-US" altLang="ja-JP" smtClean="0"/>
+              <a:rPr lang="en-US" altLang="ja-JP"/>
               <a:t>R</a:t>
             </a:r>
             <a:r>
-              <a:rPr lang="ja-JP" altLang="en-US" smtClean="0"/>
+              <a:rPr lang="ja-JP" altLang="en-US"/>
               <a:t> </a:t>
             </a:r>
             <a:r>
-              <a:rPr lang="en-US" altLang="ja-JP" smtClean="0"/>
+              <a:rPr lang="en-US" altLang="ja-JP"/>
               <a:t>for</a:t>
             </a:r>
             <a:r>
-              <a:rPr lang="ja-JP" altLang="en-US" smtClean="0"/>
+              <a:rPr lang="ja-JP" altLang="en-US"/>
               <a:t> </a:t>
             </a:r>
             <a:r>
-              <a:rPr lang="en-US" altLang="ja-JP" smtClean="0"/>
+              <a:rPr lang="en-US" altLang="ja-JP"/>
               <a:t>Pharmacometrics</a:t>
             </a:r>
-            <a:endParaRPr lang="ja-JP" altLang="en-US" dirty="0" smtClean="0"/>
+            <a:endParaRPr lang="ja-JP" altLang="en-US" dirty="0"/>
           </a:p>
         </p:txBody>
       </p:sp>
@@ -4536,7 +4468,7 @@
           <a:lstStyle/>
           <a:p>
             <a:r>
-              <a:rPr lang="en-US" altLang="ja-JP" b="1" dirty="0" smtClean="0">
+              <a:rPr lang="en-US" altLang="ja-JP" b="1" dirty="0">
                 <a:solidFill>
                   <a:schemeClr val="tx1">
                     <a:lumMod val="50000"/>
@@ -4547,7 +4479,7 @@
               <a:t>ggplot2</a:t>
             </a:r>
             <a:r>
-              <a:rPr lang="ja-JP" altLang="en-US" b="1" dirty="0" smtClean="0">
+              <a:rPr lang="ja-JP" altLang="en-US" b="1" dirty="0">
                 <a:solidFill>
                   <a:schemeClr val="tx1">
                     <a:lumMod val="50000"/>
@@ -4557,15 +4489,11 @@
               </a:rPr>
               <a:t>の基本</a:t>
             </a:r>
-            <a:r>
-              <a:rPr lang="en-US" altLang="ja-JP" dirty="0" smtClean="0"/>
-              <a:t/>
-            </a:r>
             <a:br>
-              <a:rPr lang="en-US" altLang="ja-JP" dirty="0" smtClean="0"/>
+              <a:rPr lang="en-US" altLang="ja-JP" dirty="0"/>
             </a:br>
             <a:r>
-              <a:rPr lang="en-US" altLang="ja-JP" dirty="0" err="1" smtClean="0">
+              <a:rPr lang="en-US" altLang="ja-JP" dirty="0" err="1">
                 <a:solidFill>
                   <a:srgbClr val="0070C0"/>
                 </a:solidFill>
@@ -4615,26 +4543,26 @@
           <a:lstStyle/>
           <a:p>
             <a:r>
-              <a:rPr lang="en-US" altLang="ja-JP" smtClean="0"/>
+              <a:rPr lang="en-US" altLang="ja-JP"/>
               <a:t>R</a:t>
             </a:r>
             <a:r>
-              <a:rPr lang="ja-JP" altLang="en-US" smtClean="0"/>
+              <a:rPr lang="ja-JP" altLang="en-US"/>
               <a:t> </a:t>
             </a:r>
             <a:r>
-              <a:rPr lang="en-US" altLang="ja-JP" smtClean="0"/>
+              <a:rPr lang="en-US" altLang="ja-JP"/>
               <a:t>for</a:t>
             </a:r>
             <a:r>
-              <a:rPr lang="ja-JP" altLang="en-US" smtClean="0"/>
+              <a:rPr lang="ja-JP" altLang="en-US"/>
               <a:t> </a:t>
             </a:r>
             <a:r>
-              <a:rPr lang="en-US" altLang="ja-JP" smtClean="0"/>
+              <a:rPr lang="en-US" altLang="ja-JP"/>
               <a:t>Pharmacometrics</a:t>
             </a:r>
-            <a:endParaRPr lang="ja-JP" altLang="en-US" dirty="0" smtClean="0"/>
+            <a:endParaRPr lang="ja-JP" altLang="en-US" dirty="0"/>
           </a:p>
         </p:txBody>
       </p:sp>
@@ -4707,7 +4635,7 @@
           <a:lstStyle/>
           <a:p>
             <a:r>
-              <a:rPr lang="ja-JP" altLang="en-US" b="1" dirty="0" smtClean="0">
+              <a:rPr lang="ja-JP" altLang="en-US" b="1" dirty="0">
                 <a:solidFill>
                   <a:schemeClr val="tx1">
                     <a:lumMod val="50000"/>
@@ -4717,15 +4645,11 @@
               </a:rPr>
               <a:t>散布図の作成</a:t>
             </a:r>
-            <a:r>
-              <a:rPr lang="en-US" altLang="ja-JP" dirty="0"/>
-              <a:t/>
-            </a:r>
             <a:br>
               <a:rPr lang="en-US" altLang="ja-JP" dirty="0"/>
             </a:br>
             <a:r>
-              <a:rPr lang="en-US" altLang="ja-JP" dirty="0" err="1" smtClean="0">
+              <a:rPr lang="en-US" altLang="ja-JP" dirty="0" err="1">
                 <a:solidFill>
                   <a:srgbClr val="0070C0"/>
                 </a:solidFill>
@@ -4771,26 +4695,26 @@
           <a:lstStyle/>
           <a:p>
             <a:r>
-              <a:rPr lang="en-US" altLang="ja-JP" smtClean="0"/>
+              <a:rPr lang="en-US" altLang="ja-JP"/>
               <a:t>R</a:t>
             </a:r>
             <a:r>
-              <a:rPr lang="ja-JP" altLang="en-US" smtClean="0"/>
+              <a:rPr lang="ja-JP" altLang="en-US"/>
               <a:t> </a:t>
             </a:r>
             <a:r>
-              <a:rPr lang="en-US" altLang="ja-JP" smtClean="0"/>
+              <a:rPr lang="en-US" altLang="ja-JP"/>
               <a:t>for</a:t>
             </a:r>
             <a:r>
-              <a:rPr lang="ja-JP" altLang="en-US" smtClean="0"/>
+              <a:rPr lang="ja-JP" altLang="en-US"/>
               <a:t> </a:t>
             </a:r>
             <a:r>
-              <a:rPr lang="en-US" altLang="ja-JP" smtClean="0"/>
+              <a:rPr lang="en-US" altLang="ja-JP"/>
               <a:t>Pharmacometrics</a:t>
             </a:r>
-            <a:endParaRPr lang="ja-JP" altLang="en-US" dirty="0" smtClean="0"/>
+            <a:endParaRPr lang="ja-JP" altLang="en-US" dirty="0"/>
           </a:p>
         </p:txBody>
       </p:sp>
@@ -4863,7 +4787,7 @@
           <a:lstStyle/>
           <a:p>
             <a:r>
-              <a:rPr lang="en-US" altLang="ja-JP" b="1" dirty="0" smtClean="0">
+              <a:rPr lang="en-US" altLang="ja-JP" b="1" dirty="0">
                 <a:solidFill>
                   <a:schemeClr val="tx1">
                     <a:lumMod val="50000"/>
@@ -4874,7 +4798,7 @@
               <a:t>line plot</a:t>
             </a:r>
             <a:r>
-              <a:rPr lang="ja-JP" altLang="en-US" b="1" dirty="0" smtClean="0">
+              <a:rPr lang="ja-JP" altLang="en-US" b="1" dirty="0">
                 <a:solidFill>
                   <a:schemeClr val="tx1">
                     <a:lumMod val="50000"/>
@@ -4884,15 +4808,11 @@
               </a:rPr>
               <a:t>の作成</a:t>
             </a:r>
-            <a:r>
-              <a:rPr lang="en-US" altLang="ja-JP" dirty="0"/>
-              <a:t/>
-            </a:r>
             <a:br>
               <a:rPr lang="en-US" altLang="ja-JP" dirty="0"/>
             </a:br>
             <a:r>
-              <a:rPr lang="en-US" altLang="ja-JP" dirty="0" err="1" smtClean="0">
+              <a:rPr lang="en-US" altLang="ja-JP" dirty="0" err="1">
                 <a:solidFill>
                   <a:srgbClr val="0070C0"/>
                 </a:solidFill>
@@ -4938,26 +4858,26 @@
           <a:lstStyle/>
           <a:p>
             <a:r>
-              <a:rPr lang="en-US" altLang="ja-JP" smtClean="0"/>
+              <a:rPr lang="en-US" altLang="ja-JP"/>
               <a:t>R</a:t>
             </a:r>
             <a:r>
-              <a:rPr lang="ja-JP" altLang="en-US" smtClean="0"/>
+              <a:rPr lang="ja-JP" altLang="en-US"/>
               <a:t> </a:t>
             </a:r>
             <a:r>
-              <a:rPr lang="en-US" altLang="ja-JP" smtClean="0"/>
+              <a:rPr lang="en-US" altLang="ja-JP"/>
               <a:t>for</a:t>
             </a:r>
             <a:r>
-              <a:rPr lang="ja-JP" altLang="en-US" smtClean="0"/>
+              <a:rPr lang="ja-JP" altLang="en-US"/>
               <a:t> </a:t>
             </a:r>
             <a:r>
-              <a:rPr lang="en-US" altLang="ja-JP" smtClean="0"/>
+              <a:rPr lang="en-US" altLang="ja-JP"/>
               <a:t>Pharmacometrics</a:t>
             </a:r>
-            <a:endParaRPr lang="ja-JP" altLang="en-US" dirty="0" smtClean="0"/>
+            <a:endParaRPr lang="ja-JP" altLang="en-US" dirty="0"/>
           </a:p>
         </p:txBody>
       </p:sp>
@@ -5030,7 +4950,7 @@
           <a:lstStyle/>
           <a:p>
             <a:r>
-              <a:rPr lang="ja-JP" altLang="en-US" b="1" dirty="0" smtClean="0">
+              <a:rPr lang="ja-JP" altLang="en-US" b="1" dirty="0">
                 <a:solidFill>
                   <a:schemeClr val="tx1">
                     <a:lumMod val="50000"/>
@@ -5040,15 +4960,11 @@
               </a:rPr>
               <a:t>ヒストグラムの作成</a:t>
             </a:r>
-            <a:r>
-              <a:rPr lang="en-US" altLang="ja-JP" dirty="0" smtClean="0"/>
-              <a:t/>
-            </a:r>
             <a:br>
-              <a:rPr lang="en-US" altLang="ja-JP" dirty="0" smtClean="0"/>
+              <a:rPr lang="en-US" altLang="ja-JP" dirty="0"/>
             </a:br>
             <a:r>
-              <a:rPr lang="en-US" altLang="ja-JP" dirty="0" err="1" smtClean="0">
+              <a:rPr lang="en-US" altLang="ja-JP" dirty="0" err="1">
                 <a:solidFill>
                   <a:srgbClr val="0070C0"/>
                 </a:solidFill>
@@ -5098,26 +5014,26 @@
           <a:lstStyle/>
           <a:p>
             <a:r>
-              <a:rPr lang="en-US" altLang="ja-JP" smtClean="0"/>
+              <a:rPr lang="en-US" altLang="ja-JP"/>
               <a:t>R</a:t>
             </a:r>
             <a:r>
-              <a:rPr lang="ja-JP" altLang="en-US" smtClean="0"/>
+              <a:rPr lang="ja-JP" altLang="en-US"/>
               <a:t> </a:t>
             </a:r>
             <a:r>
-              <a:rPr lang="en-US" altLang="ja-JP" smtClean="0"/>
+              <a:rPr lang="en-US" altLang="ja-JP"/>
               <a:t>for</a:t>
             </a:r>
             <a:r>
-              <a:rPr lang="ja-JP" altLang="en-US" smtClean="0"/>
+              <a:rPr lang="ja-JP" altLang="en-US"/>
               <a:t> </a:t>
             </a:r>
             <a:r>
-              <a:rPr lang="en-US" altLang="ja-JP" smtClean="0"/>
+              <a:rPr lang="en-US" altLang="ja-JP"/>
               <a:t>Pharmacometrics</a:t>
             </a:r>
-            <a:endParaRPr lang="ja-JP" altLang="en-US" dirty="0" smtClean="0"/>
+            <a:endParaRPr lang="ja-JP" altLang="en-US" dirty="0"/>
           </a:p>
         </p:txBody>
       </p:sp>
@@ -5201,7 +5117,7 @@
               <a:t>箱</a:t>
             </a:r>
             <a:r>
-              <a:rPr lang="ja-JP" altLang="en-US" b="1" dirty="0" err="1" smtClean="0">
+              <a:rPr lang="ja-JP" altLang="en-US" b="1" dirty="0" err="1">
                 <a:solidFill>
                   <a:schemeClr val="tx1">
                     <a:lumMod val="50000"/>
@@ -5220,39 +5136,13 @@
                   </a:schemeClr>
                 </a:solidFill>
               </a:rPr>
-              <a:t>図</a:t>
-            </a:r>
-            <a:r>
-              <a:rPr lang="ja-JP" altLang="en-US" b="1" dirty="0" smtClean="0">
-                <a:solidFill>
-                  <a:schemeClr val="tx1">
-                    <a:lumMod val="50000"/>
-                    <a:lumOff val="50000"/>
-                  </a:schemeClr>
-                </a:solidFill>
-              </a:rPr>
-              <a:t>の</a:t>
-            </a:r>
-            <a:r>
-              <a:rPr lang="ja-JP" altLang="en-US" b="1" dirty="0">
-                <a:solidFill>
-                  <a:schemeClr val="tx1">
-                    <a:lumMod val="50000"/>
-                    <a:lumOff val="50000"/>
-                  </a:schemeClr>
-                </a:solidFill>
-              </a:rPr>
-              <a:t>作成</a:t>
-            </a:r>
-            <a:r>
-              <a:rPr lang="en-US" altLang="ja-JP" dirty="0"/>
-              <a:t/>
+              <a:t>図の作成</a:t>
             </a:r>
             <a:br>
               <a:rPr lang="en-US" altLang="ja-JP" dirty="0"/>
             </a:br>
             <a:r>
-              <a:rPr lang="en-US" altLang="ja-JP" dirty="0" err="1" smtClean="0">
+              <a:rPr lang="en-US" altLang="ja-JP" dirty="0" err="1">
                 <a:solidFill>
                   <a:srgbClr val="0070C0"/>
                 </a:solidFill>
@@ -5298,26 +5188,26 @@
           <a:lstStyle/>
           <a:p>
             <a:r>
-              <a:rPr lang="en-US" altLang="ja-JP" smtClean="0"/>
+              <a:rPr lang="en-US" altLang="ja-JP"/>
               <a:t>R</a:t>
             </a:r>
             <a:r>
-              <a:rPr lang="ja-JP" altLang="en-US" smtClean="0"/>
+              <a:rPr lang="ja-JP" altLang="en-US"/>
               <a:t> </a:t>
             </a:r>
             <a:r>
-              <a:rPr lang="en-US" altLang="ja-JP" smtClean="0"/>
+              <a:rPr lang="en-US" altLang="ja-JP"/>
               <a:t>for</a:t>
             </a:r>
             <a:r>
-              <a:rPr lang="ja-JP" altLang="en-US" smtClean="0"/>
+              <a:rPr lang="ja-JP" altLang="en-US"/>
               <a:t> </a:t>
             </a:r>
             <a:r>
-              <a:rPr lang="en-US" altLang="ja-JP" smtClean="0"/>
+              <a:rPr lang="en-US" altLang="ja-JP"/>
               <a:t>Pharmacometrics</a:t>
             </a:r>
-            <a:endParaRPr lang="ja-JP" altLang="en-US" dirty="0" smtClean="0"/>
+            <a:endParaRPr lang="ja-JP" altLang="en-US" dirty="0"/>
           </a:p>
         </p:txBody>
       </p:sp>
@@ -5390,7 +5280,7 @@
           <a:lstStyle/>
           <a:p>
             <a:r>
-              <a:rPr lang="ja-JP" altLang="en-US" b="1" dirty="0" smtClean="0">
+              <a:rPr lang="ja-JP" altLang="en-US" b="1" dirty="0">
                 <a:solidFill>
                   <a:schemeClr val="tx1">
                     <a:lumMod val="50000"/>
@@ -5401,7 +5291,7 @@
               <a:t>演習</a:t>
             </a:r>
             <a:r>
-              <a:rPr lang="en-US" altLang="ja-JP" b="1" dirty="0" smtClean="0">
+              <a:rPr lang="en-US" altLang="ja-JP" b="1" dirty="0">
                 <a:solidFill>
                   <a:schemeClr val="tx1">
                     <a:lumMod val="50000"/>
@@ -5457,26 +5347,26 @@
           <a:lstStyle/>
           <a:p>
             <a:r>
-              <a:rPr lang="en-US" altLang="ja-JP" smtClean="0"/>
+              <a:rPr lang="en-US" altLang="ja-JP"/>
               <a:t>R</a:t>
             </a:r>
             <a:r>
-              <a:rPr lang="ja-JP" altLang="en-US" smtClean="0"/>
+              <a:rPr lang="ja-JP" altLang="en-US"/>
               <a:t> </a:t>
             </a:r>
             <a:r>
-              <a:rPr lang="en-US" altLang="ja-JP" smtClean="0"/>
+              <a:rPr lang="en-US" altLang="ja-JP"/>
               <a:t>for</a:t>
             </a:r>
             <a:r>
-              <a:rPr lang="ja-JP" altLang="en-US" smtClean="0"/>
+              <a:rPr lang="ja-JP" altLang="en-US"/>
               <a:t> </a:t>
             </a:r>
             <a:r>
-              <a:rPr lang="en-US" altLang="ja-JP" smtClean="0"/>
+              <a:rPr lang="en-US" altLang="ja-JP"/>
               <a:t>Pharmacometrics</a:t>
             </a:r>
-            <a:endParaRPr lang="ja-JP" altLang="en-US" dirty="0" smtClean="0"/>
+            <a:endParaRPr lang="ja-JP" altLang="en-US" dirty="0"/>
           </a:p>
         </p:txBody>
       </p:sp>
@@ -5549,7 +5439,7 @@
           <a:lstStyle/>
           <a:p>
             <a:r>
-              <a:rPr lang="ja-JP" altLang="en-US" b="1" dirty="0" smtClean="0">
+              <a:rPr lang="ja-JP" altLang="en-US" b="1" dirty="0">
                 <a:solidFill>
                   <a:schemeClr val="tx1">
                     <a:lumMod val="50000"/>
@@ -5560,7 +5450,7 @@
               <a:t>演習</a:t>
             </a:r>
             <a:r>
-              <a:rPr lang="en-US" altLang="ja-JP" b="1" dirty="0" smtClean="0">
+              <a:rPr lang="en-US" altLang="ja-JP" b="1" dirty="0">
                 <a:solidFill>
                   <a:schemeClr val="tx1">
                     <a:lumMod val="50000"/>
@@ -5571,7 +5461,7 @@
               <a:t>-2</a:t>
             </a:r>
             <a:r>
-              <a:rPr lang="ja-JP" altLang="en-US" b="1" dirty="0" smtClean="0">
+              <a:rPr lang="ja-JP" altLang="en-US" b="1" dirty="0">
                 <a:solidFill>
                   <a:schemeClr val="tx1">
                     <a:lumMod val="50000"/>
@@ -5627,26 +5517,26 @@
           <a:lstStyle/>
           <a:p>
             <a:r>
-              <a:rPr lang="en-US" altLang="ja-JP" smtClean="0"/>
+              <a:rPr lang="en-US" altLang="ja-JP"/>
               <a:t>R</a:t>
             </a:r>
             <a:r>
-              <a:rPr lang="ja-JP" altLang="en-US" smtClean="0"/>
+              <a:rPr lang="ja-JP" altLang="en-US"/>
               <a:t> </a:t>
             </a:r>
             <a:r>
-              <a:rPr lang="en-US" altLang="ja-JP" smtClean="0"/>
+              <a:rPr lang="en-US" altLang="ja-JP"/>
               <a:t>for</a:t>
             </a:r>
             <a:r>
-              <a:rPr lang="ja-JP" altLang="en-US" smtClean="0"/>
+              <a:rPr lang="ja-JP" altLang="en-US"/>
               <a:t> </a:t>
             </a:r>
             <a:r>
-              <a:rPr lang="en-US" altLang="ja-JP" smtClean="0"/>
+              <a:rPr lang="en-US" altLang="ja-JP"/>
               <a:t>Pharmacometrics</a:t>
             </a:r>
-            <a:endParaRPr lang="ja-JP" altLang="en-US" dirty="0" smtClean="0"/>
+            <a:endParaRPr lang="ja-JP" altLang="en-US" dirty="0"/>
           </a:p>
         </p:txBody>
       </p:sp>
@@ -5768,26 +5658,26 @@
           <a:lstStyle/>
           <a:p>
             <a:r>
-              <a:rPr lang="en-US" altLang="ja-JP" smtClean="0"/>
+              <a:rPr lang="en-US" altLang="ja-JP"/>
               <a:t>R</a:t>
             </a:r>
             <a:r>
-              <a:rPr lang="ja-JP" altLang="en-US" smtClean="0"/>
+              <a:rPr lang="ja-JP" altLang="en-US"/>
               <a:t> </a:t>
             </a:r>
             <a:r>
-              <a:rPr lang="en-US" altLang="ja-JP" smtClean="0"/>
+              <a:rPr lang="en-US" altLang="ja-JP"/>
               <a:t>for</a:t>
             </a:r>
             <a:r>
-              <a:rPr lang="ja-JP" altLang="en-US" smtClean="0"/>
+              <a:rPr lang="ja-JP" altLang="en-US"/>
               <a:t> </a:t>
             </a:r>
             <a:r>
-              <a:rPr lang="en-US" altLang="ja-JP" smtClean="0"/>
+              <a:rPr lang="en-US" altLang="ja-JP"/>
               <a:t>Pharmacometrics</a:t>
             </a:r>
-            <a:endParaRPr lang="ja-JP" altLang="en-US" dirty="0" smtClean="0"/>
+            <a:endParaRPr lang="ja-JP" altLang="en-US" dirty="0"/>
           </a:p>
         </p:txBody>
       </p:sp>
@@ -5860,7 +5750,7 @@
           <a:lstStyle/>
           <a:p>
             <a:r>
-              <a:rPr kumimoji="1" lang="en-US" altLang="ja-JP" b="1" dirty="0" smtClean="0">
+              <a:rPr kumimoji="1" lang="en-US" altLang="ja-JP" b="1" dirty="0">
                 <a:solidFill>
                   <a:schemeClr val="tx1">
                     <a:lumMod val="50000"/>
@@ -5897,51 +5787,51 @@
           <a:lstStyle/>
           <a:p>
             <a:r>
-              <a:rPr kumimoji="1" lang="en-US" altLang="ja-JP" dirty="0" smtClean="0"/>
+              <a:rPr kumimoji="1" lang="en-US" altLang="ja-JP" dirty="0"/>
               <a:t>Exploratory Data Analysis</a:t>
             </a:r>
             <a:r>
-              <a:rPr kumimoji="1" lang="ja-JP" altLang="en-US" dirty="0" smtClean="0"/>
+              <a:rPr kumimoji="1" lang="ja-JP" altLang="en-US" dirty="0"/>
               <a:t> </a:t>
             </a:r>
             <a:r>
-              <a:rPr kumimoji="1" lang="en-US" altLang="ja-JP" dirty="0" smtClean="0"/>
+              <a:rPr kumimoji="1" lang="en-US" altLang="ja-JP" dirty="0"/>
               <a:t>(EDA) </a:t>
             </a:r>
             <a:r>
-              <a:rPr kumimoji="1" lang="ja-JP" altLang="en-US" dirty="0" smtClean="0"/>
+              <a:rPr kumimoji="1" lang="ja-JP" altLang="en-US" dirty="0"/>
               <a:t>とは</a:t>
             </a:r>
-            <a:endParaRPr kumimoji="1" lang="en-US" altLang="ja-JP" dirty="0" smtClean="0"/>
-          </a:p>
-          <a:p>
-            <a:r>
-              <a:rPr lang="en-US" altLang="ja-JP" dirty="0" smtClean="0"/>
+            <a:endParaRPr kumimoji="1" lang="en-US" altLang="ja-JP" dirty="0"/>
+          </a:p>
+          <a:p>
+            <a:r>
+              <a:rPr lang="en-US" altLang="ja-JP" dirty="0"/>
               <a:t>Data Handling</a:t>
             </a:r>
           </a:p>
           <a:p>
             <a:pPr lvl="1"/>
             <a:r>
-              <a:rPr lang="ja-JP" altLang="en-US" dirty="0" smtClean="0"/>
+              <a:rPr lang="ja-JP" altLang="en-US" dirty="0"/>
               <a:t>必要なスキル</a:t>
             </a:r>
-            <a:endParaRPr lang="en-US" altLang="ja-JP" dirty="0" smtClean="0"/>
+            <a:endParaRPr lang="en-US" altLang="ja-JP" dirty="0"/>
           </a:p>
           <a:p>
             <a:pPr lvl="1"/>
             <a:r>
-              <a:rPr lang="ja-JP" altLang="en-US" dirty="0" smtClean="0"/>
+              <a:rPr lang="ja-JP" altLang="en-US" dirty="0"/>
               <a:t>演習</a:t>
             </a:r>
             <a:r>
-              <a:rPr lang="en-US" altLang="ja-JP" dirty="0" smtClean="0"/>
+              <a:rPr lang="en-US" altLang="ja-JP" dirty="0"/>
               <a:t>-1</a:t>
             </a:r>
           </a:p>
           <a:p>
             <a:r>
-              <a:rPr lang="en-US" altLang="ja-JP" dirty="0" smtClean="0"/>
+              <a:rPr lang="en-US" altLang="ja-JP" dirty="0"/>
               <a:t>Data Visualization</a:t>
             </a:r>
           </a:p>
@@ -5949,22 +5839,18 @@
             <a:pPr lvl="1"/>
             <a:r>
               <a:rPr lang="ja-JP" altLang="en-US" dirty="0"/>
-              <a:t>必要</a:t>
-            </a:r>
-            <a:r>
-              <a:rPr lang="ja-JP" altLang="en-US" dirty="0" smtClean="0"/>
-              <a:t>なスキル</a:t>
-            </a:r>
-            <a:endParaRPr lang="en-US" altLang="ja-JP" dirty="0" smtClean="0"/>
+              <a:t>必要なスキル</a:t>
+            </a:r>
+            <a:endParaRPr lang="en-US" altLang="ja-JP" dirty="0"/>
           </a:p>
           <a:p>
             <a:pPr lvl="1"/>
             <a:r>
-              <a:rPr lang="ja-JP" altLang="en-US" dirty="0" smtClean="0"/>
+              <a:rPr lang="ja-JP" altLang="en-US" dirty="0"/>
               <a:t>演習</a:t>
             </a:r>
             <a:r>
-              <a:rPr lang="en-US" altLang="ja-JP" dirty="0" smtClean="0"/>
+              <a:rPr lang="en-US" altLang="ja-JP" dirty="0"/>
               <a:t>-2</a:t>
             </a:r>
           </a:p>
@@ -5986,26 +5872,26 @@
           <a:lstStyle/>
           <a:p>
             <a:r>
-              <a:rPr lang="en-US" altLang="ja-JP" smtClean="0"/>
+              <a:rPr lang="en-US" altLang="ja-JP"/>
               <a:t>R</a:t>
             </a:r>
             <a:r>
-              <a:rPr lang="ja-JP" altLang="en-US" smtClean="0"/>
+              <a:rPr lang="ja-JP" altLang="en-US"/>
               <a:t> </a:t>
             </a:r>
             <a:r>
-              <a:rPr lang="en-US" altLang="ja-JP" smtClean="0"/>
+              <a:rPr lang="en-US" altLang="ja-JP"/>
               <a:t>for</a:t>
             </a:r>
             <a:r>
-              <a:rPr lang="ja-JP" altLang="en-US" smtClean="0"/>
+              <a:rPr lang="ja-JP" altLang="en-US"/>
               <a:t> </a:t>
             </a:r>
             <a:r>
-              <a:rPr lang="en-US" altLang="ja-JP" smtClean="0"/>
+              <a:rPr lang="en-US" altLang="ja-JP"/>
               <a:t>Pharmacometrics</a:t>
             </a:r>
-            <a:endParaRPr lang="ja-JP" altLang="en-US" dirty="0" smtClean="0"/>
+            <a:endParaRPr lang="ja-JP" altLang="en-US" dirty="0"/>
           </a:p>
         </p:txBody>
       </p:sp>
@@ -6078,7 +5964,7 @@
           <a:lstStyle/>
           <a:p>
             <a:r>
-              <a:rPr kumimoji="1" lang="en-US" altLang="ja-JP" b="1" dirty="0" smtClean="0">
+              <a:rPr kumimoji="1" lang="en-US" altLang="ja-JP" b="1" dirty="0">
                 <a:solidFill>
                   <a:schemeClr val="tx1">
                     <a:lumMod val="50000"/>
@@ -6089,7 +5975,7 @@
               <a:t>Advanced Topic</a:t>
             </a:r>
             <a:r>
-              <a:rPr kumimoji="1" lang="ja-JP" altLang="en-US" b="1" dirty="0" smtClean="0">
+              <a:rPr kumimoji="1" lang="ja-JP" altLang="en-US" b="1" dirty="0">
                 <a:solidFill>
                   <a:schemeClr val="tx1">
                     <a:lumMod val="50000"/>
@@ -6108,21 +5994,10 @@
                   </a:schemeClr>
                 </a:solidFill>
               </a:rPr>
-              <a:t>帳票</a:t>
-            </a:r>
-            <a:r>
-              <a:rPr lang="ja-JP" altLang="en-US" b="1" dirty="0" smtClean="0">
-                <a:solidFill>
-                  <a:schemeClr val="tx1">
-                    <a:lumMod val="50000"/>
-                    <a:lumOff val="50000"/>
-                  </a:schemeClr>
-                </a:solidFill>
-              </a:rPr>
-              <a:t>の</a:t>
-            </a:r>
-            <a:r>
-              <a:rPr lang="en-US" altLang="ja-JP" b="1" dirty="0" smtClean="0">
+              <a:t>帳票の</a:t>
+            </a:r>
+            <a:r>
+              <a:rPr lang="en-US" altLang="ja-JP" b="1" dirty="0">
                 <a:solidFill>
                   <a:schemeClr val="tx1">
                     <a:lumMod val="50000"/>
@@ -6133,7 +6008,7 @@
               <a:t>word</a:t>
             </a:r>
             <a:r>
-              <a:rPr lang="ja-JP" altLang="en-US" b="1" dirty="0" smtClean="0">
+              <a:rPr lang="ja-JP" altLang="en-US" b="1" dirty="0">
                 <a:solidFill>
                   <a:schemeClr val="tx1">
                     <a:lumMod val="50000"/>
@@ -6143,19 +6018,8 @@
               </a:rPr>
               <a:t>出力</a:t>
             </a:r>
-            <a:r>
-              <a:rPr lang="en-US" altLang="ja-JP" dirty="0" smtClean="0">
-                <a:solidFill>
-                  <a:schemeClr val="tx1">
-                    <a:lumMod val="50000"/>
-                    <a:lumOff val="50000"/>
-                  </a:schemeClr>
-                </a:solidFill>
-              </a:rPr>
-              <a:t/>
-            </a:r>
             <a:br>
-              <a:rPr lang="en-US" altLang="ja-JP" dirty="0" smtClean="0">
+              <a:rPr lang="en-US" altLang="ja-JP" dirty="0">
                 <a:solidFill>
                   <a:schemeClr val="tx1">
                     <a:lumMod val="50000"/>
@@ -6165,7 +6029,7 @@
               </a:rPr>
             </a:br>
             <a:r>
-              <a:rPr lang="en-US" altLang="ja-JP" dirty="0" smtClean="0">
+              <a:rPr lang="en-US" altLang="ja-JP" dirty="0">
                 <a:solidFill>
                   <a:srgbClr val="0070C0"/>
                 </a:solidFill>
@@ -6173,7 +6037,7 @@
               <a:t>officer</a:t>
             </a:r>
             <a:r>
-              <a:rPr lang="en-US" altLang="ja-JP" dirty="0" smtClean="0">
+              <a:rPr lang="en-US" altLang="ja-JP" dirty="0">
                 <a:solidFill>
                   <a:schemeClr val="tx1">
                     <a:lumMod val="50000"/>
@@ -6184,7 +6048,7 @@
               <a:t>, </a:t>
             </a:r>
             <a:r>
-              <a:rPr lang="en-US" altLang="ja-JP" dirty="0" err="1" smtClean="0">
+              <a:rPr lang="en-US" altLang="ja-JP" dirty="0" err="1">
                 <a:solidFill>
                   <a:srgbClr val="0070C0"/>
                 </a:solidFill>
@@ -6234,26 +6098,26 @@
           <a:lstStyle/>
           <a:p>
             <a:r>
-              <a:rPr lang="en-US" altLang="ja-JP" smtClean="0"/>
+              <a:rPr lang="en-US" altLang="ja-JP"/>
               <a:t>R</a:t>
             </a:r>
             <a:r>
-              <a:rPr lang="ja-JP" altLang="en-US" smtClean="0"/>
+              <a:rPr lang="ja-JP" altLang="en-US"/>
               <a:t> </a:t>
             </a:r>
             <a:r>
-              <a:rPr lang="en-US" altLang="ja-JP" smtClean="0"/>
+              <a:rPr lang="en-US" altLang="ja-JP"/>
               <a:t>for</a:t>
             </a:r>
             <a:r>
-              <a:rPr lang="ja-JP" altLang="en-US" smtClean="0"/>
+              <a:rPr lang="ja-JP" altLang="en-US"/>
               <a:t> </a:t>
             </a:r>
             <a:r>
-              <a:rPr lang="en-US" altLang="ja-JP" smtClean="0"/>
+              <a:rPr lang="en-US" altLang="ja-JP"/>
               <a:t>Pharmacometrics</a:t>
             </a:r>
-            <a:endParaRPr lang="ja-JP" altLang="en-US" dirty="0" smtClean="0"/>
+            <a:endParaRPr lang="ja-JP" altLang="en-US" dirty="0"/>
           </a:p>
         </p:txBody>
       </p:sp>
@@ -6326,7 +6190,7 @@
           <a:lstStyle/>
           <a:p>
             <a:r>
-              <a:rPr kumimoji="1" lang="en-US" altLang="ja-JP" b="1" dirty="0" smtClean="0">
+              <a:rPr kumimoji="1" lang="en-US" altLang="ja-JP" b="1" dirty="0">
                 <a:solidFill>
                   <a:schemeClr val="tx1">
                     <a:lumMod val="50000"/>
@@ -6362,7 +6226,50 @@
           <a:bodyPr/>
           <a:lstStyle/>
           <a:p>
-            <a:endParaRPr kumimoji="1" lang="ja-JP" altLang="en-US"/>
+            <a:r>
+              <a:rPr kumimoji="1" lang="ja-JP" altLang="en-US" dirty="0"/>
+              <a:t>解析の前にデータの概要</a:t>
+            </a:r>
+            <a:r>
+              <a:rPr kumimoji="1" lang="en-US" altLang="ja-JP" dirty="0"/>
+              <a:t>/</a:t>
+            </a:r>
+            <a:r>
+              <a:rPr kumimoji="1" lang="ja-JP" altLang="en-US" dirty="0"/>
+              <a:t>傾向を把握する（可視化による一時分析）</a:t>
+            </a:r>
+            <a:endParaRPr kumimoji="1" lang="en-US" altLang="ja-JP" dirty="0"/>
+          </a:p>
+          <a:p>
+            <a:pPr lvl="1"/>
+            <a:r>
+              <a:rPr lang="ja-JP" altLang="en-US" dirty="0"/>
+              <a:t>要約統計量の算出（</a:t>
+            </a:r>
+            <a:r>
+              <a:rPr lang="en-US" altLang="ja-JP" dirty="0"/>
+              <a:t>N, mean, median, min, max</a:t>
+            </a:r>
+            <a:r>
+              <a:rPr lang="ja-JP" altLang="en-US" dirty="0"/>
+              <a:t>など）</a:t>
+            </a:r>
+            <a:endParaRPr lang="en-US" altLang="ja-JP" dirty="0"/>
+          </a:p>
+          <a:p>
+            <a:pPr lvl="2"/>
+            <a:r>
+              <a:rPr lang="ja-JP" altLang="en-US" dirty="0"/>
+              <a:t>全体，共変量ごと</a:t>
+            </a:r>
+            <a:endParaRPr lang="en-US" altLang="ja-JP" dirty="0"/>
+          </a:p>
+          <a:p>
+            <a:pPr lvl="1"/>
+            <a:r>
+              <a:rPr kumimoji="1" lang="ja-JP" altLang="en-US" dirty="0"/>
+              <a:t>探索的なグラフ作成</a:t>
+            </a:r>
           </a:p>
         </p:txBody>
       </p:sp>
@@ -6382,26 +6289,26 @@
           <a:lstStyle/>
           <a:p>
             <a:r>
-              <a:rPr lang="en-US" altLang="ja-JP" smtClean="0"/>
+              <a:rPr lang="en-US" altLang="ja-JP"/>
               <a:t>R</a:t>
             </a:r>
             <a:r>
-              <a:rPr lang="ja-JP" altLang="en-US" smtClean="0"/>
+              <a:rPr lang="ja-JP" altLang="en-US"/>
               <a:t> </a:t>
             </a:r>
             <a:r>
-              <a:rPr lang="en-US" altLang="ja-JP" smtClean="0"/>
+              <a:rPr lang="en-US" altLang="ja-JP"/>
               <a:t>for</a:t>
             </a:r>
             <a:r>
-              <a:rPr lang="ja-JP" altLang="en-US" smtClean="0"/>
+              <a:rPr lang="ja-JP" altLang="en-US"/>
               <a:t> </a:t>
             </a:r>
             <a:r>
-              <a:rPr lang="en-US" altLang="ja-JP" smtClean="0"/>
+              <a:rPr lang="en-US" altLang="ja-JP"/>
               <a:t>Pharmacometrics</a:t>
             </a:r>
-            <a:endParaRPr lang="ja-JP" altLang="en-US" dirty="0" smtClean="0"/>
+            <a:endParaRPr lang="ja-JP" altLang="en-US" dirty="0"/>
           </a:p>
         </p:txBody>
       </p:sp>
@@ -6428,6 +6335,42 @@
           </a:p>
         </p:txBody>
       </p:sp>
+      <p:pic>
+        <p:nvPicPr>
+          <p:cNvPr id="7" name="図 6">
+            <a:extLst>
+              <a:ext uri="{FF2B5EF4-FFF2-40B4-BE49-F238E27FC236}">
+                <a16:creationId xmlns:a16="http://schemas.microsoft.com/office/drawing/2014/main" id="{2681F239-716B-4C8E-A65A-4189FEDE47F5}"/>
+              </a:ext>
+            </a:extLst>
+          </p:cNvPr>
+          <p:cNvPicPr>
+            <a:picLocks noChangeAspect="1"/>
+          </p:cNvPicPr>
+          <p:nvPr/>
+        </p:nvPicPr>
+        <p:blipFill>
+          <a:blip r:embed="rId2">
+            <a:extLst>
+              <a:ext uri="{28A0092B-C50C-407E-A947-70E740481C1C}">
+                <a14:useLocalDpi xmlns:a14="http://schemas.microsoft.com/office/drawing/2010/main" val="0"/>
+              </a:ext>
+            </a:extLst>
+          </a:blip>
+          <a:stretch>
+            <a:fillRect/>
+          </a:stretch>
+        </p:blipFill>
+        <p:spPr>
+          <a:xfrm>
+            <a:off x="8534400" y="4025235"/>
+            <a:ext cx="2909887" cy="2151728"/>
+          </a:xfrm>
+          <a:prstGeom prst="rect">
+            <a:avLst/>
+          </a:prstGeom>
+        </p:spPr>
+      </p:pic>
     </p:spTree>
     <p:extLst>
       <p:ext uri="{BB962C8B-B14F-4D97-AF65-F5344CB8AC3E}">
@@ -6474,7 +6417,7 @@
           <a:lstStyle/>
           <a:p>
             <a:r>
-              <a:rPr kumimoji="1" lang="en-US" altLang="ja-JP" b="1" dirty="0" smtClean="0">
+              <a:rPr kumimoji="1" lang="en-US" altLang="ja-JP" b="1" dirty="0">
                 <a:solidFill>
                   <a:schemeClr val="tx1">
                     <a:lumMod val="50000"/>
@@ -6530,26 +6473,26 @@
           <a:lstStyle/>
           <a:p>
             <a:r>
-              <a:rPr lang="en-US" altLang="ja-JP" smtClean="0"/>
+              <a:rPr lang="en-US" altLang="ja-JP"/>
               <a:t>R</a:t>
             </a:r>
             <a:r>
-              <a:rPr lang="ja-JP" altLang="en-US" smtClean="0"/>
+              <a:rPr lang="ja-JP" altLang="en-US"/>
               <a:t> </a:t>
             </a:r>
             <a:r>
-              <a:rPr lang="en-US" altLang="ja-JP" smtClean="0"/>
+              <a:rPr lang="en-US" altLang="ja-JP"/>
               <a:t>for</a:t>
             </a:r>
             <a:r>
-              <a:rPr lang="ja-JP" altLang="en-US" smtClean="0"/>
+              <a:rPr lang="ja-JP" altLang="en-US"/>
               <a:t> </a:t>
             </a:r>
             <a:r>
-              <a:rPr lang="en-US" altLang="ja-JP" smtClean="0"/>
+              <a:rPr lang="en-US" altLang="ja-JP"/>
               <a:t>Pharmacometrics</a:t>
             </a:r>
-            <a:endParaRPr lang="ja-JP" altLang="en-US" dirty="0" smtClean="0"/>
+            <a:endParaRPr lang="ja-JP" altLang="en-US" dirty="0"/>
           </a:p>
         </p:txBody>
       </p:sp>
@@ -6622,7 +6565,7 @@
           <a:lstStyle/>
           <a:p>
             <a:r>
-              <a:rPr lang="ja-JP" altLang="en-US" b="1" dirty="0" smtClean="0">
+              <a:rPr lang="ja-JP" altLang="en-US" b="1" dirty="0">
                 <a:solidFill>
                   <a:schemeClr val="tx1">
                     <a:lumMod val="50000"/>
@@ -6632,15 +6575,11 @@
               </a:rPr>
               <a:t>データの読み込み</a:t>
             </a:r>
-            <a:r>
-              <a:rPr lang="en-US" altLang="ja-JP" dirty="0" smtClean="0"/>
-              <a:t/>
-            </a:r>
             <a:br>
-              <a:rPr lang="en-US" altLang="ja-JP" dirty="0" smtClean="0"/>
+              <a:rPr lang="en-US" altLang="ja-JP" dirty="0"/>
             </a:br>
             <a:r>
-              <a:rPr lang="en-US" altLang="ja-JP" dirty="0" err="1" smtClean="0">
+              <a:rPr lang="en-US" altLang="ja-JP" dirty="0" err="1">
                 <a:solidFill>
                   <a:srgbClr val="0070C0"/>
                 </a:solidFill>
@@ -6648,11 +6587,11 @@
               <a:t>read_csv</a:t>
             </a:r>
             <a:r>
-              <a:rPr lang="en-US" altLang="ja-JP" dirty="0" smtClean="0"/>
+              <a:rPr lang="en-US" altLang="ja-JP" dirty="0"/>
               <a:t>, </a:t>
             </a:r>
             <a:r>
-              <a:rPr lang="en-US" altLang="ja-JP" dirty="0" smtClean="0">
+              <a:rPr lang="en-US" altLang="ja-JP" dirty="0">
                 <a:solidFill>
                   <a:srgbClr val="0070C0"/>
                 </a:solidFill>
@@ -6702,26 +6641,26 @@
           <a:lstStyle/>
           <a:p>
             <a:r>
-              <a:rPr lang="en-US" altLang="ja-JP" smtClean="0"/>
+              <a:rPr lang="en-US" altLang="ja-JP"/>
               <a:t>R</a:t>
             </a:r>
             <a:r>
-              <a:rPr lang="ja-JP" altLang="en-US" smtClean="0"/>
+              <a:rPr lang="ja-JP" altLang="en-US"/>
               <a:t> </a:t>
             </a:r>
             <a:r>
-              <a:rPr lang="en-US" altLang="ja-JP" smtClean="0"/>
+              <a:rPr lang="en-US" altLang="ja-JP"/>
               <a:t>for</a:t>
             </a:r>
             <a:r>
-              <a:rPr lang="ja-JP" altLang="en-US" smtClean="0"/>
+              <a:rPr lang="ja-JP" altLang="en-US"/>
               <a:t> </a:t>
             </a:r>
             <a:r>
-              <a:rPr lang="en-US" altLang="ja-JP" smtClean="0"/>
+              <a:rPr lang="en-US" altLang="ja-JP"/>
               <a:t>Pharmacometrics</a:t>
             </a:r>
-            <a:endParaRPr lang="ja-JP" altLang="en-US" dirty="0" smtClean="0"/>
+            <a:endParaRPr lang="ja-JP" altLang="en-US" dirty="0"/>
           </a:p>
         </p:txBody>
       </p:sp>
@@ -6813,26 +6752,26 @@
           <a:lstStyle/>
           <a:p>
             <a:r>
-              <a:rPr lang="en-US" altLang="ja-JP" smtClean="0"/>
+              <a:rPr lang="en-US" altLang="ja-JP"/>
               <a:t>R</a:t>
             </a:r>
             <a:r>
-              <a:rPr lang="ja-JP" altLang="en-US" smtClean="0"/>
+              <a:rPr lang="ja-JP" altLang="en-US"/>
               <a:t> </a:t>
             </a:r>
             <a:r>
-              <a:rPr lang="en-US" altLang="ja-JP" smtClean="0"/>
+              <a:rPr lang="en-US" altLang="ja-JP"/>
               <a:t>for</a:t>
             </a:r>
             <a:r>
-              <a:rPr lang="ja-JP" altLang="en-US" smtClean="0"/>
+              <a:rPr lang="ja-JP" altLang="en-US"/>
               <a:t> </a:t>
             </a:r>
             <a:r>
-              <a:rPr lang="en-US" altLang="ja-JP" smtClean="0"/>
+              <a:rPr lang="en-US" altLang="ja-JP"/>
               <a:t>Pharmacometrics</a:t>
             </a:r>
-            <a:endParaRPr lang="ja-JP" altLang="en-US" dirty="0" smtClean="0"/>
+            <a:endParaRPr lang="ja-JP" altLang="en-US" dirty="0"/>
           </a:p>
         </p:txBody>
       </p:sp>
@@ -6875,7 +6814,7 @@
           <a:lstStyle/>
           <a:p>
             <a:r>
-              <a:rPr lang="ja-JP" altLang="en-US" b="1" dirty="0" smtClean="0">
+              <a:rPr lang="ja-JP" altLang="en-US" b="1" dirty="0">
                 <a:solidFill>
                   <a:schemeClr val="tx1">
                     <a:lumMod val="50000"/>
@@ -6885,15 +6824,11 @@
               </a:rPr>
               <a:t>データの表示，カウント</a:t>
             </a:r>
-            <a:r>
-              <a:rPr lang="en-US" altLang="ja-JP" dirty="0" smtClean="0"/>
-              <a:t/>
-            </a:r>
             <a:br>
-              <a:rPr lang="en-US" altLang="ja-JP" dirty="0" smtClean="0"/>
+              <a:rPr lang="en-US" altLang="ja-JP" dirty="0"/>
             </a:br>
             <a:r>
-              <a:rPr lang="en-US" altLang="ja-JP" dirty="0" smtClean="0">
+              <a:rPr lang="en-US" altLang="ja-JP" dirty="0">
                 <a:solidFill>
                   <a:srgbClr val="0070C0"/>
                 </a:solidFill>
@@ -6901,11 +6836,11 @@
               <a:t>print</a:t>
             </a:r>
             <a:r>
-              <a:rPr lang="en-US" altLang="ja-JP" dirty="0" smtClean="0"/>
+              <a:rPr lang="en-US" altLang="ja-JP" dirty="0"/>
               <a:t>, </a:t>
             </a:r>
             <a:r>
-              <a:rPr lang="en-US" altLang="ja-JP" dirty="0" smtClean="0">
+              <a:rPr lang="en-US" altLang="ja-JP" dirty="0">
                 <a:solidFill>
                   <a:srgbClr val="0070C0"/>
                 </a:solidFill>
@@ -6913,11 +6848,11 @@
               <a:t>head</a:t>
             </a:r>
             <a:r>
-              <a:rPr lang="en-US" altLang="ja-JP" dirty="0" smtClean="0"/>
+              <a:rPr lang="en-US" altLang="ja-JP" dirty="0"/>
               <a:t>, </a:t>
             </a:r>
             <a:r>
-              <a:rPr lang="en-US" altLang="ja-JP" dirty="0" smtClean="0">
+              <a:rPr lang="en-US" altLang="ja-JP" dirty="0">
                 <a:solidFill>
                   <a:srgbClr val="0070C0"/>
                 </a:solidFill>
@@ -6925,11 +6860,11 @@
               <a:t>count</a:t>
             </a:r>
             <a:r>
-              <a:rPr lang="en-US" altLang="ja-JP" dirty="0" smtClean="0"/>
+              <a:rPr lang="en-US" altLang="ja-JP" dirty="0"/>
               <a:t>, </a:t>
             </a:r>
             <a:r>
-              <a:rPr lang="en-US" altLang="ja-JP" dirty="0" smtClean="0">
+              <a:rPr lang="en-US" altLang="ja-JP" dirty="0">
                 <a:solidFill>
                   <a:srgbClr val="0070C0"/>
                 </a:solidFill>
@@ -6937,11 +6872,11 @@
               <a:t>n</a:t>
             </a:r>
             <a:r>
-              <a:rPr lang="en-US" altLang="ja-JP" dirty="0" smtClean="0"/>
+              <a:rPr lang="en-US" altLang="ja-JP" dirty="0"/>
               <a:t>, </a:t>
             </a:r>
             <a:r>
-              <a:rPr lang="en-US" altLang="ja-JP" dirty="0" err="1" smtClean="0">
+              <a:rPr lang="en-US" altLang="ja-JP" dirty="0" err="1">
                 <a:solidFill>
                   <a:srgbClr val="0070C0"/>
                 </a:solidFill>
@@ -6949,11 +6884,11 @@
               <a:t>ncol</a:t>
             </a:r>
             <a:r>
-              <a:rPr lang="en-US" altLang="ja-JP" dirty="0" smtClean="0"/>
+              <a:rPr lang="en-US" altLang="ja-JP" dirty="0"/>
               <a:t>, </a:t>
             </a:r>
             <a:r>
-              <a:rPr lang="en-US" altLang="ja-JP" dirty="0" err="1" smtClean="0">
+              <a:rPr lang="en-US" altLang="ja-JP" dirty="0" err="1">
                 <a:solidFill>
                   <a:srgbClr val="0070C0"/>
                 </a:solidFill>
@@ -6961,7 +6896,7 @@
               <a:t>nrow</a:t>
             </a:r>
             <a:r>
-              <a:rPr lang="en-US" altLang="ja-JP" dirty="0" smtClean="0"/>
+              <a:rPr lang="en-US" altLang="ja-JP" dirty="0"/>
               <a:t>, </a:t>
             </a:r>
             <a:r>
@@ -6977,7 +6912,7 @@
               <a:t>, </a:t>
             </a:r>
             <a:r>
-              <a:rPr lang="en-US" altLang="ja-JP" dirty="0" smtClean="0">
+              <a:rPr lang="en-US" altLang="ja-JP" dirty="0">
                 <a:solidFill>
                   <a:srgbClr val="0070C0"/>
                 </a:solidFill>
@@ -7038,7 +6973,7 @@
           <a:lstStyle/>
           <a:p>
             <a:r>
-              <a:rPr lang="ja-JP" altLang="en-US" b="1" dirty="0" smtClean="0">
+              <a:rPr lang="ja-JP" altLang="en-US" b="1" dirty="0">
                 <a:solidFill>
                   <a:schemeClr val="tx1">
                     <a:lumMod val="50000"/>
@@ -7049,7 +6984,7 @@
               <a:t>データの抜き出し</a:t>
             </a:r>
             <a:r>
-              <a:rPr lang="en-US" altLang="ja-JP" b="1" dirty="0" smtClean="0">
+              <a:rPr lang="en-US" altLang="ja-JP" b="1" dirty="0">
                 <a:solidFill>
                   <a:schemeClr val="tx1">
                     <a:lumMod val="50000"/>
@@ -7060,7 +6995,7 @@
               <a:t>,</a:t>
             </a:r>
             <a:r>
-              <a:rPr lang="ja-JP" altLang="en-US" b="1" dirty="0" smtClean="0">
+              <a:rPr lang="ja-JP" altLang="en-US" b="1" dirty="0">
                 <a:solidFill>
                   <a:schemeClr val="tx1">
                     <a:lumMod val="50000"/>
@@ -7070,15 +7005,11 @@
               </a:rPr>
               <a:t>要約</a:t>
             </a:r>
-            <a:r>
-              <a:rPr lang="en-US" altLang="ja-JP" dirty="0" smtClean="0"/>
-              <a:t/>
-            </a:r>
             <a:br>
-              <a:rPr lang="en-US" altLang="ja-JP" dirty="0" smtClean="0"/>
+              <a:rPr lang="en-US" altLang="ja-JP" dirty="0"/>
             </a:br>
             <a:r>
-              <a:rPr lang="en-US" altLang="ja-JP" dirty="0" smtClean="0">
+              <a:rPr lang="en-US" altLang="ja-JP" dirty="0">
                 <a:solidFill>
                   <a:srgbClr val="0070C0"/>
                 </a:solidFill>
@@ -7086,11 +7017,11 @@
               <a:t>filter</a:t>
             </a:r>
             <a:r>
-              <a:rPr lang="en-US" altLang="ja-JP" dirty="0" smtClean="0"/>
+              <a:rPr lang="en-US" altLang="ja-JP" dirty="0"/>
               <a:t>, </a:t>
             </a:r>
             <a:r>
-              <a:rPr lang="en-US" altLang="ja-JP" dirty="0" err="1" smtClean="0">
+              <a:rPr lang="en-US" altLang="ja-JP" dirty="0" err="1">
                 <a:solidFill>
                   <a:srgbClr val="0070C0"/>
                 </a:solidFill>
@@ -7098,11 +7029,11 @@
               <a:t>group_by</a:t>
             </a:r>
             <a:r>
-              <a:rPr lang="en-US" altLang="ja-JP" dirty="0" smtClean="0"/>
+              <a:rPr lang="en-US" altLang="ja-JP" dirty="0"/>
               <a:t>, </a:t>
             </a:r>
             <a:r>
-              <a:rPr lang="en-US" altLang="ja-JP" dirty="0" smtClean="0">
+              <a:rPr lang="en-US" altLang="ja-JP" dirty="0">
                 <a:solidFill>
                   <a:srgbClr val="0070C0"/>
                 </a:solidFill>
@@ -7110,11 +7041,11 @@
               <a:t>slice</a:t>
             </a:r>
             <a:r>
-              <a:rPr lang="en-US" altLang="ja-JP" dirty="0" smtClean="0"/>
+              <a:rPr lang="en-US" altLang="ja-JP" dirty="0"/>
               <a:t>, </a:t>
             </a:r>
             <a:r>
-              <a:rPr lang="en-US" altLang="ja-JP" dirty="0" err="1" smtClean="0">
+              <a:rPr lang="en-US" altLang="ja-JP" dirty="0" err="1">
                 <a:solidFill>
                   <a:srgbClr val="0070C0"/>
                 </a:solidFill>
@@ -7164,26 +7095,26 @@
           <a:lstStyle/>
           <a:p>
             <a:r>
-              <a:rPr lang="en-US" altLang="ja-JP" smtClean="0"/>
+              <a:rPr lang="en-US" altLang="ja-JP"/>
               <a:t>R</a:t>
             </a:r>
             <a:r>
-              <a:rPr lang="ja-JP" altLang="en-US" smtClean="0"/>
+              <a:rPr lang="ja-JP" altLang="en-US"/>
               <a:t> </a:t>
             </a:r>
             <a:r>
-              <a:rPr lang="en-US" altLang="ja-JP" smtClean="0"/>
+              <a:rPr lang="en-US" altLang="ja-JP"/>
               <a:t>for</a:t>
             </a:r>
             <a:r>
-              <a:rPr lang="ja-JP" altLang="en-US" smtClean="0"/>
+              <a:rPr lang="ja-JP" altLang="en-US"/>
               <a:t> </a:t>
             </a:r>
             <a:r>
-              <a:rPr lang="en-US" altLang="ja-JP" smtClean="0"/>
+              <a:rPr lang="en-US" altLang="ja-JP"/>
               <a:t>Pharmacometrics</a:t>
             </a:r>
-            <a:endParaRPr lang="ja-JP" altLang="en-US" dirty="0" smtClean="0"/>
+            <a:endParaRPr lang="ja-JP" altLang="en-US" dirty="0"/>
           </a:p>
         </p:txBody>
       </p:sp>
@@ -7256,7 +7187,7 @@
           <a:lstStyle/>
           <a:p>
             <a:r>
-              <a:rPr lang="ja-JP" altLang="en-US" b="1" dirty="0" smtClean="0">
+              <a:rPr lang="ja-JP" altLang="en-US" b="1" dirty="0">
                 <a:solidFill>
                   <a:schemeClr val="tx1">
                     <a:lumMod val="50000"/>
@@ -7267,7 +7198,7 @@
               <a:t>演習</a:t>
             </a:r>
             <a:r>
-              <a:rPr lang="en-US" altLang="ja-JP" b="1" dirty="0" smtClean="0">
+              <a:rPr lang="en-US" altLang="ja-JP" b="1" dirty="0">
                 <a:solidFill>
                   <a:schemeClr val="tx1">
                     <a:lumMod val="50000"/>
@@ -7323,26 +7254,26 @@
           <a:lstStyle/>
           <a:p>
             <a:r>
-              <a:rPr lang="en-US" altLang="ja-JP" smtClean="0"/>
+              <a:rPr lang="en-US" altLang="ja-JP"/>
               <a:t>R</a:t>
             </a:r>
             <a:r>
-              <a:rPr lang="ja-JP" altLang="en-US" smtClean="0"/>
+              <a:rPr lang="ja-JP" altLang="en-US"/>
               <a:t> </a:t>
             </a:r>
             <a:r>
-              <a:rPr lang="en-US" altLang="ja-JP" smtClean="0"/>
+              <a:rPr lang="en-US" altLang="ja-JP"/>
               <a:t>for</a:t>
             </a:r>
             <a:r>
-              <a:rPr lang="ja-JP" altLang="en-US" smtClean="0"/>
+              <a:rPr lang="ja-JP" altLang="en-US"/>
               <a:t> </a:t>
             </a:r>
             <a:r>
-              <a:rPr lang="en-US" altLang="ja-JP" smtClean="0"/>
+              <a:rPr lang="en-US" altLang="ja-JP"/>
               <a:t>Pharmacometrics</a:t>
             </a:r>
-            <a:endParaRPr lang="ja-JP" altLang="en-US" dirty="0" smtClean="0"/>
+            <a:endParaRPr lang="ja-JP" altLang="en-US" dirty="0"/>
           </a:p>
         </p:txBody>
       </p:sp>
@@ -7415,7 +7346,7 @@
           <a:lstStyle/>
           <a:p>
             <a:r>
-              <a:rPr lang="ja-JP" altLang="en-US" b="1" dirty="0" smtClean="0">
+              <a:rPr lang="ja-JP" altLang="en-US" b="1" dirty="0">
                 <a:solidFill>
                   <a:schemeClr val="tx1">
                     <a:lumMod val="50000"/>
@@ -7426,7 +7357,7 @@
               <a:t>演習</a:t>
             </a:r>
             <a:r>
-              <a:rPr lang="en-US" altLang="ja-JP" b="1" dirty="0" smtClean="0">
+              <a:rPr lang="en-US" altLang="ja-JP" b="1" dirty="0">
                 <a:solidFill>
                   <a:schemeClr val="tx1">
                     <a:lumMod val="50000"/>
@@ -7437,7 +7368,7 @@
               <a:t>-1</a:t>
             </a:r>
             <a:r>
-              <a:rPr lang="ja-JP" altLang="en-US" b="1" dirty="0" smtClean="0">
+              <a:rPr lang="ja-JP" altLang="en-US" b="1" dirty="0">
                 <a:solidFill>
                   <a:schemeClr val="tx1">
                     <a:lumMod val="50000"/>
@@ -7493,26 +7424,26 @@
           <a:lstStyle/>
           <a:p>
             <a:r>
-              <a:rPr lang="en-US" altLang="ja-JP" smtClean="0"/>
+              <a:rPr lang="en-US" altLang="ja-JP"/>
               <a:t>R</a:t>
             </a:r>
             <a:r>
-              <a:rPr lang="ja-JP" altLang="en-US" smtClean="0"/>
+              <a:rPr lang="ja-JP" altLang="en-US"/>
               <a:t> </a:t>
             </a:r>
             <a:r>
-              <a:rPr lang="en-US" altLang="ja-JP" smtClean="0"/>
+              <a:rPr lang="en-US" altLang="ja-JP"/>
               <a:t>for</a:t>
             </a:r>
             <a:r>
-              <a:rPr lang="ja-JP" altLang="en-US" smtClean="0"/>
+              <a:rPr lang="ja-JP" altLang="en-US"/>
               <a:t> </a:t>
             </a:r>
             <a:r>
-              <a:rPr lang="en-US" altLang="ja-JP" smtClean="0"/>
+              <a:rPr lang="en-US" altLang="ja-JP"/>
               <a:t>Pharmacometrics</a:t>
             </a:r>
-            <a:endParaRPr lang="ja-JP" altLang="en-US" dirty="0" smtClean="0"/>
+            <a:endParaRPr lang="ja-JP" altLang="en-US" dirty="0"/>
           </a:p>
         </p:txBody>
       </p:sp>

--- a/sample/1_data_handling.pptx
+++ b/sample/1_data_handling.pptx
@@ -6591,12 +6591,36 @@
               <a:t>, </a:t>
             </a:r>
             <a:r>
+              <a:rPr lang="en-US" altLang="ja-JP" dirty="0" err="1">
+                <a:solidFill>
+                  <a:srgbClr val="0070C0"/>
+                </a:solidFill>
+              </a:rPr>
+              <a:t>read_table</a:t>
+            </a:r>
+            <a:r>
+              <a:rPr lang="en-US" altLang="ja-JP" dirty="0"/>
+              <a:t>, </a:t>
+            </a:r>
+            <a:r>
               <a:rPr lang="en-US" altLang="ja-JP" dirty="0">
                 <a:solidFill>
                   <a:srgbClr val="0070C0"/>
                 </a:solidFill>
               </a:rPr>
-              <a:t>read_table2</a:t>
+              <a:t>paste</a:t>
+            </a:r>
+            <a:r>
+              <a:rPr lang="en-US" altLang="ja-JP" dirty="0"/>
+              <a:t>, </a:t>
+            </a:r>
+            <a:r>
+              <a:rPr lang="en-US" altLang="ja-JP" dirty="0">
+                <a:solidFill>
+                  <a:srgbClr val="0070C0"/>
+                </a:solidFill>
+              </a:rPr>
+              <a:t>paste0</a:t>
             </a:r>
             <a:endParaRPr kumimoji="1" lang="ja-JP" altLang="en-US" dirty="0">
               <a:solidFill>
@@ -6616,12 +6640,519 @@
             <p:ph idx="1"/>
           </p:nvPr>
         </p:nvSpPr>
-        <p:spPr/>
-        <p:txBody>
-          <a:bodyPr/>
-          <a:lstStyle/>
-          <a:p>
-            <a:endParaRPr kumimoji="1" lang="ja-JP" altLang="en-US" dirty="0"/>
+        <p:spPr>
+          <a:xfrm>
+            <a:off x="838199" y="1825625"/>
+            <a:ext cx="11089105" cy="4351338"/>
+          </a:xfrm>
+        </p:spPr>
+        <p:txBody>
+          <a:bodyPr>
+            <a:normAutofit fontScale="70000" lnSpcReduction="20000"/>
+          </a:bodyPr>
+          <a:lstStyle/>
+          <a:p>
+            <a:r>
+              <a:rPr lang="en-US" altLang="ja-JP" dirty="0"/>
+              <a:t>c</a:t>
+            </a:r>
+            <a:r>
+              <a:rPr kumimoji="1" lang="en-US" altLang="ja-JP" dirty="0"/>
+              <a:t>sv (</a:t>
+            </a:r>
+            <a:r>
+              <a:rPr kumimoji="1" lang="ja-JP" altLang="en-US" dirty="0"/>
+              <a:t>コンマ区切り</a:t>
+            </a:r>
+            <a:r>
+              <a:rPr kumimoji="1" lang="en-US" altLang="ja-JP" dirty="0"/>
+              <a:t>), txt</a:t>
+            </a:r>
+            <a:r>
+              <a:rPr kumimoji="1" lang="ja-JP" altLang="en-US" dirty="0"/>
+              <a:t>形式（スペース </a:t>
+            </a:r>
+            <a:r>
+              <a:rPr kumimoji="1" lang="en-US" altLang="ja-JP" dirty="0"/>
+              <a:t>or tab</a:t>
+            </a:r>
+            <a:r>
+              <a:rPr kumimoji="1" lang="ja-JP" altLang="en-US" dirty="0"/>
+              <a:t>区切り）のファイルを読み込む</a:t>
+            </a:r>
+            <a:endParaRPr kumimoji="1" lang="en-US" altLang="ja-JP" dirty="0"/>
+          </a:p>
+          <a:p>
+            <a:r>
+              <a:rPr kumimoji="1" lang="ja-JP" altLang="en-US" dirty="0"/>
+              <a:t>自動でデータの型（</a:t>
+            </a:r>
+            <a:r>
+              <a:rPr kumimoji="1" lang="en-US" altLang="ja-JP" dirty="0"/>
+              <a:t>double, character..</a:t>
+            </a:r>
+            <a:r>
+              <a:rPr kumimoji="1" lang="ja-JP" altLang="en-US" dirty="0"/>
+              <a:t>等）を特定する</a:t>
+            </a:r>
+            <a:endParaRPr kumimoji="1" lang="en-US" altLang="ja-JP" dirty="0"/>
+          </a:p>
+          <a:p>
+            <a:pPr marL="0" indent="0">
+              <a:spcBef>
+                <a:spcPts val="1800"/>
+              </a:spcBef>
+              <a:buNone/>
+            </a:pPr>
+            <a:r>
+              <a:rPr lang="ja-JP" altLang="en-US" dirty="0"/>
+              <a:t>関数例：</a:t>
+            </a:r>
+            <a:endParaRPr lang="en-US" altLang="ja-JP" dirty="0"/>
+          </a:p>
+          <a:p>
+            <a:pPr marL="914400" lvl="1" indent="-457200">
+              <a:lnSpc>
+                <a:spcPct val="120000"/>
+              </a:lnSpc>
+              <a:buFont typeface="+mj-lt"/>
+              <a:buAutoNum type="arabicPeriod"/>
+            </a:pPr>
+            <a:r>
+              <a:rPr lang="en-US" altLang="ja-JP" dirty="0" err="1"/>
+              <a:t>nm_data</a:t>
+            </a:r>
+            <a:r>
+              <a:rPr lang="en-US" altLang="ja-JP" dirty="0"/>
+              <a:t> &lt;- </a:t>
+            </a:r>
+            <a:r>
+              <a:rPr lang="en-US" altLang="ja-JP" dirty="0" err="1">
+                <a:solidFill>
+                  <a:srgbClr val="0070C0"/>
+                </a:solidFill>
+              </a:rPr>
+              <a:t>read_csv</a:t>
+            </a:r>
+            <a:r>
+              <a:rPr lang="en-US" altLang="ja-JP" dirty="0"/>
+              <a:t>( </a:t>
+            </a:r>
+            <a:r>
+              <a:rPr lang="en-US" altLang="ja-JP" dirty="0">
+                <a:solidFill>
+                  <a:schemeClr val="accent6">
+                    <a:lumMod val="75000"/>
+                  </a:schemeClr>
+                </a:solidFill>
+              </a:rPr>
+              <a:t>“cloud/project/R-for-</a:t>
+            </a:r>
+            <a:r>
+              <a:rPr lang="en-US" altLang="ja-JP" dirty="0" err="1">
+                <a:solidFill>
+                  <a:schemeClr val="accent6">
+                    <a:lumMod val="75000"/>
+                  </a:schemeClr>
+                </a:solidFill>
+              </a:rPr>
+              <a:t>PMx</a:t>
+            </a:r>
+            <a:r>
+              <a:rPr lang="en-US" altLang="ja-JP" dirty="0">
+                <a:solidFill>
+                  <a:schemeClr val="accent6">
+                    <a:lumMod val="75000"/>
+                  </a:schemeClr>
+                </a:solidFill>
+              </a:rPr>
+              <a:t>-master /Data/PSP4-8-748-s012.csv”</a:t>
+            </a:r>
+            <a:r>
+              <a:rPr lang="en-US" altLang="ja-JP" dirty="0"/>
+              <a:t>))</a:t>
+            </a:r>
+            <a:br>
+              <a:rPr lang="en-US" altLang="ja-JP" dirty="0"/>
+            </a:br>
+            <a:r>
+              <a:rPr lang="ja-JP" altLang="en-US" dirty="0"/>
+              <a:t>意味：文字列のファイルを</a:t>
+            </a:r>
+            <a:r>
+              <a:rPr lang="en-US" altLang="ja-JP" dirty="0"/>
+              <a:t>csv</a:t>
+            </a:r>
+            <a:r>
+              <a:rPr lang="ja-JP" altLang="en-US" dirty="0"/>
+              <a:t>形式で読み込む</a:t>
+            </a:r>
+            <a:r>
+              <a:rPr lang="en-US" altLang="ja-JP" dirty="0" err="1"/>
+              <a:t>nm_data</a:t>
+            </a:r>
+            <a:r>
+              <a:rPr lang="ja-JP" altLang="en-US" dirty="0"/>
+              <a:t>として格納</a:t>
+            </a:r>
+            <a:endParaRPr lang="en-US" altLang="ja-JP" dirty="0"/>
+          </a:p>
+          <a:p>
+            <a:pPr marL="914400" lvl="1" indent="-457200">
+              <a:lnSpc>
+                <a:spcPct val="120000"/>
+              </a:lnSpc>
+              <a:spcBef>
+                <a:spcPts val="1200"/>
+              </a:spcBef>
+              <a:buFont typeface="+mj-lt"/>
+              <a:buAutoNum type="arabicPeriod"/>
+            </a:pPr>
+            <a:r>
+              <a:rPr lang="en-US" altLang="ja-JP" dirty="0" err="1"/>
+              <a:t>nm_data</a:t>
+            </a:r>
+            <a:r>
+              <a:rPr lang="en-US" altLang="ja-JP" dirty="0"/>
+              <a:t> &lt;- </a:t>
+            </a:r>
+            <a:r>
+              <a:rPr lang="en-US" altLang="ja-JP" dirty="0" err="1">
+                <a:solidFill>
+                  <a:srgbClr val="0070C0"/>
+                </a:solidFill>
+              </a:rPr>
+              <a:t>read_csv</a:t>
+            </a:r>
+            <a:r>
+              <a:rPr lang="en-US" altLang="ja-JP" dirty="0"/>
+              <a:t>(</a:t>
+            </a:r>
+            <a:r>
+              <a:rPr lang="en-US" altLang="ja-JP" dirty="0">
+                <a:solidFill>
+                  <a:srgbClr val="0070C0"/>
+                </a:solidFill>
+              </a:rPr>
+              <a:t>paste0</a:t>
+            </a:r>
+            <a:r>
+              <a:rPr lang="en-US" altLang="ja-JP" dirty="0"/>
+              <a:t>(path, </a:t>
+            </a:r>
+            <a:r>
+              <a:rPr lang="en-US" altLang="ja-JP" dirty="0">
+                <a:solidFill>
+                  <a:schemeClr val="accent6">
+                    <a:lumMod val="75000"/>
+                  </a:schemeClr>
+                </a:solidFill>
+              </a:rPr>
+              <a:t>“/Data/PSP4-8-748-s012.csv”</a:t>
+            </a:r>
+            <a:r>
+              <a:rPr lang="en-US" altLang="ja-JP" dirty="0"/>
+              <a:t>),</a:t>
+            </a:r>
+            <a:r>
+              <a:rPr lang="ja-JP" altLang="en-US" dirty="0"/>
+              <a:t> </a:t>
+            </a:r>
+            <a:r>
+              <a:rPr lang="en-US" altLang="ja-JP" dirty="0" err="1"/>
+              <a:t>na</a:t>
+            </a:r>
+            <a:r>
+              <a:rPr lang="en-US" altLang="ja-JP" dirty="0"/>
+              <a:t>=</a:t>
+            </a:r>
+            <a:r>
+              <a:rPr lang="en-US" altLang="ja-JP" dirty="0">
+                <a:solidFill>
+                  <a:schemeClr val="accent6">
+                    <a:lumMod val="75000"/>
+                  </a:schemeClr>
+                </a:solidFill>
+              </a:rPr>
+              <a:t>“.”</a:t>
+            </a:r>
+            <a:r>
+              <a:rPr lang="en-US" altLang="ja-JP" dirty="0"/>
+              <a:t>,</a:t>
+            </a:r>
+            <a:br>
+              <a:rPr lang="en-US" altLang="ja-JP" dirty="0">
+                <a:solidFill>
+                  <a:schemeClr val="accent6">
+                    <a:lumMod val="75000"/>
+                  </a:schemeClr>
+                </a:solidFill>
+              </a:rPr>
+            </a:br>
+            <a:r>
+              <a:rPr lang="en-US" altLang="ja-JP" dirty="0">
+                <a:solidFill>
+                  <a:schemeClr val="accent6">
+                    <a:lumMod val="75000"/>
+                  </a:schemeClr>
+                </a:solidFill>
+              </a:rPr>
+              <a:t>                                      </a:t>
+            </a:r>
+            <a:r>
+              <a:rPr lang="en-US" altLang="ja-JP" dirty="0" err="1"/>
+              <a:t>col_types</a:t>
+            </a:r>
+            <a:r>
+              <a:rPr lang="en-US" altLang="ja-JP" dirty="0"/>
+              <a:t> = cols(C = </a:t>
+            </a:r>
+            <a:r>
+              <a:rPr lang="en-US" altLang="ja-JP" dirty="0" err="1"/>
+              <a:t>col_character</a:t>
+            </a:r>
+            <a:r>
+              <a:rPr lang="en-US" altLang="ja-JP" dirty="0"/>
+              <a:t>(), TREAT = </a:t>
+            </a:r>
+            <a:r>
+              <a:rPr lang="en-US" altLang="ja-JP" dirty="0" err="1"/>
+              <a:t>col_character</a:t>
+            </a:r>
+            <a:r>
+              <a:rPr lang="en-US" altLang="ja-JP" dirty="0"/>
+              <a:t>())</a:t>
+            </a:r>
+            <a:br>
+              <a:rPr lang="en-US" altLang="ja-JP" dirty="0"/>
+            </a:br>
+            <a:r>
+              <a:rPr lang="ja-JP" altLang="en-US" dirty="0"/>
+              <a:t>意味：</a:t>
+            </a:r>
+            <a:r>
+              <a:rPr lang="en-US" altLang="ja-JP" dirty="0">
+                <a:solidFill>
+                  <a:srgbClr val="0070C0"/>
+                </a:solidFill>
+              </a:rPr>
+              <a:t>paste0</a:t>
+            </a:r>
+            <a:r>
+              <a:rPr lang="ja-JP" altLang="en-US" dirty="0"/>
+              <a:t>で結合した文字列のファイルを</a:t>
+            </a:r>
+            <a:r>
+              <a:rPr lang="en-US" altLang="ja-JP" dirty="0"/>
+              <a:t>csv</a:t>
+            </a:r>
+            <a:r>
+              <a:rPr lang="ja-JP" altLang="en-US" dirty="0"/>
+              <a:t>形式で読み込み</a:t>
+            </a:r>
+            <a:r>
+              <a:rPr lang="en-US" altLang="ja-JP" dirty="0" err="1"/>
+              <a:t>nm_data</a:t>
+            </a:r>
+            <a:r>
+              <a:rPr lang="ja-JP" altLang="en-US" dirty="0"/>
+              <a:t>として格納</a:t>
+            </a:r>
+            <a:endParaRPr lang="en-US" altLang="ja-JP" dirty="0"/>
+          </a:p>
+          <a:p>
+            <a:pPr lvl="2"/>
+            <a:r>
+              <a:rPr lang="en-US" altLang="ja-JP" dirty="0">
+                <a:solidFill>
+                  <a:srgbClr val="0070C0"/>
+                </a:solidFill>
+              </a:rPr>
+              <a:t>paste0</a:t>
+            </a:r>
+            <a:r>
+              <a:rPr lang="en-US" altLang="ja-JP" dirty="0"/>
+              <a:t>: </a:t>
+            </a:r>
+            <a:r>
+              <a:rPr lang="ja-JP" altLang="en-US" dirty="0"/>
+              <a:t>文字列を結合する際に間に何も入れない</a:t>
+            </a:r>
+            <a:endParaRPr lang="en-US" altLang="ja-JP" dirty="0"/>
+          </a:p>
+          <a:p>
+            <a:pPr lvl="2"/>
+            <a:r>
+              <a:rPr lang="en-US" altLang="ja-JP" dirty="0">
+                <a:solidFill>
+                  <a:srgbClr val="0070C0"/>
+                </a:solidFill>
+              </a:rPr>
+              <a:t>paste</a:t>
+            </a:r>
+            <a:r>
+              <a:rPr lang="en-US" altLang="ja-JP" dirty="0"/>
+              <a:t>:</a:t>
+            </a:r>
+            <a:r>
+              <a:rPr lang="ja-JP" altLang="en-US" dirty="0"/>
+              <a:t>文字列を結合する際に間にスペースを入れる（</a:t>
+            </a:r>
+            <a:r>
+              <a:rPr lang="en-US" altLang="ja-JP" dirty="0"/>
+              <a:t>default, </a:t>
+            </a:r>
+            <a:r>
+              <a:rPr lang="ja-JP" altLang="en-US" dirty="0"/>
+              <a:t>変更可能）</a:t>
+            </a:r>
+            <a:endParaRPr lang="en-US" altLang="ja-JP" dirty="0"/>
+          </a:p>
+          <a:p>
+            <a:pPr lvl="2"/>
+            <a:r>
+              <a:rPr lang="en-US" altLang="ja-JP" dirty="0"/>
+              <a:t>.(</a:t>
+            </a:r>
+            <a:r>
+              <a:rPr lang="ja-JP" altLang="en-US" dirty="0"/>
+              <a:t>ピリオド</a:t>
+            </a:r>
+            <a:r>
+              <a:rPr lang="en-US" altLang="ja-JP" dirty="0"/>
+              <a:t>)</a:t>
+            </a:r>
+            <a:r>
+              <a:rPr lang="ja-JP" altLang="en-US" dirty="0"/>
+              <a:t>の値を</a:t>
+            </a:r>
+            <a:r>
+              <a:rPr lang="en-US" altLang="ja-JP" dirty="0"/>
+              <a:t>NA</a:t>
+            </a:r>
+            <a:r>
+              <a:rPr lang="ja-JP" altLang="en-US" dirty="0"/>
+              <a:t>とみなす⇒誤って</a:t>
+            </a:r>
+            <a:r>
+              <a:rPr lang="en-US" altLang="ja-JP" dirty="0"/>
+              <a:t>character</a:t>
+            </a:r>
+            <a:r>
+              <a:rPr lang="ja-JP" altLang="en-US" dirty="0"/>
+              <a:t>と認識されることを避ける</a:t>
+            </a:r>
+            <a:endParaRPr lang="en-US" altLang="ja-JP" dirty="0"/>
+          </a:p>
+          <a:p>
+            <a:pPr lvl="2"/>
+            <a:r>
+              <a:rPr lang="en-US" altLang="ja-JP" dirty="0" err="1"/>
+              <a:t>col_type</a:t>
+            </a:r>
+            <a:r>
+              <a:rPr lang="ja-JP" altLang="en-US" dirty="0"/>
+              <a:t>で特定の行の型を指定する</a:t>
+            </a:r>
+            <a:endParaRPr lang="en-US" altLang="ja-JP" dirty="0"/>
+          </a:p>
+          <a:p>
+            <a:pPr marL="914400" lvl="1" indent="-457200">
+              <a:lnSpc>
+                <a:spcPct val="120000"/>
+              </a:lnSpc>
+              <a:spcBef>
+                <a:spcPts val="1200"/>
+              </a:spcBef>
+              <a:buFont typeface="+mj-lt"/>
+              <a:buAutoNum type="arabicPeriod"/>
+            </a:pPr>
+            <a:r>
+              <a:rPr lang="en-US" altLang="ja-JP" dirty="0" err="1"/>
+              <a:t>nm_data</a:t>
+            </a:r>
+            <a:r>
+              <a:rPr lang="en-US" altLang="ja-JP" dirty="0"/>
+              <a:t> &lt;- </a:t>
+            </a:r>
+            <a:r>
+              <a:rPr lang="en-US" altLang="ja-JP" dirty="0" err="1">
+                <a:solidFill>
+                  <a:srgbClr val="0070C0"/>
+                </a:solidFill>
+              </a:rPr>
+              <a:t>read_table</a:t>
+            </a:r>
+            <a:r>
+              <a:rPr lang="en-US" altLang="ja-JP" dirty="0"/>
+              <a:t>(</a:t>
+            </a:r>
+            <a:r>
+              <a:rPr lang="en-US" altLang="ja-JP" dirty="0">
+                <a:solidFill>
+                  <a:srgbClr val="0070C0"/>
+                </a:solidFill>
+              </a:rPr>
+              <a:t>paste0</a:t>
+            </a:r>
+            <a:r>
+              <a:rPr lang="en-US" altLang="ja-JP" dirty="0"/>
+              <a:t>(path, </a:t>
+            </a:r>
+            <a:r>
+              <a:rPr lang="en-US" altLang="ja-JP" dirty="0">
+                <a:solidFill>
+                  <a:schemeClr val="accent6">
+                    <a:lumMod val="75000"/>
+                  </a:schemeClr>
+                </a:solidFill>
+              </a:rPr>
+              <a:t>“/Data/PSP4-8-748-s012.csv”</a:t>
+            </a:r>
+            <a:r>
+              <a:rPr lang="en-US" altLang="ja-JP" dirty="0"/>
+              <a:t>))</a:t>
+            </a:r>
+            <a:br>
+              <a:rPr lang="en-US" altLang="ja-JP" dirty="0"/>
+            </a:br>
+            <a:r>
+              <a:rPr lang="ja-JP" altLang="en-US" dirty="0"/>
+              <a:t>意味：</a:t>
+            </a:r>
+            <a:r>
+              <a:rPr lang="en-US" altLang="ja-JP" dirty="0">
+                <a:solidFill>
+                  <a:srgbClr val="0070C0"/>
+                </a:solidFill>
+              </a:rPr>
+              <a:t>paste0</a:t>
+            </a:r>
+            <a:r>
+              <a:rPr lang="ja-JP" altLang="en-US" dirty="0"/>
+              <a:t>で結合した文字列のファイルを</a:t>
+            </a:r>
+            <a:r>
+              <a:rPr lang="en-US" altLang="ja-JP" dirty="0"/>
+              <a:t>csv</a:t>
+            </a:r>
+            <a:r>
+              <a:rPr lang="ja-JP" altLang="en-US" dirty="0"/>
+              <a:t>形式で読み込み</a:t>
+            </a:r>
+            <a:r>
+              <a:rPr lang="en-US" altLang="ja-JP" dirty="0" err="1"/>
+              <a:t>nm_data</a:t>
+            </a:r>
+            <a:r>
+              <a:rPr lang="ja-JP" altLang="en-US" dirty="0"/>
+              <a:t>として格納</a:t>
+            </a:r>
+            <a:endParaRPr lang="en-US" altLang="ja-JP" dirty="0"/>
+          </a:p>
+          <a:p>
+            <a:pPr lvl="1"/>
+            <a:endParaRPr lang="en-US" altLang="ja-JP" dirty="0"/>
           </a:p>
         </p:txBody>
       </p:sp>
@@ -6732,6 +7263,60 @@
           <a:bodyPr/>
           <a:lstStyle/>
           <a:p>
+            <a:r>
+              <a:rPr kumimoji="1" lang="en-US" altLang="ja-JP" dirty="0"/>
+              <a:t>print(): ()</a:t>
+            </a:r>
+            <a:r>
+              <a:rPr kumimoji="1" lang="ja-JP" altLang="en-US" dirty="0"/>
+              <a:t>の中身の関数の返り値を表示</a:t>
+            </a:r>
+            <a:endParaRPr kumimoji="1" lang="en-US" altLang="ja-JP" dirty="0"/>
+          </a:p>
+          <a:p>
+            <a:r>
+              <a:rPr kumimoji="1" lang="en-US" altLang="ja-JP" dirty="0"/>
+              <a:t>head(): </a:t>
+            </a:r>
+            <a:r>
+              <a:rPr kumimoji="1" lang="ja-JP" altLang="en-US" dirty="0"/>
+              <a:t>データの最初の</a:t>
+            </a:r>
+            <a:r>
+              <a:rPr kumimoji="1" lang="en-US" altLang="ja-JP" dirty="0"/>
+              <a:t>5</a:t>
+            </a:r>
+            <a:r>
+              <a:rPr kumimoji="1" lang="ja-JP" altLang="en-US" dirty="0"/>
+              <a:t>行（</a:t>
+            </a:r>
+            <a:r>
+              <a:rPr kumimoji="1" lang="en-US" altLang="ja-JP" dirty="0"/>
+              <a:t>default</a:t>
+            </a:r>
+            <a:r>
+              <a:rPr kumimoji="1" lang="ja-JP" altLang="en-US" dirty="0"/>
+              <a:t>）を表示</a:t>
+            </a:r>
+            <a:endParaRPr kumimoji="1" lang="en-US" altLang="ja-JP" dirty="0"/>
+          </a:p>
+          <a:p>
+            <a:r>
+              <a:rPr kumimoji="1" lang="en-US" altLang="ja-JP" dirty="0"/>
+              <a:t>count(): </a:t>
+            </a:r>
+            <a:r>
+              <a:rPr kumimoji="1" lang="ja-JP" altLang="en-US" dirty="0"/>
+              <a:t>データの行数を表示，</a:t>
+            </a:r>
+            <a:r>
+              <a:rPr lang="en-US" altLang="ja-JP" dirty="0"/>
+              <a:t>()</a:t>
+            </a:r>
+            <a:r>
+              <a:rPr lang="ja-JP" altLang="en-US" dirty="0"/>
+              <a:t>内の</a:t>
+            </a:r>
             <a:endParaRPr kumimoji="1" lang="ja-JP" altLang="en-US" dirty="0"/>
           </a:p>
         </p:txBody>

--- a/sample/1_data_handling.pptx
+++ b/sample/1_data_handling.pptx
@@ -5,7 +5,7 @@
     <p:sldMasterId id="2147483660" r:id="rId1"/>
   </p:sldMasterIdLst>
   <p:notesMasterIdLst>
-    <p:notesMasterId r:id="rId23"/>
+    <p:notesMasterId r:id="rId25"/>
   </p:notesMasterIdLst>
   <p:sldIdLst>
     <p:sldId id="287" r:id="rId2"/>
@@ -19,16 +19,18 @@
     <p:sldId id="293" r:id="rId10"/>
     <p:sldId id="294" r:id="rId11"/>
     <p:sldId id="296" r:id="rId12"/>
-    <p:sldId id="295" r:id="rId13"/>
-    <p:sldId id="298" r:id="rId14"/>
-    <p:sldId id="299" r:id="rId15"/>
-    <p:sldId id="300" r:id="rId16"/>
-    <p:sldId id="301" r:id="rId17"/>
-    <p:sldId id="302" r:id="rId18"/>
-    <p:sldId id="303" r:id="rId19"/>
-    <p:sldId id="304" r:id="rId20"/>
-    <p:sldId id="305" r:id="rId21"/>
-    <p:sldId id="306" r:id="rId22"/>
+    <p:sldId id="308" r:id="rId13"/>
+    <p:sldId id="309" r:id="rId14"/>
+    <p:sldId id="295" r:id="rId15"/>
+    <p:sldId id="298" r:id="rId16"/>
+    <p:sldId id="299" r:id="rId17"/>
+    <p:sldId id="300" r:id="rId18"/>
+    <p:sldId id="301" r:id="rId19"/>
+    <p:sldId id="302" r:id="rId20"/>
+    <p:sldId id="303" r:id="rId21"/>
+    <p:sldId id="304" r:id="rId22"/>
+    <p:sldId id="305" r:id="rId23"/>
+    <p:sldId id="306" r:id="rId24"/>
   </p:sldIdLst>
   <p:sldSz cx="12192000" cy="6858000"/>
   <p:notesSz cx="6807200" cy="9939338"/>
@@ -217,7 +219,7 @@
           <a:p>
             <a:fld id="{2A71EC23-F9ED-424C-B5FB-B7B5F6D78B70}" type="datetimeFigureOut">
               <a:rPr kumimoji="1" lang="ja-JP" altLang="en-US" smtClean="0"/>
-              <a:t>2020/9/30</a:t>
+              <a:t>2020/10/1</a:t>
             </a:fld>
             <a:endParaRPr kumimoji="1" lang="ja-JP" altLang="en-US"/>
           </a:p>
@@ -736,7 +738,7 @@
           <a:p>
             <a:fld id="{0F81A95D-05BA-458D-BB44-152E4BC8CA84}" type="datetime1">
               <a:rPr kumimoji="1" lang="ja-JP" altLang="en-US" smtClean="0"/>
-              <a:t>2020/9/30</a:t>
+              <a:t>2020/10/1</a:t>
             </a:fld>
             <a:endParaRPr kumimoji="1" lang="ja-JP" altLang="en-US"/>
           </a:p>
@@ -958,7 +960,7 @@
           <a:p>
             <a:fld id="{9906A6E4-4266-427F-9354-B8DA436806C3}" type="datetime1">
               <a:rPr kumimoji="1" lang="ja-JP" altLang="en-US" smtClean="0"/>
-              <a:t>2020/9/30</a:t>
+              <a:t>2020/10/1</a:t>
             </a:fld>
             <a:endParaRPr kumimoji="1" lang="ja-JP" altLang="en-US"/>
           </a:p>
@@ -1174,7 +1176,7 @@
           <a:p>
             <a:fld id="{362664A4-23FB-43CF-818D-F7393D757BD2}" type="datetime1">
               <a:rPr kumimoji="1" lang="ja-JP" altLang="en-US" smtClean="0"/>
-              <a:t>2020/9/30</a:t>
+              <a:t>2020/10/1</a:t>
             </a:fld>
             <a:endParaRPr kumimoji="1" lang="ja-JP" altLang="en-US"/>
           </a:p>
@@ -1380,7 +1382,7 @@
           <a:p>
             <a:fld id="{BFE15652-DDD4-4E36-9CB3-8E9EF446BEDB}" type="datetime1">
               <a:rPr kumimoji="1" lang="ja-JP" altLang="en-US" smtClean="0"/>
-              <a:t>2020/9/30</a:t>
+              <a:t>2020/10/1</a:t>
             </a:fld>
             <a:endParaRPr kumimoji="1" lang="ja-JP" altLang="en-US"/>
           </a:p>
@@ -1651,7 +1653,7 @@
           <a:p>
             <a:fld id="{30BAF585-2E3D-431A-AD29-AD87965751CC}" type="datetime1">
               <a:rPr kumimoji="1" lang="ja-JP" altLang="en-US" smtClean="0"/>
-              <a:t>2020/9/30</a:t>
+              <a:t>2020/10/1</a:t>
             </a:fld>
             <a:endParaRPr kumimoji="1" lang="ja-JP" altLang="en-US"/>
           </a:p>
@@ -1967,7 +1969,7 @@
           <a:p>
             <a:fld id="{0A1D67E2-B520-4BB6-8434-DE7E995735B8}" type="datetime1">
               <a:rPr kumimoji="1" lang="ja-JP" altLang="en-US" smtClean="0"/>
-              <a:t>2020/9/30</a:t>
+              <a:t>2020/10/1</a:t>
             </a:fld>
             <a:endParaRPr kumimoji="1" lang="ja-JP" altLang="en-US"/>
           </a:p>
@@ -2418,7 +2420,7 @@
           <a:p>
             <a:fld id="{500F9857-EF08-440C-94CB-83D9EE0D5A5A}" type="datetime1">
               <a:rPr kumimoji="1" lang="ja-JP" altLang="en-US" smtClean="0"/>
-              <a:t>2020/9/30</a:t>
+              <a:t>2020/10/1</a:t>
             </a:fld>
             <a:endParaRPr kumimoji="1" lang="ja-JP" altLang="en-US"/>
           </a:p>
@@ -2556,7 +2558,7 @@
           <a:p>
             <a:fld id="{B6BF44F8-E47A-4CCA-94C1-5A88DC7B414A}" type="datetime1">
               <a:rPr kumimoji="1" lang="ja-JP" altLang="en-US" smtClean="0"/>
-              <a:t>2020/9/30</a:t>
+              <a:t>2020/10/1</a:t>
             </a:fld>
             <a:endParaRPr kumimoji="1" lang="ja-JP" altLang="en-US"/>
           </a:p>
@@ -2671,7 +2673,7 @@
           <a:p>
             <a:fld id="{DE263015-59FD-444D-A49B-45D0DD94C4F1}" type="datetime1">
               <a:rPr kumimoji="1" lang="ja-JP" altLang="en-US" smtClean="0"/>
-              <a:t>2020/9/30</a:t>
+              <a:t>2020/10/1</a:t>
             </a:fld>
             <a:endParaRPr kumimoji="1" lang="ja-JP" altLang="en-US"/>
           </a:p>
@@ -3000,7 +3002,7 @@
           <a:p>
             <a:fld id="{7A6651C1-F643-424E-9D81-62CF9A82FABB}" type="datetime1">
               <a:rPr kumimoji="1" lang="ja-JP" altLang="en-US" smtClean="0"/>
-              <a:t>2020/9/30</a:t>
+              <a:t>2020/10/1</a:t>
             </a:fld>
             <a:endParaRPr kumimoji="1" lang="ja-JP" altLang="en-US"/>
           </a:p>
@@ -3261,7 +3263,7 @@
           <a:p>
             <a:fld id="{E79AACC8-2A3E-4AB1-936D-2A445495DFBA}" type="datetime1">
               <a:rPr kumimoji="1" lang="ja-JP" altLang="en-US" smtClean="0"/>
-              <a:t>2020/9/30</a:t>
+              <a:t>2020/10/1</a:t>
             </a:fld>
             <a:endParaRPr kumimoji="1" lang="ja-JP" altLang="en-US"/>
           </a:p>
@@ -3510,7 +3512,7 @@
           <a:p>
             <a:fld id="{79B7E619-0862-4EB5-B675-91B651E48568}" type="datetime1">
               <a:rPr kumimoji="1" lang="ja-JP" altLang="en-US" smtClean="0"/>
-              <a:t>2020/9/30</a:t>
+              <a:t>2020/10/1</a:t>
             </a:fld>
             <a:endParaRPr kumimoji="1" lang="ja-JP" altLang="en-US"/>
           </a:p>
@@ -4170,7 +4172,18 @@
                   </a:schemeClr>
                 </a:solidFill>
               </a:rPr>
-              <a:t>：回答</a:t>
+              <a:t>：</a:t>
+            </a:r>
+            <a:r>
+              <a:rPr lang="ja-JP" altLang="en-US" b="1" dirty="0" smtClean="0">
+                <a:solidFill>
+                  <a:schemeClr val="tx1">
+                    <a:lumMod val="50000"/>
+                    <a:lumOff val="50000"/>
+                  </a:schemeClr>
+                </a:solidFill>
+              </a:rPr>
+              <a:t>回答コード</a:t>
             </a:r>
             <a:endParaRPr kumimoji="1" lang="ja-JP" altLang="en-US" b="1" dirty="0">
               <a:solidFill>
@@ -4180,25 +4193,6 @@
                 </a:schemeClr>
               </a:solidFill>
             </a:endParaRPr>
-          </a:p>
-        </p:txBody>
-      </p:sp>
-      <p:sp>
-        <p:nvSpPr>
-          <p:cNvPr id="3" name="コンテンツ プレースホルダー 2"/>
-          <p:cNvSpPr>
-            <a:spLocks noGrp="1"/>
-          </p:cNvSpPr>
-          <p:nvPr>
-            <p:ph idx="1"/>
-          </p:nvPr>
-        </p:nvSpPr>
-        <p:spPr/>
-        <p:txBody>
-          <a:bodyPr/>
-          <a:lstStyle/>
-          <a:p>
-            <a:endParaRPr kumimoji="1" lang="ja-JP" altLang="en-US"/>
           </a:p>
         </p:txBody>
       </p:sp>
@@ -4261,6 +4255,446 @@
               <a:t>10</a:t>
             </a:fld>
             <a:endParaRPr kumimoji="1" lang="ja-JP" altLang="en-US"/>
+          </a:p>
+        </p:txBody>
+      </p:sp>
+      <p:sp>
+        <p:nvSpPr>
+          <p:cNvPr id="9" name="正方形/長方形 8"/>
+          <p:cNvSpPr/>
+          <p:nvPr/>
+        </p:nvSpPr>
+        <p:spPr>
+          <a:xfrm>
+            <a:off x="757806" y="1339594"/>
+            <a:ext cx="10676388" cy="5016758"/>
+          </a:xfrm>
+          <a:prstGeom prst="rect">
+            <a:avLst/>
+          </a:prstGeom>
+        </p:spPr>
+        <p:txBody>
+          <a:bodyPr wrap="square">
+            <a:spAutoFit/>
+          </a:bodyPr>
+          <a:lstStyle/>
+          <a:p>
+            <a:r>
+              <a:rPr lang="en-US" altLang="ja-JP" sz="1600" dirty="0">
+                <a:solidFill>
+                  <a:schemeClr val="accent6">
+                    <a:lumMod val="75000"/>
+                  </a:schemeClr>
+                </a:solidFill>
+              </a:rPr>
+              <a:t>## Read dataset</a:t>
+            </a:r>
+          </a:p>
+          <a:p>
+            <a:r>
+              <a:rPr lang="en-US" altLang="ja-JP" sz="1600" dirty="0"/>
+              <a:t>nm_data2 &lt;- </a:t>
+            </a:r>
+            <a:r>
+              <a:rPr lang="en-US" altLang="ja-JP" sz="1600" dirty="0" err="1"/>
+              <a:t>read_csv</a:t>
+            </a:r>
+            <a:r>
+              <a:rPr lang="en-US" altLang="ja-JP" sz="1600" dirty="0"/>
+              <a:t>(paste0(path, "/Data/PSP4-8-748-s012.csv"), </a:t>
+            </a:r>
+            <a:r>
+              <a:rPr lang="en-US" altLang="ja-JP" sz="1600" dirty="0" err="1"/>
+              <a:t>na</a:t>
+            </a:r>
+            <a:r>
+              <a:rPr lang="en-US" altLang="ja-JP" sz="1600" dirty="0" smtClean="0"/>
+              <a:t>=".",</a:t>
+            </a:r>
+          </a:p>
+          <a:p>
+            <a:r>
+              <a:rPr lang="ja-JP" altLang="en-US" sz="1600" dirty="0"/>
+              <a:t> </a:t>
+            </a:r>
+            <a:r>
+              <a:rPr lang="ja-JP" altLang="en-US" sz="1600" dirty="0" smtClean="0"/>
+              <a:t>                                       </a:t>
+            </a:r>
+            <a:r>
+              <a:rPr lang="en-US" altLang="ja-JP" sz="1600" dirty="0" smtClean="0"/>
+              <a:t> </a:t>
+            </a:r>
+            <a:r>
+              <a:rPr lang="en-US" altLang="ja-JP" sz="1600" dirty="0" err="1"/>
+              <a:t>col_types</a:t>
+            </a:r>
+            <a:r>
+              <a:rPr lang="en-US" altLang="ja-JP" sz="1600" dirty="0"/>
+              <a:t> = cols(C     </a:t>
+            </a:r>
+            <a:r>
+              <a:rPr lang="ja-JP" altLang="en-US" sz="1600" dirty="0" smtClean="0"/>
+              <a:t>   </a:t>
+            </a:r>
+            <a:r>
+              <a:rPr lang="en-US" altLang="ja-JP" sz="1600" dirty="0" smtClean="0"/>
+              <a:t>= </a:t>
+            </a:r>
+            <a:r>
+              <a:rPr lang="en-US" altLang="ja-JP" sz="1600" dirty="0" err="1"/>
+              <a:t>col_character</a:t>
+            </a:r>
+            <a:r>
+              <a:rPr lang="en-US" altLang="ja-JP" sz="1600" dirty="0"/>
+              <a:t>(),</a:t>
+            </a:r>
+          </a:p>
+          <a:p>
+            <a:r>
+              <a:rPr lang="en-US" altLang="ja-JP" sz="1600" dirty="0"/>
+              <a:t>                                      </a:t>
+            </a:r>
+            <a:r>
+              <a:rPr lang="ja-JP" altLang="en-US" sz="1600" dirty="0" smtClean="0"/>
+              <a:t>                                </a:t>
+            </a:r>
+            <a:r>
+              <a:rPr lang="en-US" altLang="ja-JP" sz="1600" dirty="0" smtClean="0"/>
+              <a:t>TREAT </a:t>
+            </a:r>
+            <a:r>
+              <a:rPr lang="en-US" altLang="ja-JP" sz="1600" dirty="0"/>
+              <a:t>= </a:t>
+            </a:r>
+            <a:r>
+              <a:rPr lang="en-US" altLang="ja-JP" sz="1600" dirty="0" err="1"/>
+              <a:t>col_character</a:t>
+            </a:r>
+            <a:r>
+              <a:rPr lang="en-US" altLang="ja-JP" sz="1600" dirty="0"/>
+              <a:t>() </a:t>
+            </a:r>
+          </a:p>
+          <a:p>
+            <a:r>
+              <a:rPr lang="en-US" altLang="ja-JP" sz="1600" dirty="0"/>
+              <a:t>                                      ))</a:t>
+            </a:r>
+          </a:p>
+          <a:p>
+            <a:endParaRPr lang="en-US" altLang="ja-JP" sz="1600" dirty="0"/>
+          </a:p>
+          <a:p>
+            <a:r>
+              <a:rPr lang="en-US" altLang="ja-JP" sz="1600" dirty="0">
+                <a:solidFill>
+                  <a:schemeClr val="accent6">
+                    <a:lumMod val="75000"/>
+                  </a:schemeClr>
+                </a:solidFill>
+              </a:rPr>
+              <a:t>## Number of Subject by PN</a:t>
+            </a:r>
+          </a:p>
+          <a:p>
+            <a:r>
+              <a:rPr lang="en-US" altLang="ja-JP" sz="1600" dirty="0"/>
+              <a:t>nm_data2 %&gt;% </a:t>
+            </a:r>
+            <a:r>
+              <a:rPr lang="en-US" altLang="ja-JP" sz="1600" dirty="0" err="1"/>
+              <a:t>group_by</a:t>
+            </a:r>
+            <a:r>
+              <a:rPr lang="en-US" altLang="ja-JP" sz="1600" dirty="0"/>
+              <a:t>(ID) %&gt;% slice(1) %&gt;% </a:t>
+            </a:r>
+            <a:r>
+              <a:rPr lang="en-US" altLang="ja-JP" sz="1600" dirty="0" err="1"/>
+              <a:t>group_by</a:t>
+            </a:r>
+            <a:r>
+              <a:rPr lang="en-US" altLang="ja-JP" sz="1600" dirty="0"/>
+              <a:t>(PN) %&gt;% count() </a:t>
+            </a:r>
+          </a:p>
+          <a:p>
+            <a:endParaRPr lang="en-US" altLang="ja-JP" sz="1600" dirty="0"/>
+          </a:p>
+          <a:p>
+            <a:r>
+              <a:rPr lang="en-US" altLang="ja-JP" sz="1600" dirty="0">
+                <a:solidFill>
+                  <a:schemeClr val="accent6">
+                    <a:lumMod val="75000"/>
+                  </a:schemeClr>
+                </a:solidFill>
+              </a:rPr>
+              <a:t>## Number of MK7655 </a:t>
+            </a:r>
+            <a:r>
+              <a:rPr lang="en-US" altLang="ja-JP" sz="1600" dirty="0" err="1">
+                <a:solidFill>
+                  <a:schemeClr val="accent6">
+                    <a:lumMod val="75000"/>
+                  </a:schemeClr>
+                </a:solidFill>
+              </a:rPr>
+              <a:t>Vaid</a:t>
+            </a:r>
+            <a:r>
+              <a:rPr lang="en-US" altLang="ja-JP" sz="1600" dirty="0">
+                <a:solidFill>
+                  <a:schemeClr val="accent6">
+                    <a:lumMod val="75000"/>
+                  </a:schemeClr>
+                </a:solidFill>
+              </a:rPr>
+              <a:t> Concentration Record by PN</a:t>
+            </a:r>
+          </a:p>
+          <a:p>
+            <a:r>
+              <a:rPr lang="en-US" altLang="ja-JP" sz="1600" dirty="0"/>
+              <a:t>nm_data2 %&gt;% filter(MDV == 0 &amp; DRUG == 2) %&gt;% </a:t>
+            </a:r>
+            <a:r>
+              <a:rPr lang="en-US" altLang="ja-JP" sz="1600" dirty="0" err="1"/>
+              <a:t>group_by</a:t>
+            </a:r>
+            <a:r>
+              <a:rPr lang="en-US" altLang="ja-JP" sz="1600" dirty="0"/>
+              <a:t>(PN) %&gt;% count() </a:t>
+            </a:r>
+          </a:p>
+          <a:p>
+            <a:endParaRPr lang="en-US" altLang="ja-JP" sz="1600" dirty="0"/>
+          </a:p>
+          <a:p>
+            <a:r>
+              <a:rPr lang="en-US" altLang="ja-JP" sz="1600" dirty="0">
+                <a:solidFill>
+                  <a:schemeClr val="accent6">
+                    <a:lumMod val="75000"/>
+                  </a:schemeClr>
+                </a:solidFill>
+              </a:rPr>
+              <a:t>## Number of Subject and MK7655 </a:t>
+            </a:r>
+            <a:r>
+              <a:rPr lang="en-US" altLang="ja-JP" sz="1600" dirty="0" err="1">
+                <a:solidFill>
+                  <a:schemeClr val="accent6">
+                    <a:lumMod val="75000"/>
+                  </a:schemeClr>
+                </a:solidFill>
+              </a:rPr>
+              <a:t>Vaid</a:t>
+            </a:r>
+            <a:r>
+              <a:rPr lang="en-US" altLang="ja-JP" sz="1600" dirty="0">
+                <a:solidFill>
+                  <a:schemeClr val="accent6">
+                    <a:lumMod val="75000"/>
+                  </a:schemeClr>
+                </a:solidFill>
+              </a:rPr>
+              <a:t> Concentration Record by PN</a:t>
+            </a:r>
+          </a:p>
+          <a:p>
+            <a:r>
+              <a:rPr lang="en-US" altLang="ja-JP" sz="1600" dirty="0"/>
+              <a:t>nm_data2 %&gt;% </a:t>
+            </a:r>
+            <a:r>
+              <a:rPr lang="en-US" altLang="ja-JP" sz="1600" dirty="0" err="1"/>
+              <a:t>group_by</a:t>
+            </a:r>
+            <a:r>
+              <a:rPr lang="en-US" altLang="ja-JP" sz="1600" dirty="0"/>
+              <a:t>(PN) %&gt;% </a:t>
+            </a:r>
+            <a:r>
+              <a:rPr lang="en-US" altLang="ja-JP" sz="1600" dirty="0" err="1"/>
+              <a:t>summarise</a:t>
+            </a:r>
+            <a:r>
+              <a:rPr lang="en-US" altLang="ja-JP" sz="1600" dirty="0"/>
+              <a:t>(</a:t>
+            </a:r>
+            <a:r>
+              <a:rPr lang="en-US" altLang="ja-JP" sz="1600" dirty="0" err="1"/>
+              <a:t>N_Sub</a:t>
+            </a:r>
+            <a:r>
+              <a:rPr lang="en-US" altLang="ja-JP" sz="1600" dirty="0"/>
+              <a:t>  </a:t>
+            </a:r>
+            <a:r>
+              <a:rPr lang="ja-JP" altLang="en-US" sz="1600" dirty="0" smtClean="0"/>
+              <a:t> </a:t>
+            </a:r>
+            <a:r>
+              <a:rPr lang="en-US" altLang="ja-JP" sz="1600" dirty="0" smtClean="0"/>
+              <a:t>= </a:t>
+            </a:r>
+            <a:r>
+              <a:rPr lang="en-US" altLang="ja-JP" sz="1600" dirty="0"/>
+              <a:t>length(unique(ID)),</a:t>
+            </a:r>
+          </a:p>
+          <a:p>
+            <a:r>
+              <a:rPr lang="en-US" altLang="ja-JP" sz="1600" dirty="0"/>
+              <a:t>                                        </a:t>
+            </a:r>
+            <a:r>
+              <a:rPr lang="ja-JP" altLang="en-US" sz="1600" dirty="0" smtClean="0"/>
+              <a:t>                                             </a:t>
+            </a:r>
+            <a:r>
+              <a:rPr lang="en-US" altLang="ja-JP" sz="1600" dirty="0" err="1" smtClean="0"/>
+              <a:t>N_Conc</a:t>
+            </a:r>
+            <a:r>
+              <a:rPr lang="en-US" altLang="ja-JP" sz="1600" dirty="0" smtClean="0"/>
+              <a:t> </a:t>
+            </a:r>
+            <a:r>
+              <a:rPr lang="en-US" altLang="ja-JP" sz="1600" dirty="0"/>
+              <a:t>= length(CONC[MDV == 0 &amp; DRUG == 2])) </a:t>
+            </a:r>
+          </a:p>
+          <a:p>
+            <a:endParaRPr lang="en-US" altLang="ja-JP" sz="1600" dirty="0"/>
+          </a:p>
+          <a:p>
+            <a:r>
+              <a:rPr lang="en-US" altLang="ja-JP" sz="1600" dirty="0">
+                <a:solidFill>
+                  <a:schemeClr val="accent6">
+                    <a:lumMod val="75000"/>
+                  </a:schemeClr>
+                </a:solidFill>
+              </a:rPr>
+              <a:t>## </a:t>
+            </a:r>
+            <a:r>
+              <a:rPr lang="en-US" altLang="ja-JP" sz="1600" dirty="0" err="1">
+                <a:solidFill>
+                  <a:schemeClr val="accent6">
+                    <a:lumMod val="75000"/>
+                  </a:schemeClr>
+                </a:solidFill>
+              </a:rPr>
+              <a:t>Desc</a:t>
+            </a:r>
+            <a:r>
+              <a:rPr lang="en-US" altLang="ja-JP" sz="1600" dirty="0">
+                <a:solidFill>
+                  <a:schemeClr val="accent6">
+                    <a:lumMod val="75000"/>
+                  </a:schemeClr>
+                </a:solidFill>
+              </a:rPr>
+              <a:t>. Stats. Grouped by PN and Dose</a:t>
+            </a:r>
+          </a:p>
+          <a:p>
+            <a:r>
+              <a:rPr lang="en-US" altLang="ja-JP" sz="1600" dirty="0"/>
+              <a:t>nm_data2 %&gt;% filter(PN &lt;= 2) %&gt;% </a:t>
+            </a:r>
+            <a:r>
+              <a:rPr lang="en-US" altLang="ja-JP" sz="1600" dirty="0" err="1"/>
+              <a:t>group_by</a:t>
+            </a:r>
+            <a:r>
+              <a:rPr lang="en-US" altLang="ja-JP" sz="1600" dirty="0"/>
+              <a:t>(PN, DOSE) %&gt;% </a:t>
+            </a:r>
+            <a:r>
+              <a:rPr lang="en-US" altLang="ja-JP" sz="1600" dirty="0" err="1"/>
+              <a:t>summarise</a:t>
+            </a:r>
+            <a:r>
+              <a:rPr lang="en-US" altLang="ja-JP" sz="1600" dirty="0"/>
+              <a:t>(</a:t>
+            </a:r>
+            <a:r>
+              <a:rPr lang="en-US" altLang="ja-JP" sz="1600" dirty="0" err="1"/>
+              <a:t>Age_Mean</a:t>
+            </a:r>
+            <a:r>
+              <a:rPr lang="en-US" altLang="ja-JP" sz="1600" dirty="0"/>
+              <a:t>  </a:t>
+            </a:r>
+            <a:r>
+              <a:rPr lang="ja-JP" altLang="en-US" sz="1600" dirty="0" smtClean="0"/>
+              <a:t> </a:t>
+            </a:r>
+            <a:r>
+              <a:rPr lang="en-US" altLang="ja-JP" sz="1600" dirty="0" smtClean="0"/>
+              <a:t>= </a:t>
+            </a:r>
+            <a:r>
+              <a:rPr lang="en-US" altLang="ja-JP" sz="1600" dirty="0"/>
+              <a:t>mean(AGE),</a:t>
+            </a:r>
+          </a:p>
+          <a:p>
+            <a:r>
+              <a:rPr lang="en-US" altLang="ja-JP" sz="1600" dirty="0"/>
+              <a:t>                                                                  </a:t>
+            </a:r>
+            <a:r>
+              <a:rPr lang="ja-JP" altLang="en-US" sz="1600" dirty="0" smtClean="0"/>
+              <a:t>                                                                   </a:t>
+            </a:r>
+            <a:r>
+              <a:rPr lang="en-US" altLang="ja-JP" sz="1600" dirty="0" err="1" smtClean="0"/>
+              <a:t>WT_Mean</a:t>
+            </a:r>
+            <a:r>
+              <a:rPr lang="en-US" altLang="ja-JP" sz="1600" dirty="0" smtClean="0"/>
+              <a:t>   </a:t>
+            </a:r>
+            <a:r>
+              <a:rPr lang="ja-JP" altLang="en-US" sz="1600" dirty="0" smtClean="0"/>
+              <a:t> </a:t>
+            </a:r>
+            <a:r>
+              <a:rPr lang="en-US" altLang="ja-JP" sz="1600" dirty="0" smtClean="0"/>
+              <a:t>= </a:t>
+            </a:r>
+            <a:r>
+              <a:rPr lang="en-US" altLang="ja-JP" sz="1600" dirty="0"/>
+              <a:t>mean(WT),</a:t>
+            </a:r>
+          </a:p>
+          <a:p>
+            <a:r>
+              <a:rPr lang="en-US" altLang="ja-JP" sz="1600" dirty="0"/>
+              <a:t>                                                                  </a:t>
+            </a:r>
+            <a:r>
+              <a:rPr lang="ja-JP" altLang="en-US" sz="1600" dirty="0" smtClean="0"/>
+              <a:t>                                                                   </a:t>
+            </a:r>
+            <a:r>
+              <a:rPr lang="en-US" altLang="ja-JP" sz="1600" dirty="0" err="1" smtClean="0"/>
+              <a:t>CRCL_Mean</a:t>
+            </a:r>
+            <a:r>
+              <a:rPr lang="en-US" altLang="ja-JP" sz="1600" dirty="0" smtClean="0"/>
+              <a:t> </a:t>
+            </a:r>
+            <a:r>
+              <a:rPr lang="en-US" altLang="ja-JP" sz="1600" dirty="0"/>
+              <a:t>= mean(CRCL))</a:t>
+            </a:r>
           </a:p>
         </p:txBody>
       </p:sp>
@@ -4317,17 +4751,6 @@
           <a:lstStyle/>
           <a:p>
             <a:r>
-              <a:rPr kumimoji="1" lang="ja-JP" altLang="en-US" b="1" dirty="0">
-                <a:solidFill>
-                  <a:schemeClr val="tx1">
-                    <a:lumMod val="50000"/>
-                    <a:lumOff val="50000"/>
-                  </a:schemeClr>
-                </a:solidFill>
-              </a:rPr>
-              <a:t>その他よく使う</a:t>
-            </a:r>
-            <a:r>
               <a:rPr kumimoji="1" lang="ja-JP" altLang="en-US" b="1" dirty="0" smtClean="0">
                 <a:solidFill>
                   <a:schemeClr val="tx1">
@@ -4336,7 +4759,7 @@
                   </a:schemeClr>
                 </a:solidFill>
               </a:rPr>
-              <a:t>関数</a:t>
+              <a:t>データの結合，並び替え，整形</a:t>
             </a:r>
             <a:r>
               <a:rPr kumimoji="1" lang="en-US" altLang="ja-JP" b="1" dirty="0" smtClean="0">
@@ -4347,41 +4770,20 @@
                   </a:schemeClr>
                 </a:solidFill>
               </a:rPr>
-              <a:t>(1)</a:t>
-            </a:r>
-            <a:r>
-              <a:rPr kumimoji="1" lang="en-US" altLang="ja-JP" dirty="0"/>
               <a:t/>
             </a:r>
             <a:br>
-              <a:rPr kumimoji="1" lang="en-US" altLang="ja-JP" dirty="0"/>
-            </a:br>
-            <a:r>
-              <a:rPr lang="en-US" altLang="ja-JP" dirty="0">
+              <a:rPr kumimoji="1" lang="en-US" altLang="ja-JP" b="1" dirty="0" smtClean="0">
                 <a:solidFill>
-                  <a:srgbClr val="0070C0"/>
+                  <a:schemeClr val="tx1">
+                    <a:lumMod val="50000"/>
+                    <a:lumOff val="50000"/>
+                  </a:schemeClr>
                 </a:solidFill>
               </a:rPr>
-              <a:t>select</a:t>
-            </a:r>
-            <a:r>
-              <a:rPr lang="en-US" altLang="ja-JP" dirty="0"/>
-              <a:t>, </a:t>
-            </a:r>
-            <a:r>
-              <a:rPr lang="en-US" altLang="ja-JP" dirty="0">
-                <a:solidFill>
-                  <a:srgbClr val="0070C0"/>
-                </a:solidFill>
-              </a:rPr>
-              <a:t>mutate</a:t>
-            </a:r>
-            <a:r>
-              <a:rPr lang="en-US" altLang="ja-JP" dirty="0"/>
-              <a:t>, </a:t>
-            </a:r>
-            <a:r>
-              <a:rPr lang="en-US" altLang="ja-JP" dirty="0" err="1">
+            </a:br>
+            <a:r>
+              <a:rPr lang="en-US" altLang="ja-JP" dirty="0" err="1" smtClean="0">
                 <a:solidFill>
                   <a:srgbClr val="0070C0"/>
                 </a:solidFill>
@@ -4432,8 +4834,8 @@
         </p:nvSpPr>
         <p:spPr>
           <a:xfrm>
-            <a:off x="838200" y="1800227"/>
-            <a:ext cx="10515600" cy="4800598"/>
+            <a:off x="838200" y="1690689"/>
+            <a:ext cx="10515600" cy="4970169"/>
           </a:xfrm>
         </p:spPr>
         <p:txBody>
@@ -4443,224 +4845,6 @@
           <a:lstStyle/>
           <a:p>
             <a:r>
-              <a:rPr kumimoji="1" lang="en-US" altLang="ja-JP" sz="2000" dirty="0" smtClean="0">
-                <a:solidFill>
-                  <a:srgbClr val="0070C0"/>
-                </a:solidFill>
-              </a:rPr>
-              <a:t>select</a:t>
-            </a:r>
-            <a:r>
-              <a:rPr kumimoji="1" lang="en-US" altLang="ja-JP" sz="2000" dirty="0" smtClean="0"/>
-              <a:t>: </a:t>
-            </a:r>
-            <a:r>
-              <a:rPr kumimoji="1" lang="ja-JP" altLang="en-US" sz="2000" dirty="0" smtClean="0"/>
-              <a:t>指定した列のみ残す（削る）</a:t>
-            </a:r>
-            <a:endParaRPr kumimoji="1" lang="en-US" altLang="ja-JP" sz="2000" dirty="0" smtClean="0"/>
-          </a:p>
-          <a:p>
-            <a:pPr marL="457200" lvl="1" indent="0">
-              <a:buNone/>
-            </a:pPr>
-            <a:r>
-              <a:rPr lang="ja-JP" altLang="en-US" sz="1200" dirty="0"/>
-              <a:t>関数例</a:t>
-            </a:r>
-            <a:r>
-              <a:rPr lang="en-US" altLang="ja-JP" sz="1200" dirty="0"/>
-              <a:t>:  </a:t>
-            </a:r>
-            <a:r>
-              <a:rPr lang="en-US" altLang="ja-JP" sz="1200" dirty="0" err="1"/>
-              <a:t>nm_data</a:t>
-            </a:r>
-            <a:r>
-              <a:rPr lang="en-US" altLang="ja-JP" sz="1200" dirty="0"/>
-              <a:t> %&gt;% </a:t>
-            </a:r>
-            <a:r>
-              <a:rPr lang="en-US" altLang="ja-JP" sz="1200" dirty="0" smtClean="0">
-                <a:solidFill>
-                  <a:srgbClr val="0070C0"/>
-                </a:solidFill>
-              </a:rPr>
-              <a:t>select</a:t>
-            </a:r>
-            <a:r>
-              <a:rPr lang="en-US" altLang="ja-JP" sz="1200" dirty="0" smtClean="0"/>
-              <a:t>(ID, DOSE, RACE)</a:t>
-            </a:r>
-            <a:endParaRPr lang="en-US" altLang="ja-JP" sz="1200" dirty="0"/>
-          </a:p>
-          <a:p>
-            <a:pPr marL="457200" lvl="1" indent="0">
-              <a:buNone/>
-            </a:pPr>
-            <a:r>
-              <a:rPr lang="ja-JP" altLang="en-US" sz="1200" dirty="0"/>
-              <a:t>意味： </a:t>
-            </a:r>
-            <a:r>
-              <a:rPr lang="en-US" altLang="ja-JP" sz="1200" dirty="0" err="1"/>
-              <a:t>nm_data</a:t>
-            </a:r>
-            <a:r>
-              <a:rPr lang="ja-JP" altLang="en-US" sz="1200" dirty="0" smtClean="0"/>
-              <a:t>の</a:t>
-            </a:r>
-            <a:r>
-              <a:rPr lang="en-US" altLang="ja-JP" sz="1200" dirty="0" smtClean="0"/>
-              <a:t>ID, DOSE, RACE</a:t>
-            </a:r>
-            <a:r>
-              <a:rPr lang="ja-JP" altLang="en-US" sz="1200" dirty="0" smtClean="0"/>
-              <a:t>のみを残す</a:t>
-            </a:r>
-            <a:endParaRPr lang="en-US" altLang="ja-JP" sz="1200" dirty="0" smtClean="0"/>
-          </a:p>
-          <a:p>
-            <a:pPr marL="457200" lvl="1" indent="0">
-              <a:buNone/>
-            </a:pPr>
-            <a:r>
-              <a:rPr lang="ja-JP" altLang="en-US" sz="1200" dirty="0"/>
-              <a:t>関数例</a:t>
-            </a:r>
-            <a:r>
-              <a:rPr lang="en-US" altLang="ja-JP" sz="1200" dirty="0"/>
-              <a:t>:  </a:t>
-            </a:r>
-            <a:r>
-              <a:rPr lang="en-US" altLang="ja-JP" sz="1200" dirty="0" err="1"/>
-              <a:t>nm_data</a:t>
-            </a:r>
-            <a:r>
-              <a:rPr lang="en-US" altLang="ja-JP" sz="1200" dirty="0"/>
-              <a:t> %&gt;% </a:t>
-            </a:r>
-            <a:r>
-              <a:rPr lang="en-US" altLang="ja-JP" sz="1200" dirty="0">
-                <a:solidFill>
-                  <a:srgbClr val="0070C0"/>
-                </a:solidFill>
-              </a:rPr>
-              <a:t>select</a:t>
-            </a:r>
-            <a:r>
-              <a:rPr lang="en-US" altLang="ja-JP" sz="1200" dirty="0" smtClean="0"/>
-              <a:t>(-BW)</a:t>
-            </a:r>
-            <a:endParaRPr lang="en-US" altLang="ja-JP" sz="1200" dirty="0"/>
-          </a:p>
-          <a:p>
-            <a:pPr marL="457200" lvl="1" indent="0">
-              <a:buNone/>
-            </a:pPr>
-            <a:r>
-              <a:rPr lang="ja-JP" altLang="en-US" sz="1200" dirty="0"/>
-              <a:t>意味： </a:t>
-            </a:r>
-            <a:r>
-              <a:rPr lang="en-US" altLang="ja-JP" sz="1200" dirty="0" err="1"/>
-              <a:t>nm_data</a:t>
-            </a:r>
-            <a:r>
-              <a:rPr lang="ja-JP" altLang="en-US" sz="1200" dirty="0" smtClean="0"/>
-              <a:t>の</a:t>
-            </a:r>
-            <a:r>
-              <a:rPr lang="en-US" altLang="ja-JP" sz="1200" dirty="0" smtClean="0"/>
-              <a:t>BW</a:t>
-            </a:r>
-            <a:r>
-              <a:rPr lang="ja-JP" altLang="en-US" sz="1200" dirty="0" smtClean="0"/>
-              <a:t>を削る</a:t>
-            </a:r>
-            <a:endParaRPr lang="en-US" altLang="ja-JP" sz="1200" dirty="0"/>
-          </a:p>
-          <a:p>
-            <a:r>
-              <a:rPr lang="en-US" altLang="ja-JP" sz="2000" dirty="0" smtClean="0">
-                <a:solidFill>
-                  <a:srgbClr val="0070C0"/>
-                </a:solidFill>
-              </a:rPr>
-              <a:t>mutate</a:t>
-            </a:r>
-            <a:r>
-              <a:rPr lang="en-US" altLang="ja-JP" sz="2000" dirty="0" smtClean="0"/>
-              <a:t>: </a:t>
-            </a:r>
-            <a:r>
-              <a:rPr lang="ja-JP" altLang="en-US" sz="2000" dirty="0" smtClean="0"/>
-              <a:t>新たな列を作成する</a:t>
-            </a:r>
-            <a:endParaRPr lang="en-US" altLang="ja-JP" sz="2000" dirty="0" smtClean="0"/>
-          </a:p>
-          <a:p>
-            <a:pPr marL="457200" lvl="1" indent="0">
-              <a:buNone/>
-            </a:pPr>
-            <a:r>
-              <a:rPr lang="ja-JP" altLang="en-US" sz="1200" dirty="0"/>
-              <a:t>関数例</a:t>
-            </a:r>
-            <a:r>
-              <a:rPr lang="en-US" altLang="ja-JP" sz="1200" dirty="0"/>
-              <a:t>:  </a:t>
-            </a:r>
-            <a:r>
-              <a:rPr lang="en-US" altLang="ja-JP" sz="1200" dirty="0" err="1"/>
-              <a:t>nm_data</a:t>
-            </a:r>
-            <a:r>
-              <a:rPr lang="en-US" altLang="ja-JP" sz="1200" dirty="0"/>
-              <a:t> %&gt;% </a:t>
-            </a:r>
-            <a:r>
-              <a:rPr lang="en-US" altLang="ja-JP" sz="1200" dirty="0" smtClean="0">
-                <a:solidFill>
-                  <a:srgbClr val="0070C0"/>
-                </a:solidFill>
-              </a:rPr>
-              <a:t>mutate</a:t>
-            </a:r>
-            <a:r>
-              <a:rPr lang="en-US" altLang="ja-JP" sz="1200" dirty="0" smtClean="0"/>
-              <a:t>(IBW = 22 * (HT/100)^2)</a:t>
-            </a:r>
-            <a:endParaRPr lang="en-US" altLang="ja-JP" sz="1200" dirty="0"/>
-          </a:p>
-          <a:p>
-            <a:pPr marL="457200" lvl="1" indent="0">
-              <a:buNone/>
-            </a:pPr>
-            <a:r>
-              <a:rPr lang="ja-JP" altLang="en-US" sz="1200" dirty="0"/>
-              <a:t>意味： </a:t>
-            </a:r>
-            <a:r>
-              <a:rPr lang="en-US" altLang="ja-JP" sz="1200" dirty="0" err="1" smtClean="0"/>
-              <a:t>nm_data</a:t>
-            </a:r>
-            <a:r>
-              <a:rPr lang="ja-JP" altLang="en-US" sz="1200" dirty="0" smtClean="0"/>
-              <a:t>に新たに</a:t>
-            </a:r>
-            <a:r>
-              <a:rPr lang="en-US" altLang="ja-JP" sz="1200" dirty="0" smtClean="0"/>
-              <a:t>IBW(=22*(HT/100)^2)</a:t>
-            </a:r>
-            <a:r>
-              <a:rPr lang="ja-JP" altLang="en-US" sz="1200" dirty="0" smtClean="0"/>
-              <a:t>という列を作成</a:t>
-            </a:r>
-            <a:endParaRPr lang="en-US" altLang="ja-JP" sz="1200" dirty="0"/>
-          </a:p>
-          <a:p>
-            <a:r>
               <a:rPr kumimoji="1" lang="en-US" altLang="ja-JP" sz="2000" dirty="0" err="1" smtClean="0">
                 <a:solidFill>
                   <a:srgbClr val="0070C0"/>
@@ -4697,11 +4881,15 @@
             </a:r>
             <a:r>
               <a:rPr kumimoji="1" lang="ja-JP" altLang="en-US" sz="1600" dirty="0" smtClean="0"/>
-              <a:t>で結合のための</a:t>
+              <a:t>で結合のため</a:t>
+            </a:r>
+            <a:r>
+              <a:rPr kumimoji="1" lang="ja-JP" altLang="en-US" sz="1600" dirty="0" smtClean="0"/>
+              <a:t>の</a:t>
             </a:r>
             <a:r>
               <a:rPr kumimoji="1" lang="en-US" altLang="ja-JP" sz="1600" dirty="0" smtClean="0"/>
-              <a:t>key</a:t>
+              <a:t>Key</a:t>
             </a:r>
             <a:r>
               <a:rPr kumimoji="1" lang="ja-JP" altLang="en-US" sz="1600" dirty="0" smtClean="0"/>
@@ -4725,14 +4913,30 @@
             </a:r>
             <a:r>
               <a:rPr lang="ja-JP" altLang="en-US" sz="1600" dirty="0" smtClean="0"/>
-              <a:t>にもデータの右側</a:t>
+              <a:t>に</a:t>
+            </a:r>
+            <a:r>
+              <a:rPr lang="ja-JP" altLang="en-US" sz="1600" dirty="0" smtClean="0"/>
+              <a:t>も</a:t>
+            </a:r>
+            <a:r>
+              <a:rPr lang="ja-JP" altLang="en-US" sz="1600" dirty="0"/>
+              <a:t>結合</a:t>
+            </a:r>
+            <a:r>
+              <a:rPr lang="ja-JP" altLang="en-US" sz="1600" dirty="0" smtClean="0"/>
+              <a:t>の関係を逆にする</a:t>
             </a:r>
             <a:r>
               <a:rPr lang="en-US" altLang="ja-JP" sz="1600" dirty="0" smtClean="0"/>
               <a:t>(</a:t>
             </a:r>
             <a:r>
-              <a:rPr lang="en-US" altLang="ja-JP" sz="1600" dirty="0" err="1" smtClean="0"/>
+              <a:rPr lang="en-US" altLang="ja-JP" sz="1600" dirty="0" err="1" smtClean="0">
+                <a:solidFill>
+                  <a:srgbClr val="0070C0"/>
+                </a:solidFill>
+              </a:rPr>
               <a:t>right_join</a:t>
             </a:r>
             <a:r>
@@ -4744,16 +4948,44 @@
               <a:t>，</a:t>
             </a:r>
             <a:r>
+              <a:rPr lang="ja-JP" altLang="en-US" sz="1600" dirty="0"/>
+              <a:t>一致</a:t>
+            </a:r>
+            <a:r>
               <a:rPr lang="ja-JP" altLang="en-US" sz="1600" dirty="0" smtClean="0"/>
-              <a:t>内側</a:t>
+              <a:t>する行だけ残す</a:t>
             </a:r>
             <a:r>
               <a:rPr lang="en-US" altLang="ja-JP" sz="1600" dirty="0" smtClean="0"/>
               <a:t>(</a:t>
             </a:r>
             <a:r>
-              <a:rPr lang="en-US" altLang="ja-JP" sz="1600" dirty="0" err="1" smtClean="0"/>
+              <a:rPr lang="en-US" altLang="ja-JP" sz="1600" dirty="0" err="1" smtClean="0">
+                <a:solidFill>
+                  <a:srgbClr val="0070C0"/>
+                </a:solidFill>
+              </a:rPr>
               <a:t>inner_join</a:t>
+            </a:r>
+            <a:r>
+              <a:rPr lang="en-US" altLang="ja-JP" sz="1600" dirty="0" smtClean="0"/>
+              <a:t>), </a:t>
+            </a:r>
+            <a:r>
+              <a:rPr lang="ja-JP" altLang="en-US" sz="1600" dirty="0" smtClean="0"/>
+              <a:t>全て残す</a:t>
+            </a:r>
+            <a:r>
+              <a:rPr lang="en-US" altLang="ja-JP" sz="1600" dirty="0" smtClean="0"/>
+              <a:t>(</a:t>
+            </a:r>
+            <a:r>
+              <a:rPr lang="en-US" altLang="ja-JP" sz="1600" dirty="0" err="1" smtClean="0">
+                <a:solidFill>
+                  <a:srgbClr val="0070C0"/>
+                </a:solidFill>
+              </a:rPr>
+              <a:t>full_join</a:t>
             </a:r>
             <a:r>
               <a:rPr lang="en-US" altLang="ja-JP" sz="1600" dirty="0" smtClean="0"/>
@@ -4761,7 +4993,11 @@
             </a:r>
             <a:r>
               <a:rPr lang="ja-JP" altLang="en-US" sz="1600" dirty="0" smtClean="0"/>
-              <a:t>というものもある</a:t>
+              <a:t>と</a:t>
+            </a:r>
+            <a:r>
+              <a:rPr lang="ja-JP" altLang="en-US" sz="1600" dirty="0" smtClean="0"/>
+              <a:t>いうものもある</a:t>
             </a:r>
             <a:endParaRPr kumimoji="1" lang="en-US" altLang="ja-JP" sz="1600" dirty="0" smtClean="0"/>
           </a:p>
@@ -4799,11 +5035,15 @@
             </a:r>
             <a:r>
               <a:rPr lang="en-US" altLang="ja-JP" sz="1200" dirty="0" err="1" smtClean="0"/>
-              <a:t>nm_data_ibw</a:t>
+              <a:t>nm_data_lj</a:t>
             </a:r>
             <a:r>
               <a:rPr lang="en-US" altLang="ja-JP" sz="1200" dirty="0" smtClean="0"/>
-              <a:t>, by=</a:t>
+              <a:t>, </a:t>
+            </a:r>
+            <a:r>
+              <a:rPr lang="en-US" altLang="ja-JP" sz="1200" dirty="0" smtClean="0"/>
+              <a:t>by=</a:t>
             </a:r>
             <a:r>
               <a:rPr lang="en-US" altLang="ja-JP" sz="1200" dirty="0" smtClean="0">
@@ -4958,6 +5198,11 @@
             <a:endParaRPr lang="en-US" altLang="ja-JP" sz="1200" dirty="0"/>
           </a:p>
           <a:p>
+            <a:pPr>
+              <a:spcBef>
+                <a:spcPts val="1800"/>
+              </a:spcBef>
+            </a:pPr>
             <a:r>
               <a:rPr lang="en-US" altLang="ja-JP" sz="2000" dirty="0" err="1" smtClean="0">
                 <a:solidFill>
@@ -4972,9 +5217,41 @@
             </a:r>
             <a:r>
               <a:rPr lang="ja-JP" altLang="en-US" sz="2000" dirty="0" smtClean="0"/>
-              <a:t>データの下側から別のデータを結合する</a:t>
+              <a:t>データの下側から別のデータを結合</a:t>
+            </a:r>
+            <a:r>
+              <a:rPr lang="ja-JP" altLang="en-US" sz="2000" dirty="0" smtClean="0"/>
+              <a:t>する</a:t>
             </a:r>
             <a:endParaRPr lang="en-US" altLang="ja-JP" sz="2000" dirty="0" smtClean="0"/>
+          </a:p>
+          <a:p>
+            <a:pPr lvl="1"/>
+            <a:r>
+              <a:rPr lang="ja-JP" altLang="en-US" sz="1600" dirty="0" smtClean="0"/>
+              <a:t>順序に関わらず列名が同じところに結合する</a:t>
+            </a:r>
+            <a:endParaRPr lang="en-US" altLang="ja-JP" sz="1600" dirty="0" smtClean="0"/>
+          </a:p>
+          <a:p>
+            <a:pPr lvl="1"/>
+            <a:r>
+              <a:rPr lang="ja-JP" altLang="en-US" sz="1600" dirty="0"/>
+              <a:t>結合</a:t>
+            </a:r>
+            <a:r>
+              <a:rPr lang="ja-JP" altLang="en-US" sz="1600" dirty="0" smtClean="0"/>
+              <a:t>する列名がないと，</a:t>
+            </a:r>
+            <a:r>
+              <a:rPr lang="en-US" altLang="ja-JP" sz="1600" dirty="0" smtClean="0"/>
+              <a:t>NA</a:t>
+            </a:r>
+            <a:r>
+              <a:rPr lang="ja-JP" altLang="en-US" sz="1600" dirty="0" smtClean="0"/>
+              <a:t>を返す</a:t>
+            </a:r>
+            <a:endParaRPr lang="en-US" altLang="ja-JP" sz="1600" dirty="0" smtClean="0"/>
           </a:p>
           <a:p>
             <a:pPr marL="457200" lvl="1" indent="0">
@@ -5006,12 +5283,17 @@
             </a:r>
             <a:r>
               <a:rPr lang="en-US" altLang="ja-JP" sz="1200" dirty="0" smtClean="0"/>
-              <a:t>(DOSE </a:t>
-            </a:r>
-            <a:r>
-              <a:rPr lang="en-US" altLang="ja-JP" sz="1200" dirty="0"/>
-              <a:t>&lt;= 500)</a:t>
-            </a:r>
+              <a:t>(</a:t>
+            </a:r>
+            <a:r>
+              <a:rPr lang="en-US" altLang="ja-JP" sz="1200" dirty="0" err="1" smtClean="0"/>
+              <a:t>nm_data_br</a:t>
+            </a:r>
+            <a:r>
+              <a:rPr lang="en-US" altLang="ja-JP" sz="1200" dirty="0" smtClean="0"/>
+              <a:t>)</a:t>
+            </a:r>
+            <a:endParaRPr lang="en-US" altLang="ja-JP" sz="1200" dirty="0"/>
           </a:p>
           <a:p>
             <a:pPr marL="457200" lvl="1" indent="0">
@@ -5026,28 +5308,37 @@
               <a:t>nm_data</a:t>
             </a:r>
             <a:r>
+              <a:rPr lang="ja-JP" altLang="en-US" sz="1200" dirty="0" smtClean="0"/>
+              <a:t>の</a:t>
+            </a:r>
+            <a:r>
               <a:rPr lang="ja-JP" altLang="en-US" sz="1200" dirty="0"/>
-              <a:t>の</a:t>
-            </a:r>
-            <a:r>
-              <a:rPr lang="en-US" altLang="ja-JP" sz="1200" dirty="0"/>
-              <a:t>DOSE</a:t>
-            </a:r>
-            <a:r>
-              <a:rPr lang="ja-JP" altLang="en-US" sz="1200" dirty="0"/>
-              <a:t>が</a:t>
-            </a:r>
-            <a:r>
-              <a:rPr lang="en-US" altLang="ja-JP" sz="1200" dirty="0"/>
-              <a:t>500</a:t>
-            </a:r>
-            <a:r>
-              <a:rPr lang="ja-JP" altLang="en-US" sz="1200" dirty="0"/>
-              <a:t>以下の行を抜き出す</a:t>
+              <a:t>下</a:t>
+            </a:r>
+            <a:r>
+              <a:rPr lang="ja-JP" altLang="en-US" sz="1200" dirty="0" smtClean="0"/>
+              <a:t>に</a:t>
+            </a:r>
+            <a:r>
+              <a:rPr lang="en-US" altLang="ja-JP" sz="1200" dirty="0" err="1" smtClean="0"/>
+              <a:t>nm_data_br</a:t>
+            </a:r>
+            <a:r>
+              <a:rPr lang="ja-JP" altLang="en-US" sz="1200" dirty="0" err="1" smtClean="0"/>
+              <a:t>を結</a:t>
+            </a:r>
+            <a:r>
+              <a:rPr lang="ja-JP" altLang="en-US" sz="1200" dirty="0" smtClean="0"/>
+              <a:t>合する</a:t>
             </a:r>
             <a:endParaRPr lang="en-US" altLang="ja-JP" sz="1200" dirty="0"/>
           </a:p>
           <a:p>
+            <a:pPr>
+              <a:spcBef>
+                <a:spcPts val="1800"/>
+              </a:spcBef>
+            </a:pPr>
             <a:r>
               <a:rPr kumimoji="1" lang="en-US" altLang="ja-JP" sz="2000" dirty="0" smtClean="0">
                 <a:solidFill>
@@ -5070,9 +5361,37 @@
             </a:r>
             <a:r>
               <a:rPr kumimoji="1" lang="ja-JP" altLang="en-US" sz="2000" dirty="0" smtClean="0"/>
-              <a:t>で指定した列順に並び替える</a:t>
+              <a:t>で指定した</a:t>
+            </a:r>
+            <a:r>
+              <a:rPr kumimoji="1" lang="ja-JP" altLang="en-US" sz="2000" dirty="0" smtClean="0"/>
+              <a:t>列の昇順に並び替える</a:t>
             </a:r>
             <a:endParaRPr kumimoji="1" lang="en-US" altLang="ja-JP" sz="2000" dirty="0" smtClean="0"/>
+          </a:p>
+          <a:p>
+            <a:pPr lvl="1"/>
+            <a:r>
+              <a:rPr kumimoji="1" lang="ja-JP" altLang="en-US" sz="1600" dirty="0" smtClean="0"/>
+              <a:t>複数指定可，</a:t>
+            </a:r>
+            <a:r>
+              <a:rPr lang="ja-JP" altLang="en-US" sz="1600" dirty="0"/>
+              <a:t>降順</a:t>
+            </a:r>
+            <a:r>
+              <a:rPr kumimoji="1" lang="ja-JP" altLang="en-US" sz="1600" dirty="0" smtClean="0"/>
+              <a:t>に指定する場合は</a:t>
+            </a:r>
+            <a:r>
+              <a:rPr kumimoji="1" lang="en-US" altLang="ja-JP" sz="1600" dirty="0" err="1" smtClean="0"/>
+              <a:t>desc</a:t>
+            </a:r>
+            <a:r>
+              <a:rPr kumimoji="1" lang="en-US" altLang="ja-JP" sz="1600" dirty="0" smtClean="0"/>
+              <a:t>()</a:t>
+            </a:r>
+            <a:endParaRPr kumimoji="1" lang="en-US" altLang="ja-JP" sz="1600" dirty="0" smtClean="0"/>
           </a:p>
           <a:p>
             <a:pPr marL="457200" lvl="1" indent="0">
@@ -5080,6 +5399,106 @@
             </a:pPr>
             <a:r>
               <a:rPr lang="ja-JP" altLang="en-US" sz="1200" dirty="0"/>
+              <a:t>関数例</a:t>
+            </a:r>
+            <a:r>
+              <a:rPr lang="en-US" altLang="ja-JP" sz="1200" dirty="0"/>
+              <a:t>:  </a:t>
+            </a:r>
+            <a:r>
+              <a:rPr lang="en-US" altLang="ja-JP" sz="1200" dirty="0" err="1"/>
+              <a:t>nm_data</a:t>
+            </a:r>
+            <a:r>
+              <a:rPr lang="en-US" altLang="ja-JP" sz="1200" dirty="0"/>
+              <a:t> %&gt;% </a:t>
+            </a:r>
+            <a:r>
+              <a:rPr lang="en-US" altLang="ja-JP" sz="1200" dirty="0" smtClean="0">
+                <a:solidFill>
+                  <a:srgbClr val="0070C0"/>
+                </a:solidFill>
+              </a:rPr>
+              <a:t>arrange</a:t>
+            </a:r>
+            <a:r>
+              <a:rPr lang="en-US" altLang="ja-JP" sz="1200" dirty="0" smtClean="0"/>
+              <a:t>(ID, TIME, </a:t>
+            </a:r>
+            <a:r>
+              <a:rPr lang="en-US" altLang="ja-JP" sz="1200" dirty="0" err="1" smtClean="0"/>
+              <a:t>desc</a:t>
+            </a:r>
+            <a:r>
+              <a:rPr lang="en-US" altLang="ja-JP" sz="1200" dirty="0" smtClean="0"/>
+              <a:t>(MDV))</a:t>
+            </a:r>
+            <a:endParaRPr lang="en-US" altLang="ja-JP" sz="1200" dirty="0"/>
+          </a:p>
+          <a:p>
+            <a:pPr marL="457200" lvl="1" indent="0">
+              <a:buNone/>
+            </a:pPr>
+            <a:r>
+              <a:rPr lang="ja-JP" altLang="en-US" sz="1200" dirty="0"/>
+              <a:t>意味： </a:t>
+            </a:r>
+            <a:r>
+              <a:rPr lang="en-US" altLang="ja-JP" sz="1200" dirty="0" err="1" smtClean="0"/>
+              <a:t>nm_data</a:t>
+            </a:r>
+            <a:r>
+              <a:rPr lang="ja-JP" altLang="en-US" sz="1200" dirty="0" smtClean="0"/>
+              <a:t>を</a:t>
+            </a:r>
+            <a:r>
+              <a:rPr lang="en-US" altLang="ja-JP" sz="1200" dirty="0" smtClean="0"/>
+              <a:t>ID, TIME, MDV(</a:t>
+            </a:r>
+            <a:r>
+              <a:rPr lang="ja-JP" altLang="en-US" sz="1200" dirty="0" smtClean="0"/>
+              <a:t>降順</a:t>
+            </a:r>
+            <a:r>
+              <a:rPr lang="en-US" altLang="ja-JP" sz="1200" dirty="0" smtClean="0"/>
+              <a:t>)</a:t>
+            </a:r>
+            <a:r>
+              <a:rPr lang="ja-JP" altLang="en-US" sz="1200" dirty="0" smtClean="0"/>
+              <a:t> に並び替える</a:t>
+            </a:r>
+            <a:endParaRPr lang="en-US" altLang="ja-JP" sz="1200" dirty="0"/>
+          </a:p>
+          <a:p>
+            <a:pPr>
+              <a:spcBef>
+                <a:spcPts val="1800"/>
+              </a:spcBef>
+            </a:pPr>
+            <a:r>
+              <a:rPr lang="en-US" altLang="ja-JP" sz="2000" dirty="0" smtClean="0">
+                <a:solidFill>
+                  <a:srgbClr val="0070C0"/>
+                </a:solidFill>
+              </a:rPr>
+              <a:t>select</a:t>
+            </a:r>
+            <a:r>
+              <a:rPr lang="en-US" altLang="ja-JP" sz="2000" dirty="0" smtClean="0"/>
+              <a:t>: </a:t>
+            </a:r>
+            <a:r>
+              <a:rPr lang="ja-JP" altLang="en-US" sz="2000" dirty="0" smtClean="0"/>
+              <a:t>指定した列のみ残す（削る）</a:t>
+            </a:r>
+            <a:endParaRPr lang="en-US" altLang="ja-JP" sz="2000" dirty="0" smtClean="0"/>
+          </a:p>
+          <a:p>
+            <a:pPr marL="457200" lvl="1" indent="0">
+              <a:buNone/>
+            </a:pPr>
+            <a:r>
+              <a:rPr lang="ja-JP" altLang="en-US" sz="1200" dirty="0" smtClean="0"/>
               <a:t>関数例</a:t>
             </a:r>
             <a:r>
@@ -5100,11 +5519,11 @@
                   <a:srgbClr val="0070C0"/>
                 </a:solidFill>
               </a:rPr>
-              <a:t>filter</a:t>
+              <a:t>select</a:t>
             </a:r>
             <a:r>
               <a:rPr lang="en-US" altLang="ja-JP" sz="1200" dirty="0"/>
-              <a:t>(DOSE &lt;= 500)</a:t>
+              <a:t>(ID, DOSE, RACE)</a:t>
             </a:r>
           </a:p>
           <a:p>
@@ -5125,24 +5544,76 @@
             </a:r>
             <a:r>
               <a:rPr lang="en-US" altLang="ja-JP" sz="1200" dirty="0"/>
-              <a:t>DOSE</a:t>
+              <a:t>ID, DOSE, RACE</a:t>
             </a:r>
             <a:r>
               <a:rPr lang="ja-JP" altLang="en-US" sz="1200" dirty="0"/>
-              <a:t>が</a:t>
+              <a:t>のみを残す</a:t>
+            </a:r>
+            <a:endParaRPr lang="en-US" altLang="ja-JP" sz="1200" dirty="0"/>
+          </a:p>
+          <a:p>
+            <a:pPr marL="457200" lvl="1" indent="0">
+              <a:buNone/>
+            </a:pPr>
+            <a:r>
+              <a:rPr lang="ja-JP" altLang="en-US" sz="1200" dirty="0"/>
+              <a:t>関数例</a:t>
             </a:r>
             <a:r>
               <a:rPr lang="en-US" altLang="ja-JP" sz="1200" dirty="0"/>
-              <a:t>500</a:t>
-            </a:r>
+              <a:t>:  </a:t>
+            </a:r>
+            <a:r>
+              <a:rPr lang="en-US" altLang="ja-JP" sz="1200" dirty="0" err="1"/>
+              <a:t>nm_data</a:t>
+            </a:r>
+            <a:r>
+              <a:rPr lang="en-US" altLang="ja-JP" sz="1200" dirty="0"/>
+              <a:t> %&gt;% </a:t>
+            </a:r>
+            <a:r>
+              <a:rPr lang="en-US" altLang="ja-JP" sz="1200" dirty="0">
+                <a:solidFill>
+                  <a:srgbClr val="0070C0"/>
+                </a:solidFill>
+              </a:rPr>
+              <a:t>select</a:t>
+            </a:r>
+            <a:r>
+              <a:rPr lang="en-US" altLang="ja-JP" sz="1200" dirty="0"/>
+              <a:t>(-BW)</a:t>
+            </a:r>
+          </a:p>
+          <a:p>
+            <a:pPr marL="457200" lvl="1" indent="0">
+              <a:buNone/>
+            </a:pPr>
             <a:r>
               <a:rPr lang="ja-JP" altLang="en-US" sz="1200" dirty="0"/>
-              <a:t>以下の行を抜き出す</a:t>
+              <a:t>意味： </a:t>
+            </a:r>
+            <a:r>
+              <a:rPr lang="en-US" altLang="ja-JP" sz="1200" dirty="0" err="1"/>
+              <a:t>nm_data</a:t>
+            </a:r>
+            <a:r>
+              <a:rPr lang="ja-JP" altLang="en-US" sz="1200" dirty="0"/>
+              <a:t>の</a:t>
+            </a:r>
+            <a:r>
+              <a:rPr lang="en-US" altLang="ja-JP" sz="1200" dirty="0"/>
+              <a:t>BW</a:t>
+            </a:r>
+            <a:r>
+              <a:rPr lang="ja-JP" altLang="en-US" sz="1200" dirty="0"/>
+              <a:t>を</a:t>
+            </a:r>
+            <a:r>
+              <a:rPr lang="ja-JP" altLang="en-US" sz="1200" dirty="0" smtClean="0"/>
+              <a:t>削る</a:t>
             </a:r>
             <a:endParaRPr lang="en-US" altLang="ja-JP" sz="1200" dirty="0"/>
-          </a:p>
-          <a:p>
-            <a:endParaRPr kumimoji="1" lang="ja-JP" altLang="en-US" dirty="0"/>
           </a:p>
         </p:txBody>
       </p:sp>
@@ -5210,21 +5681,21 @@
       </p:sp>
       <p:graphicFrame>
         <p:nvGraphicFramePr>
-          <p:cNvPr id="6" name="表 5"/>
+          <p:cNvPr id="9" name="表 8"/>
           <p:cNvGraphicFramePr>
             <a:graphicFrameLocks noGrp="1"/>
           </p:cNvGraphicFramePr>
           <p:nvPr>
             <p:extLst>
               <p:ext uri="{D42A27DB-BD31-4B8C-83A1-F6EECF244321}">
-                <p14:modId xmlns:p14="http://schemas.microsoft.com/office/powerpoint/2010/main" val="3122505120"/>
+                <p14:modId xmlns:p14="http://schemas.microsoft.com/office/powerpoint/2010/main" val="617012313"/>
               </p:ext>
             </p:extLst>
           </p:nvPr>
         </p:nvGraphicFramePr>
         <p:xfrm>
-          <a:off x="5647226" y="2241072"/>
-          <a:ext cx="768642" cy="1135912"/>
+          <a:off x="7105923" y="2586083"/>
+          <a:ext cx="778743" cy="1987846"/>
         </p:xfrm>
         <a:graphic>
           <a:graphicData uri="http://schemas.openxmlformats.org/drawingml/2006/table">
@@ -5234,7 +5705,7 @@
               </a:tblPr>
               <a:tblGrid>
                 <a:gridCol w="384321"/>
-                <a:gridCol w="384321"/>
+                <a:gridCol w="394422"/>
               </a:tblGrid>
               <a:tr h="283978">
                 <a:tc>
@@ -5260,7 +5731,7 @@
                       <a:pPr algn="ctr"/>
                       <a:r>
                         <a:rPr kumimoji="1" lang="en-US" altLang="ja-JP" sz="900" dirty="0" smtClean="0"/>
-                        <a:t>HT</a:t>
+                        <a:t>TIME</a:t>
                       </a:r>
                       <a:endParaRPr kumimoji="1" lang="ja-JP" altLang="en-US" sz="900" dirty="0"/>
                     </a:p>
@@ -5298,8 +5769,15 @@
                     <a:p>
                       <a:pPr marL="0" algn="ctr" defTabSz="914400" rtl="0" eaLnBrk="1" latinLnBrk="0" hangingPunct="1"/>
                       <a:r>
-                        <a:rPr kumimoji="1" lang="en-US" altLang="ja-JP" sz="900" kern="1200" dirty="0" smtClean="0"/>
-                        <a:t>160</a:t>
+                        <a:rPr kumimoji="1" lang="en-US" altLang="ja-JP" sz="900" kern="1200" dirty="0" smtClean="0">
+                          <a:solidFill>
+                            <a:schemeClr val="dk1"/>
+                          </a:solidFill>
+                          <a:latin typeface="+mn-lt"/>
+                          <a:ea typeface="+mn-ea"/>
+                          <a:cs typeface="+mn-cs"/>
+                        </a:rPr>
+                        <a:t>0</a:t>
                       </a:r>
                       <a:endParaRPr kumimoji="1" lang="ja-JP" altLang="en-US" sz="900" kern="1200" dirty="0">
                         <a:solidFill>
@@ -5323,13 +5801,70 @@
                       <a:pPr algn="ctr"/>
                       <a:r>
                         <a:rPr kumimoji="1" lang="en-US" altLang="ja-JP" sz="900" dirty="0" smtClean="0"/>
+                        <a:t>1</a:t>
+                      </a:r>
+                      <a:endParaRPr kumimoji="1" lang="ja-JP" altLang="en-US" sz="900" dirty="0"/>
+                    </a:p>
+                  </a:txBody>
+                  <a:tcPr marL="36000" marR="36000" marT="36000" marB="36000" anchor="ctr"/>
+                </a:tc>
+                <a:tc>
+                  <a:txBody>
+                    <a:bodyPr/>
+                    <a:lstStyle/>
+                    <a:p>
+                      <a:pPr algn="ctr"/>
+                      <a:r>
+                        <a:rPr kumimoji="1" lang="en-US" altLang="ja-JP" sz="900" dirty="0" smtClean="0"/>
+                        <a:t>1</a:t>
+                      </a:r>
+                      <a:endParaRPr kumimoji="1" lang="ja-JP" altLang="en-US" sz="900" dirty="0"/>
+                    </a:p>
+                  </a:txBody>
+                  <a:tcPr marL="36000" marR="36000" marT="36000" marB="36000" anchor="ctr"/>
+                </a:tc>
+              </a:tr>
+              <a:tr h="283978">
+                <a:tc>
+                  <a:txBody>
+                    <a:bodyPr/>
+                    <a:lstStyle/>
+                    <a:p>
+                      <a:pPr algn="ctr"/>
+                      <a:r>
+                        <a:rPr kumimoji="1" lang="en-US" altLang="ja-JP" sz="900" dirty="0" smtClean="0"/>
+                        <a:t>1</a:t>
+                      </a:r>
+                      <a:endParaRPr kumimoji="1" lang="ja-JP" altLang="en-US" sz="900" dirty="0"/>
+                    </a:p>
+                  </a:txBody>
+                  <a:tcPr marL="36000" marR="36000" marT="36000" marB="36000" anchor="ctr">
+                    <a:solidFill>
+                      <a:srgbClr val="00B050"/>
+                    </a:solidFill>
+                  </a:tcPr>
+                </a:tc>
+                <a:tc>
+                  <a:txBody>
+                    <a:bodyPr/>
+                    <a:lstStyle/>
+                    <a:p>
+                      <a:pPr algn="ctr"/>
+                      <a:r>
+                        <a:rPr kumimoji="1" lang="en-US" altLang="ja-JP" sz="900" dirty="0" smtClean="0"/>
                         <a:t>2</a:t>
                       </a:r>
                       <a:endParaRPr kumimoji="1" lang="ja-JP" altLang="en-US" sz="900" dirty="0"/>
                     </a:p>
                   </a:txBody>
-                  <a:tcPr marL="36000" marR="36000" marT="36000" marB="36000" anchor="ctr"/>
-                </a:tc>
+                  <a:tcPr marL="36000" marR="36000" marT="36000" marB="36000" anchor="ctr">
+                    <a:solidFill>
+                      <a:srgbClr val="00B050"/>
+                    </a:solidFill>
+                  </a:tcPr>
+                </a:tc>
+              </a:tr>
+              <a:tr h="283978">
                 <a:tc>
                   <a:txBody>
                     <a:bodyPr/>
@@ -5338,15 +5873,13 @@
                       <a:pPr algn="ctr"/>
                       <a:r>
                         <a:rPr kumimoji="1" lang="en-US" altLang="ja-JP" sz="900" dirty="0" smtClean="0"/>
-                        <a:t>170</a:t>
+                        <a:t>2</a:t>
                       </a:r>
                       <a:endParaRPr kumimoji="1" lang="ja-JP" altLang="en-US" sz="900" dirty="0"/>
                     </a:p>
                   </a:txBody>
                   <a:tcPr marL="36000" marR="36000" marT="36000" marB="36000" anchor="ctr"/>
                 </a:tc>
-              </a:tr>
-              <a:tr h="283978">
                 <a:tc>
                   <a:txBody>
                     <a:bodyPr/>
@@ -5355,13 +5888,15 @@
                       <a:pPr algn="ctr"/>
                       <a:r>
                         <a:rPr kumimoji="1" lang="en-US" altLang="ja-JP" sz="900" dirty="0" smtClean="0"/>
-                        <a:t>3</a:t>
+                        <a:t>0</a:t>
                       </a:r>
                       <a:endParaRPr kumimoji="1" lang="ja-JP" altLang="en-US" sz="900" dirty="0"/>
                     </a:p>
                   </a:txBody>
                   <a:tcPr marL="36000" marR="36000" marT="36000" marB="36000" anchor="ctr"/>
                 </a:tc>
+              </a:tr>
+              <a:tr h="283978">
                 <a:tc>
                   <a:txBody>
                     <a:bodyPr/>
@@ -5370,12 +5905,75 @@
                       <a:pPr algn="ctr"/>
                       <a:r>
                         <a:rPr kumimoji="1" lang="en-US" altLang="ja-JP" sz="900" dirty="0" smtClean="0"/>
-                        <a:t>180</a:t>
+                        <a:t>2</a:t>
                       </a:r>
                       <a:endParaRPr kumimoji="1" lang="ja-JP" altLang="en-US" sz="900" dirty="0"/>
                     </a:p>
                   </a:txBody>
-                  <a:tcPr marL="36000" marR="36000" marT="36000" marB="36000" anchor="ctr"/>
+                  <a:tcPr marL="36000" marR="36000" marT="36000" marB="36000" anchor="ctr">
+                    <a:solidFill>
+                      <a:srgbClr val="00B050"/>
+                    </a:solidFill>
+                  </a:tcPr>
+                </a:tc>
+                <a:tc>
+                  <a:txBody>
+                    <a:bodyPr/>
+                    <a:lstStyle/>
+                    <a:p>
+                      <a:pPr algn="ctr"/>
+                      <a:r>
+                        <a:rPr kumimoji="1" lang="en-US" altLang="ja-JP" sz="900" dirty="0" smtClean="0"/>
+                        <a:t>2</a:t>
+                      </a:r>
+                      <a:endParaRPr kumimoji="1" lang="ja-JP" altLang="en-US" sz="900" dirty="0"/>
+                    </a:p>
+                  </a:txBody>
+                  <a:tcPr marL="36000" marR="36000" marT="36000" marB="36000" anchor="ctr">
+                    <a:solidFill>
+                      <a:srgbClr val="00B050"/>
+                    </a:solidFill>
+                  </a:tcPr>
+                </a:tc>
+              </a:tr>
+              <a:tr h="283978">
+                <a:tc>
+                  <a:txBody>
+                    <a:bodyPr/>
+                    <a:lstStyle/>
+                    <a:p>
+                      <a:pPr algn="ctr"/>
+                      <a:r>
+                        <a:rPr kumimoji="1" lang="en-US" altLang="ja-JP" sz="900" dirty="0" smtClean="0"/>
+                        <a:t>2</a:t>
+                      </a:r>
+                      <a:endParaRPr kumimoji="1" lang="ja-JP" altLang="en-US" sz="900" dirty="0"/>
+                    </a:p>
+                  </a:txBody>
+                  <a:tcPr marL="36000" marR="36000" marT="36000" marB="36000" anchor="ctr">
+                    <a:solidFill>
+                      <a:srgbClr val="00B050"/>
+                    </a:solidFill>
+                  </a:tcPr>
+                </a:tc>
+                <a:tc>
+                  <a:txBody>
+                    <a:bodyPr/>
+                    <a:lstStyle/>
+                    <a:p>
+                      <a:pPr algn="ctr"/>
+                      <a:r>
+                        <a:rPr kumimoji="1" lang="en-US" altLang="ja-JP" sz="900" dirty="0" smtClean="0"/>
+                        <a:t>4</a:t>
+                      </a:r>
+                      <a:endParaRPr kumimoji="1" lang="ja-JP" altLang="en-US" sz="900" dirty="0"/>
+                    </a:p>
+                  </a:txBody>
+                  <a:tcPr marL="36000" marR="36000" marT="36000" marB="36000" anchor="ctr">
+                    <a:solidFill>
+                      <a:srgbClr val="00B050"/>
+                    </a:solidFill>
+                  </a:tcPr>
                 </a:tc>
               </a:tr>
             </a:tbl>
@@ -5384,19 +5982,19 @@
       </p:graphicFrame>
       <p:sp>
         <p:nvSpPr>
-          <p:cNvPr id="7" name="右矢印 6"/>
+          <p:cNvPr id="10" name="右矢印 9"/>
           <p:cNvSpPr/>
           <p:nvPr/>
         </p:nvSpPr>
         <p:spPr>
           <a:xfrm>
-            <a:off x="6648450" y="2698471"/>
-            <a:ext cx="1350101" cy="361749"/>
+            <a:off x="9419850" y="3086934"/>
+            <a:ext cx="1233405" cy="479894"/>
           </a:xfrm>
           <a:prstGeom prst="rightArrow">
             <a:avLst>
               <a:gd name="adj1" fmla="val 100000"/>
-              <a:gd name="adj2" fmla="val 38782"/>
+              <a:gd name="adj2" fmla="val 36463"/>
             </a:avLst>
           </a:prstGeom>
           <a:solidFill>
@@ -5428,12 +6026,12 @@
           <a:p>
             <a:pPr algn="ctr"/>
             <a:r>
-              <a:rPr lang="en-US" altLang="ja-JP" sz="1000" dirty="0">
+              <a:rPr lang="en-US" altLang="ja-JP" sz="1000" dirty="0" err="1" smtClean="0">
                 <a:solidFill>
                   <a:schemeClr val="tx1"/>
                 </a:solidFill>
               </a:rPr>
-              <a:t>mutate(IBW = 22 * </a:t>
+              <a:t>left_join</a:t>
             </a:r>
             <a:r>
               <a:rPr lang="en-US" altLang="ja-JP" sz="1000" dirty="0" smtClean="0">
@@ -5441,36 +6039,33 @@
                   <a:schemeClr val="tx1"/>
                 </a:solidFill>
               </a:rPr>
-              <a:t>(HT/100)^2</a:t>
-            </a:r>
-            <a:r>
-              <a:rPr lang="en-US" altLang="ja-JP" sz="1000" dirty="0">
-                <a:solidFill>
-                  <a:schemeClr val="tx1"/>
-                </a:solidFill>
-              </a:rPr>
-              <a:t>)</a:t>
-            </a:r>
+              <a:t>(B, by=c(“ID”=“id”, “TIME”=“tad”))</a:t>
+            </a:r>
+            <a:endParaRPr lang="en-US" altLang="ja-JP" sz="1000" dirty="0">
+              <a:solidFill>
+                <a:schemeClr val="tx1"/>
+              </a:solidFill>
+            </a:endParaRPr>
           </a:p>
         </p:txBody>
       </p:sp>
       <p:graphicFrame>
         <p:nvGraphicFramePr>
-          <p:cNvPr id="8" name="表 7"/>
+          <p:cNvPr id="15" name="表 14"/>
           <p:cNvGraphicFramePr>
             <a:graphicFrameLocks noGrp="1"/>
           </p:cNvGraphicFramePr>
           <p:nvPr>
             <p:extLst>
               <p:ext uri="{D42A27DB-BD31-4B8C-83A1-F6EECF244321}">
-                <p14:modId xmlns:p14="http://schemas.microsoft.com/office/powerpoint/2010/main" val="1010910858"/>
+                <p14:modId xmlns:p14="http://schemas.microsoft.com/office/powerpoint/2010/main" val="257980212"/>
               </p:ext>
             </p:extLst>
           </p:nvPr>
         </p:nvGraphicFramePr>
         <p:xfrm>
-          <a:off x="8173340" y="2241072"/>
-          <a:ext cx="1037334" cy="1135912"/>
+          <a:off x="8162175" y="2586083"/>
+          <a:ext cx="1022784" cy="1419890"/>
         </p:xfrm>
         <a:graphic>
           <a:graphicData uri="http://schemas.openxmlformats.org/drawingml/2006/table">
@@ -5479,9 +6074,9 @@
                 <a:tableStyleId>{5C22544A-7EE6-4342-B048-85BDC9FD1C3A}</a:tableStyleId>
               </a:tblPr>
               <a:tblGrid>
-                <a:gridCol w="345778"/>
-                <a:gridCol w="345778"/>
-                <a:gridCol w="345778"/>
+                <a:gridCol w="340928"/>
+                <a:gridCol w="340928"/>
+                <a:gridCol w="340928"/>
               </a:tblGrid>
               <a:tr h="283978">
                 <a:tc>
@@ -5492,7 +6087,7 @@
                       <a:pPr algn="ctr"/>
                       <a:r>
                         <a:rPr kumimoji="1" lang="en-US" altLang="ja-JP" sz="900" dirty="0" smtClean="0"/>
-                        <a:t>ID</a:t>
+                        <a:t>id</a:t>
                       </a:r>
                       <a:endParaRPr kumimoji="1" lang="ja-JP" altLang="en-US" sz="900" dirty="0"/>
                     </a:p>
@@ -5507,7 +6102,7 @@
                       <a:pPr algn="ctr"/>
                       <a:r>
                         <a:rPr kumimoji="1" lang="en-US" altLang="ja-JP" sz="900" dirty="0" smtClean="0"/>
-                        <a:t>HT</a:t>
+                        <a:t>tad</a:t>
                       </a:r>
                       <a:endParaRPr kumimoji="1" lang="ja-JP" altLang="en-US" sz="900" dirty="0"/>
                     </a:p>
@@ -5522,7 +6117,7 @@
                       <a:pPr algn="ctr"/>
                       <a:r>
                         <a:rPr kumimoji="1" lang="en-US" altLang="ja-JP" sz="900" dirty="0" smtClean="0"/>
-                        <a:t>IBW</a:t>
+                        <a:t>PD</a:t>
                       </a:r>
                       <a:endParaRPr kumimoji="1" lang="ja-JP" altLang="en-US" sz="900" dirty="0"/>
                     </a:p>
@@ -5560,8 +6155,15 @@
                     <a:p>
                       <a:pPr marL="0" algn="ctr" defTabSz="914400" rtl="0" eaLnBrk="1" latinLnBrk="0" hangingPunct="1"/>
                       <a:r>
-                        <a:rPr kumimoji="1" lang="en-US" altLang="ja-JP" sz="900" kern="1200" dirty="0" smtClean="0"/>
-                        <a:t>160</a:t>
+                        <a:rPr kumimoji="1" lang="en-US" altLang="ja-JP" sz="900" kern="1200" dirty="0" smtClean="0">
+                          <a:solidFill>
+                            <a:schemeClr val="dk1"/>
+                          </a:solidFill>
+                          <a:latin typeface="+mn-lt"/>
+                          <a:ea typeface="+mn-ea"/>
+                          <a:cs typeface="+mn-cs"/>
+                        </a:rPr>
+                        <a:t>0</a:t>
                       </a:r>
                       <a:endParaRPr kumimoji="1" lang="ja-JP" altLang="en-US" sz="900" kern="1200" dirty="0">
                         <a:solidFill>
@@ -5590,7 +6192,7 @@
                           <a:ea typeface="+mn-ea"/>
                           <a:cs typeface="+mn-cs"/>
                         </a:rPr>
-                        <a:t>56.32</a:t>
+                        <a:t>100</a:t>
                       </a:r>
                       <a:endParaRPr kumimoji="1" lang="ja-JP" altLang="en-US" sz="900" kern="1200" dirty="0">
                         <a:solidFill>
@@ -5614,6 +6216,53 @@
                       <a:pPr algn="ctr"/>
                       <a:r>
                         <a:rPr kumimoji="1" lang="en-US" altLang="ja-JP" sz="900" dirty="0" smtClean="0"/>
+                        <a:t>1</a:t>
+                      </a:r>
+                      <a:endParaRPr kumimoji="1" lang="ja-JP" altLang="en-US" sz="900" dirty="0"/>
+                    </a:p>
+                  </a:txBody>
+                  <a:tcPr marL="36000" marR="36000" marT="36000" marB="36000" anchor="ctr"/>
+                </a:tc>
+                <a:tc>
+                  <a:txBody>
+                    <a:bodyPr/>
+                    <a:lstStyle/>
+                    <a:p>
+                      <a:pPr algn="ctr"/>
+                      <a:r>
+                        <a:rPr kumimoji="1" lang="en-US" altLang="ja-JP" sz="900" dirty="0" smtClean="0"/>
+                        <a:t>1</a:t>
+                      </a:r>
+                      <a:endParaRPr kumimoji="1" lang="ja-JP" altLang="en-US" sz="900" dirty="0"/>
+                    </a:p>
+                  </a:txBody>
+                  <a:tcPr marL="36000" marR="36000" marT="36000" marB="36000" anchor="ctr"/>
+                </a:tc>
+                <a:tc>
+                  <a:txBody>
+                    <a:bodyPr/>
+                    <a:lstStyle/>
+                    <a:p>
+                      <a:pPr algn="ctr"/>
+                      <a:r>
+                        <a:rPr kumimoji="1" lang="en-US" altLang="ja-JP" sz="900" dirty="0" smtClean="0"/>
+                        <a:t>90</a:t>
+                      </a:r>
+                      <a:endParaRPr kumimoji="1" lang="ja-JP" altLang="en-US" sz="900" dirty="0"/>
+                    </a:p>
+                  </a:txBody>
+                  <a:tcPr marL="36000" marR="36000" marT="36000" marB="36000" anchor="ctr"/>
+                </a:tc>
+              </a:tr>
+              <a:tr h="283978">
+                <a:tc>
+                  <a:txBody>
+                    <a:bodyPr/>
+                    <a:lstStyle/>
+                    <a:p>
+                      <a:pPr algn="ctr"/>
+                      <a:r>
+                        <a:rPr kumimoji="1" lang="en-US" altLang="ja-JP" sz="900" dirty="0" smtClean="0"/>
                         <a:t>2</a:t>
                       </a:r>
                       <a:endParaRPr kumimoji="1" lang="ja-JP" altLang="en-US" sz="900" dirty="0"/>
@@ -5629,7 +6278,7 @@
                       <a:pPr algn="ctr"/>
                       <a:r>
                         <a:rPr kumimoji="1" lang="en-US" altLang="ja-JP" sz="900" dirty="0" smtClean="0"/>
-                        <a:t>170</a:t>
+                        <a:t>0</a:t>
                       </a:r>
                       <a:endParaRPr kumimoji="1" lang="ja-JP" altLang="en-US" sz="900" dirty="0"/>
                     </a:p>
@@ -5644,7 +6293,7 @@
                       <a:pPr algn="ctr"/>
                       <a:r>
                         <a:rPr kumimoji="1" lang="en-US" altLang="ja-JP" sz="900" dirty="0" smtClean="0"/>
-                        <a:t>63.58</a:t>
+                        <a:t>100</a:t>
                       </a:r>
                       <a:endParaRPr kumimoji="1" lang="ja-JP" altLang="en-US" sz="900" dirty="0"/>
                     </a:p>
@@ -5653,6 +6302,25 @@
                 </a:tc>
               </a:tr>
               <a:tr h="283978">
+                <a:tc>
+                  <a:txBody>
+                    <a:bodyPr/>
+                    <a:lstStyle/>
+                    <a:p>
+                      <a:pPr algn="ctr"/>
+                      <a:r>
+                        <a:rPr kumimoji="1" lang="en-US" altLang="ja-JP" sz="900" dirty="0" smtClean="0"/>
+                        <a:t>2</a:t>
+                      </a:r>
+                      <a:endParaRPr kumimoji="1" lang="ja-JP" altLang="en-US" sz="900" dirty="0"/>
+                    </a:p>
+                  </a:txBody>
+                  <a:tcPr marL="36000" marR="36000" marT="36000" marB="36000" anchor="ctr">
+                    <a:solidFill>
+                      <a:schemeClr val="accent2"/>
+                    </a:solidFill>
+                  </a:tcPr>
+                </a:tc>
                 <a:tc>
                   <a:txBody>
                     <a:bodyPr/>
@@ -5666,7 +6334,11 @@
                       <a:endParaRPr kumimoji="1" lang="ja-JP" altLang="en-US" sz="900" dirty="0"/>
                     </a:p>
                   </a:txBody>
-                  <a:tcPr marL="36000" marR="36000" marT="36000" marB="36000" anchor="ctr"/>
+                  <a:tcPr marL="36000" marR="36000" marT="36000" marB="36000" anchor="ctr">
+                    <a:solidFill>
+                      <a:schemeClr val="accent2"/>
+                    </a:solidFill>
+                  </a:tcPr>
                 </a:tc>
                 <a:tc>
                   <a:txBody>
@@ -5676,13 +6348,52 @@
                       <a:pPr algn="ctr"/>
                       <a:r>
                         <a:rPr kumimoji="1" lang="en-US" altLang="ja-JP" sz="900" dirty="0" smtClean="0"/>
-                        <a:t>180</a:t>
+                        <a:t>70</a:t>
                       </a:r>
                       <a:endParaRPr kumimoji="1" lang="ja-JP" altLang="en-US" sz="900" dirty="0"/>
                     </a:p>
                   </a:txBody>
-                  <a:tcPr marL="36000" marR="36000" marT="36000" marB="36000" anchor="ctr"/>
-                </a:tc>
+                  <a:tcPr marL="36000" marR="36000" marT="36000" marB="36000" anchor="ctr">
+                    <a:solidFill>
+                      <a:schemeClr val="accent2"/>
+                    </a:solidFill>
+                  </a:tcPr>
+                </a:tc>
+              </a:tr>
+            </a:tbl>
+          </a:graphicData>
+        </a:graphic>
+      </p:graphicFrame>
+      <p:graphicFrame>
+        <p:nvGraphicFramePr>
+          <p:cNvPr id="16" name="表 15"/>
+          <p:cNvGraphicFramePr>
+            <a:graphicFrameLocks noGrp="1"/>
+          </p:cNvGraphicFramePr>
+          <p:nvPr>
+            <p:extLst>
+              <p:ext uri="{D42A27DB-BD31-4B8C-83A1-F6EECF244321}">
+                <p14:modId xmlns:p14="http://schemas.microsoft.com/office/powerpoint/2010/main" val="2996823061"/>
+              </p:ext>
+            </p:extLst>
+          </p:nvPr>
+        </p:nvGraphicFramePr>
+        <p:xfrm>
+          <a:off x="10891641" y="2586083"/>
+          <a:ext cx="959253" cy="1987846"/>
+        </p:xfrm>
+        <a:graphic>
+          <a:graphicData uri="http://schemas.openxmlformats.org/drawingml/2006/table">
+            <a:tbl>
+              <a:tblPr firstRow="1" bandRow="1">
+                <a:tableStyleId>{5C22544A-7EE6-4342-B048-85BDC9FD1C3A}</a:tableStyleId>
+              </a:tblPr>
+              <a:tblGrid>
+                <a:gridCol w="319751"/>
+                <a:gridCol w="319751"/>
+                <a:gridCol w="319751"/>
+              </a:tblGrid>
+              <a:tr h="283978">
                 <a:tc>
                   <a:txBody>
                     <a:bodyPr/>
@@ -5691,7 +6402,1153 @@
                       <a:pPr algn="ctr"/>
                       <a:r>
                         <a:rPr kumimoji="1" lang="en-US" altLang="ja-JP" sz="900" dirty="0" smtClean="0"/>
-                        <a:t>71.28</a:t>
+                        <a:t>ID</a:t>
+                      </a:r>
+                      <a:endParaRPr kumimoji="1" lang="ja-JP" altLang="en-US" sz="900" dirty="0"/>
+                    </a:p>
+                  </a:txBody>
+                  <a:tcPr marL="36000" marR="36000" marT="36000" marB="36000" anchor="ctr"/>
+                </a:tc>
+                <a:tc>
+                  <a:txBody>
+                    <a:bodyPr/>
+                    <a:lstStyle/>
+                    <a:p>
+                      <a:pPr algn="ctr"/>
+                      <a:r>
+                        <a:rPr kumimoji="1" lang="en-US" altLang="ja-JP" sz="900" dirty="0" smtClean="0"/>
+                        <a:t>TIME</a:t>
+                      </a:r>
+                      <a:endParaRPr kumimoji="1" lang="ja-JP" altLang="en-US" sz="900" dirty="0"/>
+                    </a:p>
+                  </a:txBody>
+                  <a:tcPr marL="36000" marR="36000" marT="36000" marB="36000" anchor="ctr"/>
+                </a:tc>
+                <a:tc>
+                  <a:txBody>
+                    <a:bodyPr/>
+                    <a:lstStyle/>
+                    <a:p>
+                      <a:pPr algn="ctr"/>
+                      <a:r>
+                        <a:rPr kumimoji="1" lang="en-US" altLang="ja-JP" sz="900" dirty="0" smtClean="0"/>
+                        <a:t>PD</a:t>
+                      </a:r>
+                      <a:endParaRPr kumimoji="1" lang="ja-JP" altLang="en-US" sz="900" dirty="0"/>
+                    </a:p>
+                  </a:txBody>
+                  <a:tcPr marL="36000" marR="36000" marT="36000" marB="36000" anchor="ctr"/>
+                </a:tc>
+              </a:tr>
+              <a:tr h="283978">
+                <a:tc>
+                  <a:txBody>
+                    <a:bodyPr/>
+                    <a:lstStyle/>
+                    <a:p>
+                      <a:pPr marL="0" algn="ctr" defTabSz="914400" rtl="0" eaLnBrk="1" latinLnBrk="0" hangingPunct="1"/>
+                      <a:r>
+                        <a:rPr kumimoji="1" lang="en-US" altLang="ja-JP" sz="900" kern="1200" dirty="0" smtClean="0"/>
+                        <a:t>1</a:t>
+                      </a:r>
+                      <a:endParaRPr kumimoji="1" lang="ja-JP" altLang="en-US" sz="900" kern="1200" dirty="0">
+                        <a:solidFill>
+                          <a:schemeClr val="dk1"/>
+                        </a:solidFill>
+                        <a:latin typeface="+mn-lt"/>
+                        <a:ea typeface="+mn-ea"/>
+                        <a:cs typeface="+mn-cs"/>
+                      </a:endParaRPr>
+                    </a:p>
+                  </a:txBody>
+                  <a:tcPr marL="36000" marR="36000" marT="36000" marB="36000" anchor="ctr"/>
+                </a:tc>
+                <a:tc>
+                  <a:txBody>
+                    <a:bodyPr/>
+                    <a:lstStyle/>
+                    <a:p>
+                      <a:pPr marL="0" algn="ctr" defTabSz="914400" rtl="0" eaLnBrk="1" latinLnBrk="0" hangingPunct="1"/>
+                      <a:r>
+                        <a:rPr kumimoji="1" lang="en-US" altLang="ja-JP" sz="900" kern="1200" dirty="0" smtClean="0">
+                          <a:solidFill>
+                            <a:schemeClr val="dk1"/>
+                          </a:solidFill>
+                          <a:latin typeface="+mn-lt"/>
+                          <a:ea typeface="+mn-ea"/>
+                          <a:cs typeface="+mn-cs"/>
+                        </a:rPr>
+                        <a:t>0</a:t>
+                      </a:r>
+                      <a:endParaRPr kumimoji="1" lang="ja-JP" altLang="en-US" sz="900" kern="1200" dirty="0">
+                        <a:solidFill>
+                          <a:schemeClr val="dk1"/>
+                        </a:solidFill>
+                        <a:latin typeface="+mn-lt"/>
+                        <a:ea typeface="+mn-ea"/>
+                        <a:cs typeface="+mn-cs"/>
+                      </a:endParaRPr>
+                    </a:p>
+                  </a:txBody>
+                  <a:tcPr marL="36000" marR="36000" marT="36000" marB="36000" anchor="ctr"/>
+                </a:tc>
+                <a:tc>
+                  <a:txBody>
+                    <a:bodyPr/>
+                    <a:lstStyle/>
+                    <a:p>
+                      <a:pPr marL="0" algn="ctr" defTabSz="914400" rtl="0" eaLnBrk="1" latinLnBrk="0" hangingPunct="1"/>
+                      <a:r>
+                        <a:rPr kumimoji="1" lang="en-US" altLang="ja-JP" sz="900" kern="1200" dirty="0" smtClean="0">
+                          <a:solidFill>
+                            <a:schemeClr val="dk1"/>
+                          </a:solidFill>
+                          <a:latin typeface="+mn-lt"/>
+                          <a:ea typeface="+mn-ea"/>
+                          <a:cs typeface="+mn-cs"/>
+                        </a:rPr>
+                        <a:t>100</a:t>
+                      </a:r>
+                      <a:endParaRPr kumimoji="1" lang="ja-JP" altLang="en-US" sz="900" kern="1200" dirty="0">
+                        <a:solidFill>
+                          <a:schemeClr val="dk1"/>
+                        </a:solidFill>
+                        <a:latin typeface="+mn-lt"/>
+                        <a:ea typeface="+mn-ea"/>
+                        <a:cs typeface="+mn-cs"/>
+                      </a:endParaRPr>
+                    </a:p>
+                  </a:txBody>
+                  <a:tcPr marL="36000" marR="36000" marT="36000" marB="36000" anchor="ctr"/>
+                </a:tc>
+              </a:tr>
+              <a:tr h="283978">
+                <a:tc>
+                  <a:txBody>
+                    <a:bodyPr/>
+                    <a:lstStyle/>
+                    <a:p>
+                      <a:pPr algn="ctr"/>
+                      <a:r>
+                        <a:rPr kumimoji="1" lang="en-US" altLang="ja-JP" sz="900" dirty="0" smtClean="0"/>
+                        <a:t>1</a:t>
+                      </a:r>
+                      <a:endParaRPr kumimoji="1" lang="ja-JP" altLang="en-US" sz="900" dirty="0"/>
+                    </a:p>
+                  </a:txBody>
+                  <a:tcPr marL="36000" marR="36000" marT="36000" marB="36000" anchor="ctr"/>
+                </a:tc>
+                <a:tc>
+                  <a:txBody>
+                    <a:bodyPr/>
+                    <a:lstStyle/>
+                    <a:p>
+                      <a:pPr algn="ctr"/>
+                      <a:r>
+                        <a:rPr kumimoji="1" lang="en-US" altLang="ja-JP" sz="900" dirty="0" smtClean="0"/>
+                        <a:t>1</a:t>
+                      </a:r>
+                      <a:endParaRPr kumimoji="1" lang="ja-JP" altLang="en-US" sz="900" dirty="0"/>
+                    </a:p>
+                  </a:txBody>
+                  <a:tcPr marL="36000" marR="36000" marT="36000" marB="36000" anchor="ctr"/>
+                </a:tc>
+                <a:tc>
+                  <a:txBody>
+                    <a:bodyPr/>
+                    <a:lstStyle/>
+                    <a:p>
+                      <a:pPr algn="ctr"/>
+                      <a:r>
+                        <a:rPr kumimoji="1" lang="en-US" altLang="ja-JP" sz="900" dirty="0" smtClean="0"/>
+                        <a:t>90</a:t>
+                      </a:r>
+                      <a:endParaRPr kumimoji="1" lang="ja-JP" altLang="en-US" sz="900" dirty="0"/>
+                    </a:p>
+                  </a:txBody>
+                  <a:tcPr marL="36000" marR="36000" marT="36000" marB="36000" anchor="ctr"/>
+                </a:tc>
+              </a:tr>
+              <a:tr h="283978">
+                <a:tc>
+                  <a:txBody>
+                    <a:bodyPr/>
+                    <a:lstStyle/>
+                    <a:p>
+                      <a:pPr algn="ctr"/>
+                      <a:r>
+                        <a:rPr kumimoji="1" lang="en-US" altLang="ja-JP" sz="900" dirty="0" smtClean="0"/>
+                        <a:t>1</a:t>
+                      </a:r>
+                      <a:endParaRPr kumimoji="1" lang="ja-JP" altLang="en-US" sz="900" dirty="0"/>
+                    </a:p>
+                  </a:txBody>
+                  <a:tcPr marL="36000" marR="36000" marT="36000" marB="36000" anchor="ctr">
+                    <a:solidFill>
+                      <a:srgbClr val="00B050"/>
+                    </a:solidFill>
+                  </a:tcPr>
+                </a:tc>
+                <a:tc>
+                  <a:txBody>
+                    <a:bodyPr/>
+                    <a:lstStyle/>
+                    <a:p>
+                      <a:pPr algn="ctr"/>
+                      <a:r>
+                        <a:rPr kumimoji="1" lang="en-US" altLang="ja-JP" sz="900" dirty="0" smtClean="0"/>
+                        <a:t>2</a:t>
+                      </a:r>
+                      <a:endParaRPr kumimoji="1" lang="ja-JP" altLang="en-US" sz="900" dirty="0"/>
+                    </a:p>
+                  </a:txBody>
+                  <a:tcPr marL="36000" marR="36000" marT="36000" marB="36000" anchor="ctr">
+                    <a:solidFill>
+                      <a:srgbClr val="00B050"/>
+                    </a:solidFill>
+                  </a:tcPr>
+                </a:tc>
+                <a:tc>
+                  <a:txBody>
+                    <a:bodyPr/>
+                    <a:lstStyle/>
+                    <a:p>
+                      <a:pPr algn="ctr"/>
+                      <a:r>
+                        <a:rPr kumimoji="1" lang="en-US" altLang="ja-JP" sz="900" dirty="0" smtClean="0"/>
+                        <a:t>NA</a:t>
+                      </a:r>
+                      <a:endParaRPr kumimoji="1" lang="ja-JP" altLang="en-US" sz="900" dirty="0"/>
+                    </a:p>
+                  </a:txBody>
+                  <a:tcPr marL="36000" marR="36000" marT="36000" marB="36000" anchor="ctr">
+                    <a:solidFill>
+                      <a:srgbClr val="00B050"/>
+                    </a:solidFill>
+                  </a:tcPr>
+                </a:tc>
+              </a:tr>
+              <a:tr h="283978">
+                <a:tc>
+                  <a:txBody>
+                    <a:bodyPr/>
+                    <a:lstStyle/>
+                    <a:p>
+                      <a:pPr algn="ctr"/>
+                      <a:r>
+                        <a:rPr kumimoji="1" lang="en-US" altLang="ja-JP" sz="900" dirty="0" smtClean="0"/>
+                        <a:t>2</a:t>
+                      </a:r>
+                      <a:endParaRPr kumimoji="1" lang="ja-JP" altLang="en-US" sz="900" dirty="0"/>
+                    </a:p>
+                  </a:txBody>
+                  <a:tcPr marL="36000" marR="36000" marT="36000" marB="36000" anchor="ctr"/>
+                </a:tc>
+                <a:tc>
+                  <a:txBody>
+                    <a:bodyPr/>
+                    <a:lstStyle/>
+                    <a:p>
+                      <a:pPr algn="ctr"/>
+                      <a:r>
+                        <a:rPr kumimoji="1" lang="en-US" altLang="ja-JP" sz="900" dirty="0" smtClean="0"/>
+                        <a:t>0</a:t>
+                      </a:r>
+                      <a:endParaRPr kumimoji="1" lang="ja-JP" altLang="en-US" sz="900" dirty="0"/>
+                    </a:p>
+                  </a:txBody>
+                  <a:tcPr marL="36000" marR="36000" marT="36000" marB="36000" anchor="ctr"/>
+                </a:tc>
+                <a:tc>
+                  <a:txBody>
+                    <a:bodyPr/>
+                    <a:lstStyle/>
+                    <a:p>
+                      <a:pPr algn="ctr"/>
+                      <a:r>
+                        <a:rPr kumimoji="1" lang="en-US" altLang="ja-JP" sz="900" dirty="0" smtClean="0"/>
+                        <a:t>100</a:t>
+                      </a:r>
+                      <a:endParaRPr kumimoji="1" lang="ja-JP" altLang="en-US" sz="900" dirty="0"/>
+                    </a:p>
+                  </a:txBody>
+                  <a:tcPr marL="36000" marR="36000" marT="36000" marB="36000" anchor="ctr"/>
+                </a:tc>
+              </a:tr>
+              <a:tr h="283978">
+                <a:tc>
+                  <a:txBody>
+                    <a:bodyPr/>
+                    <a:lstStyle/>
+                    <a:p>
+                      <a:pPr algn="ctr"/>
+                      <a:r>
+                        <a:rPr kumimoji="1" lang="en-US" altLang="ja-JP" sz="900" dirty="0" smtClean="0"/>
+                        <a:t>2</a:t>
+                      </a:r>
+                      <a:endParaRPr kumimoji="1" lang="ja-JP" altLang="en-US" sz="900" dirty="0"/>
+                    </a:p>
+                  </a:txBody>
+                  <a:tcPr marL="36000" marR="36000" marT="36000" marB="36000" anchor="ctr">
+                    <a:solidFill>
+                      <a:srgbClr val="00B050"/>
+                    </a:solidFill>
+                  </a:tcPr>
+                </a:tc>
+                <a:tc>
+                  <a:txBody>
+                    <a:bodyPr/>
+                    <a:lstStyle/>
+                    <a:p>
+                      <a:pPr algn="ctr"/>
+                      <a:r>
+                        <a:rPr kumimoji="1" lang="en-US" altLang="ja-JP" sz="900" dirty="0" smtClean="0"/>
+                        <a:t>2</a:t>
+                      </a:r>
+                      <a:endParaRPr kumimoji="1" lang="ja-JP" altLang="en-US" sz="900" dirty="0"/>
+                    </a:p>
+                  </a:txBody>
+                  <a:tcPr marL="36000" marR="36000" marT="36000" marB="36000" anchor="ctr">
+                    <a:solidFill>
+                      <a:srgbClr val="00B050"/>
+                    </a:solidFill>
+                  </a:tcPr>
+                </a:tc>
+                <a:tc>
+                  <a:txBody>
+                    <a:bodyPr/>
+                    <a:lstStyle/>
+                    <a:p>
+                      <a:pPr algn="ctr"/>
+                      <a:r>
+                        <a:rPr kumimoji="1" lang="en-US" altLang="ja-JP" sz="900" dirty="0" smtClean="0"/>
+                        <a:t>NA</a:t>
+                      </a:r>
+                      <a:endParaRPr kumimoji="1" lang="ja-JP" altLang="en-US" sz="900" dirty="0"/>
+                    </a:p>
+                  </a:txBody>
+                  <a:tcPr marL="36000" marR="36000" marT="36000" marB="36000" anchor="ctr">
+                    <a:solidFill>
+                      <a:srgbClr val="00B050"/>
+                    </a:solidFill>
+                  </a:tcPr>
+                </a:tc>
+              </a:tr>
+              <a:tr h="283978">
+                <a:tc>
+                  <a:txBody>
+                    <a:bodyPr/>
+                    <a:lstStyle/>
+                    <a:p>
+                      <a:pPr algn="ctr"/>
+                      <a:r>
+                        <a:rPr kumimoji="1" lang="en-US" altLang="ja-JP" sz="900" dirty="0" smtClean="0"/>
+                        <a:t>2</a:t>
+                      </a:r>
+                      <a:endParaRPr kumimoji="1" lang="ja-JP" altLang="en-US" sz="900" dirty="0"/>
+                    </a:p>
+                  </a:txBody>
+                  <a:tcPr marL="36000" marR="36000" marT="36000" marB="36000" anchor="ctr">
+                    <a:solidFill>
+                      <a:srgbClr val="00B050"/>
+                    </a:solidFill>
+                  </a:tcPr>
+                </a:tc>
+                <a:tc>
+                  <a:txBody>
+                    <a:bodyPr/>
+                    <a:lstStyle/>
+                    <a:p>
+                      <a:pPr algn="ctr"/>
+                      <a:r>
+                        <a:rPr kumimoji="1" lang="en-US" altLang="ja-JP" sz="900" dirty="0" smtClean="0"/>
+                        <a:t>4</a:t>
+                      </a:r>
+                      <a:endParaRPr kumimoji="1" lang="ja-JP" altLang="en-US" sz="900" dirty="0"/>
+                    </a:p>
+                  </a:txBody>
+                  <a:tcPr marL="36000" marR="36000" marT="36000" marB="36000" anchor="ctr">
+                    <a:solidFill>
+                      <a:srgbClr val="00B050"/>
+                    </a:solidFill>
+                  </a:tcPr>
+                </a:tc>
+                <a:tc>
+                  <a:txBody>
+                    <a:bodyPr/>
+                    <a:lstStyle/>
+                    <a:p>
+                      <a:pPr algn="ctr"/>
+                      <a:r>
+                        <a:rPr kumimoji="1" lang="en-US" altLang="ja-JP" sz="900" dirty="0" smtClean="0"/>
+                        <a:t>NA</a:t>
+                      </a:r>
+                      <a:endParaRPr kumimoji="1" lang="ja-JP" altLang="en-US" sz="900" dirty="0"/>
+                    </a:p>
+                  </a:txBody>
+                  <a:tcPr marL="36000" marR="36000" marT="36000" marB="36000" anchor="ctr">
+                    <a:solidFill>
+                      <a:srgbClr val="00B050"/>
+                    </a:solidFill>
+                  </a:tcPr>
+                </a:tc>
+              </a:tr>
+            </a:tbl>
+          </a:graphicData>
+        </a:graphic>
+      </p:graphicFrame>
+      <p:graphicFrame>
+        <p:nvGraphicFramePr>
+          <p:cNvPr id="17" name="表 16"/>
+          <p:cNvGraphicFramePr>
+            <a:graphicFrameLocks noGrp="1"/>
+          </p:cNvGraphicFramePr>
+          <p:nvPr>
+            <p:extLst>
+              <p:ext uri="{D42A27DB-BD31-4B8C-83A1-F6EECF244321}">
+                <p14:modId xmlns:p14="http://schemas.microsoft.com/office/powerpoint/2010/main" val="2232124352"/>
+              </p:ext>
+            </p:extLst>
+          </p:nvPr>
+        </p:nvGraphicFramePr>
+        <p:xfrm>
+          <a:off x="7103101" y="4822011"/>
+          <a:ext cx="947508" cy="1703868"/>
+        </p:xfrm>
+        <a:graphic>
+          <a:graphicData uri="http://schemas.openxmlformats.org/drawingml/2006/table">
+            <a:tbl>
+              <a:tblPr firstRow="1" bandRow="1">
+                <a:tableStyleId>{5C22544A-7EE6-4342-B048-85BDC9FD1C3A}</a:tableStyleId>
+              </a:tblPr>
+              <a:tblGrid>
+                <a:gridCol w="315836"/>
+                <a:gridCol w="315836"/>
+                <a:gridCol w="315836"/>
+              </a:tblGrid>
+              <a:tr h="283978">
+                <a:tc>
+                  <a:txBody>
+                    <a:bodyPr/>
+                    <a:lstStyle/>
+                    <a:p>
+                      <a:pPr algn="ctr"/>
+                      <a:r>
+                        <a:rPr kumimoji="1" lang="en-US" altLang="ja-JP" sz="900" dirty="0" smtClean="0"/>
+                        <a:t>ID</a:t>
+                      </a:r>
+                      <a:endParaRPr kumimoji="1" lang="ja-JP" altLang="en-US" sz="900" dirty="0"/>
+                    </a:p>
+                  </a:txBody>
+                  <a:tcPr marL="36000" marR="36000" marT="36000" marB="36000" anchor="ctr"/>
+                </a:tc>
+                <a:tc>
+                  <a:txBody>
+                    <a:bodyPr/>
+                    <a:lstStyle/>
+                    <a:p>
+                      <a:pPr algn="ctr"/>
+                      <a:r>
+                        <a:rPr kumimoji="1" lang="en-US" altLang="ja-JP" sz="900" dirty="0" smtClean="0"/>
+                        <a:t>TIME</a:t>
+                      </a:r>
+                      <a:endParaRPr kumimoji="1" lang="ja-JP" altLang="en-US" sz="900" dirty="0"/>
+                    </a:p>
+                  </a:txBody>
+                  <a:tcPr marL="36000" marR="36000" marT="36000" marB="36000" anchor="ctr"/>
+                </a:tc>
+                <a:tc>
+                  <a:txBody>
+                    <a:bodyPr/>
+                    <a:lstStyle/>
+                    <a:p>
+                      <a:pPr algn="ctr"/>
+                      <a:r>
+                        <a:rPr kumimoji="1" lang="en-US" altLang="ja-JP" sz="900" dirty="0" smtClean="0"/>
+                        <a:t>MDV</a:t>
+                      </a:r>
+                      <a:endParaRPr kumimoji="1" lang="ja-JP" altLang="en-US" sz="900" dirty="0"/>
+                    </a:p>
+                  </a:txBody>
+                  <a:tcPr marL="36000" marR="36000" marT="36000" marB="36000" anchor="ctr"/>
+                </a:tc>
+              </a:tr>
+              <a:tr h="283978">
+                <a:tc>
+                  <a:txBody>
+                    <a:bodyPr/>
+                    <a:lstStyle/>
+                    <a:p>
+                      <a:pPr marL="0" algn="ctr" defTabSz="914400" rtl="0" eaLnBrk="1" latinLnBrk="0" hangingPunct="1"/>
+                      <a:r>
+                        <a:rPr kumimoji="1" lang="en-US" altLang="ja-JP" sz="900" kern="1200" dirty="0" smtClean="0"/>
+                        <a:t>1</a:t>
+                      </a:r>
+                      <a:endParaRPr kumimoji="1" lang="ja-JP" altLang="en-US" sz="900" kern="1200" dirty="0">
+                        <a:solidFill>
+                          <a:schemeClr val="dk1"/>
+                        </a:solidFill>
+                        <a:latin typeface="+mn-lt"/>
+                        <a:ea typeface="+mn-ea"/>
+                        <a:cs typeface="+mn-cs"/>
+                      </a:endParaRPr>
+                    </a:p>
+                  </a:txBody>
+                  <a:tcPr marL="36000" marR="36000" marT="36000" marB="36000" anchor="ctr"/>
+                </a:tc>
+                <a:tc>
+                  <a:txBody>
+                    <a:bodyPr/>
+                    <a:lstStyle/>
+                    <a:p>
+                      <a:pPr marL="0" algn="ctr" defTabSz="914400" rtl="0" eaLnBrk="1" latinLnBrk="0" hangingPunct="1"/>
+                      <a:r>
+                        <a:rPr kumimoji="1" lang="en-US" altLang="ja-JP" sz="900" kern="1200" dirty="0" smtClean="0"/>
+                        <a:t>0</a:t>
+                      </a:r>
+                      <a:endParaRPr kumimoji="1" lang="ja-JP" altLang="en-US" sz="900" kern="1200" dirty="0">
+                        <a:solidFill>
+                          <a:schemeClr val="dk1"/>
+                        </a:solidFill>
+                        <a:latin typeface="+mn-lt"/>
+                        <a:ea typeface="+mn-ea"/>
+                        <a:cs typeface="+mn-cs"/>
+                      </a:endParaRPr>
+                    </a:p>
+                  </a:txBody>
+                  <a:tcPr marL="36000" marR="36000" marT="36000" marB="36000" anchor="ctr"/>
+                </a:tc>
+                <a:tc>
+                  <a:txBody>
+                    <a:bodyPr/>
+                    <a:lstStyle/>
+                    <a:p>
+                      <a:pPr marL="0" algn="ctr" defTabSz="914400" rtl="0" eaLnBrk="1" latinLnBrk="0" hangingPunct="1"/>
+                      <a:r>
+                        <a:rPr kumimoji="1" lang="en-US" altLang="ja-JP" sz="900" kern="1200" dirty="0" smtClean="0">
+                          <a:solidFill>
+                            <a:schemeClr val="dk1"/>
+                          </a:solidFill>
+                          <a:latin typeface="+mn-lt"/>
+                          <a:ea typeface="+mn-ea"/>
+                          <a:cs typeface="+mn-cs"/>
+                        </a:rPr>
+                        <a:t>0</a:t>
+                      </a:r>
+                      <a:endParaRPr kumimoji="1" lang="ja-JP" altLang="en-US" sz="900" kern="1200" dirty="0">
+                        <a:solidFill>
+                          <a:schemeClr val="dk1"/>
+                        </a:solidFill>
+                        <a:latin typeface="+mn-lt"/>
+                        <a:ea typeface="+mn-ea"/>
+                        <a:cs typeface="+mn-cs"/>
+                      </a:endParaRPr>
+                    </a:p>
+                  </a:txBody>
+                  <a:tcPr marL="36000" marR="36000" marT="36000" marB="36000" anchor="ctr"/>
+                </a:tc>
+              </a:tr>
+              <a:tr h="283978">
+                <a:tc>
+                  <a:txBody>
+                    <a:bodyPr/>
+                    <a:lstStyle/>
+                    <a:p>
+                      <a:pPr algn="ctr"/>
+                      <a:r>
+                        <a:rPr kumimoji="1" lang="en-US" altLang="ja-JP" sz="900" dirty="0" smtClean="0"/>
+                        <a:t>2</a:t>
+                      </a:r>
+                      <a:endParaRPr kumimoji="1" lang="ja-JP" altLang="en-US" sz="900" dirty="0"/>
+                    </a:p>
+                  </a:txBody>
+                  <a:tcPr marL="36000" marR="36000" marT="36000" marB="36000" anchor="ctr"/>
+                </a:tc>
+                <a:tc>
+                  <a:txBody>
+                    <a:bodyPr/>
+                    <a:lstStyle/>
+                    <a:p>
+                      <a:pPr algn="ctr"/>
+                      <a:r>
+                        <a:rPr kumimoji="1" lang="en-US" altLang="ja-JP" sz="900" dirty="0" smtClean="0"/>
+                        <a:t>0</a:t>
+                      </a:r>
+                      <a:endParaRPr kumimoji="1" lang="ja-JP" altLang="en-US" sz="900" dirty="0"/>
+                    </a:p>
+                  </a:txBody>
+                  <a:tcPr marL="36000" marR="36000" marT="36000" marB="36000" anchor="ctr"/>
+                </a:tc>
+                <a:tc>
+                  <a:txBody>
+                    <a:bodyPr/>
+                    <a:lstStyle/>
+                    <a:p>
+                      <a:pPr algn="ctr"/>
+                      <a:r>
+                        <a:rPr kumimoji="1" lang="en-US" altLang="ja-JP" sz="900" dirty="0" smtClean="0"/>
+                        <a:t>1</a:t>
+                      </a:r>
+                      <a:endParaRPr kumimoji="1" lang="ja-JP" altLang="en-US" sz="900" dirty="0"/>
+                    </a:p>
+                  </a:txBody>
+                  <a:tcPr marL="36000" marR="36000" marT="36000" marB="36000" anchor="ctr"/>
+                </a:tc>
+              </a:tr>
+              <a:tr h="283978">
+                <a:tc>
+                  <a:txBody>
+                    <a:bodyPr/>
+                    <a:lstStyle/>
+                    <a:p>
+                      <a:pPr algn="ctr"/>
+                      <a:r>
+                        <a:rPr kumimoji="1" lang="en-US" altLang="ja-JP" sz="900" dirty="0" smtClean="0"/>
+                        <a:t>1</a:t>
+                      </a:r>
+                      <a:endParaRPr kumimoji="1" lang="ja-JP" altLang="en-US" sz="900" dirty="0"/>
+                    </a:p>
+                  </a:txBody>
+                  <a:tcPr marL="36000" marR="36000" marT="36000" marB="36000" anchor="ctr"/>
+                </a:tc>
+                <a:tc>
+                  <a:txBody>
+                    <a:bodyPr/>
+                    <a:lstStyle/>
+                    <a:p>
+                      <a:pPr algn="ctr"/>
+                      <a:r>
+                        <a:rPr kumimoji="1" lang="en-US" altLang="ja-JP" sz="900" dirty="0" smtClean="0"/>
+                        <a:t>0</a:t>
+                      </a:r>
+                      <a:endParaRPr kumimoji="1" lang="ja-JP" altLang="en-US" sz="900" dirty="0"/>
+                    </a:p>
+                  </a:txBody>
+                  <a:tcPr marL="36000" marR="36000" marT="36000" marB="36000" anchor="ctr"/>
+                </a:tc>
+                <a:tc>
+                  <a:txBody>
+                    <a:bodyPr/>
+                    <a:lstStyle/>
+                    <a:p>
+                      <a:pPr algn="ctr"/>
+                      <a:r>
+                        <a:rPr kumimoji="1" lang="en-US" altLang="ja-JP" sz="900" dirty="0" smtClean="0"/>
+                        <a:t>1</a:t>
+                      </a:r>
+                      <a:endParaRPr kumimoji="1" lang="ja-JP" altLang="en-US" sz="900" dirty="0"/>
+                    </a:p>
+                  </a:txBody>
+                  <a:tcPr marL="36000" marR="36000" marT="36000" marB="36000" anchor="ctr"/>
+                </a:tc>
+              </a:tr>
+              <a:tr h="283978">
+                <a:tc>
+                  <a:txBody>
+                    <a:bodyPr/>
+                    <a:lstStyle/>
+                    <a:p>
+                      <a:pPr algn="ctr"/>
+                      <a:r>
+                        <a:rPr kumimoji="1" lang="en-US" altLang="ja-JP" sz="900" dirty="0" smtClean="0"/>
+                        <a:t>1</a:t>
+                      </a:r>
+                      <a:endParaRPr kumimoji="1" lang="ja-JP" altLang="en-US" sz="900" dirty="0"/>
+                    </a:p>
+                  </a:txBody>
+                  <a:tcPr marL="36000" marR="36000" marT="36000" marB="36000" anchor="ctr"/>
+                </a:tc>
+                <a:tc>
+                  <a:txBody>
+                    <a:bodyPr/>
+                    <a:lstStyle/>
+                    <a:p>
+                      <a:pPr algn="ctr"/>
+                      <a:r>
+                        <a:rPr kumimoji="1" lang="en-US" altLang="ja-JP" sz="900" dirty="0" smtClean="0"/>
+                        <a:t>2</a:t>
+                      </a:r>
+                      <a:endParaRPr kumimoji="1" lang="ja-JP" altLang="en-US" sz="900" dirty="0"/>
+                    </a:p>
+                  </a:txBody>
+                  <a:tcPr marL="36000" marR="36000" marT="36000" marB="36000" anchor="ctr"/>
+                </a:tc>
+                <a:tc>
+                  <a:txBody>
+                    <a:bodyPr/>
+                    <a:lstStyle/>
+                    <a:p>
+                      <a:pPr algn="ctr"/>
+                      <a:r>
+                        <a:rPr kumimoji="1" lang="en-US" altLang="ja-JP" sz="900" dirty="0" smtClean="0"/>
+                        <a:t>0</a:t>
+                      </a:r>
+                      <a:endParaRPr kumimoji="1" lang="ja-JP" altLang="en-US" sz="900" dirty="0"/>
+                    </a:p>
+                  </a:txBody>
+                  <a:tcPr marL="36000" marR="36000" marT="36000" marB="36000" anchor="ctr"/>
+                </a:tc>
+              </a:tr>
+              <a:tr h="283978">
+                <a:tc>
+                  <a:txBody>
+                    <a:bodyPr/>
+                    <a:lstStyle/>
+                    <a:p>
+                      <a:pPr algn="ctr"/>
+                      <a:r>
+                        <a:rPr kumimoji="1" lang="en-US" altLang="ja-JP" sz="900" dirty="0" smtClean="0"/>
+                        <a:t>2</a:t>
+                      </a:r>
+                      <a:endParaRPr kumimoji="1" lang="ja-JP" altLang="en-US" sz="900" dirty="0"/>
+                    </a:p>
+                  </a:txBody>
+                  <a:tcPr marL="36000" marR="36000" marT="36000" marB="36000" anchor="ctr"/>
+                </a:tc>
+                <a:tc>
+                  <a:txBody>
+                    <a:bodyPr/>
+                    <a:lstStyle/>
+                    <a:p>
+                      <a:pPr algn="ctr"/>
+                      <a:r>
+                        <a:rPr kumimoji="1" lang="en-US" altLang="ja-JP" sz="900" dirty="0" smtClean="0"/>
+                        <a:t>2</a:t>
+                      </a:r>
+                      <a:endParaRPr kumimoji="1" lang="ja-JP" altLang="en-US" sz="900" dirty="0"/>
+                    </a:p>
+                  </a:txBody>
+                  <a:tcPr marL="36000" marR="36000" marT="36000" marB="36000" anchor="ctr"/>
+                </a:tc>
+                <a:tc>
+                  <a:txBody>
+                    <a:bodyPr/>
+                    <a:lstStyle/>
+                    <a:p>
+                      <a:pPr algn="ctr"/>
+                      <a:r>
+                        <a:rPr kumimoji="1" lang="en-US" altLang="ja-JP" sz="900" dirty="0" smtClean="0"/>
+                        <a:t>0</a:t>
+                      </a:r>
+                      <a:endParaRPr kumimoji="1" lang="ja-JP" altLang="en-US" sz="900" dirty="0"/>
+                    </a:p>
+                  </a:txBody>
+                  <a:tcPr marL="36000" marR="36000" marT="36000" marB="36000" anchor="ctr"/>
+                </a:tc>
+              </a:tr>
+            </a:tbl>
+          </a:graphicData>
+        </a:graphic>
+      </p:graphicFrame>
+      <p:sp>
+        <p:nvSpPr>
+          <p:cNvPr id="18" name="右矢印 17"/>
+          <p:cNvSpPr/>
+          <p:nvPr/>
+        </p:nvSpPr>
+        <p:spPr>
+          <a:xfrm>
+            <a:off x="8467388" y="5448965"/>
+            <a:ext cx="1233405" cy="449959"/>
+          </a:xfrm>
+          <a:prstGeom prst="rightArrow">
+            <a:avLst>
+              <a:gd name="adj1" fmla="val 100000"/>
+              <a:gd name="adj2" fmla="val 36463"/>
+            </a:avLst>
+          </a:prstGeom>
+          <a:solidFill>
+            <a:srgbClr val="92D050"/>
+          </a:solidFill>
+          <a:ln>
+            <a:noFill/>
+          </a:ln>
+        </p:spPr>
+        <p:style>
+          <a:lnRef idx="2">
+            <a:schemeClr val="accent1">
+              <a:shade val="50000"/>
+            </a:schemeClr>
+          </a:lnRef>
+          <a:fillRef idx="1">
+            <a:schemeClr val="accent1"/>
+          </a:fillRef>
+          <a:effectRef idx="0">
+            <a:schemeClr val="accent1"/>
+          </a:effectRef>
+          <a:fontRef idx="minor">
+            <a:schemeClr val="lt1"/>
+          </a:fontRef>
+        </p:style>
+        <p:txBody>
+          <a:bodyPr rtlCol="0" anchor="ctr"/>
+          <a:lstStyle/>
+          <a:p>
+            <a:pPr algn="ctr"/>
+            <a:r>
+              <a:rPr lang="en-US" altLang="ja-JP" sz="1000" dirty="0">
+                <a:solidFill>
+                  <a:schemeClr val="tx1"/>
+                </a:solidFill>
+              </a:rPr>
+              <a:t>arrange(ID, TIME, </a:t>
+            </a:r>
+            <a:r>
+              <a:rPr lang="en-US" altLang="ja-JP" sz="1000" dirty="0" err="1">
+                <a:solidFill>
+                  <a:schemeClr val="tx1"/>
+                </a:solidFill>
+              </a:rPr>
+              <a:t>desc</a:t>
+            </a:r>
+            <a:r>
+              <a:rPr lang="en-US" altLang="ja-JP" sz="1000" dirty="0">
+                <a:solidFill>
+                  <a:schemeClr val="tx1"/>
+                </a:solidFill>
+              </a:rPr>
+              <a:t>(MDV))</a:t>
+            </a:r>
+            <a:endParaRPr lang="en-US" altLang="ja-JP" sz="1000" dirty="0">
+              <a:solidFill>
+                <a:schemeClr val="tx1"/>
+              </a:solidFill>
+            </a:endParaRPr>
+          </a:p>
+        </p:txBody>
+      </p:sp>
+      <p:graphicFrame>
+        <p:nvGraphicFramePr>
+          <p:cNvPr id="19" name="表 18"/>
+          <p:cNvGraphicFramePr>
+            <a:graphicFrameLocks noGrp="1"/>
+          </p:cNvGraphicFramePr>
+          <p:nvPr>
+            <p:extLst>
+              <p:ext uri="{D42A27DB-BD31-4B8C-83A1-F6EECF244321}">
+                <p14:modId xmlns:p14="http://schemas.microsoft.com/office/powerpoint/2010/main" val="2895342472"/>
+              </p:ext>
+            </p:extLst>
+          </p:nvPr>
+        </p:nvGraphicFramePr>
+        <p:xfrm>
+          <a:off x="9944133" y="4816987"/>
+          <a:ext cx="947508" cy="1703868"/>
+        </p:xfrm>
+        <a:graphic>
+          <a:graphicData uri="http://schemas.openxmlformats.org/drawingml/2006/table">
+            <a:tbl>
+              <a:tblPr firstRow="1" bandRow="1">
+                <a:tableStyleId>{5C22544A-7EE6-4342-B048-85BDC9FD1C3A}</a:tableStyleId>
+              </a:tblPr>
+              <a:tblGrid>
+                <a:gridCol w="315836"/>
+                <a:gridCol w="315836"/>
+                <a:gridCol w="315836"/>
+              </a:tblGrid>
+              <a:tr h="283978">
+                <a:tc>
+                  <a:txBody>
+                    <a:bodyPr/>
+                    <a:lstStyle/>
+                    <a:p>
+                      <a:pPr algn="ctr"/>
+                      <a:r>
+                        <a:rPr kumimoji="1" lang="en-US" altLang="ja-JP" sz="900" dirty="0" smtClean="0"/>
+                        <a:t>ID</a:t>
+                      </a:r>
+                      <a:endParaRPr kumimoji="1" lang="ja-JP" altLang="en-US" sz="900" dirty="0"/>
+                    </a:p>
+                  </a:txBody>
+                  <a:tcPr marL="36000" marR="36000" marT="36000" marB="36000" anchor="ctr"/>
+                </a:tc>
+                <a:tc>
+                  <a:txBody>
+                    <a:bodyPr/>
+                    <a:lstStyle/>
+                    <a:p>
+                      <a:pPr algn="ctr"/>
+                      <a:r>
+                        <a:rPr kumimoji="1" lang="en-US" altLang="ja-JP" sz="900" dirty="0" smtClean="0"/>
+                        <a:t>TIME</a:t>
+                      </a:r>
+                      <a:endParaRPr kumimoji="1" lang="ja-JP" altLang="en-US" sz="900" dirty="0"/>
+                    </a:p>
+                  </a:txBody>
+                  <a:tcPr marL="36000" marR="36000" marT="36000" marB="36000" anchor="ctr"/>
+                </a:tc>
+                <a:tc>
+                  <a:txBody>
+                    <a:bodyPr/>
+                    <a:lstStyle/>
+                    <a:p>
+                      <a:pPr algn="ctr"/>
+                      <a:r>
+                        <a:rPr kumimoji="1" lang="en-US" altLang="ja-JP" sz="900" dirty="0" smtClean="0"/>
+                        <a:t>MDV</a:t>
+                      </a:r>
+                      <a:endParaRPr kumimoji="1" lang="ja-JP" altLang="en-US" sz="900" dirty="0"/>
+                    </a:p>
+                  </a:txBody>
+                  <a:tcPr marL="36000" marR="36000" marT="36000" marB="36000" anchor="ctr"/>
+                </a:tc>
+              </a:tr>
+              <a:tr h="283978">
+                <a:tc>
+                  <a:txBody>
+                    <a:bodyPr/>
+                    <a:lstStyle/>
+                    <a:p>
+                      <a:pPr marL="0" algn="ctr" defTabSz="914400" rtl="0" eaLnBrk="1" latinLnBrk="0" hangingPunct="1"/>
+                      <a:r>
+                        <a:rPr kumimoji="1" lang="en-US" altLang="ja-JP" sz="900" kern="1200" dirty="0" smtClean="0"/>
+                        <a:t>1</a:t>
+                      </a:r>
+                      <a:endParaRPr kumimoji="1" lang="ja-JP" altLang="en-US" sz="900" kern="1200" dirty="0">
+                        <a:solidFill>
+                          <a:schemeClr val="dk1"/>
+                        </a:solidFill>
+                        <a:latin typeface="+mn-lt"/>
+                        <a:ea typeface="+mn-ea"/>
+                        <a:cs typeface="+mn-cs"/>
+                      </a:endParaRPr>
+                    </a:p>
+                  </a:txBody>
+                  <a:tcPr marL="36000" marR="36000" marT="36000" marB="36000" anchor="ctr"/>
+                </a:tc>
+                <a:tc>
+                  <a:txBody>
+                    <a:bodyPr/>
+                    <a:lstStyle/>
+                    <a:p>
+                      <a:pPr marL="0" algn="ctr" defTabSz="914400" rtl="0" eaLnBrk="1" latinLnBrk="0" hangingPunct="1"/>
+                      <a:r>
+                        <a:rPr kumimoji="1" lang="en-US" altLang="ja-JP" sz="900" kern="1200" dirty="0" smtClean="0"/>
+                        <a:t>0</a:t>
+                      </a:r>
+                      <a:endParaRPr kumimoji="1" lang="ja-JP" altLang="en-US" sz="900" kern="1200" dirty="0">
+                        <a:solidFill>
+                          <a:schemeClr val="dk1"/>
+                        </a:solidFill>
+                        <a:latin typeface="+mn-lt"/>
+                        <a:ea typeface="+mn-ea"/>
+                        <a:cs typeface="+mn-cs"/>
+                      </a:endParaRPr>
+                    </a:p>
+                  </a:txBody>
+                  <a:tcPr marL="36000" marR="36000" marT="36000" marB="36000" anchor="ctr"/>
+                </a:tc>
+                <a:tc>
+                  <a:txBody>
+                    <a:bodyPr/>
+                    <a:lstStyle/>
+                    <a:p>
+                      <a:pPr marL="0" algn="ctr" defTabSz="914400" rtl="0" eaLnBrk="1" latinLnBrk="0" hangingPunct="1"/>
+                      <a:r>
+                        <a:rPr kumimoji="1" lang="en-US" altLang="ja-JP" sz="900" kern="1200" dirty="0" smtClean="0">
+                          <a:solidFill>
+                            <a:schemeClr val="dk1"/>
+                          </a:solidFill>
+                          <a:latin typeface="+mn-lt"/>
+                          <a:ea typeface="+mn-ea"/>
+                          <a:cs typeface="+mn-cs"/>
+                        </a:rPr>
+                        <a:t>1</a:t>
+                      </a:r>
+                      <a:endParaRPr kumimoji="1" lang="ja-JP" altLang="en-US" sz="900" kern="1200" dirty="0">
+                        <a:solidFill>
+                          <a:schemeClr val="dk1"/>
+                        </a:solidFill>
+                        <a:latin typeface="+mn-lt"/>
+                        <a:ea typeface="+mn-ea"/>
+                        <a:cs typeface="+mn-cs"/>
+                      </a:endParaRPr>
+                    </a:p>
+                  </a:txBody>
+                  <a:tcPr marL="36000" marR="36000" marT="36000" marB="36000" anchor="ctr"/>
+                </a:tc>
+              </a:tr>
+              <a:tr h="283978">
+                <a:tc>
+                  <a:txBody>
+                    <a:bodyPr/>
+                    <a:lstStyle/>
+                    <a:p>
+                      <a:pPr algn="ctr"/>
+                      <a:r>
+                        <a:rPr kumimoji="1" lang="en-US" altLang="ja-JP" sz="900" dirty="0" smtClean="0"/>
+                        <a:t>1</a:t>
+                      </a:r>
+                      <a:endParaRPr kumimoji="1" lang="ja-JP" altLang="en-US" sz="900" dirty="0"/>
+                    </a:p>
+                  </a:txBody>
+                  <a:tcPr marL="36000" marR="36000" marT="36000" marB="36000" anchor="ctr"/>
+                </a:tc>
+                <a:tc>
+                  <a:txBody>
+                    <a:bodyPr/>
+                    <a:lstStyle/>
+                    <a:p>
+                      <a:pPr algn="ctr"/>
+                      <a:r>
+                        <a:rPr kumimoji="1" lang="en-US" altLang="ja-JP" sz="900" dirty="0" smtClean="0"/>
+                        <a:t>0</a:t>
+                      </a:r>
+                      <a:endParaRPr kumimoji="1" lang="ja-JP" altLang="en-US" sz="900" dirty="0"/>
+                    </a:p>
+                  </a:txBody>
+                  <a:tcPr marL="36000" marR="36000" marT="36000" marB="36000" anchor="ctr"/>
+                </a:tc>
+                <a:tc>
+                  <a:txBody>
+                    <a:bodyPr/>
+                    <a:lstStyle/>
+                    <a:p>
+                      <a:pPr algn="ctr"/>
+                      <a:r>
+                        <a:rPr kumimoji="1" lang="en-US" altLang="ja-JP" sz="900" dirty="0" smtClean="0"/>
+                        <a:t>0</a:t>
+                      </a:r>
+                      <a:endParaRPr kumimoji="1" lang="ja-JP" altLang="en-US" sz="900" dirty="0"/>
+                    </a:p>
+                  </a:txBody>
+                  <a:tcPr marL="36000" marR="36000" marT="36000" marB="36000" anchor="ctr"/>
+                </a:tc>
+              </a:tr>
+              <a:tr h="283978">
+                <a:tc>
+                  <a:txBody>
+                    <a:bodyPr/>
+                    <a:lstStyle/>
+                    <a:p>
+                      <a:pPr algn="ctr"/>
+                      <a:r>
+                        <a:rPr kumimoji="1" lang="en-US" altLang="ja-JP" sz="900" dirty="0" smtClean="0"/>
+                        <a:t>1</a:t>
+                      </a:r>
+                      <a:endParaRPr kumimoji="1" lang="ja-JP" altLang="en-US" sz="900" dirty="0"/>
+                    </a:p>
+                  </a:txBody>
+                  <a:tcPr marL="36000" marR="36000" marT="36000" marB="36000" anchor="ctr"/>
+                </a:tc>
+                <a:tc>
+                  <a:txBody>
+                    <a:bodyPr/>
+                    <a:lstStyle/>
+                    <a:p>
+                      <a:pPr algn="ctr"/>
+                      <a:r>
+                        <a:rPr kumimoji="1" lang="en-US" altLang="ja-JP" sz="900" dirty="0" smtClean="0"/>
+                        <a:t>2</a:t>
+                      </a:r>
+                      <a:endParaRPr kumimoji="1" lang="ja-JP" altLang="en-US" sz="900" dirty="0"/>
+                    </a:p>
+                  </a:txBody>
+                  <a:tcPr marL="36000" marR="36000" marT="36000" marB="36000" anchor="ctr"/>
+                </a:tc>
+                <a:tc>
+                  <a:txBody>
+                    <a:bodyPr/>
+                    <a:lstStyle/>
+                    <a:p>
+                      <a:pPr algn="ctr"/>
+                      <a:r>
+                        <a:rPr kumimoji="1" lang="en-US" altLang="ja-JP" sz="900" dirty="0" smtClean="0"/>
+                        <a:t>0</a:t>
+                      </a:r>
+                      <a:endParaRPr kumimoji="1" lang="ja-JP" altLang="en-US" sz="900" dirty="0"/>
+                    </a:p>
+                  </a:txBody>
+                  <a:tcPr marL="36000" marR="36000" marT="36000" marB="36000" anchor="ctr"/>
+                </a:tc>
+              </a:tr>
+              <a:tr h="283978">
+                <a:tc>
+                  <a:txBody>
+                    <a:bodyPr/>
+                    <a:lstStyle/>
+                    <a:p>
+                      <a:pPr algn="ctr"/>
+                      <a:r>
+                        <a:rPr kumimoji="1" lang="en-US" altLang="ja-JP" sz="900" dirty="0" smtClean="0"/>
+                        <a:t>2</a:t>
+                      </a:r>
+                      <a:endParaRPr kumimoji="1" lang="ja-JP" altLang="en-US" sz="900" dirty="0"/>
+                    </a:p>
+                  </a:txBody>
+                  <a:tcPr marL="36000" marR="36000" marT="36000" marB="36000" anchor="ctr"/>
+                </a:tc>
+                <a:tc>
+                  <a:txBody>
+                    <a:bodyPr/>
+                    <a:lstStyle/>
+                    <a:p>
+                      <a:pPr algn="ctr"/>
+                      <a:r>
+                        <a:rPr kumimoji="1" lang="en-US" altLang="ja-JP" sz="900" dirty="0" smtClean="0"/>
+                        <a:t>0</a:t>
+                      </a:r>
+                      <a:endParaRPr kumimoji="1" lang="ja-JP" altLang="en-US" sz="900" dirty="0"/>
+                    </a:p>
+                  </a:txBody>
+                  <a:tcPr marL="36000" marR="36000" marT="36000" marB="36000" anchor="ctr"/>
+                </a:tc>
+                <a:tc>
+                  <a:txBody>
+                    <a:bodyPr/>
+                    <a:lstStyle/>
+                    <a:p>
+                      <a:pPr algn="ctr"/>
+                      <a:r>
+                        <a:rPr kumimoji="1" lang="en-US" altLang="ja-JP" sz="900" dirty="0" smtClean="0"/>
+                        <a:t>1</a:t>
+                      </a:r>
+                      <a:endParaRPr kumimoji="1" lang="ja-JP" altLang="en-US" sz="900" dirty="0"/>
+                    </a:p>
+                  </a:txBody>
+                  <a:tcPr marL="36000" marR="36000" marT="36000" marB="36000" anchor="ctr"/>
+                </a:tc>
+              </a:tr>
+              <a:tr h="283978">
+                <a:tc>
+                  <a:txBody>
+                    <a:bodyPr/>
+                    <a:lstStyle/>
+                    <a:p>
+                      <a:pPr algn="ctr"/>
+                      <a:r>
+                        <a:rPr kumimoji="1" lang="en-US" altLang="ja-JP" sz="900" dirty="0" smtClean="0"/>
+                        <a:t>2</a:t>
+                      </a:r>
+                      <a:endParaRPr kumimoji="1" lang="ja-JP" altLang="en-US" sz="900" dirty="0"/>
+                    </a:p>
+                  </a:txBody>
+                  <a:tcPr marL="36000" marR="36000" marT="36000" marB="36000" anchor="ctr"/>
+                </a:tc>
+                <a:tc>
+                  <a:txBody>
+                    <a:bodyPr/>
+                    <a:lstStyle/>
+                    <a:p>
+                      <a:pPr algn="ctr"/>
+                      <a:r>
+                        <a:rPr kumimoji="1" lang="en-US" altLang="ja-JP" sz="900" dirty="0" smtClean="0"/>
+                        <a:t>2</a:t>
+                      </a:r>
+                      <a:endParaRPr kumimoji="1" lang="ja-JP" altLang="en-US" sz="900" dirty="0"/>
+                    </a:p>
+                  </a:txBody>
+                  <a:tcPr marL="36000" marR="36000" marT="36000" marB="36000" anchor="ctr"/>
+                </a:tc>
+                <a:tc>
+                  <a:txBody>
+                    <a:bodyPr/>
+                    <a:lstStyle/>
+                    <a:p>
+                      <a:pPr algn="ctr"/>
+                      <a:r>
+                        <a:rPr kumimoji="1" lang="en-US" altLang="ja-JP" sz="900" dirty="0" smtClean="0"/>
+                        <a:t>0</a:t>
                       </a:r>
                       <a:endParaRPr kumimoji="1" lang="ja-JP" altLang="en-US" sz="900" dirty="0"/>
                     </a:p>
@@ -5756,43 +7613,57 @@
           <a:lstStyle/>
           <a:p>
             <a:r>
-              <a:rPr kumimoji="1" lang="en-US" altLang="ja-JP" b="1" dirty="0">
+              <a:rPr kumimoji="1" lang="ja-JP" altLang="en-US" dirty="0" smtClean="0"/>
+              <a:t>その他よく使う関数</a:t>
+            </a:r>
+            <a:r>
+              <a:rPr kumimoji="1" lang="en-US" altLang="ja-JP" dirty="0" smtClean="0"/>
+              <a:t/>
+            </a:r>
+            <a:br>
+              <a:rPr kumimoji="1" lang="en-US" altLang="ja-JP" dirty="0" smtClean="0"/>
+            </a:br>
+            <a:r>
+              <a:rPr lang="en-US" altLang="ja-JP" dirty="0" smtClean="0">
                 <a:solidFill>
-                  <a:schemeClr val="tx1">
-                    <a:lumMod val="50000"/>
-                    <a:lumOff val="50000"/>
-                  </a:schemeClr>
+                  <a:srgbClr val="0070C0"/>
                 </a:solidFill>
               </a:rPr>
-              <a:t>Data Visualization</a:t>
-            </a:r>
-            <a:endParaRPr kumimoji="1" lang="ja-JP" altLang="en-US" b="1" dirty="0">
+              <a:t>mutate</a:t>
+            </a:r>
+            <a:r>
+              <a:rPr lang="en-US" altLang="ja-JP" dirty="0" smtClean="0"/>
+              <a:t>,</a:t>
+            </a:r>
+            <a:r>
+              <a:rPr lang="ja-JP" altLang="en-US" dirty="0" smtClean="0"/>
+              <a:t> </a:t>
+            </a:r>
+            <a:r>
+              <a:rPr lang="en-US" altLang="ja-JP" dirty="0" err="1" smtClean="0">
+                <a:solidFill>
+                  <a:srgbClr val="0070C0"/>
+                </a:solidFill>
+              </a:rPr>
+              <a:t>expand.grid</a:t>
+            </a:r>
+            <a:r>
+              <a:rPr lang="en-US" altLang="ja-JP" dirty="0" smtClean="0"/>
+              <a:t>, </a:t>
+            </a:r>
+            <a:r>
+              <a:rPr lang="en-US" altLang="ja-JP" dirty="0" err="1" smtClean="0">
+                <a:solidFill>
+                  <a:srgbClr val="0070C0"/>
+                </a:solidFill>
+              </a:rPr>
+              <a:t>sample_n</a:t>
+            </a:r>
+            <a:endParaRPr kumimoji="1" lang="ja-JP" altLang="en-US" dirty="0">
               <a:solidFill>
-                <a:schemeClr val="tx1">
-                  <a:lumMod val="50000"/>
-                  <a:lumOff val="50000"/>
-                </a:schemeClr>
+                <a:srgbClr val="0070C0"/>
               </a:solidFill>
             </a:endParaRPr>
-          </a:p>
-        </p:txBody>
-      </p:sp>
-      <p:sp>
-        <p:nvSpPr>
-          <p:cNvPr id="3" name="コンテンツ プレースホルダー 2"/>
-          <p:cNvSpPr>
-            <a:spLocks noGrp="1"/>
-          </p:cNvSpPr>
-          <p:nvPr>
-            <p:ph idx="1"/>
-          </p:nvPr>
-        </p:nvSpPr>
-        <p:spPr/>
-        <p:txBody>
-          <a:bodyPr/>
-          <a:lstStyle/>
-          <a:p>
-            <a:endParaRPr kumimoji="1" lang="ja-JP" altLang="en-US" dirty="0"/>
           </a:p>
         </p:txBody>
       </p:sp>
@@ -5812,23 +7683,23 @@
           <a:lstStyle/>
           <a:p>
             <a:r>
-              <a:rPr lang="en-US" altLang="ja-JP"/>
+              <a:rPr lang="en-US" altLang="ja-JP" smtClean="0"/>
               <a:t>R</a:t>
             </a:r>
             <a:r>
-              <a:rPr lang="ja-JP" altLang="en-US"/>
+              <a:rPr lang="ja-JP" altLang="en-US" smtClean="0"/>
               <a:t> </a:t>
             </a:r>
             <a:r>
-              <a:rPr lang="en-US" altLang="ja-JP"/>
+              <a:rPr lang="en-US" altLang="ja-JP" smtClean="0"/>
               <a:t>for</a:t>
             </a:r>
             <a:r>
-              <a:rPr lang="ja-JP" altLang="en-US"/>
+              <a:rPr lang="ja-JP" altLang="en-US" smtClean="0"/>
               <a:t> </a:t>
             </a:r>
             <a:r>
-              <a:rPr lang="en-US" altLang="ja-JP"/>
+              <a:rPr lang="en-US" altLang="ja-JP" smtClean="0"/>
               <a:t>Pharmacometrics</a:t>
             </a:r>
             <a:endParaRPr lang="ja-JP" altLang="en-US" dirty="0"/>
@@ -5858,16 +7729,434 @@
           </a:p>
         </p:txBody>
       </p:sp>
+      <p:sp>
+        <p:nvSpPr>
+          <p:cNvPr id="6" name="コンテンツ プレースホルダー 2"/>
+          <p:cNvSpPr>
+            <a:spLocks noGrp="1"/>
+          </p:cNvSpPr>
+          <p:nvPr>
+            <p:ph idx="1"/>
+          </p:nvPr>
+        </p:nvSpPr>
+        <p:spPr>
+          <a:xfrm>
+            <a:off x="838200" y="1690690"/>
+            <a:ext cx="10515600" cy="5057773"/>
+          </a:xfrm>
+        </p:spPr>
+        <p:txBody>
+          <a:bodyPr>
+            <a:normAutofit/>
+          </a:bodyPr>
+          <a:lstStyle/>
+          <a:p>
+            <a:r>
+              <a:rPr lang="en-US" altLang="ja-JP" sz="2000" dirty="0" smtClean="0">
+                <a:solidFill>
+                  <a:srgbClr val="0070C0"/>
+                </a:solidFill>
+              </a:rPr>
+              <a:t>mutate</a:t>
+            </a:r>
+            <a:r>
+              <a:rPr lang="en-US" altLang="ja-JP" sz="2000" dirty="0" smtClean="0"/>
+              <a:t>: </a:t>
+            </a:r>
+            <a:r>
+              <a:rPr lang="ja-JP" altLang="en-US" sz="2000" dirty="0" smtClean="0"/>
+              <a:t>新たな列を作成する</a:t>
+            </a:r>
+            <a:endParaRPr lang="en-US" altLang="ja-JP" sz="2000" dirty="0" smtClean="0"/>
+          </a:p>
+          <a:p>
+            <a:pPr marL="457200" lvl="1" indent="0">
+              <a:buNone/>
+            </a:pPr>
+            <a:r>
+              <a:rPr lang="ja-JP" altLang="en-US" sz="1200" dirty="0"/>
+              <a:t>関数例</a:t>
+            </a:r>
+            <a:r>
+              <a:rPr lang="en-US" altLang="ja-JP" sz="1200" dirty="0"/>
+              <a:t>:  </a:t>
+            </a:r>
+            <a:r>
+              <a:rPr lang="en-US" altLang="ja-JP" sz="1200" dirty="0" err="1"/>
+              <a:t>nm_data</a:t>
+            </a:r>
+            <a:r>
+              <a:rPr lang="en-US" altLang="ja-JP" sz="1200" dirty="0"/>
+              <a:t> %&gt;% </a:t>
+            </a:r>
+            <a:r>
+              <a:rPr lang="en-US" altLang="ja-JP" sz="1200" dirty="0" smtClean="0">
+                <a:solidFill>
+                  <a:srgbClr val="0070C0"/>
+                </a:solidFill>
+              </a:rPr>
+              <a:t>mutate</a:t>
+            </a:r>
+            <a:r>
+              <a:rPr lang="en-US" altLang="ja-JP" sz="1200" dirty="0" smtClean="0"/>
+              <a:t>(IBW = 22 * (HT/100)^2)</a:t>
+            </a:r>
+            <a:endParaRPr lang="en-US" altLang="ja-JP" sz="1200" dirty="0"/>
+          </a:p>
+          <a:p>
+            <a:pPr marL="457200" lvl="1" indent="0">
+              <a:buNone/>
+            </a:pPr>
+            <a:r>
+              <a:rPr lang="ja-JP" altLang="en-US" sz="1200" dirty="0"/>
+              <a:t>意味： </a:t>
+            </a:r>
+            <a:r>
+              <a:rPr lang="en-US" altLang="ja-JP" sz="1200" dirty="0" err="1" smtClean="0"/>
+              <a:t>nm_data</a:t>
+            </a:r>
+            <a:r>
+              <a:rPr lang="ja-JP" altLang="en-US" sz="1200" dirty="0" smtClean="0"/>
+              <a:t>に新たに</a:t>
+            </a:r>
+            <a:r>
+              <a:rPr lang="en-US" altLang="ja-JP" sz="1200" dirty="0" smtClean="0"/>
+              <a:t>IBW(=22*(HT/100)^2)</a:t>
+            </a:r>
+            <a:r>
+              <a:rPr lang="ja-JP" altLang="en-US" sz="1200" dirty="0" smtClean="0"/>
+              <a:t>という列を</a:t>
+            </a:r>
+            <a:r>
+              <a:rPr lang="ja-JP" altLang="en-US" sz="1200" dirty="0" smtClean="0"/>
+              <a:t>作成</a:t>
+            </a:r>
+            <a:endParaRPr lang="en-US" altLang="ja-JP" sz="1200" dirty="0" smtClean="0"/>
+          </a:p>
+          <a:p>
+            <a:r>
+              <a:rPr lang="en-US" altLang="ja-JP" sz="2000" dirty="0" err="1" smtClean="0">
+                <a:solidFill>
+                  <a:srgbClr val="0070C0"/>
+                </a:solidFill>
+              </a:rPr>
+              <a:t>expand.grid</a:t>
+            </a:r>
+            <a:r>
+              <a:rPr lang="en-US" altLang="ja-JP" sz="2000" dirty="0" smtClean="0"/>
+              <a:t>: </a:t>
+            </a:r>
+            <a:r>
+              <a:rPr lang="ja-JP" altLang="en-US" sz="2000" dirty="0" smtClean="0"/>
+              <a:t>全ての組み合わせから成るデータを作成</a:t>
+            </a:r>
+            <a:endParaRPr lang="en-US" altLang="ja-JP" sz="2000" dirty="0" smtClean="0"/>
+          </a:p>
+          <a:p>
+            <a:pPr marL="457200" lvl="1" indent="0">
+              <a:buNone/>
+            </a:pPr>
+            <a:r>
+              <a:rPr lang="ja-JP" altLang="en-US" sz="1200" dirty="0"/>
+              <a:t>関数例</a:t>
+            </a:r>
+            <a:r>
+              <a:rPr lang="en-US" altLang="ja-JP" sz="1200" dirty="0"/>
+              <a:t>:  </a:t>
+            </a:r>
+            <a:r>
+              <a:rPr lang="en-US" altLang="ja-JP" sz="1200" dirty="0" err="1" smtClean="0"/>
+              <a:t>nm_data_e</a:t>
+            </a:r>
+            <a:r>
+              <a:rPr lang="en-US" altLang="ja-JP" sz="1200" dirty="0" smtClean="0"/>
+              <a:t> &lt;- </a:t>
+            </a:r>
+            <a:r>
+              <a:rPr lang="en-US" altLang="ja-JP" sz="1200" dirty="0" err="1" smtClean="0">
+                <a:solidFill>
+                  <a:srgbClr val="0070C0"/>
+                </a:solidFill>
+              </a:rPr>
+              <a:t>expand.grid</a:t>
+            </a:r>
+            <a:r>
+              <a:rPr lang="en-US" altLang="ja-JP" sz="1200" dirty="0" smtClean="0"/>
+              <a:t>(ID = 1:10, TIME=1:24) %&gt;% </a:t>
+            </a:r>
+            <a:r>
+              <a:rPr lang="en-US" altLang="ja-JP" sz="1200" dirty="0" err="1" smtClean="0">
+                <a:solidFill>
+                  <a:srgbClr val="0070C0"/>
+                </a:solidFill>
+              </a:rPr>
+              <a:t>as_tibble</a:t>
+            </a:r>
+            <a:r>
+              <a:rPr lang="en-US" altLang="ja-JP" sz="1200" dirty="0" smtClean="0"/>
+              <a:t>()</a:t>
+            </a:r>
+            <a:endParaRPr lang="en-US" altLang="ja-JP" sz="1200" dirty="0"/>
+          </a:p>
+          <a:p>
+            <a:pPr marL="457200" lvl="1" indent="0">
+              <a:buNone/>
+            </a:pPr>
+            <a:r>
+              <a:rPr lang="ja-JP" altLang="en-US" sz="1200" dirty="0"/>
+              <a:t>意味</a:t>
+            </a:r>
+            <a:r>
+              <a:rPr lang="ja-JP" altLang="en-US" sz="1200" dirty="0" smtClean="0"/>
+              <a:t>： </a:t>
+            </a:r>
+            <a:r>
+              <a:rPr lang="en-US" altLang="ja-JP" sz="1200" dirty="0" smtClean="0"/>
+              <a:t>ID=1~10</a:t>
+            </a:r>
+            <a:r>
+              <a:rPr lang="ja-JP" altLang="en-US" sz="1200" dirty="0" smtClean="0"/>
+              <a:t>について，</a:t>
+            </a:r>
+            <a:r>
+              <a:rPr lang="en-US" altLang="ja-JP" sz="1200" dirty="0" smtClean="0"/>
+              <a:t>TIME</a:t>
+            </a:r>
+            <a:r>
+              <a:rPr lang="ja-JP" altLang="en-US" sz="1200" dirty="0" smtClean="0"/>
+              <a:t>＝</a:t>
+            </a:r>
+            <a:r>
+              <a:rPr lang="en-US" altLang="ja-JP" sz="1200" dirty="0" smtClean="0"/>
+              <a:t>1~24</a:t>
+            </a:r>
+            <a:r>
+              <a:rPr lang="ja-JP" altLang="en-US" sz="1200" dirty="0" smtClean="0"/>
+              <a:t>の列を持つデータを作成し，</a:t>
+            </a:r>
+            <a:r>
+              <a:rPr lang="en-US" altLang="ja-JP" sz="1200" dirty="0" err="1" smtClean="0"/>
+              <a:t>tibble</a:t>
+            </a:r>
+            <a:r>
+              <a:rPr lang="ja-JP" altLang="en-US" sz="1200" dirty="0" smtClean="0"/>
+              <a:t>形式にして，</a:t>
+            </a:r>
+            <a:r>
+              <a:rPr lang="en-US" altLang="ja-JP" sz="1200" dirty="0" err="1" smtClean="0"/>
+              <a:t>nm_data_e</a:t>
+            </a:r>
+            <a:r>
+              <a:rPr lang="ja-JP" altLang="en-US" sz="1200" dirty="0" smtClean="0"/>
+              <a:t>に格納する</a:t>
+            </a:r>
+            <a:endParaRPr lang="en-US" altLang="ja-JP" sz="1200" dirty="0" smtClean="0"/>
+          </a:p>
+          <a:p>
+            <a:r>
+              <a:rPr lang="en-US" altLang="ja-JP" sz="2000" dirty="0" err="1" smtClean="0">
+                <a:solidFill>
+                  <a:srgbClr val="0070C0"/>
+                </a:solidFill>
+              </a:rPr>
+              <a:t>sample_n</a:t>
+            </a:r>
+            <a:r>
+              <a:rPr lang="en-US" altLang="ja-JP" sz="2000" dirty="0" smtClean="0"/>
+              <a:t>: </a:t>
+            </a:r>
+            <a:r>
+              <a:rPr lang="ja-JP" altLang="en-US" sz="2000" dirty="0" smtClean="0"/>
+              <a:t>データから（）の行をランダムに取り出す</a:t>
+            </a:r>
+            <a:endParaRPr lang="en-US" altLang="ja-JP" sz="2000" dirty="0" smtClean="0"/>
+          </a:p>
+          <a:p>
+            <a:pPr lvl="1"/>
+            <a:r>
+              <a:rPr lang="en-US" altLang="ja-JP" sz="1600" dirty="0" smtClean="0"/>
+              <a:t>replace=TRUE</a:t>
+            </a:r>
+            <a:r>
+              <a:rPr lang="ja-JP" altLang="en-US" sz="1600" dirty="0" smtClean="0"/>
+              <a:t>とすると復元抽出とする</a:t>
+            </a:r>
+            <a:endParaRPr lang="en-US" altLang="ja-JP" sz="1600" dirty="0" smtClean="0"/>
+          </a:p>
+          <a:p>
+            <a:pPr lvl="1"/>
+            <a:r>
+              <a:rPr lang="ja-JP" altLang="en-US" sz="1600" dirty="0"/>
+              <a:t>結果</a:t>
+            </a:r>
+            <a:r>
+              <a:rPr lang="ja-JP" altLang="en-US" sz="1600" dirty="0" smtClean="0"/>
+              <a:t>に再現性を残したい場合実行前に</a:t>
+            </a:r>
+            <a:r>
+              <a:rPr lang="en-US" altLang="ja-JP" sz="1600" dirty="0" err="1" smtClean="0"/>
+              <a:t>set.seed</a:t>
+            </a:r>
+            <a:r>
+              <a:rPr lang="en-US" altLang="ja-JP" sz="1600" dirty="0" smtClean="0"/>
+              <a:t>(</a:t>
+            </a:r>
+            <a:r>
+              <a:rPr lang="ja-JP" altLang="en-US" sz="1600" dirty="0" smtClean="0"/>
+              <a:t>任意の値</a:t>
+            </a:r>
+            <a:r>
+              <a:rPr lang="en-US" altLang="ja-JP" sz="1600" dirty="0" smtClean="0"/>
+              <a:t>)</a:t>
+            </a:r>
+            <a:r>
+              <a:rPr lang="ja-JP" altLang="en-US" sz="1600" dirty="0" smtClean="0"/>
+              <a:t>と書く</a:t>
+            </a:r>
+            <a:endParaRPr lang="en-US" altLang="ja-JP" sz="1600" dirty="0"/>
+          </a:p>
+          <a:p>
+            <a:pPr marL="457200" lvl="1" indent="0">
+              <a:buNone/>
+            </a:pPr>
+            <a:r>
+              <a:rPr lang="ja-JP" altLang="en-US" sz="1200" dirty="0"/>
+              <a:t>関数例</a:t>
+            </a:r>
+            <a:r>
+              <a:rPr lang="en-US" altLang="ja-JP" sz="1200" dirty="0"/>
+              <a:t>:  </a:t>
+            </a:r>
+            <a:r>
+              <a:rPr lang="en-US" altLang="ja-JP" sz="1200" dirty="0" err="1" smtClean="0"/>
+              <a:t>nm_data</a:t>
+            </a:r>
+            <a:r>
+              <a:rPr lang="ja-JP" altLang="en-US" sz="1200" dirty="0" smtClean="0"/>
+              <a:t> </a:t>
+            </a:r>
+            <a:r>
+              <a:rPr lang="en-US" altLang="ja-JP" sz="1200" dirty="0" smtClean="0"/>
+              <a:t>%&gt;% </a:t>
+            </a:r>
+            <a:r>
+              <a:rPr lang="en-US" altLang="ja-JP" sz="1200" dirty="0" err="1" smtClean="0">
+                <a:solidFill>
+                  <a:srgbClr val="0070C0"/>
+                </a:solidFill>
+              </a:rPr>
+              <a:t>group_by</a:t>
+            </a:r>
+            <a:r>
+              <a:rPr lang="en-US" altLang="ja-JP" sz="1200" dirty="0" smtClean="0"/>
+              <a:t>(ID) %&gt;% </a:t>
+            </a:r>
+            <a:r>
+              <a:rPr lang="en-US" altLang="ja-JP" sz="1200" dirty="0" smtClean="0">
+                <a:solidFill>
+                  <a:srgbClr val="0070C0"/>
+                </a:solidFill>
+              </a:rPr>
+              <a:t>slice</a:t>
+            </a:r>
+            <a:r>
+              <a:rPr lang="en-US" altLang="ja-JP" sz="1200" dirty="0" smtClean="0"/>
+              <a:t>(1) %&gt;% </a:t>
+            </a:r>
+            <a:r>
+              <a:rPr lang="en-US" altLang="ja-JP" sz="1200" dirty="0" smtClean="0">
+                <a:solidFill>
+                  <a:srgbClr val="0070C0"/>
+                </a:solidFill>
+              </a:rPr>
+              <a:t>ungroup</a:t>
+            </a:r>
+            <a:r>
+              <a:rPr lang="en-US" altLang="ja-JP" sz="1200" dirty="0" smtClean="0"/>
+              <a:t>()</a:t>
+            </a:r>
+            <a:r>
+              <a:rPr lang="en-US" altLang="ja-JP" sz="1200" dirty="0" smtClean="0">
+                <a:solidFill>
+                  <a:srgbClr val="0070C0"/>
+                </a:solidFill>
+              </a:rPr>
+              <a:t> </a:t>
+            </a:r>
+            <a:r>
+              <a:rPr lang="en-US" altLang="ja-JP" sz="1200" dirty="0" smtClean="0"/>
+              <a:t>%&gt;% </a:t>
+            </a:r>
+            <a:r>
+              <a:rPr lang="en-US" altLang="ja-JP" sz="1200" dirty="0" err="1" smtClean="0">
+                <a:solidFill>
+                  <a:srgbClr val="0070C0"/>
+                </a:solidFill>
+              </a:rPr>
+              <a:t>sample_n</a:t>
+            </a:r>
+            <a:r>
+              <a:rPr lang="en-US" altLang="ja-JP" sz="1200" dirty="0" smtClean="0"/>
+              <a:t>(1000, replace=TRUE)</a:t>
+            </a:r>
+            <a:endParaRPr lang="en-US" altLang="ja-JP" sz="1200" dirty="0"/>
+          </a:p>
+          <a:p>
+            <a:pPr marL="457200" lvl="1" indent="0">
+              <a:buNone/>
+            </a:pPr>
+            <a:r>
+              <a:rPr lang="ja-JP" altLang="en-US" sz="1200" dirty="0" smtClean="0"/>
+              <a:t>意味： </a:t>
+            </a:r>
+            <a:r>
+              <a:rPr lang="en-US" altLang="ja-JP" sz="1200" dirty="0" err="1" smtClean="0"/>
+              <a:t>nm_data</a:t>
+            </a:r>
+            <a:r>
+              <a:rPr lang="ja-JP" altLang="en-US" sz="1200" dirty="0" smtClean="0"/>
+              <a:t>をそれぞれ</a:t>
+            </a:r>
+            <a:r>
+              <a:rPr lang="en-US" altLang="ja-JP" sz="1200" dirty="0" smtClean="0"/>
+              <a:t>ID</a:t>
+            </a:r>
+            <a:r>
+              <a:rPr lang="ja-JP" altLang="en-US" sz="1200" dirty="0" smtClean="0"/>
+              <a:t>一行ずつにして，</a:t>
+            </a:r>
+            <a:r>
+              <a:rPr lang="en-US" altLang="ja-JP" sz="1200" dirty="0" smtClean="0"/>
+              <a:t>1000</a:t>
+            </a:r>
+            <a:r>
+              <a:rPr lang="ja-JP" altLang="en-US" sz="1200" dirty="0" smtClean="0"/>
+              <a:t>行ランダムに復元抽出する</a:t>
+            </a:r>
+            <a:endParaRPr lang="en-US" altLang="ja-JP" sz="2000" dirty="0"/>
+          </a:p>
+          <a:p>
+            <a:endParaRPr kumimoji="1" lang="ja-JP" altLang="en-US" dirty="0"/>
+          </a:p>
+        </p:txBody>
+      </p:sp>
     </p:spTree>
     <p:extLst>
       <p:ext uri="{BB962C8B-B14F-4D97-AF65-F5344CB8AC3E}">
-        <p14:creationId xmlns:p14="http://schemas.microsoft.com/office/powerpoint/2010/main" val="892071335"/>
+        <p14:creationId xmlns:p14="http://schemas.microsoft.com/office/powerpoint/2010/main" val="2591299416"/>
       </p:ext>
     </p:extLst>
   </p:cSld>
   <p:clrMapOvr>
     <a:masterClrMapping/>
   </p:clrMapOvr>
+  <p:timing>
+    <p:tnLst>
+      <p:par>
+        <p:cTn id="1" dur="indefinite" restart="never" nodeType="tmRoot"/>
+      </p:par>
+    </p:tnLst>
+  </p:timing>
 </p:sld>
 </file>
 
@@ -5904,7 +8193,7 @@
           <a:lstStyle/>
           <a:p>
             <a:r>
-              <a:rPr lang="en-US" altLang="ja-JP" b="1" dirty="0">
+              <a:rPr lang="ja-JP" altLang="en-US" dirty="0">
                 <a:solidFill>
                   <a:schemeClr val="tx1">
                     <a:lumMod val="50000"/>
@@ -5912,10 +8201,10 @@
                   </a:schemeClr>
                 </a:solidFill>
               </a:rPr>
-              <a:t>ggplot2</a:t>
-            </a:r>
-            <a:r>
-              <a:rPr lang="ja-JP" altLang="en-US" b="1" dirty="0">
+              <a:t>演習</a:t>
+            </a:r>
+            <a:r>
+              <a:rPr lang="en-US" altLang="ja-JP" dirty="0" smtClean="0">
                 <a:solidFill>
                   <a:schemeClr val="tx1">
                     <a:lumMod val="50000"/>
@@ -5923,28 +8212,9 @@
                   </a:schemeClr>
                 </a:solidFill>
               </a:rPr>
-              <a:t>の基本</a:t>
-            </a:r>
-            <a:r>
-              <a:rPr lang="en-US" altLang="ja-JP" dirty="0"/>
-              <a:t/>
-            </a:r>
-            <a:br>
-              <a:rPr lang="en-US" altLang="ja-JP" dirty="0"/>
-            </a:br>
-            <a:r>
-              <a:rPr lang="en-US" altLang="ja-JP" dirty="0" err="1">
-                <a:solidFill>
-                  <a:srgbClr val="0070C0"/>
-                </a:solidFill>
-              </a:rPr>
-              <a:t>ggplot</a:t>
-            </a:r>
-            <a:endParaRPr kumimoji="1" lang="ja-JP" altLang="en-US" dirty="0">
-              <a:solidFill>
-                <a:srgbClr val="0070C0"/>
-              </a:solidFill>
-            </a:endParaRPr>
+              <a:t>-2</a:t>
+            </a:r>
+            <a:endParaRPr kumimoji="1" lang="ja-JP" altLang="en-US" dirty="0"/>
           </a:p>
         </p:txBody>
       </p:sp>
@@ -5963,7 +8233,7 @@
           <a:bodyPr/>
           <a:lstStyle/>
           <a:p>
-            <a:endParaRPr kumimoji="1" lang="ja-JP" altLang="en-US" dirty="0"/>
+            <a:endParaRPr kumimoji="1" lang="ja-JP" altLang="en-US"/>
           </a:p>
         </p:txBody>
       </p:sp>
@@ -5983,23 +8253,23 @@
           <a:lstStyle/>
           <a:p>
             <a:r>
-              <a:rPr lang="en-US" altLang="ja-JP"/>
+              <a:rPr lang="en-US" altLang="ja-JP" smtClean="0"/>
               <a:t>R</a:t>
             </a:r>
             <a:r>
-              <a:rPr lang="ja-JP" altLang="en-US"/>
+              <a:rPr lang="ja-JP" altLang="en-US" smtClean="0"/>
               <a:t> </a:t>
             </a:r>
             <a:r>
-              <a:rPr lang="en-US" altLang="ja-JP"/>
+              <a:rPr lang="en-US" altLang="ja-JP" smtClean="0"/>
               <a:t>for</a:t>
             </a:r>
             <a:r>
-              <a:rPr lang="ja-JP" altLang="en-US"/>
+              <a:rPr lang="ja-JP" altLang="en-US" smtClean="0"/>
               <a:t> </a:t>
             </a:r>
             <a:r>
-              <a:rPr lang="en-US" altLang="ja-JP"/>
+              <a:rPr lang="en-US" altLang="ja-JP" smtClean="0"/>
               <a:t>Pharmacometrics</a:t>
             </a:r>
             <a:endParaRPr lang="ja-JP" altLang="en-US" dirty="0"/>
@@ -6032,7 +8302,7 @@
     </p:spTree>
     <p:extLst>
       <p:ext uri="{BB962C8B-B14F-4D97-AF65-F5344CB8AC3E}">
-        <p14:creationId xmlns:p14="http://schemas.microsoft.com/office/powerpoint/2010/main" val="1142184708"/>
+        <p14:creationId xmlns:p14="http://schemas.microsoft.com/office/powerpoint/2010/main" val="3452904091"/>
       </p:ext>
     </p:extLst>
   </p:cSld>
@@ -6075,7 +8345,7 @@
           <a:lstStyle/>
           <a:p>
             <a:r>
-              <a:rPr lang="ja-JP" altLang="en-US" b="1" dirty="0">
+              <a:rPr kumimoji="1" lang="en-US" altLang="ja-JP" b="1" dirty="0">
                 <a:solidFill>
                   <a:schemeClr val="tx1">
                     <a:lumMod val="50000"/>
@@ -6083,24 +8353,16 @@
                   </a:schemeClr>
                 </a:solidFill>
               </a:rPr>
-              <a:t>散布図の作成</a:t>
-            </a:r>
-            <a:r>
-              <a:rPr lang="en-US" altLang="ja-JP" dirty="0"/>
-              <a:t/>
-            </a:r>
-            <a:br>
-              <a:rPr lang="en-US" altLang="ja-JP" dirty="0"/>
-            </a:br>
-            <a:r>
-              <a:rPr lang="en-US" altLang="ja-JP" dirty="0" err="1">
-                <a:solidFill>
-                  <a:srgbClr val="0070C0"/>
-                </a:solidFill>
-              </a:rPr>
-              <a:t>geom_point</a:t>
-            </a:r>
-            <a:endParaRPr kumimoji="1" lang="ja-JP" altLang="en-US" u="sng" dirty="0"/>
+              <a:t>Data Visualization</a:t>
+            </a:r>
+            <a:endParaRPr kumimoji="1" lang="ja-JP" altLang="en-US" b="1" dirty="0">
+              <a:solidFill>
+                <a:schemeClr val="tx1">
+                  <a:lumMod val="50000"/>
+                  <a:lumOff val="50000"/>
+                </a:schemeClr>
+              </a:solidFill>
+            </a:endParaRPr>
           </a:p>
         </p:txBody>
       </p:sp>
@@ -6119,7 +8381,107 @@
           <a:bodyPr/>
           <a:lstStyle/>
           <a:p>
-            <a:endParaRPr kumimoji="1" lang="ja-JP" altLang="en-US"/>
+            <a:r>
+              <a:rPr kumimoji="1" lang="ja-JP" altLang="en-US" dirty="0" smtClean="0"/>
+              <a:t>データを元に図を作成し，目的とする確認を可視的に行う</a:t>
+            </a:r>
+            <a:endParaRPr kumimoji="1" lang="en-US" altLang="ja-JP" dirty="0" smtClean="0"/>
+          </a:p>
+          <a:p>
+            <a:r>
+              <a:rPr lang="en-US" altLang="ja-JP" dirty="0"/>
+              <a:t>R package </a:t>
+            </a:r>
+            <a:r>
+              <a:rPr lang="en-US" altLang="ja-JP" dirty="0" smtClean="0"/>
+              <a:t>“ggplot2” </a:t>
+            </a:r>
+            <a:r>
+              <a:rPr lang="ja-JP" altLang="en-US" dirty="0"/>
+              <a:t>を</a:t>
+            </a:r>
+            <a:r>
+              <a:rPr lang="ja-JP" altLang="en-US" dirty="0" smtClean="0"/>
+              <a:t>用いる</a:t>
+            </a:r>
+            <a:endParaRPr lang="en-US" altLang="ja-JP" dirty="0" smtClean="0"/>
+          </a:p>
+          <a:p>
+            <a:pPr lvl="1">
+              <a:buFont typeface="Wingdings" panose="05000000000000000000" pitchFamily="2" charset="2"/>
+              <a:buChar char="Ø"/>
+            </a:pPr>
+            <a:r>
+              <a:rPr lang="en-US" altLang="ja-JP" dirty="0"/>
+              <a:t>R studio</a:t>
+            </a:r>
+            <a:r>
+              <a:rPr lang="ja-JP" altLang="en-US" dirty="0"/>
+              <a:t>の</a:t>
+            </a:r>
+            <a:r>
+              <a:rPr lang="en-US" altLang="ja-JP" dirty="0" err="1"/>
+              <a:t>cheatsheet</a:t>
+            </a:r>
+            <a:r>
+              <a:rPr lang="ja-JP" altLang="en-US" dirty="0" smtClean="0"/>
+              <a:t>（</a:t>
+            </a:r>
+            <a:r>
+              <a:rPr lang="en-US" altLang="ja-JP" dirty="0">
+                <a:solidFill>
+                  <a:srgbClr val="FF0000"/>
+                </a:solidFill>
+              </a:rPr>
+              <a:t>Data Visualization </a:t>
+            </a:r>
+            <a:r>
+              <a:rPr lang="en-US" altLang="ja-JP" dirty="0" err="1">
+                <a:solidFill>
+                  <a:srgbClr val="FF0000"/>
+                </a:solidFill>
+              </a:rPr>
+              <a:t>Cheatsheet</a:t>
+            </a:r>
+            <a:r>
+              <a:rPr lang="ja-JP" altLang="en-US" dirty="0" smtClean="0"/>
+              <a:t>）</a:t>
+            </a:r>
+            <a:r>
+              <a:rPr lang="ja-JP" altLang="en-US" dirty="0"/>
+              <a:t>が</a:t>
+            </a:r>
+            <a:r>
+              <a:rPr lang="en-US" altLang="ja-JP" dirty="0"/>
+              <a:t/>
+            </a:r>
+            <a:br>
+              <a:rPr lang="en-US" altLang="ja-JP" dirty="0"/>
+            </a:br>
+            <a:r>
+              <a:rPr lang="ja-JP" altLang="en-US" dirty="0"/>
+              <a:t>非常に分かりやすい</a:t>
+            </a:r>
+            <a:r>
+              <a:rPr lang="en-US" altLang="ja-JP" dirty="0"/>
+              <a:t/>
+            </a:r>
+            <a:br>
+              <a:rPr lang="en-US" altLang="ja-JP" dirty="0"/>
+            </a:br>
+            <a:r>
+              <a:rPr lang="en-US" altLang="ja-JP" dirty="0">
+                <a:hlinkClick r:id="rId2"/>
+              </a:rPr>
+              <a:t>https://rstudio.com/resources/cheatsheets/</a:t>
+            </a:r>
+            <a:endParaRPr lang="en-US" altLang="ja-JP" dirty="0"/>
+          </a:p>
+          <a:p>
+            <a:endParaRPr lang="en-US" altLang="ja-JP" dirty="0"/>
+          </a:p>
+          <a:p>
+            <a:endParaRPr kumimoji="1" lang="ja-JP" altLang="en-US" dirty="0"/>
           </a:p>
         </p:txBody>
       </p:sp>
@@ -6188,13 +8550,20 @@
     </p:spTree>
     <p:extLst>
       <p:ext uri="{BB962C8B-B14F-4D97-AF65-F5344CB8AC3E}">
-        <p14:creationId xmlns:p14="http://schemas.microsoft.com/office/powerpoint/2010/main" val="2559533473"/>
+        <p14:creationId xmlns:p14="http://schemas.microsoft.com/office/powerpoint/2010/main" val="892071335"/>
       </p:ext>
     </p:extLst>
   </p:cSld>
   <p:clrMapOvr>
     <a:masterClrMapping/>
   </p:clrMapOvr>
+  <p:timing>
+    <p:tnLst>
+      <p:par>
+        <p:cTn id="1" dur="indefinite" restart="never" nodeType="tmRoot"/>
+      </p:par>
+    </p:tnLst>
+  </p:timing>
 </p:sld>
 </file>
 
@@ -6239,7 +8608,7 @@
                   </a:schemeClr>
                 </a:solidFill>
               </a:rPr>
-              <a:t>line plot</a:t>
+              <a:t>ggplot2</a:t>
             </a:r>
             <a:r>
               <a:rPr lang="ja-JP" altLang="en-US" b="1" dirty="0">
@@ -6250,7 +8619,7 @@
                   </a:schemeClr>
                 </a:solidFill>
               </a:rPr>
-              <a:t>の作成</a:t>
+              <a:t>の基本</a:t>
             </a:r>
             <a:r>
               <a:rPr lang="en-US" altLang="ja-JP" dirty="0"/>
@@ -6265,9 +8634,13 @@
                   <a:srgbClr val="0070C0"/>
                 </a:solidFill>
               </a:rPr>
-              <a:t>geom_line</a:t>
-            </a:r>
-            <a:endParaRPr kumimoji="1" lang="ja-JP" altLang="en-US" u="sng" dirty="0"/>
+              <a:t>ggplot</a:t>
+            </a:r>
+            <a:endParaRPr kumimoji="1" lang="ja-JP" altLang="en-US" dirty="0">
+              <a:solidFill>
+                <a:srgbClr val="0070C0"/>
+              </a:solidFill>
+            </a:endParaRPr>
           </a:p>
         </p:txBody>
       </p:sp>
@@ -6355,7 +8728,7 @@
     </p:spTree>
     <p:extLst>
       <p:ext uri="{BB962C8B-B14F-4D97-AF65-F5344CB8AC3E}">
-        <p14:creationId xmlns:p14="http://schemas.microsoft.com/office/powerpoint/2010/main" val="3036620404"/>
+        <p14:creationId xmlns:p14="http://schemas.microsoft.com/office/powerpoint/2010/main" val="1142184708"/>
       </p:ext>
     </p:extLst>
   </p:cSld>
@@ -6406,7 +8779,7 @@
                   </a:schemeClr>
                 </a:solidFill>
               </a:rPr>
-              <a:t>ヒストグラムの作成</a:t>
+              <a:t>散布図の作成</a:t>
             </a:r>
             <a:r>
               <a:rPr lang="en-US" altLang="ja-JP" dirty="0"/>
@@ -6421,13 +8794,9 @@
                   <a:srgbClr val="0070C0"/>
                 </a:solidFill>
               </a:rPr>
-              <a:t>geom_histogram</a:t>
-            </a:r>
-            <a:endParaRPr kumimoji="1" lang="ja-JP" altLang="en-US" dirty="0">
-              <a:solidFill>
-                <a:srgbClr val="0070C0"/>
-              </a:solidFill>
-            </a:endParaRPr>
+              <a:t>geom_point</a:t>
+            </a:r>
+            <a:endParaRPr kumimoji="1" lang="ja-JP" altLang="en-US" u="sng" dirty="0"/>
           </a:p>
         </p:txBody>
       </p:sp>
@@ -6515,7 +8884,7 @@
     </p:spTree>
     <p:extLst>
       <p:ext uri="{BB962C8B-B14F-4D97-AF65-F5344CB8AC3E}">
-        <p14:creationId xmlns:p14="http://schemas.microsoft.com/office/powerpoint/2010/main" val="4008939847"/>
+        <p14:creationId xmlns:p14="http://schemas.microsoft.com/office/powerpoint/2010/main" val="2559533473"/>
       </p:ext>
     </p:extLst>
   </p:cSld>
@@ -6558,6 +8927,17 @@
           <a:lstStyle/>
           <a:p>
             <a:r>
+              <a:rPr lang="en-US" altLang="ja-JP" b="1" dirty="0">
+                <a:solidFill>
+                  <a:schemeClr val="tx1">
+                    <a:lumMod val="50000"/>
+                    <a:lumOff val="50000"/>
+                  </a:schemeClr>
+                </a:solidFill>
+              </a:rPr>
+              <a:t>line plot</a:t>
+            </a:r>
+            <a:r>
               <a:rPr lang="ja-JP" altLang="en-US" b="1" dirty="0">
                 <a:solidFill>
                   <a:schemeClr val="tx1">
@@ -6566,29 +8946,7 @@
                   </a:schemeClr>
                 </a:solidFill>
               </a:rPr>
-              <a:t>箱</a:t>
-            </a:r>
-            <a:r>
-              <a:rPr lang="ja-JP" altLang="en-US" b="1" dirty="0" err="1">
-                <a:solidFill>
-                  <a:schemeClr val="tx1">
-                    <a:lumMod val="50000"/>
-                    <a:lumOff val="50000"/>
-                  </a:schemeClr>
-                </a:solidFill>
-              </a:rPr>
-              <a:t>ひげ</a:t>
-            </a:r>
-            <a:r>
-              <a:rPr lang="ja-JP" altLang="en-US" b="1" dirty="0">
-                <a:solidFill>
-                  <a:schemeClr val="tx1">
-                    <a:lumMod val="50000"/>
-                    <a:lumOff val="50000"/>
-                  </a:schemeClr>
-                </a:solidFill>
-              </a:rPr>
-              <a:t>図の作成</a:t>
+              <a:t>の作成</a:t>
             </a:r>
             <a:r>
               <a:rPr lang="en-US" altLang="ja-JP" dirty="0"/>
@@ -6603,9 +8961,9 @@
                   <a:srgbClr val="0070C0"/>
                 </a:solidFill>
               </a:rPr>
-              <a:t>geom_boxplot</a:t>
-            </a:r>
-            <a:endParaRPr kumimoji="1" lang="ja-JP" altLang="en-US" dirty="0"/>
+              <a:t>geom_line</a:t>
+            </a:r>
+            <a:endParaRPr kumimoji="1" lang="ja-JP" altLang="en-US" u="sng" dirty="0"/>
           </a:p>
         </p:txBody>
       </p:sp>
@@ -6624,7 +8982,7 @@
           <a:bodyPr/>
           <a:lstStyle/>
           <a:p>
-            <a:endParaRPr kumimoji="1" lang="ja-JP" altLang="en-US"/>
+            <a:endParaRPr kumimoji="1" lang="ja-JP" altLang="en-US" dirty="0"/>
           </a:p>
         </p:txBody>
       </p:sp>
@@ -6693,7 +9051,7 @@
     </p:spTree>
     <p:extLst>
       <p:ext uri="{BB962C8B-B14F-4D97-AF65-F5344CB8AC3E}">
-        <p14:creationId xmlns:p14="http://schemas.microsoft.com/office/powerpoint/2010/main" val="802725669"/>
+        <p14:creationId xmlns:p14="http://schemas.microsoft.com/office/powerpoint/2010/main" val="3036620404"/>
       </p:ext>
     </p:extLst>
   </p:cSld>
@@ -6744,25 +9102,26 @@
                   </a:schemeClr>
                 </a:solidFill>
               </a:rPr>
-              <a:t>演習</a:t>
-            </a:r>
-            <a:r>
-              <a:rPr lang="en-US" altLang="ja-JP" b="1" dirty="0">
+              <a:t>ヒストグラムの作成</a:t>
+            </a:r>
+            <a:r>
+              <a:rPr lang="en-US" altLang="ja-JP" dirty="0"/>
+              <a:t/>
+            </a:r>
+            <a:br>
+              <a:rPr lang="en-US" altLang="ja-JP" dirty="0"/>
+            </a:br>
+            <a:r>
+              <a:rPr lang="en-US" altLang="ja-JP" dirty="0" err="1">
                 <a:solidFill>
-                  <a:schemeClr val="tx1">
-                    <a:lumMod val="50000"/>
-                    <a:lumOff val="50000"/>
-                  </a:schemeClr>
+                  <a:srgbClr val="0070C0"/>
                 </a:solidFill>
               </a:rPr>
-              <a:t>-2</a:t>
-            </a:r>
-            <a:endParaRPr kumimoji="1" lang="ja-JP" altLang="en-US" b="1" dirty="0">
+              <a:t>geom_histogram</a:t>
+            </a:r>
+            <a:endParaRPr kumimoji="1" lang="ja-JP" altLang="en-US" dirty="0">
               <a:solidFill>
-                <a:schemeClr val="tx1">
-                  <a:lumMod val="50000"/>
-                  <a:lumOff val="50000"/>
-                </a:schemeClr>
+                <a:srgbClr val="0070C0"/>
               </a:solidFill>
             </a:endParaRPr>
           </a:p>
@@ -6852,20 +9211,13 @@
     </p:spTree>
     <p:extLst>
       <p:ext uri="{BB962C8B-B14F-4D97-AF65-F5344CB8AC3E}">
-        <p14:creationId xmlns:p14="http://schemas.microsoft.com/office/powerpoint/2010/main" val="572503469"/>
+        <p14:creationId xmlns:p14="http://schemas.microsoft.com/office/powerpoint/2010/main" val="4008939847"/>
       </p:ext>
     </p:extLst>
   </p:cSld>
   <p:clrMapOvr>
     <a:masterClrMapping/>
   </p:clrMapOvr>
-  <p:timing>
-    <p:tnLst>
-      <p:par>
-        <p:cTn id="1" dur="indefinite" restart="never" nodeType="tmRoot"/>
-      </p:par>
-    </p:tnLst>
-  </p:timing>
 </p:sld>
 </file>
 
@@ -6910,10 +9262,10 @@
                   </a:schemeClr>
                 </a:solidFill>
               </a:rPr>
-              <a:t>演習</a:t>
-            </a:r>
-            <a:r>
-              <a:rPr lang="en-US" altLang="ja-JP" b="1" dirty="0">
+              <a:t>箱</a:t>
+            </a:r>
+            <a:r>
+              <a:rPr lang="ja-JP" altLang="en-US" b="1" dirty="0" err="1">
                 <a:solidFill>
                   <a:schemeClr val="tx1">
                     <a:lumMod val="50000"/>
@@ -6921,7 +9273,7 @@
                   </a:schemeClr>
                 </a:solidFill>
               </a:rPr>
-              <a:t>-2</a:t>
+              <a:t>ひげ</a:t>
             </a:r>
             <a:r>
               <a:rPr lang="ja-JP" altLang="en-US" b="1" dirty="0">
@@ -6932,16 +9284,24 @@
                   </a:schemeClr>
                 </a:solidFill>
               </a:rPr>
-              <a:t>：回答</a:t>
-            </a:r>
-            <a:endParaRPr kumimoji="1" lang="ja-JP" altLang="en-US" b="1" dirty="0">
-              <a:solidFill>
-                <a:schemeClr val="tx1">
-                  <a:lumMod val="50000"/>
-                  <a:lumOff val="50000"/>
-                </a:schemeClr>
-              </a:solidFill>
-            </a:endParaRPr>
+              <a:t>図の作成</a:t>
+            </a:r>
+            <a:r>
+              <a:rPr lang="en-US" altLang="ja-JP" dirty="0"/>
+              <a:t/>
+            </a:r>
+            <a:br>
+              <a:rPr lang="en-US" altLang="ja-JP" dirty="0"/>
+            </a:br>
+            <a:r>
+              <a:rPr lang="en-US" altLang="ja-JP" dirty="0" err="1">
+                <a:solidFill>
+                  <a:srgbClr val="0070C0"/>
+                </a:solidFill>
+              </a:rPr>
+              <a:t>geom_boxplot</a:t>
+            </a:r>
+            <a:endParaRPr kumimoji="1" lang="ja-JP" altLang="en-US" dirty="0"/>
           </a:p>
         </p:txBody>
       </p:sp>
@@ -7029,20 +9389,13 @@
     </p:spTree>
     <p:extLst>
       <p:ext uri="{BB962C8B-B14F-4D97-AF65-F5344CB8AC3E}">
-        <p14:creationId xmlns:p14="http://schemas.microsoft.com/office/powerpoint/2010/main" val="1393010160"/>
+        <p14:creationId xmlns:p14="http://schemas.microsoft.com/office/powerpoint/2010/main" val="802725669"/>
       </p:ext>
     </p:extLst>
   </p:cSld>
   <p:clrMapOvr>
     <a:masterClrMapping/>
   </p:clrMapOvr>
-  <p:timing>
-    <p:tnLst>
-      <p:par>
-        <p:cTn id="1" dur="indefinite" restart="never" nodeType="tmRoot"/>
-      </p:par>
-    </p:tnLst>
-  </p:timing>
 </p:sld>
 </file>
 
@@ -7112,7 +9465,9 @@
         </p:nvSpPr>
         <p:spPr/>
         <p:txBody>
-          <a:bodyPr/>
+          <a:bodyPr>
+            <a:normAutofit lnSpcReduction="10000"/>
+          </a:bodyPr>
           <a:lstStyle/>
           <a:p>
             <a:r>
@@ -7147,7 +9502,19 @@
             </a:r>
             <a:r>
               <a:rPr lang="ja-JP" altLang="en-US" dirty="0" smtClean="0"/>
-              <a:t>スキル：データの読み込み，表示，計測，抜き出し，</a:t>
+              <a:t>スキルの説明</a:t>
+            </a:r>
+            <a:r>
+              <a:rPr lang="en-US" altLang="ja-JP" dirty="0" smtClean="0"/>
+              <a:t>-1</a:t>
+            </a:r>
+            <a:r>
+              <a:rPr lang="ja-JP" altLang="en-US" dirty="0" smtClean="0"/>
+              <a:t>：</a:t>
+            </a:r>
+            <a:r>
+              <a:rPr lang="ja-JP" altLang="en-US" dirty="0" smtClean="0"/>
+              <a:t>データの読み込み，表示，計測，抜き出し，</a:t>
             </a:r>
             <a:r>
               <a:rPr lang="ja-JP" altLang="en-US" dirty="0"/>
@@ -7173,34 +9540,85 @@
           <a:p>
             <a:pPr lvl="1"/>
             <a:r>
+              <a:rPr lang="ja-JP" altLang="en-US" dirty="0"/>
+              <a:t>必要なスキルの説明</a:t>
+            </a:r>
+            <a:r>
+              <a:rPr lang="en-US" altLang="ja-JP" dirty="0" smtClean="0"/>
+              <a:t>-2</a:t>
+            </a:r>
+            <a:r>
               <a:rPr lang="ja-JP" altLang="en-US" dirty="0" smtClean="0"/>
-              <a:t>その</a:t>
+              <a:t>：</a:t>
             </a:r>
             <a:r>
               <a:rPr lang="ja-JP" altLang="en-US" dirty="0"/>
-              <a:t>他</a:t>
+              <a:t>データの結合，並び替え，</a:t>
             </a:r>
             <a:r>
               <a:rPr lang="ja-JP" altLang="en-US" dirty="0" smtClean="0"/>
-              <a:t>によく使う関数</a:t>
-            </a:r>
-            <a:endParaRPr lang="en-US" altLang="ja-JP" dirty="0"/>
-          </a:p>
-          <a:p>
-            <a:r>
-              <a:rPr lang="en-US" altLang="ja-JP" dirty="0"/>
+              <a:t>整形</a:t>
+            </a:r>
+            <a:endParaRPr lang="en-US" altLang="ja-JP" dirty="0" smtClean="0"/>
+          </a:p>
+          <a:p>
+            <a:pPr lvl="1"/>
+            <a:r>
+              <a:rPr lang="ja-JP" altLang="en-US" dirty="0" smtClean="0"/>
+              <a:t>演習</a:t>
+            </a:r>
+            <a:r>
+              <a:rPr lang="en-US" altLang="ja-JP" dirty="0" smtClean="0"/>
+              <a:t>-2</a:t>
+            </a:r>
+          </a:p>
+          <a:p>
+            <a:r>
+              <a:rPr lang="en-US" altLang="ja-JP" dirty="0" smtClean="0"/>
               <a:t>Data Visualization</a:t>
             </a:r>
           </a:p>
           <a:p>
             <a:pPr lvl="1"/>
             <a:r>
+              <a:rPr lang="ja-JP" altLang="en-US" dirty="0" smtClean="0"/>
+              <a:t>必要</a:t>
+            </a:r>
+            <a:r>
               <a:rPr lang="ja-JP" altLang="en-US" dirty="0"/>
-              <a:t>必要な</a:t>
+              <a:t>な</a:t>
             </a:r>
             <a:r>
               <a:rPr lang="ja-JP" altLang="en-US" dirty="0" smtClean="0"/>
-              <a:t>スキル：</a:t>
+              <a:t>スキルの説明</a:t>
+            </a:r>
+            <a:r>
+              <a:rPr lang="en-US" altLang="ja-JP" dirty="0" smtClean="0"/>
+              <a:t>-3</a:t>
+            </a:r>
+            <a:r>
+              <a:rPr lang="ja-JP" altLang="en-US" dirty="0" smtClean="0"/>
+              <a:t>：</a:t>
+            </a:r>
+            <a:r>
+              <a:rPr lang="ja-JP" altLang="en-US" dirty="0" smtClean="0"/>
+              <a:t>散布図，折れ線グラフ</a:t>
+            </a:r>
+            <a:r>
+              <a:rPr lang="en-US" altLang="ja-JP" dirty="0" smtClean="0"/>
+              <a:t>, </a:t>
+            </a:r>
+            <a:r>
+              <a:rPr lang="ja-JP" altLang="en-US" dirty="0" smtClean="0"/>
+              <a:t>ヒストグラム，箱</a:t>
+            </a:r>
+            <a:r>
+              <a:rPr lang="ja-JP" altLang="en-US" dirty="0" err="1" smtClean="0"/>
+              <a:t>ひげ</a:t>
+            </a:r>
+            <a:r>
+              <a:rPr lang="ja-JP" altLang="en-US" dirty="0" smtClean="0"/>
+              <a:t>図</a:t>
             </a:r>
             <a:endParaRPr lang="en-US" altLang="ja-JP" dirty="0"/>
           </a:p>
@@ -7211,9 +9629,24 @@
               <a:t>演習</a:t>
             </a:r>
             <a:r>
-              <a:rPr lang="en-US" altLang="ja-JP" dirty="0"/>
-              <a:t>-2</a:t>
-            </a:r>
+              <a:rPr lang="en-US" altLang="ja-JP" dirty="0" smtClean="0"/>
+              <a:t>-3</a:t>
+            </a:r>
+          </a:p>
+          <a:p>
+            <a:r>
+              <a:rPr lang="ja-JP" altLang="en-US" dirty="0"/>
+              <a:t>便利</a:t>
+            </a:r>
+            <a:r>
+              <a:rPr lang="ja-JP" altLang="en-US" dirty="0" smtClean="0"/>
+              <a:t>な</a:t>
+            </a:r>
+            <a:r>
+              <a:rPr lang="ja-JP" altLang="en-US" dirty="0"/>
+              <a:t>機能</a:t>
+            </a:r>
+            <a:endParaRPr lang="en-US" altLang="ja-JP" dirty="0"/>
           </a:p>
         </p:txBody>
       </p:sp>
@@ -7233,23 +9666,23 @@
           <a:lstStyle/>
           <a:p>
             <a:r>
-              <a:rPr lang="en-US" altLang="ja-JP"/>
+              <a:rPr lang="en-US" altLang="ja-JP" dirty="0"/>
               <a:t>R</a:t>
             </a:r>
             <a:r>
-              <a:rPr lang="ja-JP" altLang="en-US"/>
+              <a:rPr lang="ja-JP" altLang="en-US" dirty="0"/>
               <a:t> </a:t>
             </a:r>
             <a:r>
-              <a:rPr lang="en-US" altLang="ja-JP"/>
+              <a:rPr lang="en-US" altLang="ja-JP" dirty="0"/>
               <a:t>for</a:t>
             </a:r>
             <a:r>
-              <a:rPr lang="ja-JP" altLang="en-US"/>
+              <a:rPr lang="ja-JP" altLang="en-US" dirty="0"/>
               <a:t> </a:t>
             </a:r>
             <a:r>
-              <a:rPr lang="en-US" altLang="ja-JP"/>
+              <a:rPr lang="en-US" altLang="ja-JP" dirty="0"/>
               <a:t>Pharmacometrics</a:t>
             </a:r>
             <a:endParaRPr lang="ja-JP" altLang="en-US" dirty="0"/>
@@ -7340,9 +9773,27 @@
                   </a:schemeClr>
                 </a:solidFill>
               </a:rPr>
-              <a:t>その他よく使う関数</a:t>
-            </a:r>
-            <a:endParaRPr kumimoji="1" lang="ja-JP" altLang="en-US" b="1" dirty="0"/>
+              <a:t>演習</a:t>
+            </a:r>
+            <a:r>
+              <a:rPr lang="en-US" altLang="ja-JP" b="1" dirty="0">
+                <a:solidFill>
+                  <a:schemeClr val="tx1">
+                    <a:lumMod val="50000"/>
+                    <a:lumOff val="50000"/>
+                  </a:schemeClr>
+                </a:solidFill>
+              </a:rPr>
+              <a:t>-2</a:t>
+            </a:r>
+            <a:endParaRPr kumimoji="1" lang="ja-JP" altLang="en-US" b="1" dirty="0">
+              <a:solidFill>
+                <a:schemeClr val="tx1">
+                  <a:lumMod val="50000"/>
+                  <a:lumOff val="50000"/>
+                </a:schemeClr>
+              </a:solidFill>
+            </a:endParaRPr>
           </a:p>
         </p:txBody>
       </p:sp>
@@ -7430,7 +9881,7 @@
     </p:spTree>
     <p:extLst>
       <p:ext uri="{BB962C8B-B14F-4D97-AF65-F5344CB8AC3E}">
-        <p14:creationId xmlns:p14="http://schemas.microsoft.com/office/powerpoint/2010/main" val="2511833603"/>
+        <p14:creationId xmlns:p14="http://schemas.microsoft.com/office/powerpoint/2010/main" val="572503469"/>
       </p:ext>
     </p:extLst>
   </p:cSld>
@@ -7480,28 +9931,6 @@
           <a:lstStyle/>
           <a:p>
             <a:r>
-              <a:rPr kumimoji="1" lang="en-US" altLang="ja-JP" b="1" dirty="0">
-                <a:solidFill>
-                  <a:schemeClr val="tx1">
-                    <a:lumMod val="50000"/>
-                    <a:lumOff val="50000"/>
-                  </a:schemeClr>
-                </a:solidFill>
-              </a:rPr>
-              <a:t>Advanced Topic</a:t>
-            </a:r>
-            <a:r>
-              <a:rPr kumimoji="1" lang="ja-JP" altLang="en-US" b="1" dirty="0">
-                <a:solidFill>
-                  <a:schemeClr val="tx1">
-                    <a:lumMod val="50000"/>
-                    <a:lumOff val="50000"/>
-                  </a:schemeClr>
-                </a:solidFill>
-              </a:rPr>
-              <a:t>：</a:t>
-            </a:r>
-            <a:r>
               <a:rPr lang="ja-JP" altLang="en-US" b="1" dirty="0">
                 <a:solidFill>
                   <a:schemeClr val="tx1">
@@ -7510,7 +9939,7 @@
                   </a:schemeClr>
                 </a:solidFill>
               </a:rPr>
-              <a:t>帳票の</a:t>
+              <a:t>演習</a:t>
             </a:r>
             <a:r>
               <a:rPr lang="en-US" altLang="ja-JP" b="1" dirty="0">
@@ -7521,7 +9950,7 @@
                   </a:schemeClr>
                 </a:solidFill>
               </a:rPr>
-              <a:t>word</a:t>
+              <a:t>-2</a:t>
             </a:r>
             <a:r>
               <a:rPr lang="ja-JP" altLang="en-US" b="1" dirty="0">
@@ -7532,59 +9961,14 @@
                   </a:schemeClr>
                 </a:solidFill>
               </a:rPr>
-              <a:t>出力</a:t>
-            </a:r>
-            <a:r>
-              <a:rPr lang="en-US" altLang="ja-JP" dirty="0">
-                <a:solidFill>
-                  <a:schemeClr val="tx1">
-                    <a:lumMod val="50000"/>
-                    <a:lumOff val="50000"/>
-                  </a:schemeClr>
-                </a:solidFill>
-              </a:rPr>
-              <a:t/>
-            </a:r>
-            <a:br>
-              <a:rPr lang="en-US" altLang="ja-JP" dirty="0">
-                <a:solidFill>
-                  <a:schemeClr val="tx1">
-                    <a:lumMod val="50000"/>
-                    <a:lumOff val="50000"/>
-                  </a:schemeClr>
-                </a:solidFill>
-              </a:rPr>
-            </a:br>
-            <a:r>
-              <a:rPr lang="en-US" altLang="ja-JP" dirty="0">
-                <a:solidFill>
-                  <a:srgbClr val="0070C0"/>
-                </a:solidFill>
-              </a:rPr>
-              <a:t>officer</a:t>
-            </a:r>
-            <a:r>
-              <a:rPr lang="en-US" altLang="ja-JP" dirty="0">
-                <a:solidFill>
-                  <a:schemeClr val="tx1">
-                    <a:lumMod val="50000"/>
-                    <a:lumOff val="50000"/>
-                  </a:schemeClr>
-                </a:solidFill>
-              </a:rPr>
-              <a:t>, </a:t>
-            </a:r>
-            <a:r>
-              <a:rPr lang="en-US" altLang="ja-JP" dirty="0" err="1">
-                <a:solidFill>
-                  <a:srgbClr val="0070C0"/>
-                </a:solidFill>
-              </a:rPr>
-              <a:t>flextable</a:t>
-            </a:r>
-            <a:endParaRPr kumimoji="1" lang="ja-JP" altLang="en-US" dirty="0">
+              <a:t>：回答</a:t>
+            </a:r>
+            <a:endParaRPr kumimoji="1" lang="ja-JP" altLang="en-US" b="1" dirty="0">
               <a:solidFill>
-                <a:srgbClr val="0070C0"/>
+                <a:schemeClr val="tx1">
+                  <a:lumMod val="50000"/>
+                  <a:lumOff val="50000"/>
+                </a:schemeClr>
               </a:solidFill>
             </a:endParaRPr>
           </a:p>
@@ -7605,7 +9989,7 @@
           <a:bodyPr/>
           <a:lstStyle/>
           <a:p>
-            <a:endParaRPr kumimoji="1" lang="ja-JP" altLang="en-US" dirty="0"/>
+            <a:endParaRPr kumimoji="1" lang="ja-JP" altLang="en-US"/>
           </a:p>
         </p:txBody>
       </p:sp>
@@ -7666,6 +10050,398 @@
             <a:fld id="{93256357-0251-4953-A9B8-633A05DE8E91}" type="slidenum">
               <a:rPr kumimoji="1" lang="ja-JP" altLang="en-US" smtClean="0"/>
               <a:t>21</a:t>
+            </a:fld>
+            <a:endParaRPr kumimoji="1" lang="ja-JP" altLang="en-US"/>
+          </a:p>
+        </p:txBody>
+      </p:sp>
+    </p:spTree>
+    <p:extLst>
+      <p:ext uri="{BB962C8B-B14F-4D97-AF65-F5344CB8AC3E}">
+        <p14:creationId xmlns:p14="http://schemas.microsoft.com/office/powerpoint/2010/main" val="1393010160"/>
+      </p:ext>
+    </p:extLst>
+  </p:cSld>
+  <p:clrMapOvr>
+    <a:masterClrMapping/>
+  </p:clrMapOvr>
+  <p:timing>
+    <p:tnLst>
+      <p:par>
+        <p:cTn id="1" dur="indefinite" restart="never" nodeType="tmRoot"/>
+      </p:par>
+    </p:tnLst>
+  </p:timing>
+</p:sld>
+</file>
+
+<file path=ppt/slides/slide22.xml><?xml version="1.0" encoding="utf-8"?>
+<p:sld xmlns:a="http://schemas.openxmlformats.org/drawingml/2006/main" xmlns:r="http://schemas.openxmlformats.org/officeDocument/2006/relationships" xmlns:p="http://schemas.openxmlformats.org/presentationml/2006/main">
+  <p:cSld>
+    <p:spTree>
+      <p:nvGrpSpPr>
+        <p:cNvPr id="1" name=""/>
+        <p:cNvGrpSpPr/>
+        <p:nvPr/>
+      </p:nvGrpSpPr>
+      <p:grpSpPr>
+        <a:xfrm>
+          <a:off x="0" y="0"/>
+          <a:ext cx="0" cy="0"/>
+          <a:chOff x="0" y="0"/>
+          <a:chExt cx="0" cy="0"/>
+        </a:xfrm>
+      </p:grpSpPr>
+      <p:sp>
+        <p:nvSpPr>
+          <p:cNvPr id="2" name="タイトル 1"/>
+          <p:cNvSpPr>
+            <a:spLocks noGrp="1"/>
+          </p:cNvSpPr>
+          <p:nvPr>
+            <p:ph type="title"/>
+          </p:nvPr>
+        </p:nvSpPr>
+        <p:spPr/>
+        <p:txBody>
+          <a:bodyPr/>
+          <a:lstStyle/>
+          <a:p>
+            <a:r>
+              <a:rPr lang="ja-JP" altLang="en-US" b="1" dirty="0">
+                <a:solidFill>
+                  <a:schemeClr val="tx1">
+                    <a:lumMod val="50000"/>
+                    <a:lumOff val="50000"/>
+                  </a:schemeClr>
+                </a:solidFill>
+              </a:rPr>
+              <a:t>その他よく使う関数</a:t>
+            </a:r>
+            <a:endParaRPr kumimoji="1" lang="ja-JP" altLang="en-US" b="1" dirty="0"/>
+          </a:p>
+        </p:txBody>
+      </p:sp>
+      <p:sp>
+        <p:nvSpPr>
+          <p:cNvPr id="3" name="コンテンツ プレースホルダー 2"/>
+          <p:cNvSpPr>
+            <a:spLocks noGrp="1"/>
+          </p:cNvSpPr>
+          <p:nvPr>
+            <p:ph idx="1"/>
+          </p:nvPr>
+        </p:nvSpPr>
+        <p:spPr/>
+        <p:txBody>
+          <a:bodyPr/>
+          <a:lstStyle/>
+          <a:p>
+            <a:endParaRPr kumimoji="1" lang="ja-JP" altLang="en-US"/>
+          </a:p>
+        </p:txBody>
+      </p:sp>
+      <p:sp>
+        <p:nvSpPr>
+          <p:cNvPr id="4" name="フッター プレースホルダー 3"/>
+          <p:cNvSpPr>
+            <a:spLocks noGrp="1"/>
+          </p:cNvSpPr>
+          <p:nvPr>
+            <p:ph type="ftr" sz="quarter" idx="11"/>
+          </p:nvPr>
+        </p:nvSpPr>
+        <p:spPr/>
+        <p:txBody>
+          <a:bodyPr/>
+          <a:lstStyle/>
+          <a:p>
+            <a:r>
+              <a:rPr lang="en-US" altLang="ja-JP"/>
+              <a:t>R</a:t>
+            </a:r>
+            <a:r>
+              <a:rPr lang="ja-JP" altLang="en-US"/>
+              <a:t> </a:t>
+            </a:r>
+            <a:r>
+              <a:rPr lang="en-US" altLang="ja-JP"/>
+              <a:t>for</a:t>
+            </a:r>
+            <a:r>
+              <a:rPr lang="ja-JP" altLang="en-US"/>
+              <a:t> </a:t>
+            </a:r>
+            <a:r>
+              <a:rPr lang="en-US" altLang="ja-JP"/>
+              <a:t>Pharmacometrics</a:t>
+            </a:r>
+            <a:endParaRPr lang="ja-JP" altLang="en-US" dirty="0"/>
+          </a:p>
+        </p:txBody>
+      </p:sp>
+      <p:sp>
+        <p:nvSpPr>
+          <p:cNvPr id="5" name="スライド番号プレースホルダー 4"/>
+          <p:cNvSpPr>
+            <a:spLocks noGrp="1"/>
+          </p:cNvSpPr>
+          <p:nvPr>
+            <p:ph type="sldNum" sz="quarter" idx="12"/>
+          </p:nvPr>
+        </p:nvSpPr>
+        <p:spPr/>
+        <p:txBody>
+          <a:bodyPr/>
+          <a:lstStyle/>
+          <a:p>
+            <a:fld id="{93256357-0251-4953-A9B8-633A05DE8E91}" type="slidenum">
+              <a:rPr kumimoji="1" lang="ja-JP" altLang="en-US" smtClean="0"/>
+              <a:t>22</a:t>
+            </a:fld>
+            <a:endParaRPr kumimoji="1" lang="ja-JP" altLang="en-US"/>
+          </a:p>
+        </p:txBody>
+      </p:sp>
+    </p:spTree>
+    <p:extLst>
+      <p:ext uri="{BB962C8B-B14F-4D97-AF65-F5344CB8AC3E}">
+        <p14:creationId xmlns:p14="http://schemas.microsoft.com/office/powerpoint/2010/main" val="2511833603"/>
+      </p:ext>
+    </p:extLst>
+  </p:cSld>
+  <p:clrMapOvr>
+    <a:masterClrMapping/>
+  </p:clrMapOvr>
+  <p:timing>
+    <p:tnLst>
+      <p:par>
+        <p:cTn id="1" dur="indefinite" restart="never" nodeType="tmRoot"/>
+      </p:par>
+    </p:tnLst>
+  </p:timing>
+</p:sld>
+</file>
+
+<file path=ppt/slides/slide23.xml><?xml version="1.0" encoding="utf-8"?>
+<p:sld xmlns:a="http://schemas.openxmlformats.org/drawingml/2006/main" xmlns:r="http://schemas.openxmlformats.org/officeDocument/2006/relationships" xmlns:p="http://schemas.openxmlformats.org/presentationml/2006/main">
+  <p:cSld>
+    <p:spTree>
+      <p:nvGrpSpPr>
+        <p:cNvPr id="1" name=""/>
+        <p:cNvGrpSpPr/>
+        <p:nvPr/>
+      </p:nvGrpSpPr>
+      <p:grpSpPr>
+        <a:xfrm>
+          <a:off x="0" y="0"/>
+          <a:ext cx="0" cy="0"/>
+          <a:chOff x="0" y="0"/>
+          <a:chExt cx="0" cy="0"/>
+        </a:xfrm>
+      </p:grpSpPr>
+      <p:sp>
+        <p:nvSpPr>
+          <p:cNvPr id="2" name="タイトル 1"/>
+          <p:cNvSpPr>
+            <a:spLocks noGrp="1"/>
+          </p:cNvSpPr>
+          <p:nvPr>
+            <p:ph type="title"/>
+          </p:nvPr>
+        </p:nvSpPr>
+        <p:spPr/>
+        <p:txBody>
+          <a:bodyPr/>
+          <a:lstStyle/>
+          <a:p>
+            <a:r>
+              <a:rPr kumimoji="1" lang="ja-JP" altLang="en-US" b="1" dirty="0" smtClean="0">
+                <a:solidFill>
+                  <a:schemeClr val="tx1">
+                    <a:lumMod val="50000"/>
+                    <a:lumOff val="50000"/>
+                  </a:schemeClr>
+                </a:solidFill>
+              </a:rPr>
+              <a:t>便利な機能：</a:t>
+            </a:r>
+            <a:r>
+              <a:rPr lang="ja-JP" altLang="en-US" b="1" dirty="0">
+                <a:solidFill>
+                  <a:schemeClr val="tx1">
+                    <a:lumMod val="50000"/>
+                    <a:lumOff val="50000"/>
+                  </a:schemeClr>
+                </a:solidFill>
+              </a:rPr>
+              <a:t>帳票の</a:t>
+            </a:r>
+            <a:r>
+              <a:rPr lang="en-US" altLang="ja-JP" b="1" dirty="0" smtClean="0">
+                <a:solidFill>
+                  <a:schemeClr val="tx1">
+                    <a:lumMod val="50000"/>
+                    <a:lumOff val="50000"/>
+                  </a:schemeClr>
+                </a:solidFill>
+              </a:rPr>
+              <a:t>word/</a:t>
+            </a:r>
+            <a:r>
+              <a:rPr lang="en-US" altLang="ja-JP" b="1" dirty="0" err="1" smtClean="0">
+                <a:solidFill>
+                  <a:schemeClr val="tx1">
+                    <a:lumMod val="50000"/>
+                    <a:lumOff val="50000"/>
+                  </a:schemeClr>
+                </a:solidFill>
+              </a:rPr>
+              <a:t>ppt</a:t>
+            </a:r>
+            <a:r>
+              <a:rPr lang="ja-JP" altLang="en-US" b="1" dirty="0" smtClean="0">
+                <a:solidFill>
+                  <a:schemeClr val="tx1">
+                    <a:lumMod val="50000"/>
+                    <a:lumOff val="50000"/>
+                  </a:schemeClr>
+                </a:solidFill>
+              </a:rPr>
+              <a:t>出力</a:t>
+            </a:r>
+            <a:r>
+              <a:rPr lang="en-US" altLang="ja-JP" dirty="0">
+                <a:solidFill>
+                  <a:schemeClr val="tx1">
+                    <a:lumMod val="50000"/>
+                    <a:lumOff val="50000"/>
+                  </a:schemeClr>
+                </a:solidFill>
+              </a:rPr>
+              <a:t/>
+            </a:r>
+            <a:br>
+              <a:rPr lang="en-US" altLang="ja-JP" dirty="0">
+                <a:solidFill>
+                  <a:schemeClr val="tx1">
+                    <a:lumMod val="50000"/>
+                    <a:lumOff val="50000"/>
+                  </a:schemeClr>
+                </a:solidFill>
+              </a:rPr>
+            </a:br>
+            <a:r>
+              <a:rPr lang="en-US" altLang="ja-JP" dirty="0">
+                <a:solidFill>
+                  <a:srgbClr val="0070C0"/>
+                </a:solidFill>
+              </a:rPr>
+              <a:t>officer</a:t>
+            </a:r>
+            <a:r>
+              <a:rPr lang="en-US" altLang="ja-JP" dirty="0">
+                <a:solidFill>
+                  <a:schemeClr val="tx1">
+                    <a:lumMod val="50000"/>
+                    <a:lumOff val="50000"/>
+                  </a:schemeClr>
+                </a:solidFill>
+              </a:rPr>
+              <a:t>, </a:t>
+            </a:r>
+            <a:r>
+              <a:rPr lang="en-US" altLang="ja-JP" dirty="0" err="1">
+                <a:solidFill>
+                  <a:srgbClr val="0070C0"/>
+                </a:solidFill>
+              </a:rPr>
+              <a:t>flextable</a:t>
+            </a:r>
+            <a:endParaRPr kumimoji="1" lang="ja-JP" altLang="en-US" dirty="0">
+              <a:solidFill>
+                <a:srgbClr val="0070C0"/>
+              </a:solidFill>
+            </a:endParaRPr>
+          </a:p>
+        </p:txBody>
+      </p:sp>
+      <p:sp>
+        <p:nvSpPr>
+          <p:cNvPr id="3" name="コンテンツ プレースホルダー 2"/>
+          <p:cNvSpPr>
+            <a:spLocks noGrp="1"/>
+          </p:cNvSpPr>
+          <p:nvPr>
+            <p:ph idx="1"/>
+          </p:nvPr>
+        </p:nvSpPr>
+        <p:spPr/>
+        <p:txBody>
+          <a:bodyPr/>
+          <a:lstStyle/>
+          <a:p>
+            <a:endParaRPr kumimoji="1" lang="ja-JP" altLang="en-US" dirty="0"/>
+          </a:p>
+        </p:txBody>
+      </p:sp>
+      <p:sp>
+        <p:nvSpPr>
+          <p:cNvPr id="4" name="フッター プレースホルダー 3"/>
+          <p:cNvSpPr>
+            <a:spLocks noGrp="1"/>
+          </p:cNvSpPr>
+          <p:nvPr>
+            <p:ph type="ftr" sz="quarter" idx="11"/>
+          </p:nvPr>
+        </p:nvSpPr>
+        <p:spPr/>
+        <p:txBody>
+          <a:bodyPr/>
+          <a:lstStyle/>
+          <a:p>
+            <a:r>
+              <a:rPr lang="en-US" altLang="ja-JP"/>
+              <a:t>R</a:t>
+            </a:r>
+            <a:r>
+              <a:rPr lang="ja-JP" altLang="en-US"/>
+              <a:t> </a:t>
+            </a:r>
+            <a:r>
+              <a:rPr lang="en-US" altLang="ja-JP"/>
+              <a:t>for</a:t>
+            </a:r>
+            <a:r>
+              <a:rPr lang="ja-JP" altLang="en-US"/>
+              <a:t> </a:t>
+            </a:r>
+            <a:r>
+              <a:rPr lang="en-US" altLang="ja-JP"/>
+              <a:t>Pharmacometrics</a:t>
+            </a:r>
+            <a:endParaRPr lang="ja-JP" altLang="en-US" dirty="0"/>
+          </a:p>
+        </p:txBody>
+      </p:sp>
+      <p:sp>
+        <p:nvSpPr>
+          <p:cNvPr id="5" name="スライド番号プレースホルダー 4"/>
+          <p:cNvSpPr>
+            <a:spLocks noGrp="1"/>
+          </p:cNvSpPr>
+          <p:nvPr>
+            <p:ph type="sldNum" sz="quarter" idx="12"/>
+          </p:nvPr>
+        </p:nvSpPr>
+        <p:spPr/>
+        <p:txBody>
+          <a:bodyPr/>
+          <a:lstStyle/>
+          <a:p>
+            <a:fld id="{93256357-0251-4953-A9B8-633A05DE8E91}" type="slidenum">
+              <a:rPr kumimoji="1" lang="ja-JP" altLang="en-US" smtClean="0"/>
+              <a:t>23</a:t>
             </a:fld>
             <a:endParaRPr kumimoji="1" lang="ja-JP" altLang="en-US"/>
           </a:p>
@@ -8016,7 +10792,7 @@
           <p:cNvPr id="7" name="図 6">
             <a:extLst>
               <a:ext uri="{FF2B5EF4-FFF2-40B4-BE49-F238E27FC236}">
-                <a16:creationId xmlns:a16="http://schemas.microsoft.com/office/drawing/2014/main" xmlns="" id="{2681F239-716B-4C8E-A65A-4189FEDE47F5}"/>
+                <a16:creationId xmlns="" xmlns:a16="http://schemas.microsoft.com/office/drawing/2014/main" id="{2681F239-716B-4C8E-A65A-4189FEDE47F5}"/>
               </a:ext>
             </a:extLst>
           </p:cNvPr>
@@ -15181,7 +17957,19 @@
           <a:p>
             <a:r>
               <a:rPr kumimoji="1" lang="en-US" altLang="ja-JP" dirty="0" smtClean="0"/>
-              <a:t>R package “</a:t>
+              <a:t>R package </a:t>
+            </a:r>
+            <a:r>
+              <a:rPr kumimoji="1" lang="en-US" altLang="ja-JP" dirty="0" smtClean="0"/>
+              <a:t>“</a:t>
+            </a:r>
+            <a:r>
+              <a:rPr kumimoji="1" lang="en-US" altLang="ja-JP" dirty="0" err="1" smtClean="0"/>
+              <a:t>readr</a:t>
+            </a:r>
+            <a:r>
+              <a:rPr kumimoji="1" lang="en-US" altLang="ja-JP" dirty="0" smtClean="0"/>
+              <a:t>”, “</a:t>
             </a:r>
             <a:r>
               <a:rPr kumimoji="1" lang="en-US" altLang="ja-JP" dirty="0" err="1" smtClean="0"/>
@@ -15219,27 +18007,68 @@
               <a:t>（</a:t>
             </a:r>
             <a:r>
-              <a:rPr lang="en-US" altLang="ja-JP" dirty="0"/>
-              <a:t>Data Transformation </a:t>
-            </a:r>
-            <a:r>
-              <a:rPr lang="en-US" altLang="ja-JP" dirty="0" err="1"/>
+              <a:rPr lang="en-US" altLang="ja-JP" dirty="0">
+                <a:solidFill>
+                  <a:srgbClr val="FF0000"/>
+                </a:solidFill>
+              </a:rPr>
+              <a:t>Data Import </a:t>
+            </a:r>
+            <a:r>
+              <a:rPr lang="en-US" altLang="ja-JP" dirty="0" err="1" smtClean="0">
+                <a:solidFill>
+                  <a:srgbClr val="FF0000"/>
+                </a:solidFill>
+              </a:rPr>
               <a:t>Cheatsheet</a:t>
             </a:r>
             <a:r>
+              <a:rPr lang="en-US" altLang="ja-JP" dirty="0" smtClean="0">
+                <a:solidFill>
+                  <a:srgbClr val="FF0000"/>
+                </a:solidFill>
+              </a:rPr>
+              <a:t>,</a:t>
+            </a:r>
+            <a:r>
+              <a:rPr lang="en-US" altLang="ja-JP" b="1" dirty="0" smtClean="0"/>
+              <a:t> </a:t>
+            </a:r>
+            <a:r>
+              <a:rPr lang="en-US" altLang="ja-JP" dirty="0" smtClean="0">
+                <a:solidFill>
+                  <a:srgbClr val="FF0000"/>
+                </a:solidFill>
+              </a:rPr>
+              <a:t>Data </a:t>
+            </a:r>
+            <a:r>
+              <a:rPr lang="en-US" altLang="ja-JP" dirty="0">
+                <a:solidFill>
+                  <a:srgbClr val="FF0000"/>
+                </a:solidFill>
+              </a:rPr>
+              <a:t>Transformation </a:t>
+            </a:r>
+            <a:r>
+              <a:rPr lang="en-US" altLang="ja-JP" dirty="0" err="1">
+                <a:solidFill>
+                  <a:srgbClr val="FF0000"/>
+                </a:solidFill>
+              </a:rPr>
+              <a:t>Cheatsheet</a:t>
+            </a:r>
+            <a:r>
               <a:rPr kumimoji="1" lang="ja-JP" altLang="en-US" dirty="0" smtClean="0"/>
-              <a:t>）が</a:t>
-            </a:r>
-            <a:r>
-              <a:rPr kumimoji="1" lang="en-US" altLang="ja-JP" dirty="0" smtClean="0"/>
-              <a:t/>
-            </a:r>
-            <a:br>
-              <a:rPr kumimoji="1" lang="en-US" altLang="ja-JP" dirty="0" smtClean="0"/>
-            </a:br>
+              <a:t>）</a:t>
+            </a:r>
             <a:r>
               <a:rPr kumimoji="1" lang="ja-JP" altLang="en-US" dirty="0" smtClean="0"/>
-              <a:t>非常に分かりやすい</a:t>
+              <a:t>が非常</a:t>
+            </a:r>
+            <a:r>
+              <a:rPr kumimoji="1" lang="ja-JP" altLang="en-US" dirty="0" smtClean="0"/>
+              <a:t>に分かりやすい</a:t>
             </a:r>
             <a:r>
               <a:rPr lang="en-US" altLang="ja-JP" dirty="0"/>
@@ -16452,15 +19281,7 @@
             </a:r>
             <a:r>
               <a:rPr lang="ja-JP" altLang="en-US" sz="2000" dirty="0" smtClean="0"/>
-              <a:t>内</a:t>
-            </a:r>
-            <a:r>
-              <a:rPr lang="ja-JP" altLang="en-US" sz="2000" dirty="0" smtClean="0"/>
-              <a:t>の変数</a:t>
-            </a:r>
-            <a:r>
-              <a:rPr lang="ja-JP" altLang="en-US" sz="2000" dirty="0" smtClean="0"/>
-              <a:t>でグループ化して</a:t>
+              <a:t>内の変数でグループ化して</a:t>
             </a:r>
             <a:r>
               <a:rPr lang="ja-JP" altLang="en-US" sz="2000" dirty="0"/>
@@ -16728,15 +19549,7 @@
                   <a:srgbClr val="0070C0"/>
                 </a:solidFill>
               </a:rPr>
-              <a:t> </a:t>
-            </a:r>
-            <a:r>
-              <a:rPr lang="en-US" altLang="ja-JP" dirty="0" smtClean="0">
-                <a:solidFill>
-                  <a:srgbClr val="0070C0"/>
-                </a:solidFill>
-              </a:rPr>
-              <a:t>count</a:t>
+              <a:t> count</a:t>
             </a:r>
             <a:r>
               <a:rPr lang="en-US" altLang="ja-JP" dirty="0"/>
@@ -20078,11 +22891,11 @@
             </a:pPr>
             <a:r>
               <a:rPr kumimoji="1" lang="en-US" altLang="ja-JP" sz="1050" dirty="0" smtClean="0"/>
-              <a:t>n : </a:t>
+              <a:t>length : </a:t>
             </a:r>
             <a:r>
               <a:rPr kumimoji="1" lang="ja-JP" altLang="en-US" sz="1050" dirty="0" smtClean="0"/>
-              <a:t>例数</a:t>
+              <a:t>数</a:t>
             </a:r>
             <a:endParaRPr kumimoji="1" lang="en-US" altLang="ja-JP" sz="1050" dirty="0" smtClean="0"/>
           </a:p>
@@ -20321,6 +23134,9 @@
           <a:bodyPr/>
           <a:lstStyle/>
           <a:p>
+            <a:pPr marL="0" indent="0">
+              <a:buNone/>
+            </a:pPr>
             <a:r>
               <a:rPr kumimoji="1" lang="en-US" altLang="ja-JP" dirty="0" smtClean="0"/>
               <a:t>data folder</a:t>
@@ -20354,7 +23170,10 @@
             <a:endParaRPr lang="en-US" altLang="ja-JP" dirty="0" smtClean="0"/>
           </a:p>
           <a:p>
-            <a:pPr lvl="1"/>
+            <a:pPr marL="914400" lvl="1" indent="-457200">
+              <a:buFont typeface="+mj-lt"/>
+              <a:buAutoNum type="arabicPeriod"/>
+            </a:pPr>
             <a:r>
               <a:rPr lang="ja-JP" altLang="en-US" dirty="0" smtClean="0"/>
               <a:t>試験（</a:t>
@@ -20365,19 +23184,41 @@
             </a:r>
             <a:r>
               <a:rPr lang="ja-JP" altLang="en-US" dirty="0" smtClean="0"/>
-              <a:t>）ごとの被験者</a:t>
+              <a:t>）ごとの</a:t>
+            </a:r>
+            <a:r>
+              <a:rPr lang="ja-JP" altLang="en-US" dirty="0" smtClean="0"/>
+              <a:t>被験者数</a:t>
             </a:r>
             <a:r>
               <a:rPr lang="en-US" altLang="ja-JP" dirty="0" smtClean="0"/>
               <a:t>(ID)</a:t>
             </a:r>
-            <a:r>
-              <a:rPr lang="ja-JP" altLang="en-US" dirty="0" err="1" smtClean="0"/>
-              <a:t>，</a:t>
+          </a:p>
+          <a:p>
+            <a:pPr marL="914400" lvl="1" indent="-457200">
+              <a:buFont typeface="+mj-lt"/>
+              <a:buAutoNum type="arabicPeriod"/>
+            </a:pPr>
+            <a:r>
+              <a:rPr lang="ja-JP" altLang="en-US" dirty="0"/>
+              <a:t>試験（</a:t>
+            </a:r>
+            <a:r>
+              <a:rPr lang="en-US" altLang="ja-JP" dirty="0"/>
+              <a:t>PN</a:t>
+            </a:r>
+            <a:r>
+              <a:rPr lang="ja-JP" altLang="en-US" dirty="0"/>
+              <a:t>）ごとの</a:t>
             </a:r>
             <a:r>
               <a:rPr lang="en-US" altLang="ja-JP" dirty="0" smtClean="0"/>
-              <a:t>MK7655(DRUG=2)</a:t>
+              <a:t>MK7655(DRUG=2</a:t>
+            </a:r>
+            <a:r>
+              <a:rPr lang="en-US" altLang="ja-JP" dirty="0" smtClean="0"/>
+              <a:t>)</a:t>
             </a:r>
             <a:r>
               <a:rPr lang="ja-JP" altLang="en-US" dirty="0" smtClean="0"/>
@@ -20389,63 +23230,87 @@
             </a:r>
             <a:r>
               <a:rPr lang="ja-JP" altLang="en-US" dirty="0" smtClean="0"/>
-              <a:t>の行数）を計測してください</a:t>
+              <a:t>の行数</a:t>
+            </a:r>
+            <a:r>
+              <a:rPr lang="ja-JP" altLang="en-US" dirty="0" smtClean="0"/>
+              <a:t>）</a:t>
             </a:r>
             <a:endParaRPr lang="en-US" altLang="ja-JP" dirty="0" smtClean="0"/>
           </a:p>
           <a:p>
-            <a:pPr lvl="1"/>
+            <a:pPr marL="914400" lvl="1" indent="-457200">
+              <a:buFont typeface="+mj-lt"/>
+              <a:buAutoNum type="arabicPeriod"/>
+            </a:pPr>
+            <a:r>
+              <a:rPr lang="en-US" altLang="ja-JP" dirty="0" smtClean="0"/>
+              <a:t>PN</a:t>
+            </a:r>
+            <a:r>
+              <a:rPr lang="ja-JP" altLang="en-US" dirty="0" smtClean="0"/>
+              <a:t> </a:t>
+            </a:r>
+            <a:r>
+              <a:rPr lang="en-US" altLang="ja-JP" dirty="0"/>
+              <a:t>= 1, 2</a:t>
+            </a:r>
+            <a:r>
+              <a:rPr lang="ja-JP" altLang="en-US" dirty="0"/>
+              <a:t>のデータに絞り，試験（</a:t>
+            </a:r>
             <a:r>
               <a:rPr lang="en-US" altLang="ja-JP" dirty="0"/>
               <a:t>PN</a:t>
             </a:r>
             <a:r>
               <a:rPr lang="ja-JP" altLang="en-US" dirty="0"/>
-              <a:t> </a:t>
+              <a:t>）</a:t>
+            </a:r>
+            <a:r>
+              <a:rPr lang="ja-JP" altLang="en-US" dirty="0" err="1"/>
+              <a:t>ごと</a:t>
+            </a:r>
+            <a:r>
+              <a:rPr lang="ja-JP" altLang="en-US" dirty="0"/>
+              <a:t>かつ用量（</a:t>
             </a:r>
             <a:r>
               <a:rPr lang="en-US" altLang="ja-JP" dirty="0"/>
-              <a:t>= 1, 2</a:t>
+              <a:t>DOSE</a:t>
             </a:r>
             <a:r>
               <a:rPr lang="ja-JP" altLang="en-US" dirty="0"/>
-              <a:t>の</a:t>
+              <a:t>）ごとの背景因子（</a:t>
+            </a:r>
+            <a:r>
+              <a:rPr lang="en-US" altLang="ja-JP" dirty="0"/>
+              <a:t>AGE, WT, CRCL</a:t>
+            </a:r>
+            <a:r>
+              <a:rPr lang="ja-JP" altLang="en-US" dirty="0"/>
+              <a:t>）の平均値を算出して</a:t>
             </a:r>
             <a:r>
               <a:rPr lang="ja-JP" altLang="en-US" dirty="0" smtClean="0"/>
-              <a:t>データに絞り，</a:t>
-            </a:r>
-            <a:r>
-              <a:rPr lang="ja-JP" altLang="en-US" dirty="0"/>
-              <a:t>試験（</a:t>
-            </a:r>
-            <a:r>
-              <a:rPr lang="en-US" altLang="ja-JP" dirty="0"/>
-              <a:t>PN</a:t>
-            </a:r>
-            <a:r>
-              <a:rPr lang="ja-JP" altLang="en-US" dirty="0"/>
-              <a:t>）</a:t>
+              <a:t>ください</a:t>
+            </a:r>
+            <a:endParaRPr lang="en-US" altLang="ja-JP" dirty="0"/>
+          </a:p>
+          <a:p>
+            <a:pPr marL="0" lvl="1" indent="0">
+              <a:spcBef>
+                <a:spcPts val="1800"/>
+              </a:spcBef>
+              <a:buNone/>
+            </a:pPr>
+            <a:r>
+              <a:rPr lang="ja-JP" altLang="en-US" dirty="0" err="1" smtClean="0"/>
+              <a:t>を算</a:t>
             </a:r>
             <a:r>
               <a:rPr lang="ja-JP" altLang="en-US" dirty="0" smtClean="0"/>
-              <a:t>ごとの用量（</a:t>
-            </a:r>
-            <a:r>
-              <a:rPr lang="en-US" altLang="ja-JP" dirty="0" smtClean="0"/>
-              <a:t>DOSE</a:t>
-            </a:r>
-            <a:r>
-              <a:rPr lang="ja-JP" altLang="en-US" dirty="0" smtClean="0"/>
-              <a:t>）ごとの背景因子（</a:t>
-            </a:r>
-            <a:r>
-              <a:rPr lang="en-US" altLang="ja-JP" dirty="0" smtClean="0"/>
-              <a:t>AGE, WT, CLCR</a:t>
-            </a:r>
-            <a:r>
-              <a:rPr lang="ja-JP" altLang="en-US" dirty="0" smtClean="0"/>
-              <a:t>）の平均値を算出してください</a:t>
+              <a:t>出してください。</a:t>
             </a:r>
             <a:endParaRPr lang="en-US" altLang="ja-JP" dirty="0" smtClean="0"/>
           </a:p>

--- a/sample/1_data_handling.pptx
+++ b/sample/1_data_handling.pptx
@@ -219,7 +219,7 @@
           <a:p>
             <a:fld id="{2A71EC23-F9ED-424C-B5FB-B7B5F6D78B70}" type="datetimeFigureOut">
               <a:rPr kumimoji="1" lang="ja-JP" altLang="en-US" smtClean="0"/>
-              <a:t>2020/10/1</a:t>
+              <a:t>2020/10/5</a:t>
             </a:fld>
             <a:endParaRPr kumimoji="1" lang="ja-JP" altLang="en-US"/>
           </a:p>
@@ -738,7 +738,7 @@
           <a:p>
             <a:fld id="{0F81A95D-05BA-458D-BB44-152E4BC8CA84}" type="datetime1">
               <a:rPr kumimoji="1" lang="ja-JP" altLang="en-US" smtClean="0"/>
-              <a:t>2020/10/1</a:t>
+              <a:t>2020/10/5</a:t>
             </a:fld>
             <a:endParaRPr kumimoji="1" lang="ja-JP" altLang="en-US"/>
           </a:p>
@@ -960,7 +960,7 @@
           <a:p>
             <a:fld id="{9906A6E4-4266-427F-9354-B8DA436806C3}" type="datetime1">
               <a:rPr kumimoji="1" lang="ja-JP" altLang="en-US" smtClean="0"/>
-              <a:t>2020/10/1</a:t>
+              <a:t>2020/10/5</a:t>
             </a:fld>
             <a:endParaRPr kumimoji="1" lang="ja-JP" altLang="en-US"/>
           </a:p>
@@ -1176,7 +1176,7 @@
           <a:p>
             <a:fld id="{362664A4-23FB-43CF-818D-F7393D757BD2}" type="datetime1">
               <a:rPr kumimoji="1" lang="ja-JP" altLang="en-US" smtClean="0"/>
-              <a:t>2020/10/1</a:t>
+              <a:t>2020/10/5</a:t>
             </a:fld>
             <a:endParaRPr kumimoji="1" lang="ja-JP" altLang="en-US"/>
           </a:p>
@@ -1382,7 +1382,7 @@
           <a:p>
             <a:fld id="{BFE15652-DDD4-4E36-9CB3-8E9EF446BEDB}" type="datetime1">
               <a:rPr kumimoji="1" lang="ja-JP" altLang="en-US" smtClean="0"/>
-              <a:t>2020/10/1</a:t>
+              <a:t>2020/10/5</a:t>
             </a:fld>
             <a:endParaRPr kumimoji="1" lang="ja-JP" altLang="en-US"/>
           </a:p>
@@ -1653,7 +1653,7 @@
           <a:p>
             <a:fld id="{30BAF585-2E3D-431A-AD29-AD87965751CC}" type="datetime1">
               <a:rPr kumimoji="1" lang="ja-JP" altLang="en-US" smtClean="0"/>
-              <a:t>2020/10/1</a:t>
+              <a:t>2020/10/5</a:t>
             </a:fld>
             <a:endParaRPr kumimoji="1" lang="ja-JP" altLang="en-US"/>
           </a:p>
@@ -1969,7 +1969,7 @@
           <a:p>
             <a:fld id="{0A1D67E2-B520-4BB6-8434-DE7E995735B8}" type="datetime1">
               <a:rPr kumimoji="1" lang="ja-JP" altLang="en-US" smtClean="0"/>
-              <a:t>2020/10/1</a:t>
+              <a:t>2020/10/5</a:t>
             </a:fld>
             <a:endParaRPr kumimoji="1" lang="ja-JP" altLang="en-US"/>
           </a:p>
@@ -2420,7 +2420,7 @@
           <a:p>
             <a:fld id="{500F9857-EF08-440C-94CB-83D9EE0D5A5A}" type="datetime1">
               <a:rPr kumimoji="1" lang="ja-JP" altLang="en-US" smtClean="0"/>
-              <a:t>2020/10/1</a:t>
+              <a:t>2020/10/5</a:t>
             </a:fld>
             <a:endParaRPr kumimoji="1" lang="ja-JP" altLang="en-US"/>
           </a:p>
@@ -2558,7 +2558,7 @@
           <a:p>
             <a:fld id="{B6BF44F8-E47A-4CCA-94C1-5A88DC7B414A}" type="datetime1">
               <a:rPr kumimoji="1" lang="ja-JP" altLang="en-US" smtClean="0"/>
-              <a:t>2020/10/1</a:t>
+              <a:t>2020/10/5</a:t>
             </a:fld>
             <a:endParaRPr kumimoji="1" lang="ja-JP" altLang="en-US"/>
           </a:p>
@@ -2673,7 +2673,7 @@
           <a:p>
             <a:fld id="{DE263015-59FD-444D-A49B-45D0DD94C4F1}" type="datetime1">
               <a:rPr kumimoji="1" lang="ja-JP" altLang="en-US" smtClean="0"/>
-              <a:t>2020/10/1</a:t>
+              <a:t>2020/10/5</a:t>
             </a:fld>
             <a:endParaRPr kumimoji="1" lang="ja-JP" altLang="en-US"/>
           </a:p>
@@ -3002,7 +3002,7 @@
           <a:p>
             <a:fld id="{7A6651C1-F643-424E-9D81-62CF9A82FABB}" type="datetime1">
               <a:rPr kumimoji="1" lang="ja-JP" altLang="en-US" smtClean="0"/>
-              <a:t>2020/10/1</a:t>
+              <a:t>2020/10/5</a:t>
             </a:fld>
             <a:endParaRPr kumimoji="1" lang="ja-JP" altLang="en-US"/>
           </a:p>
@@ -3263,7 +3263,7 @@
           <a:p>
             <a:fld id="{E79AACC8-2A3E-4AB1-936D-2A445495DFBA}" type="datetime1">
               <a:rPr kumimoji="1" lang="ja-JP" altLang="en-US" smtClean="0"/>
-              <a:t>2020/10/1</a:t>
+              <a:t>2020/10/5</a:t>
             </a:fld>
             <a:endParaRPr kumimoji="1" lang="ja-JP" altLang="en-US"/>
           </a:p>
@@ -3512,7 +3512,7 @@
           <a:p>
             <a:fld id="{79B7E619-0862-4EB5-B675-91B651E48568}" type="datetime1">
               <a:rPr kumimoji="1" lang="ja-JP" altLang="en-US" smtClean="0"/>
-              <a:t>2020/10/1</a:t>
+              <a:t>2020/10/5</a:t>
             </a:fld>
             <a:endParaRPr kumimoji="1" lang="ja-JP" altLang="en-US"/>
           </a:p>
@@ -4434,14 +4434,14 @@
               <a:t>## Number of MK7655 </a:t>
             </a:r>
             <a:r>
-              <a:rPr lang="en-US" altLang="ja-JP" sz="1600" dirty="0" err="1">
+              <a:rPr lang="en-US" altLang="ja-JP" sz="1600" dirty="0" smtClean="0">
                 <a:solidFill>
                   <a:schemeClr val="accent6">
                     <a:lumMod val="75000"/>
                   </a:schemeClr>
                 </a:solidFill>
               </a:rPr>
-              <a:t>Vaid</a:t>
+              <a:t>Valid </a:t>
             </a:r>
             <a:r>
               <a:rPr lang="en-US" altLang="ja-JP" sz="1600" dirty="0">
@@ -4451,7 +4451,7 @@
                   </a:schemeClr>
                 </a:solidFill>
               </a:rPr>
-              <a:t> Concentration Record by PN</a:t>
+              <a:t>Concentration Record by PN</a:t>
             </a:r>
           </a:p>
           <a:p>
@@ -4483,14 +4483,14 @@
               <a:t>## Number of Subject and MK7655 </a:t>
             </a:r>
             <a:r>
-              <a:rPr lang="en-US" altLang="ja-JP" sz="1600" dirty="0" err="1">
+              <a:rPr lang="en-US" altLang="ja-JP" sz="1600" dirty="0" smtClean="0">
                 <a:solidFill>
                   <a:schemeClr val="accent6">
                     <a:lumMod val="75000"/>
                   </a:schemeClr>
                 </a:solidFill>
               </a:rPr>
-              <a:t>Vaid</a:t>
+              <a:t>Valid </a:t>
             </a:r>
             <a:r>
               <a:rPr lang="en-US" altLang="ja-JP" sz="1600" dirty="0">
@@ -4500,7 +4500,7 @@
                   </a:schemeClr>
                 </a:solidFill>
               </a:rPr>
-              <a:t> Concentration Record by PN</a:t>
+              <a:t>Concentration Record by PN</a:t>
             </a:r>
           </a:p>
           <a:p>
@@ -4881,11 +4881,7 @@
             </a:r>
             <a:r>
               <a:rPr kumimoji="1" lang="ja-JP" altLang="en-US" sz="1600" dirty="0" smtClean="0"/>
-              <a:t>で結合のため</a:t>
-            </a:r>
-            <a:r>
-              <a:rPr kumimoji="1" lang="ja-JP" altLang="en-US" sz="1600" dirty="0" smtClean="0"/>
-              <a:t>の</a:t>
+              <a:t>で結合のための</a:t>
             </a:r>
             <a:r>
               <a:rPr kumimoji="1" lang="en-US" altLang="ja-JP" sz="1600" dirty="0" smtClean="0"/>
@@ -4913,11 +4909,7 @@
             </a:r>
             <a:r>
               <a:rPr lang="ja-JP" altLang="en-US" sz="1600" dirty="0" smtClean="0"/>
-              <a:t>に</a:t>
-            </a:r>
-            <a:r>
-              <a:rPr lang="ja-JP" altLang="en-US" sz="1600" dirty="0" smtClean="0"/>
-              <a:t>も</a:t>
+              <a:t>にも</a:t>
             </a:r>
             <a:r>
               <a:rPr lang="ja-JP" altLang="en-US" sz="1600" dirty="0"/>
@@ -4993,11 +4985,7 @@
             </a:r>
             <a:r>
               <a:rPr lang="ja-JP" altLang="en-US" sz="1600" dirty="0" smtClean="0"/>
-              <a:t>と</a:t>
-            </a:r>
-            <a:r>
-              <a:rPr lang="ja-JP" altLang="en-US" sz="1600" dirty="0" smtClean="0"/>
-              <a:t>いうものもある</a:t>
+              <a:t>というものもある</a:t>
             </a:r>
             <a:endParaRPr kumimoji="1" lang="en-US" altLang="ja-JP" sz="1600" dirty="0" smtClean="0"/>
           </a:p>
@@ -5039,11 +5027,7 @@
             </a:r>
             <a:r>
               <a:rPr lang="en-US" altLang="ja-JP" sz="1200" dirty="0" smtClean="0"/>
-              <a:t>, </a:t>
-            </a:r>
-            <a:r>
-              <a:rPr lang="en-US" altLang="ja-JP" sz="1200" dirty="0" smtClean="0"/>
-              <a:t>by=</a:t>
+              <a:t>, by=</a:t>
             </a:r>
             <a:r>
               <a:rPr lang="en-US" altLang="ja-JP" sz="1200" dirty="0" smtClean="0">
@@ -5217,11 +5201,7 @@
             </a:r>
             <a:r>
               <a:rPr lang="ja-JP" altLang="en-US" sz="2000" dirty="0" smtClean="0"/>
-              <a:t>データの下側から別のデータを結合</a:t>
-            </a:r>
-            <a:r>
-              <a:rPr lang="ja-JP" altLang="en-US" sz="2000" dirty="0" smtClean="0"/>
-              <a:t>する</a:t>
+              <a:t>データの下側から別のデータを結合する</a:t>
             </a:r>
             <a:endParaRPr lang="en-US" altLang="ja-JP" sz="2000" dirty="0" smtClean="0"/>
           </a:p>
@@ -5361,11 +5341,7 @@
             </a:r>
             <a:r>
               <a:rPr kumimoji="1" lang="ja-JP" altLang="en-US" sz="2000" dirty="0" smtClean="0"/>
-              <a:t>で指定した</a:t>
-            </a:r>
-            <a:r>
-              <a:rPr kumimoji="1" lang="ja-JP" altLang="en-US" sz="2000" dirty="0" smtClean="0"/>
-              <a:t>列の昇順に並び替える</a:t>
+              <a:t>で指定した列の昇順に並び替える</a:t>
             </a:r>
             <a:endParaRPr kumimoji="1" lang="en-US" altLang="ja-JP" sz="2000" dirty="0" smtClean="0"/>
           </a:p>
@@ -5391,7 +5367,6 @@
               <a:rPr kumimoji="1" lang="en-US" altLang="ja-JP" sz="1600" dirty="0" smtClean="0"/>
               <a:t>()</a:t>
             </a:r>
-            <a:endParaRPr kumimoji="1" lang="en-US" altLang="ja-JP" sz="1600" dirty="0" smtClean="0"/>
           </a:p>
           <a:p>
             <a:pPr marL="457200" lvl="1" indent="0">
@@ -7209,11 +7184,6 @@
               </a:rPr>
               <a:t>(MDV))</a:t>
             </a:r>
-            <a:endParaRPr lang="en-US" altLang="ja-JP" sz="1000" dirty="0">
-              <a:solidFill>
-                <a:schemeClr val="tx1"/>
-              </a:solidFill>
-            </a:endParaRPr>
           </a:p>
         </p:txBody>
       </p:sp>
@@ -7573,9 +7543,749 @@
   <p:timing>
     <p:tnLst>
       <p:par>
-        <p:cTn id="1" dur="indefinite" restart="never" nodeType="tmRoot"/>
+        <p:cTn id="1" dur="indefinite" restart="never" nodeType="tmRoot">
+          <p:childTnLst>
+            <p:seq concurrent="1" nextAc="seek">
+              <p:cTn id="2" dur="indefinite" nodeType="mainSeq">
+                <p:childTnLst>
+                  <p:par>
+                    <p:cTn id="3" fill="hold">
+                      <p:stCondLst>
+                        <p:cond delay="indefinite"/>
+                      </p:stCondLst>
+                      <p:childTnLst>
+                        <p:par>
+                          <p:cTn id="4" fill="hold">
+                            <p:stCondLst>
+                              <p:cond delay="0"/>
+                            </p:stCondLst>
+                            <p:childTnLst>
+                              <p:par>
+                                <p:cTn id="5" presetID="1" presetClass="entr" presetSubtype="0" fill="hold" nodeType="clickEffect">
+                                  <p:stCondLst>
+                                    <p:cond delay="0"/>
+                                  </p:stCondLst>
+                                  <p:childTnLst>
+                                    <p:set>
+                                      <p:cBhvr>
+                                        <p:cTn id="6" dur="1" fill="hold">
+                                          <p:stCondLst>
+                                            <p:cond delay="0"/>
+                                          </p:stCondLst>
+                                        </p:cTn>
+                                        <p:tgtEl>
+                                          <p:spTgt spid="9"/>
+                                        </p:tgtEl>
+                                        <p:attrNameLst>
+                                          <p:attrName>style.visibility</p:attrName>
+                                        </p:attrNameLst>
+                                      </p:cBhvr>
+                                      <p:to>
+                                        <p:strVal val="visible"/>
+                                      </p:to>
+                                    </p:set>
+                                  </p:childTnLst>
+                                </p:cTn>
+                              </p:par>
+                              <p:par>
+                                <p:cTn id="7" presetID="1" presetClass="entr" presetSubtype="0" fill="hold" nodeType="withEffect">
+                                  <p:stCondLst>
+                                    <p:cond delay="0"/>
+                                  </p:stCondLst>
+                                  <p:childTnLst>
+                                    <p:set>
+                                      <p:cBhvr>
+                                        <p:cTn id="8" dur="1" fill="hold">
+                                          <p:stCondLst>
+                                            <p:cond delay="0"/>
+                                          </p:stCondLst>
+                                        </p:cTn>
+                                        <p:tgtEl>
+                                          <p:spTgt spid="15"/>
+                                        </p:tgtEl>
+                                        <p:attrNameLst>
+                                          <p:attrName>style.visibility</p:attrName>
+                                        </p:attrNameLst>
+                                      </p:cBhvr>
+                                      <p:to>
+                                        <p:strVal val="visible"/>
+                                      </p:to>
+                                    </p:set>
+                                  </p:childTnLst>
+                                </p:cTn>
+                              </p:par>
+                              <p:par>
+                                <p:cTn id="9" presetID="1" presetClass="entr" presetSubtype="0" fill="hold" grpId="0" nodeType="withEffect">
+                                  <p:stCondLst>
+                                    <p:cond delay="0"/>
+                                  </p:stCondLst>
+                                  <p:childTnLst>
+                                    <p:set>
+                                      <p:cBhvr>
+                                        <p:cTn id="10" dur="1" fill="hold">
+                                          <p:stCondLst>
+                                            <p:cond delay="0"/>
+                                          </p:stCondLst>
+                                        </p:cTn>
+                                        <p:tgtEl>
+                                          <p:spTgt spid="10"/>
+                                        </p:tgtEl>
+                                        <p:attrNameLst>
+                                          <p:attrName>style.visibility</p:attrName>
+                                        </p:attrNameLst>
+                                      </p:cBhvr>
+                                      <p:to>
+                                        <p:strVal val="visible"/>
+                                      </p:to>
+                                    </p:set>
+                                  </p:childTnLst>
+                                </p:cTn>
+                              </p:par>
+                              <p:par>
+                                <p:cTn id="11" presetID="1" presetClass="entr" presetSubtype="0" fill="hold" nodeType="withEffect">
+                                  <p:stCondLst>
+                                    <p:cond delay="0"/>
+                                  </p:stCondLst>
+                                  <p:childTnLst>
+                                    <p:set>
+                                      <p:cBhvr>
+                                        <p:cTn id="12" dur="1" fill="hold">
+                                          <p:stCondLst>
+                                            <p:cond delay="0"/>
+                                          </p:stCondLst>
+                                        </p:cTn>
+                                        <p:tgtEl>
+                                          <p:spTgt spid="16"/>
+                                        </p:tgtEl>
+                                        <p:attrNameLst>
+                                          <p:attrName>style.visibility</p:attrName>
+                                        </p:attrNameLst>
+                                      </p:cBhvr>
+                                      <p:to>
+                                        <p:strVal val="visible"/>
+                                      </p:to>
+                                    </p:set>
+                                  </p:childTnLst>
+                                </p:cTn>
+                              </p:par>
+                            </p:childTnLst>
+                          </p:cTn>
+                        </p:par>
+                      </p:childTnLst>
+                    </p:cTn>
+                  </p:par>
+                  <p:par>
+                    <p:cTn id="13" fill="hold">
+                      <p:stCondLst>
+                        <p:cond delay="indefinite"/>
+                      </p:stCondLst>
+                      <p:childTnLst>
+                        <p:par>
+                          <p:cTn id="14" fill="hold">
+                            <p:stCondLst>
+                              <p:cond delay="0"/>
+                            </p:stCondLst>
+                            <p:childTnLst>
+                              <p:par>
+                                <p:cTn id="15" presetID="1" presetClass="entr" presetSubtype="0" fill="hold" nodeType="clickEffect">
+                                  <p:stCondLst>
+                                    <p:cond delay="0"/>
+                                  </p:stCondLst>
+                                  <p:childTnLst>
+                                    <p:set>
+                                      <p:cBhvr>
+                                        <p:cTn id="16" dur="1" fill="hold">
+                                          <p:stCondLst>
+                                            <p:cond delay="0"/>
+                                          </p:stCondLst>
+                                        </p:cTn>
+                                        <p:tgtEl>
+                                          <p:spTgt spid="3">
+                                            <p:txEl>
+                                              <p:pRg st="7" end="7"/>
+                                            </p:txEl>
+                                          </p:spTgt>
+                                        </p:tgtEl>
+                                        <p:attrNameLst>
+                                          <p:attrName>style.visibility</p:attrName>
+                                        </p:attrNameLst>
+                                      </p:cBhvr>
+                                      <p:to>
+                                        <p:strVal val="visible"/>
+                                      </p:to>
+                                    </p:set>
+                                  </p:childTnLst>
+                                </p:cTn>
+                              </p:par>
+                              <p:par>
+                                <p:cTn id="17" presetID="1" presetClass="entr" presetSubtype="0" fill="hold" nodeType="withEffect">
+                                  <p:stCondLst>
+                                    <p:cond delay="0"/>
+                                  </p:stCondLst>
+                                  <p:childTnLst>
+                                    <p:set>
+                                      <p:cBhvr>
+                                        <p:cTn id="18" dur="1" fill="hold">
+                                          <p:stCondLst>
+                                            <p:cond delay="0"/>
+                                          </p:stCondLst>
+                                        </p:cTn>
+                                        <p:tgtEl>
+                                          <p:spTgt spid="3">
+                                            <p:txEl>
+                                              <p:pRg st="8" end="8"/>
+                                            </p:txEl>
+                                          </p:spTgt>
+                                        </p:tgtEl>
+                                        <p:attrNameLst>
+                                          <p:attrName>style.visibility</p:attrName>
+                                        </p:attrNameLst>
+                                      </p:cBhvr>
+                                      <p:to>
+                                        <p:strVal val="visible"/>
+                                      </p:to>
+                                    </p:set>
+                                  </p:childTnLst>
+                                </p:cTn>
+                              </p:par>
+                              <p:par>
+                                <p:cTn id="19" presetID="1" presetClass="entr" presetSubtype="0" fill="hold" nodeType="withEffect">
+                                  <p:stCondLst>
+                                    <p:cond delay="0"/>
+                                  </p:stCondLst>
+                                  <p:childTnLst>
+                                    <p:set>
+                                      <p:cBhvr>
+                                        <p:cTn id="20" dur="1" fill="hold">
+                                          <p:stCondLst>
+                                            <p:cond delay="0"/>
+                                          </p:stCondLst>
+                                        </p:cTn>
+                                        <p:tgtEl>
+                                          <p:spTgt spid="3">
+                                            <p:txEl>
+                                              <p:pRg st="9" end="9"/>
+                                            </p:txEl>
+                                          </p:spTgt>
+                                        </p:tgtEl>
+                                        <p:attrNameLst>
+                                          <p:attrName>style.visibility</p:attrName>
+                                        </p:attrNameLst>
+                                      </p:cBhvr>
+                                      <p:to>
+                                        <p:strVal val="visible"/>
+                                      </p:to>
+                                    </p:set>
+                                  </p:childTnLst>
+                                </p:cTn>
+                              </p:par>
+                              <p:par>
+                                <p:cTn id="21" presetID="1" presetClass="entr" presetSubtype="0" fill="hold" nodeType="withEffect">
+                                  <p:stCondLst>
+                                    <p:cond delay="0"/>
+                                  </p:stCondLst>
+                                  <p:childTnLst>
+                                    <p:set>
+                                      <p:cBhvr>
+                                        <p:cTn id="22" dur="1" fill="hold">
+                                          <p:stCondLst>
+                                            <p:cond delay="0"/>
+                                          </p:stCondLst>
+                                        </p:cTn>
+                                        <p:tgtEl>
+                                          <p:spTgt spid="3">
+                                            <p:txEl>
+                                              <p:pRg st="10" end="10"/>
+                                            </p:txEl>
+                                          </p:spTgt>
+                                        </p:tgtEl>
+                                        <p:attrNameLst>
+                                          <p:attrName>style.visibility</p:attrName>
+                                        </p:attrNameLst>
+                                      </p:cBhvr>
+                                      <p:to>
+                                        <p:strVal val="visible"/>
+                                      </p:to>
+                                    </p:set>
+                                  </p:childTnLst>
+                                </p:cTn>
+                              </p:par>
+                              <p:par>
+                                <p:cTn id="23" presetID="1" presetClass="entr" presetSubtype="0" fill="hold" nodeType="withEffect">
+                                  <p:stCondLst>
+                                    <p:cond delay="0"/>
+                                  </p:stCondLst>
+                                  <p:childTnLst>
+                                    <p:set>
+                                      <p:cBhvr>
+                                        <p:cTn id="24" dur="1" fill="hold">
+                                          <p:stCondLst>
+                                            <p:cond delay="0"/>
+                                          </p:stCondLst>
+                                        </p:cTn>
+                                        <p:tgtEl>
+                                          <p:spTgt spid="3">
+                                            <p:txEl>
+                                              <p:pRg st="11" end="11"/>
+                                            </p:txEl>
+                                          </p:spTgt>
+                                        </p:tgtEl>
+                                        <p:attrNameLst>
+                                          <p:attrName>style.visibility</p:attrName>
+                                        </p:attrNameLst>
+                                      </p:cBhvr>
+                                      <p:to>
+                                        <p:strVal val="visible"/>
+                                      </p:to>
+                                    </p:set>
+                                  </p:childTnLst>
+                                </p:cTn>
+                              </p:par>
+                            </p:childTnLst>
+                          </p:cTn>
+                        </p:par>
+                      </p:childTnLst>
+                    </p:cTn>
+                  </p:par>
+                  <p:par>
+                    <p:cTn id="25" fill="hold">
+                      <p:stCondLst>
+                        <p:cond delay="indefinite"/>
+                      </p:stCondLst>
+                      <p:childTnLst>
+                        <p:par>
+                          <p:cTn id="26" fill="hold">
+                            <p:stCondLst>
+                              <p:cond delay="0"/>
+                            </p:stCondLst>
+                            <p:childTnLst>
+                              <p:par>
+                                <p:cTn id="27" presetID="1" presetClass="entr" presetSubtype="0" fill="hold" nodeType="clickEffect">
+                                  <p:stCondLst>
+                                    <p:cond delay="0"/>
+                                  </p:stCondLst>
+                                  <p:childTnLst>
+                                    <p:set>
+                                      <p:cBhvr>
+                                        <p:cTn id="28" dur="1" fill="hold">
+                                          <p:stCondLst>
+                                            <p:cond delay="0"/>
+                                          </p:stCondLst>
+                                        </p:cTn>
+                                        <p:tgtEl>
+                                          <p:spTgt spid="3">
+                                            <p:txEl>
+                                              <p:pRg st="12" end="12"/>
+                                            </p:txEl>
+                                          </p:spTgt>
+                                        </p:tgtEl>
+                                        <p:attrNameLst>
+                                          <p:attrName>style.visibility</p:attrName>
+                                        </p:attrNameLst>
+                                      </p:cBhvr>
+                                      <p:to>
+                                        <p:strVal val="visible"/>
+                                      </p:to>
+                                    </p:set>
+                                  </p:childTnLst>
+                                </p:cTn>
+                              </p:par>
+                              <p:par>
+                                <p:cTn id="29" presetID="1" presetClass="entr" presetSubtype="0" fill="hold" nodeType="withEffect">
+                                  <p:stCondLst>
+                                    <p:cond delay="0"/>
+                                  </p:stCondLst>
+                                  <p:childTnLst>
+                                    <p:set>
+                                      <p:cBhvr>
+                                        <p:cTn id="30" dur="1" fill="hold">
+                                          <p:stCondLst>
+                                            <p:cond delay="0"/>
+                                          </p:stCondLst>
+                                        </p:cTn>
+                                        <p:tgtEl>
+                                          <p:spTgt spid="3">
+                                            <p:txEl>
+                                              <p:pRg st="13" end="13"/>
+                                            </p:txEl>
+                                          </p:spTgt>
+                                        </p:tgtEl>
+                                        <p:attrNameLst>
+                                          <p:attrName>style.visibility</p:attrName>
+                                        </p:attrNameLst>
+                                      </p:cBhvr>
+                                      <p:to>
+                                        <p:strVal val="visible"/>
+                                      </p:to>
+                                    </p:set>
+                                  </p:childTnLst>
+                                </p:cTn>
+                              </p:par>
+                              <p:par>
+                                <p:cTn id="31" presetID="1" presetClass="entr" presetSubtype="0" fill="hold" nodeType="withEffect">
+                                  <p:stCondLst>
+                                    <p:cond delay="0"/>
+                                  </p:stCondLst>
+                                  <p:childTnLst>
+                                    <p:set>
+                                      <p:cBhvr>
+                                        <p:cTn id="32" dur="1" fill="hold">
+                                          <p:stCondLst>
+                                            <p:cond delay="0"/>
+                                          </p:stCondLst>
+                                        </p:cTn>
+                                        <p:tgtEl>
+                                          <p:spTgt spid="3">
+                                            <p:txEl>
+                                              <p:pRg st="14" end="14"/>
+                                            </p:txEl>
+                                          </p:spTgt>
+                                        </p:tgtEl>
+                                        <p:attrNameLst>
+                                          <p:attrName>style.visibility</p:attrName>
+                                        </p:attrNameLst>
+                                      </p:cBhvr>
+                                      <p:to>
+                                        <p:strVal val="visible"/>
+                                      </p:to>
+                                    </p:set>
+                                  </p:childTnLst>
+                                </p:cTn>
+                              </p:par>
+                              <p:par>
+                                <p:cTn id="33" presetID="1" presetClass="entr" presetSubtype="0" fill="hold" nodeType="withEffect">
+                                  <p:stCondLst>
+                                    <p:cond delay="0"/>
+                                  </p:stCondLst>
+                                  <p:childTnLst>
+                                    <p:set>
+                                      <p:cBhvr>
+                                        <p:cTn id="34" dur="1" fill="hold">
+                                          <p:stCondLst>
+                                            <p:cond delay="0"/>
+                                          </p:stCondLst>
+                                        </p:cTn>
+                                        <p:tgtEl>
+                                          <p:spTgt spid="3">
+                                            <p:txEl>
+                                              <p:pRg st="15" end="15"/>
+                                            </p:txEl>
+                                          </p:spTgt>
+                                        </p:tgtEl>
+                                        <p:attrNameLst>
+                                          <p:attrName>style.visibility</p:attrName>
+                                        </p:attrNameLst>
+                                      </p:cBhvr>
+                                      <p:to>
+                                        <p:strVal val="visible"/>
+                                      </p:to>
+                                    </p:set>
+                                  </p:childTnLst>
+                                </p:cTn>
+                              </p:par>
+                            </p:childTnLst>
+                          </p:cTn>
+                        </p:par>
+                      </p:childTnLst>
+                    </p:cTn>
+                  </p:par>
+                  <p:par>
+                    <p:cTn id="35" fill="hold">
+                      <p:stCondLst>
+                        <p:cond delay="indefinite"/>
+                      </p:stCondLst>
+                      <p:childTnLst>
+                        <p:par>
+                          <p:cTn id="36" fill="hold">
+                            <p:stCondLst>
+                              <p:cond delay="0"/>
+                            </p:stCondLst>
+                            <p:childTnLst>
+                              <p:par>
+                                <p:cTn id="37" presetID="1" presetClass="entr" presetSubtype="0" fill="hold" nodeType="clickEffect">
+                                  <p:stCondLst>
+                                    <p:cond delay="0"/>
+                                  </p:stCondLst>
+                                  <p:childTnLst>
+                                    <p:set>
+                                      <p:cBhvr>
+                                        <p:cTn id="38" dur="1" fill="hold">
+                                          <p:stCondLst>
+                                            <p:cond delay="0"/>
+                                          </p:stCondLst>
+                                        </p:cTn>
+                                        <p:tgtEl>
+                                          <p:spTgt spid="17"/>
+                                        </p:tgtEl>
+                                        <p:attrNameLst>
+                                          <p:attrName>style.visibility</p:attrName>
+                                        </p:attrNameLst>
+                                      </p:cBhvr>
+                                      <p:to>
+                                        <p:strVal val="visible"/>
+                                      </p:to>
+                                    </p:set>
+                                  </p:childTnLst>
+                                </p:cTn>
+                              </p:par>
+                              <p:par>
+                                <p:cTn id="39" presetID="1" presetClass="entr" presetSubtype="0" fill="hold" grpId="0" nodeType="withEffect">
+                                  <p:stCondLst>
+                                    <p:cond delay="0"/>
+                                  </p:stCondLst>
+                                  <p:childTnLst>
+                                    <p:set>
+                                      <p:cBhvr>
+                                        <p:cTn id="40" dur="1" fill="hold">
+                                          <p:stCondLst>
+                                            <p:cond delay="0"/>
+                                          </p:stCondLst>
+                                        </p:cTn>
+                                        <p:tgtEl>
+                                          <p:spTgt spid="18"/>
+                                        </p:tgtEl>
+                                        <p:attrNameLst>
+                                          <p:attrName>style.visibility</p:attrName>
+                                        </p:attrNameLst>
+                                      </p:cBhvr>
+                                      <p:to>
+                                        <p:strVal val="visible"/>
+                                      </p:to>
+                                    </p:set>
+                                  </p:childTnLst>
+                                </p:cTn>
+                              </p:par>
+                              <p:par>
+                                <p:cTn id="41" presetID="1" presetClass="entr" presetSubtype="0" fill="hold" nodeType="withEffect">
+                                  <p:stCondLst>
+                                    <p:cond delay="0"/>
+                                  </p:stCondLst>
+                                  <p:childTnLst>
+                                    <p:set>
+                                      <p:cBhvr>
+                                        <p:cTn id="42" dur="1" fill="hold">
+                                          <p:stCondLst>
+                                            <p:cond delay="0"/>
+                                          </p:stCondLst>
+                                        </p:cTn>
+                                        <p:tgtEl>
+                                          <p:spTgt spid="19"/>
+                                        </p:tgtEl>
+                                        <p:attrNameLst>
+                                          <p:attrName>style.visibility</p:attrName>
+                                        </p:attrNameLst>
+                                      </p:cBhvr>
+                                      <p:to>
+                                        <p:strVal val="visible"/>
+                                      </p:to>
+                                    </p:set>
+                                  </p:childTnLst>
+                                </p:cTn>
+                              </p:par>
+                            </p:childTnLst>
+                          </p:cTn>
+                        </p:par>
+                      </p:childTnLst>
+                    </p:cTn>
+                  </p:par>
+                  <p:par>
+                    <p:cTn id="43" fill="hold">
+                      <p:stCondLst>
+                        <p:cond delay="indefinite"/>
+                      </p:stCondLst>
+                      <p:childTnLst>
+                        <p:par>
+                          <p:cTn id="44" fill="hold">
+                            <p:stCondLst>
+                              <p:cond delay="0"/>
+                            </p:stCondLst>
+                            <p:childTnLst>
+                              <p:par>
+                                <p:cTn id="45" presetID="1" presetClass="entr" presetSubtype="0" fill="hold" nodeType="clickEffect">
+                                  <p:stCondLst>
+                                    <p:cond delay="0"/>
+                                  </p:stCondLst>
+                                  <p:childTnLst>
+                                    <p:set>
+                                      <p:cBhvr>
+                                        <p:cTn id="46" dur="1" fill="hold">
+                                          <p:stCondLst>
+                                            <p:cond delay="0"/>
+                                          </p:stCondLst>
+                                        </p:cTn>
+                                        <p:tgtEl>
+                                          <p:spTgt spid="3">
+                                            <p:txEl>
+                                              <p:pRg st="16" end="16"/>
+                                            </p:txEl>
+                                          </p:spTgt>
+                                        </p:tgtEl>
+                                        <p:attrNameLst>
+                                          <p:attrName>style.visibility</p:attrName>
+                                        </p:attrNameLst>
+                                      </p:cBhvr>
+                                      <p:to>
+                                        <p:strVal val="visible"/>
+                                      </p:to>
+                                    </p:set>
+                                  </p:childTnLst>
+                                </p:cTn>
+                              </p:par>
+                              <p:par>
+                                <p:cTn id="47" presetID="1" presetClass="entr" presetSubtype="0" fill="hold" nodeType="withEffect">
+                                  <p:stCondLst>
+                                    <p:cond delay="0"/>
+                                  </p:stCondLst>
+                                  <p:childTnLst>
+                                    <p:set>
+                                      <p:cBhvr>
+                                        <p:cTn id="48" dur="1" fill="hold">
+                                          <p:stCondLst>
+                                            <p:cond delay="0"/>
+                                          </p:stCondLst>
+                                        </p:cTn>
+                                        <p:tgtEl>
+                                          <p:spTgt spid="3">
+                                            <p:txEl>
+                                              <p:pRg st="17" end="17"/>
+                                            </p:txEl>
+                                          </p:spTgt>
+                                        </p:tgtEl>
+                                        <p:attrNameLst>
+                                          <p:attrName>style.visibility</p:attrName>
+                                        </p:attrNameLst>
+                                      </p:cBhvr>
+                                      <p:to>
+                                        <p:strVal val="visible"/>
+                                      </p:to>
+                                    </p:set>
+                                  </p:childTnLst>
+                                </p:cTn>
+                              </p:par>
+                              <p:par>
+                                <p:cTn id="49" presetID="1" presetClass="entr" presetSubtype="0" fill="hold" nodeType="withEffect">
+                                  <p:stCondLst>
+                                    <p:cond delay="0"/>
+                                  </p:stCondLst>
+                                  <p:childTnLst>
+                                    <p:set>
+                                      <p:cBhvr>
+                                        <p:cTn id="50" dur="1" fill="hold">
+                                          <p:stCondLst>
+                                            <p:cond delay="0"/>
+                                          </p:stCondLst>
+                                        </p:cTn>
+                                        <p:tgtEl>
+                                          <p:spTgt spid="3">
+                                            <p:txEl>
+                                              <p:pRg st="18" end="18"/>
+                                            </p:txEl>
+                                          </p:spTgt>
+                                        </p:tgtEl>
+                                        <p:attrNameLst>
+                                          <p:attrName>style.visibility</p:attrName>
+                                        </p:attrNameLst>
+                                      </p:cBhvr>
+                                      <p:to>
+                                        <p:strVal val="visible"/>
+                                      </p:to>
+                                    </p:set>
+                                  </p:childTnLst>
+                                </p:cTn>
+                              </p:par>
+                              <p:par>
+                                <p:cTn id="51" presetID="1" presetClass="entr" presetSubtype="0" fill="hold" nodeType="withEffect">
+                                  <p:stCondLst>
+                                    <p:cond delay="0"/>
+                                  </p:stCondLst>
+                                  <p:childTnLst>
+                                    <p:set>
+                                      <p:cBhvr>
+                                        <p:cTn id="52" dur="1" fill="hold">
+                                          <p:stCondLst>
+                                            <p:cond delay="0"/>
+                                          </p:stCondLst>
+                                        </p:cTn>
+                                        <p:tgtEl>
+                                          <p:spTgt spid="3">
+                                            <p:txEl>
+                                              <p:pRg st="19" end="19"/>
+                                            </p:txEl>
+                                          </p:spTgt>
+                                        </p:tgtEl>
+                                        <p:attrNameLst>
+                                          <p:attrName>style.visibility</p:attrName>
+                                        </p:attrNameLst>
+                                      </p:cBhvr>
+                                      <p:to>
+                                        <p:strVal val="visible"/>
+                                      </p:to>
+                                    </p:set>
+                                  </p:childTnLst>
+                                </p:cTn>
+                              </p:par>
+                              <p:par>
+                                <p:cTn id="53" presetID="1" presetClass="entr" presetSubtype="0" fill="hold" nodeType="withEffect">
+                                  <p:stCondLst>
+                                    <p:cond delay="0"/>
+                                  </p:stCondLst>
+                                  <p:childTnLst>
+                                    <p:set>
+                                      <p:cBhvr>
+                                        <p:cTn id="54" dur="1" fill="hold">
+                                          <p:stCondLst>
+                                            <p:cond delay="0"/>
+                                          </p:stCondLst>
+                                        </p:cTn>
+                                        <p:tgtEl>
+                                          <p:spTgt spid="3">
+                                            <p:txEl>
+                                              <p:pRg st="20" end="20"/>
+                                            </p:txEl>
+                                          </p:spTgt>
+                                        </p:tgtEl>
+                                        <p:attrNameLst>
+                                          <p:attrName>style.visibility</p:attrName>
+                                        </p:attrNameLst>
+                                      </p:cBhvr>
+                                      <p:to>
+                                        <p:strVal val="visible"/>
+                                      </p:to>
+                                    </p:set>
+                                  </p:childTnLst>
+                                </p:cTn>
+                              </p:par>
+                            </p:childTnLst>
+                          </p:cTn>
+                        </p:par>
+                      </p:childTnLst>
+                    </p:cTn>
+                  </p:par>
+                </p:childTnLst>
+              </p:cTn>
+              <p:prevCondLst>
+                <p:cond evt="onPrev" delay="0">
+                  <p:tgtEl>
+                    <p:sldTgt/>
+                  </p:tgtEl>
+                </p:cond>
+              </p:prevCondLst>
+              <p:nextCondLst>
+                <p:cond evt="onNext" delay="0">
+                  <p:tgtEl>
+                    <p:sldTgt/>
+                  </p:tgtEl>
+                </p:cond>
+              </p:nextCondLst>
+            </p:seq>
+          </p:childTnLst>
+        </p:cTn>
       </p:par>
     </p:tnLst>
+    <p:bldLst>
+      <p:bldP spid="10" grpId="0" animBg="1"/>
+      <p:bldP spid="18" grpId="0" animBg="1"/>
+    </p:bldLst>
   </p:timing>
 </p:sld>
 </file>
@@ -7834,6 +8544,114 @@
             <a:endParaRPr lang="en-US" altLang="ja-JP" sz="1200" dirty="0" smtClean="0"/>
           </a:p>
           <a:p>
+            <a:pPr marL="457200" lvl="1" indent="0">
+              <a:buNone/>
+            </a:pPr>
+            <a:r>
+              <a:rPr lang="ja-JP" altLang="en-US" sz="1200" dirty="0"/>
+              <a:t>関数例</a:t>
+            </a:r>
+            <a:r>
+              <a:rPr lang="en-US" altLang="ja-JP" sz="1200" dirty="0"/>
+              <a:t>:  </a:t>
+            </a:r>
+            <a:r>
+              <a:rPr lang="en-US" altLang="ja-JP" sz="1200" dirty="0" err="1"/>
+              <a:t>nm_data</a:t>
+            </a:r>
+            <a:r>
+              <a:rPr lang="en-US" altLang="ja-JP" sz="1200" dirty="0"/>
+              <a:t> %&gt;% </a:t>
+            </a:r>
+            <a:r>
+              <a:rPr lang="en-US" altLang="ja-JP" sz="1200" dirty="0" smtClean="0">
+                <a:solidFill>
+                  <a:srgbClr val="0070C0"/>
+                </a:solidFill>
+              </a:rPr>
+              <a:t>mutate</a:t>
+            </a:r>
+            <a:r>
+              <a:rPr lang="en-US" altLang="ja-JP" sz="1200" dirty="0" smtClean="0"/>
+              <a:t>(</a:t>
+            </a:r>
+            <a:r>
+              <a:rPr lang="nb-NO" altLang="ja-JP" sz="1200" dirty="0" smtClean="0">
+                <a:solidFill>
+                  <a:srgbClr val="0070C0"/>
+                </a:solidFill>
+              </a:rPr>
+              <a:t>ifelse</a:t>
+            </a:r>
+            <a:r>
+              <a:rPr lang="nb-NO" altLang="ja-JP" sz="1200" dirty="0" smtClean="0"/>
+              <a:t>(MALE </a:t>
+            </a:r>
+            <a:r>
+              <a:rPr lang="nb-NO" altLang="ja-JP" sz="1200" dirty="0"/>
+              <a:t>== </a:t>
+            </a:r>
+            <a:r>
+              <a:rPr lang="nb-NO" altLang="ja-JP" sz="1200" dirty="0" smtClean="0"/>
+              <a:t>0, </a:t>
+            </a:r>
+            <a:r>
+              <a:rPr lang="nb-NO" altLang="ja-JP" sz="1200" dirty="0"/>
+              <a:t>50 + 0.91*(HT-152.4), 45.5 + 0.91*(HT-152.4))</a:t>
+            </a:r>
+            <a:r>
+              <a:rPr lang="en-US" altLang="ja-JP" sz="1200" dirty="0" smtClean="0"/>
+              <a:t>)</a:t>
+            </a:r>
+            <a:endParaRPr lang="en-US" altLang="ja-JP" sz="1200" dirty="0"/>
+          </a:p>
+          <a:p>
+            <a:pPr marL="457200" lvl="1" indent="0">
+              <a:buNone/>
+            </a:pPr>
+            <a:r>
+              <a:rPr lang="ja-JP" altLang="en-US" sz="1200" dirty="0"/>
+              <a:t>意味： </a:t>
+            </a:r>
+            <a:r>
+              <a:rPr lang="en-US" altLang="ja-JP" sz="1200" dirty="0" err="1"/>
+              <a:t>nm_data</a:t>
+            </a:r>
+            <a:r>
+              <a:rPr lang="ja-JP" altLang="en-US" sz="1200" dirty="0"/>
+              <a:t>に新たに</a:t>
+            </a:r>
+            <a:r>
+              <a:rPr lang="en-US" altLang="ja-JP" sz="1200" dirty="0" smtClean="0"/>
+              <a:t>IBW</a:t>
+            </a:r>
+            <a:r>
+              <a:rPr lang="ja-JP" altLang="en-US" sz="1200" dirty="0" smtClean="0"/>
+              <a:t>と</a:t>
+            </a:r>
+            <a:r>
+              <a:rPr lang="ja-JP" altLang="en-US" sz="1200" dirty="0"/>
+              <a:t>いう列を</a:t>
+            </a:r>
+            <a:r>
+              <a:rPr lang="ja-JP" altLang="en-US" sz="1200" dirty="0" smtClean="0"/>
+              <a:t>作成</a:t>
+            </a:r>
+            <a:r>
+              <a:rPr lang="en-US" altLang="ja-JP" sz="1200" dirty="0" smtClean="0"/>
+              <a:t>(</a:t>
+            </a:r>
+            <a:r>
+              <a:rPr lang="ja-JP" altLang="en-US" sz="1200" dirty="0" smtClean="0"/>
+              <a:t>性別で式を変える</a:t>
+            </a:r>
+            <a:r>
+              <a:rPr lang="en-US" altLang="ja-JP" sz="1200" dirty="0" smtClean="0"/>
+              <a:t>)</a:t>
+            </a:r>
+            <a:endParaRPr lang="en-US" altLang="ja-JP" sz="1200" dirty="0" smtClean="0"/>
+          </a:p>
+          <a:p>
             <a:r>
               <a:rPr lang="en-US" altLang="ja-JP" sz="2000" dirty="0" err="1" smtClean="0">
                 <a:solidFill>
@@ -8140,6 +8958,933 @@
           </a:p>
         </p:txBody>
       </p:sp>
+      <p:graphicFrame>
+        <p:nvGraphicFramePr>
+          <p:cNvPr id="7" name="表 6"/>
+          <p:cNvGraphicFramePr>
+            <a:graphicFrameLocks noGrp="1"/>
+          </p:cNvGraphicFramePr>
+          <p:nvPr>
+            <p:extLst>
+              <p:ext uri="{D42A27DB-BD31-4B8C-83A1-F6EECF244321}">
+                <p14:modId xmlns:p14="http://schemas.microsoft.com/office/powerpoint/2010/main" val="3737698323"/>
+              </p:ext>
+            </p:extLst>
+          </p:nvPr>
+        </p:nvGraphicFramePr>
+        <p:xfrm>
+          <a:off x="7967921" y="1768491"/>
+          <a:ext cx="768642" cy="1135912"/>
+        </p:xfrm>
+        <a:graphic>
+          <a:graphicData uri="http://schemas.openxmlformats.org/drawingml/2006/table">
+            <a:tbl>
+              <a:tblPr firstRow="1" bandRow="1">
+                <a:tableStyleId>{5C22544A-7EE6-4342-B048-85BDC9FD1C3A}</a:tableStyleId>
+              </a:tblPr>
+              <a:tblGrid>
+                <a:gridCol w="384321"/>
+                <a:gridCol w="384321"/>
+              </a:tblGrid>
+              <a:tr h="283978">
+                <a:tc>
+                  <a:txBody>
+                    <a:bodyPr/>
+                    <a:lstStyle/>
+                    <a:p>
+                      <a:pPr algn="ctr"/>
+                      <a:r>
+                        <a:rPr kumimoji="1" lang="en-US" altLang="ja-JP" sz="900" dirty="0" smtClean="0"/>
+                        <a:t>ID</a:t>
+                      </a:r>
+                      <a:endParaRPr kumimoji="1" lang="ja-JP" altLang="en-US" sz="900" dirty="0"/>
+                    </a:p>
+                  </a:txBody>
+                  <a:tcPr marL="36000" marR="36000" marT="36000" marB="36000" anchor="ctr"/>
+                </a:tc>
+                <a:tc>
+                  <a:txBody>
+                    <a:bodyPr/>
+                    <a:lstStyle/>
+                    <a:p>
+                      <a:pPr algn="ctr"/>
+                      <a:r>
+                        <a:rPr kumimoji="1" lang="en-US" altLang="ja-JP" sz="900" dirty="0" smtClean="0"/>
+                        <a:t>HT</a:t>
+                      </a:r>
+                      <a:endParaRPr kumimoji="1" lang="ja-JP" altLang="en-US" sz="900" dirty="0"/>
+                    </a:p>
+                  </a:txBody>
+                  <a:tcPr marL="36000" marR="36000" marT="36000" marB="36000" anchor="ctr"/>
+                </a:tc>
+              </a:tr>
+              <a:tr h="283978">
+                <a:tc>
+                  <a:txBody>
+                    <a:bodyPr/>
+                    <a:lstStyle/>
+                    <a:p>
+                      <a:pPr marL="0" algn="ctr" defTabSz="914400" rtl="0" eaLnBrk="1" latinLnBrk="0" hangingPunct="1"/>
+                      <a:r>
+                        <a:rPr kumimoji="1" lang="en-US" altLang="ja-JP" sz="900" kern="1200" dirty="0" smtClean="0"/>
+                        <a:t>1</a:t>
+                      </a:r>
+                      <a:endParaRPr kumimoji="1" lang="ja-JP" altLang="en-US" sz="900" kern="1200" dirty="0">
+                        <a:solidFill>
+                          <a:schemeClr val="dk1"/>
+                        </a:solidFill>
+                        <a:latin typeface="+mn-lt"/>
+                        <a:ea typeface="+mn-ea"/>
+                        <a:cs typeface="+mn-cs"/>
+                      </a:endParaRPr>
+                    </a:p>
+                  </a:txBody>
+                  <a:tcPr marL="36000" marR="36000" marT="36000" marB="36000" anchor="ctr"/>
+                </a:tc>
+                <a:tc>
+                  <a:txBody>
+                    <a:bodyPr/>
+                    <a:lstStyle/>
+                    <a:p>
+                      <a:pPr marL="0" algn="ctr" defTabSz="914400" rtl="0" eaLnBrk="1" latinLnBrk="0" hangingPunct="1"/>
+                      <a:r>
+                        <a:rPr kumimoji="1" lang="en-US" altLang="ja-JP" sz="900" kern="1200" dirty="0" smtClean="0"/>
+                        <a:t>160</a:t>
+                      </a:r>
+                      <a:endParaRPr kumimoji="1" lang="ja-JP" altLang="en-US" sz="900" kern="1200" dirty="0">
+                        <a:solidFill>
+                          <a:schemeClr val="dk1"/>
+                        </a:solidFill>
+                        <a:latin typeface="+mn-lt"/>
+                        <a:ea typeface="+mn-ea"/>
+                        <a:cs typeface="+mn-cs"/>
+                      </a:endParaRPr>
+                    </a:p>
+                  </a:txBody>
+                  <a:tcPr marL="36000" marR="36000" marT="36000" marB="36000" anchor="ctr"/>
+                </a:tc>
+              </a:tr>
+              <a:tr h="283978">
+                <a:tc>
+                  <a:txBody>
+                    <a:bodyPr/>
+                    <a:lstStyle/>
+                    <a:p>
+                      <a:pPr algn="ctr"/>
+                      <a:r>
+                        <a:rPr kumimoji="1" lang="en-US" altLang="ja-JP" sz="900" dirty="0" smtClean="0"/>
+                        <a:t>2</a:t>
+                      </a:r>
+                      <a:endParaRPr kumimoji="1" lang="ja-JP" altLang="en-US" sz="900" dirty="0"/>
+                    </a:p>
+                  </a:txBody>
+                  <a:tcPr marL="36000" marR="36000" marT="36000" marB="36000" anchor="ctr"/>
+                </a:tc>
+                <a:tc>
+                  <a:txBody>
+                    <a:bodyPr/>
+                    <a:lstStyle/>
+                    <a:p>
+                      <a:pPr algn="ctr"/>
+                      <a:r>
+                        <a:rPr kumimoji="1" lang="en-US" altLang="ja-JP" sz="900" dirty="0" smtClean="0"/>
+                        <a:t>170</a:t>
+                      </a:r>
+                      <a:endParaRPr kumimoji="1" lang="ja-JP" altLang="en-US" sz="900" dirty="0"/>
+                    </a:p>
+                  </a:txBody>
+                  <a:tcPr marL="36000" marR="36000" marT="36000" marB="36000" anchor="ctr"/>
+                </a:tc>
+              </a:tr>
+              <a:tr h="283978">
+                <a:tc>
+                  <a:txBody>
+                    <a:bodyPr/>
+                    <a:lstStyle/>
+                    <a:p>
+                      <a:pPr algn="ctr"/>
+                      <a:r>
+                        <a:rPr kumimoji="1" lang="en-US" altLang="ja-JP" sz="900" dirty="0" smtClean="0"/>
+                        <a:t>3</a:t>
+                      </a:r>
+                    </a:p>
+                  </a:txBody>
+                  <a:tcPr marL="36000" marR="36000" marT="36000" marB="36000" anchor="ctr"/>
+                </a:tc>
+                <a:tc>
+                  <a:txBody>
+                    <a:bodyPr/>
+                    <a:lstStyle/>
+                    <a:p>
+                      <a:pPr algn="ctr"/>
+                      <a:r>
+                        <a:rPr kumimoji="1" lang="en-US" altLang="ja-JP" sz="900" dirty="0" smtClean="0"/>
+                        <a:t>180</a:t>
+                      </a:r>
+                      <a:endParaRPr kumimoji="1" lang="ja-JP" altLang="en-US" sz="900" dirty="0"/>
+                    </a:p>
+                  </a:txBody>
+                  <a:tcPr marL="36000" marR="36000" marT="36000" marB="36000" anchor="ctr"/>
+                </a:tc>
+              </a:tr>
+            </a:tbl>
+          </a:graphicData>
+        </a:graphic>
+      </p:graphicFrame>
+      <p:sp>
+        <p:nvSpPr>
+          <p:cNvPr id="8" name="右矢印 7"/>
+          <p:cNvSpPr/>
+          <p:nvPr/>
+        </p:nvSpPr>
+        <p:spPr>
+          <a:xfrm>
+            <a:off x="8958455" y="2096500"/>
+            <a:ext cx="1233405" cy="479894"/>
+          </a:xfrm>
+          <a:prstGeom prst="rightArrow">
+            <a:avLst>
+              <a:gd name="adj1" fmla="val 100000"/>
+              <a:gd name="adj2" fmla="val 36463"/>
+            </a:avLst>
+          </a:prstGeom>
+          <a:solidFill>
+            <a:srgbClr val="92D050"/>
+          </a:solidFill>
+          <a:ln>
+            <a:noFill/>
+          </a:ln>
+        </p:spPr>
+        <p:style>
+          <a:lnRef idx="2">
+            <a:schemeClr val="accent1">
+              <a:shade val="50000"/>
+            </a:schemeClr>
+          </a:lnRef>
+          <a:fillRef idx="1">
+            <a:schemeClr val="accent1"/>
+          </a:fillRef>
+          <a:effectRef idx="0">
+            <a:schemeClr val="accent1"/>
+          </a:effectRef>
+          <a:fontRef idx="minor">
+            <a:schemeClr val="lt1"/>
+          </a:fontRef>
+        </p:style>
+        <p:txBody>
+          <a:bodyPr rtlCol="0" anchor="ctr"/>
+          <a:lstStyle/>
+          <a:p>
+            <a:pPr algn="ctr"/>
+            <a:r>
+              <a:rPr lang="en-US" altLang="ja-JP" sz="1000" dirty="0">
+                <a:solidFill>
+                  <a:schemeClr val="tx1"/>
+                </a:solidFill>
+              </a:rPr>
+              <a:t>mutate(IBW = </a:t>
+            </a:r>
+            <a:r>
+              <a:rPr lang="en-US" altLang="ja-JP" sz="1000" dirty="0" smtClean="0">
+                <a:solidFill>
+                  <a:schemeClr val="tx1"/>
+                </a:solidFill>
+              </a:rPr>
+              <a:t>22*(</a:t>
+            </a:r>
+            <a:r>
+              <a:rPr lang="en-US" altLang="ja-JP" sz="1000" dirty="0">
+                <a:solidFill>
+                  <a:schemeClr val="tx1"/>
+                </a:solidFill>
+              </a:rPr>
+              <a:t>HT/100)^2)</a:t>
+            </a:r>
+          </a:p>
+        </p:txBody>
+      </p:sp>
+      <p:graphicFrame>
+        <p:nvGraphicFramePr>
+          <p:cNvPr id="9" name="表 8"/>
+          <p:cNvGraphicFramePr>
+            <a:graphicFrameLocks noGrp="1"/>
+          </p:cNvGraphicFramePr>
+          <p:nvPr>
+            <p:extLst>
+              <p:ext uri="{D42A27DB-BD31-4B8C-83A1-F6EECF244321}">
+                <p14:modId xmlns:p14="http://schemas.microsoft.com/office/powerpoint/2010/main" val="4292310598"/>
+              </p:ext>
+            </p:extLst>
+          </p:nvPr>
+        </p:nvGraphicFramePr>
+        <p:xfrm>
+          <a:off x="10413750" y="1768491"/>
+          <a:ext cx="1028832" cy="1135912"/>
+        </p:xfrm>
+        <a:graphic>
+          <a:graphicData uri="http://schemas.openxmlformats.org/drawingml/2006/table">
+            <a:tbl>
+              <a:tblPr firstRow="1" bandRow="1">
+                <a:tableStyleId>{5C22544A-7EE6-4342-B048-85BDC9FD1C3A}</a:tableStyleId>
+              </a:tblPr>
+              <a:tblGrid>
+                <a:gridCol w="342944"/>
+                <a:gridCol w="342944"/>
+                <a:gridCol w="342944"/>
+              </a:tblGrid>
+              <a:tr h="283978">
+                <a:tc>
+                  <a:txBody>
+                    <a:bodyPr/>
+                    <a:lstStyle/>
+                    <a:p>
+                      <a:pPr algn="ctr"/>
+                      <a:r>
+                        <a:rPr kumimoji="1" lang="en-US" altLang="ja-JP" sz="900" dirty="0" smtClean="0"/>
+                        <a:t>ID</a:t>
+                      </a:r>
+                      <a:endParaRPr kumimoji="1" lang="ja-JP" altLang="en-US" sz="900" dirty="0"/>
+                    </a:p>
+                  </a:txBody>
+                  <a:tcPr marL="36000" marR="36000" marT="36000" marB="36000" anchor="ctr"/>
+                </a:tc>
+                <a:tc>
+                  <a:txBody>
+                    <a:bodyPr/>
+                    <a:lstStyle/>
+                    <a:p>
+                      <a:pPr algn="ctr"/>
+                      <a:r>
+                        <a:rPr kumimoji="1" lang="en-US" altLang="ja-JP" sz="900" dirty="0" smtClean="0"/>
+                        <a:t>HT</a:t>
+                      </a:r>
+                      <a:endParaRPr kumimoji="1" lang="ja-JP" altLang="en-US" sz="900" dirty="0"/>
+                    </a:p>
+                  </a:txBody>
+                  <a:tcPr marL="36000" marR="36000" marT="36000" marB="36000" anchor="ctr"/>
+                </a:tc>
+                <a:tc>
+                  <a:txBody>
+                    <a:bodyPr/>
+                    <a:lstStyle/>
+                    <a:p>
+                      <a:pPr algn="ctr"/>
+                      <a:r>
+                        <a:rPr kumimoji="1" lang="en-US" altLang="ja-JP" sz="900" dirty="0" smtClean="0"/>
+                        <a:t>IBW</a:t>
+                      </a:r>
+                      <a:endParaRPr kumimoji="1" lang="ja-JP" altLang="en-US" sz="900" dirty="0"/>
+                    </a:p>
+                  </a:txBody>
+                  <a:tcPr marL="36000" marR="36000" marT="36000" marB="36000" anchor="ctr"/>
+                </a:tc>
+              </a:tr>
+              <a:tr h="283978">
+                <a:tc>
+                  <a:txBody>
+                    <a:bodyPr/>
+                    <a:lstStyle/>
+                    <a:p>
+                      <a:pPr marL="0" algn="ctr" defTabSz="914400" rtl="0" eaLnBrk="1" latinLnBrk="0" hangingPunct="1"/>
+                      <a:r>
+                        <a:rPr kumimoji="1" lang="en-US" altLang="ja-JP" sz="900" kern="1200" dirty="0" smtClean="0"/>
+                        <a:t>1</a:t>
+                      </a:r>
+                      <a:endParaRPr kumimoji="1" lang="ja-JP" altLang="en-US" sz="900" kern="1200" dirty="0">
+                        <a:solidFill>
+                          <a:schemeClr val="dk1"/>
+                        </a:solidFill>
+                        <a:latin typeface="+mn-lt"/>
+                        <a:ea typeface="+mn-ea"/>
+                        <a:cs typeface="+mn-cs"/>
+                      </a:endParaRPr>
+                    </a:p>
+                  </a:txBody>
+                  <a:tcPr marL="36000" marR="36000" marT="36000" marB="36000" anchor="ctr"/>
+                </a:tc>
+                <a:tc>
+                  <a:txBody>
+                    <a:bodyPr/>
+                    <a:lstStyle/>
+                    <a:p>
+                      <a:pPr marL="0" algn="ctr" defTabSz="914400" rtl="0" eaLnBrk="1" latinLnBrk="0" hangingPunct="1"/>
+                      <a:r>
+                        <a:rPr kumimoji="1" lang="en-US" altLang="ja-JP" sz="900" kern="1200" dirty="0" smtClean="0"/>
+                        <a:t>160</a:t>
+                      </a:r>
+                      <a:endParaRPr kumimoji="1" lang="ja-JP" altLang="en-US" sz="900" kern="1200" dirty="0">
+                        <a:solidFill>
+                          <a:schemeClr val="dk1"/>
+                        </a:solidFill>
+                        <a:latin typeface="+mn-lt"/>
+                        <a:ea typeface="+mn-ea"/>
+                        <a:cs typeface="+mn-cs"/>
+                      </a:endParaRPr>
+                    </a:p>
+                  </a:txBody>
+                  <a:tcPr marL="36000" marR="36000" marT="36000" marB="36000" anchor="ctr"/>
+                </a:tc>
+                <a:tc>
+                  <a:txBody>
+                    <a:bodyPr/>
+                    <a:lstStyle/>
+                    <a:p>
+                      <a:pPr marL="0" algn="ctr" defTabSz="914400" rtl="0" eaLnBrk="1" latinLnBrk="0" hangingPunct="1"/>
+                      <a:r>
+                        <a:rPr kumimoji="1" lang="en-US" altLang="ja-JP" sz="900" kern="1200" dirty="0" smtClean="0">
+                          <a:solidFill>
+                            <a:schemeClr val="dk1"/>
+                          </a:solidFill>
+                          <a:latin typeface="+mn-lt"/>
+                          <a:ea typeface="+mn-ea"/>
+                          <a:cs typeface="+mn-cs"/>
+                        </a:rPr>
+                        <a:t>56.3</a:t>
+                      </a:r>
+                      <a:endParaRPr kumimoji="1" lang="ja-JP" altLang="en-US" sz="900" kern="1200" dirty="0">
+                        <a:solidFill>
+                          <a:schemeClr val="dk1"/>
+                        </a:solidFill>
+                        <a:latin typeface="+mn-lt"/>
+                        <a:ea typeface="+mn-ea"/>
+                        <a:cs typeface="+mn-cs"/>
+                      </a:endParaRPr>
+                    </a:p>
+                  </a:txBody>
+                  <a:tcPr marL="36000" marR="36000" marT="36000" marB="36000" anchor="ctr"/>
+                </a:tc>
+              </a:tr>
+              <a:tr h="283978">
+                <a:tc>
+                  <a:txBody>
+                    <a:bodyPr/>
+                    <a:lstStyle/>
+                    <a:p>
+                      <a:pPr algn="ctr"/>
+                      <a:r>
+                        <a:rPr kumimoji="1" lang="en-US" altLang="ja-JP" sz="900" dirty="0" smtClean="0"/>
+                        <a:t>2</a:t>
+                      </a:r>
+                      <a:endParaRPr kumimoji="1" lang="ja-JP" altLang="en-US" sz="900" dirty="0"/>
+                    </a:p>
+                  </a:txBody>
+                  <a:tcPr marL="36000" marR="36000" marT="36000" marB="36000" anchor="ctr"/>
+                </a:tc>
+                <a:tc>
+                  <a:txBody>
+                    <a:bodyPr/>
+                    <a:lstStyle/>
+                    <a:p>
+                      <a:pPr algn="ctr"/>
+                      <a:r>
+                        <a:rPr kumimoji="1" lang="en-US" altLang="ja-JP" sz="900" dirty="0" smtClean="0"/>
+                        <a:t>170</a:t>
+                      </a:r>
+                      <a:endParaRPr kumimoji="1" lang="ja-JP" altLang="en-US" sz="900" dirty="0"/>
+                    </a:p>
+                  </a:txBody>
+                  <a:tcPr marL="36000" marR="36000" marT="36000" marB="36000" anchor="ctr"/>
+                </a:tc>
+                <a:tc>
+                  <a:txBody>
+                    <a:bodyPr/>
+                    <a:lstStyle/>
+                    <a:p>
+                      <a:pPr algn="ctr"/>
+                      <a:r>
+                        <a:rPr kumimoji="1" lang="en-US" altLang="ja-JP" sz="900" dirty="0" smtClean="0"/>
+                        <a:t>63.6</a:t>
+                      </a:r>
+                      <a:endParaRPr kumimoji="1" lang="ja-JP" altLang="en-US" sz="900" dirty="0"/>
+                    </a:p>
+                  </a:txBody>
+                  <a:tcPr marL="36000" marR="36000" marT="36000" marB="36000" anchor="ctr"/>
+                </a:tc>
+              </a:tr>
+              <a:tr h="283978">
+                <a:tc>
+                  <a:txBody>
+                    <a:bodyPr/>
+                    <a:lstStyle/>
+                    <a:p>
+                      <a:pPr algn="ctr"/>
+                      <a:r>
+                        <a:rPr kumimoji="1" lang="en-US" altLang="ja-JP" sz="900" dirty="0" smtClean="0"/>
+                        <a:t>3</a:t>
+                      </a:r>
+                    </a:p>
+                  </a:txBody>
+                  <a:tcPr marL="36000" marR="36000" marT="36000" marB="36000" anchor="ctr"/>
+                </a:tc>
+                <a:tc>
+                  <a:txBody>
+                    <a:bodyPr/>
+                    <a:lstStyle/>
+                    <a:p>
+                      <a:pPr algn="ctr"/>
+                      <a:r>
+                        <a:rPr kumimoji="1" lang="en-US" altLang="ja-JP" sz="900" dirty="0" smtClean="0"/>
+                        <a:t>180</a:t>
+                      </a:r>
+                      <a:endParaRPr kumimoji="1" lang="ja-JP" altLang="en-US" sz="900" dirty="0"/>
+                    </a:p>
+                  </a:txBody>
+                  <a:tcPr marL="36000" marR="36000" marT="36000" marB="36000" anchor="ctr"/>
+                </a:tc>
+                <a:tc>
+                  <a:txBody>
+                    <a:bodyPr/>
+                    <a:lstStyle/>
+                    <a:p>
+                      <a:pPr algn="ctr"/>
+                      <a:r>
+                        <a:rPr kumimoji="1" lang="en-US" altLang="ja-JP" sz="900" dirty="0" smtClean="0"/>
+                        <a:t>71.3</a:t>
+                      </a:r>
+                      <a:endParaRPr kumimoji="1" lang="ja-JP" altLang="en-US" sz="900" dirty="0"/>
+                    </a:p>
+                  </a:txBody>
+                  <a:tcPr marL="36000" marR="36000" marT="36000" marB="36000" anchor="ctr"/>
+                </a:tc>
+              </a:tr>
+            </a:tbl>
+          </a:graphicData>
+        </a:graphic>
+      </p:graphicFrame>
+      <p:sp>
+        <p:nvSpPr>
+          <p:cNvPr id="10" name="右矢印 9"/>
+          <p:cNvSpPr/>
+          <p:nvPr/>
+        </p:nvSpPr>
+        <p:spPr>
+          <a:xfrm>
+            <a:off x="8610600" y="4662745"/>
+            <a:ext cx="1233405" cy="479894"/>
+          </a:xfrm>
+          <a:prstGeom prst="rightArrow">
+            <a:avLst>
+              <a:gd name="adj1" fmla="val 100000"/>
+              <a:gd name="adj2" fmla="val 36463"/>
+            </a:avLst>
+          </a:prstGeom>
+          <a:solidFill>
+            <a:srgbClr val="92D050"/>
+          </a:solidFill>
+          <a:ln>
+            <a:noFill/>
+          </a:ln>
+        </p:spPr>
+        <p:style>
+          <a:lnRef idx="2">
+            <a:schemeClr val="accent1">
+              <a:shade val="50000"/>
+            </a:schemeClr>
+          </a:lnRef>
+          <a:fillRef idx="1">
+            <a:schemeClr val="accent1"/>
+          </a:fillRef>
+          <a:effectRef idx="0">
+            <a:schemeClr val="accent1"/>
+          </a:effectRef>
+          <a:fontRef idx="minor">
+            <a:schemeClr val="lt1"/>
+          </a:fontRef>
+        </p:style>
+        <p:txBody>
+          <a:bodyPr rtlCol="0" anchor="ctr"/>
+          <a:lstStyle/>
+          <a:p>
+            <a:pPr algn="ctr"/>
+            <a:r>
+              <a:rPr lang="en-US" altLang="ja-JP" sz="1000" dirty="0" err="1" smtClean="0">
+                <a:solidFill>
+                  <a:schemeClr val="tx1"/>
+                </a:solidFill>
+              </a:rPr>
+              <a:t>expand.grid</a:t>
+            </a:r>
+            <a:r>
+              <a:rPr lang="en-US" altLang="ja-JP" sz="1000" dirty="0" smtClean="0">
+                <a:solidFill>
+                  <a:schemeClr val="tx1"/>
+                </a:solidFill>
+              </a:rPr>
+              <a:t>(ID=1:3, TIME=0:2)</a:t>
+            </a:r>
+            <a:endParaRPr lang="en-US" altLang="ja-JP" sz="1000" dirty="0">
+              <a:solidFill>
+                <a:schemeClr val="tx1"/>
+              </a:solidFill>
+            </a:endParaRPr>
+          </a:p>
+        </p:txBody>
+      </p:sp>
+      <p:graphicFrame>
+        <p:nvGraphicFramePr>
+          <p:cNvPr id="11" name="表 10"/>
+          <p:cNvGraphicFramePr>
+            <a:graphicFrameLocks noGrp="1"/>
+          </p:cNvGraphicFramePr>
+          <p:nvPr>
+            <p:extLst>
+              <p:ext uri="{D42A27DB-BD31-4B8C-83A1-F6EECF244321}">
+                <p14:modId xmlns:p14="http://schemas.microsoft.com/office/powerpoint/2010/main" val="612145251"/>
+              </p:ext>
+            </p:extLst>
+          </p:nvPr>
+        </p:nvGraphicFramePr>
+        <p:xfrm>
+          <a:off x="9982200" y="3406543"/>
+          <a:ext cx="768642" cy="2839780"/>
+        </p:xfrm>
+        <a:graphic>
+          <a:graphicData uri="http://schemas.openxmlformats.org/drawingml/2006/table">
+            <a:tbl>
+              <a:tblPr firstRow="1" bandRow="1">
+                <a:tableStyleId>{5C22544A-7EE6-4342-B048-85BDC9FD1C3A}</a:tableStyleId>
+              </a:tblPr>
+              <a:tblGrid>
+                <a:gridCol w="384321"/>
+                <a:gridCol w="384321"/>
+              </a:tblGrid>
+              <a:tr h="283978">
+                <a:tc>
+                  <a:txBody>
+                    <a:bodyPr/>
+                    <a:lstStyle/>
+                    <a:p>
+                      <a:pPr algn="ctr"/>
+                      <a:r>
+                        <a:rPr kumimoji="1" lang="en-US" altLang="ja-JP" sz="900" dirty="0" smtClean="0"/>
+                        <a:t>ID</a:t>
+                      </a:r>
+                      <a:endParaRPr kumimoji="1" lang="ja-JP" altLang="en-US" sz="900" dirty="0"/>
+                    </a:p>
+                  </a:txBody>
+                  <a:tcPr marL="36000" marR="36000" marT="36000" marB="36000" anchor="ctr"/>
+                </a:tc>
+                <a:tc>
+                  <a:txBody>
+                    <a:bodyPr/>
+                    <a:lstStyle/>
+                    <a:p>
+                      <a:pPr algn="ctr"/>
+                      <a:r>
+                        <a:rPr kumimoji="1" lang="en-US" altLang="ja-JP" sz="900" dirty="0" smtClean="0"/>
+                        <a:t>TIME</a:t>
+                      </a:r>
+                      <a:endParaRPr kumimoji="1" lang="ja-JP" altLang="en-US" sz="900" dirty="0"/>
+                    </a:p>
+                  </a:txBody>
+                  <a:tcPr marL="36000" marR="36000" marT="36000" marB="36000" anchor="ctr"/>
+                </a:tc>
+              </a:tr>
+              <a:tr h="283978">
+                <a:tc>
+                  <a:txBody>
+                    <a:bodyPr/>
+                    <a:lstStyle/>
+                    <a:p>
+                      <a:pPr marL="0" algn="ctr" defTabSz="914400" rtl="0" eaLnBrk="1" latinLnBrk="0" hangingPunct="1"/>
+                      <a:r>
+                        <a:rPr kumimoji="1" lang="en-US" altLang="ja-JP" sz="900" kern="1200" dirty="0" smtClean="0"/>
+                        <a:t>1</a:t>
+                      </a:r>
+                      <a:endParaRPr kumimoji="1" lang="ja-JP" altLang="en-US" sz="900" kern="1200" dirty="0">
+                        <a:solidFill>
+                          <a:schemeClr val="dk1"/>
+                        </a:solidFill>
+                        <a:latin typeface="+mn-lt"/>
+                        <a:ea typeface="+mn-ea"/>
+                        <a:cs typeface="+mn-cs"/>
+                      </a:endParaRPr>
+                    </a:p>
+                  </a:txBody>
+                  <a:tcPr marL="36000" marR="36000" marT="36000" marB="36000" anchor="ctr"/>
+                </a:tc>
+                <a:tc>
+                  <a:txBody>
+                    <a:bodyPr/>
+                    <a:lstStyle/>
+                    <a:p>
+                      <a:pPr marL="0" algn="ctr" defTabSz="914400" rtl="0" eaLnBrk="1" latinLnBrk="0" hangingPunct="1"/>
+                      <a:r>
+                        <a:rPr kumimoji="1" lang="en-US" altLang="ja-JP" sz="900" kern="1200" dirty="0" smtClean="0"/>
+                        <a:t>0</a:t>
+                      </a:r>
+                      <a:endParaRPr kumimoji="1" lang="ja-JP" altLang="en-US" sz="900" kern="1200" dirty="0">
+                        <a:solidFill>
+                          <a:schemeClr val="dk1"/>
+                        </a:solidFill>
+                        <a:latin typeface="+mn-lt"/>
+                        <a:ea typeface="+mn-ea"/>
+                        <a:cs typeface="+mn-cs"/>
+                      </a:endParaRPr>
+                    </a:p>
+                  </a:txBody>
+                  <a:tcPr marL="36000" marR="36000" marT="36000" marB="36000" anchor="ctr"/>
+                </a:tc>
+              </a:tr>
+              <a:tr h="283978">
+                <a:tc>
+                  <a:txBody>
+                    <a:bodyPr/>
+                    <a:lstStyle/>
+                    <a:p>
+                      <a:pPr algn="ctr"/>
+                      <a:r>
+                        <a:rPr kumimoji="1" lang="en-US" altLang="ja-JP" sz="900" dirty="0" smtClean="0"/>
+                        <a:t>2</a:t>
+                      </a:r>
+                      <a:endParaRPr kumimoji="1" lang="ja-JP" altLang="en-US" sz="900" dirty="0"/>
+                    </a:p>
+                  </a:txBody>
+                  <a:tcPr marL="36000" marR="36000" marT="36000" marB="36000" anchor="ctr"/>
+                </a:tc>
+                <a:tc>
+                  <a:txBody>
+                    <a:bodyPr/>
+                    <a:lstStyle/>
+                    <a:p>
+                      <a:pPr algn="ctr"/>
+                      <a:r>
+                        <a:rPr kumimoji="1" lang="en-US" altLang="ja-JP" sz="900" dirty="0" smtClean="0"/>
+                        <a:t>0</a:t>
+                      </a:r>
+                      <a:endParaRPr kumimoji="1" lang="ja-JP" altLang="en-US" sz="900" dirty="0"/>
+                    </a:p>
+                  </a:txBody>
+                  <a:tcPr marL="36000" marR="36000" marT="36000" marB="36000" anchor="ctr"/>
+                </a:tc>
+              </a:tr>
+              <a:tr h="283978">
+                <a:tc>
+                  <a:txBody>
+                    <a:bodyPr/>
+                    <a:lstStyle/>
+                    <a:p>
+                      <a:pPr algn="ctr"/>
+                      <a:r>
+                        <a:rPr kumimoji="1" lang="en-US" altLang="ja-JP" sz="900" dirty="0" smtClean="0"/>
+                        <a:t>3</a:t>
+                      </a:r>
+                    </a:p>
+                  </a:txBody>
+                  <a:tcPr marL="36000" marR="36000" marT="36000" marB="36000" anchor="ctr"/>
+                </a:tc>
+                <a:tc>
+                  <a:txBody>
+                    <a:bodyPr/>
+                    <a:lstStyle/>
+                    <a:p>
+                      <a:pPr algn="ctr"/>
+                      <a:r>
+                        <a:rPr kumimoji="1" lang="en-US" altLang="ja-JP" sz="900" dirty="0" smtClean="0"/>
+                        <a:t>0</a:t>
+                      </a:r>
+                      <a:endParaRPr kumimoji="1" lang="ja-JP" altLang="en-US" sz="900" dirty="0"/>
+                    </a:p>
+                  </a:txBody>
+                  <a:tcPr marL="36000" marR="36000" marT="36000" marB="36000" anchor="ctr"/>
+                </a:tc>
+              </a:tr>
+              <a:tr h="283978">
+                <a:tc>
+                  <a:txBody>
+                    <a:bodyPr/>
+                    <a:lstStyle/>
+                    <a:p>
+                      <a:pPr algn="ctr"/>
+                      <a:r>
+                        <a:rPr kumimoji="1" lang="en-US" altLang="ja-JP" sz="900" dirty="0" smtClean="0"/>
+                        <a:t>1</a:t>
+                      </a:r>
+                      <a:endParaRPr kumimoji="1" lang="en-US" altLang="ja-JP" sz="900" dirty="0" smtClean="0"/>
+                    </a:p>
+                  </a:txBody>
+                  <a:tcPr marL="36000" marR="36000" marT="36000" marB="36000" anchor="ctr"/>
+                </a:tc>
+                <a:tc>
+                  <a:txBody>
+                    <a:bodyPr/>
+                    <a:lstStyle/>
+                    <a:p>
+                      <a:pPr algn="ctr"/>
+                      <a:r>
+                        <a:rPr kumimoji="1" lang="en-US" altLang="ja-JP" sz="900" dirty="0" smtClean="0"/>
+                        <a:t>1</a:t>
+                      </a:r>
+                      <a:endParaRPr kumimoji="1" lang="ja-JP" altLang="en-US" sz="900" dirty="0"/>
+                    </a:p>
+                  </a:txBody>
+                  <a:tcPr marL="36000" marR="36000" marT="36000" marB="36000" anchor="ctr"/>
+                </a:tc>
+              </a:tr>
+              <a:tr h="283978">
+                <a:tc>
+                  <a:txBody>
+                    <a:bodyPr/>
+                    <a:lstStyle/>
+                    <a:p>
+                      <a:pPr algn="ctr"/>
+                      <a:r>
+                        <a:rPr kumimoji="1" lang="en-US" altLang="ja-JP" sz="900" dirty="0" smtClean="0"/>
+                        <a:t>2</a:t>
+                      </a:r>
+                      <a:endParaRPr kumimoji="1" lang="en-US" altLang="ja-JP" sz="900" dirty="0" smtClean="0"/>
+                    </a:p>
+                  </a:txBody>
+                  <a:tcPr marL="36000" marR="36000" marT="36000" marB="36000" anchor="ctr"/>
+                </a:tc>
+                <a:tc>
+                  <a:txBody>
+                    <a:bodyPr/>
+                    <a:lstStyle/>
+                    <a:p>
+                      <a:pPr algn="ctr"/>
+                      <a:r>
+                        <a:rPr kumimoji="1" lang="en-US" altLang="ja-JP" sz="900" dirty="0" smtClean="0"/>
+                        <a:t>1</a:t>
+                      </a:r>
+                      <a:endParaRPr kumimoji="1" lang="ja-JP" altLang="en-US" sz="900" dirty="0"/>
+                    </a:p>
+                  </a:txBody>
+                  <a:tcPr marL="36000" marR="36000" marT="36000" marB="36000" anchor="ctr"/>
+                </a:tc>
+              </a:tr>
+              <a:tr h="283978">
+                <a:tc>
+                  <a:txBody>
+                    <a:bodyPr/>
+                    <a:lstStyle/>
+                    <a:p>
+                      <a:pPr algn="ctr"/>
+                      <a:r>
+                        <a:rPr kumimoji="1" lang="en-US" altLang="ja-JP" sz="900" dirty="0" smtClean="0"/>
+                        <a:t>3</a:t>
+                      </a:r>
+                      <a:endParaRPr kumimoji="1" lang="en-US" altLang="ja-JP" sz="900" dirty="0" smtClean="0"/>
+                    </a:p>
+                  </a:txBody>
+                  <a:tcPr marL="36000" marR="36000" marT="36000" marB="36000" anchor="ctr"/>
+                </a:tc>
+                <a:tc>
+                  <a:txBody>
+                    <a:bodyPr/>
+                    <a:lstStyle/>
+                    <a:p>
+                      <a:pPr algn="ctr"/>
+                      <a:r>
+                        <a:rPr kumimoji="1" lang="en-US" altLang="ja-JP" sz="900" dirty="0" smtClean="0"/>
+                        <a:t>1</a:t>
+                      </a:r>
+                      <a:endParaRPr kumimoji="1" lang="ja-JP" altLang="en-US" sz="900" dirty="0"/>
+                    </a:p>
+                  </a:txBody>
+                  <a:tcPr marL="36000" marR="36000" marT="36000" marB="36000" anchor="ctr"/>
+                </a:tc>
+              </a:tr>
+              <a:tr h="283978">
+                <a:tc>
+                  <a:txBody>
+                    <a:bodyPr/>
+                    <a:lstStyle/>
+                    <a:p>
+                      <a:pPr algn="ctr"/>
+                      <a:r>
+                        <a:rPr kumimoji="1" lang="en-US" altLang="ja-JP" sz="900" dirty="0" smtClean="0"/>
+                        <a:t>1</a:t>
+                      </a:r>
+                      <a:endParaRPr kumimoji="1" lang="en-US" altLang="ja-JP" sz="900" dirty="0" smtClean="0"/>
+                    </a:p>
+                  </a:txBody>
+                  <a:tcPr marL="36000" marR="36000" marT="36000" marB="36000" anchor="ctr"/>
+                </a:tc>
+                <a:tc>
+                  <a:txBody>
+                    <a:bodyPr/>
+                    <a:lstStyle/>
+                    <a:p>
+                      <a:pPr algn="ctr"/>
+                      <a:r>
+                        <a:rPr kumimoji="1" lang="en-US" altLang="ja-JP" sz="900" dirty="0" smtClean="0"/>
+                        <a:t>2</a:t>
+                      </a:r>
+                      <a:endParaRPr kumimoji="1" lang="ja-JP" altLang="en-US" sz="900" dirty="0"/>
+                    </a:p>
+                  </a:txBody>
+                  <a:tcPr marL="36000" marR="36000" marT="36000" marB="36000" anchor="ctr"/>
+                </a:tc>
+              </a:tr>
+              <a:tr h="283978">
+                <a:tc>
+                  <a:txBody>
+                    <a:bodyPr/>
+                    <a:lstStyle/>
+                    <a:p>
+                      <a:pPr algn="ctr"/>
+                      <a:r>
+                        <a:rPr kumimoji="1" lang="en-US" altLang="ja-JP" sz="900" dirty="0" smtClean="0"/>
+                        <a:t>2</a:t>
+                      </a:r>
+                      <a:endParaRPr kumimoji="1" lang="en-US" altLang="ja-JP" sz="900" dirty="0" smtClean="0"/>
+                    </a:p>
+                  </a:txBody>
+                  <a:tcPr marL="36000" marR="36000" marT="36000" marB="36000" anchor="ctr"/>
+                </a:tc>
+                <a:tc>
+                  <a:txBody>
+                    <a:bodyPr/>
+                    <a:lstStyle/>
+                    <a:p>
+                      <a:pPr algn="ctr"/>
+                      <a:r>
+                        <a:rPr kumimoji="1" lang="en-US" altLang="ja-JP" sz="900" dirty="0" smtClean="0"/>
+                        <a:t>2</a:t>
+                      </a:r>
+                      <a:endParaRPr kumimoji="1" lang="ja-JP" altLang="en-US" sz="900" dirty="0"/>
+                    </a:p>
+                  </a:txBody>
+                  <a:tcPr marL="36000" marR="36000" marT="36000" marB="36000" anchor="ctr"/>
+                </a:tc>
+              </a:tr>
+              <a:tr h="283978">
+                <a:tc>
+                  <a:txBody>
+                    <a:bodyPr/>
+                    <a:lstStyle/>
+                    <a:p>
+                      <a:pPr algn="ctr"/>
+                      <a:r>
+                        <a:rPr kumimoji="1" lang="en-US" altLang="ja-JP" sz="900" dirty="0" smtClean="0"/>
+                        <a:t>3</a:t>
+                      </a:r>
+                      <a:endParaRPr kumimoji="1" lang="en-US" altLang="ja-JP" sz="900" dirty="0" smtClean="0"/>
+                    </a:p>
+                  </a:txBody>
+                  <a:tcPr marL="36000" marR="36000" marT="36000" marB="36000" anchor="ctr"/>
+                </a:tc>
+                <a:tc>
+                  <a:txBody>
+                    <a:bodyPr/>
+                    <a:lstStyle/>
+                    <a:p>
+                      <a:pPr algn="ctr"/>
+                      <a:r>
+                        <a:rPr kumimoji="1" lang="en-US" altLang="ja-JP" sz="900" dirty="0" smtClean="0"/>
+                        <a:t>2</a:t>
+                      </a:r>
+                      <a:endParaRPr kumimoji="1" lang="ja-JP" altLang="en-US" sz="900" dirty="0"/>
+                    </a:p>
+                  </a:txBody>
+                  <a:tcPr marL="36000" marR="36000" marT="36000" marB="36000" anchor="ctr"/>
+                </a:tc>
+              </a:tr>
+            </a:tbl>
+          </a:graphicData>
+        </a:graphic>
+      </p:graphicFrame>
     </p:spTree>
     <p:extLst>
       <p:ext uri="{BB962C8B-B14F-4D97-AF65-F5344CB8AC3E}">
@@ -8153,9 +9898,491 @@
   <p:timing>
     <p:tnLst>
       <p:par>
-        <p:cTn id="1" dur="indefinite" restart="never" nodeType="tmRoot"/>
+        <p:cTn id="1" dur="indefinite" restart="never" nodeType="tmRoot">
+          <p:childTnLst>
+            <p:seq concurrent="1" nextAc="seek">
+              <p:cTn id="2" dur="indefinite" nodeType="mainSeq">
+                <p:childTnLst>
+                  <p:par>
+                    <p:cTn id="3" fill="hold">
+                      <p:stCondLst>
+                        <p:cond delay="indefinite"/>
+                      </p:stCondLst>
+                      <p:childTnLst>
+                        <p:par>
+                          <p:cTn id="4" fill="hold">
+                            <p:stCondLst>
+                              <p:cond delay="0"/>
+                            </p:stCondLst>
+                            <p:childTnLst>
+                              <p:par>
+                                <p:cTn id="5" presetID="1" presetClass="entr" presetSubtype="0" fill="hold" nodeType="clickEffect">
+                                  <p:stCondLst>
+                                    <p:cond delay="0"/>
+                                  </p:stCondLst>
+                                  <p:childTnLst>
+                                    <p:set>
+                                      <p:cBhvr>
+                                        <p:cTn id="6" dur="1" fill="hold">
+                                          <p:stCondLst>
+                                            <p:cond delay="0"/>
+                                          </p:stCondLst>
+                                        </p:cTn>
+                                        <p:tgtEl>
+                                          <p:spTgt spid="7"/>
+                                        </p:tgtEl>
+                                        <p:attrNameLst>
+                                          <p:attrName>style.visibility</p:attrName>
+                                        </p:attrNameLst>
+                                      </p:cBhvr>
+                                      <p:to>
+                                        <p:strVal val="visible"/>
+                                      </p:to>
+                                    </p:set>
+                                  </p:childTnLst>
+                                </p:cTn>
+                              </p:par>
+                              <p:par>
+                                <p:cTn id="7" presetID="1" presetClass="entr" presetSubtype="0" fill="hold" grpId="0" nodeType="withEffect">
+                                  <p:stCondLst>
+                                    <p:cond delay="0"/>
+                                  </p:stCondLst>
+                                  <p:childTnLst>
+                                    <p:set>
+                                      <p:cBhvr>
+                                        <p:cTn id="8" dur="1" fill="hold">
+                                          <p:stCondLst>
+                                            <p:cond delay="0"/>
+                                          </p:stCondLst>
+                                        </p:cTn>
+                                        <p:tgtEl>
+                                          <p:spTgt spid="8"/>
+                                        </p:tgtEl>
+                                        <p:attrNameLst>
+                                          <p:attrName>style.visibility</p:attrName>
+                                        </p:attrNameLst>
+                                      </p:cBhvr>
+                                      <p:to>
+                                        <p:strVal val="visible"/>
+                                      </p:to>
+                                    </p:set>
+                                  </p:childTnLst>
+                                </p:cTn>
+                              </p:par>
+                              <p:par>
+                                <p:cTn id="9" presetID="1" presetClass="entr" presetSubtype="0" fill="hold" nodeType="withEffect">
+                                  <p:stCondLst>
+                                    <p:cond delay="0"/>
+                                  </p:stCondLst>
+                                  <p:childTnLst>
+                                    <p:set>
+                                      <p:cBhvr>
+                                        <p:cTn id="10" dur="1" fill="hold">
+                                          <p:stCondLst>
+                                            <p:cond delay="0"/>
+                                          </p:stCondLst>
+                                        </p:cTn>
+                                        <p:tgtEl>
+                                          <p:spTgt spid="9"/>
+                                        </p:tgtEl>
+                                        <p:attrNameLst>
+                                          <p:attrName>style.visibility</p:attrName>
+                                        </p:attrNameLst>
+                                      </p:cBhvr>
+                                      <p:to>
+                                        <p:strVal val="visible"/>
+                                      </p:to>
+                                    </p:set>
+                                  </p:childTnLst>
+                                </p:cTn>
+                              </p:par>
+                            </p:childTnLst>
+                          </p:cTn>
+                        </p:par>
+                      </p:childTnLst>
+                    </p:cTn>
+                  </p:par>
+                  <p:par>
+                    <p:cTn id="11" fill="hold">
+                      <p:stCondLst>
+                        <p:cond delay="indefinite"/>
+                      </p:stCondLst>
+                      <p:childTnLst>
+                        <p:par>
+                          <p:cTn id="12" fill="hold">
+                            <p:stCondLst>
+                              <p:cond delay="0"/>
+                            </p:stCondLst>
+                            <p:childTnLst>
+                              <p:par>
+                                <p:cTn id="13" presetID="1" presetClass="entr" presetSubtype="0" fill="hold" nodeType="clickEffect">
+                                  <p:stCondLst>
+                                    <p:cond delay="0"/>
+                                  </p:stCondLst>
+                                  <p:childTnLst>
+                                    <p:set>
+                                      <p:cBhvr>
+                                        <p:cTn id="14" dur="1" fill="hold">
+                                          <p:stCondLst>
+                                            <p:cond delay="0"/>
+                                          </p:stCondLst>
+                                        </p:cTn>
+                                        <p:tgtEl>
+                                          <p:spTgt spid="6">
+                                            <p:txEl>
+                                              <p:pRg st="5" end="5"/>
+                                            </p:txEl>
+                                          </p:spTgt>
+                                        </p:tgtEl>
+                                        <p:attrNameLst>
+                                          <p:attrName>style.visibility</p:attrName>
+                                        </p:attrNameLst>
+                                      </p:cBhvr>
+                                      <p:to>
+                                        <p:strVal val="visible"/>
+                                      </p:to>
+                                    </p:set>
+                                  </p:childTnLst>
+                                </p:cTn>
+                              </p:par>
+                              <p:par>
+                                <p:cTn id="15" presetID="1" presetClass="entr" presetSubtype="0" fill="hold" nodeType="withEffect">
+                                  <p:stCondLst>
+                                    <p:cond delay="0"/>
+                                  </p:stCondLst>
+                                  <p:childTnLst>
+                                    <p:set>
+                                      <p:cBhvr>
+                                        <p:cTn id="16" dur="1" fill="hold">
+                                          <p:stCondLst>
+                                            <p:cond delay="0"/>
+                                          </p:stCondLst>
+                                        </p:cTn>
+                                        <p:tgtEl>
+                                          <p:spTgt spid="6">
+                                            <p:txEl>
+                                              <p:pRg st="6" end="6"/>
+                                            </p:txEl>
+                                          </p:spTgt>
+                                        </p:tgtEl>
+                                        <p:attrNameLst>
+                                          <p:attrName>style.visibility</p:attrName>
+                                        </p:attrNameLst>
+                                      </p:cBhvr>
+                                      <p:to>
+                                        <p:strVal val="visible"/>
+                                      </p:to>
+                                    </p:set>
+                                  </p:childTnLst>
+                                </p:cTn>
+                              </p:par>
+                              <p:par>
+                                <p:cTn id="17" presetID="1" presetClass="entr" presetSubtype="0" fill="hold" nodeType="withEffect">
+                                  <p:stCondLst>
+                                    <p:cond delay="0"/>
+                                  </p:stCondLst>
+                                  <p:childTnLst>
+                                    <p:set>
+                                      <p:cBhvr>
+                                        <p:cTn id="18" dur="1" fill="hold">
+                                          <p:stCondLst>
+                                            <p:cond delay="0"/>
+                                          </p:stCondLst>
+                                        </p:cTn>
+                                        <p:tgtEl>
+                                          <p:spTgt spid="6">
+                                            <p:txEl>
+                                              <p:pRg st="7" end="7"/>
+                                            </p:txEl>
+                                          </p:spTgt>
+                                        </p:tgtEl>
+                                        <p:attrNameLst>
+                                          <p:attrName>style.visibility</p:attrName>
+                                        </p:attrNameLst>
+                                      </p:cBhvr>
+                                      <p:to>
+                                        <p:strVal val="visible"/>
+                                      </p:to>
+                                    </p:set>
+                                  </p:childTnLst>
+                                </p:cTn>
+                              </p:par>
+                            </p:childTnLst>
+                          </p:cTn>
+                        </p:par>
+                      </p:childTnLst>
+                    </p:cTn>
+                  </p:par>
+                  <p:par>
+                    <p:cTn id="19" fill="hold">
+                      <p:stCondLst>
+                        <p:cond delay="indefinite"/>
+                      </p:stCondLst>
+                      <p:childTnLst>
+                        <p:par>
+                          <p:cTn id="20" fill="hold">
+                            <p:stCondLst>
+                              <p:cond delay="0"/>
+                            </p:stCondLst>
+                            <p:childTnLst>
+                              <p:par>
+                                <p:cTn id="21" presetID="1" presetClass="entr" presetSubtype="0" fill="hold" grpId="0" nodeType="clickEffect">
+                                  <p:stCondLst>
+                                    <p:cond delay="0"/>
+                                  </p:stCondLst>
+                                  <p:childTnLst>
+                                    <p:set>
+                                      <p:cBhvr>
+                                        <p:cTn id="22" dur="1" fill="hold">
+                                          <p:stCondLst>
+                                            <p:cond delay="0"/>
+                                          </p:stCondLst>
+                                        </p:cTn>
+                                        <p:tgtEl>
+                                          <p:spTgt spid="10"/>
+                                        </p:tgtEl>
+                                        <p:attrNameLst>
+                                          <p:attrName>style.visibility</p:attrName>
+                                        </p:attrNameLst>
+                                      </p:cBhvr>
+                                      <p:to>
+                                        <p:strVal val="visible"/>
+                                      </p:to>
+                                    </p:set>
+                                  </p:childTnLst>
+                                </p:cTn>
+                              </p:par>
+                              <p:par>
+                                <p:cTn id="23" presetID="1" presetClass="entr" presetSubtype="0" fill="hold" nodeType="withEffect">
+                                  <p:stCondLst>
+                                    <p:cond delay="0"/>
+                                  </p:stCondLst>
+                                  <p:childTnLst>
+                                    <p:set>
+                                      <p:cBhvr>
+                                        <p:cTn id="24" dur="1" fill="hold">
+                                          <p:stCondLst>
+                                            <p:cond delay="0"/>
+                                          </p:stCondLst>
+                                        </p:cTn>
+                                        <p:tgtEl>
+                                          <p:spTgt spid="11"/>
+                                        </p:tgtEl>
+                                        <p:attrNameLst>
+                                          <p:attrName>style.visibility</p:attrName>
+                                        </p:attrNameLst>
+                                      </p:cBhvr>
+                                      <p:to>
+                                        <p:strVal val="visible"/>
+                                      </p:to>
+                                    </p:set>
+                                  </p:childTnLst>
+                                </p:cTn>
+                              </p:par>
+                            </p:childTnLst>
+                          </p:cTn>
+                        </p:par>
+                      </p:childTnLst>
+                    </p:cTn>
+                  </p:par>
+                  <p:par>
+                    <p:cTn id="25" fill="hold">
+                      <p:stCondLst>
+                        <p:cond delay="indefinite"/>
+                      </p:stCondLst>
+                      <p:childTnLst>
+                        <p:par>
+                          <p:cTn id="26" fill="hold">
+                            <p:stCondLst>
+                              <p:cond delay="0"/>
+                            </p:stCondLst>
+                            <p:childTnLst>
+                              <p:par>
+                                <p:cTn id="27" presetID="1" presetClass="entr" presetSubtype="0" fill="hold" nodeType="clickEffect">
+                                  <p:stCondLst>
+                                    <p:cond delay="0"/>
+                                  </p:stCondLst>
+                                  <p:childTnLst>
+                                    <p:set>
+                                      <p:cBhvr>
+                                        <p:cTn id="28" dur="1" fill="hold">
+                                          <p:stCondLst>
+                                            <p:cond delay="0"/>
+                                          </p:stCondLst>
+                                        </p:cTn>
+                                        <p:tgtEl>
+                                          <p:spTgt spid="6">
+                                            <p:txEl>
+                                              <p:pRg st="8" end="8"/>
+                                            </p:txEl>
+                                          </p:spTgt>
+                                        </p:tgtEl>
+                                        <p:attrNameLst>
+                                          <p:attrName>style.visibility</p:attrName>
+                                        </p:attrNameLst>
+                                      </p:cBhvr>
+                                      <p:to>
+                                        <p:strVal val="visible"/>
+                                      </p:to>
+                                    </p:set>
+                                  </p:childTnLst>
+                                </p:cTn>
+                              </p:par>
+                              <p:par>
+                                <p:cTn id="29" presetID="1" presetClass="entr" presetSubtype="0" fill="hold" nodeType="withEffect">
+                                  <p:stCondLst>
+                                    <p:cond delay="0"/>
+                                  </p:stCondLst>
+                                  <p:childTnLst>
+                                    <p:set>
+                                      <p:cBhvr>
+                                        <p:cTn id="30" dur="1" fill="hold">
+                                          <p:stCondLst>
+                                            <p:cond delay="0"/>
+                                          </p:stCondLst>
+                                        </p:cTn>
+                                        <p:tgtEl>
+                                          <p:spTgt spid="6">
+                                            <p:txEl>
+                                              <p:pRg st="9" end="9"/>
+                                            </p:txEl>
+                                          </p:spTgt>
+                                        </p:tgtEl>
+                                        <p:attrNameLst>
+                                          <p:attrName>style.visibility</p:attrName>
+                                        </p:attrNameLst>
+                                      </p:cBhvr>
+                                      <p:to>
+                                        <p:strVal val="visible"/>
+                                      </p:to>
+                                    </p:set>
+                                  </p:childTnLst>
+                                </p:cTn>
+                              </p:par>
+                              <p:par>
+                                <p:cTn id="31" presetID="1" presetClass="entr" presetSubtype="0" fill="hold" nodeType="withEffect">
+                                  <p:stCondLst>
+                                    <p:cond delay="0"/>
+                                  </p:stCondLst>
+                                  <p:childTnLst>
+                                    <p:set>
+                                      <p:cBhvr>
+                                        <p:cTn id="32" dur="1" fill="hold">
+                                          <p:stCondLst>
+                                            <p:cond delay="0"/>
+                                          </p:stCondLst>
+                                        </p:cTn>
+                                        <p:tgtEl>
+                                          <p:spTgt spid="6">
+                                            <p:txEl>
+                                              <p:pRg st="10" end="10"/>
+                                            </p:txEl>
+                                          </p:spTgt>
+                                        </p:tgtEl>
+                                        <p:attrNameLst>
+                                          <p:attrName>style.visibility</p:attrName>
+                                        </p:attrNameLst>
+                                      </p:cBhvr>
+                                      <p:to>
+                                        <p:strVal val="visible"/>
+                                      </p:to>
+                                    </p:set>
+                                  </p:childTnLst>
+                                </p:cTn>
+                              </p:par>
+                              <p:par>
+                                <p:cTn id="33" presetID="1" presetClass="entr" presetSubtype="0" fill="hold" nodeType="withEffect">
+                                  <p:stCondLst>
+                                    <p:cond delay="0"/>
+                                  </p:stCondLst>
+                                  <p:childTnLst>
+                                    <p:set>
+                                      <p:cBhvr>
+                                        <p:cTn id="34" dur="1" fill="hold">
+                                          <p:stCondLst>
+                                            <p:cond delay="0"/>
+                                          </p:stCondLst>
+                                        </p:cTn>
+                                        <p:tgtEl>
+                                          <p:spTgt spid="6">
+                                            <p:txEl>
+                                              <p:pRg st="11" end="11"/>
+                                            </p:txEl>
+                                          </p:spTgt>
+                                        </p:tgtEl>
+                                        <p:attrNameLst>
+                                          <p:attrName>style.visibility</p:attrName>
+                                        </p:attrNameLst>
+                                      </p:cBhvr>
+                                      <p:to>
+                                        <p:strVal val="visible"/>
+                                      </p:to>
+                                    </p:set>
+                                  </p:childTnLst>
+                                </p:cTn>
+                              </p:par>
+                              <p:par>
+                                <p:cTn id="35" presetID="1" presetClass="entr" presetSubtype="0" fill="hold" nodeType="withEffect">
+                                  <p:stCondLst>
+                                    <p:cond delay="0"/>
+                                  </p:stCondLst>
+                                  <p:childTnLst>
+                                    <p:set>
+                                      <p:cBhvr>
+                                        <p:cTn id="36" dur="1" fill="hold">
+                                          <p:stCondLst>
+                                            <p:cond delay="0"/>
+                                          </p:stCondLst>
+                                        </p:cTn>
+                                        <p:tgtEl>
+                                          <p:spTgt spid="6">
+                                            <p:txEl>
+                                              <p:pRg st="12" end="12"/>
+                                            </p:txEl>
+                                          </p:spTgt>
+                                        </p:tgtEl>
+                                        <p:attrNameLst>
+                                          <p:attrName>style.visibility</p:attrName>
+                                        </p:attrNameLst>
+                                      </p:cBhvr>
+                                      <p:to>
+                                        <p:strVal val="visible"/>
+                                      </p:to>
+                                    </p:set>
+                                  </p:childTnLst>
+                                </p:cTn>
+                              </p:par>
+                            </p:childTnLst>
+                          </p:cTn>
+                        </p:par>
+                      </p:childTnLst>
+                    </p:cTn>
+                  </p:par>
+                </p:childTnLst>
+              </p:cTn>
+              <p:prevCondLst>
+                <p:cond evt="onPrev" delay="0">
+                  <p:tgtEl>
+                    <p:sldTgt/>
+                  </p:tgtEl>
+                </p:cond>
+              </p:prevCondLst>
+              <p:nextCondLst>
+                <p:cond evt="onNext" delay="0">
+                  <p:tgtEl>
+                    <p:sldTgt/>
+                  </p:tgtEl>
+                </p:cond>
+              </p:nextCondLst>
+            </p:seq>
+          </p:childTnLst>
+        </p:cTn>
       </p:par>
     </p:tnLst>
+    <p:bldLst>
+      <p:bldP spid="8" grpId="0" animBg="1"/>
+      <p:bldP spid="10" grpId="0" animBg="1"/>
+    </p:bldLst>
   </p:timing>
 </p:sld>
 </file>
@@ -8233,7 +10460,134 @@
           <a:bodyPr/>
           <a:lstStyle/>
           <a:p>
-            <a:endParaRPr kumimoji="1" lang="ja-JP" altLang="en-US"/>
+            <a:pPr marL="0" indent="0">
+              <a:buNone/>
+            </a:pPr>
+            <a:r>
+              <a:rPr lang="en-US" altLang="ja-JP" dirty="0"/>
+              <a:t>data folder</a:t>
+            </a:r>
+            <a:r>
+              <a:rPr lang="ja-JP" altLang="en-US" dirty="0"/>
+              <a:t>内の</a:t>
+            </a:r>
+            <a:r>
+              <a:rPr lang="en-US" altLang="ja-JP" dirty="0">
+                <a:solidFill>
+                  <a:schemeClr val="accent6">
+                    <a:lumMod val="75000"/>
+                  </a:schemeClr>
+                </a:solidFill>
+              </a:rPr>
+              <a:t>PSP4-8-748-s012.csv</a:t>
+            </a:r>
+            <a:r>
+              <a:rPr lang="ja-JP" altLang="en-US" dirty="0"/>
+              <a:t>を</a:t>
+            </a:r>
+            <a:r>
+              <a:rPr lang="en-US" altLang="ja-JP" dirty="0" smtClean="0"/>
+              <a:t>nm_data2, </a:t>
+            </a:r>
+            <a:r>
+              <a:rPr lang="en-US" altLang="ja-JP" dirty="0" smtClean="0">
+                <a:solidFill>
+                  <a:schemeClr val="accent6">
+                    <a:lumMod val="75000"/>
+                  </a:schemeClr>
+                </a:solidFill>
+              </a:rPr>
+              <a:t>back_info.csv</a:t>
+            </a:r>
+            <a:r>
+              <a:rPr lang="ja-JP" altLang="en-US" dirty="0" smtClean="0"/>
+              <a:t>を</a:t>
+            </a:r>
+            <a:r>
+              <a:rPr lang="en-US" altLang="ja-JP" dirty="0" err="1" smtClean="0"/>
+              <a:t>back_info</a:t>
+            </a:r>
+            <a:r>
+              <a:rPr lang="ja-JP" altLang="en-US" dirty="0" smtClean="0"/>
+              <a:t>と</a:t>
+            </a:r>
+            <a:r>
+              <a:rPr lang="ja-JP" altLang="en-US" dirty="0"/>
+              <a:t>して読み込み</a:t>
+            </a:r>
+            <a:r>
+              <a:rPr lang="ja-JP" altLang="en-US" dirty="0" smtClean="0"/>
+              <a:t>，</a:t>
+            </a:r>
+            <a:endParaRPr lang="en-US" altLang="ja-JP" dirty="0" smtClean="0"/>
+          </a:p>
+          <a:p>
+            <a:pPr marL="971550" lvl="1" indent="-514350">
+              <a:buFont typeface="+mj-lt"/>
+              <a:buAutoNum type="arabicPeriod"/>
+            </a:pPr>
+            <a:r>
+              <a:rPr lang="en-US" altLang="ja-JP" dirty="0" smtClean="0"/>
+              <a:t>nm_data2</a:t>
+            </a:r>
+            <a:r>
+              <a:rPr lang="ja-JP" altLang="en-US" dirty="0" smtClean="0"/>
+              <a:t>に</a:t>
+            </a:r>
+            <a:r>
+              <a:rPr lang="en-US" altLang="ja-JP" dirty="0" err="1" smtClean="0"/>
+              <a:t>back_info</a:t>
+            </a:r>
+            <a:r>
+              <a:rPr lang="ja-JP" altLang="en-US" dirty="0" smtClean="0"/>
+              <a:t>を</a:t>
+            </a:r>
+            <a:r>
+              <a:rPr lang="en-US" altLang="ja-JP" dirty="0" smtClean="0"/>
+              <a:t>ID</a:t>
+            </a:r>
+            <a:r>
+              <a:rPr lang="ja-JP" altLang="en-US" dirty="0" smtClean="0"/>
+              <a:t>を</a:t>
+            </a:r>
+            <a:r>
+              <a:rPr lang="en-US" altLang="ja-JP" dirty="0" smtClean="0"/>
+              <a:t>Key</a:t>
+            </a:r>
+            <a:r>
+              <a:rPr lang="ja-JP" altLang="en-US" dirty="0" smtClean="0"/>
+              <a:t>としてマージしてください</a:t>
+            </a:r>
+            <a:endParaRPr lang="en-US" altLang="ja-JP" dirty="0" smtClean="0"/>
+          </a:p>
+          <a:p>
+            <a:pPr marL="971550" lvl="1" indent="-514350">
+              <a:buFont typeface="+mj-lt"/>
+              <a:buAutoNum type="arabicPeriod"/>
+            </a:pPr>
+            <a:r>
+              <a:rPr lang="en-US" altLang="ja-JP" dirty="0" smtClean="0"/>
+              <a:t>CYP2D6</a:t>
+            </a:r>
+            <a:r>
+              <a:rPr lang="ja-JP" altLang="en-US" dirty="0" smtClean="0"/>
+              <a:t> </a:t>
+            </a:r>
+            <a:r>
+              <a:rPr lang="en-US" altLang="ja-JP" dirty="0" smtClean="0"/>
+              <a:t>Phenotype</a:t>
+            </a:r>
+            <a:r>
+              <a:rPr lang="ja-JP" altLang="en-US" dirty="0" smtClean="0"/>
+              <a:t>ごとの被験者数を算出してください</a:t>
+            </a:r>
+            <a:endParaRPr lang="en-US" altLang="ja-JP" dirty="0"/>
+          </a:p>
+          <a:p>
+            <a:pPr marL="0" indent="0">
+              <a:buNone/>
+            </a:pPr>
+            <a:endParaRPr kumimoji="1" lang="ja-JP" altLang="en-US" dirty="0"/>
           </a:p>
         </p:txBody>
       </p:sp>
@@ -8309,6 +10663,13 @@
   <p:clrMapOvr>
     <a:masterClrMapping/>
   </p:clrMapOvr>
+  <p:timing>
+    <p:tnLst>
+      <p:par>
+        <p:cTn id="1" dur="indefinite" restart="never" nodeType="tmRoot"/>
+      </p:par>
+    </p:tnLst>
+  </p:timing>
 </p:sld>
 </file>
 
@@ -8735,6 +11096,13 @@
   <p:clrMapOvr>
     <a:masterClrMapping/>
   </p:clrMapOvr>
+  <p:timing>
+    <p:tnLst>
+      <p:par>
+        <p:cTn id="1" dur="indefinite" restart="never" nodeType="tmRoot"/>
+      </p:par>
+    </p:tnLst>
+  </p:timing>
 </p:sld>
 </file>
 
@@ -9510,11 +11878,7 @@
             </a:r>
             <a:r>
               <a:rPr lang="ja-JP" altLang="en-US" dirty="0" smtClean="0"/>
-              <a:t>：</a:t>
-            </a:r>
-            <a:r>
-              <a:rPr lang="ja-JP" altLang="en-US" dirty="0" smtClean="0"/>
-              <a:t>データの読み込み，表示，計測，抜き出し，</a:t>
+              <a:t>：データの読み込み，表示，計測，抜き出し，</a:t>
             </a:r>
             <a:r>
               <a:rPr lang="ja-JP" altLang="en-US" dirty="0"/>
@@ -9598,11 +11962,7 @@
             </a:r>
             <a:r>
               <a:rPr lang="ja-JP" altLang="en-US" dirty="0" smtClean="0"/>
-              <a:t>：</a:t>
-            </a:r>
-            <a:r>
-              <a:rPr lang="ja-JP" altLang="en-US" dirty="0" smtClean="0"/>
-              <a:t>散布図，折れ線グラフ</a:t>
+              <a:t>：散布図，折れ線グラフ</a:t>
             </a:r>
             <a:r>
               <a:rPr lang="en-US" altLang="ja-JP" dirty="0" smtClean="0"/>
@@ -10836,7 +13196,141 @@
   <p:timing>
     <p:tnLst>
       <p:par>
-        <p:cTn id="1" dur="indefinite" restart="never" nodeType="tmRoot"/>
+        <p:cTn id="1" dur="indefinite" restart="never" nodeType="tmRoot">
+          <p:childTnLst>
+            <p:seq concurrent="1" nextAc="seek">
+              <p:cTn id="2" dur="indefinite" nodeType="mainSeq">
+                <p:childTnLst>
+                  <p:par>
+                    <p:cTn id="3" fill="hold">
+                      <p:stCondLst>
+                        <p:cond delay="indefinite"/>
+                      </p:stCondLst>
+                      <p:childTnLst>
+                        <p:par>
+                          <p:cTn id="4" fill="hold">
+                            <p:stCondLst>
+                              <p:cond delay="0"/>
+                            </p:stCondLst>
+                            <p:childTnLst>
+                              <p:par>
+                                <p:cTn id="5" presetID="1" presetClass="entr" presetSubtype="0" fill="hold" nodeType="clickEffect">
+                                  <p:stCondLst>
+                                    <p:cond delay="0"/>
+                                  </p:stCondLst>
+                                  <p:childTnLst>
+                                    <p:set>
+                                      <p:cBhvr>
+                                        <p:cTn id="6" dur="1" fill="hold">
+                                          <p:stCondLst>
+                                            <p:cond delay="0"/>
+                                          </p:stCondLst>
+                                        </p:cTn>
+                                        <p:tgtEl>
+                                          <p:spTgt spid="3">
+                                            <p:txEl>
+                                              <p:pRg st="4" end="4"/>
+                                            </p:txEl>
+                                          </p:spTgt>
+                                        </p:tgtEl>
+                                        <p:attrNameLst>
+                                          <p:attrName>style.visibility</p:attrName>
+                                        </p:attrNameLst>
+                                      </p:cBhvr>
+                                      <p:to>
+                                        <p:strVal val="visible"/>
+                                      </p:to>
+                                    </p:set>
+                                  </p:childTnLst>
+                                </p:cTn>
+                              </p:par>
+                              <p:par>
+                                <p:cTn id="7" presetID="1" presetClass="entr" presetSubtype="0" fill="hold" nodeType="withEffect">
+                                  <p:stCondLst>
+                                    <p:cond delay="0"/>
+                                  </p:stCondLst>
+                                  <p:childTnLst>
+                                    <p:set>
+                                      <p:cBhvr>
+                                        <p:cTn id="8" dur="1" fill="hold">
+                                          <p:stCondLst>
+                                            <p:cond delay="0"/>
+                                          </p:stCondLst>
+                                        </p:cTn>
+                                        <p:tgtEl>
+                                          <p:spTgt spid="3">
+                                            <p:txEl>
+                                              <p:pRg st="5" end="5"/>
+                                            </p:txEl>
+                                          </p:spTgt>
+                                        </p:tgtEl>
+                                        <p:attrNameLst>
+                                          <p:attrName>style.visibility</p:attrName>
+                                        </p:attrNameLst>
+                                      </p:cBhvr>
+                                      <p:to>
+                                        <p:strVal val="visible"/>
+                                      </p:to>
+                                    </p:set>
+                                  </p:childTnLst>
+                                </p:cTn>
+                              </p:par>
+                              <p:par>
+                                <p:cTn id="9" presetID="1" presetClass="entr" presetSubtype="0" fill="hold" nodeType="withEffect">
+                                  <p:stCondLst>
+                                    <p:cond delay="0"/>
+                                  </p:stCondLst>
+                                  <p:childTnLst>
+                                    <p:set>
+                                      <p:cBhvr>
+                                        <p:cTn id="10" dur="1" fill="hold">
+                                          <p:stCondLst>
+                                            <p:cond delay="0"/>
+                                          </p:stCondLst>
+                                        </p:cTn>
+                                        <p:tgtEl>
+                                          <p:spTgt spid="3">
+                                            <p:txEl>
+                                              <p:pRg st="6" end="6"/>
+                                            </p:txEl>
+                                          </p:spTgt>
+                                        </p:tgtEl>
+                                        <p:attrNameLst>
+                                          <p:attrName>style.visibility</p:attrName>
+                                        </p:attrNameLst>
+                                      </p:cBhvr>
+                                      <p:to>
+                                        <p:strVal val="visible"/>
+                                      </p:to>
+                                    </p:set>
+                                  </p:childTnLst>
+                                </p:cTn>
+                              </p:par>
+                            </p:childTnLst>
+                          </p:cTn>
+                        </p:par>
+                      </p:childTnLst>
+                    </p:cTn>
+                  </p:par>
+                </p:childTnLst>
+              </p:cTn>
+              <p:prevCondLst>
+                <p:cond evt="onPrev" delay="0">
+                  <p:tgtEl>
+                    <p:sldTgt/>
+                  </p:tgtEl>
+                </p:cond>
+              </p:prevCondLst>
+              <p:nextCondLst>
+                <p:cond evt="onNext" delay="0">
+                  <p:tgtEl>
+                    <p:sldTgt/>
+                  </p:tgtEl>
+                </p:cond>
+              </p:nextCondLst>
+            </p:seq>
+          </p:childTnLst>
+        </p:cTn>
       </p:par>
     </p:tnLst>
   </p:timing>
@@ -17862,9 +20356,135 @@
   <p:timing>
     <p:tnLst>
       <p:par>
-        <p:cTn id="1" dur="indefinite" restart="never" nodeType="tmRoot"/>
+        <p:cTn id="1" dur="indefinite" restart="never" nodeType="tmRoot">
+          <p:childTnLst>
+            <p:seq concurrent="1" nextAc="seek">
+              <p:cTn id="2" dur="indefinite" nodeType="mainSeq">
+                <p:childTnLst>
+                  <p:par>
+                    <p:cTn id="3" fill="hold">
+                      <p:stCondLst>
+                        <p:cond delay="indefinite"/>
+                      </p:stCondLst>
+                      <p:childTnLst>
+                        <p:par>
+                          <p:cTn id="4" fill="hold">
+                            <p:stCondLst>
+                              <p:cond delay="0"/>
+                            </p:stCondLst>
+                            <p:childTnLst>
+                              <p:par>
+                                <p:cTn id="5" presetID="1" presetClass="entr" presetSubtype="0" fill="hold" nodeType="clickEffect">
+                                  <p:stCondLst>
+                                    <p:cond delay="0"/>
+                                  </p:stCondLst>
+                                  <p:childTnLst>
+                                    <p:set>
+                                      <p:cBhvr>
+                                        <p:cTn id="6" dur="1" fill="hold">
+                                          <p:stCondLst>
+                                            <p:cond delay="0"/>
+                                          </p:stCondLst>
+                                        </p:cTn>
+                                        <p:tgtEl>
+                                          <p:spTgt spid="14"/>
+                                        </p:tgtEl>
+                                        <p:attrNameLst>
+                                          <p:attrName>style.visibility</p:attrName>
+                                        </p:attrNameLst>
+                                      </p:cBhvr>
+                                      <p:to>
+                                        <p:strVal val="visible"/>
+                                      </p:to>
+                                    </p:set>
+                                  </p:childTnLst>
+                                </p:cTn>
+                              </p:par>
+                              <p:par>
+                                <p:cTn id="7" presetID="1" presetClass="entr" presetSubtype="0" fill="hold" grpId="0" nodeType="withEffect">
+                                  <p:stCondLst>
+                                    <p:cond delay="0"/>
+                                  </p:stCondLst>
+                                  <p:childTnLst>
+                                    <p:set>
+                                      <p:cBhvr>
+                                        <p:cTn id="8" dur="1" fill="hold">
+                                          <p:stCondLst>
+                                            <p:cond delay="0"/>
+                                          </p:stCondLst>
+                                        </p:cTn>
+                                        <p:tgtEl>
+                                          <p:spTgt spid="15"/>
+                                        </p:tgtEl>
+                                        <p:attrNameLst>
+                                          <p:attrName>style.visibility</p:attrName>
+                                        </p:attrNameLst>
+                                      </p:cBhvr>
+                                      <p:to>
+                                        <p:strVal val="visible"/>
+                                      </p:to>
+                                    </p:set>
+                                  </p:childTnLst>
+                                </p:cTn>
+                              </p:par>
+                              <p:par>
+                                <p:cTn id="9" presetID="1" presetClass="entr" presetSubtype="0" fill="hold" grpId="0" nodeType="withEffect">
+                                  <p:stCondLst>
+                                    <p:cond delay="0"/>
+                                  </p:stCondLst>
+                                  <p:childTnLst>
+                                    <p:set>
+                                      <p:cBhvr>
+                                        <p:cTn id="10" dur="1" fill="hold">
+                                          <p:stCondLst>
+                                            <p:cond delay="0"/>
+                                          </p:stCondLst>
+                                        </p:cTn>
+                                        <p:tgtEl>
+                                          <p:spTgt spid="16"/>
+                                        </p:tgtEl>
+                                        <p:attrNameLst>
+                                          <p:attrName>style.visibility</p:attrName>
+                                        </p:attrNameLst>
+                                      </p:cBhvr>
+                                      <p:to>
+                                        <p:strVal val="visible"/>
+                                      </p:to>
+                                    </p:set>
+                                  </p:childTnLst>
+                                </p:cTn>
+                              </p:par>
+                            </p:childTnLst>
+                          </p:cTn>
+                        </p:par>
+                      </p:childTnLst>
+                    </p:cTn>
+                  </p:par>
+                </p:childTnLst>
+              </p:cTn>
+              <p:prevCondLst>
+                <p:cond evt="onPrev" delay="0">
+                  <p:tgtEl>
+                    <p:sldTgt/>
+                  </p:tgtEl>
+                </p:cond>
+              </p:prevCondLst>
+              <p:nextCondLst>
+                <p:cond evt="onNext" delay="0">
+                  <p:tgtEl>
+                    <p:sldTgt/>
+                  </p:tgtEl>
+                </p:cond>
+              </p:nextCondLst>
+            </p:seq>
+          </p:childTnLst>
+        </p:cTn>
       </p:par>
     </p:tnLst>
+    <p:bldLst>
+      <p:bldP spid="15" grpId="0"/>
+      <p:bldP spid="16" grpId="0"/>
+    </p:bldLst>
   </p:timing>
 </p:sld>
 </file>
@@ -17957,11 +20577,7 @@
           <a:p>
             <a:r>
               <a:rPr kumimoji="1" lang="en-US" altLang="ja-JP" dirty="0" smtClean="0"/>
-              <a:t>R package </a:t>
-            </a:r>
-            <a:r>
-              <a:rPr kumimoji="1" lang="en-US" altLang="ja-JP" dirty="0" smtClean="0"/>
-              <a:t>“</a:t>
+              <a:t>R package “</a:t>
             </a:r>
             <a:r>
               <a:rPr kumimoji="1" lang="en-US" altLang="ja-JP" dirty="0" err="1" smtClean="0"/>
@@ -18060,15 +20676,7 @@
             </a:r>
             <a:r>
               <a:rPr kumimoji="1" lang="ja-JP" altLang="en-US" dirty="0" smtClean="0"/>
-              <a:t>）</a:t>
-            </a:r>
-            <a:r>
-              <a:rPr kumimoji="1" lang="ja-JP" altLang="en-US" dirty="0" smtClean="0"/>
-              <a:t>が非常</a:t>
-            </a:r>
-            <a:r>
-              <a:rPr kumimoji="1" lang="ja-JP" altLang="en-US" dirty="0" smtClean="0"/>
-              <a:t>に分かりやすい</a:t>
+              <a:t>）が非常に分かりやすい</a:t>
             </a:r>
             <a:r>
               <a:rPr lang="en-US" altLang="ja-JP" dirty="0"/>
@@ -18968,7 +21576,270 @@
   <p:timing>
     <p:tnLst>
       <p:par>
-        <p:cTn id="1" dur="indefinite" restart="never" nodeType="tmRoot"/>
+        <p:cTn id="1" dur="indefinite" restart="never" nodeType="tmRoot">
+          <p:childTnLst>
+            <p:seq concurrent="1" nextAc="seek">
+              <p:cTn id="2" dur="indefinite" nodeType="mainSeq">
+                <p:childTnLst>
+                  <p:par>
+                    <p:cTn id="3" fill="hold">
+                      <p:stCondLst>
+                        <p:cond delay="indefinite"/>
+                      </p:stCondLst>
+                      <p:childTnLst>
+                        <p:par>
+                          <p:cTn id="4" fill="hold">
+                            <p:stCondLst>
+                              <p:cond delay="0"/>
+                            </p:stCondLst>
+                            <p:childTnLst>
+                              <p:par>
+                                <p:cTn id="5" presetID="1" presetClass="entr" presetSubtype="0" fill="hold" nodeType="clickEffect">
+                                  <p:stCondLst>
+                                    <p:cond delay="0"/>
+                                  </p:stCondLst>
+                                  <p:childTnLst>
+                                    <p:set>
+                                      <p:cBhvr>
+                                        <p:cTn id="6" dur="1" fill="hold">
+                                          <p:stCondLst>
+                                            <p:cond delay="0"/>
+                                          </p:stCondLst>
+                                        </p:cTn>
+                                        <p:tgtEl>
+                                          <p:spTgt spid="3">
+                                            <p:txEl>
+                                              <p:pRg st="6" end="6"/>
+                                            </p:txEl>
+                                          </p:spTgt>
+                                        </p:tgtEl>
+                                        <p:attrNameLst>
+                                          <p:attrName>style.visibility</p:attrName>
+                                        </p:attrNameLst>
+                                      </p:cBhvr>
+                                      <p:to>
+                                        <p:strVal val="visible"/>
+                                      </p:to>
+                                    </p:set>
+                                  </p:childTnLst>
+                                </p:cTn>
+                              </p:par>
+                              <p:par>
+                                <p:cTn id="7" presetID="1" presetClass="entr" presetSubtype="0" fill="hold" nodeType="withEffect">
+                                  <p:stCondLst>
+                                    <p:cond delay="0"/>
+                                  </p:stCondLst>
+                                  <p:childTnLst>
+                                    <p:set>
+                                      <p:cBhvr>
+                                        <p:cTn id="8" dur="1" fill="hold">
+                                          <p:stCondLst>
+                                            <p:cond delay="0"/>
+                                          </p:stCondLst>
+                                        </p:cTn>
+                                        <p:tgtEl>
+                                          <p:spTgt spid="3">
+                                            <p:txEl>
+                                              <p:pRg st="7" end="7"/>
+                                            </p:txEl>
+                                          </p:spTgt>
+                                        </p:tgtEl>
+                                        <p:attrNameLst>
+                                          <p:attrName>style.visibility</p:attrName>
+                                        </p:attrNameLst>
+                                      </p:cBhvr>
+                                      <p:to>
+                                        <p:strVal val="visible"/>
+                                      </p:to>
+                                    </p:set>
+                                  </p:childTnLst>
+                                </p:cTn>
+                              </p:par>
+                            </p:childTnLst>
+                          </p:cTn>
+                        </p:par>
+                      </p:childTnLst>
+                    </p:cTn>
+                  </p:par>
+                  <p:par>
+                    <p:cTn id="9" fill="hold">
+                      <p:stCondLst>
+                        <p:cond delay="indefinite"/>
+                      </p:stCondLst>
+                      <p:childTnLst>
+                        <p:par>
+                          <p:cTn id="10" fill="hold">
+                            <p:stCondLst>
+                              <p:cond delay="0"/>
+                            </p:stCondLst>
+                            <p:childTnLst>
+                              <p:par>
+                                <p:cTn id="11" presetID="1" presetClass="entr" presetSubtype="0" fill="hold" nodeType="clickEffect">
+                                  <p:stCondLst>
+                                    <p:cond delay="0"/>
+                                  </p:stCondLst>
+                                  <p:childTnLst>
+                                    <p:set>
+                                      <p:cBhvr>
+                                        <p:cTn id="12" dur="1" fill="hold">
+                                          <p:stCondLst>
+                                            <p:cond delay="0"/>
+                                          </p:stCondLst>
+                                        </p:cTn>
+                                        <p:tgtEl>
+                                          <p:spTgt spid="3">
+                                            <p:txEl>
+                                              <p:pRg st="8" end="8"/>
+                                            </p:txEl>
+                                          </p:spTgt>
+                                        </p:tgtEl>
+                                        <p:attrNameLst>
+                                          <p:attrName>style.visibility</p:attrName>
+                                        </p:attrNameLst>
+                                      </p:cBhvr>
+                                      <p:to>
+                                        <p:strVal val="visible"/>
+                                      </p:to>
+                                    </p:set>
+                                  </p:childTnLst>
+                                </p:cTn>
+                              </p:par>
+                              <p:par>
+                                <p:cTn id="13" presetID="1" presetClass="entr" presetSubtype="0" fill="hold" nodeType="withEffect">
+                                  <p:stCondLst>
+                                    <p:cond delay="0"/>
+                                  </p:stCondLst>
+                                  <p:childTnLst>
+                                    <p:set>
+                                      <p:cBhvr>
+                                        <p:cTn id="14" dur="1" fill="hold">
+                                          <p:stCondLst>
+                                            <p:cond delay="0"/>
+                                          </p:stCondLst>
+                                        </p:cTn>
+                                        <p:tgtEl>
+                                          <p:spTgt spid="3">
+                                            <p:txEl>
+                                              <p:pRg st="9" end="9"/>
+                                            </p:txEl>
+                                          </p:spTgt>
+                                        </p:tgtEl>
+                                        <p:attrNameLst>
+                                          <p:attrName>style.visibility</p:attrName>
+                                        </p:attrNameLst>
+                                      </p:cBhvr>
+                                      <p:to>
+                                        <p:strVal val="visible"/>
+                                      </p:to>
+                                    </p:set>
+                                  </p:childTnLst>
+                                </p:cTn>
+                              </p:par>
+                              <p:par>
+                                <p:cTn id="15" presetID="1" presetClass="entr" presetSubtype="0" fill="hold" nodeType="withEffect">
+                                  <p:stCondLst>
+                                    <p:cond delay="0"/>
+                                  </p:stCondLst>
+                                  <p:childTnLst>
+                                    <p:set>
+                                      <p:cBhvr>
+                                        <p:cTn id="16" dur="1" fill="hold">
+                                          <p:stCondLst>
+                                            <p:cond delay="0"/>
+                                          </p:stCondLst>
+                                        </p:cTn>
+                                        <p:tgtEl>
+                                          <p:spTgt spid="3">
+                                            <p:txEl>
+                                              <p:pRg st="10" end="10"/>
+                                            </p:txEl>
+                                          </p:spTgt>
+                                        </p:tgtEl>
+                                        <p:attrNameLst>
+                                          <p:attrName>style.visibility</p:attrName>
+                                        </p:attrNameLst>
+                                      </p:cBhvr>
+                                      <p:to>
+                                        <p:strVal val="visible"/>
+                                      </p:to>
+                                    </p:set>
+                                  </p:childTnLst>
+                                </p:cTn>
+                              </p:par>
+                            </p:childTnLst>
+                          </p:cTn>
+                        </p:par>
+                      </p:childTnLst>
+                    </p:cTn>
+                  </p:par>
+                  <p:par>
+                    <p:cTn id="17" fill="hold">
+                      <p:stCondLst>
+                        <p:cond delay="indefinite"/>
+                      </p:stCondLst>
+                      <p:childTnLst>
+                        <p:par>
+                          <p:cTn id="18" fill="hold">
+                            <p:stCondLst>
+                              <p:cond delay="0"/>
+                            </p:stCondLst>
+                            <p:childTnLst>
+                              <p:par>
+                                <p:cTn id="19" presetID="1" presetClass="entr" presetSubtype="0" fill="hold" nodeType="clickEffect">
+                                  <p:stCondLst>
+                                    <p:cond delay="0"/>
+                                  </p:stCondLst>
+                                  <p:childTnLst>
+                                    <p:set>
+                                      <p:cBhvr>
+                                        <p:cTn id="20" dur="1" fill="hold">
+                                          <p:stCondLst>
+                                            <p:cond delay="0"/>
+                                          </p:stCondLst>
+                                        </p:cTn>
+                                        <p:tgtEl>
+                                          <p:spTgt spid="3">
+                                            <p:txEl>
+                                              <p:pRg st="11" end="11"/>
+                                            </p:txEl>
+                                          </p:spTgt>
+                                        </p:tgtEl>
+                                        <p:attrNameLst>
+                                          <p:attrName>style.visibility</p:attrName>
+                                        </p:attrNameLst>
+                                      </p:cBhvr>
+                                      <p:to>
+                                        <p:strVal val="visible"/>
+                                      </p:to>
+                                    </p:set>
+                                  </p:childTnLst>
+                                </p:cTn>
+                              </p:par>
+                            </p:childTnLst>
+                          </p:cTn>
+                        </p:par>
+                      </p:childTnLst>
+                    </p:cTn>
+                  </p:par>
+                </p:childTnLst>
+              </p:cTn>
+              <p:prevCondLst>
+                <p:cond evt="onPrev" delay="0">
+                  <p:tgtEl>
+                    <p:sldTgt/>
+                  </p:tgtEl>
+                </p:cond>
+              </p:prevCondLst>
+              <p:nextCondLst>
+                <p:cond evt="onNext" delay="0">
+                  <p:tgtEl>
+                    <p:sldTgt/>
+                  </p:tgtEl>
+                </p:cond>
+              </p:nextCondLst>
+            </p:seq>
+          </p:childTnLst>
+        </p:cTn>
       </p:par>
     </p:tnLst>
   </p:timing>
@@ -20095,7 +22966,172 @@
   <p:timing>
     <p:tnLst>
       <p:par>
-        <p:cTn id="1" dur="indefinite" restart="never" nodeType="tmRoot"/>
+        <p:cTn id="1" dur="indefinite" restart="never" nodeType="tmRoot">
+          <p:childTnLst>
+            <p:seq concurrent="1" nextAc="seek">
+              <p:cTn id="2" dur="indefinite" nodeType="mainSeq">
+                <p:childTnLst>
+                  <p:par>
+                    <p:cTn id="3" fill="hold">
+                      <p:stCondLst>
+                        <p:cond delay="indefinite"/>
+                      </p:stCondLst>
+                      <p:childTnLst>
+                        <p:par>
+                          <p:cTn id="4" fill="hold">
+                            <p:stCondLst>
+                              <p:cond delay="0"/>
+                            </p:stCondLst>
+                            <p:childTnLst>
+                              <p:par>
+                                <p:cTn id="5" presetID="1" presetClass="entr" presetSubtype="0" fill="hold" nodeType="clickEffect">
+                                  <p:stCondLst>
+                                    <p:cond delay="0"/>
+                                  </p:stCondLst>
+                                  <p:childTnLst>
+                                    <p:set>
+                                      <p:cBhvr>
+                                        <p:cTn id="6" dur="1" fill="hold">
+                                          <p:stCondLst>
+                                            <p:cond delay="0"/>
+                                          </p:stCondLst>
+                                        </p:cTn>
+                                        <p:tgtEl>
+                                          <p:spTgt spid="3">
+                                            <p:txEl>
+                                              <p:pRg st="7" end="7"/>
+                                            </p:txEl>
+                                          </p:spTgt>
+                                        </p:tgtEl>
+                                        <p:attrNameLst>
+                                          <p:attrName>style.visibility</p:attrName>
+                                        </p:attrNameLst>
+                                      </p:cBhvr>
+                                      <p:to>
+                                        <p:strVal val="visible"/>
+                                      </p:to>
+                                    </p:set>
+                                  </p:childTnLst>
+                                </p:cTn>
+                              </p:par>
+                              <p:par>
+                                <p:cTn id="7" presetID="1" presetClass="entr" presetSubtype="0" fill="hold" nodeType="withEffect">
+                                  <p:stCondLst>
+                                    <p:cond delay="0"/>
+                                  </p:stCondLst>
+                                  <p:childTnLst>
+                                    <p:set>
+                                      <p:cBhvr>
+                                        <p:cTn id="8" dur="1" fill="hold">
+                                          <p:stCondLst>
+                                            <p:cond delay="0"/>
+                                          </p:stCondLst>
+                                        </p:cTn>
+                                        <p:tgtEl>
+                                          <p:spTgt spid="3">
+                                            <p:txEl>
+                                              <p:pRg st="8" end="8"/>
+                                            </p:txEl>
+                                          </p:spTgt>
+                                        </p:tgtEl>
+                                        <p:attrNameLst>
+                                          <p:attrName>style.visibility</p:attrName>
+                                        </p:attrNameLst>
+                                      </p:cBhvr>
+                                      <p:to>
+                                        <p:strVal val="visible"/>
+                                      </p:to>
+                                    </p:set>
+                                  </p:childTnLst>
+                                </p:cTn>
+                              </p:par>
+                              <p:par>
+                                <p:cTn id="9" presetID="1" presetClass="entr" presetSubtype="0" fill="hold" nodeType="withEffect">
+                                  <p:stCondLst>
+                                    <p:cond delay="0"/>
+                                  </p:stCondLst>
+                                  <p:childTnLst>
+                                    <p:set>
+                                      <p:cBhvr>
+                                        <p:cTn id="10" dur="1" fill="hold">
+                                          <p:stCondLst>
+                                            <p:cond delay="0"/>
+                                          </p:stCondLst>
+                                        </p:cTn>
+                                        <p:tgtEl>
+                                          <p:spTgt spid="3">
+                                            <p:txEl>
+                                              <p:pRg st="9" end="9"/>
+                                            </p:txEl>
+                                          </p:spTgt>
+                                        </p:tgtEl>
+                                        <p:attrNameLst>
+                                          <p:attrName>style.visibility</p:attrName>
+                                        </p:attrNameLst>
+                                      </p:cBhvr>
+                                      <p:to>
+                                        <p:strVal val="visible"/>
+                                      </p:to>
+                                    </p:set>
+                                  </p:childTnLst>
+                                </p:cTn>
+                              </p:par>
+                              <p:par>
+                                <p:cTn id="11" presetID="1" presetClass="entr" presetSubtype="0" fill="hold" nodeType="withEffect">
+                                  <p:stCondLst>
+                                    <p:cond delay="0"/>
+                                  </p:stCondLst>
+                                  <p:childTnLst>
+                                    <p:set>
+                                      <p:cBhvr>
+                                        <p:cTn id="12" dur="1" fill="hold">
+                                          <p:stCondLst>
+                                            <p:cond delay="0"/>
+                                          </p:stCondLst>
+                                        </p:cTn>
+                                        <p:tgtEl>
+                                          <p:spTgt spid="3">
+                                            <p:txEl>
+                                              <p:pRg st="10" end="10"/>
+                                            </p:txEl>
+                                          </p:spTgt>
+                                        </p:tgtEl>
+                                        <p:attrNameLst>
+                                          <p:attrName>style.visibility</p:attrName>
+                                        </p:attrNameLst>
+                                      </p:cBhvr>
+                                      <p:to>
+                                        <p:strVal val="visible"/>
+                                      </p:to>
+                                    </p:set>
+                                  </p:childTnLst>
+                                </p:cTn>
+                              </p:par>
+                            </p:childTnLst>
+                          </p:cTn>
+                        </p:par>
+                      </p:childTnLst>
+                    </p:cTn>
+                  </p:par>
+                </p:childTnLst>
+              </p:cTn>
+              <p:prevCondLst>
+                <p:cond evt="onPrev" delay="0">
+                  <p:tgtEl>
+                    <p:sldTgt/>
+                  </p:tgtEl>
+                </p:cond>
+              </p:prevCondLst>
+              <p:nextCondLst>
+                <p:cond evt="onNext" delay="0">
+                  <p:tgtEl>
+                    <p:sldTgt/>
+                  </p:tgtEl>
+                </p:cond>
+              </p:nextCondLst>
+            </p:seq>
+          </p:childTnLst>
+        </p:cTn>
       </p:par>
     </p:tnLst>
   </p:timing>
@@ -20306,7 +23342,7 @@
             </a:r>
             <a:r>
               <a:rPr lang="en-US" altLang="ja-JP" sz="1200" dirty="0" smtClean="0"/>
-              <a:t>(DOSE &lt;= 500)</a:t>
+              <a:t>(DOSE &gt;= 500)</a:t>
             </a:r>
           </a:p>
           <a:p>
@@ -20373,11 +23409,11 @@
             </a:r>
             <a:r>
               <a:rPr lang="en-US" altLang="ja-JP" sz="1200" dirty="0"/>
-              <a:t>(DOSE &lt;= </a:t>
+              <a:t>(DOSE </a:t>
             </a:r>
             <a:r>
               <a:rPr lang="en-US" altLang="ja-JP" sz="1200" dirty="0" smtClean="0"/>
-              <a:t>500 &amp; RACE == 1)</a:t>
+              <a:t>&gt;= 500 &amp; RACE == 1)</a:t>
             </a:r>
             <a:endParaRPr lang="en-US" altLang="ja-JP" sz="1200" dirty="0"/>
           </a:p>
@@ -21228,7 +24264,7 @@
                   <a:schemeClr val="tx1"/>
                 </a:solidFill>
               </a:rPr>
-              <a:t>DOSE &lt;= </a:t>
+              <a:t>DOSE </a:t>
             </a:r>
             <a:r>
               <a:rPr lang="en-US" altLang="ja-JP" sz="1000" dirty="0" smtClean="0">
@@ -21236,7 +24272,7 @@
                   <a:schemeClr val="tx1"/>
                 </a:solidFill>
               </a:rPr>
-              <a:t>500)</a:t>
+              <a:t>&gt;= 500)</a:t>
             </a:r>
             <a:endParaRPr kumimoji="1" lang="ja-JP" altLang="en-US" sz="1000" dirty="0">
               <a:solidFill>
@@ -23047,9 +26083,565 @@
   <p:timing>
     <p:tnLst>
       <p:par>
-        <p:cTn id="1" dur="indefinite" restart="never" nodeType="tmRoot"/>
+        <p:cTn id="1" dur="indefinite" restart="never" nodeType="tmRoot">
+          <p:childTnLst>
+            <p:seq concurrent="1" nextAc="seek">
+              <p:cTn id="2" dur="indefinite" nodeType="mainSeq">
+                <p:childTnLst>
+                  <p:par>
+                    <p:cTn id="3" fill="hold">
+                      <p:stCondLst>
+                        <p:cond delay="indefinite"/>
+                      </p:stCondLst>
+                      <p:childTnLst>
+                        <p:par>
+                          <p:cTn id="4" fill="hold">
+                            <p:stCondLst>
+                              <p:cond delay="0"/>
+                            </p:stCondLst>
+                            <p:childTnLst>
+                              <p:par>
+                                <p:cTn id="5" presetID="1" presetClass="entr" presetSubtype="0" fill="hold" grpId="0" nodeType="clickEffect">
+                                  <p:stCondLst>
+                                    <p:cond delay="0"/>
+                                  </p:stCondLst>
+                                  <p:childTnLst>
+                                    <p:set>
+                                      <p:cBhvr>
+                                        <p:cTn id="6" dur="1" fill="hold">
+                                          <p:stCondLst>
+                                            <p:cond delay="0"/>
+                                          </p:stCondLst>
+                                        </p:cTn>
+                                        <p:tgtEl>
+                                          <p:spTgt spid="10"/>
+                                        </p:tgtEl>
+                                        <p:attrNameLst>
+                                          <p:attrName>style.visibility</p:attrName>
+                                        </p:attrNameLst>
+                                      </p:cBhvr>
+                                      <p:to>
+                                        <p:strVal val="visible"/>
+                                      </p:to>
+                                    </p:set>
+                                  </p:childTnLst>
+                                </p:cTn>
+                              </p:par>
+                            </p:childTnLst>
+                          </p:cTn>
+                        </p:par>
+                      </p:childTnLst>
+                    </p:cTn>
+                  </p:par>
+                  <p:par>
+                    <p:cTn id="7" fill="hold">
+                      <p:stCondLst>
+                        <p:cond delay="indefinite"/>
+                      </p:stCondLst>
+                      <p:childTnLst>
+                        <p:par>
+                          <p:cTn id="8" fill="hold">
+                            <p:stCondLst>
+                              <p:cond delay="0"/>
+                            </p:stCondLst>
+                            <p:childTnLst>
+                              <p:par>
+                                <p:cTn id="9" presetID="1" presetClass="entr" presetSubtype="0" fill="hold" nodeType="clickEffect">
+                                  <p:stCondLst>
+                                    <p:cond delay="0"/>
+                                  </p:stCondLst>
+                                  <p:childTnLst>
+                                    <p:set>
+                                      <p:cBhvr>
+                                        <p:cTn id="10" dur="1" fill="hold">
+                                          <p:stCondLst>
+                                            <p:cond delay="0"/>
+                                          </p:stCondLst>
+                                        </p:cTn>
+                                        <p:tgtEl>
+                                          <p:spTgt spid="3">
+                                            <p:txEl>
+                                              <p:pRg st="9" end="9"/>
+                                            </p:txEl>
+                                          </p:spTgt>
+                                        </p:tgtEl>
+                                        <p:attrNameLst>
+                                          <p:attrName>style.visibility</p:attrName>
+                                        </p:attrNameLst>
+                                      </p:cBhvr>
+                                      <p:to>
+                                        <p:strVal val="visible"/>
+                                      </p:to>
+                                    </p:set>
+                                  </p:childTnLst>
+                                </p:cTn>
+                              </p:par>
+                              <p:par>
+                                <p:cTn id="11" presetID="1" presetClass="entr" presetSubtype="0" fill="hold" nodeType="withEffect">
+                                  <p:stCondLst>
+                                    <p:cond delay="0"/>
+                                  </p:stCondLst>
+                                  <p:childTnLst>
+                                    <p:set>
+                                      <p:cBhvr>
+                                        <p:cTn id="12" dur="1" fill="hold">
+                                          <p:stCondLst>
+                                            <p:cond delay="0"/>
+                                          </p:stCondLst>
+                                        </p:cTn>
+                                        <p:tgtEl>
+                                          <p:spTgt spid="3">
+                                            <p:txEl>
+                                              <p:pRg st="10" end="10"/>
+                                            </p:txEl>
+                                          </p:spTgt>
+                                        </p:tgtEl>
+                                        <p:attrNameLst>
+                                          <p:attrName>style.visibility</p:attrName>
+                                        </p:attrNameLst>
+                                      </p:cBhvr>
+                                      <p:to>
+                                        <p:strVal val="visible"/>
+                                      </p:to>
+                                    </p:set>
+                                  </p:childTnLst>
+                                </p:cTn>
+                              </p:par>
+                              <p:par>
+                                <p:cTn id="13" presetID="1" presetClass="entr" presetSubtype="0" fill="hold" nodeType="withEffect">
+                                  <p:stCondLst>
+                                    <p:cond delay="0"/>
+                                  </p:stCondLst>
+                                  <p:childTnLst>
+                                    <p:set>
+                                      <p:cBhvr>
+                                        <p:cTn id="14" dur="1" fill="hold">
+                                          <p:stCondLst>
+                                            <p:cond delay="0"/>
+                                          </p:stCondLst>
+                                        </p:cTn>
+                                        <p:tgtEl>
+                                          <p:spTgt spid="3">
+                                            <p:txEl>
+                                              <p:pRg st="11" end="11"/>
+                                            </p:txEl>
+                                          </p:spTgt>
+                                        </p:tgtEl>
+                                        <p:attrNameLst>
+                                          <p:attrName>style.visibility</p:attrName>
+                                        </p:attrNameLst>
+                                      </p:cBhvr>
+                                      <p:to>
+                                        <p:strVal val="visible"/>
+                                      </p:to>
+                                    </p:set>
+                                  </p:childTnLst>
+                                </p:cTn>
+                              </p:par>
+                              <p:par>
+                                <p:cTn id="15" presetID="1" presetClass="entr" presetSubtype="0" fill="hold" nodeType="withEffect">
+                                  <p:stCondLst>
+                                    <p:cond delay="0"/>
+                                  </p:stCondLst>
+                                  <p:childTnLst>
+                                    <p:set>
+                                      <p:cBhvr>
+                                        <p:cTn id="16" dur="1" fill="hold">
+                                          <p:stCondLst>
+                                            <p:cond delay="0"/>
+                                          </p:stCondLst>
+                                        </p:cTn>
+                                        <p:tgtEl>
+                                          <p:spTgt spid="3">
+                                            <p:txEl>
+                                              <p:pRg st="12" end="12"/>
+                                            </p:txEl>
+                                          </p:spTgt>
+                                        </p:tgtEl>
+                                        <p:attrNameLst>
+                                          <p:attrName>style.visibility</p:attrName>
+                                        </p:attrNameLst>
+                                      </p:cBhvr>
+                                      <p:to>
+                                        <p:strVal val="visible"/>
+                                      </p:to>
+                                    </p:set>
+                                  </p:childTnLst>
+                                </p:cTn>
+                              </p:par>
+                              <p:par>
+                                <p:cTn id="17" presetID="1" presetClass="entr" presetSubtype="0" fill="hold" nodeType="withEffect">
+                                  <p:stCondLst>
+                                    <p:cond delay="0"/>
+                                  </p:stCondLst>
+                                  <p:childTnLst>
+                                    <p:set>
+                                      <p:cBhvr>
+                                        <p:cTn id="18" dur="1" fill="hold">
+                                          <p:stCondLst>
+                                            <p:cond delay="0"/>
+                                          </p:stCondLst>
+                                        </p:cTn>
+                                        <p:tgtEl>
+                                          <p:spTgt spid="3">
+                                            <p:txEl>
+                                              <p:pRg st="13" end="13"/>
+                                            </p:txEl>
+                                          </p:spTgt>
+                                        </p:tgtEl>
+                                        <p:attrNameLst>
+                                          <p:attrName>style.visibility</p:attrName>
+                                        </p:attrNameLst>
+                                      </p:cBhvr>
+                                      <p:to>
+                                        <p:strVal val="visible"/>
+                                      </p:to>
+                                    </p:set>
+                                  </p:childTnLst>
+                                </p:cTn>
+                              </p:par>
+                              <p:par>
+                                <p:cTn id="19" presetID="1" presetClass="entr" presetSubtype="0" fill="hold" nodeType="withEffect">
+                                  <p:stCondLst>
+                                    <p:cond delay="0"/>
+                                  </p:stCondLst>
+                                  <p:childTnLst>
+                                    <p:set>
+                                      <p:cBhvr>
+                                        <p:cTn id="20" dur="1" fill="hold">
+                                          <p:stCondLst>
+                                            <p:cond delay="0"/>
+                                          </p:stCondLst>
+                                        </p:cTn>
+                                        <p:tgtEl>
+                                          <p:spTgt spid="3">
+                                            <p:txEl>
+                                              <p:pRg st="14" end="14"/>
+                                            </p:txEl>
+                                          </p:spTgt>
+                                        </p:tgtEl>
+                                        <p:attrNameLst>
+                                          <p:attrName>style.visibility</p:attrName>
+                                        </p:attrNameLst>
+                                      </p:cBhvr>
+                                      <p:to>
+                                        <p:strVal val="visible"/>
+                                      </p:to>
+                                    </p:set>
+                                  </p:childTnLst>
+                                </p:cTn>
+                              </p:par>
+                              <p:par>
+                                <p:cTn id="21" presetID="1" presetClass="entr" presetSubtype="0" fill="hold" nodeType="withEffect">
+                                  <p:stCondLst>
+                                    <p:cond delay="0"/>
+                                  </p:stCondLst>
+                                  <p:childTnLst>
+                                    <p:set>
+                                      <p:cBhvr>
+                                        <p:cTn id="22" dur="1" fill="hold">
+                                          <p:stCondLst>
+                                            <p:cond delay="0"/>
+                                          </p:stCondLst>
+                                        </p:cTn>
+                                        <p:tgtEl>
+                                          <p:spTgt spid="3">
+                                            <p:txEl>
+                                              <p:pRg st="15" end="15"/>
+                                            </p:txEl>
+                                          </p:spTgt>
+                                        </p:tgtEl>
+                                        <p:attrNameLst>
+                                          <p:attrName>style.visibility</p:attrName>
+                                        </p:attrNameLst>
+                                      </p:cBhvr>
+                                      <p:to>
+                                        <p:strVal val="visible"/>
+                                      </p:to>
+                                    </p:set>
+                                  </p:childTnLst>
+                                </p:cTn>
+                              </p:par>
+                              <p:par>
+                                <p:cTn id="23" presetID="1" presetClass="entr" presetSubtype="0" fill="hold" nodeType="withEffect">
+                                  <p:stCondLst>
+                                    <p:cond delay="0"/>
+                                  </p:stCondLst>
+                                  <p:childTnLst>
+                                    <p:set>
+                                      <p:cBhvr>
+                                        <p:cTn id="24" dur="1" fill="hold">
+                                          <p:stCondLst>
+                                            <p:cond delay="0"/>
+                                          </p:stCondLst>
+                                        </p:cTn>
+                                        <p:tgtEl>
+                                          <p:spTgt spid="3">
+                                            <p:txEl>
+                                              <p:pRg st="16" end="16"/>
+                                            </p:txEl>
+                                          </p:spTgt>
+                                        </p:tgtEl>
+                                        <p:attrNameLst>
+                                          <p:attrName>style.visibility</p:attrName>
+                                        </p:attrNameLst>
+                                      </p:cBhvr>
+                                      <p:to>
+                                        <p:strVal val="visible"/>
+                                      </p:to>
+                                    </p:set>
+                                  </p:childTnLst>
+                                </p:cTn>
+                              </p:par>
+                            </p:childTnLst>
+                          </p:cTn>
+                        </p:par>
+                      </p:childTnLst>
+                    </p:cTn>
+                  </p:par>
+                  <p:par>
+                    <p:cTn id="25" fill="hold">
+                      <p:stCondLst>
+                        <p:cond delay="indefinite"/>
+                      </p:stCondLst>
+                      <p:childTnLst>
+                        <p:par>
+                          <p:cTn id="26" fill="hold">
+                            <p:stCondLst>
+                              <p:cond delay="0"/>
+                            </p:stCondLst>
+                            <p:childTnLst>
+                              <p:par>
+                                <p:cTn id="27" presetID="1" presetClass="entr" presetSubtype="0" fill="hold" nodeType="clickEffect">
+                                  <p:stCondLst>
+                                    <p:cond delay="0"/>
+                                  </p:stCondLst>
+                                  <p:childTnLst>
+                                    <p:set>
+                                      <p:cBhvr>
+                                        <p:cTn id="28" dur="1" fill="hold">
+                                          <p:stCondLst>
+                                            <p:cond delay="0"/>
+                                          </p:stCondLst>
+                                        </p:cTn>
+                                        <p:tgtEl>
+                                          <p:spTgt spid="21"/>
+                                        </p:tgtEl>
+                                        <p:attrNameLst>
+                                          <p:attrName>style.visibility</p:attrName>
+                                        </p:attrNameLst>
+                                      </p:cBhvr>
+                                      <p:to>
+                                        <p:strVal val="visible"/>
+                                      </p:to>
+                                    </p:set>
+                                  </p:childTnLst>
+                                </p:cTn>
+                              </p:par>
+                              <p:par>
+                                <p:cTn id="29" presetID="1" presetClass="entr" presetSubtype="0" fill="hold" grpId="0" nodeType="withEffect">
+                                  <p:stCondLst>
+                                    <p:cond delay="0"/>
+                                  </p:stCondLst>
+                                  <p:childTnLst>
+                                    <p:set>
+                                      <p:cBhvr>
+                                        <p:cTn id="30" dur="1" fill="hold">
+                                          <p:stCondLst>
+                                            <p:cond delay="0"/>
+                                          </p:stCondLst>
+                                        </p:cTn>
+                                        <p:tgtEl>
+                                          <p:spTgt spid="22"/>
+                                        </p:tgtEl>
+                                        <p:attrNameLst>
+                                          <p:attrName>style.visibility</p:attrName>
+                                        </p:attrNameLst>
+                                      </p:cBhvr>
+                                      <p:to>
+                                        <p:strVal val="visible"/>
+                                      </p:to>
+                                    </p:set>
+                                  </p:childTnLst>
+                                </p:cTn>
+                              </p:par>
+                              <p:par>
+                                <p:cTn id="31" presetID="1" presetClass="entr" presetSubtype="0" fill="hold" nodeType="withEffect">
+                                  <p:stCondLst>
+                                    <p:cond delay="0"/>
+                                  </p:stCondLst>
+                                  <p:childTnLst>
+                                    <p:set>
+                                      <p:cBhvr>
+                                        <p:cTn id="32" dur="1" fill="hold">
+                                          <p:stCondLst>
+                                            <p:cond delay="0"/>
+                                          </p:stCondLst>
+                                        </p:cTn>
+                                        <p:tgtEl>
+                                          <p:spTgt spid="23"/>
+                                        </p:tgtEl>
+                                        <p:attrNameLst>
+                                          <p:attrName>style.visibility</p:attrName>
+                                        </p:attrNameLst>
+                                      </p:cBhvr>
+                                      <p:to>
+                                        <p:strVal val="visible"/>
+                                      </p:to>
+                                    </p:set>
+                                  </p:childTnLst>
+                                </p:cTn>
+                              </p:par>
+                            </p:childTnLst>
+                          </p:cTn>
+                        </p:par>
+                      </p:childTnLst>
+                    </p:cTn>
+                  </p:par>
+                  <p:par>
+                    <p:cTn id="33" fill="hold">
+                      <p:stCondLst>
+                        <p:cond delay="indefinite"/>
+                      </p:stCondLst>
+                      <p:childTnLst>
+                        <p:par>
+                          <p:cTn id="34" fill="hold">
+                            <p:stCondLst>
+                              <p:cond delay="0"/>
+                            </p:stCondLst>
+                            <p:childTnLst>
+                              <p:par>
+                                <p:cTn id="35" presetID="1" presetClass="entr" presetSubtype="0" fill="hold" grpId="0" nodeType="clickEffect">
+                                  <p:stCondLst>
+                                    <p:cond delay="0"/>
+                                  </p:stCondLst>
+                                  <p:childTnLst>
+                                    <p:set>
+                                      <p:cBhvr>
+                                        <p:cTn id="36" dur="1" fill="hold">
+                                          <p:stCondLst>
+                                            <p:cond delay="0"/>
+                                          </p:stCondLst>
+                                        </p:cTn>
+                                        <p:tgtEl>
+                                          <p:spTgt spid="24"/>
+                                        </p:tgtEl>
+                                        <p:attrNameLst>
+                                          <p:attrName>style.visibility</p:attrName>
+                                        </p:attrNameLst>
+                                      </p:cBhvr>
+                                      <p:to>
+                                        <p:strVal val="visible"/>
+                                      </p:to>
+                                    </p:set>
+                                  </p:childTnLst>
+                                </p:cTn>
+                              </p:par>
+                              <p:par>
+                                <p:cTn id="37" presetID="1" presetClass="entr" presetSubtype="0" fill="hold" nodeType="withEffect">
+                                  <p:stCondLst>
+                                    <p:cond delay="0"/>
+                                  </p:stCondLst>
+                                  <p:childTnLst>
+                                    <p:set>
+                                      <p:cBhvr>
+                                        <p:cTn id="38" dur="1" fill="hold">
+                                          <p:stCondLst>
+                                            <p:cond delay="0"/>
+                                          </p:stCondLst>
+                                        </p:cTn>
+                                        <p:tgtEl>
+                                          <p:spTgt spid="25"/>
+                                        </p:tgtEl>
+                                        <p:attrNameLst>
+                                          <p:attrName>style.visibility</p:attrName>
+                                        </p:attrNameLst>
+                                      </p:cBhvr>
+                                      <p:to>
+                                        <p:strVal val="visible"/>
+                                      </p:to>
+                                    </p:set>
+                                  </p:childTnLst>
+                                </p:cTn>
+                              </p:par>
+                            </p:childTnLst>
+                          </p:cTn>
+                        </p:par>
+                      </p:childTnLst>
+                    </p:cTn>
+                  </p:par>
+                  <p:par>
+                    <p:cTn id="39" fill="hold">
+                      <p:stCondLst>
+                        <p:cond delay="indefinite"/>
+                      </p:stCondLst>
+                      <p:childTnLst>
+                        <p:par>
+                          <p:cTn id="40" fill="hold">
+                            <p:stCondLst>
+                              <p:cond delay="0"/>
+                            </p:stCondLst>
+                            <p:childTnLst>
+                              <p:par>
+                                <p:cTn id="41" presetID="1" presetClass="entr" presetSubtype="0" fill="hold" grpId="0" nodeType="clickEffect">
+                                  <p:stCondLst>
+                                    <p:cond delay="0"/>
+                                  </p:stCondLst>
+                                  <p:childTnLst>
+                                    <p:set>
+                                      <p:cBhvr>
+                                        <p:cTn id="42" dur="1" fill="hold">
+                                          <p:stCondLst>
+                                            <p:cond delay="0"/>
+                                          </p:stCondLst>
+                                        </p:cTn>
+                                        <p:tgtEl>
+                                          <p:spTgt spid="26"/>
+                                        </p:tgtEl>
+                                        <p:attrNameLst>
+                                          <p:attrName>style.visibility</p:attrName>
+                                        </p:attrNameLst>
+                                      </p:cBhvr>
+                                      <p:to>
+                                        <p:strVal val="visible"/>
+                                      </p:to>
+                                    </p:set>
+                                  </p:childTnLst>
+                                </p:cTn>
+                              </p:par>
+                            </p:childTnLst>
+                          </p:cTn>
+                        </p:par>
+                      </p:childTnLst>
+                    </p:cTn>
+                  </p:par>
+                </p:childTnLst>
+              </p:cTn>
+              <p:prevCondLst>
+                <p:cond evt="onPrev" delay="0">
+                  <p:tgtEl>
+                    <p:sldTgt/>
+                  </p:tgtEl>
+                </p:cond>
+              </p:prevCondLst>
+              <p:nextCondLst>
+                <p:cond evt="onNext" delay="0">
+                  <p:tgtEl>
+                    <p:sldTgt/>
+                  </p:tgtEl>
+                </p:cond>
+              </p:nextCondLst>
+            </p:seq>
+          </p:childTnLst>
+        </p:cTn>
       </p:par>
     </p:tnLst>
+    <p:bldLst>
+      <p:bldP spid="10" grpId="0" animBg="1"/>
+      <p:bldP spid="22" grpId="0" animBg="1"/>
+      <p:bldP spid="24" grpId="0" animBg="1"/>
+      <p:bldP spid="26" grpId="0" animBg="1"/>
+    </p:bldLst>
   </p:timing>
 </p:sld>
 </file>
@@ -23184,11 +26776,7 @@
             </a:r>
             <a:r>
               <a:rPr lang="ja-JP" altLang="en-US" dirty="0" smtClean="0"/>
-              <a:t>）ごとの</a:t>
-            </a:r>
-            <a:r>
-              <a:rPr lang="ja-JP" altLang="en-US" dirty="0" smtClean="0"/>
-              <a:t>被験者数</a:t>
+              <a:t>）ごとの被験者数</a:t>
             </a:r>
             <a:r>
               <a:rPr lang="en-US" altLang="ja-JP" dirty="0" smtClean="0"/>
@@ -23214,11 +26802,7 @@
             </a:r>
             <a:r>
               <a:rPr lang="en-US" altLang="ja-JP" dirty="0" smtClean="0"/>
-              <a:t>MK7655(DRUG=2</a:t>
-            </a:r>
-            <a:r>
-              <a:rPr lang="en-US" altLang="ja-JP" dirty="0" smtClean="0"/>
-              <a:t>)</a:t>
+              <a:t>MK7655(DRUG=2)</a:t>
             </a:r>
             <a:r>
               <a:rPr lang="ja-JP" altLang="en-US" dirty="0" smtClean="0"/>
@@ -23230,11 +26814,7 @@
             </a:r>
             <a:r>
               <a:rPr lang="ja-JP" altLang="en-US" dirty="0" smtClean="0"/>
-              <a:t>の行数</a:t>
-            </a:r>
-            <a:r>
-              <a:rPr lang="ja-JP" altLang="en-US" dirty="0" smtClean="0"/>
-              <a:t>）</a:t>
+              <a:t>の行数）</a:t>
             </a:r>
             <a:endParaRPr lang="en-US" altLang="ja-JP" dirty="0" smtClean="0"/>
           </a:p>

--- a/sample/1_data_handling.pptx
+++ b/sample/1_data_handling.pptx
@@ -5,7 +5,7 @@
     <p:sldMasterId id="2147483660" r:id="rId1"/>
   </p:sldMasterIdLst>
   <p:notesMasterIdLst>
-    <p:notesMasterId r:id="rId25"/>
+    <p:notesMasterId r:id="rId24"/>
   </p:notesMasterIdLst>
   <p:sldIdLst>
     <p:sldId id="287" r:id="rId2"/>
@@ -21,16 +21,15 @@
     <p:sldId id="296" r:id="rId12"/>
     <p:sldId id="308" r:id="rId13"/>
     <p:sldId id="309" r:id="rId14"/>
-    <p:sldId id="295" r:id="rId15"/>
-    <p:sldId id="298" r:id="rId16"/>
-    <p:sldId id="299" r:id="rId17"/>
-    <p:sldId id="300" r:id="rId18"/>
-    <p:sldId id="301" r:id="rId19"/>
-    <p:sldId id="302" r:id="rId20"/>
+    <p:sldId id="310" r:id="rId15"/>
+    <p:sldId id="295" r:id="rId16"/>
+    <p:sldId id="298" r:id="rId17"/>
+    <p:sldId id="299" r:id="rId18"/>
+    <p:sldId id="300" r:id="rId19"/>
+    <p:sldId id="301" r:id="rId20"/>
     <p:sldId id="303" r:id="rId21"/>
     <p:sldId id="304" r:id="rId22"/>
-    <p:sldId id="305" r:id="rId23"/>
-    <p:sldId id="306" r:id="rId24"/>
+    <p:sldId id="306" r:id="rId23"/>
   </p:sldIdLst>
   <p:sldSz cx="12192000" cy="6858000"/>
   <p:notesSz cx="6807200" cy="9939338"/>
@@ -219,7 +218,7 @@
           <a:p>
             <a:fld id="{2A71EC23-F9ED-424C-B5FB-B7B5F6D78B70}" type="datetimeFigureOut">
               <a:rPr kumimoji="1" lang="ja-JP" altLang="en-US" smtClean="0"/>
-              <a:t>2020/10/5</a:t>
+              <a:t>2020/10/7</a:t>
             </a:fld>
             <a:endParaRPr kumimoji="1" lang="ja-JP" altLang="en-US"/>
           </a:p>
@@ -738,7 +737,7 @@
           <a:p>
             <a:fld id="{0F81A95D-05BA-458D-BB44-152E4BC8CA84}" type="datetime1">
               <a:rPr kumimoji="1" lang="ja-JP" altLang="en-US" smtClean="0"/>
-              <a:t>2020/10/5</a:t>
+              <a:t>2020/10/7</a:t>
             </a:fld>
             <a:endParaRPr kumimoji="1" lang="ja-JP" altLang="en-US"/>
           </a:p>
@@ -960,7 +959,7 @@
           <a:p>
             <a:fld id="{9906A6E4-4266-427F-9354-B8DA436806C3}" type="datetime1">
               <a:rPr kumimoji="1" lang="ja-JP" altLang="en-US" smtClean="0"/>
-              <a:t>2020/10/5</a:t>
+              <a:t>2020/10/7</a:t>
             </a:fld>
             <a:endParaRPr kumimoji="1" lang="ja-JP" altLang="en-US"/>
           </a:p>
@@ -1176,7 +1175,7 @@
           <a:p>
             <a:fld id="{362664A4-23FB-43CF-818D-F7393D757BD2}" type="datetime1">
               <a:rPr kumimoji="1" lang="ja-JP" altLang="en-US" smtClean="0"/>
-              <a:t>2020/10/5</a:t>
+              <a:t>2020/10/7</a:t>
             </a:fld>
             <a:endParaRPr kumimoji="1" lang="ja-JP" altLang="en-US"/>
           </a:p>
@@ -1382,7 +1381,7 @@
           <a:p>
             <a:fld id="{BFE15652-DDD4-4E36-9CB3-8E9EF446BEDB}" type="datetime1">
               <a:rPr kumimoji="1" lang="ja-JP" altLang="en-US" smtClean="0"/>
-              <a:t>2020/10/5</a:t>
+              <a:t>2020/10/7</a:t>
             </a:fld>
             <a:endParaRPr kumimoji="1" lang="ja-JP" altLang="en-US"/>
           </a:p>
@@ -1653,7 +1652,7 @@
           <a:p>
             <a:fld id="{30BAF585-2E3D-431A-AD29-AD87965751CC}" type="datetime1">
               <a:rPr kumimoji="1" lang="ja-JP" altLang="en-US" smtClean="0"/>
-              <a:t>2020/10/5</a:t>
+              <a:t>2020/10/7</a:t>
             </a:fld>
             <a:endParaRPr kumimoji="1" lang="ja-JP" altLang="en-US"/>
           </a:p>
@@ -1969,7 +1968,7 @@
           <a:p>
             <a:fld id="{0A1D67E2-B520-4BB6-8434-DE7E995735B8}" type="datetime1">
               <a:rPr kumimoji="1" lang="ja-JP" altLang="en-US" smtClean="0"/>
-              <a:t>2020/10/5</a:t>
+              <a:t>2020/10/7</a:t>
             </a:fld>
             <a:endParaRPr kumimoji="1" lang="ja-JP" altLang="en-US"/>
           </a:p>
@@ -2420,7 +2419,7 @@
           <a:p>
             <a:fld id="{500F9857-EF08-440C-94CB-83D9EE0D5A5A}" type="datetime1">
               <a:rPr kumimoji="1" lang="ja-JP" altLang="en-US" smtClean="0"/>
-              <a:t>2020/10/5</a:t>
+              <a:t>2020/10/7</a:t>
             </a:fld>
             <a:endParaRPr kumimoji="1" lang="ja-JP" altLang="en-US"/>
           </a:p>
@@ -2558,7 +2557,7 @@
           <a:p>
             <a:fld id="{B6BF44F8-E47A-4CCA-94C1-5A88DC7B414A}" type="datetime1">
               <a:rPr kumimoji="1" lang="ja-JP" altLang="en-US" smtClean="0"/>
-              <a:t>2020/10/5</a:t>
+              <a:t>2020/10/7</a:t>
             </a:fld>
             <a:endParaRPr kumimoji="1" lang="ja-JP" altLang="en-US"/>
           </a:p>
@@ -2673,7 +2672,7 @@
           <a:p>
             <a:fld id="{DE263015-59FD-444D-A49B-45D0DD94C4F1}" type="datetime1">
               <a:rPr kumimoji="1" lang="ja-JP" altLang="en-US" smtClean="0"/>
-              <a:t>2020/10/5</a:t>
+              <a:t>2020/10/7</a:t>
             </a:fld>
             <a:endParaRPr kumimoji="1" lang="ja-JP" altLang="en-US"/>
           </a:p>
@@ -3002,7 +3001,7 @@
           <a:p>
             <a:fld id="{7A6651C1-F643-424E-9D81-62CF9A82FABB}" type="datetime1">
               <a:rPr kumimoji="1" lang="ja-JP" altLang="en-US" smtClean="0"/>
-              <a:t>2020/10/5</a:t>
+              <a:t>2020/10/7</a:t>
             </a:fld>
             <a:endParaRPr kumimoji="1" lang="ja-JP" altLang="en-US"/>
           </a:p>
@@ -3263,7 +3262,7 @@
           <a:p>
             <a:fld id="{E79AACC8-2A3E-4AB1-936D-2A445495DFBA}" type="datetime1">
               <a:rPr kumimoji="1" lang="ja-JP" altLang="en-US" smtClean="0"/>
-              <a:t>2020/10/5</a:t>
+              <a:t>2020/10/7</a:t>
             </a:fld>
             <a:endParaRPr kumimoji="1" lang="ja-JP" altLang="en-US"/>
           </a:p>
@@ -3512,7 +3511,7 @@
           <a:p>
             <a:fld id="{79B7E619-0862-4EB5-B675-91B651E48568}" type="datetime1">
               <a:rPr kumimoji="1" lang="ja-JP" altLang="en-US" smtClean="0"/>
-              <a:t>2020/10/5</a:t>
+              <a:t>2020/10/7</a:t>
             </a:fld>
             <a:endParaRPr kumimoji="1" lang="ja-JP" altLang="en-US"/>
           </a:p>
@@ -8535,11 +8534,7 @@
             </a:r>
             <a:r>
               <a:rPr lang="ja-JP" altLang="en-US" sz="1200" dirty="0" smtClean="0"/>
-              <a:t>という列を</a:t>
-            </a:r>
-            <a:r>
-              <a:rPr lang="ja-JP" altLang="en-US" sz="1200" dirty="0" smtClean="0"/>
-              <a:t>作成</a:t>
+              <a:t>という列を作成</a:t>
             </a:r>
             <a:endParaRPr lang="en-US" altLang="ja-JP" sz="1200" dirty="0" smtClean="0"/>
           </a:p>
@@ -8649,7 +8644,6 @@
               <a:rPr lang="en-US" altLang="ja-JP" sz="1200" dirty="0" smtClean="0"/>
               <a:t>)</a:t>
             </a:r>
-            <a:endParaRPr lang="en-US" altLang="ja-JP" sz="1200" dirty="0" smtClean="0"/>
           </a:p>
           <a:p>
             <a:r>
@@ -9700,7 +9694,6 @@
                         <a:rPr kumimoji="1" lang="en-US" altLang="ja-JP" sz="900" dirty="0" smtClean="0"/>
                         <a:t>1</a:t>
                       </a:r>
-                      <a:endParaRPr kumimoji="1" lang="en-US" altLang="ja-JP" sz="900" dirty="0" smtClean="0"/>
                     </a:p>
                   </a:txBody>
                   <a:tcPr marL="36000" marR="36000" marT="36000" marB="36000" anchor="ctr"/>
@@ -9732,7 +9725,6 @@
                         <a:rPr kumimoji="1" lang="en-US" altLang="ja-JP" sz="900" dirty="0" smtClean="0"/>
                         <a:t>2</a:t>
                       </a:r>
-                      <a:endParaRPr kumimoji="1" lang="en-US" altLang="ja-JP" sz="900" dirty="0" smtClean="0"/>
                     </a:p>
                   </a:txBody>
                   <a:tcPr marL="36000" marR="36000" marT="36000" marB="36000" anchor="ctr"/>
@@ -9764,7 +9756,6 @@
                         <a:rPr kumimoji="1" lang="en-US" altLang="ja-JP" sz="900" dirty="0" smtClean="0"/>
                         <a:t>3</a:t>
                       </a:r>
-                      <a:endParaRPr kumimoji="1" lang="en-US" altLang="ja-JP" sz="900" dirty="0" smtClean="0"/>
                     </a:p>
                   </a:txBody>
                   <a:tcPr marL="36000" marR="36000" marT="36000" marB="36000" anchor="ctr"/>
@@ -9796,7 +9787,6 @@
                         <a:rPr kumimoji="1" lang="en-US" altLang="ja-JP" sz="900" dirty="0" smtClean="0"/>
                         <a:t>1</a:t>
                       </a:r>
-                      <a:endParaRPr kumimoji="1" lang="en-US" altLang="ja-JP" sz="900" dirty="0" smtClean="0"/>
                     </a:p>
                   </a:txBody>
                   <a:tcPr marL="36000" marR="36000" marT="36000" marB="36000" anchor="ctr"/>
@@ -9828,7 +9818,6 @@
                         <a:rPr kumimoji="1" lang="en-US" altLang="ja-JP" sz="900" dirty="0" smtClean="0"/>
                         <a:t>2</a:t>
                       </a:r>
-                      <a:endParaRPr kumimoji="1" lang="en-US" altLang="ja-JP" sz="900" dirty="0" smtClean="0"/>
                     </a:p>
                   </a:txBody>
                   <a:tcPr marL="36000" marR="36000" marT="36000" marB="36000" anchor="ctr"/>
@@ -9860,7 +9849,6 @@
                         <a:rPr kumimoji="1" lang="en-US" altLang="ja-JP" sz="900" dirty="0" smtClean="0"/>
                         <a:t>3</a:t>
                       </a:r>
-                      <a:endParaRPr kumimoji="1" lang="en-US" altLang="ja-JP" sz="900" dirty="0" smtClean="0"/>
                     </a:p>
                   </a:txBody>
                   <a:tcPr marL="36000" marR="36000" marT="36000" marB="36000" anchor="ctr"/>
@@ -10439,7 +10427,18 @@
                   </a:schemeClr>
                 </a:solidFill>
               </a:rPr>
-              <a:t>-2</a:t>
+              <a:t>-</a:t>
+            </a:r>
+            <a:r>
+              <a:rPr lang="en-US" altLang="ja-JP" dirty="0" smtClean="0">
+                <a:solidFill>
+                  <a:schemeClr val="tx1">
+                    <a:lumMod val="50000"/>
+                    <a:lumOff val="50000"/>
+                  </a:schemeClr>
+                </a:solidFill>
+              </a:rPr>
+              <a:t>2</a:t>
             </a:r>
             <a:endParaRPr kumimoji="1" lang="ja-JP" altLang="en-US" dirty="0"/>
           </a:p>
@@ -10706,7 +10705,15 @@
           <a:lstStyle/>
           <a:p>
             <a:r>
-              <a:rPr kumimoji="1" lang="en-US" altLang="ja-JP" b="1" dirty="0">
+              <a:rPr kumimoji="1" lang="ja-JP" altLang="en-US" dirty="0" smtClean="0"/>
+              <a:t>演習</a:t>
+            </a:r>
+            <a:r>
+              <a:rPr kumimoji="1" lang="en-US" altLang="ja-JP" dirty="0" smtClean="0"/>
+              <a:t>-2</a:t>
+            </a:r>
+            <a:r>
+              <a:rPr lang="ja-JP" altLang="en-US" dirty="0">
                 <a:solidFill>
                   <a:schemeClr val="tx1">
                     <a:lumMod val="50000"/>
@@ -10714,16 +10721,9 @@
                   </a:schemeClr>
                 </a:solidFill>
               </a:rPr>
-              <a:t>Data Visualization</a:t>
-            </a:r>
-            <a:endParaRPr kumimoji="1" lang="ja-JP" altLang="en-US" b="1" dirty="0">
-              <a:solidFill>
-                <a:schemeClr val="tx1">
-                  <a:lumMod val="50000"/>
-                  <a:lumOff val="50000"/>
-                </a:schemeClr>
-              </a:solidFill>
-            </a:endParaRPr>
+              <a:t>：回答コード</a:t>
+            </a:r>
+            <a:endParaRPr kumimoji="1" lang="ja-JP" altLang="en-US" dirty="0"/>
           </a:p>
         </p:txBody>
       </p:sp>
@@ -10739,110 +10739,227 @@
         </p:nvSpPr>
         <p:spPr/>
         <p:txBody>
-          <a:bodyPr/>
+          <a:bodyPr>
+            <a:normAutofit/>
+          </a:bodyPr>
           <a:lstStyle/>
           <a:p>
-            <a:r>
-              <a:rPr kumimoji="1" lang="ja-JP" altLang="en-US" dirty="0" smtClean="0"/>
-              <a:t>データを元に図を作成し，目的とする確認を可視的に行う</a:t>
-            </a:r>
-            <a:endParaRPr kumimoji="1" lang="en-US" altLang="ja-JP" dirty="0" smtClean="0"/>
-          </a:p>
-          <a:p>
-            <a:r>
-              <a:rPr lang="en-US" altLang="ja-JP" dirty="0"/>
-              <a:t>R package </a:t>
-            </a:r>
-            <a:r>
-              <a:rPr lang="en-US" altLang="ja-JP" dirty="0" smtClean="0"/>
-              <a:t>“ggplot2” </a:t>
-            </a:r>
-            <a:r>
-              <a:rPr lang="ja-JP" altLang="en-US" dirty="0"/>
-              <a:t>を</a:t>
-            </a:r>
-            <a:r>
-              <a:rPr lang="ja-JP" altLang="en-US" dirty="0" smtClean="0"/>
-              <a:t>用いる</a:t>
-            </a:r>
-            <a:endParaRPr lang="en-US" altLang="ja-JP" dirty="0" smtClean="0"/>
-          </a:p>
-          <a:p>
-            <a:pPr lvl="1">
-              <a:buFont typeface="Wingdings" panose="05000000000000000000" pitchFamily="2" charset="2"/>
-              <a:buChar char="Ø"/>
+            <a:pPr marL="0" indent="0">
+              <a:buNone/>
             </a:pPr>
             <a:r>
-              <a:rPr lang="en-US" altLang="ja-JP" dirty="0"/>
-              <a:t>R studio</a:t>
-            </a:r>
-            <a:r>
-              <a:rPr lang="ja-JP" altLang="en-US" dirty="0"/>
-              <a:t>の</a:t>
-            </a:r>
-            <a:r>
-              <a:rPr lang="en-US" altLang="ja-JP" dirty="0" err="1"/>
-              <a:t>cheatsheet</a:t>
-            </a:r>
-            <a:r>
-              <a:rPr lang="ja-JP" altLang="en-US" dirty="0" smtClean="0"/>
-              <a:t>（</a:t>
-            </a:r>
-            <a:r>
-              <a:rPr lang="en-US" altLang="ja-JP" dirty="0">
+              <a:rPr lang="en-US" altLang="ja-JP" sz="1600" dirty="0">
                 <a:solidFill>
-                  <a:srgbClr val="FF0000"/>
+                  <a:schemeClr val="accent6">
+                    <a:lumMod val="75000"/>
+                  </a:schemeClr>
                 </a:solidFill>
               </a:rPr>
-              <a:t>Data Visualization </a:t>
-            </a:r>
-            <a:r>
-              <a:rPr lang="en-US" altLang="ja-JP" dirty="0" err="1">
+              <a:t>## Read dataset</a:t>
+            </a:r>
+          </a:p>
+          <a:p>
+            <a:pPr marL="0" indent="0">
+              <a:spcBef>
+                <a:spcPts val="600"/>
+              </a:spcBef>
+              <a:buNone/>
+            </a:pPr>
+            <a:r>
+              <a:rPr lang="en-US" altLang="ja-JP" sz="1600" dirty="0"/>
+              <a:t>nm_data2 &lt;- </a:t>
+            </a:r>
+            <a:r>
+              <a:rPr lang="en-US" altLang="ja-JP" sz="1600" dirty="0" err="1"/>
+              <a:t>read_csv</a:t>
+            </a:r>
+            <a:r>
+              <a:rPr lang="en-US" altLang="ja-JP" sz="1600" dirty="0"/>
+              <a:t>(paste0(path, "/Data/PSP4-8-748-s012.csv"), </a:t>
+            </a:r>
+            <a:r>
+              <a:rPr lang="en-US" altLang="ja-JP" sz="1600" dirty="0" err="1"/>
+              <a:t>na</a:t>
+            </a:r>
+            <a:r>
+              <a:rPr lang="en-US" altLang="ja-JP" sz="1600" dirty="0"/>
+              <a:t>=".",</a:t>
+            </a:r>
+          </a:p>
+          <a:p>
+            <a:pPr marL="0" indent="0">
+              <a:spcBef>
+                <a:spcPts val="600"/>
+              </a:spcBef>
+              <a:buNone/>
+            </a:pPr>
+            <a:r>
+              <a:rPr lang="en-US" altLang="ja-JP" sz="1600" dirty="0"/>
+              <a:t>                     </a:t>
+            </a:r>
+            <a:r>
+              <a:rPr lang="ja-JP" altLang="en-US" sz="1600" dirty="0" smtClean="0"/>
+              <a:t>                                 </a:t>
+            </a:r>
+            <a:r>
+              <a:rPr lang="en-US" altLang="ja-JP" sz="1600" dirty="0" err="1" smtClean="0"/>
+              <a:t>col_types</a:t>
+            </a:r>
+            <a:r>
+              <a:rPr lang="en-US" altLang="ja-JP" sz="1600" dirty="0" smtClean="0"/>
+              <a:t> </a:t>
+            </a:r>
+            <a:r>
+              <a:rPr lang="en-US" altLang="ja-JP" sz="1600" dirty="0"/>
+              <a:t>= cols(C     = </a:t>
+            </a:r>
+            <a:r>
+              <a:rPr lang="en-US" altLang="ja-JP" sz="1600" dirty="0" err="1"/>
+              <a:t>col_character</a:t>
+            </a:r>
+            <a:r>
+              <a:rPr lang="en-US" altLang="ja-JP" sz="1600" dirty="0"/>
+              <a:t>(),</a:t>
+            </a:r>
+          </a:p>
+          <a:p>
+            <a:pPr marL="0" indent="0">
+              <a:spcBef>
+                <a:spcPts val="600"/>
+              </a:spcBef>
+              <a:buNone/>
+            </a:pPr>
+            <a:r>
+              <a:rPr lang="en-US" altLang="ja-JP" sz="1600" dirty="0"/>
+              <a:t>                                      </a:t>
+            </a:r>
+            <a:r>
+              <a:rPr lang="ja-JP" altLang="en-US" sz="1600" dirty="0" smtClean="0"/>
+              <a:t>                </a:t>
+            </a:r>
+            <a:r>
+              <a:rPr lang="en-US" altLang="ja-JP" sz="1600" dirty="0" smtClean="0"/>
+              <a:t>TREAT </a:t>
+            </a:r>
+            <a:r>
+              <a:rPr lang="en-US" altLang="ja-JP" sz="1600" dirty="0"/>
+              <a:t>= </a:t>
+            </a:r>
+            <a:r>
+              <a:rPr lang="en-US" altLang="ja-JP" sz="1600" dirty="0" err="1"/>
+              <a:t>col_character</a:t>
+            </a:r>
+            <a:r>
+              <a:rPr lang="en-US" altLang="ja-JP" sz="1600" dirty="0"/>
+              <a:t>() </a:t>
+            </a:r>
+            <a:r>
+              <a:rPr lang="en-US" altLang="ja-JP" sz="1600" dirty="0" smtClean="0"/>
+              <a:t>))</a:t>
+            </a:r>
+            <a:endParaRPr lang="en-US" altLang="ja-JP" sz="1600" dirty="0"/>
+          </a:p>
+          <a:p>
+            <a:pPr marL="0" indent="0">
+              <a:buNone/>
+            </a:pPr>
+            <a:endParaRPr lang="en-US" altLang="ja-JP" sz="1600" dirty="0" smtClean="0"/>
+          </a:p>
+          <a:p>
+            <a:pPr marL="0" indent="0">
+              <a:buNone/>
+            </a:pPr>
+            <a:r>
+              <a:rPr lang="en-US" altLang="ja-JP" sz="1600" dirty="0" err="1" smtClean="0"/>
+              <a:t>back_info</a:t>
+            </a:r>
+            <a:r>
+              <a:rPr lang="en-US" altLang="ja-JP" sz="1600" dirty="0" smtClean="0"/>
+              <a:t> </a:t>
+            </a:r>
+            <a:r>
+              <a:rPr lang="en-US" altLang="ja-JP" sz="1600" dirty="0"/>
+              <a:t>&lt;- </a:t>
+            </a:r>
+            <a:r>
+              <a:rPr lang="en-US" altLang="ja-JP" sz="1600" dirty="0" err="1"/>
+              <a:t>read_csv</a:t>
+            </a:r>
+            <a:r>
+              <a:rPr lang="en-US" altLang="ja-JP" sz="1600" dirty="0"/>
+              <a:t>(paste0(path, "/Data/back_info.csv"), </a:t>
+            </a:r>
+            <a:r>
+              <a:rPr lang="en-US" altLang="ja-JP" sz="1600" dirty="0" err="1"/>
+              <a:t>na</a:t>
+            </a:r>
+            <a:r>
+              <a:rPr lang="en-US" altLang="ja-JP" sz="1600" dirty="0"/>
+              <a:t>=".")</a:t>
+            </a:r>
+          </a:p>
+          <a:p>
+            <a:pPr marL="0" indent="0">
+              <a:buNone/>
+            </a:pPr>
+            <a:endParaRPr lang="en-US" altLang="ja-JP" sz="1600" dirty="0"/>
+          </a:p>
+          <a:p>
+            <a:pPr marL="0" indent="0">
+              <a:buNone/>
+            </a:pPr>
+            <a:r>
+              <a:rPr lang="en-US" altLang="ja-JP" sz="1600" dirty="0">
                 <a:solidFill>
-                  <a:srgbClr val="FF0000"/>
+                  <a:schemeClr val="accent6">
+                    <a:lumMod val="75000"/>
+                  </a:schemeClr>
                 </a:solidFill>
               </a:rPr>
-              <a:t>Cheatsheet</a:t>
-            </a:r>
-            <a:r>
-              <a:rPr lang="ja-JP" altLang="en-US" dirty="0" smtClean="0"/>
-              <a:t>）</a:t>
-            </a:r>
-            <a:r>
-              <a:rPr lang="ja-JP" altLang="en-US" dirty="0"/>
-              <a:t>が</a:t>
-            </a:r>
-            <a:r>
-              <a:rPr lang="en-US" altLang="ja-JP" dirty="0"/>
-              <a:t/>
-            </a:r>
-            <a:br>
-              <a:rPr lang="en-US" altLang="ja-JP" dirty="0"/>
-            </a:br>
-            <a:r>
-              <a:rPr lang="ja-JP" altLang="en-US" dirty="0"/>
-              <a:t>非常に分かりやすい</a:t>
-            </a:r>
-            <a:r>
-              <a:rPr lang="en-US" altLang="ja-JP" dirty="0"/>
-              <a:t/>
-            </a:r>
-            <a:br>
-              <a:rPr lang="en-US" altLang="ja-JP" dirty="0"/>
-            </a:br>
-            <a:r>
-              <a:rPr lang="en-US" altLang="ja-JP" dirty="0">
-                <a:hlinkClick r:id="rId2"/>
-              </a:rPr>
-              <a:t>https://rstudio.com/resources/cheatsheets/</a:t>
-            </a:r>
-            <a:endParaRPr lang="en-US" altLang="ja-JP" dirty="0"/>
-          </a:p>
-          <a:p>
-            <a:endParaRPr lang="en-US" altLang="ja-JP" dirty="0"/>
-          </a:p>
-          <a:p>
-            <a:endParaRPr kumimoji="1" lang="ja-JP" altLang="en-US" dirty="0"/>
+              <a:t>## Merge dataset &amp; count ID by CYP2D6</a:t>
+            </a:r>
+          </a:p>
+          <a:p>
+            <a:pPr marL="0" indent="0">
+              <a:buNone/>
+            </a:pPr>
+            <a:r>
+              <a:rPr lang="en-US" altLang="ja-JP" sz="1600" dirty="0"/>
+              <a:t>nm_data2 %&gt;% </a:t>
+            </a:r>
+            <a:r>
+              <a:rPr lang="en-US" altLang="ja-JP" sz="1600" dirty="0" err="1"/>
+              <a:t>left_join</a:t>
+            </a:r>
+            <a:r>
+              <a:rPr lang="en-US" altLang="ja-JP" sz="1600" dirty="0"/>
+              <a:t>(</a:t>
+            </a:r>
+            <a:r>
+              <a:rPr lang="en-US" altLang="ja-JP" sz="1600" dirty="0" err="1"/>
+              <a:t>back_info</a:t>
+            </a:r>
+            <a:r>
+              <a:rPr lang="en-US" altLang="ja-JP" sz="1600" dirty="0"/>
+              <a:t>, by="ID") %&gt;% </a:t>
+            </a:r>
+            <a:r>
+              <a:rPr lang="en-US" altLang="ja-JP" sz="1600" dirty="0" err="1"/>
+              <a:t>group_by</a:t>
+            </a:r>
+            <a:r>
+              <a:rPr lang="en-US" altLang="ja-JP" sz="1600" dirty="0"/>
+              <a:t>(ID) %&gt;% slice(1) %&gt;% </a:t>
+            </a:r>
+            <a:r>
+              <a:rPr lang="en-US" altLang="ja-JP" sz="1600" dirty="0" err="1"/>
+              <a:t>group_by</a:t>
+            </a:r>
+            <a:r>
+              <a:rPr lang="en-US" altLang="ja-JP" sz="1600" dirty="0"/>
+              <a:t>(CYP2D6) %&gt;% count()</a:t>
+            </a:r>
+            <a:endParaRPr kumimoji="1" lang="ja-JP" altLang="en-US" sz="1600" dirty="0"/>
           </a:p>
         </p:txBody>
       </p:sp>
@@ -10862,23 +10979,23 @@
           <a:lstStyle/>
           <a:p>
             <a:r>
-              <a:rPr lang="en-US" altLang="ja-JP"/>
+              <a:rPr lang="en-US" altLang="ja-JP" smtClean="0"/>
               <a:t>R</a:t>
             </a:r>
             <a:r>
-              <a:rPr lang="ja-JP" altLang="en-US"/>
+              <a:rPr lang="ja-JP" altLang="en-US" smtClean="0"/>
               <a:t> </a:t>
             </a:r>
             <a:r>
-              <a:rPr lang="en-US" altLang="ja-JP"/>
+              <a:rPr lang="en-US" altLang="ja-JP" smtClean="0"/>
               <a:t>for</a:t>
             </a:r>
             <a:r>
-              <a:rPr lang="ja-JP" altLang="en-US"/>
+              <a:rPr lang="ja-JP" altLang="en-US" smtClean="0"/>
               <a:t> </a:t>
             </a:r>
             <a:r>
-              <a:rPr lang="en-US" altLang="ja-JP"/>
+              <a:rPr lang="en-US" altLang="ja-JP" smtClean="0"/>
               <a:t>Pharmacometrics</a:t>
             </a:r>
             <a:endParaRPr lang="ja-JP" altLang="en-US" dirty="0"/>
@@ -10911,20 +11028,13 @@
     </p:spTree>
     <p:extLst>
       <p:ext uri="{BB962C8B-B14F-4D97-AF65-F5344CB8AC3E}">
-        <p14:creationId xmlns:p14="http://schemas.microsoft.com/office/powerpoint/2010/main" val="892071335"/>
+        <p14:creationId xmlns:p14="http://schemas.microsoft.com/office/powerpoint/2010/main" val="2902736720"/>
       </p:ext>
     </p:extLst>
   </p:cSld>
   <p:clrMapOvr>
     <a:masterClrMapping/>
   </p:clrMapOvr>
-  <p:timing>
-    <p:tnLst>
-      <p:par>
-        <p:cTn id="1" dur="indefinite" restart="never" nodeType="tmRoot"/>
-      </p:par>
-    </p:tnLst>
-  </p:timing>
 </p:sld>
 </file>
 
@@ -10961,7 +11071,7 @@
           <a:lstStyle/>
           <a:p>
             <a:r>
-              <a:rPr lang="en-US" altLang="ja-JP" b="1" dirty="0">
+              <a:rPr kumimoji="1" lang="en-US" altLang="ja-JP" b="1" dirty="0">
                 <a:solidFill>
                   <a:schemeClr val="tx1">
                     <a:lumMod val="50000"/>
@@ -10969,37 +11079,14 @@
                   </a:schemeClr>
                 </a:solidFill>
               </a:rPr>
-              <a:t>ggplot2</a:t>
-            </a:r>
-            <a:r>
-              <a:rPr lang="ja-JP" altLang="en-US" b="1" dirty="0">
-                <a:solidFill>
-                  <a:schemeClr val="tx1">
-                    <a:lumMod val="50000"/>
-                    <a:lumOff val="50000"/>
-                  </a:schemeClr>
-                </a:solidFill>
-              </a:rPr>
-              <a:t>の基本</a:t>
-            </a:r>
-            <a:r>
-              <a:rPr lang="en-US" altLang="ja-JP" dirty="0"/>
-              <a:t/>
-            </a:r>
-            <a:br>
-              <a:rPr lang="en-US" altLang="ja-JP" dirty="0"/>
-            </a:br>
-            <a:r>
-              <a:rPr lang="en-US" altLang="ja-JP" dirty="0" err="1">
-                <a:solidFill>
-                  <a:srgbClr val="0070C0"/>
-                </a:solidFill>
-              </a:rPr>
-              <a:t>ggplot</a:t>
-            </a:r>
-            <a:endParaRPr kumimoji="1" lang="ja-JP" altLang="en-US" dirty="0">
+              <a:t>Data Visualization</a:t>
+            </a:r>
+            <a:endParaRPr kumimoji="1" lang="ja-JP" altLang="en-US" b="1" dirty="0">
               <a:solidFill>
-                <a:srgbClr val="0070C0"/>
+                <a:schemeClr val="tx1">
+                  <a:lumMod val="50000"/>
+                  <a:lumOff val="50000"/>
+                </a:schemeClr>
               </a:solidFill>
             </a:endParaRPr>
           </a:p>
@@ -11020,6 +11107,106 @@
           <a:bodyPr/>
           <a:lstStyle/>
           <a:p>
+            <a:r>
+              <a:rPr kumimoji="1" lang="ja-JP" altLang="en-US" dirty="0" smtClean="0"/>
+              <a:t>データを元に図を作成し，目的とする確認を可視的に行う</a:t>
+            </a:r>
+            <a:endParaRPr kumimoji="1" lang="en-US" altLang="ja-JP" dirty="0" smtClean="0"/>
+          </a:p>
+          <a:p>
+            <a:r>
+              <a:rPr lang="en-US" altLang="ja-JP" dirty="0"/>
+              <a:t>R package </a:t>
+            </a:r>
+            <a:r>
+              <a:rPr lang="en-US" altLang="ja-JP" dirty="0" smtClean="0"/>
+              <a:t>“ggplot2” </a:t>
+            </a:r>
+            <a:r>
+              <a:rPr lang="ja-JP" altLang="en-US" dirty="0"/>
+              <a:t>を</a:t>
+            </a:r>
+            <a:r>
+              <a:rPr lang="ja-JP" altLang="en-US" dirty="0" smtClean="0"/>
+              <a:t>用いる</a:t>
+            </a:r>
+            <a:endParaRPr lang="en-US" altLang="ja-JP" dirty="0" smtClean="0"/>
+          </a:p>
+          <a:p>
+            <a:pPr lvl="1">
+              <a:buFont typeface="Wingdings" panose="05000000000000000000" pitchFamily="2" charset="2"/>
+              <a:buChar char="Ø"/>
+            </a:pPr>
+            <a:r>
+              <a:rPr lang="en-US" altLang="ja-JP" dirty="0"/>
+              <a:t>R studio</a:t>
+            </a:r>
+            <a:r>
+              <a:rPr lang="ja-JP" altLang="en-US" dirty="0"/>
+              <a:t>の</a:t>
+            </a:r>
+            <a:r>
+              <a:rPr lang="en-US" altLang="ja-JP" dirty="0" err="1"/>
+              <a:t>cheatsheet</a:t>
+            </a:r>
+            <a:r>
+              <a:rPr lang="ja-JP" altLang="en-US" dirty="0" smtClean="0"/>
+              <a:t>（</a:t>
+            </a:r>
+            <a:r>
+              <a:rPr lang="en-US" altLang="ja-JP" dirty="0">
+                <a:solidFill>
+                  <a:srgbClr val="FF0000"/>
+                </a:solidFill>
+              </a:rPr>
+              <a:t>Data Visualization </a:t>
+            </a:r>
+            <a:r>
+              <a:rPr lang="en-US" altLang="ja-JP" dirty="0" err="1">
+                <a:solidFill>
+                  <a:srgbClr val="FF0000"/>
+                </a:solidFill>
+              </a:rPr>
+              <a:t>Cheatsheet</a:t>
+            </a:r>
+            <a:r>
+              <a:rPr lang="ja-JP" altLang="en-US" dirty="0" smtClean="0"/>
+              <a:t>）</a:t>
+            </a:r>
+            <a:r>
+              <a:rPr lang="ja-JP" altLang="en-US" dirty="0"/>
+              <a:t>が</a:t>
+            </a:r>
+            <a:r>
+              <a:rPr lang="en-US" altLang="ja-JP" dirty="0"/>
+              <a:t/>
+            </a:r>
+            <a:br>
+              <a:rPr lang="en-US" altLang="ja-JP" dirty="0"/>
+            </a:br>
+            <a:r>
+              <a:rPr lang="ja-JP" altLang="en-US" dirty="0"/>
+              <a:t>非常に分かりやすい</a:t>
+            </a:r>
+            <a:r>
+              <a:rPr lang="en-US" altLang="ja-JP" dirty="0"/>
+              <a:t/>
+            </a:r>
+            <a:br>
+              <a:rPr lang="en-US" altLang="ja-JP" dirty="0"/>
+            </a:br>
+            <a:r>
+              <a:rPr lang="en-US" altLang="ja-JP" dirty="0">
+                <a:hlinkClick r:id="rId2"/>
+              </a:rPr>
+              <a:t>https://rstudio.com/resources/cheatsheets/</a:t>
+            </a:r>
+            <a:endParaRPr lang="en-US" altLang="ja-JP" dirty="0"/>
+          </a:p>
+          <a:p>
+            <a:endParaRPr lang="en-US" altLang="ja-JP" dirty="0"/>
+          </a:p>
+          <a:p>
             <a:endParaRPr kumimoji="1" lang="ja-JP" altLang="en-US" dirty="0"/>
           </a:p>
         </p:txBody>
@@ -11089,7 +11276,7 @@
     </p:spTree>
     <p:extLst>
       <p:ext uri="{BB962C8B-B14F-4D97-AF65-F5344CB8AC3E}">
-        <p14:creationId xmlns:p14="http://schemas.microsoft.com/office/powerpoint/2010/main" val="1142184708"/>
+        <p14:creationId xmlns:p14="http://schemas.microsoft.com/office/powerpoint/2010/main" val="892071335"/>
       </p:ext>
     </p:extLst>
   </p:cSld>
@@ -11139,6 +11326,17 @@
           <a:lstStyle/>
           <a:p>
             <a:r>
+              <a:rPr lang="en-US" altLang="ja-JP" b="1" dirty="0">
+                <a:solidFill>
+                  <a:schemeClr val="tx1">
+                    <a:lumMod val="50000"/>
+                    <a:lumOff val="50000"/>
+                  </a:schemeClr>
+                </a:solidFill>
+              </a:rPr>
+              <a:t>ggplot2</a:t>
+            </a:r>
+            <a:r>
               <a:rPr lang="ja-JP" altLang="en-US" b="1" dirty="0">
                 <a:solidFill>
                   <a:schemeClr val="tx1">
@@ -11147,7 +11345,18 @@
                   </a:schemeClr>
                 </a:solidFill>
               </a:rPr>
-              <a:t>散布図の作成</a:t>
+              <a:t>の</a:t>
+            </a:r>
+            <a:r>
+              <a:rPr lang="ja-JP" altLang="en-US" b="1" dirty="0" smtClean="0">
+                <a:solidFill>
+                  <a:schemeClr val="tx1">
+                    <a:lumMod val="50000"/>
+                    <a:lumOff val="50000"/>
+                  </a:schemeClr>
+                </a:solidFill>
+              </a:rPr>
+              <a:t>基本</a:t>
             </a:r>
             <a:r>
               <a:rPr lang="en-US" altLang="ja-JP" dirty="0"/>
@@ -11157,14 +11366,58 @@
               <a:rPr lang="en-US" altLang="ja-JP" dirty="0"/>
             </a:br>
             <a:r>
-              <a:rPr lang="en-US" altLang="ja-JP" dirty="0" err="1">
+              <a:rPr lang="en-US" altLang="ja-JP" dirty="0" err="1" smtClean="0">
+                <a:solidFill>
+                  <a:srgbClr val="0070C0"/>
+                </a:solidFill>
+              </a:rPr>
+              <a:t>ggplot</a:t>
+            </a:r>
+            <a:r>
+              <a:rPr lang="en-US" altLang="ja-JP" dirty="0" smtClean="0">
+                <a:solidFill>
+                  <a:srgbClr val="0070C0"/>
+                </a:solidFill>
+              </a:rPr>
+              <a:t>, </a:t>
+            </a:r>
+            <a:r>
+              <a:rPr lang="en-US" altLang="ja-JP" dirty="0" err="1" smtClean="0">
                 <a:solidFill>
                   <a:srgbClr val="0070C0"/>
                 </a:solidFill>
               </a:rPr>
               <a:t>geom_point</a:t>
             </a:r>
-            <a:endParaRPr kumimoji="1" lang="ja-JP" altLang="en-US" u="sng" dirty="0"/>
+            <a:r>
+              <a:rPr lang="en-US" altLang="ja-JP" dirty="0" smtClean="0">
+                <a:solidFill>
+                  <a:srgbClr val="0070C0"/>
+                </a:solidFill>
+              </a:rPr>
+              <a:t>, </a:t>
+            </a:r>
+            <a:r>
+              <a:rPr lang="en-US" altLang="ja-JP" dirty="0" err="1" smtClean="0">
+                <a:solidFill>
+                  <a:srgbClr val="0070C0"/>
+                </a:solidFill>
+              </a:rPr>
+              <a:t>geom</a:t>
+            </a:r>
+            <a:r>
+              <a:rPr lang="en-US" altLang="ja-JP" dirty="0" err="1" smtClean="0">
+                <a:solidFill>
+                  <a:srgbClr val="0070C0"/>
+                </a:solidFill>
+              </a:rPr>
+              <a:t>_line</a:t>
+            </a:r>
+            <a:endParaRPr kumimoji="1" lang="ja-JP" altLang="en-US" dirty="0">
+              <a:solidFill>
+                <a:srgbClr val="0070C0"/>
+              </a:solidFill>
+            </a:endParaRPr>
           </a:p>
         </p:txBody>
       </p:sp>
@@ -11180,10 +11433,799 @@
         </p:nvSpPr>
         <p:spPr/>
         <p:txBody>
-          <a:bodyPr/>
+          <a:bodyPr>
+            <a:normAutofit fontScale="92500" lnSpcReduction="10000"/>
+          </a:bodyPr>
           <a:lstStyle/>
           <a:p>
-            <a:endParaRPr kumimoji="1" lang="ja-JP" altLang="en-US"/>
+            <a:r>
+              <a:rPr kumimoji="1" lang="en-US" altLang="ja-JP" sz="2000" dirty="0" err="1" smtClean="0">
+                <a:solidFill>
+                  <a:srgbClr val="0070C0"/>
+                </a:solidFill>
+              </a:rPr>
+              <a:t>ggplot</a:t>
+            </a:r>
+            <a:r>
+              <a:rPr kumimoji="1" lang="en-US" altLang="ja-JP" sz="2000" dirty="0" smtClean="0"/>
+              <a:t>: </a:t>
+            </a:r>
+            <a:r>
+              <a:rPr kumimoji="1" lang="ja-JP" altLang="en-US" sz="2000" dirty="0" smtClean="0"/>
+              <a:t>以降の</a:t>
+            </a:r>
+            <a:r>
+              <a:rPr kumimoji="1" lang="en-US" altLang="ja-JP" sz="2000" dirty="0" smtClean="0"/>
+              <a:t>default</a:t>
+            </a:r>
+            <a:r>
+              <a:rPr kumimoji="1" lang="ja-JP" altLang="en-US" sz="2000" dirty="0" smtClean="0"/>
+              <a:t>設定（</a:t>
+            </a:r>
+            <a:r>
+              <a:rPr kumimoji="1" lang="en-US" altLang="ja-JP" sz="2000" dirty="0" smtClean="0"/>
+              <a:t>ex: </a:t>
+            </a:r>
+            <a:r>
+              <a:rPr kumimoji="1" lang="ja-JP" altLang="en-US" sz="2000" dirty="0" smtClean="0"/>
+              <a:t>用いるデータ，</a:t>
+            </a:r>
+            <a:r>
+              <a:rPr kumimoji="1" lang="en-US" altLang="ja-JP" sz="2000" dirty="0" smtClean="0"/>
+              <a:t>x, y</a:t>
+            </a:r>
+            <a:r>
+              <a:rPr kumimoji="1" lang="ja-JP" altLang="en-US" sz="2000" dirty="0" smtClean="0"/>
+              <a:t>に使うデータ）を定義する</a:t>
+            </a:r>
+            <a:endParaRPr kumimoji="1" lang="en-US" altLang="ja-JP" sz="2000" dirty="0" smtClean="0"/>
+          </a:p>
+          <a:p>
+            <a:pPr lvl="1"/>
+            <a:r>
+              <a:rPr lang="ja-JP" altLang="en-US" sz="1600" dirty="0"/>
+              <a:t>データ中の列を使用する場合，</a:t>
+            </a:r>
+            <a:r>
+              <a:rPr lang="en-US" altLang="ja-JP" sz="1600" dirty="0" err="1"/>
+              <a:t>aes</a:t>
+            </a:r>
+            <a:r>
+              <a:rPr lang="en-US" altLang="ja-JP" sz="1600" dirty="0"/>
+              <a:t>()</a:t>
+            </a:r>
+            <a:r>
+              <a:rPr lang="ja-JP" altLang="en-US" sz="1600" dirty="0"/>
+              <a:t>を用いる</a:t>
+            </a:r>
+            <a:endParaRPr lang="en-US" altLang="ja-JP" sz="1600" dirty="0"/>
+          </a:p>
+          <a:p>
+            <a:pPr lvl="1"/>
+            <a:r>
+              <a:rPr kumimoji="1" lang="ja-JP" altLang="en-US" sz="1600" dirty="0" smtClean="0"/>
+              <a:t>これを設定して実行しても何も作成されない（枠のみ）</a:t>
+            </a:r>
+            <a:endParaRPr kumimoji="1" lang="en-US" altLang="ja-JP" sz="1600" dirty="0" smtClean="0"/>
+          </a:p>
+          <a:p>
+            <a:pPr lvl="1"/>
+            <a:r>
+              <a:rPr lang="en-US" altLang="ja-JP" sz="1600" dirty="0" smtClean="0"/>
+              <a:t>group</a:t>
+            </a:r>
+            <a:r>
+              <a:rPr lang="ja-JP" altLang="en-US" sz="1600" dirty="0" smtClean="0"/>
+              <a:t>で指定した値ごとにプロットする</a:t>
+            </a:r>
+            <a:endParaRPr lang="en-US" altLang="ja-JP" sz="1600" dirty="0" smtClean="0"/>
+          </a:p>
+          <a:p>
+            <a:pPr lvl="1"/>
+            <a:r>
+              <a:rPr kumimoji="1" lang="en-US" altLang="ja-JP" sz="1600" dirty="0" err="1" smtClean="0"/>
+              <a:t>colour</a:t>
+            </a:r>
+            <a:r>
+              <a:rPr kumimoji="1" lang="ja-JP" altLang="en-US" sz="1600" dirty="0" smtClean="0"/>
+              <a:t>で指定した値ごとに色を分ける</a:t>
+            </a:r>
+            <a:endParaRPr kumimoji="1" lang="en-US" altLang="ja-JP" sz="1600" dirty="0" smtClean="0"/>
+          </a:p>
+          <a:p>
+            <a:pPr marL="457200" lvl="1" indent="0">
+              <a:buNone/>
+            </a:pPr>
+            <a:r>
+              <a:rPr lang="ja-JP" altLang="en-US" sz="1200" dirty="0" smtClean="0"/>
+              <a:t>関数例</a:t>
+            </a:r>
+            <a:r>
+              <a:rPr lang="en-US" altLang="ja-JP" sz="1200" dirty="0"/>
+              <a:t>:  </a:t>
+            </a:r>
+            <a:r>
+              <a:rPr lang="en-US" altLang="ja-JP" sz="1200" dirty="0" err="1" smtClean="0">
+                <a:solidFill>
+                  <a:srgbClr val="0070C0"/>
+                </a:solidFill>
+              </a:rPr>
+              <a:t>ggplot</a:t>
+            </a:r>
+            <a:r>
+              <a:rPr lang="en-US" altLang="ja-JP" sz="1200" dirty="0" smtClean="0"/>
+              <a:t>(data=</a:t>
+            </a:r>
+            <a:r>
+              <a:rPr lang="en-US" altLang="ja-JP" sz="1200" dirty="0" err="1" smtClean="0"/>
+              <a:t>nm_data_p</a:t>
+            </a:r>
+            <a:r>
+              <a:rPr lang="en-US" altLang="ja-JP" sz="1200" dirty="0" smtClean="0"/>
+              <a:t>, </a:t>
+            </a:r>
+            <a:r>
+              <a:rPr lang="en-US" altLang="ja-JP" sz="1200" dirty="0" err="1" smtClean="0"/>
+              <a:t>aes</a:t>
+            </a:r>
+            <a:r>
+              <a:rPr lang="en-US" altLang="ja-JP" sz="1200" dirty="0" smtClean="0"/>
+              <a:t>(x=TIME, y=CONC, group=ID, </a:t>
+            </a:r>
+            <a:r>
+              <a:rPr lang="en-US" altLang="ja-JP" sz="1200" dirty="0" err="1" smtClean="0"/>
+              <a:t>colour</a:t>
+            </a:r>
+            <a:r>
+              <a:rPr lang="en-US" altLang="ja-JP" sz="1200" dirty="0" smtClean="0"/>
+              <a:t>=MALE))</a:t>
+            </a:r>
+            <a:endParaRPr lang="en-US" altLang="ja-JP" sz="1200" dirty="0"/>
+          </a:p>
+          <a:p>
+            <a:pPr marL="457200" lvl="1" indent="0">
+              <a:buNone/>
+            </a:pPr>
+            <a:r>
+              <a:rPr lang="ja-JP" altLang="en-US" sz="1200" dirty="0"/>
+              <a:t>意味： </a:t>
+            </a:r>
+            <a:r>
+              <a:rPr lang="en-US" altLang="ja-JP" sz="1200" dirty="0" err="1" smtClean="0"/>
+              <a:t>nm_dat_p</a:t>
+            </a:r>
+            <a:r>
+              <a:rPr lang="ja-JP" altLang="en-US" sz="1200" dirty="0" smtClean="0"/>
+              <a:t>を使い，</a:t>
+            </a:r>
+            <a:r>
+              <a:rPr lang="en-US" altLang="ja-JP" sz="1200" dirty="0" smtClean="0"/>
+              <a:t>x</a:t>
+            </a:r>
+            <a:r>
+              <a:rPr lang="ja-JP" altLang="en-US" sz="1200" dirty="0" smtClean="0"/>
+              <a:t>に</a:t>
+            </a:r>
+            <a:r>
+              <a:rPr lang="en-US" altLang="ja-JP" sz="1200" dirty="0" smtClean="0"/>
+              <a:t>TIME</a:t>
+            </a:r>
+            <a:r>
+              <a:rPr lang="ja-JP" altLang="en-US" sz="1200" dirty="0" err="1" smtClean="0"/>
+              <a:t>，</a:t>
+            </a:r>
+            <a:r>
+              <a:rPr lang="en-US" altLang="ja-JP" sz="1200" dirty="0" smtClean="0"/>
+              <a:t>y</a:t>
+            </a:r>
+            <a:r>
+              <a:rPr lang="ja-JP" altLang="en-US" sz="1200" dirty="0" smtClean="0"/>
+              <a:t>に</a:t>
+            </a:r>
+            <a:r>
+              <a:rPr lang="en-US" altLang="ja-JP" sz="1200" dirty="0" smtClean="0"/>
+              <a:t>CONC</a:t>
+            </a:r>
+            <a:r>
+              <a:rPr lang="ja-JP" altLang="en-US" sz="1200" dirty="0" smtClean="0"/>
+              <a:t>の列を用いる。</a:t>
+            </a:r>
+            <a:r>
+              <a:rPr lang="en-US" altLang="ja-JP" sz="1200" dirty="0" smtClean="0"/>
+              <a:t>ID</a:t>
+            </a:r>
+            <a:r>
+              <a:rPr lang="ja-JP" altLang="en-US" sz="1200" dirty="0" smtClean="0"/>
+              <a:t>ごとにプロットし，</a:t>
+            </a:r>
+            <a:r>
+              <a:rPr lang="en-US" altLang="ja-JP" sz="1200" dirty="0" smtClean="0"/>
+              <a:t>MALE</a:t>
+            </a:r>
+            <a:r>
+              <a:rPr lang="ja-JP" altLang="en-US" sz="1200" dirty="0" smtClean="0"/>
+              <a:t>ごとに色を分ける。</a:t>
+            </a:r>
+            <a:endParaRPr lang="en-US" altLang="ja-JP" sz="1200" dirty="0" smtClean="0"/>
+          </a:p>
+          <a:p>
+            <a:pPr marL="457200" lvl="1" indent="0">
+              <a:buNone/>
+            </a:pPr>
+            <a:r>
+              <a:rPr lang="ja-JP" altLang="en-US" sz="1200" dirty="0"/>
+              <a:t>関数例</a:t>
+            </a:r>
+            <a:r>
+              <a:rPr lang="en-US" altLang="ja-JP" sz="1200" dirty="0"/>
+              <a:t>:  </a:t>
+            </a:r>
+            <a:r>
+              <a:rPr lang="en-US" altLang="ja-JP" sz="1200" dirty="0" err="1" smtClean="0"/>
+              <a:t>nm_data_p</a:t>
+            </a:r>
+            <a:r>
+              <a:rPr lang="en-US" altLang="ja-JP" sz="1200" dirty="0" smtClean="0"/>
+              <a:t> %&gt;% </a:t>
+            </a:r>
+            <a:r>
+              <a:rPr lang="en-US" altLang="ja-JP" sz="1200" dirty="0" err="1" smtClean="0">
+                <a:solidFill>
+                  <a:srgbClr val="0070C0"/>
+                </a:solidFill>
+              </a:rPr>
+              <a:t>ggplot</a:t>
+            </a:r>
+            <a:r>
+              <a:rPr lang="en-US" altLang="ja-JP" sz="1200" dirty="0" smtClean="0"/>
+              <a:t>(</a:t>
+            </a:r>
+            <a:r>
+              <a:rPr lang="en-US" altLang="ja-JP" sz="1200" dirty="0" err="1" smtClean="0"/>
+              <a:t>aes</a:t>
+            </a:r>
+            <a:r>
+              <a:rPr lang="en-US" altLang="ja-JP" sz="1200" dirty="0" smtClean="0"/>
+              <a:t>(x=TIME</a:t>
+            </a:r>
+            <a:r>
+              <a:rPr lang="en-US" altLang="ja-JP" sz="1200" dirty="0"/>
+              <a:t>, </a:t>
+            </a:r>
+            <a:r>
+              <a:rPr lang="en-US" altLang="ja-JP" sz="1200" dirty="0" smtClean="0"/>
+              <a:t>y=CONC</a:t>
+            </a:r>
+            <a:r>
+              <a:rPr lang="en-US" altLang="ja-JP" sz="1200" dirty="0"/>
+              <a:t> , group=ID, </a:t>
+            </a:r>
+            <a:r>
+              <a:rPr lang="en-US" altLang="ja-JP" sz="1200" dirty="0" err="1"/>
+              <a:t>colour</a:t>
+            </a:r>
+            <a:r>
+              <a:rPr lang="en-US" altLang="ja-JP" sz="1200" dirty="0"/>
+              <a:t>=MALE</a:t>
+            </a:r>
+            <a:r>
+              <a:rPr lang="en-US" altLang="ja-JP" sz="1200" dirty="0" smtClean="0"/>
+              <a:t>))</a:t>
+            </a:r>
+            <a:endParaRPr lang="en-US" altLang="ja-JP" sz="1200" dirty="0"/>
+          </a:p>
+          <a:p>
+            <a:pPr marL="457200" lvl="1" indent="0">
+              <a:buNone/>
+            </a:pPr>
+            <a:r>
+              <a:rPr lang="ja-JP" altLang="en-US" sz="1200" dirty="0"/>
+              <a:t>意味： </a:t>
+            </a:r>
+            <a:r>
+              <a:rPr lang="ja-JP" altLang="en-US" sz="1200" dirty="0" smtClean="0"/>
+              <a:t>同上</a:t>
+            </a:r>
+            <a:endParaRPr lang="en-US" altLang="ja-JP" sz="1200" dirty="0"/>
+          </a:p>
+          <a:p>
+            <a:r>
+              <a:rPr lang="en-US" altLang="ja-JP" sz="2000" dirty="0" err="1" smtClean="0">
+                <a:solidFill>
+                  <a:srgbClr val="0070C0"/>
+                </a:solidFill>
+              </a:rPr>
+              <a:t>geom_point</a:t>
+            </a:r>
+            <a:r>
+              <a:rPr lang="en-US" altLang="ja-JP" sz="2000" dirty="0" smtClean="0"/>
+              <a:t>: </a:t>
+            </a:r>
+            <a:r>
+              <a:rPr lang="ja-JP" altLang="en-US" sz="2000" dirty="0" smtClean="0"/>
+              <a:t>散布図を作成する</a:t>
+            </a:r>
+            <a:endParaRPr lang="en-US" altLang="ja-JP" sz="2000" dirty="0" smtClean="0"/>
+          </a:p>
+          <a:p>
+            <a:pPr marL="457200" lvl="1" indent="0">
+              <a:buNone/>
+            </a:pPr>
+            <a:r>
+              <a:rPr lang="ja-JP" altLang="en-US" sz="1200" dirty="0"/>
+              <a:t>関数例</a:t>
+            </a:r>
+            <a:r>
+              <a:rPr lang="en-US" altLang="ja-JP" sz="1200" dirty="0"/>
+              <a:t>:  </a:t>
+            </a:r>
+            <a:r>
+              <a:rPr lang="en-US" altLang="ja-JP" sz="1200" dirty="0" err="1" smtClean="0">
+                <a:solidFill>
+                  <a:srgbClr val="0070C0"/>
+                </a:solidFill>
+              </a:rPr>
+              <a:t>ggplot</a:t>
+            </a:r>
+            <a:r>
+              <a:rPr lang="en-US" altLang="ja-JP" sz="1200" dirty="0" smtClean="0"/>
+              <a:t>(data=</a:t>
+            </a:r>
+            <a:r>
+              <a:rPr lang="en-US" altLang="ja-JP" sz="1200" dirty="0" err="1" smtClean="0"/>
+              <a:t>nm_data</a:t>
+            </a:r>
+            <a:r>
+              <a:rPr lang="en-US" altLang="ja-JP" sz="1200" dirty="0" err="1"/>
+              <a:t>_p</a:t>
+            </a:r>
+            <a:r>
+              <a:rPr lang="en-US" altLang="ja-JP" sz="1200" dirty="0" smtClean="0"/>
+              <a:t>, </a:t>
+            </a:r>
+            <a:r>
+              <a:rPr lang="en-US" altLang="ja-JP" sz="1200" dirty="0" err="1"/>
+              <a:t>aes</a:t>
+            </a:r>
+            <a:r>
+              <a:rPr lang="en-US" altLang="ja-JP" sz="1200" dirty="0"/>
+              <a:t>(x=TIME, y=CONC, group=ID, </a:t>
+            </a:r>
+            <a:r>
+              <a:rPr lang="en-US" altLang="ja-JP" sz="1200" dirty="0" err="1"/>
+              <a:t>colour</a:t>
+            </a:r>
+            <a:r>
+              <a:rPr lang="en-US" altLang="ja-JP" sz="1200" dirty="0"/>
+              <a:t>=MALE</a:t>
+            </a:r>
+            <a:r>
+              <a:rPr lang="en-US" altLang="ja-JP" sz="1200" dirty="0" smtClean="0"/>
+              <a:t>)) + </a:t>
+            </a:r>
+            <a:r>
+              <a:rPr lang="en-US" altLang="ja-JP" sz="1200" dirty="0" err="1" smtClean="0">
+                <a:solidFill>
+                  <a:srgbClr val="0070C0"/>
+                </a:solidFill>
+              </a:rPr>
+              <a:t>geom_point</a:t>
+            </a:r>
+            <a:r>
+              <a:rPr lang="en-US" altLang="ja-JP" sz="1200" dirty="0" smtClean="0"/>
+              <a:t>()</a:t>
+            </a:r>
+            <a:endParaRPr lang="en-US" altLang="ja-JP" sz="1200" dirty="0"/>
+          </a:p>
+          <a:p>
+            <a:pPr marL="457200" lvl="1" indent="0">
+              <a:buNone/>
+            </a:pPr>
+            <a:r>
+              <a:rPr lang="ja-JP" altLang="en-US" sz="1200" dirty="0"/>
+              <a:t>意味： </a:t>
+            </a:r>
+            <a:r>
+              <a:rPr lang="en-US" altLang="ja-JP" sz="1200" dirty="0" err="1" smtClean="0"/>
+              <a:t>nm_data_p</a:t>
+            </a:r>
+            <a:r>
+              <a:rPr lang="ja-JP" altLang="en-US" sz="1200" dirty="0" smtClean="0"/>
+              <a:t>を</a:t>
+            </a:r>
+            <a:r>
+              <a:rPr lang="ja-JP" altLang="en-US" sz="1200" dirty="0"/>
+              <a:t>使い，</a:t>
+            </a:r>
+            <a:r>
+              <a:rPr lang="en-US" altLang="ja-JP" sz="1200" dirty="0"/>
+              <a:t>x</a:t>
+            </a:r>
+            <a:r>
+              <a:rPr lang="ja-JP" altLang="en-US" sz="1200" dirty="0"/>
+              <a:t>に</a:t>
+            </a:r>
+            <a:r>
+              <a:rPr lang="en-US" altLang="ja-JP" sz="1200" dirty="0"/>
+              <a:t>TIME</a:t>
+            </a:r>
+            <a:r>
+              <a:rPr lang="ja-JP" altLang="en-US" sz="1200" dirty="0" err="1"/>
+              <a:t>，</a:t>
+            </a:r>
+            <a:r>
+              <a:rPr lang="en-US" altLang="ja-JP" sz="1200" dirty="0"/>
+              <a:t>y</a:t>
+            </a:r>
+            <a:r>
+              <a:rPr lang="ja-JP" altLang="en-US" sz="1200" dirty="0"/>
+              <a:t>に</a:t>
+            </a:r>
+            <a:r>
+              <a:rPr lang="en-US" altLang="ja-JP" sz="1200" dirty="0"/>
+              <a:t>CONC</a:t>
+            </a:r>
+            <a:r>
+              <a:rPr lang="ja-JP" altLang="en-US" sz="1200" dirty="0"/>
+              <a:t>の列を用いる。</a:t>
+            </a:r>
+            <a:r>
+              <a:rPr lang="en-US" altLang="ja-JP" sz="1200" dirty="0"/>
+              <a:t>ID</a:t>
+            </a:r>
+            <a:r>
+              <a:rPr lang="ja-JP" altLang="en-US" sz="1200" dirty="0"/>
+              <a:t>ごとにプロットし，</a:t>
+            </a:r>
+            <a:r>
+              <a:rPr lang="en-US" altLang="ja-JP" sz="1200" dirty="0"/>
+              <a:t>MALE</a:t>
+            </a:r>
+            <a:r>
+              <a:rPr lang="ja-JP" altLang="en-US" sz="1200" dirty="0"/>
+              <a:t>ごとに色を</a:t>
+            </a:r>
+            <a:r>
+              <a:rPr lang="ja-JP" altLang="en-US" sz="1200" dirty="0" smtClean="0"/>
+              <a:t>分けた散布図を作成する。</a:t>
+            </a:r>
+            <a:endParaRPr lang="en-US" altLang="ja-JP" sz="1200" dirty="0" smtClean="0"/>
+          </a:p>
+          <a:p>
+            <a:pPr marL="457200" lvl="1" indent="0">
+              <a:buNone/>
+            </a:pPr>
+            <a:r>
+              <a:rPr lang="ja-JP" altLang="en-US" sz="1200" dirty="0"/>
+              <a:t>関数例</a:t>
+            </a:r>
+            <a:r>
+              <a:rPr lang="en-US" altLang="ja-JP" sz="1200" dirty="0"/>
+              <a:t>:  </a:t>
+            </a:r>
+            <a:r>
+              <a:rPr lang="en-US" altLang="ja-JP" sz="1200" dirty="0" err="1" smtClean="0">
+                <a:solidFill>
+                  <a:srgbClr val="0070C0"/>
+                </a:solidFill>
+              </a:rPr>
+              <a:t>ggplot</a:t>
+            </a:r>
+            <a:r>
+              <a:rPr lang="en-US" altLang="ja-JP" sz="1200" dirty="0" smtClean="0"/>
+              <a:t>(data=</a:t>
+            </a:r>
+            <a:r>
+              <a:rPr lang="en-US" altLang="ja-JP" sz="1200" dirty="0" err="1" smtClean="0"/>
+              <a:t>nm_data</a:t>
+            </a:r>
+            <a:r>
+              <a:rPr lang="en-US" altLang="ja-JP" sz="1200" dirty="0" err="1"/>
+              <a:t>_p</a:t>
+            </a:r>
+            <a:r>
+              <a:rPr lang="en-US" altLang="ja-JP" sz="1200" dirty="0" smtClean="0"/>
+              <a:t>, </a:t>
+            </a:r>
+            <a:r>
+              <a:rPr lang="en-US" altLang="ja-JP" sz="1200" dirty="0" err="1"/>
+              <a:t>aes</a:t>
+            </a:r>
+            <a:r>
+              <a:rPr lang="en-US" altLang="ja-JP" sz="1200" dirty="0"/>
+              <a:t>(x=TIME, y=CONC, group=ID, </a:t>
+            </a:r>
+            <a:r>
+              <a:rPr lang="en-US" altLang="ja-JP" sz="1200" dirty="0" err="1" smtClean="0"/>
+              <a:t>colour</a:t>
+            </a:r>
+            <a:r>
+              <a:rPr lang="en-US" altLang="ja-JP" sz="1200" dirty="0" smtClean="0"/>
+              <a:t>=factor(MALE))) </a:t>
+            </a:r>
+            <a:r>
+              <a:rPr lang="en-US" altLang="ja-JP" sz="1200" dirty="0"/>
+              <a:t>+ </a:t>
+            </a:r>
+            <a:r>
+              <a:rPr lang="en-US" altLang="ja-JP" sz="1200" dirty="0" err="1">
+                <a:solidFill>
+                  <a:srgbClr val="0070C0"/>
+                </a:solidFill>
+              </a:rPr>
+              <a:t>geom_point</a:t>
+            </a:r>
+            <a:r>
+              <a:rPr lang="en-US" altLang="ja-JP" sz="1200" dirty="0"/>
+              <a:t>()</a:t>
+            </a:r>
+          </a:p>
+          <a:p>
+            <a:pPr marL="457200" lvl="1" indent="0">
+              <a:buNone/>
+            </a:pPr>
+            <a:r>
+              <a:rPr lang="ja-JP" altLang="en-US" sz="1200" dirty="0"/>
+              <a:t>意味： </a:t>
+            </a:r>
+            <a:r>
+              <a:rPr lang="en-US" altLang="ja-JP" sz="1200" dirty="0" err="1" smtClean="0"/>
+              <a:t>nm_data_p</a:t>
+            </a:r>
+            <a:r>
+              <a:rPr lang="ja-JP" altLang="en-US" sz="1200" dirty="0" smtClean="0"/>
+              <a:t>を</a:t>
+            </a:r>
+            <a:r>
+              <a:rPr lang="ja-JP" altLang="en-US" sz="1200" dirty="0"/>
+              <a:t>使い，</a:t>
+            </a:r>
+            <a:r>
+              <a:rPr lang="en-US" altLang="ja-JP" sz="1200" dirty="0"/>
+              <a:t>x</a:t>
+            </a:r>
+            <a:r>
+              <a:rPr lang="ja-JP" altLang="en-US" sz="1200" dirty="0"/>
+              <a:t>に</a:t>
+            </a:r>
+            <a:r>
+              <a:rPr lang="en-US" altLang="ja-JP" sz="1200" dirty="0"/>
+              <a:t>TIME</a:t>
+            </a:r>
+            <a:r>
+              <a:rPr lang="ja-JP" altLang="en-US" sz="1200" dirty="0" err="1"/>
+              <a:t>，</a:t>
+            </a:r>
+            <a:r>
+              <a:rPr lang="en-US" altLang="ja-JP" sz="1200" dirty="0"/>
+              <a:t>y</a:t>
+            </a:r>
+            <a:r>
+              <a:rPr lang="ja-JP" altLang="en-US" sz="1200" dirty="0"/>
+              <a:t>に</a:t>
+            </a:r>
+            <a:r>
+              <a:rPr lang="en-US" altLang="ja-JP" sz="1200" dirty="0"/>
+              <a:t>CONC</a:t>
+            </a:r>
+            <a:r>
+              <a:rPr lang="ja-JP" altLang="en-US" sz="1200" dirty="0"/>
+              <a:t>の列を用いる。</a:t>
+            </a:r>
+            <a:r>
+              <a:rPr lang="en-US" altLang="ja-JP" sz="1200" dirty="0"/>
+              <a:t>ID</a:t>
+            </a:r>
+            <a:r>
+              <a:rPr lang="ja-JP" altLang="en-US" sz="1200" dirty="0"/>
+              <a:t>ごとにプロットし</a:t>
+            </a:r>
+            <a:r>
+              <a:rPr lang="ja-JP" altLang="en-US" sz="1200" dirty="0" smtClean="0"/>
+              <a:t>，</a:t>
+            </a:r>
+            <a:r>
+              <a:rPr lang="en-US" altLang="ja-JP" sz="1200" dirty="0" smtClean="0"/>
+              <a:t>factor</a:t>
+            </a:r>
+            <a:r>
+              <a:rPr lang="ja-JP" altLang="en-US" sz="1200" dirty="0" smtClean="0"/>
+              <a:t>に変換した</a:t>
+            </a:r>
+            <a:r>
+              <a:rPr lang="en-US" altLang="ja-JP" sz="1200" dirty="0" smtClean="0"/>
+              <a:t>MALE</a:t>
+            </a:r>
+            <a:r>
+              <a:rPr lang="ja-JP" altLang="en-US" sz="1200" dirty="0"/>
+              <a:t>ごとに色を分けた散布図を作成する</a:t>
+            </a:r>
+            <a:r>
+              <a:rPr lang="ja-JP" altLang="en-US" sz="1600" dirty="0"/>
+              <a:t>。</a:t>
+            </a:r>
+            <a:endParaRPr lang="en-US" altLang="ja-JP" sz="2000" dirty="0"/>
+          </a:p>
+          <a:p>
+            <a:r>
+              <a:rPr lang="en-US" altLang="ja-JP" sz="2000" dirty="0" err="1" smtClean="0">
+                <a:solidFill>
+                  <a:srgbClr val="0070C0"/>
+                </a:solidFill>
+              </a:rPr>
+              <a:t>geom_line</a:t>
+            </a:r>
+            <a:r>
+              <a:rPr lang="en-US" altLang="ja-JP" sz="2000" dirty="0" smtClean="0"/>
+              <a:t>:</a:t>
+            </a:r>
+            <a:r>
+              <a:rPr lang="ja-JP" altLang="en-US" sz="2000" dirty="0" smtClean="0"/>
+              <a:t> 折れ線グラフを作成する</a:t>
+            </a:r>
+            <a:endParaRPr lang="en-US" altLang="ja-JP" sz="2000" dirty="0" smtClean="0"/>
+          </a:p>
+          <a:p>
+            <a:pPr marL="457200" lvl="1" indent="0">
+              <a:buNone/>
+            </a:pPr>
+            <a:r>
+              <a:rPr lang="ja-JP" altLang="en-US" sz="1200" dirty="0"/>
+              <a:t>関数例</a:t>
+            </a:r>
+            <a:r>
+              <a:rPr lang="en-US" altLang="ja-JP" sz="1200" dirty="0"/>
+              <a:t>:  </a:t>
+            </a:r>
+            <a:r>
+              <a:rPr lang="en-US" altLang="ja-JP" sz="1200" dirty="0" err="1" smtClean="0">
+                <a:solidFill>
+                  <a:srgbClr val="0070C0"/>
+                </a:solidFill>
+              </a:rPr>
+              <a:t>ggplot</a:t>
+            </a:r>
+            <a:r>
+              <a:rPr lang="en-US" altLang="ja-JP" sz="1200" dirty="0" smtClean="0"/>
+              <a:t>(data=</a:t>
+            </a:r>
+            <a:r>
+              <a:rPr lang="en-US" altLang="ja-JP" sz="1200" dirty="0" err="1" smtClean="0"/>
+              <a:t>nm_data</a:t>
+            </a:r>
+            <a:r>
+              <a:rPr lang="en-US" altLang="ja-JP" sz="1200" dirty="0" err="1"/>
+              <a:t>_p</a:t>
+            </a:r>
+            <a:r>
+              <a:rPr lang="en-US" altLang="ja-JP" sz="1200" dirty="0" smtClean="0"/>
+              <a:t>, </a:t>
+            </a:r>
+            <a:r>
+              <a:rPr lang="en-US" altLang="ja-JP" sz="1200" dirty="0" err="1"/>
+              <a:t>aes</a:t>
+            </a:r>
+            <a:r>
+              <a:rPr lang="en-US" altLang="ja-JP" sz="1200" dirty="0"/>
+              <a:t>(x=TIME, y=CONC, group=ID, </a:t>
+            </a:r>
+            <a:r>
+              <a:rPr lang="en-US" altLang="ja-JP" sz="1200" dirty="0" err="1" smtClean="0"/>
+              <a:t>colour</a:t>
+            </a:r>
+            <a:r>
+              <a:rPr lang="en-US" altLang="ja-JP" sz="1200" dirty="0" smtClean="0"/>
+              <a:t>=</a:t>
+            </a:r>
+            <a:r>
+              <a:rPr lang="en-US" altLang="ja-JP" sz="1200" dirty="0"/>
+              <a:t>factor(MALE)</a:t>
+            </a:r>
+            <a:r>
+              <a:rPr lang="en-US" altLang="ja-JP" sz="1200" dirty="0" smtClean="0"/>
+              <a:t>)) </a:t>
+            </a:r>
+            <a:r>
+              <a:rPr lang="en-US" altLang="ja-JP" sz="1200" dirty="0"/>
+              <a:t>+ </a:t>
+            </a:r>
+            <a:r>
+              <a:rPr lang="en-US" altLang="ja-JP" sz="1200" dirty="0" err="1" smtClean="0">
+                <a:solidFill>
+                  <a:srgbClr val="0070C0"/>
+                </a:solidFill>
+              </a:rPr>
+              <a:t>geom_line</a:t>
+            </a:r>
+            <a:r>
+              <a:rPr lang="en-US" altLang="ja-JP" sz="1200" dirty="0" smtClean="0"/>
+              <a:t>()</a:t>
+            </a:r>
+            <a:endParaRPr lang="en-US" altLang="ja-JP" sz="1200" dirty="0"/>
+          </a:p>
+          <a:p>
+            <a:pPr marL="457200" lvl="1" indent="0">
+              <a:buNone/>
+            </a:pPr>
+            <a:r>
+              <a:rPr lang="ja-JP" altLang="en-US" sz="1200" dirty="0"/>
+              <a:t>意味： </a:t>
+            </a:r>
+            <a:r>
+              <a:rPr lang="en-US" altLang="ja-JP" sz="1200" dirty="0" err="1" smtClean="0"/>
+              <a:t>nm_data_p</a:t>
+            </a:r>
+            <a:r>
+              <a:rPr lang="ja-JP" altLang="en-US" sz="1200" dirty="0" smtClean="0"/>
+              <a:t>を</a:t>
+            </a:r>
+            <a:r>
+              <a:rPr lang="ja-JP" altLang="en-US" sz="1200" dirty="0"/>
+              <a:t>使い，</a:t>
+            </a:r>
+            <a:r>
+              <a:rPr lang="en-US" altLang="ja-JP" sz="1200" dirty="0"/>
+              <a:t>x</a:t>
+            </a:r>
+            <a:r>
+              <a:rPr lang="ja-JP" altLang="en-US" sz="1200" dirty="0"/>
+              <a:t>に</a:t>
+            </a:r>
+            <a:r>
+              <a:rPr lang="en-US" altLang="ja-JP" sz="1200" dirty="0"/>
+              <a:t>TIME</a:t>
+            </a:r>
+            <a:r>
+              <a:rPr lang="ja-JP" altLang="en-US" sz="1200" dirty="0" err="1"/>
+              <a:t>，</a:t>
+            </a:r>
+            <a:r>
+              <a:rPr lang="en-US" altLang="ja-JP" sz="1200" dirty="0"/>
+              <a:t>y</a:t>
+            </a:r>
+            <a:r>
+              <a:rPr lang="ja-JP" altLang="en-US" sz="1200" dirty="0"/>
+              <a:t>に</a:t>
+            </a:r>
+            <a:r>
+              <a:rPr lang="en-US" altLang="ja-JP" sz="1200" dirty="0"/>
+              <a:t>CONC</a:t>
+            </a:r>
+            <a:r>
+              <a:rPr lang="ja-JP" altLang="en-US" sz="1200" dirty="0"/>
+              <a:t>の列を用いる。</a:t>
+            </a:r>
+            <a:r>
+              <a:rPr lang="en-US" altLang="ja-JP" sz="1200" dirty="0"/>
+              <a:t>ID</a:t>
+            </a:r>
+            <a:r>
+              <a:rPr lang="ja-JP" altLang="en-US" sz="1200" dirty="0"/>
+              <a:t>ごとにプロットし，</a:t>
+            </a:r>
+            <a:r>
+              <a:rPr lang="en-US" altLang="ja-JP" sz="1200" dirty="0"/>
+              <a:t>MALE</a:t>
+            </a:r>
+            <a:r>
+              <a:rPr lang="ja-JP" altLang="en-US" sz="1200" dirty="0"/>
+              <a:t>ごとに色を</a:t>
+            </a:r>
+            <a:r>
+              <a:rPr lang="ja-JP" altLang="en-US" sz="1200" dirty="0" smtClean="0"/>
+              <a:t>分けた折れ線グラフを</a:t>
+            </a:r>
+            <a:r>
+              <a:rPr lang="ja-JP" altLang="en-US" sz="1200" dirty="0"/>
+              <a:t>作成する。</a:t>
+            </a:r>
+            <a:endParaRPr lang="en-US" altLang="ja-JP" sz="1600" dirty="0"/>
+          </a:p>
+          <a:p>
+            <a:endParaRPr lang="en-US" altLang="ja-JP" sz="1600" dirty="0"/>
+          </a:p>
+          <a:p>
+            <a:endParaRPr kumimoji="1" lang="ja-JP" altLang="en-US" dirty="0"/>
           </a:p>
         </p:txBody>
       </p:sp>
@@ -11203,23 +12245,23 @@
           <a:lstStyle/>
           <a:p>
             <a:r>
-              <a:rPr lang="en-US" altLang="ja-JP"/>
+              <a:rPr lang="en-US" altLang="ja-JP" dirty="0"/>
               <a:t>R</a:t>
             </a:r>
             <a:r>
-              <a:rPr lang="ja-JP" altLang="en-US"/>
+              <a:rPr lang="ja-JP" altLang="en-US" dirty="0"/>
               <a:t> </a:t>
             </a:r>
             <a:r>
-              <a:rPr lang="en-US" altLang="ja-JP"/>
+              <a:rPr lang="en-US" altLang="ja-JP" dirty="0"/>
               <a:t>for</a:t>
             </a:r>
             <a:r>
-              <a:rPr lang="ja-JP" altLang="en-US"/>
+              <a:rPr lang="ja-JP" altLang="en-US" dirty="0"/>
               <a:t> </a:t>
             </a:r>
             <a:r>
-              <a:rPr lang="en-US" altLang="ja-JP"/>
+              <a:rPr lang="en-US" altLang="ja-JP" dirty="0"/>
               <a:t>Pharmacometrics</a:t>
             </a:r>
             <a:endParaRPr lang="ja-JP" altLang="en-US" dirty="0"/>
@@ -11249,16 +12291,729 @@
           </a:p>
         </p:txBody>
       </p:sp>
+      <p:pic>
+        <p:nvPicPr>
+          <p:cNvPr id="7" name="図 6"/>
+          <p:cNvPicPr>
+            <a:picLocks noChangeAspect="1"/>
+          </p:cNvPicPr>
+          <p:nvPr/>
+        </p:nvPicPr>
+        <p:blipFill>
+          <a:blip r:embed="rId2" cstate="print">
+            <a:extLst>
+              <a:ext uri="{28A0092B-C50C-407E-A947-70E740481C1C}">
+                <a14:useLocalDpi xmlns:a14="http://schemas.microsoft.com/office/drawing/2010/main" val="0"/>
+              </a:ext>
+            </a:extLst>
+          </a:blip>
+          <a:stretch>
+            <a:fillRect/>
+          </a:stretch>
+        </p:blipFill>
+        <p:spPr>
+          <a:xfrm>
+            <a:off x="8361156" y="3830408"/>
+            <a:ext cx="3547726" cy="2838181"/>
+          </a:xfrm>
+          <a:prstGeom prst="rect">
+            <a:avLst/>
+          </a:prstGeom>
+        </p:spPr>
+      </p:pic>
+      <p:pic>
+        <p:nvPicPr>
+          <p:cNvPr id="8" name="図 7"/>
+          <p:cNvPicPr>
+            <a:picLocks noChangeAspect="1"/>
+          </p:cNvPicPr>
+          <p:nvPr/>
+        </p:nvPicPr>
+        <p:blipFill>
+          <a:blip r:embed="rId3" cstate="print">
+            <a:extLst>
+              <a:ext uri="{28A0092B-C50C-407E-A947-70E740481C1C}">
+                <a14:useLocalDpi xmlns:a14="http://schemas.microsoft.com/office/drawing/2010/main" val="0"/>
+              </a:ext>
+            </a:extLst>
+          </a:blip>
+          <a:stretch>
+            <a:fillRect/>
+          </a:stretch>
+        </p:blipFill>
+        <p:spPr>
+          <a:xfrm>
+            <a:off x="7810113" y="3557115"/>
+            <a:ext cx="3751443" cy="3001154"/>
+          </a:xfrm>
+          <a:prstGeom prst="rect">
+            <a:avLst/>
+          </a:prstGeom>
+        </p:spPr>
+      </p:pic>
+      <p:pic>
+        <p:nvPicPr>
+          <p:cNvPr id="9" name="図 8"/>
+          <p:cNvPicPr>
+            <a:picLocks noChangeAspect="1"/>
+          </p:cNvPicPr>
+          <p:nvPr/>
+        </p:nvPicPr>
+        <p:blipFill>
+          <a:blip r:embed="rId4" cstate="print">
+            <a:extLst>
+              <a:ext uri="{28A0092B-C50C-407E-A947-70E740481C1C}">
+                <a14:useLocalDpi xmlns:a14="http://schemas.microsoft.com/office/drawing/2010/main" val="0"/>
+              </a:ext>
+            </a:extLst>
+          </a:blip>
+          <a:stretch>
+            <a:fillRect/>
+          </a:stretch>
+        </p:blipFill>
+        <p:spPr>
+          <a:xfrm>
+            <a:off x="7358124" y="3361727"/>
+            <a:ext cx="3995676" cy="3196542"/>
+          </a:xfrm>
+          <a:prstGeom prst="rect">
+            <a:avLst/>
+          </a:prstGeom>
+        </p:spPr>
+      </p:pic>
+      <p:pic>
+        <p:nvPicPr>
+          <p:cNvPr id="10" name="図 9"/>
+          <p:cNvPicPr>
+            <a:picLocks noChangeAspect="1"/>
+          </p:cNvPicPr>
+          <p:nvPr/>
+        </p:nvPicPr>
+        <p:blipFill>
+          <a:blip r:embed="rId5" cstate="print">
+            <a:extLst>
+              <a:ext uri="{28A0092B-C50C-407E-A947-70E740481C1C}">
+                <a14:useLocalDpi xmlns:a14="http://schemas.microsoft.com/office/drawing/2010/main" val="0"/>
+              </a:ext>
+            </a:extLst>
+          </a:blip>
+          <a:stretch>
+            <a:fillRect/>
+          </a:stretch>
+        </p:blipFill>
+        <p:spPr>
+          <a:xfrm>
+            <a:off x="7252054" y="3090954"/>
+            <a:ext cx="4101746" cy="3281397"/>
+          </a:xfrm>
+          <a:prstGeom prst="rect">
+            <a:avLst/>
+          </a:prstGeom>
+        </p:spPr>
+      </p:pic>
     </p:spTree>
     <p:extLst>
       <p:ext uri="{BB962C8B-B14F-4D97-AF65-F5344CB8AC3E}">
-        <p14:creationId xmlns:p14="http://schemas.microsoft.com/office/powerpoint/2010/main" val="2559533473"/>
+        <p14:creationId xmlns:p14="http://schemas.microsoft.com/office/powerpoint/2010/main" val="1142184708"/>
       </p:ext>
     </p:extLst>
   </p:cSld>
   <p:clrMapOvr>
     <a:masterClrMapping/>
   </p:clrMapOvr>
+  <p:timing>
+    <p:tnLst>
+      <p:par>
+        <p:cTn id="1" dur="indefinite" restart="never" nodeType="tmRoot">
+          <p:childTnLst>
+            <p:seq concurrent="1" nextAc="seek">
+              <p:cTn id="2" dur="indefinite" nodeType="mainSeq">
+                <p:childTnLst>
+                  <p:par>
+                    <p:cTn id="3" fill="hold">
+                      <p:stCondLst>
+                        <p:cond delay="indefinite"/>
+                      </p:stCondLst>
+                      <p:childTnLst>
+                        <p:par>
+                          <p:cTn id="4" fill="hold">
+                            <p:stCondLst>
+                              <p:cond delay="0"/>
+                            </p:stCondLst>
+                            <p:childTnLst>
+                              <p:par>
+                                <p:cTn id="5" presetID="1" presetClass="entr" presetSubtype="0" fill="hold" nodeType="clickEffect">
+                                  <p:stCondLst>
+                                    <p:cond delay="0"/>
+                                  </p:stCondLst>
+                                  <p:childTnLst>
+                                    <p:set>
+                                      <p:cBhvr>
+                                        <p:cTn id="6" dur="1" fill="hold">
+                                          <p:stCondLst>
+                                            <p:cond delay="0"/>
+                                          </p:stCondLst>
+                                        </p:cTn>
+                                        <p:tgtEl>
+                                          <p:spTgt spid="7"/>
+                                        </p:tgtEl>
+                                        <p:attrNameLst>
+                                          <p:attrName>style.visibility</p:attrName>
+                                        </p:attrNameLst>
+                                      </p:cBhvr>
+                                      <p:to>
+                                        <p:strVal val="visible"/>
+                                      </p:to>
+                                    </p:set>
+                                  </p:childTnLst>
+                                </p:cTn>
+                              </p:par>
+                            </p:childTnLst>
+                          </p:cTn>
+                        </p:par>
+                      </p:childTnLst>
+                    </p:cTn>
+                  </p:par>
+                  <p:par>
+                    <p:cTn id="7" fill="hold">
+                      <p:stCondLst>
+                        <p:cond delay="indefinite"/>
+                      </p:stCondLst>
+                      <p:childTnLst>
+                        <p:par>
+                          <p:cTn id="8" fill="hold">
+                            <p:stCondLst>
+                              <p:cond delay="0"/>
+                            </p:stCondLst>
+                            <p:childTnLst>
+                              <p:par>
+                                <p:cTn id="9" presetID="1" presetClass="entr" presetSubtype="0" fill="hold" nodeType="clickEffect">
+                                  <p:stCondLst>
+                                    <p:cond delay="0"/>
+                                  </p:stCondLst>
+                                  <p:childTnLst>
+                                    <p:set>
+                                      <p:cBhvr>
+                                        <p:cTn id="10" dur="1" fill="hold">
+                                          <p:stCondLst>
+                                            <p:cond delay="0"/>
+                                          </p:stCondLst>
+                                        </p:cTn>
+                                        <p:tgtEl>
+                                          <p:spTgt spid="3">
+                                            <p:txEl>
+                                              <p:pRg st="9" end="9"/>
+                                            </p:txEl>
+                                          </p:spTgt>
+                                        </p:tgtEl>
+                                        <p:attrNameLst>
+                                          <p:attrName>style.visibility</p:attrName>
+                                        </p:attrNameLst>
+                                      </p:cBhvr>
+                                      <p:to>
+                                        <p:strVal val="visible"/>
+                                      </p:to>
+                                    </p:set>
+                                  </p:childTnLst>
+                                </p:cTn>
+                              </p:par>
+                              <p:par>
+                                <p:cTn id="11" presetID="1" presetClass="entr" presetSubtype="0" fill="hold" nodeType="withEffect">
+                                  <p:stCondLst>
+                                    <p:cond delay="0"/>
+                                  </p:stCondLst>
+                                  <p:childTnLst>
+                                    <p:set>
+                                      <p:cBhvr>
+                                        <p:cTn id="12" dur="1" fill="hold">
+                                          <p:stCondLst>
+                                            <p:cond delay="0"/>
+                                          </p:stCondLst>
+                                        </p:cTn>
+                                        <p:tgtEl>
+                                          <p:spTgt spid="3">
+                                            <p:txEl>
+                                              <p:pRg st="10" end="10"/>
+                                            </p:txEl>
+                                          </p:spTgt>
+                                        </p:tgtEl>
+                                        <p:attrNameLst>
+                                          <p:attrName>style.visibility</p:attrName>
+                                        </p:attrNameLst>
+                                      </p:cBhvr>
+                                      <p:to>
+                                        <p:strVal val="visible"/>
+                                      </p:to>
+                                    </p:set>
+                                  </p:childTnLst>
+                                </p:cTn>
+                              </p:par>
+                              <p:par>
+                                <p:cTn id="13" presetID="1" presetClass="entr" presetSubtype="0" fill="hold" nodeType="withEffect">
+                                  <p:stCondLst>
+                                    <p:cond delay="0"/>
+                                  </p:stCondLst>
+                                  <p:childTnLst>
+                                    <p:set>
+                                      <p:cBhvr>
+                                        <p:cTn id="14" dur="1" fill="hold">
+                                          <p:stCondLst>
+                                            <p:cond delay="0"/>
+                                          </p:stCondLst>
+                                        </p:cTn>
+                                        <p:tgtEl>
+                                          <p:spTgt spid="3">
+                                            <p:txEl>
+                                              <p:pRg st="11" end="11"/>
+                                            </p:txEl>
+                                          </p:spTgt>
+                                        </p:tgtEl>
+                                        <p:attrNameLst>
+                                          <p:attrName>style.visibility</p:attrName>
+                                        </p:attrNameLst>
+                                      </p:cBhvr>
+                                      <p:to>
+                                        <p:strVal val="visible"/>
+                                      </p:to>
+                                    </p:set>
+                                  </p:childTnLst>
+                                </p:cTn>
+                              </p:par>
+                              <p:par>
+                                <p:cTn id="15" presetID="1" presetClass="exit" presetSubtype="0" fill="hold" nodeType="withEffect">
+                                  <p:stCondLst>
+                                    <p:cond delay="0"/>
+                                  </p:stCondLst>
+                                  <p:childTnLst>
+                                    <p:set>
+                                      <p:cBhvr>
+                                        <p:cTn id="16" dur="1" fill="hold">
+                                          <p:stCondLst>
+                                            <p:cond delay="0"/>
+                                          </p:stCondLst>
+                                        </p:cTn>
+                                        <p:tgtEl>
+                                          <p:spTgt spid="7"/>
+                                        </p:tgtEl>
+                                        <p:attrNameLst>
+                                          <p:attrName>style.visibility</p:attrName>
+                                        </p:attrNameLst>
+                                      </p:cBhvr>
+                                      <p:to>
+                                        <p:strVal val="hidden"/>
+                                      </p:to>
+                                    </p:set>
+                                  </p:childTnLst>
+                                </p:cTn>
+                              </p:par>
+                            </p:childTnLst>
+                          </p:cTn>
+                        </p:par>
+                      </p:childTnLst>
+                    </p:cTn>
+                  </p:par>
+                  <p:par>
+                    <p:cTn id="17" fill="hold">
+                      <p:stCondLst>
+                        <p:cond delay="indefinite"/>
+                      </p:stCondLst>
+                      <p:childTnLst>
+                        <p:par>
+                          <p:cTn id="18" fill="hold">
+                            <p:stCondLst>
+                              <p:cond delay="0"/>
+                            </p:stCondLst>
+                            <p:childTnLst>
+                              <p:par>
+                                <p:cTn id="19" presetID="1" presetClass="entr" presetSubtype="0" fill="hold" nodeType="clickEffect">
+                                  <p:stCondLst>
+                                    <p:cond delay="0"/>
+                                  </p:stCondLst>
+                                  <p:childTnLst>
+                                    <p:set>
+                                      <p:cBhvr>
+                                        <p:cTn id="20" dur="1" fill="hold">
+                                          <p:stCondLst>
+                                            <p:cond delay="0"/>
+                                          </p:stCondLst>
+                                        </p:cTn>
+                                        <p:tgtEl>
+                                          <p:spTgt spid="8"/>
+                                        </p:tgtEl>
+                                        <p:attrNameLst>
+                                          <p:attrName>style.visibility</p:attrName>
+                                        </p:attrNameLst>
+                                      </p:cBhvr>
+                                      <p:to>
+                                        <p:strVal val="visible"/>
+                                      </p:to>
+                                    </p:set>
+                                  </p:childTnLst>
+                                </p:cTn>
+                              </p:par>
+                            </p:childTnLst>
+                          </p:cTn>
+                        </p:par>
+                      </p:childTnLst>
+                    </p:cTn>
+                  </p:par>
+                  <p:par>
+                    <p:cTn id="21" fill="hold">
+                      <p:stCondLst>
+                        <p:cond delay="indefinite"/>
+                      </p:stCondLst>
+                      <p:childTnLst>
+                        <p:par>
+                          <p:cTn id="22" fill="hold">
+                            <p:stCondLst>
+                              <p:cond delay="0"/>
+                            </p:stCondLst>
+                            <p:childTnLst>
+                              <p:par>
+                                <p:cTn id="23" presetID="1" presetClass="entr" presetSubtype="0" fill="hold" nodeType="clickEffect">
+                                  <p:stCondLst>
+                                    <p:cond delay="0"/>
+                                  </p:stCondLst>
+                                  <p:childTnLst>
+                                    <p:set>
+                                      <p:cBhvr>
+                                        <p:cTn id="24" dur="1" fill="hold">
+                                          <p:stCondLst>
+                                            <p:cond delay="0"/>
+                                          </p:stCondLst>
+                                        </p:cTn>
+                                        <p:tgtEl>
+                                          <p:spTgt spid="3">
+                                            <p:txEl>
+                                              <p:pRg st="12" end="12"/>
+                                            </p:txEl>
+                                          </p:spTgt>
+                                        </p:tgtEl>
+                                        <p:attrNameLst>
+                                          <p:attrName>style.visibility</p:attrName>
+                                        </p:attrNameLst>
+                                      </p:cBhvr>
+                                      <p:to>
+                                        <p:strVal val="visible"/>
+                                      </p:to>
+                                    </p:set>
+                                  </p:childTnLst>
+                                </p:cTn>
+                              </p:par>
+                              <p:par>
+                                <p:cTn id="25" presetID="1" presetClass="entr" presetSubtype="0" fill="hold" nodeType="withEffect">
+                                  <p:stCondLst>
+                                    <p:cond delay="0"/>
+                                  </p:stCondLst>
+                                  <p:childTnLst>
+                                    <p:set>
+                                      <p:cBhvr>
+                                        <p:cTn id="26" dur="1" fill="hold">
+                                          <p:stCondLst>
+                                            <p:cond delay="0"/>
+                                          </p:stCondLst>
+                                        </p:cTn>
+                                        <p:tgtEl>
+                                          <p:spTgt spid="3">
+                                            <p:txEl>
+                                              <p:pRg st="13" end="13"/>
+                                            </p:txEl>
+                                          </p:spTgt>
+                                        </p:tgtEl>
+                                        <p:attrNameLst>
+                                          <p:attrName>style.visibility</p:attrName>
+                                        </p:attrNameLst>
+                                      </p:cBhvr>
+                                      <p:to>
+                                        <p:strVal val="visible"/>
+                                      </p:to>
+                                    </p:set>
+                                  </p:childTnLst>
+                                </p:cTn>
+                              </p:par>
+                              <p:par>
+                                <p:cTn id="27" presetID="1" presetClass="exit" presetSubtype="0" fill="hold" nodeType="withEffect">
+                                  <p:stCondLst>
+                                    <p:cond delay="0"/>
+                                  </p:stCondLst>
+                                  <p:childTnLst>
+                                    <p:set>
+                                      <p:cBhvr>
+                                        <p:cTn id="28" dur="1" fill="hold">
+                                          <p:stCondLst>
+                                            <p:cond delay="0"/>
+                                          </p:stCondLst>
+                                        </p:cTn>
+                                        <p:tgtEl>
+                                          <p:spTgt spid="8"/>
+                                        </p:tgtEl>
+                                        <p:attrNameLst>
+                                          <p:attrName>style.visibility</p:attrName>
+                                        </p:attrNameLst>
+                                      </p:cBhvr>
+                                      <p:to>
+                                        <p:strVal val="hidden"/>
+                                      </p:to>
+                                    </p:set>
+                                  </p:childTnLst>
+                                </p:cTn>
+                              </p:par>
+                            </p:childTnLst>
+                          </p:cTn>
+                        </p:par>
+                      </p:childTnLst>
+                    </p:cTn>
+                  </p:par>
+                  <p:par>
+                    <p:cTn id="29" fill="hold">
+                      <p:stCondLst>
+                        <p:cond delay="indefinite"/>
+                      </p:stCondLst>
+                      <p:childTnLst>
+                        <p:par>
+                          <p:cTn id="30" fill="hold">
+                            <p:stCondLst>
+                              <p:cond delay="0"/>
+                            </p:stCondLst>
+                            <p:childTnLst>
+                              <p:par>
+                                <p:cTn id="31" presetID="1" presetClass="entr" presetSubtype="0" fill="hold" nodeType="clickEffect">
+                                  <p:stCondLst>
+                                    <p:cond delay="0"/>
+                                  </p:stCondLst>
+                                  <p:childTnLst>
+                                    <p:set>
+                                      <p:cBhvr>
+                                        <p:cTn id="32" dur="1" fill="hold">
+                                          <p:stCondLst>
+                                            <p:cond delay="0"/>
+                                          </p:stCondLst>
+                                        </p:cTn>
+                                        <p:tgtEl>
+                                          <p:spTgt spid="9"/>
+                                        </p:tgtEl>
+                                        <p:attrNameLst>
+                                          <p:attrName>style.visibility</p:attrName>
+                                        </p:attrNameLst>
+                                      </p:cBhvr>
+                                      <p:to>
+                                        <p:strVal val="visible"/>
+                                      </p:to>
+                                    </p:set>
+                                  </p:childTnLst>
+                                </p:cTn>
+                              </p:par>
+                            </p:childTnLst>
+                          </p:cTn>
+                        </p:par>
+                      </p:childTnLst>
+                    </p:cTn>
+                  </p:par>
+                  <p:par>
+                    <p:cTn id="33" fill="hold">
+                      <p:stCondLst>
+                        <p:cond delay="indefinite"/>
+                      </p:stCondLst>
+                      <p:childTnLst>
+                        <p:par>
+                          <p:cTn id="34" fill="hold">
+                            <p:stCondLst>
+                              <p:cond delay="0"/>
+                            </p:stCondLst>
+                            <p:childTnLst>
+                              <p:par>
+                                <p:cTn id="35" presetID="1" presetClass="entr" presetSubtype="0" fill="hold" nodeType="clickEffect">
+                                  <p:stCondLst>
+                                    <p:cond delay="0"/>
+                                  </p:stCondLst>
+                                  <p:childTnLst>
+                                    <p:set>
+                                      <p:cBhvr>
+                                        <p:cTn id="36" dur="1" fill="hold">
+                                          <p:stCondLst>
+                                            <p:cond delay="0"/>
+                                          </p:stCondLst>
+                                        </p:cTn>
+                                        <p:tgtEl>
+                                          <p:spTgt spid="3">
+                                            <p:txEl>
+                                              <p:pRg st="14" end="14"/>
+                                            </p:txEl>
+                                          </p:spTgt>
+                                        </p:tgtEl>
+                                        <p:attrNameLst>
+                                          <p:attrName>style.visibility</p:attrName>
+                                        </p:attrNameLst>
+                                      </p:cBhvr>
+                                      <p:to>
+                                        <p:strVal val="visible"/>
+                                      </p:to>
+                                    </p:set>
+                                  </p:childTnLst>
+                                </p:cTn>
+                              </p:par>
+                              <p:par>
+                                <p:cTn id="37" presetID="1" presetClass="entr" presetSubtype="0" fill="hold" nodeType="withEffect">
+                                  <p:stCondLst>
+                                    <p:cond delay="0"/>
+                                  </p:stCondLst>
+                                  <p:childTnLst>
+                                    <p:set>
+                                      <p:cBhvr>
+                                        <p:cTn id="38" dur="1" fill="hold">
+                                          <p:stCondLst>
+                                            <p:cond delay="0"/>
+                                          </p:stCondLst>
+                                        </p:cTn>
+                                        <p:tgtEl>
+                                          <p:spTgt spid="3">
+                                            <p:txEl>
+                                              <p:pRg st="15" end="15"/>
+                                            </p:txEl>
+                                          </p:spTgt>
+                                        </p:tgtEl>
+                                        <p:attrNameLst>
+                                          <p:attrName>style.visibility</p:attrName>
+                                        </p:attrNameLst>
+                                      </p:cBhvr>
+                                      <p:to>
+                                        <p:strVal val="visible"/>
+                                      </p:to>
+                                    </p:set>
+                                  </p:childTnLst>
+                                </p:cTn>
+                              </p:par>
+                              <p:par>
+                                <p:cTn id="39" presetID="1" presetClass="entr" presetSubtype="0" fill="hold" nodeType="withEffect">
+                                  <p:stCondLst>
+                                    <p:cond delay="0"/>
+                                  </p:stCondLst>
+                                  <p:childTnLst>
+                                    <p:set>
+                                      <p:cBhvr>
+                                        <p:cTn id="40" dur="1" fill="hold">
+                                          <p:stCondLst>
+                                            <p:cond delay="0"/>
+                                          </p:stCondLst>
+                                        </p:cTn>
+                                        <p:tgtEl>
+                                          <p:spTgt spid="3">
+                                            <p:txEl>
+                                              <p:pRg st="16" end="16"/>
+                                            </p:txEl>
+                                          </p:spTgt>
+                                        </p:tgtEl>
+                                        <p:attrNameLst>
+                                          <p:attrName>style.visibility</p:attrName>
+                                        </p:attrNameLst>
+                                      </p:cBhvr>
+                                      <p:to>
+                                        <p:strVal val="visible"/>
+                                      </p:to>
+                                    </p:set>
+                                  </p:childTnLst>
+                                </p:cTn>
+                              </p:par>
+                              <p:par>
+                                <p:cTn id="41" presetID="1" presetClass="exit" presetSubtype="0" fill="hold" nodeType="withEffect">
+                                  <p:stCondLst>
+                                    <p:cond delay="0"/>
+                                  </p:stCondLst>
+                                  <p:childTnLst>
+                                    <p:set>
+                                      <p:cBhvr>
+                                        <p:cTn id="42" dur="1" fill="hold">
+                                          <p:stCondLst>
+                                            <p:cond delay="0"/>
+                                          </p:stCondLst>
+                                        </p:cTn>
+                                        <p:tgtEl>
+                                          <p:spTgt spid="9"/>
+                                        </p:tgtEl>
+                                        <p:attrNameLst>
+                                          <p:attrName>style.visibility</p:attrName>
+                                        </p:attrNameLst>
+                                      </p:cBhvr>
+                                      <p:to>
+                                        <p:strVal val="hidden"/>
+                                      </p:to>
+                                    </p:set>
+                                  </p:childTnLst>
+                                </p:cTn>
+                              </p:par>
+                            </p:childTnLst>
+                          </p:cTn>
+                        </p:par>
+                      </p:childTnLst>
+                    </p:cTn>
+                  </p:par>
+                  <p:par>
+                    <p:cTn id="43" fill="hold">
+                      <p:stCondLst>
+                        <p:cond delay="indefinite"/>
+                      </p:stCondLst>
+                      <p:childTnLst>
+                        <p:par>
+                          <p:cTn id="44" fill="hold">
+                            <p:stCondLst>
+                              <p:cond delay="0"/>
+                            </p:stCondLst>
+                            <p:childTnLst>
+                              <p:par>
+                                <p:cTn id="45" presetID="1" presetClass="entr" presetSubtype="0" fill="hold" nodeType="clickEffect">
+                                  <p:stCondLst>
+                                    <p:cond delay="0"/>
+                                  </p:stCondLst>
+                                  <p:childTnLst>
+                                    <p:set>
+                                      <p:cBhvr>
+                                        <p:cTn id="46" dur="1" fill="hold">
+                                          <p:stCondLst>
+                                            <p:cond delay="0"/>
+                                          </p:stCondLst>
+                                        </p:cTn>
+                                        <p:tgtEl>
+                                          <p:spTgt spid="10"/>
+                                        </p:tgtEl>
+                                        <p:attrNameLst>
+                                          <p:attrName>style.visibility</p:attrName>
+                                        </p:attrNameLst>
+                                      </p:cBhvr>
+                                      <p:to>
+                                        <p:strVal val="visible"/>
+                                      </p:to>
+                                    </p:set>
+                                  </p:childTnLst>
+                                </p:cTn>
+                              </p:par>
+                            </p:childTnLst>
+                          </p:cTn>
+                        </p:par>
+                      </p:childTnLst>
+                    </p:cTn>
+                  </p:par>
+                </p:childTnLst>
+              </p:cTn>
+              <p:prevCondLst>
+                <p:cond evt="onPrev" delay="0">
+                  <p:tgtEl>
+                    <p:sldTgt/>
+                  </p:tgtEl>
+                </p:cond>
+              </p:prevCondLst>
+              <p:nextCondLst>
+                <p:cond evt="onNext" delay="0">
+                  <p:tgtEl>
+                    <p:sldTgt/>
+                  </p:tgtEl>
+                </p:cond>
+              </p:nextCondLst>
+            </p:seq>
+          </p:childTnLst>
+        </p:cTn>
+      </p:par>
+    </p:tnLst>
+  </p:timing>
 </p:sld>
 </file>
 
@@ -11295,7 +13050,7 @@
           <a:lstStyle/>
           <a:p>
             <a:r>
-              <a:rPr lang="en-US" altLang="ja-JP" b="1" dirty="0">
+              <a:rPr lang="ja-JP" altLang="en-US" dirty="0" smtClean="0">
                 <a:solidFill>
                   <a:schemeClr val="tx1">
                     <a:lumMod val="50000"/>
@@ -11303,18 +13058,7 @@
                   </a:schemeClr>
                 </a:solidFill>
               </a:rPr>
-              <a:t>line plot</a:t>
-            </a:r>
-            <a:r>
-              <a:rPr lang="ja-JP" altLang="en-US" b="1" dirty="0">
-                <a:solidFill>
-                  <a:schemeClr val="tx1">
-                    <a:lumMod val="50000"/>
-                    <a:lumOff val="50000"/>
-                  </a:schemeClr>
-                </a:solidFill>
-              </a:rPr>
-              <a:t>の作成</a:t>
+              <a:t>要約，分割してプロット</a:t>
             </a:r>
             <a:r>
               <a:rPr lang="en-US" altLang="ja-JP" dirty="0"/>
@@ -11324,12 +13068,52 @@
               <a:rPr lang="en-US" altLang="ja-JP" dirty="0"/>
             </a:br>
             <a:r>
-              <a:rPr lang="en-US" altLang="ja-JP" dirty="0" err="1">
+              <a:rPr lang="en-US" altLang="ja-JP" dirty="0" err="1" smtClean="0">
                 <a:solidFill>
                   <a:srgbClr val="0070C0"/>
                 </a:solidFill>
               </a:rPr>
-              <a:t>geom_line</a:t>
+              <a:t>stat_summary</a:t>
+            </a:r>
+            <a:r>
+              <a:rPr lang="en-US" altLang="ja-JP" dirty="0" smtClean="0">
+                <a:solidFill>
+                  <a:srgbClr val="0070C0"/>
+                </a:solidFill>
+              </a:rPr>
+              <a:t>, </a:t>
+            </a:r>
+            <a:r>
+              <a:rPr lang="en-US" altLang="ja-JP" dirty="0" err="1" smtClean="0">
+                <a:solidFill>
+                  <a:srgbClr val="0070C0"/>
+                </a:solidFill>
+              </a:rPr>
+              <a:t>stat_smooth</a:t>
+            </a:r>
+            <a:r>
+              <a:rPr lang="en-US" altLang="ja-JP" dirty="0" smtClean="0">
+                <a:solidFill>
+                  <a:srgbClr val="0070C0"/>
+                </a:solidFill>
+              </a:rPr>
+              <a:t>, </a:t>
+            </a:r>
+            <a:r>
+              <a:rPr lang="en-US" altLang="ja-JP" dirty="0" err="1" smtClean="0">
+                <a:solidFill>
+                  <a:srgbClr val="0070C0"/>
+                </a:solidFill>
+              </a:rPr>
+              <a:t>facet_wrap</a:t>
+            </a:r>
+            <a:r>
+              <a:rPr lang="en-US" altLang="ja-JP" dirty="0" smtClean="0">
+                <a:solidFill>
+                  <a:srgbClr val="0070C0"/>
+                </a:solidFill>
+              </a:rPr>
+              <a:t>/grid</a:t>
             </a:r>
             <a:endParaRPr kumimoji="1" lang="ja-JP" altLang="en-US" u="sng" dirty="0"/>
           </a:p>
@@ -11345,12 +13129,995 @@
             <p:ph idx="1"/>
           </p:nvPr>
         </p:nvSpPr>
-        <p:spPr/>
+        <p:spPr>
+          <a:xfrm>
+            <a:off x="838200" y="1825625"/>
+            <a:ext cx="10515600" cy="4895852"/>
+          </a:xfrm>
+        </p:spPr>
         <p:txBody>
-          <a:bodyPr/>
+          <a:bodyPr>
+            <a:normAutofit fontScale="92500" lnSpcReduction="20000"/>
+          </a:bodyPr>
           <a:lstStyle/>
           <a:p>
-            <a:endParaRPr kumimoji="1" lang="ja-JP" altLang="en-US" dirty="0"/>
+            <a:r>
+              <a:rPr kumimoji="1" lang="en-US" altLang="ja-JP" sz="2000" dirty="0" err="1" smtClean="0">
+                <a:solidFill>
+                  <a:srgbClr val="0070C0"/>
+                </a:solidFill>
+              </a:rPr>
+              <a:t>stat_summay</a:t>
+            </a:r>
+            <a:r>
+              <a:rPr kumimoji="1" lang="en-US" altLang="ja-JP" sz="2000" dirty="0" smtClean="0"/>
+              <a:t>: </a:t>
+            </a:r>
+            <a:r>
+              <a:rPr kumimoji="1" lang="ja-JP" altLang="en-US" sz="2000" dirty="0" smtClean="0"/>
+              <a:t>要約統計量を算出し，プロットする</a:t>
+            </a:r>
+            <a:endParaRPr kumimoji="1" lang="en-US" altLang="ja-JP" sz="2000" dirty="0" smtClean="0"/>
+          </a:p>
+          <a:p>
+            <a:pPr lvl="1"/>
+            <a:r>
+              <a:rPr kumimoji="1" lang="en-US" altLang="ja-JP" sz="1800" dirty="0" smtClean="0"/>
+              <a:t>fun</a:t>
+            </a:r>
+            <a:r>
+              <a:rPr kumimoji="1" lang="ja-JP" altLang="en-US" sz="1800" dirty="0" err="1" smtClean="0"/>
+              <a:t>で算</a:t>
+            </a:r>
+            <a:r>
+              <a:rPr kumimoji="1" lang="ja-JP" altLang="en-US" sz="1800" dirty="0" smtClean="0"/>
+              <a:t>出する統計量を指定（デフォルト：</a:t>
+            </a:r>
+            <a:r>
+              <a:rPr kumimoji="1" lang="en-US" altLang="ja-JP" sz="1800" dirty="0" smtClean="0"/>
+              <a:t>mean </a:t>
+            </a:r>
+            <a:r>
+              <a:rPr kumimoji="1" lang="en-US" altLang="ja-JP" sz="1800" dirty="0" smtClean="0">
+                <a:latin typeface="Arial Unicode MS" panose="020B0604020202020204" pitchFamily="50" charset="-128"/>
+                <a:ea typeface="Arial Unicode MS" panose="020B0604020202020204" pitchFamily="50" charset="-128"/>
+                <a:cs typeface="Arial Unicode MS" panose="020B0604020202020204" pitchFamily="50" charset="-128"/>
+              </a:rPr>
+              <a:t>±</a:t>
+            </a:r>
+            <a:r>
+              <a:rPr kumimoji="1" lang="en-US" altLang="ja-JP" sz="1800" dirty="0" smtClean="0"/>
+              <a:t>SE </a:t>
+            </a:r>
+            <a:r>
+              <a:rPr kumimoji="1" lang="ja-JP" altLang="en-US" sz="1800" dirty="0" err="1" smtClean="0"/>
+              <a:t>を算</a:t>
+            </a:r>
+            <a:r>
+              <a:rPr kumimoji="1" lang="ja-JP" altLang="en-US" sz="1800" dirty="0" smtClean="0"/>
+              <a:t>出）</a:t>
+            </a:r>
+            <a:endParaRPr kumimoji="1" lang="en-US" altLang="ja-JP" sz="1800" dirty="0" smtClean="0"/>
+          </a:p>
+          <a:p>
+            <a:pPr lvl="1"/>
+            <a:r>
+              <a:rPr lang="en-US" altLang="ja-JP" sz="1800" dirty="0" err="1" smtClean="0"/>
+              <a:t>geom</a:t>
+            </a:r>
+            <a:r>
+              <a:rPr lang="ja-JP" altLang="en-US" sz="1800" dirty="0" smtClean="0"/>
+              <a:t>で何を表示するか指定（デフォルト：</a:t>
+            </a:r>
+            <a:r>
+              <a:rPr lang="en-US" altLang="ja-JP" sz="1800" dirty="0" smtClean="0"/>
+              <a:t>”point”</a:t>
+            </a:r>
+            <a:r>
+              <a:rPr lang="ja-JP" altLang="en-US" sz="1800" dirty="0" smtClean="0"/>
+              <a:t>）</a:t>
+            </a:r>
+            <a:endParaRPr lang="en-US" altLang="ja-JP" sz="1800" dirty="0" smtClean="0"/>
+          </a:p>
+          <a:p>
+            <a:pPr marL="457200" lvl="1" indent="0">
+              <a:buNone/>
+            </a:pPr>
+            <a:r>
+              <a:rPr lang="ja-JP" altLang="en-US" sz="1200" dirty="0"/>
+              <a:t>関数例</a:t>
+            </a:r>
+            <a:r>
+              <a:rPr lang="en-US" altLang="ja-JP" sz="1200" dirty="0"/>
+              <a:t>:  </a:t>
+            </a:r>
+            <a:r>
+              <a:rPr lang="en-US" altLang="ja-JP" sz="1200" dirty="0" err="1">
+                <a:solidFill>
+                  <a:srgbClr val="0070C0"/>
+                </a:solidFill>
+              </a:rPr>
+              <a:t>ggplot</a:t>
+            </a:r>
+            <a:r>
+              <a:rPr lang="en-US" altLang="ja-JP" sz="1200" dirty="0"/>
+              <a:t>(data=</a:t>
+            </a:r>
+            <a:r>
+              <a:rPr lang="en-US" altLang="ja-JP" sz="1200" dirty="0" err="1"/>
+              <a:t>nm_data_p</a:t>
+            </a:r>
+            <a:r>
+              <a:rPr lang="en-US" altLang="ja-JP" sz="1200" dirty="0"/>
+              <a:t>, </a:t>
+            </a:r>
+            <a:r>
+              <a:rPr lang="en-US" altLang="ja-JP" sz="1200" dirty="0" err="1"/>
+              <a:t>aes</a:t>
+            </a:r>
+            <a:r>
+              <a:rPr lang="en-US" altLang="ja-JP" sz="1200" dirty="0"/>
+              <a:t>(x=TIME, y=CONC, </a:t>
+            </a:r>
+            <a:r>
+              <a:rPr lang="en-US" altLang="ja-JP" sz="1200" dirty="0" err="1" smtClean="0"/>
+              <a:t>colour</a:t>
+            </a:r>
+            <a:r>
+              <a:rPr lang="en-US" altLang="ja-JP" sz="1200" dirty="0" smtClean="0"/>
+              <a:t>=factor(MALE))) + </a:t>
+            </a:r>
+            <a:r>
+              <a:rPr lang="en-US" altLang="ja-JP" sz="1200" dirty="0" err="1" smtClean="0">
+                <a:solidFill>
+                  <a:srgbClr val="0070C0"/>
+                </a:solidFill>
+              </a:rPr>
+              <a:t>stat_summary</a:t>
+            </a:r>
+            <a:r>
+              <a:rPr lang="en-US" altLang="ja-JP" sz="1200" dirty="0" smtClean="0"/>
+              <a:t>()</a:t>
+            </a:r>
+            <a:endParaRPr lang="en-US" altLang="ja-JP" sz="1200" dirty="0"/>
+          </a:p>
+          <a:p>
+            <a:pPr marL="457200" lvl="1" indent="0">
+              <a:buNone/>
+            </a:pPr>
+            <a:r>
+              <a:rPr lang="ja-JP" altLang="en-US" sz="1200" dirty="0"/>
+              <a:t>意味： </a:t>
+            </a:r>
+            <a:r>
+              <a:rPr lang="en-US" altLang="ja-JP" sz="1200" dirty="0" err="1" smtClean="0"/>
+              <a:t>nm_dat_p</a:t>
+            </a:r>
+            <a:r>
+              <a:rPr lang="ja-JP" altLang="en-US" sz="1200" dirty="0"/>
+              <a:t>を使い，</a:t>
+            </a:r>
+            <a:r>
+              <a:rPr lang="en-US" altLang="ja-JP" sz="1200" dirty="0"/>
+              <a:t>x</a:t>
+            </a:r>
+            <a:r>
+              <a:rPr lang="ja-JP" altLang="en-US" sz="1200" dirty="0"/>
+              <a:t>に</a:t>
+            </a:r>
+            <a:r>
+              <a:rPr lang="en-US" altLang="ja-JP" sz="1200" dirty="0"/>
+              <a:t>TIME</a:t>
+            </a:r>
+            <a:r>
+              <a:rPr lang="ja-JP" altLang="en-US" sz="1200" dirty="0" err="1"/>
+              <a:t>，</a:t>
+            </a:r>
+            <a:r>
+              <a:rPr lang="en-US" altLang="ja-JP" sz="1200" dirty="0"/>
+              <a:t>y</a:t>
+            </a:r>
+            <a:r>
+              <a:rPr lang="ja-JP" altLang="en-US" sz="1200" dirty="0"/>
+              <a:t>に</a:t>
+            </a:r>
+            <a:r>
+              <a:rPr lang="en-US" altLang="ja-JP" sz="1200" dirty="0" smtClean="0"/>
+              <a:t>CONC</a:t>
+            </a:r>
+            <a:r>
+              <a:rPr lang="ja-JP" altLang="en-US" sz="1200" dirty="0" smtClean="0"/>
+              <a:t>として，</a:t>
+            </a:r>
+            <a:r>
+              <a:rPr lang="en-US" altLang="ja-JP" sz="1200" dirty="0" smtClean="0"/>
+              <a:t>MALE</a:t>
+            </a:r>
+            <a:r>
+              <a:rPr lang="ja-JP" altLang="en-US" sz="1200" dirty="0" smtClean="0"/>
+              <a:t>ごとに色分けして平均 </a:t>
+            </a:r>
+            <a:r>
+              <a:rPr lang="en-US" altLang="ja-JP" sz="1200" dirty="0">
+                <a:latin typeface="Arial Unicode MS" panose="020B0604020202020204" pitchFamily="50" charset="-128"/>
+                <a:ea typeface="Arial Unicode MS" panose="020B0604020202020204" pitchFamily="50" charset="-128"/>
+                <a:cs typeface="Arial Unicode MS" panose="020B0604020202020204" pitchFamily="50" charset="-128"/>
+              </a:rPr>
+              <a:t>± </a:t>
+            </a:r>
+            <a:r>
+              <a:rPr lang="en-US" altLang="ja-JP" sz="1200" dirty="0" smtClean="0"/>
+              <a:t>SE</a:t>
+            </a:r>
+            <a:r>
+              <a:rPr lang="ja-JP" altLang="en-US" sz="1200" dirty="0" smtClean="0"/>
+              <a:t>をプロットする</a:t>
+            </a:r>
+            <a:endParaRPr lang="en-US" altLang="ja-JP" sz="1200" dirty="0" smtClean="0"/>
+          </a:p>
+          <a:p>
+            <a:pPr marL="457200" lvl="1" indent="0">
+              <a:buNone/>
+            </a:pPr>
+            <a:r>
+              <a:rPr lang="ja-JP" altLang="en-US" sz="1200" dirty="0"/>
+              <a:t>関数例</a:t>
+            </a:r>
+            <a:r>
+              <a:rPr lang="en-US" altLang="ja-JP" sz="1200" dirty="0"/>
+              <a:t>:  </a:t>
+            </a:r>
+            <a:r>
+              <a:rPr lang="en-US" altLang="ja-JP" sz="1200" dirty="0" err="1">
+                <a:solidFill>
+                  <a:srgbClr val="0070C0"/>
+                </a:solidFill>
+              </a:rPr>
+              <a:t>ggplot</a:t>
+            </a:r>
+            <a:r>
+              <a:rPr lang="en-US" altLang="ja-JP" sz="1200" dirty="0"/>
+              <a:t>(data=</a:t>
+            </a:r>
+            <a:r>
+              <a:rPr lang="en-US" altLang="ja-JP" sz="1200" dirty="0" err="1"/>
+              <a:t>nm_data_p</a:t>
+            </a:r>
+            <a:r>
+              <a:rPr lang="en-US" altLang="ja-JP" sz="1200" dirty="0"/>
+              <a:t>, </a:t>
+            </a:r>
+            <a:r>
+              <a:rPr lang="en-US" altLang="ja-JP" sz="1200" dirty="0" err="1"/>
+              <a:t>aes</a:t>
+            </a:r>
+            <a:r>
+              <a:rPr lang="en-US" altLang="ja-JP" sz="1200" dirty="0"/>
+              <a:t>(x=TIME, y=CONC, </a:t>
+            </a:r>
+            <a:r>
+              <a:rPr lang="en-US" altLang="ja-JP" sz="1200" dirty="0" err="1"/>
+              <a:t>colour</a:t>
+            </a:r>
+            <a:r>
+              <a:rPr lang="en-US" altLang="ja-JP" sz="1200" dirty="0"/>
+              <a:t>=factor(MALE))) + </a:t>
+            </a:r>
+            <a:r>
+              <a:rPr lang="en-US" altLang="ja-JP" sz="1200" dirty="0" err="1" smtClean="0">
+                <a:solidFill>
+                  <a:srgbClr val="0070C0"/>
+                </a:solidFill>
+              </a:rPr>
+              <a:t>stat_summary</a:t>
+            </a:r>
+            <a:r>
+              <a:rPr lang="en-US" altLang="ja-JP" sz="1200" dirty="0" smtClean="0"/>
+              <a:t>(fun=median) + </a:t>
+            </a:r>
+            <a:r>
+              <a:rPr lang="en-US" altLang="ja-JP" sz="1200" dirty="0" err="1" smtClean="0">
+                <a:solidFill>
+                  <a:srgbClr val="0070C0"/>
+                </a:solidFill>
+              </a:rPr>
+              <a:t>stat_summary</a:t>
+            </a:r>
+            <a:r>
+              <a:rPr lang="en-US" altLang="ja-JP" sz="1200" dirty="0" smtClean="0"/>
+              <a:t>(fun=median, </a:t>
+            </a:r>
+            <a:r>
+              <a:rPr lang="en-US" altLang="ja-JP" sz="1200" dirty="0" err="1" smtClean="0"/>
+              <a:t>geom</a:t>
+            </a:r>
+            <a:r>
+              <a:rPr lang="en-US" altLang="ja-JP" sz="1200" dirty="0" smtClean="0"/>
+              <a:t>=“line”)</a:t>
+            </a:r>
+            <a:endParaRPr lang="en-US" altLang="ja-JP" sz="1200" dirty="0"/>
+          </a:p>
+          <a:p>
+            <a:pPr marL="457200" lvl="1" indent="0">
+              <a:buNone/>
+            </a:pPr>
+            <a:r>
+              <a:rPr lang="ja-JP" altLang="en-US" sz="1200" dirty="0"/>
+              <a:t>意味： </a:t>
+            </a:r>
+            <a:r>
+              <a:rPr lang="en-US" altLang="ja-JP" sz="1200" dirty="0" err="1"/>
+              <a:t>nm_dat_p</a:t>
+            </a:r>
+            <a:r>
+              <a:rPr lang="ja-JP" altLang="en-US" sz="1200" dirty="0"/>
+              <a:t>を使い，</a:t>
+            </a:r>
+            <a:r>
+              <a:rPr lang="en-US" altLang="ja-JP" sz="1200" dirty="0"/>
+              <a:t>x</a:t>
+            </a:r>
+            <a:r>
+              <a:rPr lang="ja-JP" altLang="en-US" sz="1200" dirty="0"/>
+              <a:t>に</a:t>
+            </a:r>
+            <a:r>
+              <a:rPr lang="en-US" altLang="ja-JP" sz="1200" dirty="0"/>
+              <a:t>TIME</a:t>
+            </a:r>
+            <a:r>
+              <a:rPr lang="ja-JP" altLang="en-US" sz="1200" dirty="0" err="1"/>
+              <a:t>，</a:t>
+            </a:r>
+            <a:r>
+              <a:rPr lang="en-US" altLang="ja-JP" sz="1200" dirty="0"/>
+              <a:t>y</a:t>
+            </a:r>
+            <a:r>
+              <a:rPr lang="ja-JP" altLang="en-US" sz="1200" dirty="0"/>
+              <a:t>に</a:t>
+            </a:r>
+            <a:r>
+              <a:rPr lang="en-US" altLang="ja-JP" sz="1200" dirty="0"/>
+              <a:t>CONC</a:t>
+            </a:r>
+            <a:r>
+              <a:rPr lang="ja-JP" altLang="en-US" sz="1200" dirty="0"/>
+              <a:t>として，</a:t>
+            </a:r>
+            <a:r>
+              <a:rPr lang="en-US" altLang="ja-JP" sz="1200" dirty="0"/>
+              <a:t>MALE</a:t>
+            </a:r>
+            <a:r>
+              <a:rPr lang="ja-JP" altLang="en-US" sz="1200" dirty="0"/>
+              <a:t>ごとに色分</a:t>
+            </a:r>
+            <a:r>
+              <a:rPr lang="ja-JP" altLang="en-US" sz="1200" dirty="0" smtClean="0"/>
+              <a:t>けして中央値をプロットし，線で結ぶ</a:t>
+            </a:r>
+            <a:endParaRPr lang="ja-JP" altLang="en-US" sz="1200" dirty="0"/>
+          </a:p>
+          <a:p>
+            <a:r>
+              <a:rPr lang="en-US" altLang="ja-JP" sz="2000" dirty="0" err="1" smtClean="0">
+                <a:solidFill>
+                  <a:srgbClr val="0070C0"/>
+                </a:solidFill>
+              </a:rPr>
+              <a:t>stat_smooth</a:t>
+            </a:r>
+            <a:r>
+              <a:rPr lang="en-US" altLang="ja-JP" sz="2000" dirty="0" smtClean="0"/>
+              <a:t>: </a:t>
+            </a:r>
+            <a:r>
+              <a:rPr lang="ja-JP" altLang="en-US" sz="2000" dirty="0" smtClean="0"/>
+              <a:t>回帰直線</a:t>
+            </a:r>
+            <a:r>
+              <a:rPr lang="en-US" altLang="ja-JP" sz="2000" dirty="0" smtClean="0"/>
+              <a:t>/</a:t>
+            </a:r>
+            <a:r>
+              <a:rPr lang="ja-JP" altLang="en-US" sz="2000" dirty="0" smtClean="0"/>
+              <a:t>平滑化曲線をプロット</a:t>
+            </a:r>
+            <a:r>
+              <a:rPr lang="ja-JP" altLang="en-US" sz="2000" dirty="0"/>
+              <a:t>する</a:t>
+            </a:r>
+            <a:endParaRPr lang="en-US" altLang="ja-JP" sz="2000" dirty="0"/>
+          </a:p>
+          <a:p>
+            <a:pPr lvl="1"/>
+            <a:r>
+              <a:rPr lang="en-US" altLang="ja-JP" sz="1800" dirty="0" smtClean="0"/>
+              <a:t>method</a:t>
+            </a:r>
+            <a:r>
+              <a:rPr lang="ja-JP" altLang="en-US" sz="1800" dirty="0" err="1" smtClean="0"/>
+              <a:t>で</a:t>
+            </a:r>
+            <a:r>
+              <a:rPr lang="ja-JP" altLang="en-US" sz="1800" dirty="0" err="1"/>
+              <a:t>算</a:t>
+            </a:r>
+            <a:r>
+              <a:rPr lang="ja-JP" altLang="en-US" sz="1800" dirty="0"/>
+              <a:t>出</a:t>
+            </a:r>
+            <a:r>
+              <a:rPr lang="ja-JP" altLang="en-US" sz="1800" dirty="0" smtClean="0"/>
+              <a:t>する</a:t>
+            </a:r>
+            <a:r>
+              <a:rPr lang="ja-JP" altLang="en-US" sz="1800" dirty="0"/>
+              <a:t>方法</a:t>
+            </a:r>
+            <a:r>
+              <a:rPr lang="ja-JP" altLang="en-US" sz="1800" dirty="0" smtClean="0"/>
+              <a:t>を</a:t>
+            </a:r>
+            <a:r>
+              <a:rPr lang="ja-JP" altLang="en-US" sz="1800" dirty="0"/>
+              <a:t>指定（デフォルト</a:t>
+            </a:r>
+            <a:r>
+              <a:rPr lang="ja-JP" altLang="en-US" sz="1800" dirty="0" smtClean="0"/>
+              <a:t>：データ数に応じて自動で判断）</a:t>
+            </a:r>
+            <a:endParaRPr lang="en-US" altLang="ja-JP" sz="1800" dirty="0" smtClean="0"/>
+          </a:p>
+          <a:p>
+            <a:pPr lvl="2"/>
+            <a:r>
+              <a:rPr lang="en-US" altLang="ja-JP" sz="1400" dirty="0" smtClean="0"/>
+              <a:t>method</a:t>
+            </a:r>
+            <a:r>
+              <a:rPr lang="ja-JP" altLang="en-US" sz="1400" dirty="0" smtClean="0"/>
+              <a:t>のオプション：</a:t>
+            </a:r>
+            <a:r>
+              <a:rPr lang="en-US" altLang="ja-JP" sz="1400" dirty="0" smtClean="0"/>
+              <a:t>“loess”, “</a:t>
+            </a:r>
+            <a:r>
+              <a:rPr lang="en-US" altLang="ja-JP" sz="1400" dirty="0" err="1" smtClean="0"/>
+              <a:t>glm</a:t>
+            </a:r>
+            <a:r>
+              <a:rPr lang="en-US" altLang="ja-JP" sz="1400" dirty="0" smtClean="0"/>
+              <a:t>”, “lm”, “gam”</a:t>
+            </a:r>
+          </a:p>
+          <a:p>
+            <a:pPr marL="457200" lvl="1" indent="0">
+              <a:buNone/>
+            </a:pPr>
+            <a:r>
+              <a:rPr lang="ja-JP" altLang="en-US" sz="1200" dirty="0"/>
+              <a:t>関数例</a:t>
+            </a:r>
+            <a:r>
+              <a:rPr lang="en-US" altLang="ja-JP" sz="1200" dirty="0"/>
+              <a:t>:  </a:t>
+            </a:r>
+            <a:r>
+              <a:rPr lang="en-US" altLang="ja-JP" sz="1200" dirty="0" err="1">
+                <a:solidFill>
+                  <a:srgbClr val="0070C0"/>
+                </a:solidFill>
+              </a:rPr>
+              <a:t>ggplot</a:t>
+            </a:r>
+            <a:r>
+              <a:rPr lang="en-US" altLang="ja-JP" sz="1200" dirty="0"/>
+              <a:t>(data=</a:t>
+            </a:r>
+            <a:r>
+              <a:rPr lang="en-US" altLang="ja-JP" sz="1200" dirty="0" err="1"/>
+              <a:t>nm_data_p</a:t>
+            </a:r>
+            <a:r>
+              <a:rPr lang="en-US" altLang="ja-JP" sz="1200" dirty="0"/>
+              <a:t>, </a:t>
+            </a:r>
+            <a:r>
+              <a:rPr lang="en-US" altLang="ja-JP" sz="1200" dirty="0" err="1"/>
+              <a:t>aes</a:t>
+            </a:r>
+            <a:r>
+              <a:rPr lang="en-US" altLang="ja-JP" sz="1200" dirty="0"/>
+              <a:t>(x=TIME, y=CONC, </a:t>
+            </a:r>
+            <a:r>
+              <a:rPr lang="en-US" altLang="ja-JP" sz="1200" dirty="0" err="1"/>
+              <a:t>colour</a:t>
+            </a:r>
+            <a:r>
+              <a:rPr lang="en-US" altLang="ja-JP" sz="1200" dirty="0"/>
+              <a:t>=factor(MALE))) + </a:t>
+            </a:r>
+            <a:r>
+              <a:rPr lang="en-US" altLang="ja-JP" sz="1200" dirty="0" err="1" smtClean="0">
+                <a:solidFill>
+                  <a:srgbClr val="0070C0"/>
+                </a:solidFill>
+              </a:rPr>
+              <a:t>stat_smooth</a:t>
+            </a:r>
+            <a:r>
+              <a:rPr lang="en-US" altLang="ja-JP" sz="1200" dirty="0" smtClean="0"/>
+              <a:t>()</a:t>
+            </a:r>
+            <a:endParaRPr lang="en-US" altLang="ja-JP" sz="1200" dirty="0"/>
+          </a:p>
+          <a:p>
+            <a:pPr marL="457200" lvl="1" indent="0">
+              <a:buNone/>
+            </a:pPr>
+            <a:r>
+              <a:rPr lang="ja-JP" altLang="en-US" sz="1200" dirty="0"/>
+              <a:t>意味： </a:t>
+            </a:r>
+            <a:r>
+              <a:rPr lang="en-US" altLang="ja-JP" sz="1200" dirty="0" err="1"/>
+              <a:t>nm_dat_p</a:t>
+            </a:r>
+            <a:r>
+              <a:rPr lang="ja-JP" altLang="en-US" sz="1200" dirty="0"/>
+              <a:t>を使い，</a:t>
+            </a:r>
+            <a:r>
+              <a:rPr lang="en-US" altLang="ja-JP" sz="1200" dirty="0"/>
+              <a:t>x</a:t>
+            </a:r>
+            <a:r>
+              <a:rPr lang="ja-JP" altLang="en-US" sz="1200" dirty="0"/>
+              <a:t>に</a:t>
+            </a:r>
+            <a:r>
+              <a:rPr lang="en-US" altLang="ja-JP" sz="1200" dirty="0"/>
+              <a:t>TIME</a:t>
+            </a:r>
+            <a:r>
+              <a:rPr lang="ja-JP" altLang="en-US" sz="1200" dirty="0" err="1"/>
+              <a:t>，</a:t>
+            </a:r>
+            <a:r>
+              <a:rPr lang="en-US" altLang="ja-JP" sz="1200" dirty="0"/>
+              <a:t>y</a:t>
+            </a:r>
+            <a:r>
+              <a:rPr lang="ja-JP" altLang="en-US" sz="1200" dirty="0"/>
+              <a:t>に</a:t>
+            </a:r>
+            <a:r>
+              <a:rPr lang="en-US" altLang="ja-JP" sz="1200" dirty="0"/>
+              <a:t>CONC</a:t>
+            </a:r>
+            <a:r>
+              <a:rPr lang="ja-JP" altLang="en-US" sz="1200" dirty="0"/>
+              <a:t>として，</a:t>
+            </a:r>
+            <a:r>
+              <a:rPr lang="en-US" altLang="ja-JP" sz="1200" dirty="0"/>
+              <a:t>MALE</a:t>
+            </a:r>
+            <a:r>
+              <a:rPr lang="ja-JP" altLang="en-US" sz="1200" dirty="0"/>
+              <a:t>ごとに色分</a:t>
+            </a:r>
+            <a:r>
+              <a:rPr lang="ja-JP" altLang="en-US" sz="1200" dirty="0" smtClean="0"/>
+              <a:t>けして平滑化曲線を作成する</a:t>
+            </a:r>
+            <a:endParaRPr lang="en-US" altLang="ja-JP" sz="1200" dirty="0" smtClean="0"/>
+          </a:p>
+          <a:p>
+            <a:r>
+              <a:rPr lang="en-US" altLang="ja-JP" sz="2000" dirty="0" err="1" smtClean="0">
+                <a:solidFill>
+                  <a:srgbClr val="0070C0"/>
+                </a:solidFill>
+              </a:rPr>
+              <a:t>facet_wrap</a:t>
+            </a:r>
+            <a:r>
+              <a:rPr lang="en-US" altLang="ja-JP" sz="2000" dirty="0" smtClean="0"/>
+              <a:t>: </a:t>
+            </a:r>
+            <a:r>
+              <a:rPr lang="ja-JP" altLang="en-US" sz="2000" dirty="0" smtClean="0"/>
+              <a:t>指定した変数ごとに図を分割する</a:t>
+            </a:r>
+            <a:endParaRPr lang="en-US" altLang="ja-JP" sz="2000" dirty="0"/>
+          </a:p>
+          <a:p>
+            <a:pPr lvl="1"/>
+            <a:r>
+              <a:rPr lang="en-US" altLang="ja-JP" sz="1800" dirty="0" smtClean="0"/>
+              <a:t>scales</a:t>
+            </a:r>
+            <a:r>
+              <a:rPr lang="ja-JP" altLang="en-US" sz="1800" dirty="0" smtClean="0"/>
+              <a:t>で縦</a:t>
+            </a:r>
+            <a:r>
+              <a:rPr lang="en-US" altLang="ja-JP" sz="1800" dirty="0" smtClean="0"/>
+              <a:t>/</a:t>
+            </a:r>
+            <a:r>
+              <a:rPr lang="ja-JP" altLang="en-US" sz="1800" dirty="0" smtClean="0"/>
+              <a:t>横軸のスケール調整が可能</a:t>
+            </a:r>
+            <a:endParaRPr lang="en-US" altLang="ja-JP" sz="1800" dirty="0" smtClean="0"/>
+          </a:p>
+          <a:p>
+            <a:pPr marL="457200" lvl="1" indent="0">
+              <a:buNone/>
+            </a:pPr>
+            <a:r>
+              <a:rPr lang="ja-JP" altLang="en-US" sz="1200" dirty="0" smtClean="0"/>
+              <a:t>関数例</a:t>
+            </a:r>
+            <a:r>
+              <a:rPr lang="en-US" altLang="ja-JP" sz="1200" dirty="0"/>
+              <a:t>:  </a:t>
+            </a:r>
+            <a:r>
+              <a:rPr lang="en-US" altLang="ja-JP" sz="1200" dirty="0" err="1">
+                <a:solidFill>
+                  <a:srgbClr val="0070C0"/>
+                </a:solidFill>
+              </a:rPr>
+              <a:t>ggplot</a:t>
+            </a:r>
+            <a:r>
+              <a:rPr lang="en-US" altLang="ja-JP" sz="1200" dirty="0"/>
+              <a:t>(data=</a:t>
+            </a:r>
+            <a:r>
+              <a:rPr lang="en-US" altLang="ja-JP" sz="1200" dirty="0" err="1"/>
+              <a:t>nm_data_p</a:t>
+            </a:r>
+            <a:r>
+              <a:rPr lang="en-US" altLang="ja-JP" sz="1200" dirty="0"/>
+              <a:t>, </a:t>
+            </a:r>
+            <a:r>
+              <a:rPr lang="en-US" altLang="ja-JP" sz="1200" dirty="0" err="1"/>
+              <a:t>aes</a:t>
+            </a:r>
+            <a:r>
+              <a:rPr lang="en-US" altLang="ja-JP" sz="1200" dirty="0"/>
+              <a:t>(x=TIME, y=CONC, </a:t>
+            </a:r>
+            <a:r>
+              <a:rPr lang="en-US" altLang="ja-JP" sz="1200" dirty="0" err="1"/>
+              <a:t>colour</a:t>
+            </a:r>
+            <a:r>
+              <a:rPr lang="en-US" altLang="ja-JP" sz="1200" dirty="0"/>
+              <a:t>=factor(MALE))) </a:t>
+            </a:r>
+            <a:r>
+              <a:rPr lang="en-US" altLang="ja-JP" sz="1200" dirty="0" smtClean="0"/>
+              <a:t>+ </a:t>
+            </a:r>
+            <a:r>
+              <a:rPr lang="en-US" altLang="ja-JP" sz="1200" dirty="0" err="1" smtClean="0">
+                <a:solidFill>
+                  <a:srgbClr val="0070C0"/>
+                </a:solidFill>
+              </a:rPr>
+              <a:t>geom_line</a:t>
+            </a:r>
+            <a:r>
+              <a:rPr lang="en-US" altLang="ja-JP" sz="1200" dirty="0" smtClean="0"/>
+              <a:t>() + </a:t>
+            </a:r>
+            <a:r>
+              <a:rPr lang="en-US" altLang="ja-JP" sz="1200" dirty="0" err="1" smtClean="0">
+                <a:solidFill>
+                  <a:srgbClr val="0070C0"/>
+                </a:solidFill>
+              </a:rPr>
+              <a:t>facet_wrap</a:t>
+            </a:r>
+            <a:r>
+              <a:rPr lang="en-US" altLang="ja-JP" sz="1200" dirty="0" smtClean="0"/>
+              <a:t>(~ID, scales=“free”)</a:t>
+            </a:r>
+          </a:p>
+          <a:p>
+            <a:pPr marL="457200" lvl="1" indent="0">
+              <a:buNone/>
+            </a:pPr>
+            <a:r>
+              <a:rPr lang="ja-JP" altLang="en-US" sz="1200" dirty="0" smtClean="0"/>
+              <a:t>意味： </a:t>
+            </a:r>
+            <a:r>
+              <a:rPr lang="en-US" altLang="ja-JP" sz="1200" dirty="0" err="1" smtClean="0"/>
+              <a:t>nm_dat_p</a:t>
+            </a:r>
+            <a:r>
+              <a:rPr lang="ja-JP" altLang="en-US" sz="1200" dirty="0" smtClean="0"/>
+              <a:t>を使い，</a:t>
+            </a:r>
+            <a:r>
+              <a:rPr lang="en-US" altLang="ja-JP" sz="1200" dirty="0" smtClean="0"/>
+              <a:t>x</a:t>
+            </a:r>
+            <a:r>
+              <a:rPr lang="ja-JP" altLang="en-US" sz="1200" dirty="0" smtClean="0"/>
+              <a:t>に</a:t>
+            </a:r>
+            <a:r>
+              <a:rPr lang="en-US" altLang="ja-JP" sz="1200" dirty="0" smtClean="0"/>
+              <a:t>TIME</a:t>
+            </a:r>
+            <a:r>
+              <a:rPr lang="ja-JP" altLang="en-US" sz="1200" dirty="0" err="1" smtClean="0"/>
+              <a:t>，</a:t>
+            </a:r>
+            <a:r>
+              <a:rPr lang="en-US" altLang="ja-JP" sz="1200" dirty="0" smtClean="0"/>
+              <a:t>y</a:t>
+            </a:r>
+            <a:r>
+              <a:rPr lang="ja-JP" altLang="en-US" sz="1200" dirty="0" smtClean="0"/>
+              <a:t>に</a:t>
+            </a:r>
+            <a:r>
+              <a:rPr lang="en-US" altLang="ja-JP" sz="1200" dirty="0" smtClean="0"/>
+              <a:t>CONC</a:t>
+            </a:r>
+            <a:r>
+              <a:rPr lang="ja-JP" altLang="en-US" sz="1200" dirty="0" smtClean="0"/>
+              <a:t>として，</a:t>
+            </a:r>
+            <a:r>
+              <a:rPr lang="en-US" altLang="ja-JP" sz="1200" dirty="0" smtClean="0"/>
+              <a:t>MALE</a:t>
+            </a:r>
+            <a:r>
+              <a:rPr lang="ja-JP" altLang="en-US" sz="1200" dirty="0" smtClean="0"/>
+              <a:t>ごとに色分け，</a:t>
+            </a:r>
+            <a:r>
+              <a:rPr lang="en-US" altLang="ja-JP" sz="1200" dirty="0" smtClean="0"/>
+              <a:t>ID</a:t>
+            </a:r>
+            <a:r>
+              <a:rPr lang="ja-JP" altLang="en-US" sz="1200" dirty="0" smtClean="0"/>
+              <a:t>ごとに図を分け，</a:t>
+            </a:r>
+            <a:r>
+              <a:rPr lang="en-US" altLang="ja-JP" sz="1200" dirty="0" smtClean="0"/>
+              <a:t>line plot</a:t>
+            </a:r>
+            <a:r>
+              <a:rPr lang="ja-JP" altLang="en-US" sz="1200" dirty="0" smtClean="0"/>
+              <a:t>を作成</a:t>
+            </a:r>
+            <a:endParaRPr lang="en-US" altLang="ja-JP" sz="1200" dirty="0" smtClean="0"/>
+          </a:p>
+          <a:p>
+            <a:r>
+              <a:rPr lang="en-US" altLang="ja-JP" sz="2000" dirty="0" err="1" smtClean="0">
+                <a:solidFill>
+                  <a:srgbClr val="0070C0"/>
+                </a:solidFill>
+              </a:rPr>
+              <a:t>facet_grid</a:t>
+            </a:r>
+            <a:r>
+              <a:rPr lang="en-US" altLang="ja-JP" sz="2000" dirty="0" smtClean="0"/>
+              <a:t>: </a:t>
+            </a:r>
+            <a:r>
+              <a:rPr lang="ja-JP" altLang="en-US" sz="2000" dirty="0"/>
+              <a:t>指定した変数ごとに図</a:t>
+            </a:r>
+            <a:r>
+              <a:rPr lang="ja-JP" altLang="en-US" sz="2000" dirty="0" smtClean="0"/>
+              <a:t>を縦横に分割</a:t>
+            </a:r>
+            <a:r>
+              <a:rPr lang="ja-JP" altLang="en-US" sz="2000" dirty="0"/>
+              <a:t>する</a:t>
+            </a:r>
+            <a:endParaRPr lang="en-US" altLang="ja-JP" sz="2000" dirty="0"/>
+          </a:p>
+          <a:p>
+            <a:pPr lvl="1"/>
+            <a:r>
+              <a:rPr lang="en-US" altLang="ja-JP" sz="1800" dirty="0"/>
+              <a:t>scales</a:t>
+            </a:r>
+            <a:r>
+              <a:rPr lang="ja-JP" altLang="en-US" sz="1800" dirty="0"/>
+              <a:t>で縦</a:t>
+            </a:r>
+            <a:r>
+              <a:rPr lang="en-US" altLang="ja-JP" sz="1800" dirty="0"/>
+              <a:t>/</a:t>
+            </a:r>
+            <a:r>
+              <a:rPr lang="ja-JP" altLang="en-US" sz="1800" dirty="0"/>
+              <a:t>横軸のスケール調整が可能</a:t>
+            </a:r>
+            <a:endParaRPr lang="en-US" altLang="ja-JP" sz="1800" dirty="0"/>
+          </a:p>
+          <a:p>
+            <a:pPr marL="457200" lvl="1" indent="0">
+              <a:buNone/>
+            </a:pPr>
+            <a:r>
+              <a:rPr lang="ja-JP" altLang="en-US" sz="1200" dirty="0"/>
+              <a:t>関数例</a:t>
+            </a:r>
+            <a:r>
+              <a:rPr lang="en-US" altLang="ja-JP" sz="1200" dirty="0"/>
+              <a:t>:  </a:t>
+            </a:r>
+            <a:r>
+              <a:rPr lang="en-US" altLang="ja-JP" sz="1200" dirty="0" err="1">
+                <a:solidFill>
+                  <a:srgbClr val="0070C0"/>
+                </a:solidFill>
+              </a:rPr>
+              <a:t>ggplot</a:t>
+            </a:r>
+            <a:r>
+              <a:rPr lang="en-US" altLang="ja-JP" sz="1200" dirty="0"/>
+              <a:t>(data=</a:t>
+            </a:r>
+            <a:r>
+              <a:rPr lang="en-US" altLang="ja-JP" sz="1200" dirty="0" err="1"/>
+              <a:t>nm_data_p</a:t>
+            </a:r>
+            <a:r>
+              <a:rPr lang="en-US" altLang="ja-JP" sz="1200" dirty="0"/>
+              <a:t>, </a:t>
+            </a:r>
+            <a:r>
+              <a:rPr lang="en-US" altLang="ja-JP" sz="1200" dirty="0" err="1"/>
+              <a:t>aes</a:t>
+            </a:r>
+            <a:r>
+              <a:rPr lang="en-US" altLang="ja-JP" sz="1200" dirty="0"/>
+              <a:t>(x=TIME, y=CONC, </a:t>
+            </a:r>
+            <a:r>
+              <a:rPr lang="en-US" altLang="ja-JP" sz="1200" dirty="0" err="1"/>
+              <a:t>colour</a:t>
+            </a:r>
+            <a:r>
+              <a:rPr lang="en-US" altLang="ja-JP" sz="1200" dirty="0"/>
+              <a:t>=factor(MALE))) + </a:t>
+            </a:r>
+            <a:r>
+              <a:rPr lang="en-US" altLang="ja-JP" sz="1200" dirty="0" err="1">
+                <a:solidFill>
+                  <a:srgbClr val="0070C0"/>
+                </a:solidFill>
+              </a:rPr>
+              <a:t>geom_line</a:t>
+            </a:r>
+            <a:r>
+              <a:rPr lang="en-US" altLang="ja-JP" sz="1200" dirty="0"/>
+              <a:t>() + </a:t>
+            </a:r>
+            <a:r>
+              <a:rPr lang="en-US" altLang="ja-JP" sz="1200" dirty="0" err="1" smtClean="0">
+                <a:solidFill>
+                  <a:srgbClr val="0070C0"/>
+                </a:solidFill>
+              </a:rPr>
+              <a:t>facet_grid</a:t>
+            </a:r>
+            <a:r>
+              <a:rPr lang="en-US" altLang="ja-JP" sz="1200" dirty="0" smtClean="0"/>
+              <a:t>(DRUG~MALE, </a:t>
+            </a:r>
+            <a:r>
+              <a:rPr lang="en-US" altLang="ja-JP" sz="1200" dirty="0"/>
+              <a:t>scales=“free”)</a:t>
+            </a:r>
+          </a:p>
+          <a:p>
+            <a:pPr marL="457200" lvl="1" indent="0">
+              <a:buNone/>
+            </a:pPr>
+            <a:r>
+              <a:rPr lang="ja-JP" altLang="en-US" sz="1200" dirty="0"/>
+              <a:t>意味： </a:t>
+            </a:r>
+            <a:r>
+              <a:rPr lang="en-US" altLang="ja-JP" sz="1200" dirty="0" err="1"/>
+              <a:t>nm_dat_p</a:t>
+            </a:r>
+            <a:r>
+              <a:rPr lang="ja-JP" altLang="en-US" sz="1200" dirty="0"/>
+              <a:t>を使い，</a:t>
+            </a:r>
+            <a:r>
+              <a:rPr lang="en-US" altLang="ja-JP" sz="1200" dirty="0"/>
+              <a:t>x</a:t>
+            </a:r>
+            <a:r>
+              <a:rPr lang="ja-JP" altLang="en-US" sz="1200" dirty="0"/>
+              <a:t>に</a:t>
+            </a:r>
+            <a:r>
+              <a:rPr lang="en-US" altLang="ja-JP" sz="1200" dirty="0"/>
+              <a:t>TIME</a:t>
+            </a:r>
+            <a:r>
+              <a:rPr lang="ja-JP" altLang="en-US" sz="1200" dirty="0" err="1"/>
+              <a:t>，</a:t>
+            </a:r>
+            <a:r>
+              <a:rPr lang="en-US" altLang="ja-JP" sz="1200" dirty="0"/>
+              <a:t>y</a:t>
+            </a:r>
+            <a:r>
+              <a:rPr lang="ja-JP" altLang="en-US" sz="1200" dirty="0"/>
+              <a:t>に</a:t>
+            </a:r>
+            <a:r>
+              <a:rPr lang="en-US" altLang="ja-JP" sz="1200" dirty="0"/>
+              <a:t>CONC</a:t>
+            </a:r>
+            <a:r>
+              <a:rPr lang="ja-JP" altLang="en-US" sz="1200" dirty="0"/>
+              <a:t>として，</a:t>
+            </a:r>
+            <a:r>
+              <a:rPr lang="en-US" altLang="ja-JP" sz="1200" dirty="0"/>
+              <a:t>MALE</a:t>
+            </a:r>
+            <a:r>
+              <a:rPr lang="ja-JP" altLang="en-US" sz="1200" dirty="0"/>
+              <a:t>ごとに色分け</a:t>
+            </a:r>
+            <a:r>
+              <a:rPr lang="ja-JP" altLang="en-US" sz="1200" dirty="0" smtClean="0"/>
+              <a:t>，</a:t>
+            </a:r>
+            <a:r>
+              <a:rPr lang="en-US" altLang="ja-JP" sz="1200" dirty="0" err="1" smtClean="0"/>
+              <a:t>DRUGxMALE</a:t>
+            </a:r>
+            <a:r>
+              <a:rPr lang="ja-JP" altLang="en-US" sz="1200" dirty="0" smtClean="0"/>
+              <a:t>ごとに</a:t>
+            </a:r>
+            <a:r>
+              <a:rPr lang="ja-JP" altLang="en-US" sz="1200" dirty="0"/>
+              <a:t>図を分け，</a:t>
+            </a:r>
+            <a:r>
+              <a:rPr lang="en-US" altLang="ja-JP" sz="1200" dirty="0"/>
+              <a:t>line plot</a:t>
+            </a:r>
+            <a:r>
+              <a:rPr lang="ja-JP" altLang="en-US" sz="1200" dirty="0"/>
+              <a:t>を作成</a:t>
+            </a:r>
+            <a:endParaRPr lang="en-US" altLang="ja-JP" sz="1200" dirty="0"/>
+          </a:p>
+          <a:p>
+            <a:pPr marL="457200" lvl="1" indent="0">
+              <a:buNone/>
+            </a:pPr>
+            <a:endParaRPr lang="en-US" altLang="ja-JP" sz="1200" dirty="0" smtClean="0"/>
           </a:p>
         </p:txBody>
       </p:sp>
@@ -11370,23 +14137,23 @@
           <a:lstStyle/>
           <a:p>
             <a:r>
-              <a:rPr lang="en-US" altLang="ja-JP"/>
+              <a:rPr lang="en-US" altLang="ja-JP" dirty="0"/>
               <a:t>R</a:t>
             </a:r>
             <a:r>
-              <a:rPr lang="ja-JP" altLang="en-US"/>
+              <a:rPr lang="ja-JP" altLang="en-US" dirty="0"/>
               <a:t> </a:t>
             </a:r>
             <a:r>
-              <a:rPr lang="en-US" altLang="ja-JP"/>
+              <a:rPr lang="en-US" altLang="ja-JP" dirty="0"/>
               <a:t>for</a:t>
             </a:r>
             <a:r>
-              <a:rPr lang="ja-JP" altLang="en-US"/>
+              <a:rPr lang="ja-JP" altLang="en-US" dirty="0"/>
               <a:t> </a:t>
             </a:r>
             <a:r>
-              <a:rPr lang="en-US" altLang="ja-JP"/>
+              <a:rPr lang="en-US" altLang="ja-JP" dirty="0"/>
               <a:t>Pharmacometrics</a:t>
             </a:r>
             <a:endParaRPr lang="ja-JP" altLang="en-US" dirty="0"/>
@@ -11412,20 +14179,888 @@
               <a:rPr kumimoji="1" lang="ja-JP" altLang="en-US" smtClean="0"/>
               <a:t>17</a:t>
             </a:fld>
-            <a:endParaRPr kumimoji="1" lang="ja-JP" altLang="en-US"/>
+            <a:endParaRPr kumimoji="1" lang="ja-JP" altLang="en-US" dirty="0"/>
           </a:p>
         </p:txBody>
       </p:sp>
+      <p:pic>
+        <p:nvPicPr>
+          <p:cNvPr id="6" name="図 5"/>
+          <p:cNvPicPr>
+            <a:picLocks noChangeAspect="1"/>
+          </p:cNvPicPr>
+          <p:nvPr/>
+        </p:nvPicPr>
+        <p:blipFill>
+          <a:blip r:embed="rId2" cstate="print">
+            <a:extLst>
+              <a:ext uri="{28A0092B-C50C-407E-A947-70E740481C1C}">
+                <a14:useLocalDpi xmlns:a14="http://schemas.microsoft.com/office/drawing/2010/main" val="0"/>
+              </a:ext>
+            </a:extLst>
+          </a:blip>
+          <a:stretch>
+            <a:fillRect/>
+          </a:stretch>
+        </p:blipFill>
+        <p:spPr>
+          <a:xfrm>
+            <a:off x="6644083" y="2253119"/>
+            <a:ext cx="5357244" cy="4285795"/>
+          </a:xfrm>
+          <a:prstGeom prst="rect">
+            <a:avLst/>
+          </a:prstGeom>
+        </p:spPr>
+      </p:pic>
+      <p:pic>
+        <p:nvPicPr>
+          <p:cNvPr id="7" name="図 6"/>
+          <p:cNvPicPr>
+            <a:picLocks noChangeAspect="1"/>
+          </p:cNvPicPr>
+          <p:nvPr/>
+        </p:nvPicPr>
+        <p:blipFill>
+          <a:blip r:embed="rId3" cstate="print">
+            <a:extLst>
+              <a:ext uri="{28A0092B-C50C-407E-A947-70E740481C1C}">
+                <a14:useLocalDpi xmlns:a14="http://schemas.microsoft.com/office/drawing/2010/main" val="0"/>
+              </a:ext>
+            </a:extLst>
+          </a:blip>
+          <a:stretch>
+            <a:fillRect/>
+          </a:stretch>
+        </p:blipFill>
+        <p:spPr>
+          <a:xfrm>
+            <a:off x="6583784" y="2333652"/>
+            <a:ext cx="5155909" cy="4124727"/>
+          </a:xfrm>
+          <a:prstGeom prst="rect">
+            <a:avLst/>
+          </a:prstGeom>
+        </p:spPr>
+      </p:pic>
+      <p:pic>
+        <p:nvPicPr>
+          <p:cNvPr id="8" name="図 7"/>
+          <p:cNvPicPr>
+            <a:picLocks noChangeAspect="1"/>
+          </p:cNvPicPr>
+          <p:nvPr/>
+        </p:nvPicPr>
+        <p:blipFill>
+          <a:blip r:embed="rId4" cstate="print">
+            <a:extLst>
+              <a:ext uri="{28A0092B-C50C-407E-A947-70E740481C1C}">
+                <a14:useLocalDpi xmlns:a14="http://schemas.microsoft.com/office/drawing/2010/main" val="0"/>
+              </a:ext>
+            </a:extLst>
+          </a:blip>
+          <a:stretch>
+            <a:fillRect/>
+          </a:stretch>
+        </p:blipFill>
+        <p:spPr>
+          <a:xfrm>
+            <a:off x="6322150" y="2333652"/>
+            <a:ext cx="5162376" cy="4129900"/>
+          </a:xfrm>
+          <a:prstGeom prst="rect">
+            <a:avLst/>
+          </a:prstGeom>
+        </p:spPr>
+      </p:pic>
+      <p:pic>
+        <p:nvPicPr>
+          <p:cNvPr id="9" name="図 8"/>
+          <p:cNvPicPr>
+            <a:picLocks noChangeAspect="1"/>
+          </p:cNvPicPr>
+          <p:nvPr/>
+        </p:nvPicPr>
+        <p:blipFill>
+          <a:blip r:embed="rId5" cstate="print">
+            <a:extLst>
+              <a:ext uri="{28A0092B-C50C-407E-A947-70E740481C1C}">
+                <a14:useLocalDpi xmlns:a14="http://schemas.microsoft.com/office/drawing/2010/main" val="0"/>
+              </a:ext>
+            </a:extLst>
+          </a:blip>
+          <a:stretch>
+            <a:fillRect/>
+          </a:stretch>
+        </p:blipFill>
+        <p:spPr>
+          <a:xfrm>
+            <a:off x="6147557" y="2108148"/>
+            <a:ext cx="5592136" cy="4473709"/>
+          </a:xfrm>
+          <a:prstGeom prst="rect">
+            <a:avLst/>
+          </a:prstGeom>
+        </p:spPr>
+      </p:pic>
     </p:spTree>
     <p:extLst>
       <p:ext uri="{BB962C8B-B14F-4D97-AF65-F5344CB8AC3E}">
-        <p14:creationId xmlns:p14="http://schemas.microsoft.com/office/powerpoint/2010/main" val="3036620404"/>
+        <p14:creationId xmlns:p14="http://schemas.microsoft.com/office/powerpoint/2010/main" val="2559533473"/>
       </p:ext>
     </p:extLst>
   </p:cSld>
   <p:clrMapOvr>
     <a:masterClrMapping/>
   </p:clrMapOvr>
+  <p:timing>
+    <p:tnLst>
+      <p:par>
+        <p:cTn id="1" dur="indefinite" restart="never" nodeType="tmRoot">
+          <p:childTnLst>
+            <p:seq concurrent="1" nextAc="seek">
+              <p:cTn id="2" dur="indefinite" nodeType="mainSeq">
+                <p:childTnLst>
+                  <p:par>
+                    <p:cTn id="3" fill="hold">
+                      <p:stCondLst>
+                        <p:cond delay="indefinite"/>
+                      </p:stCondLst>
+                      <p:childTnLst>
+                        <p:par>
+                          <p:cTn id="4" fill="hold">
+                            <p:stCondLst>
+                              <p:cond delay="0"/>
+                            </p:stCondLst>
+                            <p:childTnLst>
+                              <p:par>
+                                <p:cTn id="5" presetID="1" presetClass="entr" presetSubtype="0" fill="hold" nodeType="clickEffect">
+                                  <p:stCondLst>
+                                    <p:cond delay="0"/>
+                                  </p:stCondLst>
+                                  <p:childTnLst>
+                                    <p:set>
+                                      <p:cBhvr>
+                                        <p:cTn id="6" dur="1" fill="hold">
+                                          <p:stCondLst>
+                                            <p:cond delay="0"/>
+                                          </p:stCondLst>
+                                        </p:cTn>
+                                        <p:tgtEl>
+                                          <p:spTgt spid="6"/>
+                                        </p:tgtEl>
+                                        <p:attrNameLst>
+                                          <p:attrName>style.visibility</p:attrName>
+                                        </p:attrNameLst>
+                                      </p:cBhvr>
+                                      <p:to>
+                                        <p:strVal val="visible"/>
+                                      </p:to>
+                                    </p:set>
+                                  </p:childTnLst>
+                                </p:cTn>
+                              </p:par>
+                            </p:childTnLst>
+                          </p:cTn>
+                        </p:par>
+                      </p:childTnLst>
+                    </p:cTn>
+                  </p:par>
+                  <p:par>
+                    <p:cTn id="7" fill="hold">
+                      <p:stCondLst>
+                        <p:cond delay="indefinite"/>
+                      </p:stCondLst>
+                      <p:childTnLst>
+                        <p:par>
+                          <p:cTn id="8" fill="hold">
+                            <p:stCondLst>
+                              <p:cond delay="0"/>
+                            </p:stCondLst>
+                            <p:childTnLst>
+                              <p:par>
+                                <p:cTn id="9" presetID="1" presetClass="entr" presetSubtype="0" fill="hold" nodeType="clickEffect">
+                                  <p:stCondLst>
+                                    <p:cond delay="0"/>
+                                  </p:stCondLst>
+                                  <p:childTnLst>
+                                    <p:set>
+                                      <p:cBhvr>
+                                        <p:cTn id="10" dur="1" fill="hold">
+                                          <p:stCondLst>
+                                            <p:cond delay="0"/>
+                                          </p:stCondLst>
+                                        </p:cTn>
+                                        <p:tgtEl>
+                                          <p:spTgt spid="3">
+                                            <p:txEl>
+                                              <p:pRg st="7" end="7"/>
+                                            </p:txEl>
+                                          </p:spTgt>
+                                        </p:tgtEl>
+                                        <p:attrNameLst>
+                                          <p:attrName>style.visibility</p:attrName>
+                                        </p:attrNameLst>
+                                      </p:cBhvr>
+                                      <p:to>
+                                        <p:strVal val="visible"/>
+                                      </p:to>
+                                    </p:set>
+                                  </p:childTnLst>
+                                </p:cTn>
+                              </p:par>
+                              <p:par>
+                                <p:cTn id="11" presetID="1" presetClass="entr" presetSubtype="0" fill="hold" nodeType="withEffect">
+                                  <p:stCondLst>
+                                    <p:cond delay="0"/>
+                                  </p:stCondLst>
+                                  <p:childTnLst>
+                                    <p:set>
+                                      <p:cBhvr>
+                                        <p:cTn id="12" dur="1" fill="hold">
+                                          <p:stCondLst>
+                                            <p:cond delay="0"/>
+                                          </p:stCondLst>
+                                        </p:cTn>
+                                        <p:tgtEl>
+                                          <p:spTgt spid="3">
+                                            <p:txEl>
+                                              <p:pRg st="8" end="8"/>
+                                            </p:txEl>
+                                          </p:spTgt>
+                                        </p:tgtEl>
+                                        <p:attrNameLst>
+                                          <p:attrName>style.visibility</p:attrName>
+                                        </p:attrNameLst>
+                                      </p:cBhvr>
+                                      <p:to>
+                                        <p:strVal val="visible"/>
+                                      </p:to>
+                                    </p:set>
+                                  </p:childTnLst>
+                                </p:cTn>
+                              </p:par>
+                              <p:par>
+                                <p:cTn id="13" presetID="1" presetClass="entr" presetSubtype="0" fill="hold" nodeType="withEffect">
+                                  <p:stCondLst>
+                                    <p:cond delay="0"/>
+                                  </p:stCondLst>
+                                  <p:childTnLst>
+                                    <p:set>
+                                      <p:cBhvr>
+                                        <p:cTn id="14" dur="1" fill="hold">
+                                          <p:stCondLst>
+                                            <p:cond delay="0"/>
+                                          </p:stCondLst>
+                                        </p:cTn>
+                                        <p:tgtEl>
+                                          <p:spTgt spid="3">
+                                            <p:txEl>
+                                              <p:pRg st="9" end="9"/>
+                                            </p:txEl>
+                                          </p:spTgt>
+                                        </p:tgtEl>
+                                        <p:attrNameLst>
+                                          <p:attrName>style.visibility</p:attrName>
+                                        </p:attrNameLst>
+                                      </p:cBhvr>
+                                      <p:to>
+                                        <p:strVal val="visible"/>
+                                      </p:to>
+                                    </p:set>
+                                  </p:childTnLst>
+                                </p:cTn>
+                              </p:par>
+                              <p:par>
+                                <p:cTn id="15" presetID="1" presetClass="entr" presetSubtype="0" fill="hold" nodeType="withEffect">
+                                  <p:stCondLst>
+                                    <p:cond delay="0"/>
+                                  </p:stCondLst>
+                                  <p:childTnLst>
+                                    <p:set>
+                                      <p:cBhvr>
+                                        <p:cTn id="16" dur="1" fill="hold">
+                                          <p:stCondLst>
+                                            <p:cond delay="0"/>
+                                          </p:stCondLst>
+                                        </p:cTn>
+                                        <p:tgtEl>
+                                          <p:spTgt spid="3">
+                                            <p:txEl>
+                                              <p:pRg st="10" end="10"/>
+                                            </p:txEl>
+                                          </p:spTgt>
+                                        </p:tgtEl>
+                                        <p:attrNameLst>
+                                          <p:attrName>style.visibility</p:attrName>
+                                        </p:attrNameLst>
+                                      </p:cBhvr>
+                                      <p:to>
+                                        <p:strVal val="visible"/>
+                                      </p:to>
+                                    </p:set>
+                                  </p:childTnLst>
+                                </p:cTn>
+                              </p:par>
+                              <p:par>
+                                <p:cTn id="17" presetID="1" presetClass="entr" presetSubtype="0" fill="hold" nodeType="withEffect">
+                                  <p:stCondLst>
+                                    <p:cond delay="0"/>
+                                  </p:stCondLst>
+                                  <p:childTnLst>
+                                    <p:set>
+                                      <p:cBhvr>
+                                        <p:cTn id="18" dur="1" fill="hold">
+                                          <p:stCondLst>
+                                            <p:cond delay="0"/>
+                                          </p:stCondLst>
+                                        </p:cTn>
+                                        <p:tgtEl>
+                                          <p:spTgt spid="3">
+                                            <p:txEl>
+                                              <p:pRg st="11" end="11"/>
+                                            </p:txEl>
+                                          </p:spTgt>
+                                        </p:tgtEl>
+                                        <p:attrNameLst>
+                                          <p:attrName>style.visibility</p:attrName>
+                                        </p:attrNameLst>
+                                      </p:cBhvr>
+                                      <p:to>
+                                        <p:strVal val="visible"/>
+                                      </p:to>
+                                    </p:set>
+                                  </p:childTnLst>
+                                </p:cTn>
+                              </p:par>
+                              <p:par>
+                                <p:cTn id="19" presetID="1" presetClass="exit" presetSubtype="0" fill="hold" nodeType="withEffect">
+                                  <p:stCondLst>
+                                    <p:cond delay="0"/>
+                                  </p:stCondLst>
+                                  <p:childTnLst>
+                                    <p:set>
+                                      <p:cBhvr>
+                                        <p:cTn id="20" dur="1" fill="hold">
+                                          <p:stCondLst>
+                                            <p:cond delay="0"/>
+                                          </p:stCondLst>
+                                        </p:cTn>
+                                        <p:tgtEl>
+                                          <p:spTgt spid="6"/>
+                                        </p:tgtEl>
+                                        <p:attrNameLst>
+                                          <p:attrName>style.visibility</p:attrName>
+                                        </p:attrNameLst>
+                                      </p:cBhvr>
+                                      <p:to>
+                                        <p:strVal val="hidden"/>
+                                      </p:to>
+                                    </p:set>
+                                  </p:childTnLst>
+                                </p:cTn>
+                              </p:par>
+                            </p:childTnLst>
+                          </p:cTn>
+                        </p:par>
+                      </p:childTnLst>
+                    </p:cTn>
+                  </p:par>
+                  <p:par>
+                    <p:cTn id="21" fill="hold">
+                      <p:stCondLst>
+                        <p:cond delay="indefinite"/>
+                      </p:stCondLst>
+                      <p:childTnLst>
+                        <p:par>
+                          <p:cTn id="22" fill="hold">
+                            <p:stCondLst>
+                              <p:cond delay="0"/>
+                            </p:stCondLst>
+                            <p:childTnLst>
+                              <p:par>
+                                <p:cTn id="23" presetID="1" presetClass="entr" presetSubtype="0" fill="hold" nodeType="clickEffect">
+                                  <p:stCondLst>
+                                    <p:cond delay="0"/>
+                                  </p:stCondLst>
+                                  <p:childTnLst>
+                                    <p:set>
+                                      <p:cBhvr>
+                                        <p:cTn id="24" dur="1" fill="hold">
+                                          <p:stCondLst>
+                                            <p:cond delay="0"/>
+                                          </p:stCondLst>
+                                        </p:cTn>
+                                        <p:tgtEl>
+                                          <p:spTgt spid="7"/>
+                                        </p:tgtEl>
+                                        <p:attrNameLst>
+                                          <p:attrName>style.visibility</p:attrName>
+                                        </p:attrNameLst>
+                                      </p:cBhvr>
+                                      <p:to>
+                                        <p:strVal val="visible"/>
+                                      </p:to>
+                                    </p:set>
+                                  </p:childTnLst>
+                                </p:cTn>
+                              </p:par>
+                            </p:childTnLst>
+                          </p:cTn>
+                        </p:par>
+                      </p:childTnLst>
+                    </p:cTn>
+                  </p:par>
+                  <p:par>
+                    <p:cTn id="25" fill="hold">
+                      <p:stCondLst>
+                        <p:cond delay="indefinite"/>
+                      </p:stCondLst>
+                      <p:childTnLst>
+                        <p:par>
+                          <p:cTn id="26" fill="hold">
+                            <p:stCondLst>
+                              <p:cond delay="0"/>
+                            </p:stCondLst>
+                            <p:childTnLst>
+                              <p:par>
+                                <p:cTn id="27" presetID="1" presetClass="entr" presetSubtype="0" fill="hold" nodeType="clickEffect">
+                                  <p:stCondLst>
+                                    <p:cond delay="0"/>
+                                  </p:stCondLst>
+                                  <p:childTnLst>
+                                    <p:set>
+                                      <p:cBhvr>
+                                        <p:cTn id="28" dur="1" fill="hold">
+                                          <p:stCondLst>
+                                            <p:cond delay="0"/>
+                                          </p:stCondLst>
+                                        </p:cTn>
+                                        <p:tgtEl>
+                                          <p:spTgt spid="3">
+                                            <p:txEl>
+                                              <p:pRg st="12" end="12"/>
+                                            </p:txEl>
+                                          </p:spTgt>
+                                        </p:tgtEl>
+                                        <p:attrNameLst>
+                                          <p:attrName>style.visibility</p:attrName>
+                                        </p:attrNameLst>
+                                      </p:cBhvr>
+                                      <p:to>
+                                        <p:strVal val="visible"/>
+                                      </p:to>
+                                    </p:set>
+                                  </p:childTnLst>
+                                </p:cTn>
+                              </p:par>
+                              <p:par>
+                                <p:cTn id="29" presetID="1" presetClass="entr" presetSubtype="0" fill="hold" nodeType="withEffect">
+                                  <p:stCondLst>
+                                    <p:cond delay="0"/>
+                                  </p:stCondLst>
+                                  <p:childTnLst>
+                                    <p:set>
+                                      <p:cBhvr>
+                                        <p:cTn id="30" dur="1" fill="hold">
+                                          <p:stCondLst>
+                                            <p:cond delay="0"/>
+                                          </p:stCondLst>
+                                        </p:cTn>
+                                        <p:tgtEl>
+                                          <p:spTgt spid="3">
+                                            <p:txEl>
+                                              <p:pRg st="13" end="13"/>
+                                            </p:txEl>
+                                          </p:spTgt>
+                                        </p:tgtEl>
+                                        <p:attrNameLst>
+                                          <p:attrName>style.visibility</p:attrName>
+                                        </p:attrNameLst>
+                                      </p:cBhvr>
+                                      <p:to>
+                                        <p:strVal val="visible"/>
+                                      </p:to>
+                                    </p:set>
+                                  </p:childTnLst>
+                                </p:cTn>
+                              </p:par>
+                              <p:par>
+                                <p:cTn id="31" presetID="1" presetClass="entr" presetSubtype="0" fill="hold" nodeType="withEffect">
+                                  <p:stCondLst>
+                                    <p:cond delay="0"/>
+                                  </p:stCondLst>
+                                  <p:childTnLst>
+                                    <p:set>
+                                      <p:cBhvr>
+                                        <p:cTn id="32" dur="1" fill="hold">
+                                          <p:stCondLst>
+                                            <p:cond delay="0"/>
+                                          </p:stCondLst>
+                                        </p:cTn>
+                                        <p:tgtEl>
+                                          <p:spTgt spid="3">
+                                            <p:txEl>
+                                              <p:pRg st="14" end="14"/>
+                                            </p:txEl>
+                                          </p:spTgt>
+                                        </p:tgtEl>
+                                        <p:attrNameLst>
+                                          <p:attrName>style.visibility</p:attrName>
+                                        </p:attrNameLst>
+                                      </p:cBhvr>
+                                      <p:to>
+                                        <p:strVal val="visible"/>
+                                      </p:to>
+                                    </p:set>
+                                  </p:childTnLst>
+                                </p:cTn>
+                              </p:par>
+                              <p:par>
+                                <p:cTn id="33" presetID="1" presetClass="entr" presetSubtype="0" fill="hold" nodeType="withEffect">
+                                  <p:stCondLst>
+                                    <p:cond delay="0"/>
+                                  </p:stCondLst>
+                                  <p:childTnLst>
+                                    <p:set>
+                                      <p:cBhvr>
+                                        <p:cTn id="34" dur="1" fill="hold">
+                                          <p:stCondLst>
+                                            <p:cond delay="0"/>
+                                          </p:stCondLst>
+                                        </p:cTn>
+                                        <p:tgtEl>
+                                          <p:spTgt spid="3">
+                                            <p:txEl>
+                                              <p:pRg st="15" end="15"/>
+                                            </p:txEl>
+                                          </p:spTgt>
+                                        </p:tgtEl>
+                                        <p:attrNameLst>
+                                          <p:attrName>style.visibility</p:attrName>
+                                        </p:attrNameLst>
+                                      </p:cBhvr>
+                                      <p:to>
+                                        <p:strVal val="visible"/>
+                                      </p:to>
+                                    </p:set>
+                                  </p:childTnLst>
+                                </p:cTn>
+                              </p:par>
+                              <p:par>
+                                <p:cTn id="35" presetID="1" presetClass="exit" presetSubtype="0" fill="hold" nodeType="withEffect">
+                                  <p:stCondLst>
+                                    <p:cond delay="0"/>
+                                  </p:stCondLst>
+                                  <p:childTnLst>
+                                    <p:set>
+                                      <p:cBhvr>
+                                        <p:cTn id="36" dur="1" fill="hold">
+                                          <p:stCondLst>
+                                            <p:cond delay="0"/>
+                                          </p:stCondLst>
+                                        </p:cTn>
+                                        <p:tgtEl>
+                                          <p:spTgt spid="7"/>
+                                        </p:tgtEl>
+                                        <p:attrNameLst>
+                                          <p:attrName>style.visibility</p:attrName>
+                                        </p:attrNameLst>
+                                      </p:cBhvr>
+                                      <p:to>
+                                        <p:strVal val="hidden"/>
+                                      </p:to>
+                                    </p:set>
+                                  </p:childTnLst>
+                                </p:cTn>
+                              </p:par>
+                            </p:childTnLst>
+                          </p:cTn>
+                        </p:par>
+                      </p:childTnLst>
+                    </p:cTn>
+                  </p:par>
+                  <p:par>
+                    <p:cTn id="37" fill="hold">
+                      <p:stCondLst>
+                        <p:cond delay="indefinite"/>
+                      </p:stCondLst>
+                      <p:childTnLst>
+                        <p:par>
+                          <p:cTn id="38" fill="hold">
+                            <p:stCondLst>
+                              <p:cond delay="0"/>
+                            </p:stCondLst>
+                            <p:childTnLst>
+                              <p:par>
+                                <p:cTn id="39" presetID="1" presetClass="entr" presetSubtype="0" fill="hold" nodeType="clickEffect">
+                                  <p:stCondLst>
+                                    <p:cond delay="0"/>
+                                  </p:stCondLst>
+                                  <p:childTnLst>
+                                    <p:set>
+                                      <p:cBhvr>
+                                        <p:cTn id="40" dur="1" fill="hold">
+                                          <p:stCondLst>
+                                            <p:cond delay="0"/>
+                                          </p:stCondLst>
+                                        </p:cTn>
+                                        <p:tgtEl>
+                                          <p:spTgt spid="8"/>
+                                        </p:tgtEl>
+                                        <p:attrNameLst>
+                                          <p:attrName>style.visibility</p:attrName>
+                                        </p:attrNameLst>
+                                      </p:cBhvr>
+                                      <p:to>
+                                        <p:strVal val="visible"/>
+                                      </p:to>
+                                    </p:set>
+                                  </p:childTnLst>
+                                </p:cTn>
+                              </p:par>
+                            </p:childTnLst>
+                          </p:cTn>
+                        </p:par>
+                      </p:childTnLst>
+                    </p:cTn>
+                  </p:par>
+                  <p:par>
+                    <p:cTn id="41" fill="hold">
+                      <p:stCondLst>
+                        <p:cond delay="indefinite"/>
+                      </p:stCondLst>
+                      <p:childTnLst>
+                        <p:par>
+                          <p:cTn id="42" fill="hold">
+                            <p:stCondLst>
+                              <p:cond delay="0"/>
+                            </p:stCondLst>
+                            <p:childTnLst>
+                              <p:par>
+                                <p:cTn id="43" presetID="1" presetClass="entr" presetSubtype="0" fill="hold" nodeType="clickEffect">
+                                  <p:stCondLst>
+                                    <p:cond delay="0"/>
+                                  </p:stCondLst>
+                                  <p:childTnLst>
+                                    <p:set>
+                                      <p:cBhvr>
+                                        <p:cTn id="44" dur="1" fill="hold">
+                                          <p:stCondLst>
+                                            <p:cond delay="0"/>
+                                          </p:stCondLst>
+                                        </p:cTn>
+                                        <p:tgtEl>
+                                          <p:spTgt spid="3">
+                                            <p:txEl>
+                                              <p:pRg st="16" end="16"/>
+                                            </p:txEl>
+                                          </p:spTgt>
+                                        </p:tgtEl>
+                                        <p:attrNameLst>
+                                          <p:attrName>style.visibility</p:attrName>
+                                        </p:attrNameLst>
+                                      </p:cBhvr>
+                                      <p:to>
+                                        <p:strVal val="visible"/>
+                                      </p:to>
+                                    </p:set>
+                                  </p:childTnLst>
+                                </p:cTn>
+                              </p:par>
+                              <p:par>
+                                <p:cTn id="45" presetID="1" presetClass="entr" presetSubtype="0" fill="hold" nodeType="withEffect">
+                                  <p:stCondLst>
+                                    <p:cond delay="0"/>
+                                  </p:stCondLst>
+                                  <p:childTnLst>
+                                    <p:set>
+                                      <p:cBhvr>
+                                        <p:cTn id="46" dur="1" fill="hold">
+                                          <p:stCondLst>
+                                            <p:cond delay="0"/>
+                                          </p:stCondLst>
+                                        </p:cTn>
+                                        <p:tgtEl>
+                                          <p:spTgt spid="3">
+                                            <p:txEl>
+                                              <p:pRg st="17" end="17"/>
+                                            </p:txEl>
+                                          </p:spTgt>
+                                        </p:tgtEl>
+                                        <p:attrNameLst>
+                                          <p:attrName>style.visibility</p:attrName>
+                                        </p:attrNameLst>
+                                      </p:cBhvr>
+                                      <p:to>
+                                        <p:strVal val="visible"/>
+                                      </p:to>
+                                    </p:set>
+                                  </p:childTnLst>
+                                </p:cTn>
+                              </p:par>
+                              <p:par>
+                                <p:cTn id="47" presetID="1" presetClass="entr" presetSubtype="0" fill="hold" nodeType="withEffect">
+                                  <p:stCondLst>
+                                    <p:cond delay="0"/>
+                                  </p:stCondLst>
+                                  <p:childTnLst>
+                                    <p:set>
+                                      <p:cBhvr>
+                                        <p:cTn id="48" dur="1" fill="hold">
+                                          <p:stCondLst>
+                                            <p:cond delay="0"/>
+                                          </p:stCondLst>
+                                        </p:cTn>
+                                        <p:tgtEl>
+                                          <p:spTgt spid="3">
+                                            <p:txEl>
+                                              <p:pRg st="18" end="18"/>
+                                            </p:txEl>
+                                          </p:spTgt>
+                                        </p:tgtEl>
+                                        <p:attrNameLst>
+                                          <p:attrName>style.visibility</p:attrName>
+                                        </p:attrNameLst>
+                                      </p:cBhvr>
+                                      <p:to>
+                                        <p:strVal val="visible"/>
+                                      </p:to>
+                                    </p:set>
+                                  </p:childTnLst>
+                                </p:cTn>
+                              </p:par>
+                              <p:par>
+                                <p:cTn id="49" presetID="1" presetClass="entr" presetSubtype="0" fill="hold" nodeType="withEffect">
+                                  <p:stCondLst>
+                                    <p:cond delay="0"/>
+                                  </p:stCondLst>
+                                  <p:childTnLst>
+                                    <p:set>
+                                      <p:cBhvr>
+                                        <p:cTn id="50" dur="1" fill="hold">
+                                          <p:stCondLst>
+                                            <p:cond delay="0"/>
+                                          </p:stCondLst>
+                                        </p:cTn>
+                                        <p:tgtEl>
+                                          <p:spTgt spid="3">
+                                            <p:txEl>
+                                              <p:pRg st="19" end="19"/>
+                                            </p:txEl>
+                                          </p:spTgt>
+                                        </p:tgtEl>
+                                        <p:attrNameLst>
+                                          <p:attrName>style.visibility</p:attrName>
+                                        </p:attrNameLst>
+                                      </p:cBhvr>
+                                      <p:to>
+                                        <p:strVal val="visible"/>
+                                      </p:to>
+                                    </p:set>
+                                  </p:childTnLst>
+                                </p:cTn>
+                              </p:par>
+                              <p:par>
+                                <p:cTn id="51" presetID="1" presetClass="exit" presetSubtype="0" fill="hold" nodeType="withEffect">
+                                  <p:stCondLst>
+                                    <p:cond delay="0"/>
+                                  </p:stCondLst>
+                                  <p:childTnLst>
+                                    <p:set>
+                                      <p:cBhvr>
+                                        <p:cTn id="52" dur="1" fill="hold">
+                                          <p:stCondLst>
+                                            <p:cond delay="0"/>
+                                          </p:stCondLst>
+                                        </p:cTn>
+                                        <p:tgtEl>
+                                          <p:spTgt spid="8"/>
+                                        </p:tgtEl>
+                                        <p:attrNameLst>
+                                          <p:attrName>style.visibility</p:attrName>
+                                        </p:attrNameLst>
+                                      </p:cBhvr>
+                                      <p:to>
+                                        <p:strVal val="hidden"/>
+                                      </p:to>
+                                    </p:set>
+                                  </p:childTnLst>
+                                </p:cTn>
+                              </p:par>
+                            </p:childTnLst>
+                          </p:cTn>
+                        </p:par>
+                      </p:childTnLst>
+                    </p:cTn>
+                  </p:par>
+                  <p:par>
+                    <p:cTn id="53" fill="hold">
+                      <p:stCondLst>
+                        <p:cond delay="indefinite"/>
+                      </p:stCondLst>
+                      <p:childTnLst>
+                        <p:par>
+                          <p:cTn id="54" fill="hold">
+                            <p:stCondLst>
+                              <p:cond delay="0"/>
+                            </p:stCondLst>
+                            <p:childTnLst>
+                              <p:par>
+                                <p:cTn id="55" presetID="1" presetClass="entr" presetSubtype="0" fill="hold" nodeType="clickEffect">
+                                  <p:stCondLst>
+                                    <p:cond delay="0"/>
+                                  </p:stCondLst>
+                                  <p:childTnLst>
+                                    <p:set>
+                                      <p:cBhvr>
+                                        <p:cTn id="56" dur="1" fill="hold">
+                                          <p:stCondLst>
+                                            <p:cond delay="0"/>
+                                          </p:stCondLst>
+                                        </p:cTn>
+                                        <p:tgtEl>
+                                          <p:spTgt spid="9"/>
+                                        </p:tgtEl>
+                                        <p:attrNameLst>
+                                          <p:attrName>style.visibility</p:attrName>
+                                        </p:attrNameLst>
+                                      </p:cBhvr>
+                                      <p:to>
+                                        <p:strVal val="visible"/>
+                                      </p:to>
+                                    </p:set>
+                                  </p:childTnLst>
+                                </p:cTn>
+                              </p:par>
+                            </p:childTnLst>
+                          </p:cTn>
+                        </p:par>
+                      </p:childTnLst>
+                    </p:cTn>
+                  </p:par>
+                </p:childTnLst>
+              </p:cTn>
+              <p:prevCondLst>
+                <p:cond evt="onPrev" delay="0">
+                  <p:tgtEl>
+                    <p:sldTgt/>
+                  </p:tgtEl>
+                </p:cond>
+              </p:prevCondLst>
+              <p:nextCondLst>
+                <p:cond evt="onNext" delay="0">
+                  <p:tgtEl>
+                    <p:sldTgt/>
+                  </p:tgtEl>
+                </p:cond>
+              </p:nextCondLst>
+            </p:seq>
+          </p:childTnLst>
+        </p:cTn>
+      </p:par>
+    </p:tnLst>
+  </p:timing>
 </p:sld>
 </file>
 
@@ -11462,7 +15097,7 @@
           <a:lstStyle/>
           <a:p>
             <a:r>
-              <a:rPr lang="ja-JP" altLang="en-US" b="1" dirty="0">
+              <a:rPr lang="ja-JP" altLang="en-US" dirty="0" smtClean="0">
                 <a:solidFill>
                   <a:schemeClr val="tx1">
                     <a:lumMod val="50000"/>
@@ -11470,7 +15105,29 @@
                   </a:schemeClr>
                 </a:solidFill>
               </a:rPr>
-              <a:t>ヒストグラムの作成</a:t>
+              <a:t>箱</a:t>
+            </a:r>
+            <a:r>
+              <a:rPr lang="ja-JP" altLang="en-US" dirty="0" err="1" smtClean="0">
+                <a:solidFill>
+                  <a:schemeClr val="tx1">
+                    <a:lumMod val="50000"/>
+                    <a:lumOff val="50000"/>
+                  </a:schemeClr>
+                </a:solidFill>
+              </a:rPr>
+              <a:t>ひげ</a:t>
+            </a:r>
+            <a:r>
+              <a:rPr lang="ja-JP" altLang="en-US" dirty="0" smtClean="0">
+                <a:solidFill>
+                  <a:schemeClr val="tx1">
+                    <a:lumMod val="50000"/>
+                    <a:lumOff val="50000"/>
+                  </a:schemeClr>
+                </a:solidFill>
+              </a:rPr>
+              <a:t>図，ヒストグラム</a:t>
             </a:r>
             <a:r>
               <a:rPr lang="en-US" altLang="ja-JP" dirty="0"/>
@@ -11480,18 +15137,30 @@
               <a:rPr lang="en-US" altLang="ja-JP" dirty="0"/>
             </a:br>
             <a:r>
-              <a:rPr lang="en-US" altLang="ja-JP" dirty="0" err="1">
+              <a:rPr lang="en-US" altLang="ja-JP" dirty="0" err="1" smtClean="0">
+                <a:solidFill>
+                  <a:srgbClr val="0070C0"/>
+                </a:solidFill>
+              </a:rPr>
+              <a:t>geom_boxplot</a:t>
+            </a:r>
+            <a:r>
+              <a:rPr lang="en-US" altLang="ja-JP" dirty="0" smtClean="0">
+                <a:solidFill>
+                  <a:srgbClr val="0070C0"/>
+                </a:solidFill>
+              </a:rPr>
+              <a:t>, </a:t>
+            </a:r>
+            <a:r>
+              <a:rPr lang="en-US" altLang="ja-JP" dirty="0" err="1" smtClean="0">
                 <a:solidFill>
                   <a:srgbClr val="0070C0"/>
                 </a:solidFill>
               </a:rPr>
               <a:t>geom_histogram</a:t>
             </a:r>
-            <a:endParaRPr kumimoji="1" lang="ja-JP" altLang="en-US" dirty="0">
-              <a:solidFill>
-                <a:srgbClr val="0070C0"/>
-              </a:solidFill>
-            </a:endParaRPr>
+            <a:endParaRPr kumimoji="1" lang="ja-JP" altLang="en-US" u="sng" dirty="0"/>
           </a:p>
         </p:txBody>
       </p:sp>
@@ -11510,7 +15179,484 @@
           <a:bodyPr/>
           <a:lstStyle/>
           <a:p>
-            <a:endParaRPr kumimoji="1" lang="ja-JP" altLang="en-US"/>
+            <a:r>
+              <a:rPr lang="en-US" altLang="ja-JP" sz="2000" dirty="0" err="1" smtClean="0">
+                <a:solidFill>
+                  <a:srgbClr val="0070C0"/>
+                </a:solidFill>
+              </a:rPr>
+              <a:t>geom_boxplot</a:t>
+            </a:r>
+            <a:r>
+              <a:rPr lang="en-US" altLang="ja-JP" sz="2000" dirty="0" smtClean="0"/>
+              <a:t>: </a:t>
+            </a:r>
+            <a:r>
+              <a:rPr lang="ja-JP" altLang="en-US" sz="2000" dirty="0" smtClean="0"/>
+              <a:t>箱</a:t>
+            </a:r>
+            <a:r>
+              <a:rPr lang="ja-JP" altLang="en-US" sz="2000" dirty="0" err="1" smtClean="0"/>
+              <a:t>ひげ</a:t>
+            </a:r>
+            <a:r>
+              <a:rPr lang="ja-JP" altLang="en-US" sz="2000" dirty="0" smtClean="0"/>
+              <a:t>図の作成</a:t>
+            </a:r>
+            <a:endParaRPr lang="en-US" altLang="ja-JP" sz="2000" dirty="0" smtClean="0"/>
+          </a:p>
+          <a:p>
+            <a:pPr marL="457200" lvl="1" indent="0">
+              <a:buNone/>
+            </a:pPr>
+            <a:r>
+              <a:rPr lang="ja-JP" altLang="en-US" sz="1200" dirty="0" smtClean="0"/>
+              <a:t>関数例</a:t>
+            </a:r>
+            <a:r>
+              <a:rPr lang="en-US" altLang="ja-JP" sz="1200" dirty="0"/>
+              <a:t>:  </a:t>
+            </a:r>
+            <a:r>
+              <a:rPr lang="en-US" altLang="ja-JP" sz="1200" dirty="0" err="1"/>
+              <a:t>nm_data_b</a:t>
+            </a:r>
+            <a:r>
+              <a:rPr lang="en-US" altLang="ja-JP" sz="1200" dirty="0"/>
+              <a:t> %&gt;% </a:t>
+            </a:r>
+            <a:r>
+              <a:rPr lang="en-US" altLang="ja-JP" sz="1200" dirty="0" err="1" smtClean="0">
+                <a:solidFill>
+                  <a:srgbClr val="0070C0"/>
+                </a:solidFill>
+              </a:rPr>
+              <a:t>ggplot</a:t>
+            </a:r>
+            <a:r>
+              <a:rPr lang="en-US" altLang="ja-JP" sz="1200" dirty="0" smtClean="0"/>
+              <a:t>(</a:t>
+            </a:r>
+            <a:r>
+              <a:rPr lang="en-US" altLang="ja-JP" sz="1200" dirty="0" err="1"/>
+              <a:t>aes</a:t>
+            </a:r>
+            <a:r>
+              <a:rPr lang="en-US" altLang="ja-JP" sz="1200" dirty="0"/>
+              <a:t>(x=factor(PN), y=CRCL)</a:t>
+            </a:r>
+            <a:r>
+              <a:rPr lang="en-US" altLang="ja-JP" sz="1200" dirty="0" smtClean="0"/>
+              <a:t>)</a:t>
+            </a:r>
+            <a:r>
+              <a:rPr lang="en-US" altLang="ja-JP" sz="1200" dirty="0" smtClean="0">
+                <a:solidFill>
+                  <a:srgbClr val="0070C0"/>
+                </a:solidFill>
+              </a:rPr>
+              <a:t> </a:t>
+            </a:r>
+            <a:r>
+              <a:rPr lang="en-US" altLang="ja-JP" sz="1200" dirty="0"/>
+              <a:t>+</a:t>
+            </a:r>
+            <a:r>
+              <a:rPr lang="en-US" altLang="ja-JP" sz="1200" dirty="0">
+                <a:solidFill>
+                  <a:srgbClr val="0070C0"/>
+                </a:solidFill>
+              </a:rPr>
+              <a:t> </a:t>
+            </a:r>
+            <a:r>
+              <a:rPr lang="en-US" altLang="ja-JP" sz="1200" dirty="0" err="1" smtClean="0">
+                <a:solidFill>
+                  <a:srgbClr val="0070C0"/>
+                </a:solidFill>
+              </a:rPr>
+              <a:t>geom_boxplot</a:t>
+            </a:r>
+            <a:r>
+              <a:rPr lang="en-US" altLang="ja-JP" sz="1200" dirty="0" smtClean="0"/>
+              <a:t>()</a:t>
+            </a:r>
+          </a:p>
+          <a:p>
+            <a:pPr marL="457200" lvl="1" indent="0">
+              <a:buNone/>
+            </a:pPr>
+            <a:r>
+              <a:rPr lang="ja-JP" altLang="en-US" sz="1200" dirty="0" smtClean="0"/>
+              <a:t>意味</a:t>
+            </a:r>
+            <a:r>
+              <a:rPr lang="ja-JP" altLang="en-US" sz="1200" dirty="0"/>
+              <a:t>： </a:t>
+            </a:r>
+            <a:r>
+              <a:rPr lang="en-US" altLang="ja-JP" sz="1200" dirty="0" err="1" smtClean="0"/>
+              <a:t>nm_dat_b</a:t>
+            </a:r>
+            <a:r>
+              <a:rPr lang="ja-JP" altLang="en-US" sz="1200" dirty="0" smtClean="0"/>
+              <a:t>を</a:t>
+            </a:r>
+            <a:r>
+              <a:rPr lang="ja-JP" altLang="en-US" sz="1200" dirty="0"/>
+              <a:t>使い，</a:t>
+            </a:r>
+            <a:r>
+              <a:rPr lang="en-US" altLang="ja-JP" sz="1200" dirty="0" smtClean="0"/>
+              <a:t>x</a:t>
+            </a:r>
+            <a:r>
+              <a:rPr lang="ja-JP" altLang="en-US" sz="1200" dirty="0" smtClean="0"/>
+              <a:t>を</a:t>
+            </a:r>
+            <a:r>
+              <a:rPr lang="en-US" altLang="ja-JP" sz="1200" dirty="0" smtClean="0"/>
+              <a:t>factor</a:t>
+            </a:r>
+            <a:r>
+              <a:rPr lang="ja-JP" altLang="en-US" sz="1200" dirty="0" smtClean="0"/>
+              <a:t>化した</a:t>
+            </a:r>
+            <a:r>
+              <a:rPr lang="en-US" altLang="ja-JP" sz="1200" dirty="0" smtClean="0"/>
+              <a:t>PN</a:t>
+            </a:r>
+            <a:r>
+              <a:rPr lang="ja-JP" altLang="en-US" sz="1200" dirty="0" err="1" smtClean="0"/>
+              <a:t>，</a:t>
+            </a:r>
+            <a:r>
+              <a:rPr lang="en-US" altLang="ja-JP" sz="1200" dirty="0"/>
+              <a:t>y</a:t>
+            </a:r>
+            <a:r>
+              <a:rPr lang="ja-JP" altLang="en-US" sz="1200" dirty="0" smtClean="0"/>
+              <a:t>に</a:t>
+            </a:r>
+            <a:r>
+              <a:rPr lang="en-US" altLang="ja-JP" sz="1200" dirty="0" smtClean="0"/>
+              <a:t>CRCL</a:t>
+            </a:r>
+            <a:r>
+              <a:rPr lang="ja-JP" altLang="en-US" sz="1200" dirty="0" smtClean="0"/>
+              <a:t>と</a:t>
+            </a:r>
+            <a:r>
+              <a:rPr lang="ja-JP" altLang="en-US" sz="1200" dirty="0"/>
+              <a:t>して</a:t>
+            </a:r>
+            <a:r>
+              <a:rPr lang="ja-JP" altLang="en-US" sz="1200" dirty="0" smtClean="0"/>
+              <a:t>，</a:t>
+            </a:r>
+            <a:r>
+              <a:rPr lang="ja-JP" altLang="en-US" sz="1200" dirty="0"/>
+              <a:t>箱</a:t>
+            </a:r>
+            <a:r>
+              <a:rPr lang="ja-JP" altLang="en-US" sz="1200" dirty="0" err="1"/>
+              <a:t>ひげ</a:t>
+            </a:r>
+            <a:r>
+              <a:rPr lang="ja-JP" altLang="en-US" sz="1200" dirty="0" smtClean="0"/>
+              <a:t>図を作成</a:t>
+            </a:r>
+            <a:endParaRPr lang="en-US" altLang="ja-JP" sz="1200" dirty="0" smtClean="0"/>
+          </a:p>
+          <a:p>
+            <a:pPr marL="457200" lvl="1" indent="0">
+              <a:buNone/>
+            </a:pPr>
+            <a:endParaRPr lang="en-US" altLang="ja-JP" sz="1200" dirty="0" smtClean="0"/>
+          </a:p>
+          <a:p>
+            <a:r>
+              <a:rPr lang="en-US" altLang="ja-JP" sz="2000" dirty="0" err="1" smtClean="0">
+                <a:solidFill>
+                  <a:srgbClr val="0070C0"/>
+                </a:solidFill>
+              </a:rPr>
+              <a:t>geom_histogram</a:t>
+            </a:r>
+            <a:r>
+              <a:rPr lang="en-US" altLang="ja-JP" sz="2000" dirty="0" smtClean="0"/>
+              <a:t>: </a:t>
+            </a:r>
+            <a:r>
+              <a:rPr lang="ja-JP" altLang="en-US" sz="2000" dirty="0" smtClean="0"/>
+              <a:t>ヒストグラムの作成</a:t>
+            </a:r>
+            <a:endParaRPr lang="en-US" altLang="ja-JP" sz="2000" dirty="0" smtClean="0"/>
+          </a:p>
+          <a:p>
+            <a:pPr lvl="1"/>
+            <a:r>
+              <a:rPr lang="en-US" altLang="ja-JP" sz="1600" dirty="0" err="1" smtClean="0"/>
+              <a:t>binwidth</a:t>
+            </a:r>
+            <a:r>
+              <a:rPr lang="ja-JP" altLang="en-US" sz="1600" dirty="0" smtClean="0"/>
+              <a:t>で</a:t>
+            </a:r>
+            <a:r>
+              <a:rPr lang="en-US" altLang="ja-JP" sz="1600" dirty="0" smtClean="0"/>
+              <a:t>bin</a:t>
+            </a:r>
+            <a:r>
+              <a:rPr lang="ja-JP" altLang="en-US" sz="1600" dirty="0" smtClean="0"/>
+              <a:t>の幅を設定</a:t>
+            </a:r>
+            <a:endParaRPr lang="en-US" altLang="ja-JP" sz="1600" dirty="0" smtClean="0"/>
+          </a:p>
+          <a:p>
+            <a:pPr lvl="1"/>
+            <a:r>
+              <a:rPr lang="en-US" altLang="ja-JP" sz="1600" dirty="0" smtClean="0"/>
+              <a:t>fill</a:t>
+            </a:r>
+            <a:r>
+              <a:rPr lang="ja-JP" altLang="en-US" sz="1600" dirty="0" smtClean="0"/>
+              <a:t>で変数ごとに色分け</a:t>
+            </a:r>
+            <a:endParaRPr lang="en-US" altLang="ja-JP" sz="1600" dirty="0" smtClean="0"/>
+          </a:p>
+          <a:p>
+            <a:pPr lvl="1"/>
+            <a:r>
+              <a:rPr lang="en-US" altLang="ja-JP" sz="1600" dirty="0" smtClean="0"/>
+              <a:t>position=“identity”</a:t>
+            </a:r>
+            <a:r>
+              <a:rPr lang="ja-JP" altLang="en-US" sz="1600" dirty="0" smtClean="0"/>
+              <a:t>で重ねて表示</a:t>
+            </a:r>
+            <a:endParaRPr lang="en-US" altLang="ja-JP" sz="1600" dirty="0" smtClean="0"/>
+          </a:p>
+          <a:p>
+            <a:pPr marL="457200" lvl="1" indent="0">
+              <a:buNone/>
+            </a:pPr>
+            <a:r>
+              <a:rPr lang="ja-JP" altLang="en-US" sz="1200" dirty="0" smtClean="0"/>
+              <a:t>関数例</a:t>
+            </a:r>
+            <a:r>
+              <a:rPr lang="en-US" altLang="ja-JP" sz="1200" dirty="0"/>
+              <a:t>:  </a:t>
+            </a:r>
+            <a:r>
+              <a:rPr lang="en-US" altLang="ja-JP" sz="1200" dirty="0" err="1"/>
+              <a:t>nm_data_b</a:t>
+            </a:r>
+            <a:r>
+              <a:rPr lang="en-US" altLang="ja-JP" sz="1200" dirty="0"/>
+              <a:t> %&gt;% </a:t>
+            </a:r>
+            <a:r>
+              <a:rPr lang="en-US" altLang="ja-JP" sz="1200" dirty="0" err="1">
+                <a:solidFill>
+                  <a:srgbClr val="0070C0"/>
+                </a:solidFill>
+              </a:rPr>
+              <a:t>ggplot</a:t>
+            </a:r>
+            <a:r>
+              <a:rPr lang="en-US" altLang="ja-JP" sz="1200" dirty="0"/>
+              <a:t>() + </a:t>
+            </a:r>
+            <a:r>
+              <a:rPr lang="en-US" altLang="ja-JP" sz="1200" dirty="0" err="1" smtClean="0">
+                <a:solidFill>
+                  <a:srgbClr val="0070C0"/>
+                </a:solidFill>
+              </a:rPr>
+              <a:t>geom_histogram</a:t>
+            </a:r>
+            <a:r>
+              <a:rPr lang="en-US" altLang="ja-JP" sz="1200" dirty="0" smtClean="0"/>
+              <a:t>(</a:t>
+            </a:r>
+            <a:r>
+              <a:rPr lang="en-US" altLang="ja-JP" sz="1200" dirty="0" err="1" smtClean="0"/>
+              <a:t>aes</a:t>
+            </a:r>
+            <a:r>
+              <a:rPr lang="en-US" altLang="ja-JP" sz="1200" dirty="0" smtClean="0"/>
+              <a:t>(x=CRCL))</a:t>
+            </a:r>
+          </a:p>
+          <a:p>
+            <a:pPr marL="457200" lvl="1" indent="0">
+              <a:buNone/>
+            </a:pPr>
+            <a:r>
+              <a:rPr lang="ja-JP" altLang="en-US" sz="1200" dirty="0" smtClean="0"/>
+              <a:t>意味</a:t>
+            </a:r>
+            <a:r>
+              <a:rPr lang="ja-JP" altLang="en-US" sz="1200" dirty="0"/>
+              <a:t>： </a:t>
+            </a:r>
+            <a:r>
+              <a:rPr lang="en-US" altLang="ja-JP" sz="1200" dirty="0" err="1"/>
+              <a:t>nm_dat_b</a:t>
+            </a:r>
+            <a:r>
+              <a:rPr lang="ja-JP" altLang="en-US" sz="1200" dirty="0"/>
+              <a:t>を使い</a:t>
+            </a:r>
+            <a:r>
+              <a:rPr lang="ja-JP" altLang="en-US" sz="1200" dirty="0" smtClean="0"/>
+              <a:t>，</a:t>
+            </a:r>
+            <a:r>
+              <a:rPr lang="en-US" altLang="ja-JP" sz="1200" dirty="0" smtClean="0"/>
+              <a:t>CRCL</a:t>
+            </a:r>
+            <a:r>
+              <a:rPr lang="ja-JP" altLang="en-US" sz="1200" dirty="0" smtClean="0"/>
+              <a:t>のヒストグラムを作成</a:t>
+            </a:r>
+            <a:endParaRPr lang="en-US" altLang="ja-JP" sz="1200" dirty="0"/>
+          </a:p>
+          <a:p>
+            <a:pPr marL="457200" lvl="1" indent="0">
+              <a:buNone/>
+            </a:pPr>
+            <a:r>
+              <a:rPr lang="ja-JP" altLang="en-US" sz="1200" dirty="0"/>
+              <a:t>関数例</a:t>
+            </a:r>
+            <a:r>
+              <a:rPr lang="en-US" altLang="ja-JP" sz="1200" dirty="0"/>
+              <a:t>:  </a:t>
+            </a:r>
+            <a:r>
+              <a:rPr lang="en-US" altLang="ja-JP" sz="1200" dirty="0" err="1"/>
+              <a:t>nm_data_b</a:t>
+            </a:r>
+            <a:r>
+              <a:rPr lang="en-US" altLang="ja-JP" sz="1200" dirty="0"/>
+              <a:t> %&gt;% </a:t>
+            </a:r>
+            <a:r>
+              <a:rPr lang="en-US" altLang="ja-JP" sz="1200" dirty="0" err="1">
+                <a:solidFill>
+                  <a:srgbClr val="0070C0"/>
+                </a:solidFill>
+              </a:rPr>
+              <a:t>ggplot</a:t>
+            </a:r>
+            <a:r>
+              <a:rPr lang="en-US" altLang="ja-JP" sz="1200" dirty="0"/>
+              <a:t>() + </a:t>
+            </a:r>
+            <a:r>
+              <a:rPr lang="en-US" altLang="ja-JP" sz="1200" dirty="0" err="1">
+                <a:solidFill>
+                  <a:srgbClr val="0070C0"/>
+                </a:solidFill>
+              </a:rPr>
+              <a:t>geom_histogram</a:t>
+            </a:r>
+            <a:r>
+              <a:rPr lang="en-US" altLang="ja-JP" sz="1200" dirty="0"/>
+              <a:t>(</a:t>
+            </a:r>
+            <a:r>
+              <a:rPr lang="en-US" altLang="ja-JP" sz="1200" dirty="0" err="1"/>
+              <a:t>aes</a:t>
+            </a:r>
+            <a:r>
+              <a:rPr lang="en-US" altLang="ja-JP" sz="1200" dirty="0"/>
+              <a:t>(x=CRCL, fill=factor(PN)), </a:t>
+            </a:r>
+            <a:r>
+              <a:rPr lang="en-US" altLang="ja-JP" sz="1200" dirty="0" smtClean="0"/>
+              <a:t/>
+            </a:r>
+            <a:br>
+              <a:rPr lang="en-US" altLang="ja-JP" sz="1200" dirty="0" smtClean="0"/>
+            </a:br>
+            <a:r>
+              <a:rPr lang="en-US" altLang="ja-JP" sz="1200" dirty="0" smtClean="0"/>
+              <a:t>position </a:t>
+            </a:r>
+            <a:r>
+              <a:rPr lang="en-US" altLang="ja-JP" sz="1200" dirty="0"/>
+              <a:t>= </a:t>
+            </a:r>
+            <a:r>
+              <a:rPr lang="en-US" altLang="ja-JP" sz="1200" dirty="0" smtClean="0"/>
+              <a:t>“identity”, </a:t>
+            </a:r>
+            <a:r>
+              <a:rPr lang="en-US" altLang="ja-JP" sz="1200" dirty="0"/>
+              <a:t>alpha = 0.5, </a:t>
+            </a:r>
+            <a:r>
+              <a:rPr lang="en-US" altLang="ja-JP" sz="1200" dirty="0" err="1"/>
+              <a:t>binwidth</a:t>
+            </a:r>
+            <a:r>
+              <a:rPr lang="en-US" altLang="ja-JP" sz="1200" dirty="0"/>
+              <a:t> = 10</a:t>
+            </a:r>
+            <a:r>
+              <a:rPr lang="en-US" altLang="ja-JP" sz="1200" dirty="0" smtClean="0"/>
+              <a:t>)</a:t>
+            </a:r>
+            <a:br>
+              <a:rPr lang="en-US" altLang="ja-JP" sz="1200" dirty="0" smtClean="0"/>
+            </a:br>
+            <a:r>
+              <a:rPr lang="ja-JP" altLang="en-US" sz="1200" dirty="0" smtClean="0"/>
+              <a:t>意味</a:t>
+            </a:r>
+            <a:r>
+              <a:rPr lang="ja-JP" altLang="en-US" sz="1200" dirty="0"/>
+              <a:t>： </a:t>
+            </a:r>
+            <a:r>
+              <a:rPr lang="en-US" altLang="ja-JP" sz="1200" dirty="0" err="1"/>
+              <a:t>nm_dat_b</a:t>
+            </a:r>
+            <a:r>
+              <a:rPr lang="ja-JP" altLang="en-US" sz="1200" dirty="0"/>
+              <a:t>を使い</a:t>
+            </a:r>
+            <a:r>
+              <a:rPr lang="ja-JP" altLang="en-US" sz="1200" dirty="0" smtClean="0"/>
+              <a:t>，</a:t>
+            </a:r>
+            <a:r>
+              <a:rPr lang="en-US" altLang="ja-JP" sz="1200" dirty="0" smtClean="0"/>
+              <a:t>PN</a:t>
+            </a:r>
+            <a:r>
+              <a:rPr lang="ja-JP" altLang="en-US" sz="1200" dirty="0" smtClean="0"/>
+              <a:t>で色分けして</a:t>
+            </a:r>
+            <a:r>
+              <a:rPr lang="en-US" altLang="ja-JP" sz="1200" dirty="0" smtClean="0"/>
+              <a:t>CRCL</a:t>
+            </a:r>
+            <a:r>
+              <a:rPr lang="ja-JP" altLang="en-US" sz="1200" dirty="0"/>
+              <a:t>のヒストグラムを作成</a:t>
+            </a:r>
+            <a:endParaRPr lang="en-US" altLang="ja-JP" sz="1200" dirty="0"/>
+          </a:p>
+          <a:p>
+            <a:pPr marL="457200" lvl="1" indent="0">
+              <a:buNone/>
+            </a:pPr>
+            <a:endParaRPr lang="en-US" altLang="ja-JP" sz="1200" dirty="0"/>
           </a:p>
         </p:txBody>
       </p:sp>
@@ -11576,16 +15722,458 @@
           </a:p>
         </p:txBody>
       </p:sp>
+      <p:pic>
+        <p:nvPicPr>
+          <p:cNvPr id="7" name="図 6"/>
+          <p:cNvPicPr>
+            <a:picLocks noChangeAspect="1"/>
+          </p:cNvPicPr>
+          <p:nvPr/>
+        </p:nvPicPr>
+        <p:blipFill>
+          <a:blip r:embed="rId2" cstate="print">
+            <a:extLst>
+              <a:ext uri="{28A0092B-C50C-407E-A947-70E740481C1C}">
+                <a14:useLocalDpi xmlns:a14="http://schemas.microsoft.com/office/drawing/2010/main" val="0"/>
+              </a:ext>
+            </a:extLst>
+          </a:blip>
+          <a:stretch>
+            <a:fillRect/>
+          </a:stretch>
+        </p:blipFill>
+        <p:spPr>
+          <a:xfrm>
+            <a:off x="6862194" y="2207304"/>
+            <a:ext cx="5130743" cy="4104594"/>
+          </a:xfrm>
+          <a:prstGeom prst="rect">
+            <a:avLst/>
+          </a:prstGeom>
+        </p:spPr>
+      </p:pic>
+      <p:pic>
+        <p:nvPicPr>
+          <p:cNvPr id="8" name="図 7"/>
+          <p:cNvPicPr>
+            <a:picLocks noChangeAspect="1"/>
+          </p:cNvPicPr>
+          <p:nvPr/>
+        </p:nvPicPr>
+        <p:blipFill>
+          <a:blip r:embed="rId3" cstate="print">
+            <a:extLst>
+              <a:ext uri="{28A0092B-C50C-407E-A947-70E740481C1C}">
+                <a14:useLocalDpi xmlns:a14="http://schemas.microsoft.com/office/drawing/2010/main" val="0"/>
+              </a:ext>
+            </a:extLst>
+          </a:blip>
+          <a:stretch>
+            <a:fillRect/>
+          </a:stretch>
+        </p:blipFill>
+        <p:spPr>
+          <a:xfrm>
+            <a:off x="6557394" y="2146903"/>
+            <a:ext cx="5281744" cy="4225395"/>
+          </a:xfrm>
+          <a:prstGeom prst="rect">
+            <a:avLst/>
+          </a:prstGeom>
+        </p:spPr>
+      </p:pic>
     </p:spTree>
     <p:extLst>
       <p:ext uri="{BB962C8B-B14F-4D97-AF65-F5344CB8AC3E}">
-        <p14:creationId xmlns:p14="http://schemas.microsoft.com/office/powerpoint/2010/main" val="4008939847"/>
+        <p14:creationId xmlns:p14="http://schemas.microsoft.com/office/powerpoint/2010/main" val="3036620404"/>
       </p:ext>
     </p:extLst>
   </p:cSld>
   <p:clrMapOvr>
     <a:masterClrMapping/>
   </p:clrMapOvr>
+  <p:timing>
+    <p:tnLst>
+      <p:par>
+        <p:cTn id="1" dur="indefinite" restart="never" nodeType="tmRoot">
+          <p:childTnLst>
+            <p:seq concurrent="1" nextAc="seek">
+              <p:cTn id="2" dur="indefinite" nodeType="mainSeq">
+                <p:childTnLst>
+                  <p:par>
+                    <p:cTn id="3" fill="hold">
+                      <p:stCondLst>
+                        <p:cond delay="indefinite"/>
+                      </p:stCondLst>
+                      <p:childTnLst>
+                        <p:par>
+                          <p:cTn id="4" fill="hold">
+                            <p:stCondLst>
+                              <p:cond delay="0"/>
+                            </p:stCondLst>
+                            <p:childTnLst>
+                              <p:par>
+                                <p:cTn id="5" presetID="1" presetClass="entr" presetSubtype="0" fill="hold" nodeType="clickEffect">
+                                  <p:stCondLst>
+                                    <p:cond delay="0"/>
+                                  </p:stCondLst>
+                                  <p:childTnLst>
+                                    <p:set>
+                                      <p:cBhvr>
+                                        <p:cTn id="6" dur="1" fill="hold">
+                                          <p:stCondLst>
+                                            <p:cond delay="0"/>
+                                          </p:stCondLst>
+                                        </p:cTn>
+                                        <p:tgtEl>
+                                          <p:spTgt spid="7"/>
+                                        </p:tgtEl>
+                                        <p:attrNameLst>
+                                          <p:attrName>style.visibility</p:attrName>
+                                        </p:attrNameLst>
+                                      </p:cBhvr>
+                                      <p:to>
+                                        <p:strVal val="visible"/>
+                                      </p:to>
+                                    </p:set>
+                                  </p:childTnLst>
+                                </p:cTn>
+                              </p:par>
+                            </p:childTnLst>
+                          </p:cTn>
+                        </p:par>
+                      </p:childTnLst>
+                    </p:cTn>
+                  </p:par>
+                  <p:par>
+                    <p:cTn id="7" fill="hold">
+                      <p:stCondLst>
+                        <p:cond delay="indefinite"/>
+                      </p:stCondLst>
+                      <p:childTnLst>
+                        <p:par>
+                          <p:cTn id="8" fill="hold">
+                            <p:stCondLst>
+                              <p:cond delay="0"/>
+                            </p:stCondLst>
+                            <p:childTnLst>
+                              <p:par>
+                                <p:cTn id="9" presetID="1" presetClass="entr" presetSubtype="0" fill="hold" nodeType="clickEffect">
+                                  <p:stCondLst>
+                                    <p:cond delay="0"/>
+                                  </p:stCondLst>
+                                  <p:childTnLst>
+                                    <p:set>
+                                      <p:cBhvr>
+                                        <p:cTn id="10" dur="1" fill="hold">
+                                          <p:stCondLst>
+                                            <p:cond delay="0"/>
+                                          </p:stCondLst>
+                                        </p:cTn>
+                                        <p:tgtEl>
+                                          <p:spTgt spid="3">
+                                            <p:txEl>
+                                              <p:pRg st="4" end="4"/>
+                                            </p:txEl>
+                                          </p:spTgt>
+                                        </p:tgtEl>
+                                        <p:attrNameLst>
+                                          <p:attrName>style.visibility</p:attrName>
+                                        </p:attrNameLst>
+                                      </p:cBhvr>
+                                      <p:to>
+                                        <p:strVal val="visible"/>
+                                      </p:to>
+                                    </p:set>
+                                  </p:childTnLst>
+                                </p:cTn>
+                              </p:par>
+                              <p:par>
+                                <p:cTn id="11" presetID="1" presetClass="entr" presetSubtype="0" fill="hold" nodeType="withEffect">
+                                  <p:stCondLst>
+                                    <p:cond delay="0"/>
+                                  </p:stCondLst>
+                                  <p:childTnLst>
+                                    <p:set>
+                                      <p:cBhvr>
+                                        <p:cTn id="12" dur="1" fill="hold">
+                                          <p:stCondLst>
+                                            <p:cond delay="0"/>
+                                          </p:stCondLst>
+                                        </p:cTn>
+                                        <p:tgtEl>
+                                          <p:spTgt spid="3">
+                                            <p:txEl>
+                                              <p:pRg st="5" end="5"/>
+                                            </p:txEl>
+                                          </p:spTgt>
+                                        </p:tgtEl>
+                                        <p:attrNameLst>
+                                          <p:attrName>style.visibility</p:attrName>
+                                        </p:attrNameLst>
+                                      </p:cBhvr>
+                                      <p:to>
+                                        <p:strVal val="visible"/>
+                                      </p:to>
+                                    </p:set>
+                                  </p:childTnLst>
+                                </p:cTn>
+                              </p:par>
+                              <p:par>
+                                <p:cTn id="13" presetID="1" presetClass="entr" presetSubtype="0" fill="hold" nodeType="withEffect">
+                                  <p:stCondLst>
+                                    <p:cond delay="0"/>
+                                  </p:stCondLst>
+                                  <p:childTnLst>
+                                    <p:set>
+                                      <p:cBhvr>
+                                        <p:cTn id="14" dur="1" fill="hold">
+                                          <p:stCondLst>
+                                            <p:cond delay="0"/>
+                                          </p:stCondLst>
+                                        </p:cTn>
+                                        <p:tgtEl>
+                                          <p:spTgt spid="3">
+                                            <p:txEl>
+                                              <p:pRg st="6" end="6"/>
+                                            </p:txEl>
+                                          </p:spTgt>
+                                        </p:tgtEl>
+                                        <p:attrNameLst>
+                                          <p:attrName>style.visibility</p:attrName>
+                                        </p:attrNameLst>
+                                      </p:cBhvr>
+                                      <p:to>
+                                        <p:strVal val="visible"/>
+                                      </p:to>
+                                    </p:set>
+                                  </p:childTnLst>
+                                </p:cTn>
+                              </p:par>
+                              <p:par>
+                                <p:cTn id="15" presetID="1" presetClass="entr" presetSubtype="0" fill="hold" nodeType="withEffect">
+                                  <p:stCondLst>
+                                    <p:cond delay="0"/>
+                                  </p:stCondLst>
+                                  <p:childTnLst>
+                                    <p:set>
+                                      <p:cBhvr>
+                                        <p:cTn id="16" dur="1" fill="hold">
+                                          <p:stCondLst>
+                                            <p:cond delay="0"/>
+                                          </p:stCondLst>
+                                        </p:cTn>
+                                        <p:tgtEl>
+                                          <p:spTgt spid="3">
+                                            <p:txEl>
+                                              <p:pRg st="7" end="7"/>
+                                            </p:txEl>
+                                          </p:spTgt>
+                                        </p:tgtEl>
+                                        <p:attrNameLst>
+                                          <p:attrName>style.visibility</p:attrName>
+                                        </p:attrNameLst>
+                                      </p:cBhvr>
+                                      <p:to>
+                                        <p:strVal val="visible"/>
+                                      </p:to>
+                                    </p:set>
+                                  </p:childTnLst>
+                                </p:cTn>
+                              </p:par>
+                              <p:par>
+                                <p:cTn id="17" presetID="1" presetClass="entr" presetSubtype="0" fill="hold" nodeType="withEffect">
+                                  <p:stCondLst>
+                                    <p:cond delay="0"/>
+                                  </p:stCondLst>
+                                  <p:childTnLst>
+                                    <p:set>
+                                      <p:cBhvr>
+                                        <p:cTn id="18" dur="1" fill="hold">
+                                          <p:stCondLst>
+                                            <p:cond delay="0"/>
+                                          </p:stCondLst>
+                                        </p:cTn>
+                                        <p:tgtEl>
+                                          <p:spTgt spid="3">
+                                            <p:txEl>
+                                              <p:pRg st="8" end="8"/>
+                                            </p:txEl>
+                                          </p:spTgt>
+                                        </p:tgtEl>
+                                        <p:attrNameLst>
+                                          <p:attrName>style.visibility</p:attrName>
+                                        </p:attrNameLst>
+                                      </p:cBhvr>
+                                      <p:to>
+                                        <p:strVal val="visible"/>
+                                      </p:to>
+                                    </p:set>
+                                  </p:childTnLst>
+                                </p:cTn>
+                              </p:par>
+                              <p:par>
+                                <p:cTn id="19" presetID="1" presetClass="entr" presetSubtype="0" fill="hold" nodeType="withEffect">
+                                  <p:stCondLst>
+                                    <p:cond delay="0"/>
+                                  </p:stCondLst>
+                                  <p:childTnLst>
+                                    <p:set>
+                                      <p:cBhvr>
+                                        <p:cTn id="20" dur="1" fill="hold">
+                                          <p:stCondLst>
+                                            <p:cond delay="0"/>
+                                          </p:stCondLst>
+                                        </p:cTn>
+                                        <p:tgtEl>
+                                          <p:spTgt spid="3">
+                                            <p:txEl>
+                                              <p:pRg st="9" end="9"/>
+                                            </p:txEl>
+                                          </p:spTgt>
+                                        </p:tgtEl>
+                                        <p:attrNameLst>
+                                          <p:attrName>style.visibility</p:attrName>
+                                        </p:attrNameLst>
+                                      </p:cBhvr>
+                                      <p:to>
+                                        <p:strVal val="visible"/>
+                                      </p:to>
+                                    </p:set>
+                                  </p:childTnLst>
+                                </p:cTn>
+                              </p:par>
+                              <p:par>
+                                <p:cTn id="21" presetID="1" presetClass="exit" presetSubtype="0" fill="hold" nodeType="withEffect">
+                                  <p:stCondLst>
+                                    <p:cond delay="0"/>
+                                  </p:stCondLst>
+                                  <p:childTnLst>
+                                    <p:set>
+                                      <p:cBhvr>
+                                        <p:cTn id="22" dur="1" fill="hold">
+                                          <p:stCondLst>
+                                            <p:cond delay="0"/>
+                                          </p:stCondLst>
+                                        </p:cTn>
+                                        <p:tgtEl>
+                                          <p:spTgt spid="7"/>
+                                        </p:tgtEl>
+                                        <p:attrNameLst>
+                                          <p:attrName>style.visibility</p:attrName>
+                                        </p:attrNameLst>
+                                      </p:cBhvr>
+                                      <p:to>
+                                        <p:strVal val="hidden"/>
+                                      </p:to>
+                                    </p:set>
+                                  </p:childTnLst>
+                                </p:cTn>
+                              </p:par>
+                            </p:childTnLst>
+                          </p:cTn>
+                        </p:par>
+                      </p:childTnLst>
+                    </p:cTn>
+                  </p:par>
+                  <p:par>
+                    <p:cTn id="23" fill="hold">
+                      <p:stCondLst>
+                        <p:cond delay="indefinite"/>
+                      </p:stCondLst>
+                      <p:childTnLst>
+                        <p:par>
+                          <p:cTn id="24" fill="hold">
+                            <p:stCondLst>
+                              <p:cond delay="0"/>
+                            </p:stCondLst>
+                            <p:childTnLst>
+                              <p:par>
+                                <p:cTn id="25" presetID="1" presetClass="entr" presetSubtype="0" fill="hold" nodeType="clickEffect">
+                                  <p:stCondLst>
+                                    <p:cond delay="0"/>
+                                  </p:stCondLst>
+                                  <p:childTnLst>
+                                    <p:set>
+                                      <p:cBhvr>
+                                        <p:cTn id="26" dur="1" fill="hold">
+                                          <p:stCondLst>
+                                            <p:cond delay="0"/>
+                                          </p:stCondLst>
+                                        </p:cTn>
+                                        <p:tgtEl>
+                                          <p:spTgt spid="3">
+                                            <p:txEl>
+                                              <p:pRg st="10" end="10"/>
+                                            </p:txEl>
+                                          </p:spTgt>
+                                        </p:tgtEl>
+                                        <p:attrNameLst>
+                                          <p:attrName>style.visibility</p:attrName>
+                                        </p:attrNameLst>
+                                      </p:cBhvr>
+                                      <p:to>
+                                        <p:strVal val="visible"/>
+                                      </p:to>
+                                    </p:set>
+                                  </p:childTnLst>
+                                </p:cTn>
+                              </p:par>
+                              <p:par>
+                                <p:cTn id="27" presetID="1" presetClass="entr" presetSubtype="0" fill="hold" nodeType="withEffect">
+                                  <p:stCondLst>
+                                    <p:cond delay="0"/>
+                                  </p:stCondLst>
+                                  <p:childTnLst>
+                                    <p:set>
+                                      <p:cBhvr>
+                                        <p:cTn id="28" dur="1" fill="hold">
+                                          <p:stCondLst>
+                                            <p:cond delay="0"/>
+                                          </p:stCondLst>
+                                        </p:cTn>
+                                        <p:tgtEl>
+                                          <p:spTgt spid="8"/>
+                                        </p:tgtEl>
+                                        <p:attrNameLst>
+                                          <p:attrName>style.visibility</p:attrName>
+                                        </p:attrNameLst>
+                                      </p:cBhvr>
+                                      <p:to>
+                                        <p:strVal val="visible"/>
+                                      </p:to>
+                                    </p:set>
+                                  </p:childTnLst>
+                                </p:cTn>
+                              </p:par>
+                            </p:childTnLst>
+                          </p:cTn>
+                        </p:par>
+                      </p:childTnLst>
+                    </p:cTn>
+                  </p:par>
+                </p:childTnLst>
+              </p:cTn>
+              <p:prevCondLst>
+                <p:cond evt="onPrev" delay="0">
+                  <p:tgtEl>
+                    <p:sldTgt/>
+                  </p:tgtEl>
+                </p:cond>
+              </p:prevCondLst>
+              <p:nextCondLst>
+                <p:cond evt="onNext" delay="0">
+                  <p:tgtEl>
+                    <p:sldTgt/>
+                  </p:tgtEl>
+                </p:cond>
+              </p:nextCondLst>
+            </p:seq>
+          </p:childTnLst>
+        </p:cTn>
+      </p:par>
+    </p:tnLst>
+  </p:timing>
 </p:sld>
 </file>
 
@@ -11622,37 +16210,8 @@
           <a:lstStyle/>
           <a:p>
             <a:r>
-              <a:rPr lang="ja-JP" altLang="en-US" b="1" dirty="0">
-                <a:solidFill>
-                  <a:schemeClr val="tx1">
-                    <a:lumMod val="50000"/>
-                    <a:lumOff val="50000"/>
-                  </a:schemeClr>
-                </a:solidFill>
-              </a:rPr>
-              <a:t>箱</a:t>
-            </a:r>
-            <a:r>
-              <a:rPr lang="ja-JP" altLang="en-US" b="1" dirty="0" err="1">
-                <a:solidFill>
-                  <a:schemeClr val="tx1">
-                    <a:lumMod val="50000"/>
-                    <a:lumOff val="50000"/>
-                  </a:schemeClr>
-                </a:solidFill>
-              </a:rPr>
-              <a:t>ひげ</a:t>
-            </a:r>
-            <a:r>
-              <a:rPr lang="ja-JP" altLang="en-US" b="1" dirty="0">
-                <a:solidFill>
-                  <a:schemeClr val="tx1">
-                    <a:lumMod val="50000"/>
-                    <a:lumOff val="50000"/>
-                  </a:schemeClr>
-                </a:solidFill>
-              </a:rPr>
-              <a:t>図の作成</a:t>
+              <a:rPr lang="en-US" altLang="ja-JP" dirty="0" smtClean="0"/>
+              <a:t>Formatting</a:t>
             </a:r>
             <a:r>
               <a:rPr lang="en-US" altLang="ja-JP" dirty="0"/>
@@ -11662,14 +16221,54 @@
               <a:rPr lang="en-US" altLang="ja-JP" dirty="0"/>
             </a:br>
             <a:r>
-              <a:rPr lang="en-US" altLang="ja-JP" dirty="0" err="1">
+              <a:rPr lang="en-US" altLang="ja-JP" dirty="0" err="1" smtClean="0">
                 <a:solidFill>
                   <a:srgbClr val="0070C0"/>
                 </a:solidFill>
               </a:rPr>
-              <a:t>geom_boxplot</a:t>
-            </a:r>
-            <a:endParaRPr kumimoji="1" lang="ja-JP" altLang="en-US" dirty="0"/>
+              <a:t>xlab</a:t>
+            </a:r>
+            <a:r>
+              <a:rPr lang="en-US" altLang="ja-JP" dirty="0" smtClean="0"/>
+              <a:t>, </a:t>
+            </a:r>
+            <a:r>
+              <a:rPr lang="en-US" altLang="ja-JP" dirty="0" err="1" smtClean="0">
+                <a:solidFill>
+                  <a:srgbClr val="0070C0"/>
+                </a:solidFill>
+              </a:rPr>
+              <a:t>ylab</a:t>
+            </a:r>
+            <a:r>
+              <a:rPr lang="en-US" altLang="ja-JP" dirty="0" smtClean="0"/>
+              <a:t>, </a:t>
+            </a:r>
+            <a:r>
+              <a:rPr lang="en-US" altLang="ja-JP" dirty="0" err="1" smtClean="0">
+                <a:solidFill>
+                  <a:srgbClr val="0070C0"/>
+                </a:solidFill>
+              </a:rPr>
+              <a:t>ggtitle</a:t>
+            </a:r>
+            <a:r>
+              <a:rPr lang="en-US" altLang="ja-JP" dirty="0" smtClean="0"/>
+              <a:t>, </a:t>
+            </a:r>
+            <a:r>
+              <a:rPr lang="en-US" altLang="ja-JP" dirty="0" smtClean="0">
+                <a:solidFill>
+                  <a:srgbClr val="0070C0"/>
+                </a:solidFill>
+              </a:rPr>
+              <a:t>theme</a:t>
+            </a:r>
+            <a:endParaRPr kumimoji="1" lang="ja-JP" altLang="en-US" dirty="0">
+              <a:solidFill>
+                <a:srgbClr val="0070C0"/>
+              </a:solidFill>
+            </a:endParaRPr>
           </a:p>
         </p:txBody>
       </p:sp>
@@ -11685,10 +16284,518 @@
         </p:nvSpPr>
         <p:spPr/>
         <p:txBody>
-          <a:bodyPr/>
+          <a:bodyPr>
+            <a:normAutofit fontScale="85000" lnSpcReduction="20000"/>
+          </a:bodyPr>
           <a:lstStyle/>
           <a:p>
-            <a:endParaRPr kumimoji="1" lang="ja-JP" altLang="en-US"/>
+            <a:r>
+              <a:rPr kumimoji="1" lang="en-US" altLang="ja-JP" dirty="0" err="1" smtClean="0">
+                <a:solidFill>
+                  <a:srgbClr val="0070C0"/>
+                </a:solidFill>
+              </a:rPr>
+              <a:t>xlab</a:t>
+            </a:r>
+            <a:r>
+              <a:rPr kumimoji="1" lang="en-US" altLang="ja-JP" dirty="0" smtClean="0"/>
+              <a:t>: x</a:t>
+            </a:r>
+            <a:r>
+              <a:rPr kumimoji="1" lang="ja-JP" altLang="en-US" dirty="0" smtClean="0"/>
+              <a:t>の軸名，</a:t>
+            </a:r>
+            <a:r>
+              <a:rPr lang="en-US" altLang="ja-JP" dirty="0" err="1" smtClean="0">
+                <a:solidFill>
+                  <a:srgbClr val="0070C0"/>
+                </a:solidFill>
+              </a:rPr>
+              <a:t>ylab</a:t>
+            </a:r>
+            <a:r>
+              <a:rPr lang="en-US" altLang="ja-JP" dirty="0" smtClean="0"/>
+              <a:t>: y</a:t>
+            </a:r>
+            <a:r>
+              <a:rPr lang="ja-JP" altLang="en-US" dirty="0" smtClean="0"/>
+              <a:t>の軸名</a:t>
+            </a:r>
+            <a:endParaRPr lang="en-US" altLang="ja-JP" dirty="0" smtClean="0"/>
+          </a:p>
+          <a:p>
+            <a:r>
+              <a:rPr kumimoji="1" lang="en-US" altLang="ja-JP" dirty="0" err="1" smtClean="0">
+                <a:solidFill>
+                  <a:srgbClr val="0070C0"/>
+                </a:solidFill>
+              </a:rPr>
+              <a:t>ggtitle</a:t>
+            </a:r>
+            <a:r>
+              <a:rPr kumimoji="1" lang="en-US" altLang="ja-JP" dirty="0" smtClean="0"/>
+              <a:t>: </a:t>
+            </a:r>
+            <a:r>
+              <a:rPr lang="ja-JP" altLang="en-US" dirty="0" smtClean="0"/>
+              <a:t>プロットのタイトル</a:t>
+            </a:r>
+            <a:endParaRPr lang="en-US" altLang="ja-JP" dirty="0" smtClean="0"/>
+          </a:p>
+          <a:p>
+            <a:r>
+              <a:rPr kumimoji="1" lang="en-US" altLang="ja-JP" dirty="0" smtClean="0">
+                <a:solidFill>
+                  <a:srgbClr val="0070C0"/>
+                </a:solidFill>
+              </a:rPr>
+              <a:t>theme</a:t>
+            </a:r>
+            <a:r>
+              <a:rPr kumimoji="1" lang="en-US" altLang="ja-JP" dirty="0" smtClean="0"/>
+              <a:t>: </a:t>
+            </a:r>
+            <a:r>
+              <a:rPr kumimoji="1" lang="ja-JP" altLang="en-US" dirty="0" smtClean="0"/>
+              <a:t>フォントサイズ等の設定</a:t>
+            </a:r>
+            <a:endParaRPr kumimoji="1" lang="en-US" altLang="ja-JP" dirty="0" smtClean="0"/>
+          </a:p>
+          <a:p>
+            <a:pPr marL="457200" lvl="1" indent="0">
+              <a:buNone/>
+            </a:pPr>
+            <a:r>
+              <a:rPr lang="ja-JP" altLang="en-US" sz="1200" dirty="0" smtClean="0"/>
+              <a:t>関数例：</a:t>
+            </a:r>
+            <a:endParaRPr lang="en-US" altLang="ja-JP" sz="1200" dirty="0" smtClean="0"/>
+          </a:p>
+          <a:p>
+            <a:pPr marL="457200" lvl="1" indent="0">
+              <a:buNone/>
+            </a:pPr>
+            <a:r>
+              <a:rPr lang="en-US" altLang="ja-JP" sz="1200" dirty="0" err="1" smtClean="0"/>
+              <a:t>ggplot</a:t>
+            </a:r>
+            <a:r>
+              <a:rPr lang="en-US" altLang="ja-JP" sz="1200" dirty="0" smtClean="0"/>
+              <a:t>(data=nm_data_p2</a:t>
+            </a:r>
+            <a:r>
+              <a:rPr lang="en-US" altLang="ja-JP" sz="1200" dirty="0"/>
+              <a:t>, </a:t>
+            </a:r>
+            <a:r>
+              <a:rPr lang="en-US" altLang="ja-JP" sz="1200" dirty="0" err="1"/>
+              <a:t>aes</a:t>
+            </a:r>
+            <a:r>
+              <a:rPr lang="en-US" altLang="ja-JP" sz="1200" dirty="0"/>
+              <a:t>(x=TIME, y=CONC, </a:t>
+            </a:r>
+            <a:r>
+              <a:rPr lang="en-US" altLang="ja-JP" sz="1200" dirty="0" err="1"/>
+              <a:t>colour</a:t>
+            </a:r>
+            <a:r>
+              <a:rPr lang="en-US" altLang="ja-JP" sz="1200" dirty="0"/>
+              <a:t>=factor(MALE))) + </a:t>
+            </a:r>
+            <a:r>
+              <a:rPr lang="en-US" altLang="ja-JP" sz="1200" dirty="0" err="1"/>
+              <a:t>geom_line</a:t>
+            </a:r>
+            <a:r>
+              <a:rPr lang="en-US" altLang="ja-JP" sz="1200" dirty="0"/>
+              <a:t>(</a:t>
+            </a:r>
+            <a:r>
+              <a:rPr lang="en-US" altLang="ja-JP" sz="1200" dirty="0" err="1"/>
+              <a:t>aes</a:t>
+            </a:r>
+            <a:r>
+              <a:rPr lang="en-US" altLang="ja-JP" sz="1200" dirty="0"/>
+              <a:t>(group=ID)) + </a:t>
+            </a:r>
+            <a:r>
+              <a:rPr lang="en-US" altLang="ja-JP" sz="1200" dirty="0" err="1"/>
+              <a:t>facet_grid</a:t>
+            </a:r>
+            <a:r>
+              <a:rPr lang="en-US" altLang="ja-JP" sz="1200" dirty="0"/>
+              <a:t>(DRUG~MALE, scales="free") + </a:t>
+            </a:r>
+          </a:p>
+          <a:p>
+            <a:pPr marL="457200" lvl="1" indent="0">
+              <a:buNone/>
+            </a:pPr>
+            <a:r>
+              <a:rPr lang="en-US" altLang="ja-JP" sz="1200" dirty="0"/>
+              <a:t>  </a:t>
+            </a:r>
+            <a:r>
+              <a:rPr lang="en-US" altLang="ja-JP" sz="1200" dirty="0" err="1"/>
+              <a:t>xlab</a:t>
+            </a:r>
+            <a:r>
+              <a:rPr lang="en-US" altLang="ja-JP" sz="1200" dirty="0"/>
+              <a:t>("Time after dose(</a:t>
+            </a:r>
+            <a:r>
+              <a:rPr lang="en-US" altLang="ja-JP" sz="1200" dirty="0" err="1"/>
+              <a:t>hr</a:t>
+            </a:r>
+            <a:r>
+              <a:rPr lang="en-US" altLang="ja-JP" sz="1200" dirty="0"/>
+              <a:t>)") + </a:t>
+            </a:r>
+            <a:r>
+              <a:rPr lang="en-US" altLang="ja-JP" sz="1200" dirty="0" err="1"/>
+              <a:t>ylab</a:t>
+            </a:r>
+            <a:r>
+              <a:rPr lang="en-US" altLang="ja-JP" sz="1200" dirty="0"/>
+              <a:t>("Plasma Concentration (ng/mL)") +</a:t>
+            </a:r>
+          </a:p>
+          <a:p>
+            <a:pPr marL="457200" lvl="1" indent="0">
+              <a:buNone/>
+            </a:pPr>
+            <a:r>
+              <a:rPr lang="en-US" altLang="ja-JP" sz="1200" dirty="0"/>
+              <a:t>  </a:t>
+            </a:r>
+            <a:r>
+              <a:rPr lang="en-US" altLang="ja-JP" sz="1200" dirty="0" err="1"/>
+              <a:t>scale_x_continuous</a:t>
+            </a:r>
+            <a:r>
+              <a:rPr lang="en-US" altLang="ja-JP" sz="1200" dirty="0"/>
+              <a:t>(breaks = </a:t>
+            </a:r>
+            <a:r>
+              <a:rPr lang="en-US" altLang="ja-JP" sz="1200" dirty="0" err="1"/>
+              <a:t>seq</a:t>
+            </a:r>
+            <a:r>
+              <a:rPr lang="en-US" altLang="ja-JP" sz="1200" dirty="0"/>
+              <a:t>(0, 10, by=2)) + </a:t>
+            </a:r>
+          </a:p>
+          <a:p>
+            <a:pPr marL="457200" lvl="1" indent="0">
+              <a:buNone/>
+            </a:pPr>
+            <a:r>
+              <a:rPr lang="en-US" altLang="ja-JP" sz="1200" dirty="0"/>
+              <a:t>  </a:t>
+            </a:r>
+            <a:r>
+              <a:rPr lang="en-US" altLang="ja-JP" sz="1200" dirty="0" err="1"/>
+              <a:t>scale_colour_discrete</a:t>
+            </a:r>
+            <a:r>
+              <a:rPr lang="en-US" altLang="ja-JP" sz="1200" dirty="0"/>
+              <a:t>(name = "Sex (0=Female, 1=Male)") +</a:t>
+            </a:r>
+          </a:p>
+          <a:p>
+            <a:pPr marL="457200" lvl="1" indent="0">
+              <a:buNone/>
+            </a:pPr>
+            <a:r>
+              <a:rPr lang="en-US" altLang="ja-JP" sz="1200" dirty="0"/>
+              <a:t>  </a:t>
+            </a:r>
+            <a:r>
+              <a:rPr lang="en-US" altLang="ja-JP" sz="1200" dirty="0" err="1"/>
+              <a:t>ggtitle</a:t>
+            </a:r>
+            <a:r>
+              <a:rPr lang="en-US" altLang="ja-JP" sz="1200" dirty="0"/>
+              <a:t>("Plasma Concentration Profiles by Sex", subtitle = "Only PN=19 data used") +</a:t>
+            </a:r>
+          </a:p>
+          <a:p>
+            <a:pPr marL="457200" lvl="1" indent="0">
+              <a:buNone/>
+            </a:pPr>
+            <a:r>
+              <a:rPr lang="en-US" altLang="ja-JP" sz="1200" dirty="0"/>
+              <a:t>  labs(caption = paste0("Y panel: 1=</a:t>
+            </a:r>
+            <a:r>
+              <a:rPr lang="en-US" altLang="ja-JP" sz="1200" dirty="0" err="1"/>
+              <a:t>Imipenem</a:t>
+            </a:r>
+            <a:r>
+              <a:rPr lang="en-US" altLang="ja-JP" sz="1200" dirty="0"/>
+              <a:t>, 2=MK7655, X panel: 0=Female, 1=Male\n",</a:t>
+            </a:r>
+          </a:p>
+          <a:p>
+            <a:pPr marL="457200" lvl="1" indent="0">
+              <a:buNone/>
+            </a:pPr>
+            <a:r>
+              <a:rPr lang="en-US" altLang="ja-JP" sz="1200" dirty="0"/>
+              <a:t>                        "Source: ", path, "/Data/PSP4-8-748-s012.csv</a:t>
+            </a:r>
+            <a:r>
+              <a:rPr lang="en-US" altLang="ja-JP" sz="1200" dirty="0" smtClean="0"/>
+              <a:t>" )) </a:t>
+            </a:r>
+            <a:r>
+              <a:rPr lang="en-US" altLang="ja-JP" sz="1200" dirty="0"/>
+              <a:t>+</a:t>
+            </a:r>
+          </a:p>
+          <a:p>
+            <a:pPr marL="457200" lvl="1" indent="0">
+              <a:buNone/>
+            </a:pPr>
+            <a:r>
+              <a:rPr lang="en-US" altLang="ja-JP" sz="1200" dirty="0"/>
+              <a:t>  </a:t>
+            </a:r>
+            <a:r>
+              <a:rPr lang="en-US" altLang="ja-JP" sz="1200" dirty="0" err="1"/>
+              <a:t>theme_bw</a:t>
+            </a:r>
+            <a:r>
+              <a:rPr lang="en-US" altLang="ja-JP" sz="1200" dirty="0"/>
+              <a:t>() +</a:t>
+            </a:r>
+          </a:p>
+          <a:p>
+            <a:pPr marL="457200" lvl="1" indent="0">
+              <a:buNone/>
+            </a:pPr>
+            <a:r>
+              <a:rPr lang="en-US" altLang="ja-JP" sz="1200" dirty="0"/>
+              <a:t>  theme(</a:t>
+            </a:r>
+            <a:r>
+              <a:rPr lang="en-US" altLang="ja-JP" sz="1200" dirty="0" err="1"/>
+              <a:t>axis.text</a:t>
+            </a:r>
+            <a:r>
+              <a:rPr lang="en-US" altLang="ja-JP" sz="1200" dirty="0"/>
+              <a:t>= </a:t>
+            </a:r>
+            <a:r>
+              <a:rPr lang="en-US" altLang="ja-JP" sz="1200" dirty="0" err="1"/>
+              <a:t>element_text</a:t>
+            </a:r>
+            <a:r>
+              <a:rPr lang="en-US" altLang="ja-JP" sz="1200" dirty="0"/>
+              <a:t>(size=10),</a:t>
+            </a:r>
+          </a:p>
+          <a:p>
+            <a:pPr marL="457200" lvl="1" indent="0">
+              <a:buNone/>
+            </a:pPr>
+            <a:r>
+              <a:rPr lang="en-US" altLang="ja-JP" sz="1200" dirty="0"/>
+              <a:t>        </a:t>
+            </a:r>
+            <a:r>
+              <a:rPr lang="en-US" altLang="ja-JP" sz="1200" dirty="0" err="1"/>
+              <a:t>legend.title</a:t>
+            </a:r>
+            <a:r>
+              <a:rPr lang="en-US" altLang="ja-JP" sz="1200" dirty="0"/>
+              <a:t> = </a:t>
+            </a:r>
+            <a:r>
+              <a:rPr lang="en-US" altLang="ja-JP" sz="1200" dirty="0" err="1"/>
+              <a:t>element_text</a:t>
+            </a:r>
+            <a:r>
+              <a:rPr lang="en-US" altLang="ja-JP" sz="1200" dirty="0"/>
+              <a:t>(size=10),</a:t>
+            </a:r>
+          </a:p>
+          <a:p>
+            <a:pPr marL="457200" lvl="1" indent="0">
+              <a:buNone/>
+            </a:pPr>
+            <a:r>
+              <a:rPr lang="en-US" altLang="ja-JP" sz="1200" dirty="0"/>
+              <a:t>        </a:t>
+            </a:r>
+            <a:r>
+              <a:rPr lang="en-US" altLang="ja-JP" sz="1200" dirty="0" err="1"/>
+              <a:t>legend.text</a:t>
+            </a:r>
+            <a:r>
+              <a:rPr lang="en-US" altLang="ja-JP" sz="1200" dirty="0"/>
+              <a:t> = </a:t>
+            </a:r>
+            <a:r>
+              <a:rPr lang="en-US" altLang="ja-JP" sz="1200" dirty="0" err="1"/>
+              <a:t>element_text</a:t>
+            </a:r>
+            <a:r>
+              <a:rPr lang="en-US" altLang="ja-JP" sz="1200" dirty="0"/>
+              <a:t>(size=10),</a:t>
+            </a:r>
+          </a:p>
+          <a:p>
+            <a:pPr marL="457200" lvl="1" indent="0">
+              <a:buNone/>
+            </a:pPr>
+            <a:r>
+              <a:rPr lang="en-US" altLang="ja-JP" sz="1200" dirty="0"/>
+              <a:t>        </a:t>
+            </a:r>
+            <a:r>
+              <a:rPr lang="en-US" altLang="ja-JP" sz="1200" dirty="0" err="1"/>
+              <a:t>legend.key.size</a:t>
+            </a:r>
+            <a:r>
+              <a:rPr lang="en-US" altLang="ja-JP" sz="1200" dirty="0"/>
+              <a:t> = unit(0.3, "cm"),</a:t>
+            </a:r>
+          </a:p>
+          <a:p>
+            <a:pPr marL="457200" lvl="1" indent="0">
+              <a:buNone/>
+            </a:pPr>
+            <a:r>
+              <a:rPr lang="en-US" altLang="ja-JP" sz="1200" dirty="0"/>
+              <a:t>        </a:t>
+            </a:r>
+            <a:r>
+              <a:rPr lang="en-US" altLang="ja-JP" sz="1200" dirty="0" err="1"/>
+              <a:t>plot.title</a:t>
+            </a:r>
+            <a:r>
+              <a:rPr lang="en-US" altLang="ja-JP" sz="1200" dirty="0"/>
+              <a:t>= </a:t>
+            </a:r>
+            <a:r>
+              <a:rPr lang="en-US" altLang="ja-JP" sz="1200" dirty="0" err="1"/>
+              <a:t>element_text</a:t>
+            </a:r>
+            <a:r>
+              <a:rPr lang="en-US" altLang="ja-JP" sz="1200" dirty="0"/>
+              <a:t>(size=15, face="bold"),</a:t>
+            </a:r>
+          </a:p>
+          <a:p>
+            <a:pPr marL="457200" lvl="1" indent="0">
+              <a:buNone/>
+            </a:pPr>
+            <a:r>
+              <a:rPr lang="en-US" altLang="ja-JP" sz="1200" dirty="0"/>
+              <a:t>        </a:t>
+            </a:r>
+            <a:r>
+              <a:rPr lang="en-US" altLang="ja-JP" sz="1200" dirty="0" err="1"/>
+              <a:t>plot.subtitle</a:t>
+            </a:r>
+            <a:r>
+              <a:rPr lang="en-US" altLang="ja-JP" sz="1200" dirty="0"/>
+              <a:t> = </a:t>
+            </a:r>
+            <a:r>
+              <a:rPr lang="en-US" altLang="ja-JP" sz="1200" dirty="0" err="1"/>
+              <a:t>element_text</a:t>
+            </a:r>
+            <a:r>
+              <a:rPr lang="en-US" altLang="ja-JP" sz="1200" dirty="0"/>
+              <a:t>(size=10),</a:t>
+            </a:r>
+          </a:p>
+          <a:p>
+            <a:pPr marL="457200" lvl="1" indent="0">
+              <a:buNone/>
+            </a:pPr>
+            <a:r>
+              <a:rPr lang="en-US" altLang="ja-JP" sz="1200" dirty="0"/>
+              <a:t>        </a:t>
+            </a:r>
+            <a:r>
+              <a:rPr lang="en-US" altLang="ja-JP" sz="1200" dirty="0" err="1"/>
+              <a:t>plot.caption</a:t>
+            </a:r>
+            <a:r>
+              <a:rPr lang="en-US" altLang="ja-JP" sz="1200" dirty="0"/>
+              <a:t> = </a:t>
+            </a:r>
+            <a:r>
+              <a:rPr lang="en-US" altLang="ja-JP" sz="1200" dirty="0" err="1"/>
+              <a:t>element_text</a:t>
+            </a:r>
+            <a:r>
+              <a:rPr lang="en-US" altLang="ja-JP" sz="1200" dirty="0"/>
+              <a:t>(size=8, </a:t>
+            </a:r>
+            <a:r>
+              <a:rPr lang="en-US" altLang="ja-JP" sz="1200" dirty="0" err="1"/>
+              <a:t>colour</a:t>
+            </a:r>
+            <a:r>
+              <a:rPr lang="en-US" altLang="ja-JP" sz="1200" dirty="0"/>
+              <a:t>="black", </a:t>
+            </a:r>
+            <a:r>
+              <a:rPr lang="en-US" altLang="ja-JP" sz="1200" dirty="0" err="1"/>
+              <a:t>hjust</a:t>
+            </a:r>
+            <a:r>
+              <a:rPr lang="en-US" altLang="ja-JP" sz="1200" dirty="0"/>
+              <a:t> = 1.0),</a:t>
+            </a:r>
+          </a:p>
+          <a:p>
+            <a:pPr marL="457200" lvl="1" indent="0">
+              <a:buNone/>
+            </a:pPr>
+            <a:r>
+              <a:rPr lang="en-US" altLang="ja-JP" sz="1200" dirty="0"/>
+              <a:t>        </a:t>
+            </a:r>
+            <a:r>
+              <a:rPr lang="en-US" altLang="ja-JP" sz="1200" dirty="0" err="1"/>
+              <a:t>strip.text</a:t>
+            </a:r>
+            <a:r>
+              <a:rPr lang="en-US" altLang="ja-JP" sz="1200" dirty="0"/>
+              <a:t>=</a:t>
+            </a:r>
+            <a:r>
+              <a:rPr lang="en-US" altLang="ja-JP" sz="1200" dirty="0" err="1"/>
+              <a:t>element_text</a:t>
+            </a:r>
+            <a:r>
+              <a:rPr lang="en-US" altLang="ja-JP" sz="1200" dirty="0"/>
+              <a:t>(size=10),</a:t>
+            </a:r>
+          </a:p>
+          <a:p>
+            <a:pPr marL="457200" lvl="1" indent="0">
+              <a:buNone/>
+            </a:pPr>
+            <a:r>
+              <a:rPr lang="en-US" altLang="ja-JP" sz="1200" dirty="0"/>
+              <a:t>        </a:t>
+            </a:r>
+            <a:r>
+              <a:rPr lang="en-US" altLang="ja-JP" sz="1200" dirty="0" err="1"/>
+              <a:t>legend.position</a:t>
+            </a:r>
+            <a:r>
+              <a:rPr lang="en-US" altLang="ja-JP" sz="1200" dirty="0"/>
+              <a:t> = "top")</a:t>
+            </a:r>
+            <a:endParaRPr kumimoji="1" lang="ja-JP" altLang="en-US" dirty="0"/>
           </a:p>
         </p:txBody>
       </p:sp>
@@ -11754,16 +16861,53 @@
           </a:p>
         </p:txBody>
       </p:sp>
+      <p:pic>
+        <p:nvPicPr>
+          <p:cNvPr id="6" name="図 5"/>
+          <p:cNvPicPr>
+            <a:picLocks noChangeAspect="1"/>
+          </p:cNvPicPr>
+          <p:nvPr/>
+        </p:nvPicPr>
+        <p:blipFill>
+          <a:blip r:embed="rId2" cstate="print">
+            <a:extLst>
+              <a:ext uri="{28A0092B-C50C-407E-A947-70E740481C1C}">
+                <a14:useLocalDpi xmlns:a14="http://schemas.microsoft.com/office/drawing/2010/main" val="0"/>
+              </a:ext>
+            </a:extLst>
+          </a:blip>
+          <a:stretch>
+            <a:fillRect/>
+          </a:stretch>
+        </p:blipFill>
+        <p:spPr>
+          <a:xfrm>
+            <a:off x="6096000" y="1690690"/>
+            <a:ext cx="5818639" cy="4654911"/>
+          </a:xfrm>
+          <a:prstGeom prst="rect">
+            <a:avLst/>
+          </a:prstGeom>
+        </p:spPr>
+      </p:pic>
     </p:spTree>
     <p:extLst>
       <p:ext uri="{BB962C8B-B14F-4D97-AF65-F5344CB8AC3E}">
-        <p14:creationId xmlns:p14="http://schemas.microsoft.com/office/powerpoint/2010/main" val="802725669"/>
+        <p14:creationId xmlns:p14="http://schemas.microsoft.com/office/powerpoint/2010/main" val="4008939847"/>
       </p:ext>
     </p:extLst>
   </p:cSld>
   <p:clrMapOvr>
     <a:masterClrMapping/>
   </p:clrMapOvr>
+  <p:timing>
+    <p:tnLst>
+      <p:par>
+        <p:cTn id="1" dur="indefinite" restart="never" nodeType="tmRoot"/>
+      </p:par>
+    </p:tnLst>
+  </p:timing>
 </p:sld>
 </file>
 
@@ -12136,7 +17280,7 @@
               <a:t>演習</a:t>
             </a:r>
             <a:r>
-              <a:rPr lang="en-US" altLang="ja-JP" b="1" dirty="0">
+              <a:rPr lang="en-US" altLang="ja-JP" b="1" dirty="0" smtClean="0">
                 <a:solidFill>
                   <a:schemeClr val="tx1">
                     <a:lumMod val="50000"/>
@@ -12144,7 +17288,7 @@
                   </a:schemeClr>
                 </a:solidFill>
               </a:rPr>
-              <a:t>-2</a:t>
+              <a:t>-3</a:t>
             </a:r>
             <a:endParaRPr kumimoji="1" lang="ja-JP" altLang="en-US" b="1" dirty="0">
               <a:solidFill>
@@ -12172,7 +17316,7 @@
           <a:bodyPr/>
           <a:lstStyle/>
           <a:p>
-            <a:endParaRPr kumimoji="1" lang="ja-JP" altLang="en-US"/>
+            <a:endParaRPr kumimoji="1" lang="ja-JP" altLang="en-US" dirty="0"/>
           </a:p>
         </p:txBody>
       </p:sp>
@@ -12302,7 +17446,7 @@
               <a:t>演習</a:t>
             </a:r>
             <a:r>
-              <a:rPr lang="en-US" altLang="ja-JP" b="1" dirty="0">
+              <a:rPr lang="en-US" altLang="ja-JP" b="1" dirty="0" smtClean="0">
                 <a:solidFill>
                   <a:schemeClr val="tx1">
                     <a:lumMod val="50000"/>
@@ -12310,7 +17454,18 @@
                   </a:schemeClr>
                 </a:solidFill>
               </a:rPr>
-              <a:t>-2</a:t>
+              <a:t>-3</a:t>
+            </a:r>
+            <a:r>
+              <a:rPr lang="ja-JP" altLang="en-US" b="1" dirty="0" smtClean="0">
+                <a:solidFill>
+                  <a:schemeClr val="tx1">
+                    <a:lumMod val="50000"/>
+                    <a:lumOff val="50000"/>
+                  </a:schemeClr>
+                </a:solidFill>
+              </a:rPr>
+              <a:t>：</a:t>
             </a:r>
             <a:r>
               <a:rPr lang="ja-JP" altLang="en-US" b="1" dirty="0">
@@ -12321,7 +17476,7 @@
                   </a:schemeClr>
                 </a:solidFill>
               </a:rPr>
-              <a:t>：回答</a:t>
+              <a:t>回答</a:t>
             </a:r>
             <a:endParaRPr kumimoji="1" lang="ja-JP" altLang="en-US" b="1" dirty="0">
               <a:solidFill>
@@ -12468,6 +17623,17 @@
           <a:lstStyle/>
           <a:p>
             <a:r>
+              <a:rPr kumimoji="1" lang="ja-JP" altLang="en-US" b="1" dirty="0" smtClean="0">
+                <a:solidFill>
+                  <a:schemeClr val="tx1">
+                    <a:lumMod val="50000"/>
+                    <a:lumOff val="50000"/>
+                  </a:schemeClr>
+                </a:solidFill>
+              </a:rPr>
+              <a:t>便利な機能：</a:t>
+            </a:r>
+            <a:r>
               <a:rPr lang="ja-JP" altLang="en-US" b="1" dirty="0">
                 <a:solidFill>
                   <a:schemeClr val="tx1">
@@ -12476,9 +17642,94 @@
                   </a:schemeClr>
                 </a:solidFill>
               </a:rPr>
-              <a:t>その他よく使う関数</a:t>
-            </a:r>
-            <a:endParaRPr kumimoji="1" lang="ja-JP" altLang="en-US" b="1" dirty="0"/>
+              <a:t>帳票の</a:t>
+            </a:r>
+            <a:r>
+              <a:rPr lang="en-US" altLang="ja-JP" b="1" dirty="0" smtClean="0">
+                <a:solidFill>
+                  <a:schemeClr val="tx1">
+                    <a:lumMod val="50000"/>
+                    <a:lumOff val="50000"/>
+                  </a:schemeClr>
+                </a:solidFill>
+              </a:rPr>
+              <a:t>word/</a:t>
+            </a:r>
+            <a:r>
+              <a:rPr lang="en-US" altLang="ja-JP" b="1" dirty="0" err="1" smtClean="0">
+                <a:solidFill>
+                  <a:schemeClr val="tx1">
+                    <a:lumMod val="50000"/>
+                    <a:lumOff val="50000"/>
+                  </a:schemeClr>
+                </a:solidFill>
+              </a:rPr>
+              <a:t>ppt</a:t>
+            </a:r>
+            <a:r>
+              <a:rPr lang="ja-JP" altLang="en-US" b="1" dirty="0" smtClean="0">
+                <a:solidFill>
+                  <a:schemeClr val="tx1">
+                    <a:lumMod val="50000"/>
+                    <a:lumOff val="50000"/>
+                  </a:schemeClr>
+                </a:solidFill>
+              </a:rPr>
+              <a:t>出力</a:t>
+            </a:r>
+            <a:r>
+              <a:rPr lang="en-US" altLang="ja-JP" dirty="0">
+                <a:solidFill>
+                  <a:schemeClr val="tx1">
+                    <a:lumMod val="50000"/>
+                    <a:lumOff val="50000"/>
+                  </a:schemeClr>
+                </a:solidFill>
+              </a:rPr>
+              <a:t/>
+            </a:r>
+            <a:br>
+              <a:rPr lang="en-US" altLang="ja-JP" dirty="0">
+                <a:solidFill>
+                  <a:schemeClr val="tx1">
+                    <a:lumMod val="50000"/>
+                    <a:lumOff val="50000"/>
+                  </a:schemeClr>
+                </a:solidFill>
+              </a:rPr>
+            </a:br>
+            <a:r>
+              <a:rPr lang="en-US" altLang="ja-JP" dirty="0">
+                <a:solidFill>
+                  <a:srgbClr val="0070C0"/>
+                </a:solidFill>
+              </a:rPr>
+              <a:t>officer</a:t>
+            </a:r>
+            <a:r>
+              <a:rPr lang="en-US" altLang="ja-JP" dirty="0">
+                <a:solidFill>
+                  <a:schemeClr val="tx1">
+                    <a:lumMod val="50000"/>
+                    <a:lumOff val="50000"/>
+                  </a:schemeClr>
+                </a:solidFill>
+              </a:rPr>
+              <a:t>, </a:t>
+            </a:r>
+            <a:r>
+              <a:rPr lang="en-US" altLang="ja-JP" dirty="0" err="1">
+                <a:solidFill>
+                  <a:srgbClr val="0070C0"/>
+                </a:solidFill>
+              </a:rPr>
+              <a:t>flextable</a:t>
+            </a:r>
+            <a:endParaRPr kumimoji="1" lang="ja-JP" altLang="en-US" dirty="0">
+              <a:solidFill>
+                <a:srgbClr val="0070C0"/>
+              </a:solidFill>
+            </a:endParaRPr>
           </a:p>
         </p:txBody>
       </p:sp>
@@ -12497,7 +17748,7 @@
           <a:bodyPr/>
           <a:lstStyle/>
           <a:p>
-            <a:endParaRPr kumimoji="1" lang="ja-JP" altLang="en-US"/>
+            <a:endParaRPr kumimoji="1" lang="ja-JP" altLang="en-US" dirty="0"/>
           </a:p>
         </p:txBody>
       </p:sp>
@@ -12558,250 +17809,6 @@
             <a:fld id="{93256357-0251-4953-A9B8-633A05DE8E91}" type="slidenum">
               <a:rPr kumimoji="1" lang="ja-JP" altLang="en-US" smtClean="0"/>
               <a:t>22</a:t>
-            </a:fld>
-            <a:endParaRPr kumimoji="1" lang="ja-JP" altLang="en-US"/>
-          </a:p>
-        </p:txBody>
-      </p:sp>
-    </p:spTree>
-    <p:extLst>
-      <p:ext uri="{BB962C8B-B14F-4D97-AF65-F5344CB8AC3E}">
-        <p14:creationId xmlns:p14="http://schemas.microsoft.com/office/powerpoint/2010/main" val="2511833603"/>
-      </p:ext>
-    </p:extLst>
-  </p:cSld>
-  <p:clrMapOvr>
-    <a:masterClrMapping/>
-  </p:clrMapOvr>
-  <p:timing>
-    <p:tnLst>
-      <p:par>
-        <p:cTn id="1" dur="indefinite" restart="never" nodeType="tmRoot"/>
-      </p:par>
-    </p:tnLst>
-  </p:timing>
-</p:sld>
-</file>
-
-<file path=ppt/slides/slide23.xml><?xml version="1.0" encoding="utf-8"?>
-<p:sld xmlns:a="http://schemas.openxmlformats.org/drawingml/2006/main" xmlns:r="http://schemas.openxmlformats.org/officeDocument/2006/relationships" xmlns:p="http://schemas.openxmlformats.org/presentationml/2006/main">
-  <p:cSld>
-    <p:spTree>
-      <p:nvGrpSpPr>
-        <p:cNvPr id="1" name=""/>
-        <p:cNvGrpSpPr/>
-        <p:nvPr/>
-      </p:nvGrpSpPr>
-      <p:grpSpPr>
-        <a:xfrm>
-          <a:off x="0" y="0"/>
-          <a:ext cx="0" cy="0"/>
-          <a:chOff x="0" y="0"/>
-          <a:chExt cx="0" cy="0"/>
-        </a:xfrm>
-      </p:grpSpPr>
-      <p:sp>
-        <p:nvSpPr>
-          <p:cNvPr id="2" name="タイトル 1"/>
-          <p:cNvSpPr>
-            <a:spLocks noGrp="1"/>
-          </p:cNvSpPr>
-          <p:nvPr>
-            <p:ph type="title"/>
-          </p:nvPr>
-        </p:nvSpPr>
-        <p:spPr/>
-        <p:txBody>
-          <a:bodyPr/>
-          <a:lstStyle/>
-          <a:p>
-            <a:r>
-              <a:rPr kumimoji="1" lang="ja-JP" altLang="en-US" b="1" dirty="0" smtClean="0">
-                <a:solidFill>
-                  <a:schemeClr val="tx1">
-                    <a:lumMod val="50000"/>
-                    <a:lumOff val="50000"/>
-                  </a:schemeClr>
-                </a:solidFill>
-              </a:rPr>
-              <a:t>便利な機能：</a:t>
-            </a:r>
-            <a:r>
-              <a:rPr lang="ja-JP" altLang="en-US" b="1" dirty="0">
-                <a:solidFill>
-                  <a:schemeClr val="tx1">
-                    <a:lumMod val="50000"/>
-                    <a:lumOff val="50000"/>
-                  </a:schemeClr>
-                </a:solidFill>
-              </a:rPr>
-              <a:t>帳票の</a:t>
-            </a:r>
-            <a:r>
-              <a:rPr lang="en-US" altLang="ja-JP" b="1" dirty="0" smtClean="0">
-                <a:solidFill>
-                  <a:schemeClr val="tx1">
-                    <a:lumMod val="50000"/>
-                    <a:lumOff val="50000"/>
-                  </a:schemeClr>
-                </a:solidFill>
-              </a:rPr>
-              <a:t>word/</a:t>
-            </a:r>
-            <a:r>
-              <a:rPr lang="en-US" altLang="ja-JP" b="1" dirty="0" err="1" smtClean="0">
-                <a:solidFill>
-                  <a:schemeClr val="tx1">
-                    <a:lumMod val="50000"/>
-                    <a:lumOff val="50000"/>
-                  </a:schemeClr>
-                </a:solidFill>
-              </a:rPr>
-              <a:t>ppt</a:t>
-            </a:r>
-            <a:r>
-              <a:rPr lang="ja-JP" altLang="en-US" b="1" dirty="0" smtClean="0">
-                <a:solidFill>
-                  <a:schemeClr val="tx1">
-                    <a:lumMod val="50000"/>
-                    <a:lumOff val="50000"/>
-                  </a:schemeClr>
-                </a:solidFill>
-              </a:rPr>
-              <a:t>出力</a:t>
-            </a:r>
-            <a:r>
-              <a:rPr lang="en-US" altLang="ja-JP" dirty="0">
-                <a:solidFill>
-                  <a:schemeClr val="tx1">
-                    <a:lumMod val="50000"/>
-                    <a:lumOff val="50000"/>
-                  </a:schemeClr>
-                </a:solidFill>
-              </a:rPr>
-              <a:t/>
-            </a:r>
-            <a:br>
-              <a:rPr lang="en-US" altLang="ja-JP" dirty="0">
-                <a:solidFill>
-                  <a:schemeClr val="tx1">
-                    <a:lumMod val="50000"/>
-                    <a:lumOff val="50000"/>
-                  </a:schemeClr>
-                </a:solidFill>
-              </a:rPr>
-            </a:br>
-            <a:r>
-              <a:rPr lang="en-US" altLang="ja-JP" dirty="0">
-                <a:solidFill>
-                  <a:srgbClr val="0070C0"/>
-                </a:solidFill>
-              </a:rPr>
-              <a:t>officer</a:t>
-            </a:r>
-            <a:r>
-              <a:rPr lang="en-US" altLang="ja-JP" dirty="0">
-                <a:solidFill>
-                  <a:schemeClr val="tx1">
-                    <a:lumMod val="50000"/>
-                    <a:lumOff val="50000"/>
-                  </a:schemeClr>
-                </a:solidFill>
-              </a:rPr>
-              <a:t>, </a:t>
-            </a:r>
-            <a:r>
-              <a:rPr lang="en-US" altLang="ja-JP" dirty="0" err="1">
-                <a:solidFill>
-                  <a:srgbClr val="0070C0"/>
-                </a:solidFill>
-              </a:rPr>
-              <a:t>flextable</a:t>
-            </a:r>
-            <a:endParaRPr kumimoji="1" lang="ja-JP" altLang="en-US" dirty="0">
-              <a:solidFill>
-                <a:srgbClr val="0070C0"/>
-              </a:solidFill>
-            </a:endParaRPr>
-          </a:p>
-        </p:txBody>
-      </p:sp>
-      <p:sp>
-        <p:nvSpPr>
-          <p:cNvPr id="3" name="コンテンツ プレースホルダー 2"/>
-          <p:cNvSpPr>
-            <a:spLocks noGrp="1"/>
-          </p:cNvSpPr>
-          <p:nvPr>
-            <p:ph idx="1"/>
-          </p:nvPr>
-        </p:nvSpPr>
-        <p:spPr/>
-        <p:txBody>
-          <a:bodyPr/>
-          <a:lstStyle/>
-          <a:p>
-            <a:endParaRPr kumimoji="1" lang="ja-JP" altLang="en-US" dirty="0"/>
-          </a:p>
-        </p:txBody>
-      </p:sp>
-      <p:sp>
-        <p:nvSpPr>
-          <p:cNvPr id="4" name="フッター プレースホルダー 3"/>
-          <p:cNvSpPr>
-            <a:spLocks noGrp="1"/>
-          </p:cNvSpPr>
-          <p:nvPr>
-            <p:ph type="ftr" sz="quarter" idx="11"/>
-          </p:nvPr>
-        </p:nvSpPr>
-        <p:spPr/>
-        <p:txBody>
-          <a:bodyPr/>
-          <a:lstStyle/>
-          <a:p>
-            <a:r>
-              <a:rPr lang="en-US" altLang="ja-JP"/>
-              <a:t>R</a:t>
-            </a:r>
-            <a:r>
-              <a:rPr lang="ja-JP" altLang="en-US"/>
-              <a:t> </a:t>
-            </a:r>
-            <a:r>
-              <a:rPr lang="en-US" altLang="ja-JP"/>
-              <a:t>for</a:t>
-            </a:r>
-            <a:r>
-              <a:rPr lang="ja-JP" altLang="en-US"/>
-              <a:t> </a:t>
-            </a:r>
-            <a:r>
-              <a:rPr lang="en-US" altLang="ja-JP"/>
-              <a:t>Pharmacometrics</a:t>
-            </a:r>
-            <a:endParaRPr lang="ja-JP" altLang="en-US" dirty="0"/>
-          </a:p>
-        </p:txBody>
-      </p:sp>
-      <p:sp>
-        <p:nvSpPr>
-          <p:cNvPr id="5" name="スライド番号プレースホルダー 4"/>
-          <p:cNvSpPr>
-            <a:spLocks noGrp="1"/>
-          </p:cNvSpPr>
-          <p:nvPr>
-            <p:ph type="sldNum" sz="quarter" idx="12"/>
-          </p:nvPr>
-        </p:nvSpPr>
-        <p:spPr/>
-        <p:txBody>
-          <a:bodyPr/>
-          <a:lstStyle/>
-          <a:p>
-            <a:fld id="{93256357-0251-4953-A9B8-633A05DE8E91}" type="slidenum">
-              <a:rPr kumimoji="1" lang="ja-JP" altLang="en-US" smtClean="0"/>
-              <a:t>23</a:t>
             </a:fld>
             <a:endParaRPr kumimoji="1" lang="ja-JP" altLang="en-US"/>
           </a:p>
@@ -21109,10 +26116,20 @@
                   </a:schemeClr>
                 </a:solidFill>
               </a:rPr>
-              <a:t>“cloud/project/R-for-</a:t>
-            </a:r>
-            <a:r>
-              <a:rPr lang="en-US" altLang="ja-JP" dirty="0" err="1">
+              <a:t>“</a:t>
+            </a:r>
+            <a:r>
+              <a:rPr lang="en-US" altLang="ja-JP" dirty="0" smtClean="0">
+                <a:solidFill>
+                  <a:schemeClr val="accent6">
+                    <a:lumMod val="75000"/>
+                  </a:schemeClr>
+                </a:solidFill>
+              </a:rPr>
+              <a:t>cloud/project/R-for-</a:t>
+            </a:r>
+            <a:r>
+              <a:rPr lang="en-US" altLang="ja-JP" dirty="0" err="1" smtClean="0">
                 <a:solidFill>
                   <a:schemeClr val="accent6">
                     <a:lumMod val="75000"/>
@@ -21122,18 +26139,22 @@
               <a:t>PMx</a:t>
             </a:r>
             <a:r>
-              <a:rPr lang="en-US" altLang="ja-JP" dirty="0">
+              <a:rPr lang="en-US" altLang="ja-JP" dirty="0" smtClean="0">
                 <a:solidFill>
                   <a:schemeClr val="accent6">
                     <a:lumMod val="75000"/>
                   </a:schemeClr>
                 </a:solidFill>
               </a:rPr>
-              <a:t>-master /Data/PSP4-8-748-s012.csv”</a:t>
+              <a:t>-master/Data/PSP4-8-748-s012.csv”</a:t>
+            </a:r>
+            <a:r>
+              <a:rPr lang="en-US" altLang="ja-JP" dirty="0" smtClean="0"/>
+              <a:t>)</a:t>
             </a:r>
             <a:r>
               <a:rPr lang="en-US" altLang="ja-JP" dirty="0"/>
-              <a:t>))</a:t>
+              <a:t/>
             </a:r>
             <a:br>
               <a:rPr lang="en-US" altLang="ja-JP" dirty="0"/>
